--- a/slides/Tag-3_3-Release-und-Tagged-Images.pptx
+++ b/slides/Tag-3_3-Release-und-Tagged-Images.pptx
@@ -6,16 +6,25 @@
     <p:sldMasterId id="2147483649" r:id="rId2"/>
   </p:sldMasterIdLst>
   <p:notesMasterIdLst>
-    <p:notesMasterId r:id="rId7"/>
+    <p:notesMasterId r:id="rId16"/>
   </p:notesMasterIdLst>
   <p:handoutMasterIdLst>
-    <p:handoutMasterId r:id="rId8"/>
+    <p:handoutMasterId r:id="rId17"/>
   </p:handoutMasterIdLst>
   <p:sldIdLst>
     <p:sldId id="288" r:id="rId3"/>
     <p:sldId id="289" r:id="rId4"/>
     <p:sldId id="291" r:id="rId5"/>
     <p:sldId id="587" r:id="rId6"/>
+    <p:sldId id="589" r:id="rId7"/>
+    <p:sldId id="590" r:id="rId8"/>
+    <p:sldId id="597" r:id="rId9"/>
+    <p:sldId id="598" r:id="rId10"/>
+    <p:sldId id="594" r:id="rId11"/>
+    <p:sldId id="595" r:id="rId12"/>
+    <p:sldId id="596" r:id="rId13"/>
+    <p:sldId id="591" r:id="rId14"/>
+    <p:sldId id="588" r:id="rId15"/>
   </p:sldIdLst>
   <p:sldSz cx="9144000" cy="6858000" type="screen4x3"/>
   <p:notesSz cx="6784975" cy="9921875"/>
@@ -921,6 +930,176 @@
     </a:lvl9pPr>
   </p:notesStyle>
 </p:notesMaster>
+</file>
+
+<file path=ppt/notesSlides/notesSlide1.xml><?xml version="1.0" encoding="utf-8"?>
+<p:notes xmlns:a="http://schemas.openxmlformats.org/drawingml/2006/main" xmlns:r="http://schemas.openxmlformats.org/officeDocument/2006/relationships" xmlns:p="http://schemas.openxmlformats.org/presentationml/2006/main">
+  <p:cSld>
+    <p:spTree>
+      <p:nvGrpSpPr>
+        <p:cNvPr id="1" name=""/>
+        <p:cNvGrpSpPr/>
+        <p:nvPr/>
+      </p:nvGrpSpPr>
+      <p:grpSpPr>
+        <a:xfrm>
+          <a:off x="0" y="0"/>
+          <a:ext cx="0" cy="0"/>
+          <a:chOff x="0" y="0"/>
+          <a:chExt cx="0" cy="0"/>
+        </a:xfrm>
+      </p:grpSpPr>
+      <p:sp>
+        <p:nvSpPr>
+          <p:cNvPr id="2" name="Folienbildplatzhalter 1"/>
+          <p:cNvSpPr>
+            <a:spLocks noGrp="1" noRot="1" noChangeAspect="1"/>
+          </p:cNvSpPr>
+          <p:nvPr>
+            <p:ph type="sldImg"/>
+          </p:nvPr>
+        </p:nvSpPr>
+        <p:spPr/>
+      </p:sp>
+      <p:sp>
+        <p:nvSpPr>
+          <p:cNvPr id="3" name="Notizenplatzhalter 2"/>
+          <p:cNvSpPr>
+            <a:spLocks noGrp="1"/>
+          </p:cNvSpPr>
+          <p:nvPr>
+            <p:ph type="body" idx="1"/>
+          </p:nvPr>
+        </p:nvSpPr>
+        <p:spPr/>
+        <p:txBody>
+          <a:bodyPr/>
+          <a:lstStyle/>
+          <a:p>
+            <a:endParaRPr lang="de-DE" dirty="0"/>
+          </a:p>
+        </p:txBody>
+      </p:sp>
+      <p:sp>
+        <p:nvSpPr>
+          <p:cNvPr id="4" name="Foliennummernplatzhalter 3"/>
+          <p:cNvSpPr>
+            <a:spLocks noGrp="1"/>
+          </p:cNvSpPr>
+          <p:nvPr>
+            <p:ph type="sldNum" sz="quarter" idx="5"/>
+          </p:nvPr>
+        </p:nvSpPr>
+        <p:spPr/>
+        <p:txBody>
+          <a:bodyPr/>
+          <a:lstStyle/>
+          <a:p>
+            <a:fld id="{18182567-388C-4D33-8B7B-A651F195F118}" type="slidenum">
+              <a:rPr lang="de-DE" altLang="de-DE" smtClean="0"/>
+              <a:pPr/>
+              <a:t>7</a:t>
+            </a:fld>
+            <a:endParaRPr lang="de-DE" altLang="de-DE"/>
+          </a:p>
+        </p:txBody>
+      </p:sp>
+    </p:spTree>
+    <p:extLst>
+      <p:ext uri="{BB962C8B-B14F-4D97-AF65-F5344CB8AC3E}">
+        <p14:creationId xmlns:p14="http://schemas.microsoft.com/office/powerpoint/2010/main" val="3711379124"/>
+      </p:ext>
+    </p:extLst>
+  </p:cSld>
+  <p:clrMapOvr>
+    <a:masterClrMapping/>
+  </p:clrMapOvr>
+</p:notes>
+</file>
+
+<file path=ppt/notesSlides/notesSlide2.xml><?xml version="1.0" encoding="utf-8"?>
+<p:notes xmlns:a="http://schemas.openxmlformats.org/drawingml/2006/main" xmlns:r="http://schemas.openxmlformats.org/officeDocument/2006/relationships" xmlns:p="http://schemas.openxmlformats.org/presentationml/2006/main">
+  <p:cSld>
+    <p:spTree>
+      <p:nvGrpSpPr>
+        <p:cNvPr id="1" name=""/>
+        <p:cNvGrpSpPr/>
+        <p:nvPr/>
+      </p:nvGrpSpPr>
+      <p:grpSpPr>
+        <a:xfrm>
+          <a:off x="0" y="0"/>
+          <a:ext cx="0" cy="0"/>
+          <a:chOff x="0" y="0"/>
+          <a:chExt cx="0" cy="0"/>
+        </a:xfrm>
+      </p:grpSpPr>
+      <p:sp>
+        <p:nvSpPr>
+          <p:cNvPr id="2" name="Folienbildplatzhalter 1"/>
+          <p:cNvSpPr>
+            <a:spLocks noGrp="1" noRot="1" noChangeAspect="1"/>
+          </p:cNvSpPr>
+          <p:nvPr>
+            <p:ph type="sldImg"/>
+          </p:nvPr>
+        </p:nvSpPr>
+        <p:spPr/>
+      </p:sp>
+      <p:sp>
+        <p:nvSpPr>
+          <p:cNvPr id="3" name="Notizenplatzhalter 2"/>
+          <p:cNvSpPr>
+            <a:spLocks noGrp="1"/>
+          </p:cNvSpPr>
+          <p:nvPr>
+            <p:ph type="body" idx="1"/>
+          </p:nvPr>
+        </p:nvSpPr>
+        <p:spPr/>
+        <p:txBody>
+          <a:bodyPr/>
+          <a:lstStyle/>
+          <a:p>
+            <a:endParaRPr lang="de-DE" dirty="0"/>
+          </a:p>
+        </p:txBody>
+      </p:sp>
+      <p:sp>
+        <p:nvSpPr>
+          <p:cNvPr id="4" name="Foliennummernplatzhalter 3"/>
+          <p:cNvSpPr>
+            <a:spLocks noGrp="1"/>
+          </p:cNvSpPr>
+          <p:nvPr>
+            <p:ph type="sldNum" sz="quarter" idx="5"/>
+          </p:nvPr>
+        </p:nvSpPr>
+        <p:spPr/>
+        <p:txBody>
+          <a:bodyPr/>
+          <a:lstStyle/>
+          <a:p>
+            <a:fld id="{18182567-388C-4D33-8B7B-A651F195F118}" type="slidenum">
+              <a:rPr lang="de-DE" altLang="de-DE" smtClean="0"/>
+              <a:pPr/>
+              <a:t>13</a:t>
+            </a:fld>
+            <a:endParaRPr lang="de-DE" altLang="de-DE"/>
+          </a:p>
+        </p:txBody>
+      </p:sp>
+    </p:spTree>
+    <p:extLst>
+      <p:ext uri="{BB962C8B-B14F-4D97-AF65-F5344CB8AC3E}">
+        <p14:creationId xmlns:p14="http://schemas.microsoft.com/office/powerpoint/2010/main" val="1015434146"/>
+      </p:ext>
+    </p:extLst>
+  </p:cSld>
+  <p:clrMapOvr>
+    <a:masterClrMapping/>
+  </p:clrMapOvr>
+</p:notes>
 </file>
 
 <file path=ppt/slideLayouts/slideLayout1.xml><?xml version="1.0" encoding="utf-8"?>
@@ -3649,6 +3828,776 @@
 </p:sld>
 </file>
 
+<file path=ppt/slides/slide10.xml><?xml version="1.0" encoding="utf-8"?>
+<p:sld xmlns:a="http://schemas.openxmlformats.org/drawingml/2006/main" xmlns:r="http://schemas.openxmlformats.org/officeDocument/2006/relationships" xmlns:p="http://schemas.openxmlformats.org/presentationml/2006/main">
+  <p:cSld>
+    <p:spTree>
+      <p:nvGrpSpPr>
+        <p:cNvPr id="1" name=""/>
+        <p:cNvGrpSpPr/>
+        <p:nvPr/>
+      </p:nvGrpSpPr>
+      <p:grpSpPr>
+        <a:xfrm>
+          <a:off x="0" y="0"/>
+          <a:ext cx="0" cy="0"/>
+          <a:chOff x="0" y="0"/>
+          <a:chExt cx="0" cy="0"/>
+        </a:xfrm>
+      </p:grpSpPr>
+      <p:sp>
+        <p:nvSpPr>
+          <p:cNvPr id="2" name="Titel 1">
+            <a:extLst>
+              <a:ext uri="{FF2B5EF4-FFF2-40B4-BE49-F238E27FC236}">
+                <a16:creationId xmlns:a16="http://schemas.microsoft.com/office/drawing/2014/main" id="{5874EA8E-7A71-3505-B01E-D0E8A26AAC59}"/>
+              </a:ext>
+            </a:extLst>
+          </p:cNvPr>
+          <p:cNvSpPr>
+            <a:spLocks noGrp="1"/>
+          </p:cNvSpPr>
+          <p:nvPr>
+            <p:ph type="title"/>
+          </p:nvPr>
+        </p:nvSpPr>
+        <p:spPr/>
+        <p:txBody>
+          <a:bodyPr/>
+          <a:lstStyle/>
+          <a:p>
+            <a:r>
+              <a:rPr lang="de-DE" cap="none" dirty="0"/>
+              <a:t>Release- und </a:t>
+            </a:r>
+            <a:r>
+              <a:rPr lang="de-DE" cap="none" dirty="0" err="1"/>
+              <a:t>Tagged</a:t>
+            </a:r>
+            <a:r>
+              <a:rPr lang="de-DE" cap="none" dirty="0"/>
+              <a:t>-Images</a:t>
+            </a:r>
+            <a:endParaRPr lang="de-DE" dirty="0"/>
+          </a:p>
+        </p:txBody>
+      </p:sp>
+      <p:sp>
+        <p:nvSpPr>
+          <p:cNvPr id="3" name="Inhaltsplatzhalter 2">
+            <a:extLst>
+              <a:ext uri="{FF2B5EF4-FFF2-40B4-BE49-F238E27FC236}">
+                <a16:creationId xmlns:a16="http://schemas.microsoft.com/office/drawing/2014/main" id="{D4DA2B4E-C5FB-6595-34A6-E18A9AA0157D}"/>
+              </a:ext>
+            </a:extLst>
+          </p:cNvPr>
+          <p:cNvSpPr>
+            <a:spLocks noGrp="1"/>
+          </p:cNvSpPr>
+          <p:nvPr>
+            <p:ph idx="1"/>
+          </p:nvPr>
+        </p:nvSpPr>
+        <p:spPr/>
+        <p:txBody>
+          <a:bodyPr/>
+          <a:lstStyle/>
+          <a:p>
+            <a:pPr marL="0" indent="0">
+              <a:buNone/>
+            </a:pPr>
+            <a:r>
+              <a:rPr lang="de-DE" b="1" dirty="0"/>
+              <a:t>Tagging nach dem </a:t>
+            </a:r>
+            <a:r>
+              <a:rPr lang="de-DE" b="1" dirty="0" err="1"/>
+              <a:t>Build</a:t>
+            </a:r>
+            <a:endParaRPr lang="de-DE" b="1" dirty="0"/>
+          </a:p>
+          <a:p>
+            <a:pPr>
+              <a:buFont typeface="Arial" panose="020B0604020202020204" pitchFamily="34" charset="0"/>
+              <a:buChar char="•"/>
+            </a:pPr>
+            <a:r>
+              <a:rPr lang="de-DE" dirty="0"/>
+              <a:t>Vorhandene Images mit </a:t>
+            </a:r>
+            <a:r>
+              <a:rPr lang="de-DE" dirty="0" err="1">
+                <a:latin typeface="Consolas" panose="020B0609020204030204" pitchFamily="49" charset="0"/>
+              </a:rPr>
+              <a:t>docker</a:t>
+            </a:r>
+            <a:r>
+              <a:rPr lang="de-DE" dirty="0">
+                <a:latin typeface="Consolas" panose="020B0609020204030204" pitchFamily="49" charset="0"/>
+              </a:rPr>
+              <a:t> tag </a:t>
+            </a:r>
+            <a:r>
+              <a:rPr lang="de-DE" dirty="0"/>
+              <a:t>Befehl taggen</a:t>
+            </a:r>
+          </a:p>
+          <a:p>
+            <a:pPr>
+              <a:buFont typeface="Arial" panose="020B0604020202020204" pitchFamily="34" charset="0"/>
+              <a:buChar char="•"/>
+            </a:pPr>
+            <a:endParaRPr lang="de-DE" dirty="0"/>
+          </a:p>
+          <a:p>
+            <a:pPr marL="0" indent="0">
+              <a:buNone/>
+            </a:pPr>
+            <a:r>
+              <a:rPr lang="de-DE" dirty="0" err="1">
+                <a:latin typeface="Consolas" panose="020B0609020204030204" pitchFamily="49" charset="0"/>
+              </a:rPr>
+              <a:t>docker</a:t>
+            </a:r>
+            <a:r>
+              <a:rPr lang="de-DE" dirty="0">
+                <a:latin typeface="Consolas" panose="020B0609020204030204" pitchFamily="49" charset="0"/>
+              </a:rPr>
+              <a:t> tag [IMAGE_ID] [</a:t>
+            </a:r>
+            <a:r>
+              <a:rPr lang="de-DE" dirty="0" err="1">
+                <a:latin typeface="Consolas" panose="020B0609020204030204" pitchFamily="49" charset="0"/>
+              </a:rPr>
+              <a:t>repository</a:t>
+            </a:r>
+            <a:r>
+              <a:rPr lang="de-DE" dirty="0">
+                <a:latin typeface="Consolas" panose="020B0609020204030204" pitchFamily="49" charset="0"/>
+              </a:rPr>
+              <a:t>]:[TAG] </a:t>
+            </a:r>
+          </a:p>
+        </p:txBody>
+      </p:sp>
+    </p:spTree>
+    <p:extLst>
+      <p:ext uri="{BB962C8B-B14F-4D97-AF65-F5344CB8AC3E}">
+        <p14:creationId xmlns:p14="http://schemas.microsoft.com/office/powerpoint/2010/main" val="3788244119"/>
+      </p:ext>
+    </p:extLst>
+  </p:cSld>
+  <p:clrMapOvr>
+    <a:masterClrMapping/>
+  </p:clrMapOvr>
+</p:sld>
+</file>
+
+<file path=ppt/slides/slide11.xml><?xml version="1.0" encoding="utf-8"?>
+<p:sld xmlns:a="http://schemas.openxmlformats.org/drawingml/2006/main" xmlns:r="http://schemas.openxmlformats.org/officeDocument/2006/relationships" xmlns:p="http://schemas.openxmlformats.org/presentationml/2006/main">
+  <p:cSld>
+    <p:spTree>
+      <p:nvGrpSpPr>
+        <p:cNvPr id="1" name=""/>
+        <p:cNvGrpSpPr/>
+        <p:nvPr/>
+      </p:nvGrpSpPr>
+      <p:grpSpPr>
+        <a:xfrm>
+          <a:off x="0" y="0"/>
+          <a:ext cx="0" cy="0"/>
+          <a:chOff x="0" y="0"/>
+          <a:chExt cx="0" cy="0"/>
+        </a:xfrm>
+      </p:grpSpPr>
+      <p:sp>
+        <p:nvSpPr>
+          <p:cNvPr id="2" name="Titel 1">
+            <a:extLst>
+              <a:ext uri="{FF2B5EF4-FFF2-40B4-BE49-F238E27FC236}">
+                <a16:creationId xmlns:a16="http://schemas.microsoft.com/office/drawing/2014/main" id="{5874EA8E-7A71-3505-B01E-D0E8A26AAC59}"/>
+              </a:ext>
+            </a:extLst>
+          </p:cNvPr>
+          <p:cNvSpPr>
+            <a:spLocks noGrp="1"/>
+          </p:cNvSpPr>
+          <p:nvPr>
+            <p:ph type="title"/>
+          </p:nvPr>
+        </p:nvSpPr>
+        <p:spPr/>
+        <p:txBody>
+          <a:bodyPr/>
+          <a:lstStyle/>
+          <a:p>
+            <a:r>
+              <a:rPr lang="de-DE" cap="none" dirty="0"/>
+              <a:t>Release- und </a:t>
+            </a:r>
+            <a:r>
+              <a:rPr lang="de-DE" cap="none" dirty="0" err="1"/>
+              <a:t>Tagged</a:t>
+            </a:r>
+            <a:r>
+              <a:rPr lang="de-DE" cap="none" dirty="0"/>
+              <a:t>-Images</a:t>
+            </a:r>
+            <a:endParaRPr lang="de-DE" dirty="0"/>
+          </a:p>
+        </p:txBody>
+      </p:sp>
+      <p:sp>
+        <p:nvSpPr>
+          <p:cNvPr id="3" name="Inhaltsplatzhalter 2">
+            <a:extLst>
+              <a:ext uri="{FF2B5EF4-FFF2-40B4-BE49-F238E27FC236}">
+                <a16:creationId xmlns:a16="http://schemas.microsoft.com/office/drawing/2014/main" id="{D4DA2B4E-C5FB-6595-34A6-E18A9AA0157D}"/>
+              </a:ext>
+            </a:extLst>
+          </p:cNvPr>
+          <p:cNvSpPr>
+            <a:spLocks noGrp="1"/>
+          </p:cNvSpPr>
+          <p:nvPr>
+            <p:ph idx="1"/>
+          </p:nvPr>
+        </p:nvSpPr>
+        <p:spPr/>
+        <p:txBody>
+          <a:bodyPr/>
+          <a:lstStyle/>
+          <a:p>
+            <a:pPr marL="0" indent="0">
+              <a:buNone/>
+            </a:pPr>
+            <a:r>
+              <a:rPr lang="de-DE" b="1" dirty="0"/>
+              <a:t>Best </a:t>
+            </a:r>
+            <a:r>
+              <a:rPr lang="de-DE" b="1" dirty="0" err="1"/>
+              <a:t>Practises</a:t>
+            </a:r>
+            <a:endParaRPr lang="de-DE" b="1" dirty="0"/>
+          </a:p>
+          <a:p>
+            <a:pPr>
+              <a:buFont typeface="Arial" panose="020B0604020202020204" pitchFamily="34" charset="0"/>
+              <a:buChar char="•"/>
+            </a:pPr>
+            <a:r>
+              <a:rPr lang="de-DE" dirty="0"/>
+              <a:t>Aussagekräftige Tags</a:t>
+            </a:r>
+          </a:p>
+          <a:p>
+            <a:pPr lvl="1">
+              <a:buFont typeface="Arial" panose="020B0604020202020204" pitchFamily="34" charset="0"/>
+              <a:buChar char="•"/>
+            </a:pPr>
+            <a:r>
+              <a:rPr lang="de-DE" dirty="0"/>
+              <a:t>Tags sollten beschreibend (deskriptive) sein</a:t>
+            </a:r>
+          </a:p>
+          <a:p>
+            <a:pPr lvl="1">
+              <a:buFont typeface="Arial" panose="020B0604020202020204" pitchFamily="34" charset="0"/>
+              <a:buChar char="•"/>
+            </a:pPr>
+            <a:r>
+              <a:rPr lang="de-DE" dirty="0"/>
+              <a:t>Die Image Version oder Zustand wiedergeben</a:t>
+            </a:r>
+          </a:p>
+          <a:p>
+            <a:pPr>
+              <a:buFont typeface="Arial" panose="020B0604020202020204" pitchFamily="34" charset="0"/>
+              <a:buChar char="•"/>
+            </a:pPr>
+            <a:r>
+              <a:rPr lang="de-DE" dirty="0"/>
+              <a:t>Konsistenz</a:t>
+            </a:r>
+          </a:p>
+          <a:p>
+            <a:pPr lvl="1">
+              <a:buFont typeface="Arial" panose="020B0604020202020204" pitchFamily="34" charset="0"/>
+              <a:buChar char="•"/>
+            </a:pPr>
+            <a:r>
+              <a:rPr lang="de-DE" dirty="0"/>
+              <a:t>Einheitliches Tagging-Schema für verschiedene Images und Versionen</a:t>
+            </a:r>
+          </a:p>
+          <a:p>
+            <a:pPr>
+              <a:buFont typeface="Arial" panose="020B0604020202020204" pitchFamily="34" charset="0"/>
+              <a:buChar char="•"/>
+            </a:pPr>
+            <a:r>
+              <a:rPr lang="de-DE" dirty="0"/>
+              <a:t>Regelmäßige Updates</a:t>
+            </a:r>
+          </a:p>
+          <a:p>
+            <a:pPr lvl="1">
+              <a:buFont typeface="Arial" panose="020B0604020202020204" pitchFamily="34" charset="0"/>
+              <a:buChar char="•"/>
+            </a:pPr>
+            <a:r>
+              <a:rPr lang="de-DE" dirty="0"/>
+              <a:t>Tags immer aktualisieren, gerade bei einer neuen </a:t>
+            </a:r>
+            <a:r>
+              <a:rPr lang="de-DE" dirty="0" err="1"/>
+              <a:t>Verison</a:t>
+            </a:r>
+            <a:endParaRPr lang="de-DE" dirty="0"/>
+          </a:p>
+          <a:p>
+            <a:pPr lvl="1">
+              <a:buFont typeface="Arial" panose="020B0604020202020204" pitchFamily="34" charset="0"/>
+              <a:buChar char="•"/>
+            </a:pPr>
+            <a:r>
+              <a:rPr lang="de-DE">
+                <a:sym typeface="Wingdings" panose="05000000000000000000" pitchFamily="2" charset="2"/>
+              </a:rPr>
+              <a:t> Strategien zum Image Tagging</a:t>
+            </a:r>
+            <a:endParaRPr lang="de-DE" dirty="0"/>
+          </a:p>
+        </p:txBody>
+      </p:sp>
+    </p:spTree>
+    <p:extLst>
+      <p:ext uri="{BB962C8B-B14F-4D97-AF65-F5344CB8AC3E}">
+        <p14:creationId xmlns:p14="http://schemas.microsoft.com/office/powerpoint/2010/main" val="1854948885"/>
+      </p:ext>
+    </p:extLst>
+  </p:cSld>
+  <p:clrMapOvr>
+    <a:masterClrMapping/>
+  </p:clrMapOvr>
+</p:sld>
+</file>
+
+<file path=ppt/slides/slide12.xml><?xml version="1.0" encoding="utf-8"?>
+<p:sld xmlns:a="http://schemas.openxmlformats.org/drawingml/2006/main" xmlns:r="http://schemas.openxmlformats.org/officeDocument/2006/relationships" xmlns:p="http://schemas.openxmlformats.org/presentationml/2006/main">
+  <p:cSld>
+    <p:spTree>
+      <p:nvGrpSpPr>
+        <p:cNvPr id="1" name=""/>
+        <p:cNvGrpSpPr/>
+        <p:nvPr/>
+      </p:nvGrpSpPr>
+      <p:grpSpPr>
+        <a:xfrm>
+          <a:off x="0" y="0"/>
+          <a:ext cx="0" cy="0"/>
+          <a:chOff x="0" y="0"/>
+          <a:chExt cx="0" cy="0"/>
+        </a:xfrm>
+      </p:grpSpPr>
+      <p:sp>
+        <p:nvSpPr>
+          <p:cNvPr id="2" name="Titel 1">
+            <a:extLst>
+              <a:ext uri="{FF2B5EF4-FFF2-40B4-BE49-F238E27FC236}">
+                <a16:creationId xmlns:a16="http://schemas.microsoft.com/office/drawing/2014/main" id="{5874EA8E-7A71-3505-B01E-D0E8A26AAC59}"/>
+              </a:ext>
+            </a:extLst>
+          </p:cNvPr>
+          <p:cNvSpPr>
+            <a:spLocks noGrp="1"/>
+          </p:cNvSpPr>
+          <p:nvPr>
+            <p:ph type="title"/>
+          </p:nvPr>
+        </p:nvSpPr>
+        <p:spPr/>
+        <p:txBody>
+          <a:bodyPr/>
+          <a:lstStyle/>
+          <a:p>
+            <a:r>
+              <a:rPr lang="de-DE" cap="none" dirty="0"/>
+              <a:t>Release- und </a:t>
+            </a:r>
+            <a:r>
+              <a:rPr lang="de-DE" cap="none" dirty="0" err="1"/>
+              <a:t>Tagged</a:t>
+            </a:r>
+            <a:r>
+              <a:rPr lang="de-DE" cap="none" dirty="0"/>
+              <a:t>-Images</a:t>
+            </a:r>
+            <a:endParaRPr lang="de-DE" dirty="0"/>
+          </a:p>
+        </p:txBody>
+      </p:sp>
+      <p:sp>
+        <p:nvSpPr>
+          <p:cNvPr id="3" name="Inhaltsplatzhalter 2">
+            <a:extLst>
+              <a:ext uri="{FF2B5EF4-FFF2-40B4-BE49-F238E27FC236}">
+                <a16:creationId xmlns:a16="http://schemas.microsoft.com/office/drawing/2014/main" id="{D4DA2B4E-C5FB-6595-34A6-E18A9AA0157D}"/>
+              </a:ext>
+            </a:extLst>
+          </p:cNvPr>
+          <p:cNvSpPr>
+            <a:spLocks noGrp="1"/>
+          </p:cNvSpPr>
+          <p:nvPr>
+            <p:ph idx="1"/>
+          </p:nvPr>
+        </p:nvSpPr>
+        <p:spPr/>
+        <p:txBody>
+          <a:bodyPr/>
+          <a:lstStyle/>
+          <a:p>
+            <a:pPr marL="0" indent="0">
+              <a:buNone/>
+            </a:pPr>
+            <a:r>
+              <a:rPr lang="de-DE" b="1" dirty="0"/>
+              <a:t>Strategien zum Image Tagging</a:t>
+            </a:r>
+          </a:p>
+          <a:p>
+            <a:pPr>
+              <a:buFont typeface="Arial" panose="020B0604020202020204" pitchFamily="34" charset="0"/>
+              <a:buChar char="•"/>
+            </a:pPr>
+            <a:r>
+              <a:rPr lang="de-DE" dirty="0"/>
+              <a:t>Image ID (</a:t>
+            </a:r>
+            <a:r>
+              <a:rPr lang="de-DE" dirty="0" err="1"/>
+              <a:t>digest</a:t>
+            </a:r>
+            <a:r>
+              <a:rPr lang="de-DE" dirty="0"/>
+              <a:t>)</a:t>
+            </a:r>
+          </a:p>
+          <a:p>
+            <a:pPr>
+              <a:buFont typeface="Arial" panose="020B0604020202020204" pitchFamily="34" charset="0"/>
+              <a:buChar char="•"/>
+            </a:pPr>
+            <a:r>
+              <a:rPr lang="de-DE" dirty="0"/>
+              <a:t>Image tags:</a:t>
+            </a:r>
+          </a:p>
+          <a:p>
+            <a:pPr lvl="1">
+              <a:buFont typeface="Arial" panose="020B0604020202020204" pitchFamily="34" charset="0"/>
+              <a:buChar char="•"/>
+            </a:pPr>
+            <a:r>
+              <a:rPr lang="de-DE" dirty="0"/>
+              <a:t>Rolling tags</a:t>
+            </a:r>
+          </a:p>
+          <a:p>
+            <a:pPr lvl="1">
+              <a:buFont typeface="Arial" panose="020B0604020202020204" pitchFamily="34" charset="0"/>
+              <a:buChar char="•"/>
+            </a:pPr>
+            <a:r>
+              <a:rPr lang="de-DE" dirty="0" err="1"/>
+              <a:t>SemVer</a:t>
+            </a:r>
+            <a:r>
+              <a:rPr lang="de-DE" dirty="0"/>
+              <a:t> tags</a:t>
+            </a:r>
+          </a:p>
+          <a:p>
+            <a:pPr lvl="1">
+              <a:buFont typeface="Arial" panose="020B0604020202020204" pitchFamily="34" charset="0"/>
+              <a:buChar char="•"/>
+            </a:pPr>
+            <a:r>
+              <a:rPr lang="de-DE" dirty="0" err="1"/>
+              <a:t>GitCommit</a:t>
+            </a:r>
+            <a:endParaRPr lang="de-DE" dirty="0"/>
+          </a:p>
+          <a:p>
+            <a:pPr lvl="1">
+              <a:buFont typeface="Arial" panose="020B0604020202020204" pitchFamily="34" charset="0"/>
+              <a:buChar char="•"/>
+            </a:pPr>
+            <a:r>
+              <a:rPr lang="de-DE" dirty="0" err="1"/>
+              <a:t>Timestamp</a:t>
+            </a:r>
+            <a:endParaRPr lang="de-DE" dirty="0"/>
+          </a:p>
+          <a:p>
+            <a:pPr lvl="1">
+              <a:buFont typeface="Arial" panose="020B0604020202020204" pitchFamily="34" charset="0"/>
+              <a:buChar char="•"/>
+            </a:pPr>
+            <a:r>
+              <a:rPr lang="de-DE" dirty="0" err="1"/>
+              <a:t>Build</a:t>
+            </a:r>
+            <a:r>
+              <a:rPr lang="de-DE" dirty="0"/>
+              <a:t> ID</a:t>
+            </a:r>
+          </a:p>
+        </p:txBody>
+      </p:sp>
+    </p:spTree>
+    <p:extLst>
+      <p:ext uri="{BB962C8B-B14F-4D97-AF65-F5344CB8AC3E}">
+        <p14:creationId xmlns:p14="http://schemas.microsoft.com/office/powerpoint/2010/main" val="1996689965"/>
+      </p:ext>
+    </p:extLst>
+  </p:cSld>
+  <p:clrMapOvr>
+    <a:masterClrMapping/>
+  </p:clrMapOvr>
+</p:sld>
+</file>
+
+<file path=ppt/slides/slide13.xml><?xml version="1.0" encoding="utf-8"?>
+<p:sld xmlns:a="http://schemas.openxmlformats.org/drawingml/2006/main" xmlns:r="http://schemas.openxmlformats.org/officeDocument/2006/relationships" xmlns:p="http://schemas.openxmlformats.org/presentationml/2006/main">
+  <p:cSld>
+    <p:spTree>
+      <p:nvGrpSpPr>
+        <p:cNvPr id="1" name=""/>
+        <p:cNvGrpSpPr/>
+        <p:nvPr/>
+      </p:nvGrpSpPr>
+      <p:grpSpPr>
+        <a:xfrm>
+          <a:off x="0" y="0"/>
+          <a:ext cx="0" cy="0"/>
+          <a:chOff x="0" y="0"/>
+          <a:chExt cx="0" cy="0"/>
+        </a:xfrm>
+      </p:grpSpPr>
+      <p:sp>
+        <p:nvSpPr>
+          <p:cNvPr id="2" name="Titel 1">
+            <a:extLst>
+              <a:ext uri="{FF2B5EF4-FFF2-40B4-BE49-F238E27FC236}">
+                <a16:creationId xmlns:a16="http://schemas.microsoft.com/office/drawing/2014/main" id="{184AFD09-5210-6F86-C2FD-BBC016D382A6}"/>
+              </a:ext>
+            </a:extLst>
+          </p:cNvPr>
+          <p:cNvSpPr>
+            <a:spLocks noGrp="1"/>
+          </p:cNvSpPr>
+          <p:nvPr>
+            <p:ph type="title"/>
+          </p:nvPr>
+        </p:nvSpPr>
+        <p:spPr/>
+        <p:txBody>
+          <a:bodyPr/>
+          <a:lstStyle/>
+          <a:p>
+            <a:r>
+              <a:rPr lang="de-DE" cap="none" dirty="0"/>
+              <a:t>Release- und </a:t>
+            </a:r>
+            <a:r>
+              <a:rPr lang="de-DE" cap="none" dirty="0" err="1"/>
+              <a:t>Tagged</a:t>
+            </a:r>
+            <a:r>
+              <a:rPr lang="de-DE" cap="none" dirty="0"/>
+              <a:t>-Images</a:t>
+            </a:r>
+            <a:endParaRPr lang="de-DE" dirty="0"/>
+          </a:p>
+        </p:txBody>
+      </p:sp>
+      <p:sp>
+        <p:nvSpPr>
+          <p:cNvPr id="6" name="Inhaltsplatzhalter 5">
+            <a:extLst>
+              <a:ext uri="{FF2B5EF4-FFF2-40B4-BE49-F238E27FC236}">
+                <a16:creationId xmlns:a16="http://schemas.microsoft.com/office/drawing/2014/main" id="{D2412707-84D3-F572-4709-FD9A95F28E5B}"/>
+              </a:ext>
+            </a:extLst>
+          </p:cNvPr>
+          <p:cNvSpPr>
+            <a:spLocks noGrp="1"/>
+          </p:cNvSpPr>
+          <p:nvPr>
+            <p:ph idx="1"/>
+          </p:nvPr>
+        </p:nvSpPr>
+        <p:spPr/>
+        <p:txBody>
+          <a:bodyPr/>
+          <a:lstStyle/>
+          <a:p>
+            <a:pPr marL="0" indent="0">
+              <a:buNone/>
+            </a:pPr>
+            <a:r>
+              <a:rPr lang="de-DE" b="1" dirty="0"/>
+              <a:t>Verwendung mit </a:t>
+            </a:r>
+            <a:r>
+              <a:rPr lang="de-DE" b="1" dirty="0" err="1"/>
+              <a:t>GitLab</a:t>
+            </a:r>
+            <a:endParaRPr lang="de-DE" b="1" dirty="0"/>
+          </a:p>
+          <a:p>
+            <a:pPr>
+              <a:buFont typeface="Arial" panose="020B0604020202020204" pitchFamily="34" charset="0"/>
+              <a:buChar char="•"/>
+            </a:pPr>
+            <a:r>
+              <a:rPr lang="de-DE" dirty="0"/>
+              <a:t>Authentifizierung mit der Container Registry</a:t>
+            </a:r>
+          </a:p>
+          <a:p>
+            <a:pPr>
+              <a:buFont typeface="Arial" panose="020B0604020202020204" pitchFamily="34" charset="0"/>
+              <a:buChar char="•"/>
+            </a:pPr>
+            <a:r>
+              <a:rPr lang="de-DE" dirty="0" err="1"/>
+              <a:t>GitLab</a:t>
+            </a:r>
+            <a:r>
+              <a:rPr lang="de-DE" dirty="0"/>
+              <a:t> CI/CD zum authentifizieren</a:t>
+            </a:r>
+          </a:p>
+          <a:p>
+            <a:pPr>
+              <a:buFont typeface="Arial" panose="020B0604020202020204" pitchFamily="34" charset="0"/>
+              <a:buChar char="•"/>
+            </a:pPr>
+            <a:r>
+              <a:rPr lang="de-DE" dirty="0"/>
+              <a:t>Images bauen und pushen</a:t>
+            </a:r>
+          </a:p>
+          <a:p>
+            <a:pPr lvl="1">
+              <a:buFont typeface="Arial" panose="020B0604020202020204" pitchFamily="34" charset="0"/>
+              <a:buChar char="•"/>
+            </a:pPr>
+            <a:r>
+              <a:rPr lang="de-DE" dirty="0"/>
+              <a:t>Docker</a:t>
+            </a:r>
+          </a:p>
+          <a:p>
+            <a:pPr lvl="1">
+              <a:buFont typeface="Arial" panose="020B0604020202020204" pitchFamily="34" charset="0"/>
+              <a:buChar char="•"/>
+            </a:pPr>
+            <a:r>
+              <a:rPr lang="de-DE" dirty="0" err="1"/>
+              <a:t>GitLab</a:t>
+            </a:r>
+            <a:r>
+              <a:rPr lang="de-DE" dirty="0"/>
+              <a:t> CI/CD</a:t>
+            </a:r>
+          </a:p>
+          <a:p>
+            <a:pPr lvl="2">
+              <a:buFont typeface="Arial" panose="020B0604020202020204" pitchFamily="34" charset="0"/>
+              <a:buChar char="•"/>
+            </a:pPr>
+            <a:r>
+              <a:rPr lang="de-DE" sz="1800" dirty="0"/>
+              <a:t>Docker-in-Docker Container Image (Container Registry)</a:t>
+            </a:r>
+          </a:p>
+          <a:p>
+            <a:pPr lvl="2">
+              <a:buFont typeface="Arial" panose="020B0604020202020204" pitchFamily="34" charset="0"/>
+              <a:buChar char="•"/>
+            </a:pPr>
+            <a:r>
+              <a:rPr lang="de-DE" sz="1800" dirty="0"/>
+              <a:t>Docker-in-Docker Container Image (</a:t>
+            </a:r>
+            <a:r>
+              <a:rPr lang="de-DE" sz="1800" dirty="0" err="1"/>
+              <a:t>Dependency</a:t>
+            </a:r>
+            <a:r>
+              <a:rPr lang="de-DE" sz="1800" dirty="0"/>
+              <a:t> Proxy)</a:t>
+            </a:r>
+          </a:p>
+          <a:p>
+            <a:pPr>
+              <a:buFont typeface="Arial" panose="020B0604020202020204" pitchFamily="34" charset="0"/>
+              <a:buChar char="•"/>
+            </a:pPr>
+            <a:r>
+              <a:rPr lang="de-DE" dirty="0"/>
+              <a:t>Container Registry Beispiele mit </a:t>
+            </a:r>
+            <a:r>
+              <a:rPr lang="de-DE" dirty="0" err="1"/>
+              <a:t>GitLab</a:t>
+            </a:r>
+            <a:r>
+              <a:rPr lang="de-DE" dirty="0"/>
+              <a:t> CI/CD</a:t>
+            </a:r>
+          </a:p>
+          <a:p>
+            <a:pPr lvl="2">
+              <a:buFont typeface="Arial" panose="020B0604020202020204" pitchFamily="34" charset="0"/>
+              <a:buChar char="•"/>
+            </a:pPr>
+            <a:endParaRPr lang="de-DE" dirty="0"/>
+          </a:p>
+          <a:p>
+            <a:pPr lvl="2">
+              <a:buFont typeface="Arial" panose="020B0604020202020204" pitchFamily="34" charset="0"/>
+              <a:buChar char="•"/>
+            </a:pPr>
+            <a:endParaRPr lang="de-DE" dirty="0"/>
+          </a:p>
+          <a:p>
+            <a:pPr lvl="1">
+              <a:buFont typeface="Arial" panose="020B0604020202020204" pitchFamily="34" charset="0"/>
+              <a:buChar char="•"/>
+            </a:pPr>
+            <a:endParaRPr lang="de-DE" dirty="0"/>
+          </a:p>
+        </p:txBody>
+      </p:sp>
+    </p:spTree>
+    <p:extLst>
+      <p:ext uri="{BB962C8B-B14F-4D97-AF65-F5344CB8AC3E}">
+        <p14:creationId xmlns:p14="http://schemas.microsoft.com/office/powerpoint/2010/main" val="1944366019"/>
+      </p:ext>
+    </p:extLst>
+  </p:cSld>
+  <p:clrMapOvr>
+    <a:masterClrMapping/>
+  </p:clrMapOvr>
+</p:sld>
+</file>
+
 <file path=ppt/slides/slide2.xml><?xml version="1.0" encoding="utf-8"?>
 <p:sld xmlns:a="http://schemas.openxmlformats.org/drawingml/2006/main" xmlns:r="http://schemas.openxmlformats.org/officeDocument/2006/relationships" xmlns:p="http://schemas.openxmlformats.org/presentationml/2006/main">
   <p:cSld>
@@ -4511,6 +5460,830 @@
     <p:extLst>
       <p:ext uri="{BB962C8B-B14F-4D97-AF65-F5344CB8AC3E}">
         <p14:creationId xmlns:p14="http://schemas.microsoft.com/office/powerpoint/2010/main" val="614702079"/>
+      </p:ext>
+    </p:extLst>
+  </p:cSld>
+  <p:clrMapOvr>
+    <a:masterClrMapping/>
+  </p:clrMapOvr>
+</p:sld>
+</file>
+
+<file path=ppt/slides/slide5.xml><?xml version="1.0" encoding="utf-8"?>
+<p:sld xmlns:a="http://schemas.openxmlformats.org/drawingml/2006/main" xmlns:r="http://schemas.openxmlformats.org/officeDocument/2006/relationships" xmlns:p="http://schemas.openxmlformats.org/presentationml/2006/main">
+  <p:cSld>
+    <p:spTree>
+      <p:nvGrpSpPr>
+        <p:cNvPr id="1" name=""/>
+        <p:cNvGrpSpPr/>
+        <p:nvPr/>
+      </p:nvGrpSpPr>
+      <p:grpSpPr>
+        <a:xfrm>
+          <a:off x="0" y="0"/>
+          <a:ext cx="0" cy="0"/>
+          <a:chOff x="0" y="0"/>
+          <a:chExt cx="0" cy="0"/>
+        </a:xfrm>
+      </p:grpSpPr>
+      <p:sp>
+        <p:nvSpPr>
+          <p:cNvPr id="2" name="Titel 1">
+            <a:extLst>
+              <a:ext uri="{FF2B5EF4-FFF2-40B4-BE49-F238E27FC236}">
+                <a16:creationId xmlns:a16="http://schemas.microsoft.com/office/drawing/2014/main" id="{5874EA8E-7A71-3505-B01E-D0E8A26AAC59}"/>
+              </a:ext>
+            </a:extLst>
+          </p:cNvPr>
+          <p:cNvSpPr>
+            <a:spLocks noGrp="1"/>
+          </p:cNvSpPr>
+          <p:nvPr>
+            <p:ph type="title"/>
+          </p:nvPr>
+        </p:nvSpPr>
+        <p:spPr/>
+        <p:txBody>
+          <a:bodyPr/>
+          <a:lstStyle/>
+          <a:p>
+            <a:r>
+              <a:rPr lang="de-DE" cap="none" dirty="0"/>
+              <a:t>Release- und </a:t>
+            </a:r>
+            <a:r>
+              <a:rPr lang="de-DE" cap="none" dirty="0" err="1"/>
+              <a:t>Tagged</a:t>
+            </a:r>
+            <a:r>
+              <a:rPr lang="de-DE" cap="none" dirty="0"/>
+              <a:t>-Images</a:t>
+            </a:r>
+            <a:endParaRPr lang="de-DE" dirty="0"/>
+          </a:p>
+        </p:txBody>
+      </p:sp>
+      <p:sp>
+        <p:nvSpPr>
+          <p:cNvPr id="3" name="Inhaltsplatzhalter 2">
+            <a:extLst>
+              <a:ext uri="{FF2B5EF4-FFF2-40B4-BE49-F238E27FC236}">
+                <a16:creationId xmlns:a16="http://schemas.microsoft.com/office/drawing/2014/main" id="{D4DA2B4E-C5FB-6595-34A6-E18A9AA0157D}"/>
+              </a:ext>
+            </a:extLst>
+          </p:cNvPr>
+          <p:cNvSpPr>
+            <a:spLocks noGrp="1"/>
+          </p:cNvSpPr>
+          <p:nvPr>
+            <p:ph idx="1"/>
+          </p:nvPr>
+        </p:nvSpPr>
+        <p:spPr/>
+        <p:txBody>
+          <a:bodyPr/>
+          <a:lstStyle/>
+          <a:p>
+            <a:pPr marL="0" indent="0">
+              <a:buNone/>
+            </a:pPr>
+            <a:r>
+              <a:rPr lang="de-DE" b="1" dirty="0"/>
+              <a:t>Agenda</a:t>
+            </a:r>
+          </a:p>
+          <a:p>
+            <a:pPr>
+              <a:buFont typeface="Arial" panose="020B0604020202020204" pitchFamily="34" charset="0"/>
+              <a:buChar char="•"/>
+            </a:pPr>
+            <a:r>
+              <a:rPr lang="de-DE" dirty="0"/>
+              <a:t>Tagging von Docker Images</a:t>
+            </a:r>
+          </a:p>
+          <a:p>
+            <a:pPr>
+              <a:buFont typeface="Arial" panose="020B0604020202020204" pitchFamily="34" charset="0"/>
+              <a:buChar char="•"/>
+            </a:pPr>
+            <a:r>
+              <a:rPr lang="de-DE" dirty="0"/>
+              <a:t>Strategien zum Image Tagging</a:t>
+            </a:r>
+          </a:p>
+          <a:p>
+            <a:pPr>
+              <a:buFont typeface="Arial" panose="020B0604020202020204" pitchFamily="34" charset="0"/>
+              <a:buChar char="•"/>
+            </a:pPr>
+            <a:r>
+              <a:rPr lang="de-DE" dirty="0"/>
+              <a:t>Verwendung mit </a:t>
+            </a:r>
+            <a:r>
+              <a:rPr lang="de-DE" dirty="0" err="1"/>
+              <a:t>GitLab</a:t>
+            </a:r>
+            <a:endParaRPr lang="de-DE" dirty="0"/>
+          </a:p>
+        </p:txBody>
+      </p:sp>
+    </p:spTree>
+    <p:extLst>
+      <p:ext uri="{BB962C8B-B14F-4D97-AF65-F5344CB8AC3E}">
+        <p14:creationId xmlns:p14="http://schemas.microsoft.com/office/powerpoint/2010/main" val="2341426077"/>
+      </p:ext>
+    </p:extLst>
+  </p:cSld>
+  <p:clrMapOvr>
+    <a:masterClrMapping/>
+  </p:clrMapOvr>
+</p:sld>
+</file>
+
+<file path=ppt/slides/slide6.xml><?xml version="1.0" encoding="utf-8"?>
+<p:sld xmlns:a="http://schemas.openxmlformats.org/drawingml/2006/main" xmlns:r="http://schemas.openxmlformats.org/officeDocument/2006/relationships" xmlns:p="http://schemas.openxmlformats.org/presentationml/2006/main">
+  <p:cSld>
+    <p:spTree>
+      <p:nvGrpSpPr>
+        <p:cNvPr id="1" name=""/>
+        <p:cNvGrpSpPr/>
+        <p:nvPr/>
+      </p:nvGrpSpPr>
+      <p:grpSpPr>
+        <a:xfrm>
+          <a:off x="0" y="0"/>
+          <a:ext cx="0" cy="0"/>
+          <a:chOff x="0" y="0"/>
+          <a:chExt cx="0" cy="0"/>
+        </a:xfrm>
+      </p:grpSpPr>
+      <p:sp>
+        <p:nvSpPr>
+          <p:cNvPr id="2" name="Titel 1">
+            <a:extLst>
+              <a:ext uri="{FF2B5EF4-FFF2-40B4-BE49-F238E27FC236}">
+                <a16:creationId xmlns:a16="http://schemas.microsoft.com/office/drawing/2014/main" id="{5874EA8E-7A71-3505-B01E-D0E8A26AAC59}"/>
+              </a:ext>
+            </a:extLst>
+          </p:cNvPr>
+          <p:cNvSpPr>
+            <a:spLocks noGrp="1"/>
+          </p:cNvSpPr>
+          <p:nvPr>
+            <p:ph type="title"/>
+          </p:nvPr>
+        </p:nvSpPr>
+        <p:spPr/>
+        <p:txBody>
+          <a:bodyPr/>
+          <a:lstStyle/>
+          <a:p>
+            <a:r>
+              <a:rPr lang="de-DE" cap="none" dirty="0"/>
+              <a:t>Release- und </a:t>
+            </a:r>
+            <a:r>
+              <a:rPr lang="de-DE" cap="none" dirty="0" err="1"/>
+              <a:t>Tagged</a:t>
+            </a:r>
+            <a:r>
+              <a:rPr lang="de-DE" cap="none" dirty="0"/>
+              <a:t>-Images</a:t>
+            </a:r>
+            <a:endParaRPr lang="de-DE" dirty="0"/>
+          </a:p>
+        </p:txBody>
+      </p:sp>
+      <p:sp>
+        <p:nvSpPr>
+          <p:cNvPr id="3" name="Inhaltsplatzhalter 2">
+            <a:extLst>
+              <a:ext uri="{FF2B5EF4-FFF2-40B4-BE49-F238E27FC236}">
+                <a16:creationId xmlns:a16="http://schemas.microsoft.com/office/drawing/2014/main" id="{D4DA2B4E-C5FB-6595-34A6-E18A9AA0157D}"/>
+              </a:ext>
+            </a:extLst>
+          </p:cNvPr>
+          <p:cNvSpPr>
+            <a:spLocks noGrp="1"/>
+          </p:cNvSpPr>
+          <p:nvPr>
+            <p:ph idx="1"/>
+          </p:nvPr>
+        </p:nvSpPr>
+        <p:spPr/>
+        <p:txBody>
+          <a:bodyPr/>
+          <a:lstStyle/>
+          <a:p>
+            <a:pPr marL="0" indent="0">
+              <a:buNone/>
+            </a:pPr>
+            <a:r>
+              <a:rPr lang="de-DE" b="1" dirty="0"/>
+              <a:t>Tagging von Docker Images</a:t>
+            </a:r>
+          </a:p>
+          <a:p>
+            <a:pPr>
+              <a:buFont typeface="Arial" panose="020B0604020202020204" pitchFamily="34" charset="0"/>
+              <a:buChar char="•"/>
+            </a:pPr>
+            <a:r>
+              <a:rPr lang="de-DE" dirty="0"/>
+              <a:t>Was ist Tagging?</a:t>
+            </a:r>
+          </a:p>
+          <a:p>
+            <a:pPr>
+              <a:buFont typeface="Arial" panose="020B0604020202020204" pitchFamily="34" charset="0"/>
+              <a:buChar char="•"/>
+            </a:pPr>
+            <a:r>
+              <a:rPr lang="de-DE" dirty="0"/>
+              <a:t>Warum Tagging?</a:t>
+            </a:r>
+          </a:p>
+          <a:p>
+            <a:pPr>
+              <a:buFont typeface="Arial" panose="020B0604020202020204" pitchFamily="34" charset="0"/>
+              <a:buChar char="•"/>
+            </a:pPr>
+            <a:r>
+              <a:rPr lang="de-DE" dirty="0"/>
+              <a:t>Tagging während des </a:t>
+            </a:r>
+            <a:r>
+              <a:rPr lang="de-DE" dirty="0" err="1"/>
+              <a:t>Builds</a:t>
+            </a:r>
+            <a:endParaRPr lang="de-DE" dirty="0"/>
+          </a:p>
+          <a:p>
+            <a:pPr>
+              <a:buFont typeface="Arial" panose="020B0604020202020204" pitchFamily="34" charset="0"/>
+              <a:buChar char="•"/>
+            </a:pPr>
+            <a:r>
+              <a:rPr lang="de-DE" dirty="0"/>
+              <a:t>Tagging nach dem </a:t>
+            </a:r>
+            <a:r>
+              <a:rPr lang="de-DE" dirty="0" err="1"/>
+              <a:t>Build</a:t>
+            </a:r>
+            <a:endParaRPr lang="de-DE" dirty="0"/>
+          </a:p>
+          <a:p>
+            <a:pPr>
+              <a:buFont typeface="Arial" panose="020B0604020202020204" pitchFamily="34" charset="0"/>
+              <a:buChar char="•"/>
+            </a:pPr>
+            <a:r>
+              <a:rPr lang="de-DE" dirty="0"/>
+              <a:t>Best </a:t>
+            </a:r>
+            <a:r>
+              <a:rPr lang="de-DE" dirty="0" err="1"/>
+              <a:t>Practises</a:t>
+            </a:r>
+            <a:endParaRPr lang="de-DE" dirty="0"/>
+          </a:p>
+        </p:txBody>
+      </p:sp>
+    </p:spTree>
+    <p:extLst>
+      <p:ext uri="{BB962C8B-B14F-4D97-AF65-F5344CB8AC3E}">
+        <p14:creationId xmlns:p14="http://schemas.microsoft.com/office/powerpoint/2010/main" val="842267129"/>
+      </p:ext>
+    </p:extLst>
+  </p:cSld>
+  <p:clrMapOvr>
+    <a:masterClrMapping/>
+  </p:clrMapOvr>
+</p:sld>
+</file>
+
+<file path=ppt/slides/slide7.xml><?xml version="1.0" encoding="utf-8"?>
+<p:sld xmlns:a="http://schemas.openxmlformats.org/drawingml/2006/main" xmlns:r="http://schemas.openxmlformats.org/officeDocument/2006/relationships" xmlns:p="http://schemas.openxmlformats.org/presentationml/2006/main">
+  <p:cSld>
+    <p:spTree>
+      <p:nvGrpSpPr>
+        <p:cNvPr id="1" name=""/>
+        <p:cNvGrpSpPr/>
+        <p:nvPr/>
+      </p:nvGrpSpPr>
+      <p:grpSpPr>
+        <a:xfrm>
+          <a:off x="0" y="0"/>
+          <a:ext cx="0" cy="0"/>
+          <a:chOff x="0" y="0"/>
+          <a:chExt cx="0" cy="0"/>
+        </a:xfrm>
+      </p:grpSpPr>
+      <p:sp>
+        <p:nvSpPr>
+          <p:cNvPr id="2" name="Titel 1">
+            <a:extLst>
+              <a:ext uri="{FF2B5EF4-FFF2-40B4-BE49-F238E27FC236}">
+                <a16:creationId xmlns:a16="http://schemas.microsoft.com/office/drawing/2014/main" id="{5874EA8E-7A71-3505-B01E-D0E8A26AAC59}"/>
+              </a:ext>
+            </a:extLst>
+          </p:cNvPr>
+          <p:cNvSpPr>
+            <a:spLocks noGrp="1"/>
+          </p:cNvSpPr>
+          <p:nvPr>
+            <p:ph type="title"/>
+          </p:nvPr>
+        </p:nvSpPr>
+        <p:spPr/>
+        <p:txBody>
+          <a:bodyPr/>
+          <a:lstStyle/>
+          <a:p>
+            <a:r>
+              <a:rPr lang="de-DE" cap="none" dirty="0"/>
+              <a:t>Release- und </a:t>
+            </a:r>
+            <a:r>
+              <a:rPr lang="de-DE" cap="none" dirty="0" err="1"/>
+              <a:t>Tagged</a:t>
+            </a:r>
+            <a:r>
+              <a:rPr lang="de-DE" cap="none" dirty="0"/>
+              <a:t>-Images</a:t>
+            </a:r>
+            <a:endParaRPr lang="de-DE" dirty="0"/>
+          </a:p>
+        </p:txBody>
+      </p:sp>
+      <p:sp>
+        <p:nvSpPr>
+          <p:cNvPr id="3" name="Inhaltsplatzhalter 2">
+            <a:extLst>
+              <a:ext uri="{FF2B5EF4-FFF2-40B4-BE49-F238E27FC236}">
+                <a16:creationId xmlns:a16="http://schemas.microsoft.com/office/drawing/2014/main" id="{D4DA2B4E-C5FB-6595-34A6-E18A9AA0157D}"/>
+              </a:ext>
+            </a:extLst>
+          </p:cNvPr>
+          <p:cNvSpPr>
+            <a:spLocks noGrp="1"/>
+          </p:cNvSpPr>
+          <p:nvPr>
+            <p:ph idx="1"/>
+          </p:nvPr>
+        </p:nvSpPr>
+        <p:spPr/>
+        <p:txBody>
+          <a:bodyPr/>
+          <a:lstStyle/>
+          <a:p>
+            <a:pPr marL="0" indent="0">
+              <a:buNone/>
+            </a:pPr>
+            <a:r>
+              <a:rPr lang="de-DE" b="1" dirty="0"/>
+              <a:t>Was ist Tagging?</a:t>
+            </a:r>
+          </a:p>
+          <a:p>
+            <a:pPr>
+              <a:buFont typeface="Arial" panose="020B0604020202020204" pitchFamily="34" charset="0"/>
+              <a:buChar char="•"/>
+            </a:pPr>
+            <a:r>
+              <a:rPr lang="de-DE" dirty="0"/>
+              <a:t>Jedes Docker Image hat eine </a:t>
+            </a:r>
+            <a:r>
+              <a:rPr lang="de-DE" dirty="0" err="1"/>
+              <a:t>unique</a:t>
+            </a:r>
+            <a:r>
+              <a:rPr lang="de-DE" dirty="0"/>
+              <a:t> ID</a:t>
+            </a:r>
+          </a:p>
+          <a:p>
+            <a:pPr lvl="1">
+              <a:buFont typeface="Arial" panose="020B0604020202020204" pitchFamily="34" charset="0"/>
+              <a:buChar char="•"/>
+            </a:pPr>
+            <a:r>
+              <a:rPr lang="de-DE" dirty="0"/>
+              <a:t>Mit IDs zu arbeiten kann umständlich sein</a:t>
+            </a:r>
+          </a:p>
+          <a:p>
+            <a:pPr>
+              <a:buFont typeface="Arial" panose="020B0604020202020204" pitchFamily="34" charset="0"/>
+              <a:buChar char="•"/>
+            </a:pPr>
+            <a:r>
+              <a:rPr lang="de-DE" dirty="0"/>
+              <a:t>Lesbare Alternative… Image Tagging!</a:t>
+            </a:r>
+          </a:p>
+          <a:p>
+            <a:pPr>
+              <a:buFont typeface="Arial" panose="020B0604020202020204" pitchFamily="34" charset="0"/>
+              <a:buChar char="•"/>
+            </a:pPr>
+            <a:r>
+              <a:rPr lang="de-DE" dirty="0"/>
+              <a:t>Tagging vergleichbar mit </a:t>
+            </a:r>
+            <a:r>
+              <a:rPr lang="de-DE" dirty="0" err="1"/>
+              <a:t>Labeling</a:t>
+            </a:r>
+            <a:r>
+              <a:rPr lang="de-DE" dirty="0"/>
+              <a:t> (Beschriftung)</a:t>
+            </a:r>
+            <a:endParaRPr lang="de-DE" b="1" dirty="0"/>
+          </a:p>
+          <a:p>
+            <a:pPr>
+              <a:buFont typeface="Arial" panose="020B0604020202020204" pitchFamily="34" charset="0"/>
+              <a:buChar char="•"/>
+            </a:pPr>
+            <a:r>
+              <a:rPr lang="de-DE" dirty="0"/>
+              <a:t>Tags erlauben aussagekräftige Namen</a:t>
+            </a:r>
+          </a:p>
+          <a:p>
+            <a:pPr lvl="1">
+              <a:buFont typeface="Arial" panose="020B0604020202020204" pitchFamily="34" charset="0"/>
+              <a:buChar char="•"/>
+            </a:pPr>
+            <a:r>
+              <a:rPr lang="de-DE" dirty="0"/>
+              <a:t>Leichter zu identifizieren</a:t>
+            </a:r>
+          </a:p>
+          <a:p>
+            <a:pPr lvl="1">
+              <a:buFont typeface="Arial" panose="020B0604020202020204" pitchFamily="34" charset="0"/>
+              <a:buChar char="•"/>
+            </a:pPr>
+            <a:r>
+              <a:rPr lang="de-DE" dirty="0"/>
+              <a:t>Einfacher zu benutzen</a:t>
+            </a:r>
+          </a:p>
+        </p:txBody>
+      </p:sp>
+    </p:spTree>
+    <p:extLst>
+      <p:ext uri="{BB962C8B-B14F-4D97-AF65-F5344CB8AC3E}">
+        <p14:creationId xmlns:p14="http://schemas.microsoft.com/office/powerpoint/2010/main" val="3049989104"/>
+      </p:ext>
+    </p:extLst>
+  </p:cSld>
+  <p:clrMapOvr>
+    <a:masterClrMapping/>
+  </p:clrMapOvr>
+</p:sld>
+</file>
+
+<file path=ppt/slides/slide8.xml><?xml version="1.0" encoding="utf-8"?>
+<p:sld xmlns:a="http://schemas.openxmlformats.org/drawingml/2006/main" xmlns:r="http://schemas.openxmlformats.org/officeDocument/2006/relationships" xmlns:p="http://schemas.openxmlformats.org/presentationml/2006/main">
+  <p:cSld>
+    <p:spTree>
+      <p:nvGrpSpPr>
+        <p:cNvPr id="1" name=""/>
+        <p:cNvGrpSpPr/>
+        <p:nvPr/>
+      </p:nvGrpSpPr>
+      <p:grpSpPr>
+        <a:xfrm>
+          <a:off x="0" y="0"/>
+          <a:ext cx="0" cy="0"/>
+          <a:chOff x="0" y="0"/>
+          <a:chExt cx="0" cy="0"/>
+        </a:xfrm>
+      </p:grpSpPr>
+      <p:sp>
+        <p:nvSpPr>
+          <p:cNvPr id="2" name="Titel 1">
+            <a:extLst>
+              <a:ext uri="{FF2B5EF4-FFF2-40B4-BE49-F238E27FC236}">
+                <a16:creationId xmlns:a16="http://schemas.microsoft.com/office/drawing/2014/main" id="{5874EA8E-7A71-3505-B01E-D0E8A26AAC59}"/>
+              </a:ext>
+            </a:extLst>
+          </p:cNvPr>
+          <p:cNvSpPr>
+            <a:spLocks noGrp="1"/>
+          </p:cNvSpPr>
+          <p:nvPr>
+            <p:ph type="title"/>
+          </p:nvPr>
+        </p:nvSpPr>
+        <p:spPr/>
+        <p:txBody>
+          <a:bodyPr/>
+          <a:lstStyle/>
+          <a:p>
+            <a:r>
+              <a:rPr lang="de-DE" cap="none" dirty="0"/>
+              <a:t>Release- und </a:t>
+            </a:r>
+            <a:r>
+              <a:rPr lang="de-DE" cap="none" dirty="0" err="1"/>
+              <a:t>Tagged</a:t>
+            </a:r>
+            <a:r>
+              <a:rPr lang="de-DE" cap="none" dirty="0"/>
+              <a:t>-Images</a:t>
+            </a:r>
+            <a:endParaRPr lang="de-DE" dirty="0"/>
+          </a:p>
+        </p:txBody>
+      </p:sp>
+      <p:sp>
+        <p:nvSpPr>
+          <p:cNvPr id="3" name="Inhaltsplatzhalter 2">
+            <a:extLst>
+              <a:ext uri="{FF2B5EF4-FFF2-40B4-BE49-F238E27FC236}">
+                <a16:creationId xmlns:a16="http://schemas.microsoft.com/office/drawing/2014/main" id="{D4DA2B4E-C5FB-6595-34A6-E18A9AA0157D}"/>
+              </a:ext>
+            </a:extLst>
+          </p:cNvPr>
+          <p:cNvSpPr>
+            <a:spLocks noGrp="1"/>
+          </p:cNvSpPr>
+          <p:nvPr>
+            <p:ph idx="1"/>
+          </p:nvPr>
+        </p:nvSpPr>
+        <p:spPr/>
+        <p:txBody>
+          <a:bodyPr/>
+          <a:lstStyle/>
+          <a:p>
+            <a:pPr marL="0" indent="0">
+              <a:buNone/>
+            </a:pPr>
+            <a:r>
+              <a:rPr lang="de-DE" b="1" dirty="0"/>
+              <a:t>Warum Tagging?</a:t>
+            </a:r>
+          </a:p>
+          <a:p>
+            <a:pPr>
+              <a:buFont typeface="Arial" panose="020B0604020202020204" pitchFamily="34" charset="0"/>
+              <a:buChar char="•"/>
+            </a:pPr>
+            <a:r>
+              <a:rPr lang="de-DE" dirty="0"/>
+              <a:t>Lesbarkeit</a:t>
+            </a:r>
+          </a:p>
+          <a:p>
+            <a:pPr lvl="1">
+              <a:buFont typeface="Arial" panose="020B0604020202020204" pitchFamily="34" charset="0"/>
+              <a:buChar char="•"/>
+            </a:pPr>
+            <a:r>
+              <a:rPr lang="de-DE" dirty="0"/>
+              <a:t>Im Vergleich zu IDs besser lesbar und benutzerfreundlicher</a:t>
+            </a:r>
+          </a:p>
+          <a:p>
+            <a:pPr>
+              <a:buFont typeface="Arial" panose="020B0604020202020204" pitchFamily="34" charset="0"/>
+              <a:buChar char="•"/>
+            </a:pPr>
+            <a:r>
+              <a:rPr lang="de-DE" dirty="0"/>
+              <a:t>Versionskontrolle</a:t>
+            </a:r>
+          </a:p>
+          <a:p>
+            <a:pPr lvl="1">
+              <a:buFont typeface="Arial" panose="020B0604020202020204" pitchFamily="34" charset="0"/>
+              <a:buChar char="•"/>
+            </a:pPr>
+            <a:r>
+              <a:rPr lang="de-DE" dirty="0"/>
+              <a:t>Helfen beim </a:t>
+            </a:r>
+            <a:r>
+              <a:rPr lang="de-DE" dirty="0" err="1"/>
+              <a:t>Maintaining</a:t>
+            </a:r>
+            <a:r>
+              <a:rPr lang="de-DE" dirty="0"/>
+              <a:t> von verschiedenen Versionen des Images</a:t>
+            </a:r>
+          </a:p>
+          <a:p>
+            <a:pPr>
+              <a:buFont typeface="Arial" panose="020B0604020202020204" pitchFamily="34" charset="0"/>
+              <a:buChar char="•"/>
+            </a:pPr>
+            <a:r>
+              <a:rPr lang="de-DE" dirty="0"/>
+              <a:t>Convenience</a:t>
+            </a:r>
+          </a:p>
+          <a:p>
+            <a:pPr lvl="1">
+              <a:buFont typeface="Arial" panose="020B0604020202020204" pitchFamily="34" charset="0"/>
+              <a:buChar char="•"/>
+            </a:pPr>
+            <a:r>
+              <a:rPr lang="de-DE" dirty="0"/>
+              <a:t>In Befehlen und Skripten leichter zu verwenden</a:t>
+            </a:r>
+          </a:p>
+        </p:txBody>
+      </p:sp>
+    </p:spTree>
+    <p:extLst>
+      <p:ext uri="{BB962C8B-B14F-4D97-AF65-F5344CB8AC3E}">
+        <p14:creationId xmlns:p14="http://schemas.microsoft.com/office/powerpoint/2010/main" val="2151935054"/>
+      </p:ext>
+    </p:extLst>
+  </p:cSld>
+  <p:clrMapOvr>
+    <a:masterClrMapping/>
+  </p:clrMapOvr>
+</p:sld>
+</file>
+
+<file path=ppt/slides/slide9.xml><?xml version="1.0" encoding="utf-8"?>
+<p:sld xmlns:a="http://schemas.openxmlformats.org/drawingml/2006/main" xmlns:r="http://schemas.openxmlformats.org/officeDocument/2006/relationships" xmlns:p="http://schemas.openxmlformats.org/presentationml/2006/main">
+  <p:cSld>
+    <p:spTree>
+      <p:nvGrpSpPr>
+        <p:cNvPr id="1" name=""/>
+        <p:cNvGrpSpPr/>
+        <p:nvPr/>
+      </p:nvGrpSpPr>
+      <p:grpSpPr>
+        <a:xfrm>
+          <a:off x="0" y="0"/>
+          <a:ext cx="0" cy="0"/>
+          <a:chOff x="0" y="0"/>
+          <a:chExt cx="0" cy="0"/>
+        </a:xfrm>
+      </p:grpSpPr>
+      <p:sp>
+        <p:nvSpPr>
+          <p:cNvPr id="2" name="Titel 1">
+            <a:extLst>
+              <a:ext uri="{FF2B5EF4-FFF2-40B4-BE49-F238E27FC236}">
+                <a16:creationId xmlns:a16="http://schemas.microsoft.com/office/drawing/2014/main" id="{5874EA8E-7A71-3505-B01E-D0E8A26AAC59}"/>
+              </a:ext>
+            </a:extLst>
+          </p:cNvPr>
+          <p:cNvSpPr>
+            <a:spLocks noGrp="1"/>
+          </p:cNvSpPr>
+          <p:nvPr>
+            <p:ph type="title"/>
+          </p:nvPr>
+        </p:nvSpPr>
+        <p:spPr/>
+        <p:txBody>
+          <a:bodyPr/>
+          <a:lstStyle/>
+          <a:p>
+            <a:r>
+              <a:rPr lang="de-DE" cap="none" dirty="0"/>
+              <a:t>Release- und </a:t>
+            </a:r>
+            <a:r>
+              <a:rPr lang="de-DE" cap="none" dirty="0" err="1"/>
+              <a:t>Tagged</a:t>
+            </a:r>
+            <a:r>
+              <a:rPr lang="de-DE" cap="none" dirty="0"/>
+              <a:t>-Images</a:t>
+            </a:r>
+            <a:endParaRPr lang="de-DE" dirty="0"/>
+          </a:p>
+        </p:txBody>
+      </p:sp>
+      <p:sp>
+        <p:nvSpPr>
+          <p:cNvPr id="3" name="Inhaltsplatzhalter 2">
+            <a:extLst>
+              <a:ext uri="{FF2B5EF4-FFF2-40B4-BE49-F238E27FC236}">
+                <a16:creationId xmlns:a16="http://schemas.microsoft.com/office/drawing/2014/main" id="{D4DA2B4E-C5FB-6595-34A6-E18A9AA0157D}"/>
+              </a:ext>
+            </a:extLst>
+          </p:cNvPr>
+          <p:cNvSpPr>
+            <a:spLocks noGrp="1"/>
+          </p:cNvSpPr>
+          <p:nvPr>
+            <p:ph idx="1"/>
+          </p:nvPr>
+        </p:nvSpPr>
+        <p:spPr/>
+        <p:txBody>
+          <a:bodyPr/>
+          <a:lstStyle/>
+          <a:p>
+            <a:pPr marL="0" indent="0">
+              <a:buNone/>
+            </a:pPr>
+            <a:r>
+              <a:rPr lang="de-DE" b="1" dirty="0"/>
+              <a:t>Tagging während des </a:t>
+            </a:r>
+            <a:r>
+              <a:rPr lang="de-DE" b="1" dirty="0" err="1"/>
+              <a:t>Builds</a:t>
+            </a:r>
+            <a:endParaRPr lang="de-DE" b="1" dirty="0"/>
+          </a:p>
+          <a:p>
+            <a:pPr>
+              <a:buFont typeface="Arial" panose="020B0604020202020204" pitchFamily="34" charset="0"/>
+              <a:buChar char="•"/>
+            </a:pPr>
+            <a:r>
+              <a:rPr lang="de-DE" dirty="0"/>
+              <a:t>Mit dem –t </a:t>
+            </a:r>
+            <a:r>
+              <a:rPr lang="de-DE" dirty="0" err="1"/>
+              <a:t>Flag</a:t>
+            </a:r>
+            <a:r>
+              <a:rPr lang="de-DE" dirty="0"/>
+              <a:t> während des </a:t>
+            </a:r>
+            <a:r>
+              <a:rPr lang="de-DE" dirty="0" err="1"/>
+              <a:t>Build</a:t>
+            </a:r>
+            <a:r>
+              <a:rPr lang="de-DE" dirty="0"/>
+              <a:t>-Prozesses</a:t>
+            </a:r>
+          </a:p>
+          <a:p>
+            <a:pPr>
+              <a:buFont typeface="Arial" panose="020B0604020202020204" pitchFamily="34" charset="0"/>
+              <a:buChar char="•"/>
+            </a:pPr>
+            <a:endParaRPr lang="de-DE" dirty="0"/>
+          </a:p>
+          <a:p>
+            <a:pPr marL="0" indent="0">
+              <a:buNone/>
+            </a:pPr>
+            <a:r>
+              <a:rPr lang="de-DE" dirty="0" err="1">
+                <a:latin typeface="Consolas" panose="020B0609020204030204" pitchFamily="49" charset="0"/>
+              </a:rPr>
+              <a:t>docker</a:t>
+            </a:r>
+            <a:r>
+              <a:rPr lang="de-DE" dirty="0">
+                <a:latin typeface="Consolas" panose="020B0609020204030204" pitchFamily="49" charset="0"/>
+              </a:rPr>
+              <a:t> </a:t>
+            </a:r>
+            <a:r>
+              <a:rPr lang="de-DE" dirty="0" err="1">
+                <a:latin typeface="Consolas" panose="020B0609020204030204" pitchFamily="49" charset="0"/>
+              </a:rPr>
+              <a:t>build</a:t>
+            </a:r>
+            <a:r>
+              <a:rPr lang="de-DE" dirty="0">
+                <a:latin typeface="Consolas" panose="020B0609020204030204" pitchFamily="49" charset="0"/>
+              </a:rPr>
+              <a:t> –t [</a:t>
+            </a:r>
+            <a:r>
+              <a:rPr lang="de-DE" dirty="0" err="1">
+                <a:latin typeface="Consolas" panose="020B0609020204030204" pitchFamily="49" charset="0"/>
+              </a:rPr>
+              <a:t>repository</a:t>
+            </a:r>
+            <a:r>
+              <a:rPr lang="de-DE" dirty="0">
+                <a:latin typeface="Consolas" panose="020B0609020204030204" pitchFamily="49" charset="0"/>
+              </a:rPr>
+              <a:t>]:[TAG] .</a:t>
+            </a:r>
+          </a:p>
+        </p:txBody>
+      </p:sp>
+    </p:spTree>
+    <p:extLst>
+      <p:ext uri="{BB962C8B-B14F-4D97-AF65-F5344CB8AC3E}">
+        <p14:creationId xmlns:p14="http://schemas.microsoft.com/office/powerpoint/2010/main" val="1486928609"/>
       </p:ext>
     </p:extLst>
   </p:cSld>

--- a/slides/Tag-3_3-Release-und-Tagged-Images.pptx
+++ b/slides/Tag-3_3-Release-und-Tagged-Images.pptx
@@ -6,10 +6,10 @@
     <p:sldMasterId id="2147483649" r:id="rId2"/>
   </p:sldMasterIdLst>
   <p:notesMasterIdLst>
-    <p:notesMasterId r:id="rId16"/>
+    <p:notesMasterId r:id="rId24"/>
   </p:notesMasterIdLst>
   <p:handoutMasterIdLst>
-    <p:handoutMasterId r:id="rId17"/>
+    <p:handoutMasterId r:id="rId25"/>
   </p:handoutMasterIdLst>
   <p:sldIdLst>
     <p:sldId id="288" r:id="rId3"/>
@@ -23,8 +23,16 @@
     <p:sldId id="594" r:id="rId11"/>
     <p:sldId id="595" r:id="rId12"/>
     <p:sldId id="596" r:id="rId13"/>
-    <p:sldId id="591" r:id="rId14"/>
-    <p:sldId id="588" r:id="rId15"/>
+    <p:sldId id="599" r:id="rId14"/>
+    <p:sldId id="600" r:id="rId15"/>
+    <p:sldId id="602" r:id="rId16"/>
+    <p:sldId id="603" r:id="rId17"/>
+    <p:sldId id="591" r:id="rId18"/>
+    <p:sldId id="601" r:id="rId19"/>
+    <p:sldId id="604" r:id="rId20"/>
+    <p:sldId id="605" r:id="rId21"/>
+    <p:sldId id="606" r:id="rId22"/>
+    <p:sldId id="588" r:id="rId23"/>
   </p:sldIdLst>
   <p:sldSz cx="9144000" cy="6858000" type="screen4x3"/>
   <p:notesSz cx="6784975" cy="9921875"/>
@@ -1061,7 +1069,10 @@
           <a:bodyPr/>
           <a:lstStyle/>
           <a:p>
-            <a:endParaRPr lang="de-DE" dirty="0"/>
+            <a:r>
+              <a:rPr lang="de-DE" dirty="0"/>
+              <a:t>https://semver.org/lang/de/</a:t>
+            </a:r>
           </a:p>
         </p:txBody>
       </p:sp>
@@ -1083,7 +1094,444 @@
             <a:fld id="{18182567-388C-4D33-8B7B-A651F195F118}" type="slidenum">
               <a:rPr lang="de-DE" altLang="de-DE" smtClean="0"/>
               <a:pPr/>
+              <a:t>12</a:t>
+            </a:fld>
+            <a:endParaRPr lang="de-DE" altLang="de-DE"/>
+          </a:p>
+        </p:txBody>
+      </p:sp>
+    </p:spTree>
+    <p:extLst>
+      <p:ext uri="{BB962C8B-B14F-4D97-AF65-F5344CB8AC3E}">
+        <p14:creationId xmlns:p14="http://schemas.microsoft.com/office/powerpoint/2010/main" val="3489991838"/>
+      </p:ext>
+    </p:extLst>
+  </p:cSld>
+  <p:clrMapOvr>
+    <a:masterClrMapping/>
+  </p:clrMapOvr>
+</p:notes>
+</file>
+
+<file path=ppt/notesSlides/notesSlide3.xml><?xml version="1.0" encoding="utf-8"?>
+<p:notes xmlns:a="http://schemas.openxmlformats.org/drawingml/2006/main" xmlns:r="http://schemas.openxmlformats.org/officeDocument/2006/relationships" xmlns:p="http://schemas.openxmlformats.org/presentationml/2006/main">
+  <p:cSld>
+    <p:spTree>
+      <p:nvGrpSpPr>
+        <p:cNvPr id="1" name=""/>
+        <p:cNvGrpSpPr/>
+        <p:nvPr/>
+      </p:nvGrpSpPr>
+      <p:grpSpPr>
+        <a:xfrm>
+          <a:off x="0" y="0"/>
+          <a:ext cx="0" cy="0"/>
+          <a:chOff x="0" y="0"/>
+          <a:chExt cx="0" cy="0"/>
+        </a:xfrm>
+      </p:grpSpPr>
+      <p:sp>
+        <p:nvSpPr>
+          <p:cNvPr id="2" name="Folienbildplatzhalter 1"/>
+          <p:cNvSpPr>
+            <a:spLocks noGrp="1" noRot="1" noChangeAspect="1"/>
+          </p:cNvSpPr>
+          <p:nvPr>
+            <p:ph type="sldImg"/>
+          </p:nvPr>
+        </p:nvSpPr>
+        <p:spPr/>
+      </p:sp>
+      <p:sp>
+        <p:nvSpPr>
+          <p:cNvPr id="3" name="Notizenplatzhalter 2"/>
+          <p:cNvSpPr>
+            <a:spLocks noGrp="1"/>
+          </p:cNvSpPr>
+          <p:nvPr>
+            <p:ph type="body" idx="1"/>
+          </p:nvPr>
+        </p:nvSpPr>
+        <p:spPr/>
+        <p:txBody>
+          <a:bodyPr/>
+          <a:lstStyle/>
+          <a:p>
+            <a:r>
+              <a:rPr lang="de-DE" dirty="0"/>
+              <a:t>https://semver.org/lang/de/</a:t>
+            </a:r>
+          </a:p>
+        </p:txBody>
+      </p:sp>
+      <p:sp>
+        <p:nvSpPr>
+          <p:cNvPr id="4" name="Foliennummernplatzhalter 3"/>
+          <p:cNvSpPr>
+            <a:spLocks noGrp="1"/>
+          </p:cNvSpPr>
+          <p:nvPr>
+            <p:ph type="sldNum" sz="quarter" idx="5"/>
+          </p:nvPr>
+        </p:nvSpPr>
+        <p:spPr/>
+        <p:txBody>
+          <a:bodyPr/>
+          <a:lstStyle/>
+          <a:p>
+            <a:fld id="{18182567-388C-4D33-8B7B-A651F195F118}" type="slidenum">
+              <a:rPr lang="de-DE" altLang="de-DE" smtClean="0"/>
+              <a:pPr/>
               <a:t>13</a:t>
+            </a:fld>
+            <a:endParaRPr lang="de-DE" altLang="de-DE"/>
+          </a:p>
+        </p:txBody>
+      </p:sp>
+    </p:spTree>
+    <p:extLst>
+      <p:ext uri="{BB962C8B-B14F-4D97-AF65-F5344CB8AC3E}">
+        <p14:creationId xmlns:p14="http://schemas.microsoft.com/office/powerpoint/2010/main" val="3085793975"/>
+      </p:ext>
+    </p:extLst>
+  </p:cSld>
+  <p:clrMapOvr>
+    <a:masterClrMapping/>
+  </p:clrMapOvr>
+</p:notes>
+</file>
+
+<file path=ppt/notesSlides/notesSlide4.xml><?xml version="1.0" encoding="utf-8"?>
+<p:notes xmlns:a="http://schemas.openxmlformats.org/drawingml/2006/main" xmlns:r="http://schemas.openxmlformats.org/officeDocument/2006/relationships" xmlns:p="http://schemas.openxmlformats.org/presentationml/2006/main">
+  <p:cSld>
+    <p:spTree>
+      <p:nvGrpSpPr>
+        <p:cNvPr id="1" name=""/>
+        <p:cNvGrpSpPr/>
+        <p:nvPr/>
+      </p:nvGrpSpPr>
+      <p:grpSpPr>
+        <a:xfrm>
+          <a:off x="0" y="0"/>
+          <a:ext cx="0" cy="0"/>
+          <a:chOff x="0" y="0"/>
+          <a:chExt cx="0" cy="0"/>
+        </a:xfrm>
+      </p:grpSpPr>
+      <p:sp>
+        <p:nvSpPr>
+          <p:cNvPr id="2" name="Folienbildplatzhalter 1"/>
+          <p:cNvSpPr>
+            <a:spLocks noGrp="1" noRot="1" noChangeAspect="1"/>
+          </p:cNvSpPr>
+          <p:nvPr>
+            <p:ph type="sldImg"/>
+          </p:nvPr>
+        </p:nvSpPr>
+        <p:spPr/>
+      </p:sp>
+      <p:sp>
+        <p:nvSpPr>
+          <p:cNvPr id="3" name="Notizenplatzhalter 2"/>
+          <p:cNvSpPr>
+            <a:spLocks noGrp="1"/>
+          </p:cNvSpPr>
+          <p:nvPr>
+            <p:ph type="body" idx="1"/>
+          </p:nvPr>
+        </p:nvSpPr>
+        <p:spPr/>
+        <p:txBody>
+          <a:bodyPr/>
+          <a:lstStyle/>
+          <a:p>
+            <a:r>
+              <a:rPr lang="de-DE" dirty="0"/>
+              <a:t>https://semver.org/lang/de/</a:t>
+            </a:r>
+          </a:p>
+        </p:txBody>
+      </p:sp>
+      <p:sp>
+        <p:nvSpPr>
+          <p:cNvPr id="4" name="Foliennummernplatzhalter 3"/>
+          <p:cNvSpPr>
+            <a:spLocks noGrp="1"/>
+          </p:cNvSpPr>
+          <p:nvPr>
+            <p:ph type="sldNum" sz="quarter" idx="5"/>
+          </p:nvPr>
+        </p:nvSpPr>
+        <p:spPr/>
+        <p:txBody>
+          <a:bodyPr/>
+          <a:lstStyle/>
+          <a:p>
+            <a:fld id="{18182567-388C-4D33-8B7B-A651F195F118}" type="slidenum">
+              <a:rPr lang="de-DE" altLang="de-DE" smtClean="0"/>
+              <a:pPr/>
+              <a:t>17</a:t>
+            </a:fld>
+            <a:endParaRPr lang="de-DE" altLang="de-DE"/>
+          </a:p>
+        </p:txBody>
+      </p:sp>
+    </p:spTree>
+    <p:extLst>
+      <p:ext uri="{BB962C8B-B14F-4D97-AF65-F5344CB8AC3E}">
+        <p14:creationId xmlns:p14="http://schemas.microsoft.com/office/powerpoint/2010/main" val="8064563"/>
+      </p:ext>
+    </p:extLst>
+  </p:cSld>
+  <p:clrMapOvr>
+    <a:masterClrMapping/>
+  </p:clrMapOvr>
+</p:notes>
+</file>
+
+<file path=ppt/notesSlides/notesSlide5.xml><?xml version="1.0" encoding="utf-8"?>
+<p:notes xmlns:a="http://schemas.openxmlformats.org/drawingml/2006/main" xmlns:r="http://schemas.openxmlformats.org/officeDocument/2006/relationships" xmlns:p="http://schemas.openxmlformats.org/presentationml/2006/main">
+  <p:cSld>
+    <p:spTree>
+      <p:nvGrpSpPr>
+        <p:cNvPr id="1" name=""/>
+        <p:cNvGrpSpPr/>
+        <p:nvPr/>
+      </p:nvGrpSpPr>
+      <p:grpSpPr>
+        <a:xfrm>
+          <a:off x="0" y="0"/>
+          <a:ext cx="0" cy="0"/>
+          <a:chOff x="0" y="0"/>
+          <a:chExt cx="0" cy="0"/>
+        </a:xfrm>
+      </p:grpSpPr>
+      <p:sp>
+        <p:nvSpPr>
+          <p:cNvPr id="2" name="Folienbildplatzhalter 1"/>
+          <p:cNvSpPr>
+            <a:spLocks noGrp="1" noRot="1" noChangeAspect="1"/>
+          </p:cNvSpPr>
+          <p:nvPr>
+            <p:ph type="sldImg"/>
+          </p:nvPr>
+        </p:nvSpPr>
+        <p:spPr/>
+      </p:sp>
+      <p:sp>
+        <p:nvSpPr>
+          <p:cNvPr id="3" name="Notizenplatzhalter 2"/>
+          <p:cNvSpPr>
+            <a:spLocks noGrp="1"/>
+          </p:cNvSpPr>
+          <p:nvPr>
+            <p:ph type="body" idx="1"/>
+          </p:nvPr>
+        </p:nvSpPr>
+        <p:spPr/>
+        <p:txBody>
+          <a:bodyPr/>
+          <a:lstStyle/>
+          <a:p>
+            <a:r>
+              <a:rPr lang="de-DE" dirty="0"/>
+              <a:t>https://semver.org/lang/de/</a:t>
+            </a:r>
+          </a:p>
+        </p:txBody>
+      </p:sp>
+      <p:sp>
+        <p:nvSpPr>
+          <p:cNvPr id="4" name="Foliennummernplatzhalter 3"/>
+          <p:cNvSpPr>
+            <a:spLocks noGrp="1"/>
+          </p:cNvSpPr>
+          <p:nvPr>
+            <p:ph type="sldNum" sz="quarter" idx="5"/>
+          </p:nvPr>
+        </p:nvSpPr>
+        <p:spPr/>
+        <p:txBody>
+          <a:bodyPr/>
+          <a:lstStyle/>
+          <a:p>
+            <a:fld id="{18182567-388C-4D33-8B7B-A651F195F118}" type="slidenum">
+              <a:rPr lang="de-DE" altLang="de-DE" smtClean="0"/>
+              <a:pPr/>
+              <a:t>18</a:t>
+            </a:fld>
+            <a:endParaRPr lang="de-DE" altLang="de-DE"/>
+          </a:p>
+        </p:txBody>
+      </p:sp>
+    </p:spTree>
+    <p:extLst>
+      <p:ext uri="{BB962C8B-B14F-4D97-AF65-F5344CB8AC3E}">
+        <p14:creationId xmlns:p14="http://schemas.microsoft.com/office/powerpoint/2010/main" val="3532218253"/>
+      </p:ext>
+    </p:extLst>
+  </p:cSld>
+  <p:clrMapOvr>
+    <a:masterClrMapping/>
+  </p:clrMapOvr>
+</p:notes>
+</file>
+
+<file path=ppt/notesSlides/notesSlide6.xml><?xml version="1.0" encoding="utf-8"?>
+<p:notes xmlns:a="http://schemas.openxmlformats.org/drawingml/2006/main" xmlns:r="http://schemas.openxmlformats.org/officeDocument/2006/relationships" xmlns:p="http://schemas.openxmlformats.org/presentationml/2006/main">
+  <p:cSld>
+    <p:spTree>
+      <p:nvGrpSpPr>
+        <p:cNvPr id="1" name=""/>
+        <p:cNvGrpSpPr/>
+        <p:nvPr/>
+      </p:nvGrpSpPr>
+      <p:grpSpPr>
+        <a:xfrm>
+          <a:off x="0" y="0"/>
+          <a:ext cx="0" cy="0"/>
+          <a:chOff x="0" y="0"/>
+          <a:chExt cx="0" cy="0"/>
+        </a:xfrm>
+      </p:grpSpPr>
+      <p:sp>
+        <p:nvSpPr>
+          <p:cNvPr id="2" name="Folienbildplatzhalter 1"/>
+          <p:cNvSpPr>
+            <a:spLocks noGrp="1" noRot="1" noChangeAspect="1"/>
+          </p:cNvSpPr>
+          <p:nvPr>
+            <p:ph type="sldImg"/>
+          </p:nvPr>
+        </p:nvSpPr>
+        <p:spPr/>
+      </p:sp>
+      <p:sp>
+        <p:nvSpPr>
+          <p:cNvPr id="3" name="Notizenplatzhalter 2"/>
+          <p:cNvSpPr>
+            <a:spLocks noGrp="1"/>
+          </p:cNvSpPr>
+          <p:nvPr>
+            <p:ph type="body" idx="1"/>
+          </p:nvPr>
+        </p:nvSpPr>
+        <p:spPr/>
+        <p:txBody>
+          <a:bodyPr/>
+          <a:lstStyle/>
+          <a:p>
+            <a:r>
+              <a:rPr lang="de-DE" dirty="0"/>
+              <a:t>https://semver.org/lang/de/</a:t>
+            </a:r>
+          </a:p>
+        </p:txBody>
+      </p:sp>
+      <p:sp>
+        <p:nvSpPr>
+          <p:cNvPr id="4" name="Foliennummernplatzhalter 3"/>
+          <p:cNvSpPr>
+            <a:spLocks noGrp="1"/>
+          </p:cNvSpPr>
+          <p:nvPr>
+            <p:ph type="sldNum" sz="quarter" idx="5"/>
+          </p:nvPr>
+        </p:nvSpPr>
+        <p:spPr/>
+        <p:txBody>
+          <a:bodyPr/>
+          <a:lstStyle/>
+          <a:p>
+            <a:fld id="{18182567-388C-4D33-8B7B-A651F195F118}" type="slidenum">
+              <a:rPr lang="de-DE" altLang="de-DE" smtClean="0"/>
+              <a:pPr/>
+              <a:t>19</a:t>
+            </a:fld>
+            <a:endParaRPr lang="de-DE" altLang="de-DE"/>
+          </a:p>
+        </p:txBody>
+      </p:sp>
+    </p:spTree>
+    <p:extLst>
+      <p:ext uri="{BB962C8B-B14F-4D97-AF65-F5344CB8AC3E}">
+        <p14:creationId xmlns:p14="http://schemas.microsoft.com/office/powerpoint/2010/main" val="624751404"/>
+      </p:ext>
+    </p:extLst>
+  </p:cSld>
+  <p:clrMapOvr>
+    <a:masterClrMapping/>
+  </p:clrMapOvr>
+</p:notes>
+</file>
+
+<file path=ppt/notesSlides/notesSlide7.xml><?xml version="1.0" encoding="utf-8"?>
+<p:notes xmlns:a="http://schemas.openxmlformats.org/drawingml/2006/main" xmlns:r="http://schemas.openxmlformats.org/officeDocument/2006/relationships" xmlns:p="http://schemas.openxmlformats.org/presentationml/2006/main">
+  <p:cSld>
+    <p:spTree>
+      <p:nvGrpSpPr>
+        <p:cNvPr id="1" name=""/>
+        <p:cNvGrpSpPr/>
+        <p:nvPr/>
+      </p:nvGrpSpPr>
+      <p:grpSpPr>
+        <a:xfrm>
+          <a:off x="0" y="0"/>
+          <a:ext cx="0" cy="0"/>
+          <a:chOff x="0" y="0"/>
+          <a:chExt cx="0" cy="0"/>
+        </a:xfrm>
+      </p:grpSpPr>
+      <p:sp>
+        <p:nvSpPr>
+          <p:cNvPr id="2" name="Folienbildplatzhalter 1"/>
+          <p:cNvSpPr>
+            <a:spLocks noGrp="1" noRot="1" noChangeAspect="1"/>
+          </p:cNvSpPr>
+          <p:nvPr>
+            <p:ph type="sldImg"/>
+          </p:nvPr>
+        </p:nvSpPr>
+        <p:spPr/>
+      </p:sp>
+      <p:sp>
+        <p:nvSpPr>
+          <p:cNvPr id="3" name="Notizenplatzhalter 2"/>
+          <p:cNvSpPr>
+            <a:spLocks noGrp="1"/>
+          </p:cNvSpPr>
+          <p:nvPr>
+            <p:ph type="body" idx="1"/>
+          </p:nvPr>
+        </p:nvSpPr>
+        <p:spPr/>
+        <p:txBody>
+          <a:bodyPr/>
+          <a:lstStyle/>
+          <a:p>
+            <a:endParaRPr lang="de-DE" dirty="0"/>
+          </a:p>
+        </p:txBody>
+      </p:sp>
+      <p:sp>
+        <p:nvSpPr>
+          <p:cNvPr id="4" name="Foliennummernplatzhalter 3"/>
+          <p:cNvSpPr>
+            <a:spLocks noGrp="1"/>
+          </p:cNvSpPr>
+          <p:nvPr>
+            <p:ph type="sldNum" sz="quarter" idx="5"/>
+          </p:nvPr>
+        </p:nvSpPr>
+        <p:spPr/>
+        <p:txBody>
+          <a:bodyPr/>
+          <a:lstStyle/>
+          <a:p>
+            <a:fld id="{18182567-388C-4D33-8B7B-A651F195F118}" type="slidenum">
+              <a:rPr lang="de-DE" altLang="de-DE" smtClean="0"/>
+              <a:pPr/>
+              <a:t>21</a:t>
             </a:fld>
             <a:endParaRPr lang="de-DE" altLang="de-DE"/>
           </a:p>
@@ -4162,7 +4610,7 @@
               <a:buChar char="•"/>
             </a:pPr>
             <a:r>
-              <a:rPr lang="de-DE">
+              <a:rPr lang="de-DE" dirty="0">
                 <a:sym typeface="Wingdings" panose="05000000000000000000" pitchFamily="2" charset="2"/>
               </a:rPr>
               <a:t> Strategien zum Image Tagging</a:t>
@@ -4302,8 +4750,37 @@
             </a:pPr>
             <a:r>
               <a:rPr lang="de-DE" dirty="0"/>
-              <a:t>Rolling tags</a:t>
-            </a:r>
+              <a:t>Rolling Tags</a:t>
+            </a:r>
+          </a:p>
+          <a:p>
+            <a:pPr lvl="1">
+              <a:buFont typeface="Arial" panose="020B0604020202020204" pitchFamily="34" charset="0"/>
+              <a:buChar char="•"/>
+            </a:pPr>
+            <a:r>
+              <a:rPr lang="de-DE" dirty="0" err="1"/>
+              <a:t>Git</a:t>
+            </a:r>
+            <a:r>
+              <a:rPr lang="de-DE" dirty="0"/>
+              <a:t> Tags</a:t>
+            </a:r>
+          </a:p>
+          <a:p>
+            <a:pPr lvl="1">
+              <a:buFont typeface="Arial" panose="020B0604020202020204" pitchFamily="34" charset="0"/>
+              <a:buChar char="•"/>
+            </a:pPr>
+            <a:r>
+              <a:rPr lang="de-DE" dirty="0"/>
+              <a:t>Branch </a:t>
+            </a:r>
+            <a:r>
+              <a:rPr lang="de-DE" dirty="0" err="1"/>
+              <a:t>Names</a:t>
+            </a:r>
+            <a:endParaRPr lang="de-DE" dirty="0"/>
           </a:p>
           <a:p>
             <a:pPr lvl="1">
@@ -4316,7 +4793,23 @@
             </a:r>
             <a:r>
               <a:rPr lang="de-DE" dirty="0"/>
-              <a:t> tags</a:t>
+              <a:t> Tags (</a:t>
+            </a:r>
+            <a:r>
+              <a:rPr lang="de-DE" dirty="0" err="1"/>
+              <a:t>Semantic</a:t>
+            </a:r>
+            <a:r>
+              <a:rPr lang="de-DE" dirty="0"/>
+              <a:t> </a:t>
+            </a:r>
+            <a:r>
+              <a:rPr lang="de-DE" dirty="0" err="1"/>
+              <a:t>Versioning</a:t>
+            </a:r>
+            <a:r>
+              <a:rPr lang="de-DE" dirty="0"/>
+              <a:t>)</a:t>
             </a:r>
           </a:p>
           <a:p>
@@ -4326,9 +4819,12 @@
             </a:pPr>
             <a:r>
               <a:rPr lang="de-DE" dirty="0" err="1"/>
-              <a:t>GitCommit</a:t>
-            </a:r>
-            <a:endParaRPr lang="de-DE" dirty="0"/>
+              <a:t>Git</a:t>
+            </a:r>
+            <a:r>
+              <a:rPr lang="de-DE" dirty="0"/>
+              <a:t> Commit Hash</a:t>
+            </a:r>
           </a:p>
           <a:p>
             <a:pPr lvl="1">
@@ -4339,7 +4835,18 @@
               <a:rPr lang="de-DE" dirty="0" err="1"/>
               <a:t>Timestamp</a:t>
             </a:r>
-            <a:endParaRPr lang="de-DE" dirty="0"/>
+            <a:r>
+              <a:rPr lang="de-DE" dirty="0"/>
+              <a:t> / Date-</a:t>
+            </a:r>
+            <a:r>
+              <a:rPr lang="de-DE" dirty="0" err="1"/>
+              <a:t>Based</a:t>
+            </a:r>
+            <a:r>
+              <a:rPr lang="de-DE" dirty="0"/>
+              <a:t> Tags</a:t>
+            </a:r>
           </a:p>
           <a:p>
             <a:pPr lvl="1">
@@ -4360,7 +4867,7 @@
     </p:spTree>
     <p:extLst>
       <p:ext uri="{BB962C8B-B14F-4D97-AF65-F5344CB8AC3E}">
-        <p14:creationId xmlns:p14="http://schemas.microsoft.com/office/powerpoint/2010/main" val="1996689965"/>
+        <p14:creationId xmlns:p14="http://schemas.microsoft.com/office/powerpoint/2010/main" val="1799660318"/>
       </p:ext>
     </p:extLst>
   </p:cSld>
@@ -4392,7 +4899,7 @@
           <p:cNvPr id="2" name="Titel 1">
             <a:extLst>
               <a:ext uri="{FF2B5EF4-FFF2-40B4-BE49-F238E27FC236}">
-                <a16:creationId xmlns:a16="http://schemas.microsoft.com/office/drawing/2014/main" id="{184AFD09-5210-6F86-C2FD-BBC016D382A6}"/>
+                <a16:creationId xmlns:a16="http://schemas.microsoft.com/office/drawing/2014/main" id="{5874EA8E-7A71-3505-B01E-D0E8A26AAC59}"/>
               </a:ext>
             </a:extLst>
           </p:cNvPr>
@@ -4426,10 +4933,10 @@
       </p:sp>
       <p:sp>
         <p:nvSpPr>
-          <p:cNvPr id="6" name="Inhaltsplatzhalter 5">
+          <p:cNvPr id="3" name="Inhaltsplatzhalter 2">
             <a:extLst>
               <a:ext uri="{FF2B5EF4-FFF2-40B4-BE49-F238E27FC236}">
-                <a16:creationId xmlns:a16="http://schemas.microsoft.com/office/drawing/2014/main" id="{D2412707-84D3-F572-4709-FD9A95F28E5B}"/>
+                <a16:creationId xmlns:a16="http://schemas.microsoft.com/office/drawing/2014/main" id="{D4DA2B4E-C5FB-6595-34A6-E18A9AA0157D}"/>
               </a:ext>
             </a:extLst>
           </p:cNvPr>
@@ -4450,13 +4957,8 @@
             </a:pPr>
             <a:r>
               <a:rPr lang="de-DE" b="1" dirty="0"/>
-              <a:t>Verwendung mit </a:t>
-            </a:r>
-            <a:r>
-              <a:rPr lang="de-DE" b="1" dirty="0" err="1"/>
-              <a:t>GitLab</a:t>
-            </a:r>
-            <a:endParaRPr lang="de-DE" b="1" dirty="0"/>
+              <a:t>Rolling tags</a:t>
+            </a:r>
           </a:p>
           <a:p>
             <a:pPr>
@@ -4465,8 +4967,51 @@
             </a:pPr>
             <a:r>
               <a:rPr lang="de-DE" dirty="0"/>
-              <a:t>Authentifizierung mit der Container Registry</a:t>
-            </a:r>
+              <a:t>Zwei weit verbreitete</a:t>
+            </a:r>
+            <a:r>
+              <a:rPr lang="de-DE" dirty="0">
+                <a:sym typeface="Wingdings" panose="05000000000000000000" pitchFamily="2" charset="2"/>
+              </a:rPr>
+              <a:t></a:t>
+            </a:r>
+            <a:r>
+              <a:rPr lang="de-DE" dirty="0">
+                <a:latin typeface="Consolas" panose="020B0609020204030204" pitchFamily="49" charset="0"/>
+              </a:rPr>
+              <a:t>:</a:t>
+            </a:r>
+            <a:r>
+              <a:rPr lang="de-DE" dirty="0" err="1">
+                <a:latin typeface="Consolas" panose="020B0609020204030204" pitchFamily="49" charset="0"/>
+              </a:rPr>
+              <a:t>latest</a:t>
+            </a:r>
+            <a:r>
+              <a:rPr lang="de-DE" dirty="0">
+                <a:latin typeface="Consolas" panose="020B0609020204030204" pitchFamily="49" charset="0"/>
+              </a:rPr>
+              <a:t> </a:t>
+            </a:r>
+            <a:r>
+              <a:rPr lang="de-DE" dirty="0"/>
+              <a:t>und </a:t>
+            </a:r>
+            <a:r>
+              <a:rPr lang="de-DE" dirty="0">
+                <a:latin typeface="Consolas" panose="020B0609020204030204" pitchFamily="49" charset="0"/>
+              </a:rPr>
+              <a:t>:</a:t>
+            </a:r>
+            <a:r>
+              <a:rPr lang="de-DE" dirty="0" err="1">
+                <a:latin typeface="Consolas" panose="020B0609020204030204" pitchFamily="49" charset="0"/>
+              </a:rPr>
+              <a:t>stable</a:t>
+            </a:r>
+            <a:endParaRPr lang="de-DE" dirty="0">
+              <a:latin typeface="Consolas" panose="020B0609020204030204" pitchFamily="49" charset="0"/>
+            </a:endParaRPr>
           </a:p>
           <a:p>
             <a:pPr>
@@ -4474,12 +5019,16 @@
               <a:buChar char="•"/>
             </a:pPr>
             <a:r>
+              <a:rPr lang="de-DE" dirty="0"/>
+              <a:t>Relevanteste und neuste </a:t>
+            </a:r>
+            <a:r>
               <a:rPr lang="de-DE" dirty="0" err="1"/>
-              <a:t>GitLab</a:t>
-            </a:r>
-            <a:r>
-              <a:rPr lang="de-DE" dirty="0"/>
-              <a:t> CI/CD zum authentifizieren</a:t>
+              <a:t>Build</a:t>
+            </a:r>
+            <a:r>
+              <a:rPr lang="de-DE" dirty="0"/>
+              <a:t>-Tag</a:t>
             </a:r>
           </a:p>
           <a:p>
@@ -4489,7 +5038,7 @@
             </a:pPr>
             <a:r>
               <a:rPr lang="de-DE" dirty="0"/>
-              <a:t>Images bauen und pushen</a:t>
+              <a:t>Vorsicht: Inkompatibles Image!</a:t>
             </a:r>
           </a:p>
           <a:p>
@@ -4499,7 +5048,15 @@
             </a:pPr>
             <a:r>
               <a:rPr lang="de-DE" dirty="0"/>
-              <a:t>Docker</a:t>
+              <a:t>Für Test-Stage OK, </a:t>
+            </a:r>
+            <a:r>
+              <a:rPr lang="de-DE" dirty="0" err="1"/>
+              <a:t>Production</a:t>
+            </a:r>
+            <a:r>
+              <a:rPr lang="de-DE" dirty="0"/>
+              <a:t> No-Go</a:t>
             </a:r>
           </a:p>
           <a:p>
@@ -4509,39 +5066,19 @@
             </a:pPr>
             <a:r>
               <a:rPr lang="de-DE" dirty="0" err="1"/>
-              <a:t>GitLab</a:t>
-            </a:r>
-            <a:r>
-              <a:rPr lang="de-DE" dirty="0"/>
-              <a:t> CI/CD</a:t>
-            </a:r>
-          </a:p>
-          <a:p>
-            <a:pPr lvl="2">
-              <a:buFont typeface="Arial" panose="020B0604020202020204" pitchFamily="34" charset="0"/>
-              <a:buChar char="•"/>
-            </a:pPr>
-            <a:r>
-              <a:rPr lang="de-DE" sz="1800" dirty="0"/>
-              <a:t>Docker-in-Docker Container Image (Container Registry)</a:t>
-            </a:r>
-          </a:p>
-          <a:p>
-            <a:pPr lvl="2">
-              <a:buFont typeface="Arial" panose="020B0604020202020204" pitchFamily="34" charset="0"/>
-              <a:buChar char="•"/>
-            </a:pPr>
-            <a:r>
-              <a:rPr lang="de-DE" sz="1800" dirty="0"/>
-              <a:t>Docker-in-Docker Container Image (</a:t>
-            </a:r>
-            <a:r>
-              <a:rPr lang="de-DE" sz="1800" dirty="0" err="1"/>
-              <a:t>Dependency</a:t>
-            </a:r>
-            <a:r>
-              <a:rPr lang="de-DE" sz="1800" dirty="0"/>
-              <a:t> Proxy)</a:t>
+              <a:t>Production</a:t>
+            </a:r>
+            <a:r>
+              <a:rPr lang="de-DE" dirty="0"/>
+              <a:t> besser: </a:t>
+            </a:r>
+            <a:r>
+              <a:rPr lang="de-DE" dirty="0" err="1"/>
+              <a:t>unique</a:t>
+            </a:r>
+            <a:r>
+              <a:rPr lang="de-DE" dirty="0"/>
+              <a:t> Tags</a:t>
             </a:r>
           </a:p>
           <a:p>
@@ -4551,33 +5088,54 @@
             </a:pPr>
             <a:r>
               <a:rPr lang="de-DE" dirty="0"/>
-              <a:t>Container Registry Beispiele mit </a:t>
+              <a:t>Schwierig zu einer früheren Version zurückzukehren</a:t>
+            </a:r>
+          </a:p>
+          <a:p>
+            <a:pPr>
+              <a:buFont typeface="Arial" panose="020B0604020202020204" pitchFamily="34" charset="0"/>
+              <a:buChar char="•"/>
+            </a:pPr>
+            <a:r>
+              <a:rPr lang="de-DE" dirty="0"/>
+              <a:t>Herausforderung</a:t>
+            </a:r>
+          </a:p>
+          <a:p>
+            <a:pPr lvl="1">
+              <a:buFont typeface="Arial" panose="020B0604020202020204" pitchFamily="34" charset="0"/>
+              <a:buChar char="•"/>
+            </a:pPr>
+            <a:r>
+              <a:rPr lang="de-DE" dirty="0"/>
+              <a:t>Image IDs (</a:t>
             </a:r>
             <a:r>
               <a:rPr lang="de-DE" dirty="0" err="1"/>
-              <a:t>GitLab</a:t>
-            </a:r>
-            <a:r>
-              <a:rPr lang="de-DE" dirty="0"/>
-              <a:t> CI/CD</a:t>
-            </a:r>
-          </a:p>
-          <a:p>
-            <a:pPr lvl="2">
-              <a:buFont typeface="Arial" panose="020B0604020202020204" pitchFamily="34" charset="0"/>
-              <a:buChar char="•"/>
-            </a:pPr>
+              <a:t>digest</a:t>
+            </a:r>
+            <a:r>
+              <a:rPr lang="de-DE" dirty="0"/>
+              <a:t>): not human-</a:t>
+            </a:r>
+            <a:r>
+              <a:rPr lang="de-DE" dirty="0" err="1"/>
+              <a:t>readable</a:t>
+            </a:r>
             <a:endParaRPr lang="de-DE" dirty="0"/>
           </a:p>
           <a:p>
-            <a:pPr lvl="2">
-              <a:buFont typeface="Arial" panose="020B0604020202020204" pitchFamily="34" charset="0"/>
-              <a:buChar char="•"/>
-            </a:pPr>
-            <a:endParaRPr lang="de-DE" dirty="0"/>
-          </a:p>
-          <a:p>
             <a:pPr lvl="1">
+              <a:buFont typeface="Arial" panose="020B0604020202020204" pitchFamily="34" charset="0"/>
+              <a:buChar char="•"/>
+            </a:pPr>
+            <a:r>
+              <a:rPr lang="de-DE" dirty="0"/>
+              <a:t>Image tags: mutable</a:t>
+            </a:r>
+          </a:p>
+          <a:p>
+            <a:pPr>
               <a:buFont typeface="Arial" panose="020B0604020202020204" pitchFamily="34" charset="0"/>
               <a:buChar char="•"/>
             </a:pPr>
@@ -4588,7 +5146,1284 @@
     </p:spTree>
     <p:extLst>
       <p:ext uri="{BB962C8B-B14F-4D97-AF65-F5344CB8AC3E}">
-        <p14:creationId xmlns:p14="http://schemas.microsoft.com/office/powerpoint/2010/main" val="1944366019"/>
+        <p14:creationId xmlns:p14="http://schemas.microsoft.com/office/powerpoint/2010/main" val="3526740333"/>
+      </p:ext>
+    </p:extLst>
+  </p:cSld>
+  <p:clrMapOvr>
+    <a:masterClrMapping/>
+  </p:clrMapOvr>
+</p:sld>
+</file>
+
+<file path=ppt/slides/slide14.xml><?xml version="1.0" encoding="utf-8"?>
+<p:sld xmlns:a="http://schemas.openxmlformats.org/drawingml/2006/main" xmlns:r="http://schemas.openxmlformats.org/officeDocument/2006/relationships" xmlns:p="http://schemas.openxmlformats.org/presentationml/2006/main">
+  <p:cSld>
+    <p:spTree>
+      <p:nvGrpSpPr>
+        <p:cNvPr id="1" name=""/>
+        <p:cNvGrpSpPr/>
+        <p:nvPr/>
+      </p:nvGrpSpPr>
+      <p:grpSpPr>
+        <a:xfrm>
+          <a:off x="0" y="0"/>
+          <a:ext cx="0" cy="0"/>
+          <a:chOff x="0" y="0"/>
+          <a:chExt cx="0" cy="0"/>
+        </a:xfrm>
+      </p:grpSpPr>
+      <p:sp>
+        <p:nvSpPr>
+          <p:cNvPr id="2" name="Titel 1">
+            <a:extLst>
+              <a:ext uri="{FF2B5EF4-FFF2-40B4-BE49-F238E27FC236}">
+                <a16:creationId xmlns:a16="http://schemas.microsoft.com/office/drawing/2014/main" id="{830D42F4-3DE1-E484-4E37-7A350B7E9347}"/>
+              </a:ext>
+            </a:extLst>
+          </p:cNvPr>
+          <p:cNvSpPr>
+            <a:spLocks noGrp="1"/>
+          </p:cNvSpPr>
+          <p:nvPr>
+            <p:ph type="title"/>
+          </p:nvPr>
+        </p:nvSpPr>
+        <p:spPr/>
+        <p:txBody>
+          <a:bodyPr/>
+          <a:lstStyle/>
+          <a:p>
+            <a:r>
+              <a:rPr lang="de-DE" cap="none" dirty="0"/>
+              <a:t>Release- und </a:t>
+            </a:r>
+            <a:r>
+              <a:rPr lang="de-DE" cap="none" dirty="0" err="1"/>
+              <a:t>Tagged</a:t>
+            </a:r>
+            <a:r>
+              <a:rPr lang="de-DE" cap="none" dirty="0"/>
+              <a:t>-Images</a:t>
+            </a:r>
+            <a:endParaRPr lang="de-DE" dirty="0"/>
+          </a:p>
+        </p:txBody>
+      </p:sp>
+      <p:sp>
+        <p:nvSpPr>
+          <p:cNvPr id="3" name="Inhaltsplatzhalter 2">
+            <a:extLst>
+              <a:ext uri="{FF2B5EF4-FFF2-40B4-BE49-F238E27FC236}">
+                <a16:creationId xmlns:a16="http://schemas.microsoft.com/office/drawing/2014/main" id="{3AD45E9F-BF6F-3159-A6E8-E786B8D66377}"/>
+              </a:ext>
+            </a:extLst>
+          </p:cNvPr>
+          <p:cNvSpPr>
+            <a:spLocks noGrp="1"/>
+          </p:cNvSpPr>
+          <p:nvPr>
+            <p:ph idx="1"/>
+          </p:nvPr>
+        </p:nvSpPr>
+        <p:spPr/>
+        <p:txBody>
+          <a:bodyPr/>
+          <a:lstStyle/>
+          <a:p>
+            <a:pPr marL="0" indent="0">
+              <a:buNone/>
+            </a:pPr>
+            <a:r>
+              <a:rPr lang="de-DE" b="1" dirty="0" err="1"/>
+              <a:t>Git</a:t>
+            </a:r>
+            <a:r>
+              <a:rPr lang="de-DE" b="1" dirty="0"/>
+              <a:t> Tags</a:t>
+            </a:r>
+          </a:p>
+          <a:p>
+            <a:pPr>
+              <a:buFont typeface="Arial" panose="020B0604020202020204" pitchFamily="34" charset="0"/>
+              <a:buChar char="•"/>
+            </a:pPr>
+            <a:r>
+              <a:rPr lang="de-DE" dirty="0"/>
+              <a:t>Nützlich, wenn man bereits </a:t>
+            </a:r>
+            <a:r>
+              <a:rPr lang="de-DE" dirty="0" err="1"/>
+              <a:t>Git</a:t>
+            </a:r>
+            <a:r>
+              <a:rPr lang="de-DE" dirty="0"/>
+              <a:t> Tags für Releases nutzt</a:t>
+            </a:r>
+          </a:p>
+          <a:p>
+            <a:pPr>
+              <a:buFont typeface="Arial" panose="020B0604020202020204" pitchFamily="34" charset="0"/>
+              <a:buChar char="•"/>
+            </a:pPr>
+            <a:r>
+              <a:rPr lang="de-DE" dirty="0"/>
+              <a:t>Diese Tags können direkt als Docker Image Tags genutzt werden</a:t>
+            </a:r>
+          </a:p>
+          <a:p>
+            <a:pPr>
+              <a:buFont typeface="Arial" panose="020B0604020202020204" pitchFamily="34" charset="0"/>
+              <a:buChar char="•"/>
+            </a:pPr>
+            <a:r>
+              <a:rPr lang="de-DE" dirty="0" err="1"/>
+              <a:t>Git</a:t>
+            </a:r>
+            <a:r>
+              <a:rPr lang="de-DE" dirty="0"/>
+              <a:t> Tag „v2.5.1“</a:t>
+            </a:r>
+          </a:p>
+          <a:p>
+            <a:pPr lvl="1">
+              <a:buFont typeface="Arial" panose="020B0604020202020204" pitchFamily="34" charset="0"/>
+              <a:buChar char="•"/>
+            </a:pPr>
+            <a:r>
+              <a:rPr lang="de-DE" dirty="0">
+                <a:sym typeface="Wingdings" panose="05000000000000000000" pitchFamily="2" charset="2"/>
+              </a:rPr>
+              <a:t> Gleichen Tag als Docker Image Tag verwenden</a:t>
+            </a:r>
+            <a:endParaRPr lang="de-DE" dirty="0"/>
+          </a:p>
+        </p:txBody>
+      </p:sp>
+    </p:spTree>
+    <p:extLst>
+      <p:ext uri="{BB962C8B-B14F-4D97-AF65-F5344CB8AC3E}">
+        <p14:creationId xmlns:p14="http://schemas.microsoft.com/office/powerpoint/2010/main" val="1652775311"/>
+      </p:ext>
+    </p:extLst>
+  </p:cSld>
+  <p:clrMapOvr>
+    <a:masterClrMapping/>
+  </p:clrMapOvr>
+</p:sld>
+</file>
+
+<file path=ppt/slides/slide15.xml><?xml version="1.0" encoding="utf-8"?>
+<p:sld xmlns:a="http://schemas.openxmlformats.org/drawingml/2006/main" xmlns:r="http://schemas.openxmlformats.org/officeDocument/2006/relationships" xmlns:p="http://schemas.openxmlformats.org/presentationml/2006/main">
+  <p:cSld>
+    <p:spTree>
+      <p:nvGrpSpPr>
+        <p:cNvPr id="1" name=""/>
+        <p:cNvGrpSpPr/>
+        <p:nvPr/>
+      </p:nvGrpSpPr>
+      <p:grpSpPr>
+        <a:xfrm>
+          <a:off x="0" y="0"/>
+          <a:ext cx="0" cy="0"/>
+          <a:chOff x="0" y="0"/>
+          <a:chExt cx="0" cy="0"/>
+        </a:xfrm>
+      </p:grpSpPr>
+      <p:sp>
+        <p:nvSpPr>
+          <p:cNvPr id="2" name="Titel 1">
+            <a:extLst>
+              <a:ext uri="{FF2B5EF4-FFF2-40B4-BE49-F238E27FC236}">
+                <a16:creationId xmlns:a16="http://schemas.microsoft.com/office/drawing/2014/main" id="{2C9E82B3-AD82-0F0E-4966-26D367100225}"/>
+              </a:ext>
+            </a:extLst>
+          </p:cNvPr>
+          <p:cNvSpPr>
+            <a:spLocks noGrp="1"/>
+          </p:cNvSpPr>
+          <p:nvPr>
+            <p:ph type="title"/>
+          </p:nvPr>
+        </p:nvSpPr>
+        <p:spPr/>
+        <p:txBody>
+          <a:bodyPr/>
+          <a:lstStyle/>
+          <a:p>
+            <a:r>
+              <a:rPr lang="de-DE" cap="none" dirty="0"/>
+              <a:t>Release- und </a:t>
+            </a:r>
+            <a:r>
+              <a:rPr lang="de-DE" cap="none" dirty="0" err="1"/>
+              <a:t>Tagged</a:t>
+            </a:r>
+            <a:r>
+              <a:rPr lang="de-DE" cap="none" dirty="0"/>
+              <a:t>-Images</a:t>
+            </a:r>
+            <a:endParaRPr lang="de-DE" dirty="0"/>
+          </a:p>
+        </p:txBody>
+      </p:sp>
+      <p:sp>
+        <p:nvSpPr>
+          <p:cNvPr id="3" name="Inhaltsplatzhalter 2">
+            <a:extLst>
+              <a:ext uri="{FF2B5EF4-FFF2-40B4-BE49-F238E27FC236}">
+                <a16:creationId xmlns:a16="http://schemas.microsoft.com/office/drawing/2014/main" id="{659CA9F6-54B4-1531-E83B-0D1A49C9D6FB}"/>
+              </a:ext>
+            </a:extLst>
+          </p:cNvPr>
+          <p:cNvSpPr>
+            <a:spLocks noGrp="1"/>
+          </p:cNvSpPr>
+          <p:nvPr>
+            <p:ph idx="1"/>
+          </p:nvPr>
+        </p:nvSpPr>
+        <p:spPr/>
+        <p:txBody>
+          <a:bodyPr/>
+          <a:lstStyle/>
+          <a:p>
+            <a:pPr marL="0" indent="0">
+              <a:buNone/>
+            </a:pPr>
+            <a:r>
+              <a:rPr lang="de-DE" b="1" dirty="0"/>
+              <a:t>Branch </a:t>
+            </a:r>
+            <a:r>
+              <a:rPr lang="de-DE" b="1" dirty="0" err="1"/>
+              <a:t>Names</a:t>
+            </a:r>
+            <a:endParaRPr lang="de-DE" b="1" dirty="0"/>
+          </a:p>
+          <a:p>
+            <a:pPr>
+              <a:buFont typeface="Arial" panose="020B0604020202020204" pitchFamily="34" charset="0"/>
+              <a:buChar char="•"/>
+            </a:pPr>
+            <a:r>
+              <a:rPr lang="de-DE" dirty="0"/>
+              <a:t>Bei vorhandener </a:t>
+            </a:r>
+            <a:r>
+              <a:rPr lang="de-DE" dirty="0" err="1"/>
+              <a:t>Branching</a:t>
+            </a:r>
+            <a:r>
+              <a:rPr lang="de-DE" dirty="0"/>
+              <a:t> Strategie</a:t>
+            </a:r>
+          </a:p>
+          <a:p>
+            <a:pPr lvl="1">
+              <a:buFont typeface="Arial" panose="020B0604020202020204" pitchFamily="34" charset="0"/>
+              <a:buChar char="•"/>
+            </a:pPr>
+            <a:r>
+              <a:rPr lang="de-DE" dirty="0" err="1"/>
+              <a:t>Branchnamen</a:t>
+            </a:r>
+            <a:r>
+              <a:rPr lang="de-DE" dirty="0"/>
+              <a:t> verwenden, um Tags zu managen</a:t>
+            </a:r>
+          </a:p>
+          <a:p>
+            <a:pPr>
+              <a:buFont typeface="Arial" panose="020B0604020202020204" pitchFamily="34" charset="0"/>
+              <a:buChar char="•"/>
+            </a:pPr>
+            <a:r>
+              <a:rPr lang="de-DE" dirty="0"/>
+              <a:t>Beispiel</a:t>
+            </a:r>
+          </a:p>
+          <a:p>
+            <a:pPr lvl="1">
+              <a:buFont typeface="Arial" panose="020B0604020202020204" pitchFamily="34" charset="0"/>
+              <a:buChar char="•"/>
+            </a:pPr>
+            <a:r>
+              <a:rPr lang="de-DE" dirty="0"/>
+              <a:t>Branch: </a:t>
+            </a:r>
+            <a:r>
+              <a:rPr lang="de-DE" dirty="0">
+                <a:latin typeface="Consolas" panose="020B0609020204030204" pitchFamily="49" charset="0"/>
+              </a:rPr>
+              <a:t>release/2.5.1 für ein spezifisches Release</a:t>
+            </a:r>
+          </a:p>
+          <a:p>
+            <a:pPr lvl="1">
+              <a:buFont typeface="Arial" panose="020B0604020202020204" pitchFamily="34" charset="0"/>
+              <a:buChar char="•"/>
+            </a:pPr>
+            <a:r>
+              <a:rPr lang="de-DE" dirty="0"/>
+              <a:t>Entsprechendes Docker Image mit </a:t>
+            </a:r>
+            <a:r>
+              <a:rPr lang="de-DE" dirty="0">
+                <a:latin typeface="Consolas" panose="020B0609020204030204" pitchFamily="49" charset="0"/>
+              </a:rPr>
+              <a:t>2.5.1</a:t>
+            </a:r>
+            <a:r>
+              <a:rPr lang="de-DE" dirty="0"/>
+              <a:t> taggen</a:t>
+            </a:r>
+          </a:p>
+        </p:txBody>
+      </p:sp>
+    </p:spTree>
+    <p:extLst>
+      <p:ext uri="{BB962C8B-B14F-4D97-AF65-F5344CB8AC3E}">
+        <p14:creationId xmlns:p14="http://schemas.microsoft.com/office/powerpoint/2010/main" val="2883953203"/>
+      </p:ext>
+    </p:extLst>
+  </p:cSld>
+  <p:clrMapOvr>
+    <a:masterClrMapping/>
+  </p:clrMapOvr>
+</p:sld>
+</file>
+
+<file path=ppt/slides/slide16.xml><?xml version="1.0" encoding="utf-8"?>
+<p:sld xmlns:a="http://schemas.openxmlformats.org/drawingml/2006/main" xmlns:r="http://schemas.openxmlformats.org/officeDocument/2006/relationships" xmlns:p="http://schemas.openxmlformats.org/presentationml/2006/main">
+  <p:cSld>
+    <p:spTree>
+      <p:nvGrpSpPr>
+        <p:cNvPr id="1" name=""/>
+        <p:cNvGrpSpPr/>
+        <p:nvPr/>
+      </p:nvGrpSpPr>
+      <p:grpSpPr>
+        <a:xfrm>
+          <a:off x="0" y="0"/>
+          <a:ext cx="0" cy="0"/>
+          <a:chOff x="0" y="0"/>
+          <a:chExt cx="0" cy="0"/>
+        </a:xfrm>
+      </p:grpSpPr>
+      <p:sp>
+        <p:nvSpPr>
+          <p:cNvPr id="2" name="Titel 1">
+            <a:extLst>
+              <a:ext uri="{FF2B5EF4-FFF2-40B4-BE49-F238E27FC236}">
+                <a16:creationId xmlns:a16="http://schemas.microsoft.com/office/drawing/2014/main" id="{5874EA8E-7A71-3505-B01E-D0E8A26AAC59}"/>
+              </a:ext>
+            </a:extLst>
+          </p:cNvPr>
+          <p:cNvSpPr>
+            <a:spLocks noGrp="1"/>
+          </p:cNvSpPr>
+          <p:nvPr>
+            <p:ph type="title"/>
+          </p:nvPr>
+        </p:nvSpPr>
+        <p:spPr/>
+        <p:txBody>
+          <a:bodyPr/>
+          <a:lstStyle/>
+          <a:p>
+            <a:r>
+              <a:rPr lang="de-DE" cap="none" dirty="0"/>
+              <a:t>Release- und </a:t>
+            </a:r>
+            <a:r>
+              <a:rPr lang="de-DE" cap="none" dirty="0" err="1"/>
+              <a:t>Tagged</a:t>
+            </a:r>
+            <a:r>
+              <a:rPr lang="de-DE" cap="none" dirty="0"/>
+              <a:t>-Images</a:t>
+            </a:r>
+            <a:endParaRPr lang="de-DE" dirty="0"/>
+          </a:p>
+        </p:txBody>
+      </p:sp>
+      <p:sp>
+        <p:nvSpPr>
+          <p:cNvPr id="3" name="Inhaltsplatzhalter 2">
+            <a:extLst>
+              <a:ext uri="{FF2B5EF4-FFF2-40B4-BE49-F238E27FC236}">
+                <a16:creationId xmlns:a16="http://schemas.microsoft.com/office/drawing/2014/main" id="{D4DA2B4E-C5FB-6595-34A6-E18A9AA0157D}"/>
+              </a:ext>
+            </a:extLst>
+          </p:cNvPr>
+          <p:cNvSpPr>
+            <a:spLocks noGrp="1"/>
+          </p:cNvSpPr>
+          <p:nvPr>
+            <p:ph idx="1"/>
+          </p:nvPr>
+        </p:nvSpPr>
+        <p:spPr/>
+        <p:txBody>
+          <a:bodyPr/>
+          <a:lstStyle/>
+          <a:p>
+            <a:pPr marL="0" indent="0">
+              <a:buNone/>
+            </a:pPr>
+            <a:r>
+              <a:rPr lang="de-DE" b="1" dirty="0" err="1"/>
+              <a:t>SemVer</a:t>
+            </a:r>
+            <a:r>
+              <a:rPr lang="de-DE" b="1" dirty="0"/>
+              <a:t> tags (</a:t>
+            </a:r>
+            <a:r>
+              <a:rPr lang="de-DE" b="1" dirty="0" err="1"/>
+              <a:t>Semantic</a:t>
+            </a:r>
+            <a:r>
+              <a:rPr lang="de-DE" b="1" dirty="0"/>
+              <a:t> </a:t>
+            </a:r>
+            <a:r>
+              <a:rPr lang="de-DE" b="1" dirty="0" err="1"/>
+              <a:t>Versioning</a:t>
+            </a:r>
+            <a:r>
+              <a:rPr lang="de-DE" b="1" dirty="0"/>
+              <a:t>)</a:t>
+            </a:r>
+          </a:p>
+          <a:p>
+            <a:pPr>
+              <a:buFont typeface="Arial" panose="020B0604020202020204" pitchFamily="34" charset="0"/>
+              <a:buChar char="•"/>
+            </a:pPr>
+            <a:r>
+              <a:rPr lang="de-DE" dirty="0"/>
+              <a:t>Anstatt zufällige Namen direkt Nummerierung</a:t>
+            </a:r>
+          </a:p>
+          <a:p>
+            <a:pPr>
+              <a:buFont typeface="Arial" panose="020B0604020202020204" pitchFamily="34" charset="0"/>
+              <a:buChar char="•"/>
+            </a:pPr>
+            <a:r>
+              <a:rPr lang="de-DE" dirty="0"/>
+              <a:t>„Spezialfall“ des </a:t>
+            </a:r>
+            <a:r>
+              <a:rPr lang="de-DE" dirty="0">
+                <a:latin typeface="Consolas" panose="020B0609020204030204" pitchFamily="49" charset="0"/>
+              </a:rPr>
+              <a:t>:</a:t>
+            </a:r>
+            <a:r>
+              <a:rPr lang="de-DE" dirty="0" err="1">
+                <a:latin typeface="Consolas" panose="020B0609020204030204" pitchFamily="49" charset="0"/>
+              </a:rPr>
+              <a:t>stable</a:t>
+            </a:r>
+            <a:r>
+              <a:rPr lang="de-DE" dirty="0">
+                <a:latin typeface="Consolas" panose="020B0609020204030204" pitchFamily="49" charset="0"/>
+              </a:rPr>
+              <a:t> </a:t>
+            </a:r>
+            <a:r>
+              <a:rPr lang="de-DE" dirty="0"/>
+              <a:t>Tag (Grundidee)</a:t>
+            </a:r>
+          </a:p>
+          <a:p>
+            <a:pPr>
+              <a:buFont typeface="Arial" panose="020B0604020202020204" pitchFamily="34" charset="0"/>
+              <a:buChar char="•"/>
+            </a:pPr>
+            <a:r>
+              <a:rPr lang="de-DE" dirty="0"/>
+              <a:t>Notation </a:t>
+            </a:r>
+            <a:r>
+              <a:rPr lang="de-DE" dirty="0">
+                <a:latin typeface="Consolas" panose="020B0609020204030204" pitchFamily="49" charset="0"/>
+              </a:rPr>
+              <a:t>MAJOR.MINOR.PATCH</a:t>
+            </a:r>
+          </a:p>
+          <a:p>
+            <a:pPr lvl="1">
+              <a:buFont typeface="Arial" panose="020B0604020202020204" pitchFamily="34" charset="0"/>
+              <a:buChar char="•"/>
+            </a:pPr>
+            <a:r>
+              <a:rPr lang="de-DE" dirty="0"/>
+              <a:t>Beispiel: 2.5.1</a:t>
+            </a:r>
+          </a:p>
+          <a:p>
+            <a:pPr lvl="1">
+              <a:buFont typeface="Arial" panose="020B0604020202020204" pitchFamily="34" charset="0"/>
+              <a:buChar char="•"/>
+            </a:pPr>
+            <a:r>
+              <a:rPr lang="de-DE" dirty="0"/>
+              <a:t>MAJOR = Inkompatible Änderungen</a:t>
+            </a:r>
+          </a:p>
+          <a:p>
+            <a:pPr lvl="1">
+              <a:buFont typeface="Arial" panose="020B0604020202020204" pitchFamily="34" charset="0"/>
+              <a:buChar char="•"/>
+            </a:pPr>
+            <a:r>
+              <a:rPr lang="de-DE" dirty="0"/>
+              <a:t>MINOR = Kompatible Änderungen</a:t>
+            </a:r>
+          </a:p>
+          <a:p>
+            <a:pPr lvl="1">
+              <a:buFont typeface="Arial" panose="020B0604020202020204" pitchFamily="34" charset="0"/>
+              <a:buChar char="•"/>
+            </a:pPr>
+            <a:r>
+              <a:rPr lang="de-DE" dirty="0"/>
+              <a:t>PATCH = Patches</a:t>
+            </a:r>
+          </a:p>
+          <a:p>
+            <a:pPr>
+              <a:buFont typeface="Arial" panose="020B0604020202020204" pitchFamily="34" charset="0"/>
+              <a:buChar char="•"/>
+            </a:pPr>
+            <a:r>
+              <a:rPr lang="de-DE" dirty="0"/>
+              <a:t>Neuer </a:t>
+            </a:r>
+            <a:r>
+              <a:rPr lang="de-DE" dirty="0" err="1"/>
+              <a:t>Build</a:t>
+            </a:r>
+            <a:r>
+              <a:rPr lang="de-DE" dirty="0"/>
+              <a:t> mit kleinsten Änderungen = </a:t>
+            </a:r>
+            <a:r>
+              <a:rPr lang="de-DE" dirty="0" err="1"/>
+              <a:t>Patchnummer</a:t>
+            </a:r>
+            <a:r>
+              <a:rPr lang="de-DE" dirty="0"/>
+              <a:t> hochzählen</a:t>
+            </a:r>
+          </a:p>
+          <a:p>
+            <a:pPr lvl="1">
+              <a:buFont typeface="Arial" panose="020B0604020202020204" pitchFamily="34" charset="0"/>
+              <a:buChar char="•"/>
+            </a:pPr>
+            <a:r>
+              <a:rPr lang="de-DE" dirty="0">
+                <a:sym typeface="Wingdings" panose="05000000000000000000" pitchFamily="2" charset="2"/>
+              </a:rPr>
+              <a:t> aus 2.5.1 wird 2.5.2</a:t>
+            </a:r>
+            <a:endParaRPr lang="de-DE" dirty="0"/>
+          </a:p>
+          <a:p>
+            <a:pPr>
+              <a:buFont typeface="Arial" panose="020B0604020202020204" pitchFamily="34" charset="0"/>
+              <a:buChar char="•"/>
+            </a:pPr>
+            <a:r>
+              <a:rPr lang="de-DE" dirty="0"/>
+              <a:t>Tags weiterhin mutable</a:t>
+            </a:r>
+          </a:p>
+          <a:p>
+            <a:pPr marL="0" indent="0">
+              <a:buNone/>
+            </a:pPr>
+            <a:endParaRPr lang="de-DE" b="1" dirty="0"/>
+          </a:p>
+        </p:txBody>
+      </p:sp>
+    </p:spTree>
+    <p:extLst>
+      <p:ext uri="{BB962C8B-B14F-4D97-AF65-F5344CB8AC3E}">
+        <p14:creationId xmlns:p14="http://schemas.microsoft.com/office/powerpoint/2010/main" val="1996689965"/>
+      </p:ext>
+    </p:extLst>
+  </p:cSld>
+  <p:clrMapOvr>
+    <a:masterClrMapping/>
+  </p:clrMapOvr>
+</p:sld>
+</file>
+
+<file path=ppt/slides/slide17.xml><?xml version="1.0" encoding="utf-8"?>
+<p:sld xmlns:a="http://schemas.openxmlformats.org/drawingml/2006/main" xmlns:r="http://schemas.openxmlformats.org/officeDocument/2006/relationships" xmlns:p="http://schemas.openxmlformats.org/presentationml/2006/main">
+  <p:cSld>
+    <p:spTree>
+      <p:nvGrpSpPr>
+        <p:cNvPr id="1" name=""/>
+        <p:cNvGrpSpPr/>
+        <p:nvPr/>
+      </p:nvGrpSpPr>
+      <p:grpSpPr>
+        <a:xfrm>
+          <a:off x="0" y="0"/>
+          <a:ext cx="0" cy="0"/>
+          <a:chOff x="0" y="0"/>
+          <a:chExt cx="0" cy="0"/>
+        </a:xfrm>
+      </p:grpSpPr>
+      <p:sp>
+        <p:nvSpPr>
+          <p:cNvPr id="2" name="Titel 1">
+            <a:extLst>
+              <a:ext uri="{FF2B5EF4-FFF2-40B4-BE49-F238E27FC236}">
+                <a16:creationId xmlns:a16="http://schemas.microsoft.com/office/drawing/2014/main" id="{5874EA8E-7A71-3505-B01E-D0E8A26AAC59}"/>
+              </a:ext>
+            </a:extLst>
+          </p:cNvPr>
+          <p:cNvSpPr>
+            <a:spLocks noGrp="1"/>
+          </p:cNvSpPr>
+          <p:nvPr>
+            <p:ph type="title"/>
+          </p:nvPr>
+        </p:nvSpPr>
+        <p:spPr/>
+        <p:txBody>
+          <a:bodyPr/>
+          <a:lstStyle/>
+          <a:p>
+            <a:r>
+              <a:rPr lang="de-DE" cap="none" dirty="0"/>
+              <a:t>Release- und </a:t>
+            </a:r>
+            <a:r>
+              <a:rPr lang="de-DE" cap="none" dirty="0" err="1"/>
+              <a:t>Tagged</a:t>
+            </a:r>
+            <a:r>
+              <a:rPr lang="de-DE" cap="none" dirty="0"/>
+              <a:t>-Images</a:t>
+            </a:r>
+            <a:endParaRPr lang="de-DE" dirty="0"/>
+          </a:p>
+        </p:txBody>
+      </p:sp>
+      <p:sp>
+        <p:nvSpPr>
+          <p:cNvPr id="3" name="Inhaltsplatzhalter 2">
+            <a:extLst>
+              <a:ext uri="{FF2B5EF4-FFF2-40B4-BE49-F238E27FC236}">
+                <a16:creationId xmlns:a16="http://schemas.microsoft.com/office/drawing/2014/main" id="{D4DA2B4E-C5FB-6595-34A6-E18A9AA0157D}"/>
+              </a:ext>
+            </a:extLst>
+          </p:cNvPr>
+          <p:cNvSpPr>
+            <a:spLocks noGrp="1"/>
+          </p:cNvSpPr>
+          <p:nvPr>
+            <p:ph idx="1"/>
+          </p:nvPr>
+        </p:nvSpPr>
+        <p:spPr/>
+        <p:txBody>
+          <a:bodyPr/>
+          <a:lstStyle/>
+          <a:p>
+            <a:pPr marL="0" indent="0">
+              <a:buNone/>
+            </a:pPr>
+            <a:r>
+              <a:rPr lang="de-DE" b="1" dirty="0" err="1"/>
+              <a:t>Git</a:t>
+            </a:r>
+            <a:r>
+              <a:rPr lang="de-DE" b="1" dirty="0"/>
+              <a:t> Commit Hash</a:t>
+            </a:r>
+          </a:p>
+          <a:p>
+            <a:pPr>
+              <a:buFont typeface="Arial" panose="020B0604020202020204" pitchFamily="34" charset="0"/>
+              <a:buChar char="•"/>
+            </a:pPr>
+            <a:r>
+              <a:rPr lang="de-DE" dirty="0"/>
+              <a:t>Mit jedem Commit ein neues Docker Image</a:t>
+            </a:r>
+          </a:p>
+          <a:p>
+            <a:pPr>
+              <a:buFont typeface="Arial" panose="020B0604020202020204" pitchFamily="34" charset="0"/>
+              <a:buChar char="•"/>
+            </a:pPr>
+            <a:r>
+              <a:rPr lang="de-DE" dirty="0"/>
+              <a:t>Kurzen </a:t>
+            </a:r>
+            <a:r>
+              <a:rPr lang="de-DE" dirty="0" err="1"/>
+              <a:t>Git</a:t>
+            </a:r>
+            <a:r>
+              <a:rPr lang="de-DE" dirty="0"/>
+              <a:t> Hash zum Tagging nutzen</a:t>
+            </a:r>
+          </a:p>
+          <a:p>
+            <a:pPr lvl="1">
+              <a:buFont typeface="Arial" panose="020B0604020202020204" pitchFamily="34" charset="0"/>
+              <a:buChar char="•"/>
+            </a:pPr>
+            <a:r>
+              <a:rPr lang="de-DE" dirty="0"/>
+              <a:t>Sind kürzer als Image Digests</a:t>
+            </a:r>
+          </a:p>
+          <a:p>
+            <a:pPr>
+              <a:buFont typeface="Arial" panose="020B0604020202020204" pitchFamily="34" charset="0"/>
+              <a:buChar char="•"/>
+            </a:pPr>
+            <a:r>
+              <a:rPr lang="de-DE" dirty="0" err="1"/>
+              <a:t>Traceability</a:t>
+            </a:r>
+            <a:r>
+              <a:rPr lang="de-DE" dirty="0"/>
+              <a:t> (Rückverfolgbarkeit) sehr hoch!</a:t>
+            </a:r>
+          </a:p>
+          <a:p>
+            <a:pPr>
+              <a:buFont typeface="Arial" panose="020B0604020202020204" pitchFamily="34" charset="0"/>
+              <a:buChar char="•"/>
+            </a:pPr>
+            <a:r>
+              <a:rPr lang="de-DE" dirty="0"/>
+              <a:t>Tags allerdings nicht selbsterklärend</a:t>
+            </a:r>
+          </a:p>
+          <a:p>
+            <a:pPr>
+              <a:buFont typeface="Arial" panose="020B0604020202020204" pitchFamily="34" charset="0"/>
+              <a:buChar char="•"/>
+            </a:pPr>
+            <a:r>
+              <a:rPr lang="de-DE" dirty="0"/>
+              <a:t>Beispiel</a:t>
+            </a:r>
+          </a:p>
+          <a:p>
+            <a:pPr lvl="1">
+              <a:buFont typeface="Arial" panose="020B0604020202020204" pitchFamily="34" charset="0"/>
+              <a:buChar char="•"/>
+            </a:pPr>
+            <a:r>
+              <a:rPr lang="de-DE" dirty="0"/>
+              <a:t>2.5.1-sha1abcde</a:t>
+            </a:r>
+          </a:p>
+          <a:p>
+            <a:pPr>
+              <a:buFont typeface="Arial" panose="020B0604020202020204" pitchFamily="34" charset="0"/>
+              <a:buChar char="•"/>
+            </a:pPr>
+            <a:endParaRPr lang="de-DE" dirty="0"/>
+          </a:p>
+        </p:txBody>
+      </p:sp>
+    </p:spTree>
+    <p:extLst>
+      <p:ext uri="{BB962C8B-B14F-4D97-AF65-F5344CB8AC3E}">
+        <p14:creationId xmlns:p14="http://schemas.microsoft.com/office/powerpoint/2010/main" val="2072298106"/>
+      </p:ext>
+    </p:extLst>
+  </p:cSld>
+  <p:clrMapOvr>
+    <a:masterClrMapping/>
+  </p:clrMapOvr>
+</p:sld>
+</file>
+
+<file path=ppt/slides/slide18.xml><?xml version="1.0" encoding="utf-8"?>
+<p:sld xmlns:a="http://schemas.openxmlformats.org/drawingml/2006/main" xmlns:r="http://schemas.openxmlformats.org/officeDocument/2006/relationships" xmlns:p="http://schemas.openxmlformats.org/presentationml/2006/main">
+  <p:cSld>
+    <p:spTree>
+      <p:nvGrpSpPr>
+        <p:cNvPr id="1" name=""/>
+        <p:cNvGrpSpPr/>
+        <p:nvPr/>
+      </p:nvGrpSpPr>
+      <p:grpSpPr>
+        <a:xfrm>
+          <a:off x="0" y="0"/>
+          <a:ext cx="0" cy="0"/>
+          <a:chOff x="0" y="0"/>
+          <a:chExt cx="0" cy="0"/>
+        </a:xfrm>
+      </p:grpSpPr>
+      <p:sp>
+        <p:nvSpPr>
+          <p:cNvPr id="2" name="Titel 1">
+            <a:extLst>
+              <a:ext uri="{FF2B5EF4-FFF2-40B4-BE49-F238E27FC236}">
+                <a16:creationId xmlns:a16="http://schemas.microsoft.com/office/drawing/2014/main" id="{5874EA8E-7A71-3505-B01E-D0E8A26AAC59}"/>
+              </a:ext>
+            </a:extLst>
+          </p:cNvPr>
+          <p:cNvSpPr>
+            <a:spLocks noGrp="1"/>
+          </p:cNvSpPr>
+          <p:nvPr>
+            <p:ph type="title"/>
+          </p:nvPr>
+        </p:nvSpPr>
+        <p:spPr/>
+        <p:txBody>
+          <a:bodyPr/>
+          <a:lstStyle/>
+          <a:p>
+            <a:r>
+              <a:rPr lang="de-DE" cap="none" dirty="0"/>
+              <a:t>Release- und </a:t>
+            </a:r>
+            <a:r>
+              <a:rPr lang="de-DE" cap="none" dirty="0" err="1"/>
+              <a:t>Tagged</a:t>
+            </a:r>
+            <a:r>
+              <a:rPr lang="de-DE" cap="none" dirty="0"/>
+              <a:t>-Images</a:t>
+            </a:r>
+            <a:endParaRPr lang="de-DE" dirty="0"/>
+          </a:p>
+        </p:txBody>
+      </p:sp>
+      <p:sp>
+        <p:nvSpPr>
+          <p:cNvPr id="3" name="Inhaltsplatzhalter 2">
+            <a:extLst>
+              <a:ext uri="{FF2B5EF4-FFF2-40B4-BE49-F238E27FC236}">
+                <a16:creationId xmlns:a16="http://schemas.microsoft.com/office/drawing/2014/main" id="{D4DA2B4E-C5FB-6595-34A6-E18A9AA0157D}"/>
+              </a:ext>
+            </a:extLst>
+          </p:cNvPr>
+          <p:cNvSpPr>
+            <a:spLocks noGrp="1"/>
+          </p:cNvSpPr>
+          <p:nvPr>
+            <p:ph idx="1"/>
+          </p:nvPr>
+        </p:nvSpPr>
+        <p:spPr/>
+        <p:txBody>
+          <a:bodyPr/>
+          <a:lstStyle/>
+          <a:p>
+            <a:pPr marL="0" indent="0">
+              <a:buNone/>
+            </a:pPr>
+            <a:r>
+              <a:rPr lang="de-DE" b="1" dirty="0" err="1"/>
+              <a:t>Timestamp</a:t>
+            </a:r>
+            <a:r>
+              <a:rPr lang="de-DE" b="1" dirty="0"/>
+              <a:t> / Date-</a:t>
+            </a:r>
+            <a:r>
+              <a:rPr lang="de-DE" b="1" dirty="0" err="1"/>
+              <a:t>Based</a:t>
+            </a:r>
+            <a:r>
+              <a:rPr lang="de-DE" b="1" dirty="0"/>
+              <a:t> Tags</a:t>
+            </a:r>
+          </a:p>
+          <a:p>
+            <a:pPr>
+              <a:buFont typeface="Arial" panose="020B0604020202020204" pitchFamily="34" charset="0"/>
+              <a:buChar char="•"/>
+            </a:pPr>
+            <a:r>
+              <a:rPr lang="de-DE" dirty="0"/>
+              <a:t>Unique </a:t>
+            </a:r>
+            <a:r>
+              <a:rPr lang="de-DE" dirty="0" err="1"/>
+              <a:t>identifier</a:t>
+            </a:r>
+            <a:endParaRPr lang="de-DE" dirty="0"/>
+          </a:p>
+          <a:p>
+            <a:pPr lvl="1">
+              <a:buFont typeface="Arial" panose="020B0604020202020204" pitchFamily="34" charset="0"/>
+              <a:buChar char="•"/>
+            </a:pPr>
+            <a:r>
+              <a:rPr lang="de-DE" dirty="0">
+                <a:sym typeface="Wingdings" panose="05000000000000000000" pitchFamily="2" charset="2"/>
+              </a:rPr>
+              <a:t> „Semi-</a:t>
+            </a:r>
+            <a:r>
+              <a:rPr lang="de-DE" dirty="0" err="1">
+                <a:sym typeface="Wingdings" panose="05000000000000000000" pitchFamily="2" charset="2"/>
+              </a:rPr>
+              <a:t>immutable</a:t>
+            </a:r>
+            <a:r>
+              <a:rPr lang="de-DE" dirty="0">
+                <a:sym typeface="Wingdings" panose="05000000000000000000" pitchFamily="2" charset="2"/>
+              </a:rPr>
+              <a:t>“ Referenz</a:t>
+            </a:r>
+          </a:p>
+          <a:p>
+            <a:pPr>
+              <a:buFont typeface="Arial" panose="020B0604020202020204" pitchFamily="34" charset="0"/>
+              <a:buChar char="•"/>
+            </a:pPr>
+            <a:r>
+              <a:rPr lang="de-DE" dirty="0">
+                <a:sym typeface="Wingdings" panose="05000000000000000000" pitchFamily="2" charset="2"/>
+              </a:rPr>
+              <a:t>Automatisch generiert  einzigartig</a:t>
+            </a:r>
+          </a:p>
+          <a:p>
+            <a:pPr>
+              <a:buFont typeface="Arial" panose="020B0604020202020204" pitchFamily="34" charset="0"/>
+              <a:buChar char="•"/>
+            </a:pPr>
+            <a:r>
+              <a:rPr lang="de-DE" dirty="0">
+                <a:sym typeface="Wingdings" panose="05000000000000000000" pitchFamily="2" charset="2"/>
+              </a:rPr>
+              <a:t>Einfache Lösung mit vielen Nachteilen</a:t>
+            </a:r>
+          </a:p>
+          <a:p>
+            <a:pPr lvl="1">
+              <a:buFont typeface="Arial" panose="020B0604020202020204" pitchFamily="34" charset="0"/>
+              <a:buChar char="•"/>
+            </a:pPr>
+            <a:r>
+              <a:rPr lang="de-DE" dirty="0" err="1">
+                <a:sym typeface="Wingdings" panose="05000000000000000000" pitchFamily="2" charset="2"/>
+              </a:rPr>
+              <a:t>Timezonen</a:t>
+            </a:r>
+            <a:r>
+              <a:rPr lang="de-DE" dirty="0">
+                <a:sym typeface="Wingdings" panose="05000000000000000000" pitchFamily="2" charset="2"/>
+              </a:rPr>
+              <a:t> sind böse!</a:t>
+            </a:r>
+          </a:p>
+          <a:p>
+            <a:pPr lvl="1">
+              <a:buFont typeface="Arial" panose="020B0604020202020204" pitchFamily="34" charset="0"/>
+              <a:buChar char="•"/>
+            </a:pPr>
+            <a:r>
+              <a:rPr lang="de-DE" dirty="0">
+                <a:sym typeface="Wingdings" panose="05000000000000000000" pitchFamily="2" charset="2"/>
+              </a:rPr>
+              <a:t>Korrelation zum enthaltenden </a:t>
+            </a:r>
+            <a:r>
+              <a:rPr lang="de-DE" dirty="0" err="1">
+                <a:sym typeface="Wingdings" panose="05000000000000000000" pitchFamily="2" charset="2"/>
+              </a:rPr>
+              <a:t>Changeset</a:t>
+            </a:r>
+            <a:r>
+              <a:rPr lang="de-DE" dirty="0">
+                <a:sym typeface="Wingdings" panose="05000000000000000000" pitchFamily="2" charset="2"/>
+              </a:rPr>
+              <a:t> fehlt</a:t>
+            </a:r>
+          </a:p>
+          <a:p>
+            <a:pPr lvl="1">
+              <a:buFont typeface="Arial" panose="020B0604020202020204" pitchFamily="34" charset="0"/>
+              <a:buChar char="•"/>
+            </a:pPr>
+            <a:r>
+              <a:rPr lang="de-DE" dirty="0">
+                <a:sym typeface="Wingdings" panose="05000000000000000000" pitchFamily="2" charset="2"/>
+              </a:rPr>
+              <a:t>Image mit demselben Tag manuell pushen</a:t>
+            </a:r>
+          </a:p>
+          <a:p>
+            <a:pPr lvl="1">
+              <a:buFont typeface="Arial" panose="020B0604020202020204" pitchFamily="34" charset="0"/>
+              <a:buChar char="•"/>
+            </a:pPr>
+            <a:endParaRPr lang="de-DE" dirty="0">
+              <a:sym typeface="Wingdings" panose="05000000000000000000" pitchFamily="2" charset="2"/>
+            </a:endParaRPr>
+          </a:p>
+          <a:p>
+            <a:pPr>
+              <a:buFont typeface="Arial" panose="020B0604020202020204" pitchFamily="34" charset="0"/>
+              <a:buChar char="•"/>
+            </a:pPr>
+            <a:endParaRPr lang="de-DE" dirty="0"/>
+          </a:p>
+        </p:txBody>
+      </p:sp>
+    </p:spTree>
+    <p:extLst>
+      <p:ext uri="{BB962C8B-B14F-4D97-AF65-F5344CB8AC3E}">
+        <p14:creationId xmlns:p14="http://schemas.microsoft.com/office/powerpoint/2010/main" val="3288241879"/>
+      </p:ext>
+    </p:extLst>
+  </p:cSld>
+  <p:clrMapOvr>
+    <a:masterClrMapping/>
+  </p:clrMapOvr>
+</p:sld>
+</file>
+
+<file path=ppt/slides/slide19.xml><?xml version="1.0" encoding="utf-8"?>
+<p:sld xmlns:a="http://schemas.openxmlformats.org/drawingml/2006/main" xmlns:r="http://schemas.openxmlformats.org/officeDocument/2006/relationships" xmlns:p="http://schemas.openxmlformats.org/presentationml/2006/main">
+  <p:cSld>
+    <p:spTree>
+      <p:nvGrpSpPr>
+        <p:cNvPr id="1" name=""/>
+        <p:cNvGrpSpPr/>
+        <p:nvPr/>
+      </p:nvGrpSpPr>
+      <p:grpSpPr>
+        <a:xfrm>
+          <a:off x="0" y="0"/>
+          <a:ext cx="0" cy="0"/>
+          <a:chOff x="0" y="0"/>
+          <a:chExt cx="0" cy="0"/>
+        </a:xfrm>
+      </p:grpSpPr>
+      <p:sp>
+        <p:nvSpPr>
+          <p:cNvPr id="2" name="Titel 1">
+            <a:extLst>
+              <a:ext uri="{FF2B5EF4-FFF2-40B4-BE49-F238E27FC236}">
+                <a16:creationId xmlns:a16="http://schemas.microsoft.com/office/drawing/2014/main" id="{5874EA8E-7A71-3505-B01E-D0E8A26AAC59}"/>
+              </a:ext>
+            </a:extLst>
+          </p:cNvPr>
+          <p:cNvSpPr>
+            <a:spLocks noGrp="1"/>
+          </p:cNvSpPr>
+          <p:nvPr>
+            <p:ph type="title"/>
+          </p:nvPr>
+        </p:nvSpPr>
+        <p:spPr/>
+        <p:txBody>
+          <a:bodyPr/>
+          <a:lstStyle/>
+          <a:p>
+            <a:r>
+              <a:rPr lang="de-DE" cap="none" dirty="0"/>
+              <a:t>Release- und </a:t>
+            </a:r>
+            <a:r>
+              <a:rPr lang="de-DE" cap="none" dirty="0" err="1"/>
+              <a:t>Tagged</a:t>
+            </a:r>
+            <a:r>
+              <a:rPr lang="de-DE" cap="none" dirty="0"/>
+              <a:t>-Images</a:t>
+            </a:r>
+            <a:endParaRPr lang="de-DE" dirty="0"/>
+          </a:p>
+        </p:txBody>
+      </p:sp>
+      <p:sp>
+        <p:nvSpPr>
+          <p:cNvPr id="3" name="Inhaltsplatzhalter 2">
+            <a:extLst>
+              <a:ext uri="{FF2B5EF4-FFF2-40B4-BE49-F238E27FC236}">
+                <a16:creationId xmlns:a16="http://schemas.microsoft.com/office/drawing/2014/main" id="{D4DA2B4E-C5FB-6595-34A6-E18A9AA0157D}"/>
+              </a:ext>
+            </a:extLst>
+          </p:cNvPr>
+          <p:cNvSpPr>
+            <a:spLocks noGrp="1"/>
+          </p:cNvSpPr>
+          <p:nvPr>
+            <p:ph idx="1"/>
+          </p:nvPr>
+        </p:nvSpPr>
+        <p:spPr/>
+        <p:txBody>
+          <a:bodyPr/>
+          <a:lstStyle/>
+          <a:p>
+            <a:pPr marL="0" indent="0">
+              <a:buNone/>
+            </a:pPr>
+            <a:r>
+              <a:rPr lang="de-DE" b="1" dirty="0" err="1"/>
+              <a:t>Build</a:t>
+            </a:r>
+            <a:r>
+              <a:rPr lang="de-DE" b="1" dirty="0"/>
+              <a:t> ID</a:t>
+            </a:r>
+          </a:p>
+          <a:p>
+            <a:pPr>
+              <a:buFont typeface="Arial" panose="020B0604020202020204" pitchFamily="34" charset="0"/>
+              <a:buChar char="•"/>
+            </a:pPr>
+            <a:r>
+              <a:rPr lang="de-DE" dirty="0"/>
+              <a:t>Unique </a:t>
+            </a:r>
+            <a:r>
+              <a:rPr lang="de-DE" dirty="0" err="1"/>
+              <a:t>identifier</a:t>
+            </a:r>
+            <a:endParaRPr lang="de-DE" dirty="0"/>
+          </a:p>
+          <a:p>
+            <a:pPr lvl="1">
+              <a:buFont typeface="Arial" panose="020B0604020202020204" pitchFamily="34" charset="0"/>
+              <a:buChar char="•"/>
+            </a:pPr>
+            <a:r>
+              <a:rPr lang="de-DE" dirty="0">
+                <a:sym typeface="Wingdings" panose="05000000000000000000" pitchFamily="2" charset="2"/>
+              </a:rPr>
+              <a:t> „Semi-</a:t>
+            </a:r>
+            <a:r>
+              <a:rPr lang="de-DE" dirty="0" err="1">
+                <a:sym typeface="Wingdings" panose="05000000000000000000" pitchFamily="2" charset="2"/>
+              </a:rPr>
+              <a:t>immutable</a:t>
+            </a:r>
+            <a:r>
+              <a:rPr lang="de-DE" dirty="0">
+                <a:sym typeface="Wingdings" panose="05000000000000000000" pitchFamily="2" charset="2"/>
+              </a:rPr>
+              <a:t>“ Referenz</a:t>
+            </a:r>
+          </a:p>
+          <a:p>
+            <a:pPr>
+              <a:buFont typeface="Arial" panose="020B0604020202020204" pitchFamily="34" charset="0"/>
+              <a:buChar char="•"/>
+            </a:pPr>
+            <a:r>
+              <a:rPr lang="de-DE" dirty="0">
+                <a:sym typeface="Wingdings" panose="05000000000000000000" pitchFamily="2" charset="2"/>
+              </a:rPr>
+              <a:t>Automatisch generiert  einzigartig</a:t>
+            </a:r>
+          </a:p>
+          <a:p>
+            <a:pPr>
+              <a:buFont typeface="Arial" panose="020B0604020202020204" pitchFamily="34" charset="0"/>
+              <a:buChar char="•"/>
+            </a:pPr>
+            <a:r>
+              <a:rPr lang="de-DE" dirty="0">
+                <a:sym typeface="Wingdings" panose="05000000000000000000" pitchFamily="2" charset="2"/>
+              </a:rPr>
+              <a:t>Referenziert einen bestimmten </a:t>
+            </a:r>
+            <a:r>
+              <a:rPr lang="de-DE" dirty="0" err="1">
+                <a:sym typeface="Wingdings" panose="05000000000000000000" pitchFamily="2" charset="2"/>
+              </a:rPr>
+              <a:t>Build</a:t>
+            </a:r>
+            <a:endParaRPr lang="de-DE" dirty="0">
+              <a:sym typeface="Wingdings" panose="05000000000000000000" pitchFamily="2" charset="2"/>
+            </a:endParaRPr>
+          </a:p>
+          <a:p>
+            <a:pPr>
+              <a:buFont typeface="Arial" panose="020B0604020202020204" pitchFamily="34" charset="0"/>
+              <a:buChar char="•"/>
+            </a:pPr>
+            <a:r>
+              <a:rPr lang="de-DE" dirty="0">
+                <a:sym typeface="Wingdings" panose="05000000000000000000" pitchFamily="2" charset="2"/>
+              </a:rPr>
+              <a:t>Kann nicht </a:t>
+            </a:r>
+            <a:r>
+              <a:rPr lang="de-DE" dirty="0" err="1">
+                <a:sym typeface="Wingdings" panose="05000000000000000000" pitchFamily="2" charset="2"/>
+              </a:rPr>
+              <a:t>gefaked</a:t>
+            </a:r>
+            <a:r>
+              <a:rPr lang="de-DE" dirty="0">
+                <a:sym typeface="Wingdings" panose="05000000000000000000" pitchFamily="2" charset="2"/>
+              </a:rPr>
+              <a:t> werden</a:t>
+            </a:r>
+          </a:p>
+          <a:p>
+            <a:pPr>
+              <a:buFont typeface="Arial" panose="020B0604020202020204" pitchFamily="34" charset="0"/>
+              <a:buChar char="•"/>
+            </a:pPr>
+            <a:r>
+              <a:rPr lang="de-DE" dirty="0">
+                <a:sym typeface="Wingdings" panose="05000000000000000000" pitchFamily="2" charset="2"/>
+              </a:rPr>
+              <a:t>Analog zum Image Digest</a:t>
+            </a:r>
+          </a:p>
+          <a:p>
+            <a:pPr lvl="1">
+              <a:buFont typeface="Arial" panose="020B0604020202020204" pitchFamily="34" charset="0"/>
+              <a:buChar char="•"/>
+            </a:pPr>
+            <a:r>
+              <a:rPr lang="de-DE" dirty="0">
+                <a:sym typeface="Wingdings" panose="05000000000000000000" pitchFamily="2" charset="2"/>
+              </a:rPr>
+              <a:t> Keine Hinweise auf Änderungen vom Release</a:t>
+            </a:r>
+          </a:p>
+          <a:p>
+            <a:pPr lvl="1">
+              <a:buFont typeface="Arial" panose="020B0604020202020204" pitchFamily="34" charset="0"/>
+              <a:buChar char="•"/>
+            </a:pPr>
+            <a:r>
+              <a:rPr lang="de-DE" dirty="0">
+                <a:sym typeface="Wingdings" panose="05000000000000000000" pitchFamily="2" charset="2"/>
+              </a:rPr>
+              <a:t>Auch nicht hilfreich beim Suchen nach einem bestimmten Image</a:t>
+            </a:r>
+          </a:p>
+        </p:txBody>
+      </p:sp>
+    </p:spTree>
+    <p:extLst>
+      <p:ext uri="{BB962C8B-B14F-4D97-AF65-F5344CB8AC3E}">
+        <p14:creationId xmlns:p14="http://schemas.microsoft.com/office/powerpoint/2010/main" val="3892196854"/>
       </p:ext>
     </p:extLst>
   </p:cSld>
@@ -4985,6 +6820,343 @@
         </p:txBody>
       </p:sp>
     </p:spTree>
+  </p:cSld>
+  <p:clrMapOvr>
+    <a:masterClrMapping/>
+  </p:clrMapOvr>
+</p:sld>
+</file>
+
+<file path=ppt/slides/slide20.xml><?xml version="1.0" encoding="utf-8"?>
+<p:sld xmlns:a="http://schemas.openxmlformats.org/drawingml/2006/main" xmlns:r="http://schemas.openxmlformats.org/officeDocument/2006/relationships" xmlns:p="http://schemas.openxmlformats.org/presentationml/2006/main">
+  <p:cSld>
+    <p:spTree>
+      <p:nvGrpSpPr>
+        <p:cNvPr id="1" name=""/>
+        <p:cNvGrpSpPr/>
+        <p:nvPr/>
+      </p:nvGrpSpPr>
+      <p:grpSpPr>
+        <a:xfrm>
+          <a:off x="0" y="0"/>
+          <a:ext cx="0" cy="0"/>
+          <a:chOff x="0" y="0"/>
+          <a:chExt cx="0" cy="0"/>
+        </a:xfrm>
+      </p:grpSpPr>
+      <p:sp>
+        <p:nvSpPr>
+          <p:cNvPr id="2" name="Titel 1">
+            <a:extLst>
+              <a:ext uri="{FF2B5EF4-FFF2-40B4-BE49-F238E27FC236}">
+                <a16:creationId xmlns:a16="http://schemas.microsoft.com/office/drawing/2014/main" id="{DB0F3AE3-58DC-3491-F808-4EB383AB2065}"/>
+              </a:ext>
+            </a:extLst>
+          </p:cNvPr>
+          <p:cNvSpPr>
+            <a:spLocks noGrp="1"/>
+          </p:cNvSpPr>
+          <p:nvPr>
+            <p:ph type="title"/>
+          </p:nvPr>
+        </p:nvSpPr>
+        <p:spPr/>
+        <p:txBody>
+          <a:bodyPr/>
+          <a:lstStyle/>
+          <a:p>
+            <a:r>
+              <a:rPr lang="de-DE" cap="none" dirty="0"/>
+              <a:t>Release- und </a:t>
+            </a:r>
+            <a:r>
+              <a:rPr lang="de-DE" cap="none" dirty="0" err="1"/>
+              <a:t>Tagged</a:t>
+            </a:r>
+            <a:r>
+              <a:rPr lang="de-DE" cap="none" dirty="0"/>
+              <a:t>-Images</a:t>
+            </a:r>
+            <a:endParaRPr lang="de-DE" dirty="0"/>
+          </a:p>
+        </p:txBody>
+      </p:sp>
+      <p:sp>
+        <p:nvSpPr>
+          <p:cNvPr id="3" name="Inhaltsplatzhalter 2">
+            <a:extLst>
+              <a:ext uri="{FF2B5EF4-FFF2-40B4-BE49-F238E27FC236}">
+                <a16:creationId xmlns:a16="http://schemas.microsoft.com/office/drawing/2014/main" id="{190FFB39-ECBA-266E-3E67-FF616FE30B00}"/>
+              </a:ext>
+            </a:extLst>
+          </p:cNvPr>
+          <p:cNvSpPr>
+            <a:spLocks noGrp="1"/>
+          </p:cNvSpPr>
+          <p:nvPr>
+            <p:ph idx="1"/>
+          </p:nvPr>
+        </p:nvSpPr>
+        <p:spPr/>
+        <p:txBody>
+          <a:bodyPr/>
+          <a:lstStyle/>
+          <a:p>
+            <a:pPr marL="0" indent="0">
+              <a:buNone/>
+            </a:pPr>
+            <a:r>
+              <a:rPr lang="de-DE" b="1" dirty="0"/>
+              <a:t>Use Cases für </a:t>
+            </a:r>
+            <a:r>
+              <a:rPr lang="de-DE" b="1"/>
+              <a:t>die Strategien</a:t>
+            </a:r>
+          </a:p>
+          <a:p>
+            <a:pPr>
+              <a:buFont typeface="Arial" panose="020B0604020202020204" pitchFamily="34" charset="0"/>
+              <a:buChar char="•"/>
+            </a:pPr>
+            <a:endParaRPr lang="de-DE" b="1"/>
+          </a:p>
+        </p:txBody>
+      </p:sp>
+    </p:spTree>
+    <p:extLst>
+      <p:ext uri="{BB962C8B-B14F-4D97-AF65-F5344CB8AC3E}">
+        <p14:creationId xmlns:p14="http://schemas.microsoft.com/office/powerpoint/2010/main" val="2343330246"/>
+      </p:ext>
+    </p:extLst>
+  </p:cSld>
+  <p:clrMapOvr>
+    <a:masterClrMapping/>
+  </p:clrMapOvr>
+</p:sld>
+</file>
+
+<file path=ppt/slides/slide21.xml><?xml version="1.0" encoding="utf-8"?>
+<p:sld xmlns:a="http://schemas.openxmlformats.org/drawingml/2006/main" xmlns:r="http://schemas.openxmlformats.org/officeDocument/2006/relationships" xmlns:p="http://schemas.openxmlformats.org/presentationml/2006/main">
+  <p:cSld>
+    <p:spTree>
+      <p:nvGrpSpPr>
+        <p:cNvPr id="1" name=""/>
+        <p:cNvGrpSpPr/>
+        <p:nvPr/>
+      </p:nvGrpSpPr>
+      <p:grpSpPr>
+        <a:xfrm>
+          <a:off x="0" y="0"/>
+          <a:ext cx="0" cy="0"/>
+          <a:chOff x="0" y="0"/>
+          <a:chExt cx="0" cy="0"/>
+        </a:xfrm>
+      </p:grpSpPr>
+      <p:sp>
+        <p:nvSpPr>
+          <p:cNvPr id="2" name="Titel 1">
+            <a:extLst>
+              <a:ext uri="{FF2B5EF4-FFF2-40B4-BE49-F238E27FC236}">
+                <a16:creationId xmlns:a16="http://schemas.microsoft.com/office/drawing/2014/main" id="{184AFD09-5210-6F86-C2FD-BBC016D382A6}"/>
+              </a:ext>
+            </a:extLst>
+          </p:cNvPr>
+          <p:cNvSpPr>
+            <a:spLocks noGrp="1"/>
+          </p:cNvSpPr>
+          <p:nvPr>
+            <p:ph type="title"/>
+          </p:nvPr>
+        </p:nvSpPr>
+        <p:spPr/>
+        <p:txBody>
+          <a:bodyPr/>
+          <a:lstStyle/>
+          <a:p>
+            <a:r>
+              <a:rPr lang="de-DE" cap="none" dirty="0"/>
+              <a:t>Release- und </a:t>
+            </a:r>
+            <a:r>
+              <a:rPr lang="de-DE" cap="none" dirty="0" err="1"/>
+              <a:t>Tagged</a:t>
+            </a:r>
+            <a:r>
+              <a:rPr lang="de-DE" cap="none" dirty="0"/>
+              <a:t>-Images</a:t>
+            </a:r>
+            <a:endParaRPr lang="de-DE" dirty="0"/>
+          </a:p>
+        </p:txBody>
+      </p:sp>
+      <p:sp>
+        <p:nvSpPr>
+          <p:cNvPr id="6" name="Inhaltsplatzhalter 5">
+            <a:extLst>
+              <a:ext uri="{FF2B5EF4-FFF2-40B4-BE49-F238E27FC236}">
+                <a16:creationId xmlns:a16="http://schemas.microsoft.com/office/drawing/2014/main" id="{D2412707-84D3-F572-4709-FD9A95F28E5B}"/>
+              </a:ext>
+            </a:extLst>
+          </p:cNvPr>
+          <p:cNvSpPr>
+            <a:spLocks noGrp="1"/>
+          </p:cNvSpPr>
+          <p:nvPr>
+            <p:ph idx="1"/>
+          </p:nvPr>
+        </p:nvSpPr>
+        <p:spPr/>
+        <p:txBody>
+          <a:bodyPr/>
+          <a:lstStyle/>
+          <a:p>
+            <a:pPr marL="0" indent="0">
+              <a:buNone/>
+            </a:pPr>
+            <a:r>
+              <a:rPr lang="de-DE" b="1" dirty="0"/>
+              <a:t>Verwendung mit </a:t>
+            </a:r>
+            <a:r>
+              <a:rPr lang="de-DE" b="1" dirty="0" err="1"/>
+              <a:t>GitLab</a:t>
+            </a:r>
+            <a:endParaRPr lang="de-DE" b="1" dirty="0"/>
+          </a:p>
+          <a:p>
+            <a:pPr>
+              <a:buFont typeface="Arial" panose="020B0604020202020204" pitchFamily="34" charset="0"/>
+              <a:buChar char="•"/>
+            </a:pPr>
+            <a:r>
+              <a:rPr lang="de-DE" dirty="0"/>
+              <a:t>Authentifizierung mit der Container Registry</a:t>
+            </a:r>
+          </a:p>
+          <a:p>
+            <a:pPr>
+              <a:buFont typeface="Arial" panose="020B0604020202020204" pitchFamily="34" charset="0"/>
+              <a:buChar char="•"/>
+            </a:pPr>
+            <a:r>
+              <a:rPr lang="de-DE" dirty="0" err="1"/>
+              <a:t>GitLab</a:t>
+            </a:r>
+            <a:r>
+              <a:rPr lang="de-DE" dirty="0"/>
+              <a:t> CI/CD zum authentifizieren</a:t>
+            </a:r>
+          </a:p>
+          <a:p>
+            <a:pPr>
+              <a:buFont typeface="Arial" panose="020B0604020202020204" pitchFamily="34" charset="0"/>
+              <a:buChar char="•"/>
+            </a:pPr>
+            <a:r>
+              <a:rPr lang="de-DE" dirty="0"/>
+              <a:t>Images bauen und pushen</a:t>
+            </a:r>
+          </a:p>
+          <a:p>
+            <a:pPr lvl="1">
+              <a:buFont typeface="Arial" panose="020B0604020202020204" pitchFamily="34" charset="0"/>
+              <a:buChar char="•"/>
+            </a:pPr>
+            <a:r>
+              <a:rPr lang="de-DE" dirty="0"/>
+              <a:t>Docker</a:t>
+            </a:r>
+          </a:p>
+          <a:p>
+            <a:pPr lvl="1">
+              <a:buFont typeface="Arial" panose="020B0604020202020204" pitchFamily="34" charset="0"/>
+              <a:buChar char="•"/>
+            </a:pPr>
+            <a:r>
+              <a:rPr lang="de-DE" dirty="0" err="1"/>
+              <a:t>GitLab</a:t>
+            </a:r>
+            <a:r>
+              <a:rPr lang="de-DE" dirty="0"/>
+              <a:t> CI/CD</a:t>
+            </a:r>
+          </a:p>
+          <a:p>
+            <a:pPr lvl="2">
+              <a:buFont typeface="Arial" panose="020B0604020202020204" pitchFamily="34" charset="0"/>
+              <a:buChar char="•"/>
+            </a:pPr>
+            <a:r>
+              <a:rPr lang="de-DE" sz="1800" dirty="0"/>
+              <a:t>Docker-in-Docker Container Image (Container Registry)</a:t>
+            </a:r>
+          </a:p>
+          <a:p>
+            <a:pPr lvl="2">
+              <a:buFont typeface="Arial" panose="020B0604020202020204" pitchFamily="34" charset="0"/>
+              <a:buChar char="•"/>
+            </a:pPr>
+            <a:r>
+              <a:rPr lang="de-DE" sz="1800" dirty="0"/>
+              <a:t>Docker-in-Docker Container Image (</a:t>
+            </a:r>
+            <a:r>
+              <a:rPr lang="de-DE" sz="1800" dirty="0" err="1"/>
+              <a:t>Dependency</a:t>
+            </a:r>
+            <a:r>
+              <a:rPr lang="de-DE" sz="1800" dirty="0"/>
+              <a:t> Proxy)</a:t>
+            </a:r>
+          </a:p>
+          <a:p>
+            <a:pPr>
+              <a:buFont typeface="Arial" panose="020B0604020202020204" pitchFamily="34" charset="0"/>
+              <a:buChar char="•"/>
+            </a:pPr>
+            <a:r>
+              <a:rPr lang="de-DE" dirty="0"/>
+              <a:t>Container Registry Beispiele mit </a:t>
+            </a:r>
+            <a:r>
+              <a:rPr lang="de-DE" dirty="0" err="1"/>
+              <a:t>GitLab</a:t>
+            </a:r>
+            <a:r>
+              <a:rPr lang="de-DE" dirty="0"/>
+              <a:t> CI/CD</a:t>
+            </a:r>
+          </a:p>
+          <a:p>
+            <a:pPr lvl="2">
+              <a:buFont typeface="Arial" panose="020B0604020202020204" pitchFamily="34" charset="0"/>
+              <a:buChar char="•"/>
+            </a:pPr>
+            <a:endParaRPr lang="de-DE" dirty="0"/>
+          </a:p>
+          <a:p>
+            <a:pPr lvl="2">
+              <a:buFont typeface="Arial" panose="020B0604020202020204" pitchFamily="34" charset="0"/>
+              <a:buChar char="•"/>
+            </a:pPr>
+            <a:endParaRPr lang="de-DE" dirty="0"/>
+          </a:p>
+          <a:p>
+            <a:pPr lvl="1">
+              <a:buFont typeface="Arial" panose="020B0604020202020204" pitchFamily="34" charset="0"/>
+              <a:buChar char="•"/>
+            </a:pPr>
+            <a:endParaRPr lang="de-DE" dirty="0"/>
+          </a:p>
+        </p:txBody>
+      </p:sp>
+    </p:spTree>
+    <p:extLst>
+      <p:ext uri="{BB962C8B-B14F-4D97-AF65-F5344CB8AC3E}">
+        <p14:creationId xmlns:p14="http://schemas.microsoft.com/office/powerpoint/2010/main" val="1944366019"/>
+      </p:ext>
+    </p:extLst>
   </p:cSld>
   <p:clrMapOvr>
     <a:masterClrMapping/>

--- a/slides/Tag-3_3-Release-und-Tagged-Images.pptx
+++ b/slides/Tag-3_3-Release-und-Tagged-Images.pptx
@@ -1074,6 +1074,24 @@
               <a:t>https://semver.org/lang/de/</a:t>
             </a:r>
           </a:p>
+          <a:p>
+            <a:endParaRPr lang="de-DE" dirty="0"/>
+          </a:p>
+          <a:p>
+            <a:r>
+              <a:rPr lang="de-DE" dirty="0"/>
+              <a:t>https://container-registry.com/posts/container-image-versioning/</a:t>
+            </a:r>
+          </a:p>
+          <a:p>
+            <a:endParaRPr lang="de-DE" dirty="0"/>
+          </a:p>
+          <a:p>
+            <a:r>
+              <a:rPr lang="de-DE" dirty="0"/>
+              <a:t>https://medium.com/@nirmalkushwah08/docker-image-tagging-strategy-4aa886fb4fcc</a:t>
+            </a:r>
+          </a:p>
         </p:txBody>
       </p:sp>
       <p:sp>
@@ -1333,10 +1351,73 @@
           <a:bodyPr/>
           <a:lstStyle/>
           <a:p>
-            <a:r>
-              <a:rPr lang="de-DE" dirty="0"/>
-              <a:t>https://semver.org/lang/de/</a:t>
-            </a:r>
+            <a:pPr algn="l"/>
+            <a:r>
+              <a:rPr lang="en-US" b="0" i="0">
+                <a:solidFill>
+                  <a:srgbClr val="3F3F3F"/>
+                </a:solidFill>
+                <a:effectLst/>
+                <a:latin typeface="open sans" panose="020B0606030504020204" pitchFamily="34" charset="0"/>
+              </a:rPr>
+              <a:t>A </a:t>
+            </a:r>
+            <a:r>
+              <a:rPr lang="en-US" b="1" i="0" dirty="0">
+                <a:solidFill>
+                  <a:srgbClr val="3F3F3F"/>
+                </a:solidFill>
+                <a:effectLst/>
+                <a:latin typeface="open sans semibold" panose="020F0502020204030204" pitchFamily="34" charset="0"/>
+              </a:rPr>
+              <a:t>timestamp</a:t>
+            </a:r>
+            <a:r>
+              <a:rPr lang="en-US" b="0" i="0" dirty="0">
+                <a:solidFill>
+                  <a:srgbClr val="3F3F3F"/>
+                </a:solidFill>
+                <a:effectLst/>
+                <a:latin typeface="open sans" panose="020B0606030504020204" pitchFamily="34" charset="0"/>
+              </a:rPr>
+              <a:t> is, indeed, an easy solution. But it has more drawbacks than advantages. It lacks a correlation to the included changeset(s) for the container image release since you cannot match it with the respective build.</a:t>
+            </a:r>
+          </a:p>
+          <a:p>
+            <a:pPr algn="l"/>
+            <a:r>
+              <a:rPr lang="en-US" b="0" i="0" dirty="0">
+                <a:solidFill>
+                  <a:srgbClr val="3F3F3F"/>
+                </a:solidFill>
+                <a:effectLst/>
+                <a:latin typeface="open sans" panose="020B0606030504020204" pitchFamily="34" charset="0"/>
+              </a:rPr>
+              <a:t>Do not forget about the evil </a:t>
+            </a:r>
+            <a:r>
+              <a:rPr lang="en-US" b="0" i="0" dirty="0" err="1">
+                <a:solidFill>
+                  <a:srgbClr val="3F3F3F"/>
+                </a:solidFill>
+                <a:effectLst/>
+                <a:latin typeface="open sans" panose="020B0606030504020204" pitchFamily="34" charset="0"/>
+              </a:rPr>
+              <a:t>timezone</a:t>
+            </a:r>
+            <a:r>
+              <a:rPr lang="en-US" b="0" i="0" dirty="0">
+                <a:solidFill>
+                  <a:srgbClr val="3F3F3F"/>
+                </a:solidFill>
+                <a:effectLst/>
+                <a:latin typeface="open sans" panose="020B0606030504020204" pitchFamily="34" charset="0"/>
+              </a:rPr>
+              <a:t>: which time was it actually in yours? Moreover, what if you created more than one image at exactly the same time? Last but not least, someone can push an image with the same tag just by adding it manually.</a:t>
+            </a:r>
+          </a:p>
+          <a:p>
+            <a:endParaRPr lang="de-DE" dirty="0"/>
           </a:p>
         </p:txBody>
       </p:sp>
@@ -1466,6 +1547,97 @@
 </file>
 
 <file path=ppt/notesSlides/notesSlide7.xml><?xml version="1.0" encoding="utf-8"?>
+<p:notes xmlns:a="http://schemas.openxmlformats.org/drawingml/2006/main" xmlns:r="http://schemas.openxmlformats.org/officeDocument/2006/relationships" xmlns:p="http://schemas.openxmlformats.org/presentationml/2006/main">
+  <p:cSld>
+    <p:spTree>
+      <p:nvGrpSpPr>
+        <p:cNvPr id="1" name=""/>
+        <p:cNvGrpSpPr/>
+        <p:nvPr/>
+      </p:nvGrpSpPr>
+      <p:grpSpPr>
+        <a:xfrm>
+          <a:off x="0" y="0"/>
+          <a:ext cx="0" cy="0"/>
+          <a:chOff x="0" y="0"/>
+          <a:chExt cx="0" cy="0"/>
+        </a:xfrm>
+      </p:grpSpPr>
+      <p:sp>
+        <p:nvSpPr>
+          <p:cNvPr id="2" name="Folienbildplatzhalter 1"/>
+          <p:cNvSpPr>
+            <a:spLocks noGrp="1" noRot="1" noChangeAspect="1"/>
+          </p:cNvSpPr>
+          <p:nvPr>
+            <p:ph type="sldImg"/>
+          </p:nvPr>
+        </p:nvSpPr>
+        <p:spPr/>
+      </p:sp>
+      <p:sp>
+        <p:nvSpPr>
+          <p:cNvPr id="3" name="Notizenplatzhalter 2"/>
+          <p:cNvSpPr>
+            <a:spLocks noGrp="1"/>
+          </p:cNvSpPr>
+          <p:nvPr>
+            <p:ph type="body" idx="1"/>
+          </p:nvPr>
+        </p:nvSpPr>
+        <p:spPr/>
+        <p:txBody>
+          <a:bodyPr/>
+          <a:lstStyle/>
+          <a:p>
+            <a:r>
+              <a:rPr lang="de-DE" dirty="0"/>
+              <a:t>https://container-registry.com/posts/container-image-versioning/</a:t>
+            </a:r>
+          </a:p>
+          <a:p>
+            <a:endParaRPr lang="de-DE" dirty="0"/>
+          </a:p>
+        </p:txBody>
+      </p:sp>
+      <p:sp>
+        <p:nvSpPr>
+          <p:cNvPr id="4" name="Foliennummernplatzhalter 3"/>
+          <p:cNvSpPr>
+            <a:spLocks noGrp="1"/>
+          </p:cNvSpPr>
+          <p:nvPr>
+            <p:ph type="sldNum" sz="quarter" idx="5"/>
+          </p:nvPr>
+        </p:nvSpPr>
+        <p:spPr/>
+        <p:txBody>
+          <a:bodyPr/>
+          <a:lstStyle/>
+          <a:p>
+            <a:fld id="{18182567-388C-4D33-8B7B-A651F195F118}" type="slidenum">
+              <a:rPr lang="de-DE" altLang="de-DE" smtClean="0"/>
+              <a:pPr/>
+              <a:t>20</a:t>
+            </a:fld>
+            <a:endParaRPr lang="de-DE" altLang="de-DE"/>
+          </a:p>
+        </p:txBody>
+      </p:sp>
+    </p:spTree>
+    <p:extLst>
+      <p:ext uri="{BB962C8B-B14F-4D97-AF65-F5344CB8AC3E}">
+        <p14:creationId xmlns:p14="http://schemas.microsoft.com/office/powerpoint/2010/main" val="758847513"/>
+      </p:ext>
+    </p:extLst>
+  </p:cSld>
+  <p:clrMapOvr>
+    <a:masterClrMapping/>
+  </p:clrMapOvr>
+</p:notes>
+</file>
+
+<file path=ppt/notesSlides/notesSlide8.xml><?xml version="1.0" encoding="utf-8"?>
 <p:notes xmlns:a="http://schemas.openxmlformats.org/drawingml/2006/main" xmlns:r="http://schemas.openxmlformats.org/officeDocument/2006/relationships" xmlns:p="http://schemas.openxmlformats.org/presentationml/2006/main">
   <p:cSld>
     <p:spTree>
@@ -6120,6 +6292,25 @@
               <a:buChar char="•"/>
             </a:pPr>
             <a:r>
+              <a:rPr lang="de-DE" dirty="0">
+                <a:sym typeface="Wingdings" panose="05000000000000000000" pitchFamily="2" charset="2"/>
+              </a:rPr>
+              <a:t>Release am 20.05.2024, Tagging  </a:t>
+            </a:r>
+            <a:r>
+              <a:rPr lang="de-DE" dirty="0">
+                <a:latin typeface="Consolas" panose="020B0609020204030204" pitchFamily="49" charset="0"/>
+                <a:sym typeface="Wingdings" panose="05000000000000000000" pitchFamily="2" charset="2"/>
+              </a:rPr>
+              <a:t>2.5.1-20240520</a:t>
+            </a:r>
+          </a:p>
+          <a:p>
+            <a:pPr lvl="1">
+              <a:buFont typeface="Arial" panose="020B0604020202020204" pitchFamily="34" charset="0"/>
+              <a:buChar char="•"/>
+            </a:pPr>
+            <a:r>
               <a:rPr lang="de-DE" dirty="0" err="1">
                 <a:sym typeface="Wingdings" panose="05000000000000000000" pitchFamily="2" charset="2"/>
               </a:rPr>
@@ -6907,11 +7098,7 @@
             </a:pPr>
             <a:r>
               <a:rPr lang="de-DE" b="1" dirty="0"/>
-              <a:t>Use Cases für </a:t>
-            </a:r>
-            <a:r>
-              <a:rPr lang="de-DE" b="1"/>
-              <a:t>die Strategien</a:t>
+              <a:t>Use Cases für die Strategien</a:t>
             </a:r>
           </a:p>
           <a:p>
@@ -6919,7 +7106,189 @@
               <a:buFont typeface="Arial" panose="020B0604020202020204" pitchFamily="34" charset="0"/>
               <a:buChar char="•"/>
             </a:pPr>
-            <a:endParaRPr lang="de-DE" b="1"/>
+            <a:r>
+              <a:rPr lang="de-DE" dirty="0"/>
+              <a:t>Rolling tags</a:t>
+            </a:r>
+          </a:p>
+          <a:p>
+            <a:pPr lvl="1">
+              <a:buFont typeface="Arial" panose="020B0604020202020204" pitchFamily="34" charset="0"/>
+              <a:buChar char="•"/>
+            </a:pPr>
+            <a:r>
+              <a:rPr lang="de-DE" dirty="0"/>
+              <a:t>Für Base Images, welche immer aktuell sein sollen</a:t>
+            </a:r>
+          </a:p>
+          <a:p>
+            <a:pPr>
+              <a:buFont typeface="Arial" panose="020B0604020202020204" pitchFamily="34" charset="0"/>
+              <a:buChar char="•"/>
+            </a:pPr>
+            <a:r>
+              <a:rPr lang="de-DE" dirty="0"/>
+              <a:t>Unique tags</a:t>
+            </a:r>
+          </a:p>
+          <a:p>
+            <a:pPr lvl="1">
+              <a:buFont typeface="Arial" panose="020B0604020202020204" pitchFamily="34" charset="0"/>
+              <a:buChar char="•"/>
+            </a:pPr>
+            <a:r>
+              <a:rPr lang="de-DE" dirty="0"/>
+              <a:t>Wenn Container in die </a:t>
+            </a:r>
+            <a:r>
+              <a:rPr lang="de-DE" dirty="0" err="1"/>
+              <a:t>Production</a:t>
+            </a:r>
+            <a:r>
+              <a:rPr lang="de-DE" dirty="0"/>
+              <a:t> gehen</a:t>
+            </a:r>
+          </a:p>
+          <a:p>
+            <a:pPr lvl="1">
+              <a:buFont typeface="Arial" panose="020B0604020202020204" pitchFamily="34" charset="0"/>
+              <a:buChar char="•"/>
+            </a:pPr>
+            <a:r>
+              <a:rPr lang="de-DE" dirty="0"/>
+              <a:t>Empfehlung: </a:t>
+            </a:r>
+            <a:r>
+              <a:rPr lang="de-DE" dirty="0" err="1"/>
+              <a:t>Build</a:t>
+            </a:r>
+            <a:r>
+              <a:rPr lang="de-DE" dirty="0"/>
+              <a:t> ID Tag</a:t>
+            </a:r>
+          </a:p>
+          <a:p>
+            <a:pPr>
+              <a:buFont typeface="Arial" panose="020B0604020202020204" pitchFamily="34" charset="0"/>
+              <a:buChar char="•"/>
+            </a:pPr>
+            <a:r>
+              <a:rPr lang="de-DE" dirty="0" err="1"/>
+              <a:t>SemVer</a:t>
+            </a:r>
+            <a:endParaRPr lang="de-DE" dirty="0"/>
+          </a:p>
+          <a:p>
+            <a:pPr lvl="1">
+              <a:buFont typeface="Arial" panose="020B0604020202020204" pitchFamily="34" charset="0"/>
+              <a:buChar char="•"/>
+            </a:pPr>
+            <a:r>
+              <a:rPr lang="de-DE" dirty="0"/>
+              <a:t>Koppelt ein Image ans darunterliegende </a:t>
+            </a:r>
+            <a:r>
+              <a:rPr lang="de-DE" dirty="0" err="1"/>
+              <a:t>Changeset</a:t>
+            </a:r>
+            <a:endParaRPr lang="de-DE" dirty="0"/>
+          </a:p>
+          <a:p>
+            <a:pPr lvl="1">
+              <a:buFont typeface="Arial" panose="020B0604020202020204" pitchFamily="34" charset="0"/>
+              <a:buChar char="•"/>
+            </a:pPr>
+            <a:r>
+              <a:rPr lang="de-DE" dirty="0"/>
+              <a:t>Kann automatisiert werden</a:t>
+            </a:r>
+          </a:p>
+          <a:p>
+            <a:pPr lvl="1">
+              <a:buFont typeface="Arial" panose="020B0604020202020204" pitchFamily="34" charset="0"/>
+              <a:buChar char="•"/>
+            </a:pPr>
+            <a:r>
+              <a:rPr lang="de-DE" dirty="0"/>
+              <a:t>Nutzer kriegen kompatibles </a:t>
+            </a:r>
+            <a:r>
+              <a:rPr lang="de-DE" dirty="0" err="1"/>
+              <a:t>Build</a:t>
+            </a:r>
+            <a:r>
+              <a:rPr lang="de-DE" dirty="0"/>
+              <a:t> für ihre Anwendungen</a:t>
+            </a:r>
+          </a:p>
+          <a:p>
+            <a:pPr>
+              <a:buFont typeface="Arial" panose="020B0604020202020204" pitchFamily="34" charset="0"/>
+              <a:buChar char="•"/>
+            </a:pPr>
+            <a:r>
+              <a:rPr lang="de-DE" dirty="0"/>
+              <a:t>Rolling und </a:t>
+            </a:r>
+            <a:r>
+              <a:rPr lang="de-DE" dirty="0" err="1"/>
+              <a:t>SemVer</a:t>
+            </a:r>
+            <a:r>
+              <a:rPr lang="de-DE" dirty="0"/>
+              <a:t> lassen sich gut kombinieren</a:t>
+            </a:r>
+          </a:p>
+          <a:p>
+            <a:pPr>
+              <a:buFont typeface="Arial" panose="020B0604020202020204" pitchFamily="34" charset="0"/>
+              <a:buChar char="•"/>
+            </a:pPr>
+            <a:r>
+              <a:rPr lang="de-DE" dirty="0"/>
+              <a:t>In kleinen Teams mit manuell überschaubaren Umfang</a:t>
+            </a:r>
+          </a:p>
+          <a:p>
+            <a:pPr lvl="1">
+              <a:buFont typeface="Arial" panose="020B0604020202020204" pitchFamily="34" charset="0"/>
+              <a:buChar char="•"/>
+            </a:pPr>
+            <a:r>
+              <a:rPr lang="de-DE" dirty="0"/>
+              <a:t>Digests, </a:t>
+            </a:r>
+            <a:r>
+              <a:rPr lang="de-DE" dirty="0" err="1"/>
+              <a:t>Git</a:t>
+            </a:r>
+            <a:r>
+              <a:rPr lang="de-DE" dirty="0"/>
+              <a:t> Commit Hash, </a:t>
+            </a:r>
+            <a:r>
+              <a:rPr lang="de-DE" dirty="0" err="1"/>
+              <a:t>Timestamps</a:t>
+            </a:r>
+            <a:r>
+              <a:rPr lang="de-DE" dirty="0"/>
+              <a:t> oder </a:t>
+            </a:r>
+            <a:r>
+              <a:rPr lang="de-DE" dirty="0" err="1"/>
+              <a:t>Build</a:t>
+            </a:r>
+            <a:r>
+              <a:rPr lang="de-DE" dirty="0"/>
+              <a:t> IDs nutzbar</a:t>
+            </a:r>
+          </a:p>
+          <a:p>
+            <a:pPr>
+              <a:buFont typeface="Arial" panose="020B0604020202020204" pitchFamily="34" charset="0"/>
+              <a:buChar char="•"/>
+            </a:pPr>
+            <a:endParaRPr lang="de-DE" dirty="0"/>
           </a:p>
         </p:txBody>
       </p:sp>

--- a/slides/Tag-3_3-Release-und-Tagged-Images.pptx
+++ b/slides/Tag-3_3-Release-und-Tagged-Images.pptx
@@ -6,10 +6,10 @@
     <p:sldMasterId id="2147483649" r:id="rId2"/>
   </p:sldMasterIdLst>
   <p:notesMasterIdLst>
-    <p:notesMasterId r:id="rId24"/>
+    <p:notesMasterId r:id="rId28"/>
   </p:notesMasterIdLst>
   <p:handoutMasterIdLst>
-    <p:handoutMasterId r:id="rId25"/>
+    <p:handoutMasterId r:id="rId29"/>
   </p:handoutMasterIdLst>
   <p:sldIdLst>
     <p:sldId id="288" r:id="rId3"/>
@@ -33,6 +33,10 @@
     <p:sldId id="605" r:id="rId21"/>
     <p:sldId id="606" r:id="rId22"/>
     <p:sldId id="588" r:id="rId23"/>
+    <p:sldId id="607" r:id="rId24"/>
+    <p:sldId id="608" r:id="rId25"/>
+    <p:sldId id="609" r:id="rId26"/>
+    <p:sldId id="610" r:id="rId27"/>
   </p:sldIdLst>
   <p:sldSz cx="9144000" cy="6858000" type="screen4x3"/>
   <p:notesSz cx="6784975" cy="9921875"/>
@@ -984,7 +988,10 @@
           <a:bodyPr/>
           <a:lstStyle/>
           <a:p>
-            <a:endParaRPr lang="de-DE" dirty="0"/>
+            <a:r>
+              <a:rPr lang="de-DE" dirty="0"/>
+              <a:t>https://kodekloud.com/blog/docker-image-tag/</a:t>
+            </a:r>
           </a:p>
         </p:txBody>
       </p:sp>
@@ -1016,6 +1023,346 @@
     <p:extLst>
       <p:ext uri="{BB962C8B-B14F-4D97-AF65-F5344CB8AC3E}">
         <p14:creationId xmlns:p14="http://schemas.microsoft.com/office/powerpoint/2010/main" val="3711379124"/>
+      </p:ext>
+    </p:extLst>
+  </p:cSld>
+  <p:clrMapOvr>
+    <a:masterClrMapping/>
+  </p:clrMapOvr>
+</p:notes>
+</file>
+
+<file path=ppt/notesSlides/notesSlide10.xml><?xml version="1.0" encoding="utf-8"?>
+<p:notes xmlns:a="http://schemas.openxmlformats.org/drawingml/2006/main" xmlns:r="http://schemas.openxmlformats.org/officeDocument/2006/relationships" xmlns:p="http://schemas.openxmlformats.org/presentationml/2006/main">
+  <p:cSld>
+    <p:spTree>
+      <p:nvGrpSpPr>
+        <p:cNvPr id="1" name=""/>
+        <p:cNvGrpSpPr/>
+        <p:nvPr/>
+      </p:nvGrpSpPr>
+      <p:grpSpPr>
+        <a:xfrm>
+          <a:off x="0" y="0"/>
+          <a:ext cx="0" cy="0"/>
+          <a:chOff x="0" y="0"/>
+          <a:chExt cx="0" cy="0"/>
+        </a:xfrm>
+      </p:grpSpPr>
+      <p:sp>
+        <p:nvSpPr>
+          <p:cNvPr id="2" name="Folienbildplatzhalter 1"/>
+          <p:cNvSpPr>
+            <a:spLocks noGrp="1" noRot="1" noChangeAspect="1"/>
+          </p:cNvSpPr>
+          <p:nvPr>
+            <p:ph type="sldImg"/>
+          </p:nvPr>
+        </p:nvSpPr>
+        <p:spPr/>
+      </p:sp>
+      <p:sp>
+        <p:nvSpPr>
+          <p:cNvPr id="3" name="Notizenplatzhalter 2"/>
+          <p:cNvSpPr>
+            <a:spLocks noGrp="1"/>
+          </p:cNvSpPr>
+          <p:nvPr>
+            <p:ph type="body" idx="1"/>
+          </p:nvPr>
+        </p:nvSpPr>
+        <p:spPr/>
+        <p:txBody>
+          <a:bodyPr/>
+          <a:lstStyle/>
+          <a:p>
+            <a:endParaRPr lang="de-DE" dirty="0"/>
+          </a:p>
+        </p:txBody>
+      </p:sp>
+      <p:sp>
+        <p:nvSpPr>
+          <p:cNvPr id="4" name="Foliennummernplatzhalter 3"/>
+          <p:cNvSpPr>
+            <a:spLocks noGrp="1"/>
+          </p:cNvSpPr>
+          <p:nvPr>
+            <p:ph type="sldNum" sz="quarter" idx="5"/>
+          </p:nvPr>
+        </p:nvSpPr>
+        <p:spPr/>
+        <p:txBody>
+          <a:bodyPr/>
+          <a:lstStyle/>
+          <a:p>
+            <a:fld id="{18182567-388C-4D33-8B7B-A651F195F118}" type="slidenum">
+              <a:rPr lang="de-DE" altLang="de-DE" smtClean="0"/>
+              <a:pPr/>
+              <a:t>22</a:t>
+            </a:fld>
+            <a:endParaRPr lang="de-DE" altLang="de-DE"/>
+          </a:p>
+        </p:txBody>
+      </p:sp>
+    </p:spTree>
+    <p:extLst>
+      <p:ext uri="{BB962C8B-B14F-4D97-AF65-F5344CB8AC3E}">
+        <p14:creationId xmlns:p14="http://schemas.microsoft.com/office/powerpoint/2010/main" val="3496549736"/>
+      </p:ext>
+    </p:extLst>
+  </p:cSld>
+  <p:clrMapOvr>
+    <a:masterClrMapping/>
+  </p:clrMapOvr>
+</p:notes>
+</file>
+
+<file path=ppt/notesSlides/notesSlide11.xml><?xml version="1.0" encoding="utf-8"?>
+<p:notes xmlns:a="http://schemas.openxmlformats.org/drawingml/2006/main" xmlns:r="http://schemas.openxmlformats.org/officeDocument/2006/relationships" xmlns:p="http://schemas.openxmlformats.org/presentationml/2006/main">
+  <p:cSld>
+    <p:spTree>
+      <p:nvGrpSpPr>
+        <p:cNvPr id="1" name=""/>
+        <p:cNvGrpSpPr/>
+        <p:nvPr/>
+      </p:nvGrpSpPr>
+      <p:grpSpPr>
+        <a:xfrm>
+          <a:off x="0" y="0"/>
+          <a:ext cx="0" cy="0"/>
+          <a:chOff x="0" y="0"/>
+          <a:chExt cx="0" cy="0"/>
+        </a:xfrm>
+      </p:grpSpPr>
+      <p:sp>
+        <p:nvSpPr>
+          <p:cNvPr id="2" name="Folienbildplatzhalter 1"/>
+          <p:cNvSpPr>
+            <a:spLocks noGrp="1" noRot="1" noChangeAspect="1"/>
+          </p:cNvSpPr>
+          <p:nvPr>
+            <p:ph type="sldImg"/>
+          </p:nvPr>
+        </p:nvSpPr>
+        <p:spPr/>
+      </p:sp>
+      <p:sp>
+        <p:nvSpPr>
+          <p:cNvPr id="3" name="Notizenplatzhalter 2"/>
+          <p:cNvSpPr>
+            <a:spLocks noGrp="1"/>
+          </p:cNvSpPr>
+          <p:nvPr>
+            <p:ph type="body" idx="1"/>
+          </p:nvPr>
+        </p:nvSpPr>
+        <p:spPr/>
+        <p:txBody>
+          <a:bodyPr/>
+          <a:lstStyle/>
+          <a:p>
+            <a:endParaRPr lang="de-DE" dirty="0"/>
+          </a:p>
+        </p:txBody>
+      </p:sp>
+      <p:sp>
+        <p:nvSpPr>
+          <p:cNvPr id="4" name="Foliennummernplatzhalter 3"/>
+          <p:cNvSpPr>
+            <a:spLocks noGrp="1"/>
+          </p:cNvSpPr>
+          <p:nvPr>
+            <p:ph type="sldNum" sz="quarter" idx="5"/>
+          </p:nvPr>
+        </p:nvSpPr>
+        <p:spPr/>
+        <p:txBody>
+          <a:bodyPr/>
+          <a:lstStyle/>
+          <a:p>
+            <a:fld id="{18182567-388C-4D33-8B7B-A651F195F118}" type="slidenum">
+              <a:rPr lang="de-DE" altLang="de-DE" smtClean="0"/>
+              <a:pPr/>
+              <a:t>23</a:t>
+            </a:fld>
+            <a:endParaRPr lang="de-DE" altLang="de-DE"/>
+          </a:p>
+        </p:txBody>
+      </p:sp>
+    </p:spTree>
+    <p:extLst>
+      <p:ext uri="{BB962C8B-B14F-4D97-AF65-F5344CB8AC3E}">
+        <p14:creationId xmlns:p14="http://schemas.microsoft.com/office/powerpoint/2010/main" val="1133817201"/>
+      </p:ext>
+    </p:extLst>
+  </p:cSld>
+  <p:clrMapOvr>
+    <a:masterClrMapping/>
+  </p:clrMapOvr>
+</p:notes>
+</file>
+
+<file path=ppt/notesSlides/notesSlide12.xml><?xml version="1.0" encoding="utf-8"?>
+<p:notes xmlns:a="http://schemas.openxmlformats.org/drawingml/2006/main" xmlns:r="http://schemas.openxmlformats.org/officeDocument/2006/relationships" xmlns:p="http://schemas.openxmlformats.org/presentationml/2006/main">
+  <p:cSld>
+    <p:spTree>
+      <p:nvGrpSpPr>
+        <p:cNvPr id="1" name=""/>
+        <p:cNvGrpSpPr/>
+        <p:nvPr/>
+      </p:nvGrpSpPr>
+      <p:grpSpPr>
+        <a:xfrm>
+          <a:off x="0" y="0"/>
+          <a:ext cx="0" cy="0"/>
+          <a:chOff x="0" y="0"/>
+          <a:chExt cx="0" cy="0"/>
+        </a:xfrm>
+      </p:grpSpPr>
+      <p:sp>
+        <p:nvSpPr>
+          <p:cNvPr id="2" name="Folienbildplatzhalter 1"/>
+          <p:cNvSpPr>
+            <a:spLocks noGrp="1" noRot="1" noChangeAspect="1"/>
+          </p:cNvSpPr>
+          <p:nvPr>
+            <p:ph type="sldImg"/>
+          </p:nvPr>
+        </p:nvSpPr>
+        <p:spPr/>
+      </p:sp>
+      <p:sp>
+        <p:nvSpPr>
+          <p:cNvPr id="3" name="Notizenplatzhalter 2"/>
+          <p:cNvSpPr>
+            <a:spLocks noGrp="1"/>
+          </p:cNvSpPr>
+          <p:nvPr>
+            <p:ph type="body" idx="1"/>
+          </p:nvPr>
+        </p:nvSpPr>
+        <p:spPr/>
+        <p:txBody>
+          <a:bodyPr/>
+          <a:lstStyle/>
+          <a:p>
+            <a:endParaRPr lang="de-DE" dirty="0"/>
+          </a:p>
+        </p:txBody>
+      </p:sp>
+      <p:sp>
+        <p:nvSpPr>
+          <p:cNvPr id="4" name="Foliennummernplatzhalter 3"/>
+          <p:cNvSpPr>
+            <a:spLocks noGrp="1"/>
+          </p:cNvSpPr>
+          <p:nvPr>
+            <p:ph type="sldNum" sz="quarter" idx="5"/>
+          </p:nvPr>
+        </p:nvSpPr>
+        <p:spPr/>
+        <p:txBody>
+          <a:bodyPr/>
+          <a:lstStyle/>
+          <a:p>
+            <a:fld id="{18182567-388C-4D33-8B7B-A651F195F118}" type="slidenum">
+              <a:rPr lang="de-DE" altLang="de-DE" smtClean="0"/>
+              <a:pPr/>
+              <a:t>24</a:t>
+            </a:fld>
+            <a:endParaRPr lang="de-DE" altLang="de-DE"/>
+          </a:p>
+        </p:txBody>
+      </p:sp>
+    </p:spTree>
+    <p:extLst>
+      <p:ext uri="{BB962C8B-B14F-4D97-AF65-F5344CB8AC3E}">
+        <p14:creationId xmlns:p14="http://schemas.microsoft.com/office/powerpoint/2010/main" val="3378526490"/>
+      </p:ext>
+    </p:extLst>
+  </p:cSld>
+  <p:clrMapOvr>
+    <a:masterClrMapping/>
+  </p:clrMapOvr>
+</p:notes>
+</file>
+
+<file path=ppt/notesSlides/notesSlide13.xml><?xml version="1.0" encoding="utf-8"?>
+<p:notes xmlns:a="http://schemas.openxmlformats.org/drawingml/2006/main" xmlns:r="http://schemas.openxmlformats.org/officeDocument/2006/relationships" xmlns:p="http://schemas.openxmlformats.org/presentationml/2006/main">
+  <p:cSld>
+    <p:spTree>
+      <p:nvGrpSpPr>
+        <p:cNvPr id="1" name=""/>
+        <p:cNvGrpSpPr/>
+        <p:nvPr/>
+      </p:nvGrpSpPr>
+      <p:grpSpPr>
+        <a:xfrm>
+          <a:off x="0" y="0"/>
+          <a:ext cx="0" cy="0"/>
+          <a:chOff x="0" y="0"/>
+          <a:chExt cx="0" cy="0"/>
+        </a:xfrm>
+      </p:grpSpPr>
+      <p:sp>
+        <p:nvSpPr>
+          <p:cNvPr id="2" name="Folienbildplatzhalter 1"/>
+          <p:cNvSpPr>
+            <a:spLocks noGrp="1" noRot="1" noChangeAspect="1"/>
+          </p:cNvSpPr>
+          <p:nvPr>
+            <p:ph type="sldImg"/>
+          </p:nvPr>
+        </p:nvSpPr>
+        <p:spPr/>
+      </p:sp>
+      <p:sp>
+        <p:nvSpPr>
+          <p:cNvPr id="3" name="Notizenplatzhalter 2"/>
+          <p:cNvSpPr>
+            <a:spLocks noGrp="1"/>
+          </p:cNvSpPr>
+          <p:nvPr>
+            <p:ph type="body" idx="1"/>
+          </p:nvPr>
+        </p:nvSpPr>
+        <p:spPr/>
+        <p:txBody>
+          <a:bodyPr/>
+          <a:lstStyle/>
+          <a:p>
+            <a:endParaRPr lang="de-DE" dirty="0"/>
+          </a:p>
+        </p:txBody>
+      </p:sp>
+      <p:sp>
+        <p:nvSpPr>
+          <p:cNvPr id="4" name="Foliennummernplatzhalter 3"/>
+          <p:cNvSpPr>
+            <a:spLocks noGrp="1"/>
+          </p:cNvSpPr>
+          <p:nvPr>
+            <p:ph type="sldNum" sz="quarter" idx="5"/>
+          </p:nvPr>
+        </p:nvSpPr>
+        <p:spPr/>
+        <p:txBody>
+          <a:bodyPr/>
+          <a:lstStyle/>
+          <a:p>
+            <a:fld id="{18182567-388C-4D33-8B7B-A651F195F118}" type="slidenum">
+              <a:rPr lang="de-DE" altLang="de-DE" smtClean="0"/>
+              <a:pPr/>
+              <a:t>25</a:t>
+            </a:fld>
+            <a:endParaRPr lang="de-DE" altLang="de-DE"/>
+          </a:p>
+        </p:txBody>
+      </p:sp>
+    </p:spTree>
+    <p:extLst>
+      <p:ext uri="{BB962C8B-B14F-4D97-AF65-F5344CB8AC3E}">
+        <p14:creationId xmlns:p14="http://schemas.microsoft.com/office/powerpoint/2010/main" val="511039819"/>
       </p:ext>
     </p:extLst>
   </p:cSld>
@@ -1071,25 +1418,7 @@
           <a:p>
             <a:r>
               <a:rPr lang="de-DE" dirty="0"/>
-              <a:t>https://semver.org/lang/de/</a:t>
-            </a:r>
-          </a:p>
-          <a:p>
-            <a:endParaRPr lang="de-DE" dirty="0"/>
-          </a:p>
-          <a:p>
-            <a:r>
-              <a:rPr lang="de-DE" dirty="0"/>
-              <a:t>https://container-registry.com/posts/container-image-versioning/</a:t>
-            </a:r>
-          </a:p>
-          <a:p>
-            <a:endParaRPr lang="de-DE" dirty="0"/>
-          </a:p>
-          <a:p>
-            <a:r>
-              <a:rPr lang="de-DE" dirty="0"/>
-              <a:t>https://medium.com/@nirmalkushwah08/docker-image-tagging-strategy-4aa886fb4fcc</a:t>
+              <a:t>https://kodekloud.com/blog/docker-image-tag/</a:t>
             </a:r>
           </a:p>
         </p:txBody>
@@ -1112,7 +1441,7 @@
             <a:fld id="{18182567-388C-4D33-8B7B-A651F195F118}" type="slidenum">
               <a:rPr lang="de-DE" altLang="de-DE" smtClean="0"/>
               <a:pPr/>
-              <a:t>12</a:t>
+              <a:t>8</a:t>
             </a:fld>
             <a:endParaRPr lang="de-DE" altLang="de-DE"/>
           </a:p>
@@ -1121,7 +1450,7 @@
     </p:spTree>
     <p:extLst>
       <p:ext uri="{BB962C8B-B14F-4D97-AF65-F5344CB8AC3E}">
-        <p14:creationId xmlns:p14="http://schemas.microsoft.com/office/powerpoint/2010/main" val="3489991838"/>
+        <p14:creationId xmlns:p14="http://schemas.microsoft.com/office/powerpoint/2010/main" val="4220598971"/>
       </p:ext>
     </p:extLst>
   </p:cSld>
@@ -1180,6 +1509,24 @@
               <a:t>https://semver.org/lang/de/</a:t>
             </a:r>
           </a:p>
+          <a:p>
+            <a:endParaRPr lang="de-DE" dirty="0"/>
+          </a:p>
+          <a:p>
+            <a:r>
+              <a:rPr lang="de-DE" dirty="0"/>
+              <a:t>https://container-registry.com/posts/container-image-versioning/</a:t>
+            </a:r>
+          </a:p>
+          <a:p>
+            <a:endParaRPr lang="de-DE" dirty="0"/>
+          </a:p>
+          <a:p>
+            <a:r>
+              <a:rPr lang="de-DE" dirty="0"/>
+              <a:t>https://medium.com/@nirmalkushwah08/docker-image-tagging-strategy-4aa886fb4fcc</a:t>
+            </a:r>
+          </a:p>
         </p:txBody>
       </p:sp>
       <p:sp>
@@ -1200,7 +1547,7 @@
             <a:fld id="{18182567-388C-4D33-8B7B-A651F195F118}" type="slidenum">
               <a:rPr lang="de-DE" altLang="de-DE" smtClean="0"/>
               <a:pPr/>
-              <a:t>13</a:t>
+              <a:t>12</a:t>
             </a:fld>
             <a:endParaRPr lang="de-DE" altLang="de-DE"/>
           </a:p>
@@ -1209,7 +1556,7 @@
     </p:spTree>
     <p:extLst>
       <p:ext uri="{BB962C8B-B14F-4D97-AF65-F5344CB8AC3E}">
-        <p14:creationId xmlns:p14="http://schemas.microsoft.com/office/powerpoint/2010/main" val="3085793975"/>
+        <p14:creationId xmlns:p14="http://schemas.microsoft.com/office/powerpoint/2010/main" val="3489991838"/>
       </p:ext>
     </p:extLst>
   </p:cSld>
@@ -1288,7 +1635,7 @@
             <a:fld id="{18182567-388C-4D33-8B7B-A651F195F118}" type="slidenum">
               <a:rPr lang="de-DE" altLang="de-DE" smtClean="0"/>
               <a:pPr/>
-              <a:t>17</a:t>
+              <a:t>13</a:t>
             </a:fld>
             <a:endParaRPr lang="de-DE" altLang="de-DE"/>
           </a:p>
@@ -1297,7 +1644,7 @@
     </p:spTree>
     <p:extLst>
       <p:ext uri="{BB962C8B-B14F-4D97-AF65-F5344CB8AC3E}">
-        <p14:creationId xmlns:p14="http://schemas.microsoft.com/office/powerpoint/2010/main" val="8064563"/>
+        <p14:creationId xmlns:p14="http://schemas.microsoft.com/office/powerpoint/2010/main" val="3085793975"/>
       </p:ext>
     </p:extLst>
   </p:cSld>
@@ -1351,73 +1698,10 @@
           <a:bodyPr/>
           <a:lstStyle/>
           <a:p>
-            <a:pPr algn="l"/>
-            <a:r>
-              <a:rPr lang="en-US" b="0" i="0">
-                <a:solidFill>
-                  <a:srgbClr val="3F3F3F"/>
-                </a:solidFill>
-                <a:effectLst/>
-                <a:latin typeface="open sans" panose="020B0606030504020204" pitchFamily="34" charset="0"/>
-              </a:rPr>
-              <a:t>A </a:t>
-            </a:r>
-            <a:r>
-              <a:rPr lang="en-US" b="1" i="0" dirty="0">
-                <a:solidFill>
-                  <a:srgbClr val="3F3F3F"/>
-                </a:solidFill>
-                <a:effectLst/>
-                <a:latin typeface="open sans semibold" panose="020F0502020204030204" pitchFamily="34" charset="0"/>
-              </a:rPr>
-              <a:t>timestamp</a:t>
-            </a:r>
-            <a:r>
-              <a:rPr lang="en-US" b="0" i="0" dirty="0">
-                <a:solidFill>
-                  <a:srgbClr val="3F3F3F"/>
-                </a:solidFill>
-                <a:effectLst/>
-                <a:latin typeface="open sans" panose="020B0606030504020204" pitchFamily="34" charset="0"/>
-              </a:rPr>
-              <a:t> is, indeed, an easy solution. But it has more drawbacks than advantages. It lacks a correlation to the included changeset(s) for the container image release since you cannot match it with the respective build.</a:t>
-            </a:r>
-          </a:p>
-          <a:p>
-            <a:pPr algn="l"/>
-            <a:r>
-              <a:rPr lang="en-US" b="0" i="0" dirty="0">
-                <a:solidFill>
-                  <a:srgbClr val="3F3F3F"/>
-                </a:solidFill>
-                <a:effectLst/>
-                <a:latin typeface="open sans" panose="020B0606030504020204" pitchFamily="34" charset="0"/>
-              </a:rPr>
-              <a:t>Do not forget about the evil </a:t>
-            </a:r>
-            <a:r>
-              <a:rPr lang="en-US" b="0" i="0" dirty="0" err="1">
-                <a:solidFill>
-                  <a:srgbClr val="3F3F3F"/>
-                </a:solidFill>
-                <a:effectLst/>
-                <a:latin typeface="open sans" panose="020B0606030504020204" pitchFamily="34" charset="0"/>
-              </a:rPr>
-              <a:t>timezone</a:t>
-            </a:r>
-            <a:r>
-              <a:rPr lang="en-US" b="0" i="0" dirty="0">
-                <a:solidFill>
-                  <a:srgbClr val="3F3F3F"/>
-                </a:solidFill>
-                <a:effectLst/>
-                <a:latin typeface="open sans" panose="020B0606030504020204" pitchFamily="34" charset="0"/>
-              </a:rPr>
-              <a:t>: which time was it actually in yours? Moreover, what if you created more than one image at exactly the same time? Last but not least, someone can push an image with the same tag just by adding it manually.</a:t>
-            </a:r>
-          </a:p>
-          <a:p>
-            <a:endParaRPr lang="de-DE" dirty="0"/>
+            <a:r>
+              <a:rPr lang="de-DE" dirty="0"/>
+              <a:t>https://semver.org/lang/de/</a:t>
+            </a:r>
           </a:p>
         </p:txBody>
       </p:sp>
@@ -1439,7 +1723,7 @@
             <a:fld id="{18182567-388C-4D33-8B7B-A651F195F118}" type="slidenum">
               <a:rPr lang="de-DE" altLang="de-DE" smtClean="0"/>
               <a:pPr/>
-              <a:t>18</a:t>
+              <a:t>17</a:t>
             </a:fld>
             <a:endParaRPr lang="de-DE" altLang="de-DE"/>
           </a:p>
@@ -1448,7 +1732,7 @@
     </p:spTree>
     <p:extLst>
       <p:ext uri="{BB962C8B-B14F-4D97-AF65-F5344CB8AC3E}">
-        <p14:creationId xmlns:p14="http://schemas.microsoft.com/office/powerpoint/2010/main" val="3532218253"/>
+        <p14:creationId xmlns:p14="http://schemas.microsoft.com/office/powerpoint/2010/main" val="8064563"/>
       </p:ext>
     </p:extLst>
   </p:cSld>
@@ -1502,10 +1786,73 @@
           <a:bodyPr/>
           <a:lstStyle/>
           <a:p>
-            <a:r>
-              <a:rPr lang="de-DE" dirty="0"/>
-              <a:t>https://semver.org/lang/de/</a:t>
-            </a:r>
+            <a:pPr algn="l"/>
+            <a:r>
+              <a:rPr lang="en-US" b="0" i="0" dirty="0">
+                <a:solidFill>
+                  <a:srgbClr val="3F3F3F"/>
+                </a:solidFill>
+                <a:effectLst/>
+                <a:latin typeface="open sans" panose="020B0606030504020204" pitchFamily="34" charset="0"/>
+              </a:rPr>
+              <a:t>A </a:t>
+            </a:r>
+            <a:r>
+              <a:rPr lang="en-US" b="1" i="0" dirty="0">
+                <a:solidFill>
+                  <a:srgbClr val="3F3F3F"/>
+                </a:solidFill>
+                <a:effectLst/>
+                <a:latin typeface="open sans semibold" panose="020F0502020204030204" pitchFamily="34" charset="0"/>
+              </a:rPr>
+              <a:t>timestamp</a:t>
+            </a:r>
+            <a:r>
+              <a:rPr lang="en-US" b="0" i="0" dirty="0">
+                <a:solidFill>
+                  <a:srgbClr val="3F3F3F"/>
+                </a:solidFill>
+                <a:effectLst/>
+                <a:latin typeface="open sans" panose="020B0606030504020204" pitchFamily="34" charset="0"/>
+              </a:rPr>
+              <a:t> is, indeed, an easy solution. But it has more drawbacks than advantages. It lacks a correlation to the included changeset(s) for the container image release since you cannot match it with the respective build.</a:t>
+            </a:r>
+          </a:p>
+          <a:p>
+            <a:pPr algn="l"/>
+            <a:r>
+              <a:rPr lang="en-US" b="0" i="0" dirty="0">
+                <a:solidFill>
+                  <a:srgbClr val="3F3F3F"/>
+                </a:solidFill>
+                <a:effectLst/>
+                <a:latin typeface="open sans" panose="020B0606030504020204" pitchFamily="34" charset="0"/>
+              </a:rPr>
+              <a:t>Do not forget about the evil </a:t>
+            </a:r>
+            <a:r>
+              <a:rPr lang="en-US" b="0" i="0" dirty="0" err="1">
+                <a:solidFill>
+                  <a:srgbClr val="3F3F3F"/>
+                </a:solidFill>
+                <a:effectLst/>
+                <a:latin typeface="open sans" panose="020B0606030504020204" pitchFamily="34" charset="0"/>
+              </a:rPr>
+              <a:t>timezone</a:t>
+            </a:r>
+            <a:r>
+              <a:rPr lang="en-US" b="0" i="0" dirty="0">
+                <a:solidFill>
+                  <a:srgbClr val="3F3F3F"/>
+                </a:solidFill>
+                <a:effectLst/>
+                <a:latin typeface="open sans" panose="020B0606030504020204" pitchFamily="34" charset="0"/>
+              </a:rPr>
+              <a:t>: which time was it actually in yours? Moreover, what if you created more than one image at exactly the same time? Last but not least, someone can push an image with the same tag just by adding it manually.</a:t>
+            </a:r>
+          </a:p>
+          <a:p>
+            <a:endParaRPr lang="de-DE" dirty="0"/>
           </a:p>
         </p:txBody>
       </p:sp>
@@ -1527,7 +1874,7 @@
             <a:fld id="{18182567-388C-4D33-8B7B-A651F195F118}" type="slidenum">
               <a:rPr lang="de-DE" altLang="de-DE" smtClean="0"/>
               <a:pPr/>
-              <a:t>19</a:t>
+              <a:t>18</a:t>
             </a:fld>
             <a:endParaRPr lang="de-DE" altLang="de-DE"/>
           </a:p>
@@ -1536,7 +1883,7 @@
     </p:spTree>
     <p:extLst>
       <p:ext uri="{BB962C8B-B14F-4D97-AF65-F5344CB8AC3E}">
-        <p14:creationId xmlns:p14="http://schemas.microsoft.com/office/powerpoint/2010/main" val="624751404"/>
+        <p14:creationId xmlns:p14="http://schemas.microsoft.com/office/powerpoint/2010/main" val="3532218253"/>
       </p:ext>
     </p:extLst>
   </p:cSld>
@@ -1592,11 +1939,8 @@
           <a:p>
             <a:r>
               <a:rPr lang="de-DE" dirty="0"/>
-              <a:t>https://container-registry.com/posts/container-image-versioning/</a:t>
-            </a:r>
-          </a:p>
-          <a:p>
-            <a:endParaRPr lang="de-DE" dirty="0"/>
+              <a:t>https://semver.org/lang/de/</a:t>
+            </a:r>
           </a:p>
         </p:txBody>
       </p:sp>
@@ -1618,6 +1962,97 @@
             <a:fld id="{18182567-388C-4D33-8B7B-A651F195F118}" type="slidenum">
               <a:rPr lang="de-DE" altLang="de-DE" smtClean="0"/>
               <a:pPr/>
+              <a:t>19</a:t>
+            </a:fld>
+            <a:endParaRPr lang="de-DE" altLang="de-DE"/>
+          </a:p>
+        </p:txBody>
+      </p:sp>
+    </p:spTree>
+    <p:extLst>
+      <p:ext uri="{BB962C8B-B14F-4D97-AF65-F5344CB8AC3E}">
+        <p14:creationId xmlns:p14="http://schemas.microsoft.com/office/powerpoint/2010/main" val="624751404"/>
+      </p:ext>
+    </p:extLst>
+  </p:cSld>
+  <p:clrMapOvr>
+    <a:masterClrMapping/>
+  </p:clrMapOvr>
+</p:notes>
+</file>
+
+<file path=ppt/notesSlides/notesSlide8.xml><?xml version="1.0" encoding="utf-8"?>
+<p:notes xmlns:a="http://schemas.openxmlformats.org/drawingml/2006/main" xmlns:r="http://schemas.openxmlformats.org/officeDocument/2006/relationships" xmlns:p="http://schemas.openxmlformats.org/presentationml/2006/main">
+  <p:cSld>
+    <p:spTree>
+      <p:nvGrpSpPr>
+        <p:cNvPr id="1" name=""/>
+        <p:cNvGrpSpPr/>
+        <p:nvPr/>
+      </p:nvGrpSpPr>
+      <p:grpSpPr>
+        <a:xfrm>
+          <a:off x="0" y="0"/>
+          <a:ext cx="0" cy="0"/>
+          <a:chOff x="0" y="0"/>
+          <a:chExt cx="0" cy="0"/>
+        </a:xfrm>
+      </p:grpSpPr>
+      <p:sp>
+        <p:nvSpPr>
+          <p:cNvPr id="2" name="Folienbildplatzhalter 1"/>
+          <p:cNvSpPr>
+            <a:spLocks noGrp="1" noRot="1" noChangeAspect="1"/>
+          </p:cNvSpPr>
+          <p:nvPr>
+            <p:ph type="sldImg"/>
+          </p:nvPr>
+        </p:nvSpPr>
+        <p:spPr/>
+      </p:sp>
+      <p:sp>
+        <p:nvSpPr>
+          <p:cNvPr id="3" name="Notizenplatzhalter 2"/>
+          <p:cNvSpPr>
+            <a:spLocks noGrp="1"/>
+          </p:cNvSpPr>
+          <p:nvPr>
+            <p:ph type="body" idx="1"/>
+          </p:nvPr>
+        </p:nvSpPr>
+        <p:spPr/>
+        <p:txBody>
+          <a:bodyPr/>
+          <a:lstStyle/>
+          <a:p>
+            <a:r>
+              <a:rPr lang="de-DE" dirty="0"/>
+              <a:t>https://container-registry.com/posts/container-image-versioning/</a:t>
+            </a:r>
+          </a:p>
+          <a:p>
+            <a:endParaRPr lang="de-DE" dirty="0"/>
+          </a:p>
+        </p:txBody>
+      </p:sp>
+      <p:sp>
+        <p:nvSpPr>
+          <p:cNvPr id="4" name="Foliennummernplatzhalter 3"/>
+          <p:cNvSpPr>
+            <a:spLocks noGrp="1"/>
+          </p:cNvSpPr>
+          <p:nvPr>
+            <p:ph type="sldNum" sz="quarter" idx="5"/>
+          </p:nvPr>
+        </p:nvSpPr>
+        <p:spPr/>
+        <p:txBody>
+          <a:bodyPr/>
+          <a:lstStyle/>
+          <a:p>
+            <a:fld id="{18182567-388C-4D33-8B7B-A651F195F118}" type="slidenum">
+              <a:rPr lang="de-DE" altLang="de-DE" smtClean="0"/>
+              <a:pPr/>
               <a:t>20</a:t>
             </a:fld>
             <a:endParaRPr lang="de-DE" altLang="de-DE"/>
@@ -1637,7 +2072,7 @@
 </p:notes>
 </file>
 
-<file path=ppt/notesSlides/notesSlide8.xml><?xml version="1.0" encoding="utf-8"?>
+<file path=ppt/notesSlides/notesSlide9.xml><?xml version="1.0" encoding="utf-8"?>
 <p:notes xmlns:a="http://schemas.openxmlformats.org/drawingml/2006/main" xmlns:r="http://schemas.openxmlformats.org/officeDocument/2006/relationships" xmlns:p="http://schemas.openxmlformats.org/presentationml/2006/main">
   <p:cSld>
     <p:spTree>
@@ -7533,6 +7968,472 @@
 </p:sld>
 </file>
 
+<file path=ppt/slides/slide22.xml><?xml version="1.0" encoding="utf-8"?>
+<p:sld xmlns:a="http://schemas.openxmlformats.org/drawingml/2006/main" xmlns:r="http://schemas.openxmlformats.org/officeDocument/2006/relationships" xmlns:p="http://schemas.openxmlformats.org/presentationml/2006/main">
+  <p:cSld>
+    <p:spTree>
+      <p:nvGrpSpPr>
+        <p:cNvPr id="1" name=""/>
+        <p:cNvGrpSpPr/>
+        <p:nvPr/>
+      </p:nvGrpSpPr>
+      <p:grpSpPr>
+        <a:xfrm>
+          <a:off x="0" y="0"/>
+          <a:ext cx="0" cy="0"/>
+          <a:chOff x="0" y="0"/>
+          <a:chExt cx="0" cy="0"/>
+        </a:xfrm>
+      </p:grpSpPr>
+      <p:sp>
+        <p:nvSpPr>
+          <p:cNvPr id="2" name="Titel 1">
+            <a:extLst>
+              <a:ext uri="{FF2B5EF4-FFF2-40B4-BE49-F238E27FC236}">
+                <a16:creationId xmlns:a16="http://schemas.microsoft.com/office/drawing/2014/main" id="{184AFD09-5210-6F86-C2FD-BBC016D382A6}"/>
+              </a:ext>
+            </a:extLst>
+          </p:cNvPr>
+          <p:cNvSpPr>
+            <a:spLocks noGrp="1"/>
+          </p:cNvSpPr>
+          <p:nvPr>
+            <p:ph type="title"/>
+          </p:nvPr>
+        </p:nvSpPr>
+        <p:spPr/>
+        <p:txBody>
+          <a:bodyPr/>
+          <a:lstStyle/>
+          <a:p>
+            <a:r>
+              <a:rPr lang="de-DE" cap="none" dirty="0"/>
+              <a:t>Release- und </a:t>
+            </a:r>
+            <a:r>
+              <a:rPr lang="de-DE" cap="none" dirty="0" err="1"/>
+              <a:t>Tagged</a:t>
+            </a:r>
+            <a:r>
+              <a:rPr lang="de-DE" cap="none" dirty="0"/>
+              <a:t>-Images</a:t>
+            </a:r>
+            <a:endParaRPr lang="de-DE" dirty="0"/>
+          </a:p>
+        </p:txBody>
+      </p:sp>
+      <p:sp>
+        <p:nvSpPr>
+          <p:cNvPr id="6" name="Inhaltsplatzhalter 5">
+            <a:extLst>
+              <a:ext uri="{FF2B5EF4-FFF2-40B4-BE49-F238E27FC236}">
+                <a16:creationId xmlns:a16="http://schemas.microsoft.com/office/drawing/2014/main" id="{D2412707-84D3-F572-4709-FD9A95F28E5B}"/>
+              </a:ext>
+            </a:extLst>
+          </p:cNvPr>
+          <p:cNvSpPr>
+            <a:spLocks noGrp="1"/>
+          </p:cNvSpPr>
+          <p:nvPr>
+            <p:ph idx="1"/>
+          </p:nvPr>
+        </p:nvSpPr>
+        <p:spPr/>
+        <p:txBody>
+          <a:bodyPr/>
+          <a:lstStyle/>
+          <a:p>
+            <a:pPr marL="0" indent="0">
+              <a:buNone/>
+            </a:pPr>
+            <a:r>
+              <a:rPr lang="de-DE" b="1" dirty="0"/>
+              <a:t>Authentifizierung mit der Container Registry</a:t>
+            </a:r>
+          </a:p>
+          <a:p>
+            <a:pPr lvl="2">
+              <a:buFont typeface="Arial" panose="020B0604020202020204" pitchFamily="34" charset="0"/>
+              <a:buChar char="•"/>
+            </a:pPr>
+            <a:endParaRPr lang="de-DE" dirty="0"/>
+          </a:p>
+          <a:p>
+            <a:pPr lvl="2">
+              <a:buFont typeface="Arial" panose="020B0604020202020204" pitchFamily="34" charset="0"/>
+              <a:buChar char="•"/>
+            </a:pPr>
+            <a:endParaRPr lang="de-DE" dirty="0"/>
+          </a:p>
+          <a:p>
+            <a:pPr lvl="1">
+              <a:buFont typeface="Arial" panose="020B0604020202020204" pitchFamily="34" charset="0"/>
+              <a:buChar char="•"/>
+            </a:pPr>
+            <a:endParaRPr lang="de-DE" dirty="0"/>
+          </a:p>
+        </p:txBody>
+      </p:sp>
+    </p:spTree>
+    <p:extLst>
+      <p:ext uri="{BB962C8B-B14F-4D97-AF65-F5344CB8AC3E}">
+        <p14:creationId xmlns:p14="http://schemas.microsoft.com/office/powerpoint/2010/main" val="1809655481"/>
+      </p:ext>
+    </p:extLst>
+  </p:cSld>
+  <p:clrMapOvr>
+    <a:masterClrMapping/>
+  </p:clrMapOvr>
+</p:sld>
+</file>
+
+<file path=ppt/slides/slide23.xml><?xml version="1.0" encoding="utf-8"?>
+<p:sld xmlns:a="http://schemas.openxmlformats.org/drawingml/2006/main" xmlns:r="http://schemas.openxmlformats.org/officeDocument/2006/relationships" xmlns:p="http://schemas.openxmlformats.org/presentationml/2006/main">
+  <p:cSld>
+    <p:spTree>
+      <p:nvGrpSpPr>
+        <p:cNvPr id="1" name=""/>
+        <p:cNvGrpSpPr/>
+        <p:nvPr/>
+      </p:nvGrpSpPr>
+      <p:grpSpPr>
+        <a:xfrm>
+          <a:off x="0" y="0"/>
+          <a:ext cx="0" cy="0"/>
+          <a:chOff x="0" y="0"/>
+          <a:chExt cx="0" cy="0"/>
+        </a:xfrm>
+      </p:grpSpPr>
+      <p:sp>
+        <p:nvSpPr>
+          <p:cNvPr id="2" name="Titel 1">
+            <a:extLst>
+              <a:ext uri="{FF2B5EF4-FFF2-40B4-BE49-F238E27FC236}">
+                <a16:creationId xmlns:a16="http://schemas.microsoft.com/office/drawing/2014/main" id="{184AFD09-5210-6F86-C2FD-BBC016D382A6}"/>
+              </a:ext>
+            </a:extLst>
+          </p:cNvPr>
+          <p:cNvSpPr>
+            <a:spLocks noGrp="1"/>
+          </p:cNvSpPr>
+          <p:nvPr>
+            <p:ph type="title"/>
+          </p:nvPr>
+        </p:nvSpPr>
+        <p:spPr/>
+        <p:txBody>
+          <a:bodyPr/>
+          <a:lstStyle/>
+          <a:p>
+            <a:r>
+              <a:rPr lang="de-DE" cap="none" dirty="0"/>
+              <a:t>Release- und </a:t>
+            </a:r>
+            <a:r>
+              <a:rPr lang="de-DE" cap="none" dirty="0" err="1"/>
+              <a:t>Tagged</a:t>
+            </a:r>
+            <a:r>
+              <a:rPr lang="de-DE" cap="none" dirty="0"/>
+              <a:t>-Images</a:t>
+            </a:r>
+            <a:endParaRPr lang="de-DE" dirty="0"/>
+          </a:p>
+        </p:txBody>
+      </p:sp>
+      <p:sp>
+        <p:nvSpPr>
+          <p:cNvPr id="6" name="Inhaltsplatzhalter 5">
+            <a:extLst>
+              <a:ext uri="{FF2B5EF4-FFF2-40B4-BE49-F238E27FC236}">
+                <a16:creationId xmlns:a16="http://schemas.microsoft.com/office/drawing/2014/main" id="{D2412707-84D3-F572-4709-FD9A95F28E5B}"/>
+              </a:ext>
+            </a:extLst>
+          </p:cNvPr>
+          <p:cNvSpPr>
+            <a:spLocks noGrp="1"/>
+          </p:cNvSpPr>
+          <p:nvPr>
+            <p:ph idx="1"/>
+          </p:nvPr>
+        </p:nvSpPr>
+        <p:spPr/>
+        <p:txBody>
+          <a:bodyPr/>
+          <a:lstStyle/>
+          <a:p>
+            <a:pPr marL="0" indent="0">
+              <a:buNone/>
+            </a:pPr>
+            <a:r>
+              <a:rPr lang="de-DE" b="1" dirty="0" err="1"/>
+              <a:t>GitLab</a:t>
+            </a:r>
+            <a:r>
+              <a:rPr lang="de-DE" b="1" dirty="0"/>
+              <a:t> CI/CD zum authentifizieren</a:t>
+            </a:r>
+            <a:endParaRPr lang="de-DE" dirty="0"/>
+          </a:p>
+          <a:p>
+            <a:pPr lvl="2">
+              <a:buFont typeface="Arial" panose="020B0604020202020204" pitchFamily="34" charset="0"/>
+              <a:buChar char="•"/>
+            </a:pPr>
+            <a:endParaRPr lang="de-DE" dirty="0"/>
+          </a:p>
+          <a:p>
+            <a:pPr lvl="1">
+              <a:buFont typeface="Arial" panose="020B0604020202020204" pitchFamily="34" charset="0"/>
+              <a:buChar char="•"/>
+            </a:pPr>
+            <a:endParaRPr lang="de-DE" dirty="0"/>
+          </a:p>
+        </p:txBody>
+      </p:sp>
+    </p:spTree>
+    <p:extLst>
+      <p:ext uri="{BB962C8B-B14F-4D97-AF65-F5344CB8AC3E}">
+        <p14:creationId xmlns:p14="http://schemas.microsoft.com/office/powerpoint/2010/main" val="1650913132"/>
+      </p:ext>
+    </p:extLst>
+  </p:cSld>
+  <p:clrMapOvr>
+    <a:masterClrMapping/>
+  </p:clrMapOvr>
+</p:sld>
+</file>
+
+<file path=ppt/slides/slide24.xml><?xml version="1.0" encoding="utf-8"?>
+<p:sld xmlns:a="http://schemas.openxmlformats.org/drawingml/2006/main" xmlns:r="http://schemas.openxmlformats.org/officeDocument/2006/relationships" xmlns:p="http://schemas.openxmlformats.org/presentationml/2006/main">
+  <p:cSld>
+    <p:spTree>
+      <p:nvGrpSpPr>
+        <p:cNvPr id="1" name=""/>
+        <p:cNvGrpSpPr/>
+        <p:nvPr/>
+      </p:nvGrpSpPr>
+      <p:grpSpPr>
+        <a:xfrm>
+          <a:off x="0" y="0"/>
+          <a:ext cx="0" cy="0"/>
+          <a:chOff x="0" y="0"/>
+          <a:chExt cx="0" cy="0"/>
+        </a:xfrm>
+      </p:grpSpPr>
+      <p:sp>
+        <p:nvSpPr>
+          <p:cNvPr id="2" name="Titel 1">
+            <a:extLst>
+              <a:ext uri="{FF2B5EF4-FFF2-40B4-BE49-F238E27FC236}">
+                <a16:creationId xmlns:a16="http://schemas.microsoft.com/office/drawing/2014/main" id="{184AFD09-5210-6F86-C2FD-BBC016D382A6}"/>
+              </a:ext>
+            </a:extLst>
+          </p:cNvPr>
+          <p:cNvSpPr>
+            <a:spLocks noGrp="1"/>
+          </p:cNvSpPr>
+          <p:nvPr>
+            <p:ph type="title"/>
+          </p:nvPr>
+        </p:nvSpPr>
+        <p:spPr/>
+        <p:txBody>
+          <a:bodyPr/>
+          <a:lstStyle/>
+          <a:p>
+            <a:r>
+              <a:rPr lang="de-DE" cap="none" dirty="0"/>
+              <a:t>Release- und </a:t>
+            </a:r>
+            <a:r>
+              <a:rPr lang="de-DE" cap="none" dirty="0" err="1"/>
+              <a:t>Tagged</a:t>
+            </a:r>
+            <a:r>
+              <a:rPr lang="de-DE" cap="none" dirty="0"/>
+              <a:t>-Images</a:t>
+            </a:r>
+            <a:endParaRPr lang="de-DE" dirty="0"/>
+          </a:p>
+        </p:txBody>
+      </p:sp>
+      <p:sp>
+        <p:nvSpPr>
+          <p:cNvPr id="6" name="Inhaltsplatzhalter 5">
+            <a:extLst>
+              <a:ext uri="{FF2B5EF4-FFF2-40B4-BE49-F238E27FC236}">
+                <a16:creationId xmlns:a16="http://schemas.microsoft.com/office/drawing/2014/main" id="{D2412707-84D3-F572-4709-FD9A95F28E5B}"/>
+              </a:ext>
+            </a:extLst>
+          </p:cNvPr>
+          <p:cNvSpPr>
+            <a:spLocks noGrp="1"/>
+          </p:cNvSpPr>
+          <p:nvPr>
+            <p:ph idx="1"/>
+          </p:nvPr>
+        </p:nvSpPr>
+        <p:spPr/>
+        <p:txBody>
+          <a:bodyPr/>
+          <a:lstStyle/>
+          <a:p>
+            <a:pPr marL="0" indent="0">
+              <a:buNone/>
+            </a:pPr>
+            <a:r>
+              <a:rPr lang="de-DE" b="1" dirty="0"/>
+              <a:t>Images bauen und pushen</a:t>
+            </a:r>
+            <a:endParaRPr lang="de-DE" dirty="0"/>
+          </a:p>
+          <a:p>
+            <a:pPr lvl="2">
+              <a:buFont typeface="Arial" panose="020B0604020202020204" pitchFamily="34" charset="0"/>
+              <a:buChar char="•"/>
+            </a:pPr>
+            <a:endParaRPr lang="de-DE" dirty="0"/>
+          </a:p>
+          <a:p>
+            <a:pPr lvl="1">
+              <a:buFont typeface="Arial" panose="020B0604020202020204" pitchFamily="34" charset="0"/>
+              <a:buChar char="•"/>
+            </a:pPr>
+            <a:endParaRPr lang="de-DE" dirty="0"/>
+          </a:p>
+        </p:txBody>
+      </p:sp>
+    </p:spTree>
+    <p:extLst>
+      <p:ext uri="{BB962C8B-B14F-4D97-AF65-F5344CB8AC3E}">
+        <p14:creationId xmlns:p14="http://schemas.microsoft.com/office/powerpoint/2010/main" val="1954217682"/>
+      </p:ext>
+    </p:extLst>
+  </p:cSld>
+  <p:clrMapOvr>
+    <a:masterClrMapping/>
+  </p:clrMapOvr>
+</p:sld>
+</file>
+
+<file path=ppt/slides/slide25.xml><?xml version="1.0" encoding="utf-8"?>
+<p:sld xmlns:a="http://schemas.openxmlformats.org/drawingml/2006/main" xmlns:r="http://schemas.openxmlformats.org/officeDocument/2006/relationships" xmlns:p="http://schemas.openxmlformats.org/presentationml/2006/main">
+  <p:cSld>
+    <p:spTree>
+      <p:nvGrpSpPr>
+        <p:cNvPr id="1" name=""/>
+        <p:cNvGrpSpPr/>
+        <p:nvPr/>
+      </p:nvGrpSpPr>
+      <p:grpSpPr>
+        <a:xfrm>
+          <a:off x="0" y="0"/>
+          <a:ext cx="0" cy="0"/>
+          <a:chOff x="0" y="0"/>
+          <a:chExt cx="0" cy="0"/>
+        </a:xfrm>
+      </p:grpSpPr>
+      <p:sp>
+        <p:nvSpPr>
+          <p:cNvPr id="2" name="Titel 1">
+            <a:extLst>
+              <a:ext uri="{FF2B5EF4-FFF2-40B4-BE49-F238E27FC236}">
+                <a16:creationId xmlns:a16="http://schemas.microsoft.com/office/drawing/2014/main" id="{184AFD09-5210-6F86-C2FD-BBC016D382A6}"/>
+              </a:ext>
+            </a:extLst>
+          </p:cNvPr>
+          <p:cNvSpPr>
+            <a:spLocks noGrp="1"/>
+          </p:cNvSpPr>
+          <p:nvPr>
+            <p:ph type="title"/>
+          </p:nvPr>
+        </p:nvSpPr>
+        <p:spPr/>
+        <p:txBody>
+          <a:bodyPr/>
+          <a:lstStyle/>
+          <a:p>
+            <a:r>
+              <a:rPr lang="de-DE" cap="none" dirty="0"/>
+              <a:t>Release- und </a:t>
+            </a:r>
+            <a:r>
+              <a:rPr lang="de-DE" cap="none" dirty="0" err="1"/>
+              <a:t>Tagged</a:t>
+            </a:r>
+            <a:r>
+              <a:rPr lang="de-DE" cap="none" dirty="0"/>
+              <a:t>-Images</a:t>
+            </a:r>
+            <a:endParaRPr lang="de-DE" dirty="0"/>
+          </a:p>
+        </p:txBody>
+      </p:sp>
+      <p:sp>
+        <p:nvSpPr>
+          <p:cNvPr id="6" name="Inhaltsplatzhalter 5">
+            <a:extLst>
+              <a:ext uri="{FF2B5EF4-FFF2-40B4-BE49-F238E27FC236}">
+                <a16:creationId xmlns:a16="http://schemas.microsoft.com/office/drawing/2014/main" id="{D2412707-84D3-F572-4709-FD9A95F28E5B}"/>
+              </a:ext>
+            </a:extLst>
+          </p:cNvPr>
+          <p:cNvSpPr>
+            <a:spLocks noGrp="1"/>
+          </p:cNvSpPr>
+          <p:nvPr>
+            <p:ph idx="1"/>
+          </p:nvPr>
+        </p:nvSpPr>
+        <p:spPr/>
+        <p:txBody>
+          <a:bodyPr/>
+          <a:lstStyle/>
+          <a:p>
+            <a:pPr marL="0" indent="0">
+              <a:buNone/>
+            </a:pPr>
+            <a:r>
+              <a:rPr lang="de-DE" b="1" dirty="0"/>
+              <a:t>Verwendung mit </a:t>
+            </a:r>
+            <a:r>
+              <a:rPr lang="de-DE" b="1"/>
+              <a:t>GitLab</a:t>
+            </a:r>
+            <a:endParaRPr lang="de-DE" dirty="0"/>
+          </a:p>
+          <a:p>
+            <a:pPr lvl="2">
+              <a:buFont typeface="Arial" panose="020B0604020202020204" pitchFamily="34" charset="0"/>
+              <a:buChar char="•"/>
+            </a:pPr>
+            <a:endParaRPr lang="de-DE" dirty="0"/>
+          </a:p>
+          <a:p>
+            <a:pPr lvl="1">
+              <a:buFont typeface="Arial" panose="020B0604020202020204" pitchFamily="34" charset="0"/>
+              <a:buChar char="•"/>
+            </a:pPr>
+            <a:endParaRPr lang="de-DE" dirty="0"/>
+          </a:p>
+        </p:txBody>
+      </p:sp>
+    </p:spTree>
+    <p:extLst>
+      <p:ext uri="{BB962C8B-B14F-4D97-AF65-F5344CB8AC3E}">
+        <p14:creationId xmlns:p14="http://schemas.microsoft.com/office/powerpoint/2010/main" val="2121417730"/>
+      </p:ext>
+    </p:extLst>
+  </p:cSld>
+  <p:clrMapOvr>
+    <a:masterClrMapping/>
+  </p:clrMapOvr>
+</p:sld>
+</file>
+
 <file path=ppt/slides/slide3.xml><?xml version="1.0" encoding="utf-8"?>
 <p:sld xmlns:a="http://schemas.openxmlformats.org/drawingml/2006/main" xmlns:r="http://schemas.openxmlformats.org/officeDocument/2006/relationships" xmlns:p="http://schemas.openxmlformats.org/presentationml/2006/main">
   <p:cSld>
@@ -8476,6 +9377,56 @@
               <a:t>Einfacher zu benutzen</a:t>
             </a:r>
           </a:p>
+          <a:p>
+            <a:pPr lvl="1">
+              <a:buFont typeface="Arial" panose="020B0604020202020204" pitchFamily="34" charset="0"/>
+              <a:buChar char="•"/>
+            </a:pPr>
+            <a:endParaRPr lang="de-DE" dirty="0"/>
+          </a:p>
+          <a:p>
+            <a:pPr>
+              <a:buFont typeface="Arial" panose="020B0604020202020204" pitchFamily="34" charset="0"/>
+              <a:buChar char="•"/>
+            </a:pPr>
+            <a:r>
+              <a:rPr lang="de-DE" dirty="0"/>
+              <a:t>Image Name = Repository Name</a:t>
+            </a:r>
+          </a:p>
+          <a:p>
+            <a:pPr>
+              <a:buFont typeface="Arial" panose="020B0604020202020204" pitchFamily="34" charset="0"/>
+              <a:buChar char="•"/>
+            </a:pPr>
+            <a:r>
+              <a:rPr lang="de-DE" dirty="0"/>
+              <a:t>Tag = optionaler Identifier</a:t>
+            </a:r>
+          </a:p>
+          <a:p>
+            <a:pPr>
+              <a:buFont typeface="Arial" panose="020B0604020202020204" pitchFamily="34" charset="0"/>
+              <a:buChar char="•"/>
+            </a:pPr>
+            <a:r>
+              <a:rPr lang="de-DE" dirty="0"/>
+              <a:t>Beispiel: </a:t>
+            </a:r>
+            <a:r>
+              <a:rPr lang="de-DE" dirty="0">
+                <a:latin typeface="Consolas" panose="020B0609020204030204" pitchFamily="49" charset="0"/>
+              </a:rPr>
+              <a:t>Ubuntu:24.04</a:t>
+            </a:r>
+          </a:p>
+          <a:p>
+            <a:pPr lvl="1">
+              <a:buFont typeface="Arial" panose="020B0604020202020204" pitchFamily="34" charset="0"/>
+              <a:buChar char="•"/>
+            </a:pPr>
+            <a:endParaRPr lang="de-DE" dirty="0"/>
+          </a:p>
         </p:txBody>
       </p:sp>
     </p:spTree>
@@ -8629,6 +9580,41 @@
             </a:pPr>
             <a:r>
               <a:rPr lang="de-DE" dirty="0"/>
+              <a:t>Rückverfolgbarkeit und Verantwortlichkeit</a:t>
+            </a:r>
+          </a:p>
+          <a:p>
+            <a:pPr lvl="1">
+              <a:buFont typeface="Arial" panose="020B0604020202020204" pitchFamily="34" charset="0"/>
+              <a:buChar char="•"/>
+            </a:pPr>
+            <a:r>
+              <a:rPr lang="de-DE" dirty="0"/>
+              <a:t>Herkunft und Verlauf eines </a:t>
+            </a:r>
+            <a:r>
+              <a:rPr lang="de-DE" dirty="0" err="1"/>
+              <a:t>Builds</a:t>
+            </a:r>
+            <a:endParaRPr lang="de-DE" dirty="0"/>
+          </a:p>
+          <a:p>
+            <a:pPr lvl="1">
+              <a:buFont typeface="Arial" panose="020B0604020202020204" pitchFamily="34" charset="0"/>
+              <a:buChar char="•"/>
+            </a:pPr>
+            <a:r>
+              <a:rPr lang="de-DE" dirty="0"/>
+              <a:t>Wann wurde was durch wen aktualisiert/geändert</a:t>
+            </a:r>
+          </a:p>
+          <a:p>
+            <a:pPr>
+              <a:buFont typeface="Arial" panose="020B0604020202020204" pitchFamily="34" charset="0"/>
+              <a:buChar char="•"/>
+            </a:pPr>
+            <a:r>
+              <a:rPr lang="de-DE" dirty="0"/>
               <a:t>Convenience</a:t>
             </a:r>
           </a:p>
@@ -8641,6 +9627,75 @@
               <a:rPr lang="de-DE" dirty="0"/>
               <a:t>In Befehlen und Skripten leichter zu verwenden</a:t>
             </a:r>
+          </a:p>
+          <a:p>
+            <a:pPr>
+              <a:buFont typeface="Arial" panose="020B0604020202020204" pitchFamily="34" charset="0"/>
+              <a:buChar char="•"/>
+            </a:pPr>
+            <a:r>
+              <a:rPr lang="de-DE" dirty="0"/>
+              <a:t>Vereinfachtes </a:t>
+            </a:r>
+            <a:r>
+              <a:rPr lang="de-DE" dirty="0" err="1"/>
+              <a:t>Deployment</a:t>
+            </a:r>
+            <a:r>
+              <a:rPr lang="de-DE" dirty="0"/>
+              <a:t> &amp; Automatisierung</a:t>
+            </a:r>
+          </a:p>
+          <a:p>
+            <a:pPr lvl="1">
+              <a:buFont typeface="Arial" panose="020B0604020202020204" pitchFamily="34" charset="0"/>
+              <a:buChar char="•"/>
+            </a:pPr>
+            <a:r>
+              <a:rPr lang="de-DE" dirty="0"/>
+              <a:t>Konsistente Tagging-Strategie macht automatisierte </a:t>
+            </a:r>
+            <a:r>
+              <a:rPr lang="de-DE" dirty="0" err="1"/>
+              <a:t>Deployments</a:t>
+            </a:r>
+            <a:r>
+              <a:rPr lang="de-DE" dirty="0"/>
+              <a:t> einfacher</a:t>
+            </a:r>
+          </a:p>
+          <a:p>
+            <a:pPr lvl="2">
+              <a:buFont typeface="Arial" panose="020B0604020202020204" pitchFamily="34" charset="0"/>
+              <a:buChar char="•"/>
+            </a:pPr>
+            <a:r>
+              <a:rPr lang="de-DE" sz="1800" dirty="0"/>
+              <a:t>CI/CD Pipeline automatisch: </a:t>
+            </a:r>
+            <a:r>
+              <a:rPr lang="de-DE" sz="1800" dirty="0" err="1"/>
+              <a:t>build</a:t>
+            </a:r>
+            <a:r>
+              <a:rPr lang="de-DE" sz="1800" dirty="0"/>
+              <a:t>, </a:t>
+            </a:r>
+            <a:r>
+              <a:rPr lang="de-DE" sz="1800" dirty="0" err="1"/>
+              <a:t>test</a:t>
+            </a:r>
+            <a:r>
+              <a:rPr lang="de-DE" sz="1800" dirty="0"/>
+              <a:t> and deploy </a:t>
+            </a:r>
+            <a:r>
+              <a:rPr lang="de-DE" sz="1800" dirty="0">
+                <a:sym typeface="Wingdings" panose="05000000000000000000" pitchFamily="2" charset="2"/>
+              </a:rPr>
+              <a:t></a:t>
+            </a:r>
+            <a:endParaRPr lang="de-DE" dirty="0"/>
           </a:p>
         </p:txBody>
       </p:sp>

--- a/slides/Tag-3_3-Release-und-Tagged-Images.pptx
+++ b/slides/Tag-3_3-Release-und-Tagged-Images.pptx
@@ -1076,7 +1076,10 @@
           <a:bodyPr/>
           <a:lstStyle/>
           <a:p>
-            <a:endParaRPr lang="de-DE" dirty="0"/>
+            <a:r>
+              <a:rPr lang="de-DE" dirty="0"/>
+              <a:t>https://docs.gitlab.com/ee/user/packages/container_registry/authenticate_with_container_registry.html</a:t>
+            </a:r>
           </a:p>
         </p:txBody>
       </p:sp>
@@ -2116,6 +2119,10 @@
           <a:bodyPr/>
           <a:lstStyle/>
           <a:p>
+            <a:r>
+              <a:rPr lang="de-DE"/>
+              <a:t>https://docs.gitlab.com/ee/user/packages/container_registry/authenticate_with_container_registry.html</a:t>
+            </a:r>
             <a:endParaRPr lang="de-DE" dirty="0"/>
           </a:p>
         </p:txBody>
@@ -8400,7 +8407,7 @@
               <a:t>Verwendung mit </a:t>
             </a:r>
             <a:r>
-              <a:rPr lang="de-DE" b="1"/>
+              <a:rPr lang="de-DE" b="1" dirty="0" err="1"/>
               <a:t>GitLab</a:t>
             </a:r>
             <a:endParaRPr lang="de-DE" dirty="0"/>

--- a/slides/Tag-3_3-Release-und-Tagged-Images.pptx
+++ b/slides/Tag-3_3-Release-und-Tagged-Images.pptx
@@ -6,10 +6,10 @@
     <p:sldMasterId id="2147483649" r:id="rId2"/>
   </p:sldMasterIdLst>
   <p:notesMasterIdLst>
-    <p:notesMasterId r:id="rId28"/>
+    <p:notesMasterId r:id="rId35"/>
   </p:notesMasterIdLst>
   <p:handoutMasterIdLst>
-    <p:handoutMasterId r:id="rId29"/>
+    <p:handoutMasterId r:id="rId36"/>
   </p:handoutMasterIdLst>
   <p:sldIdLst>
     <p:sldId id="288" r:id="rId3"/>
@@ -36,7 +36,14 @@
     <p:sldId id="607" r:id="rId24"/>
     <p:sldId id="608" r:id="rId25"/>
     <p:sldId id="609" r:id="rId26"/>
-    <p:sldId id="610" r:id="rId27"/>
+    <p:sldId id="611" r:id="rId27"/>
+    <p:sldId id="610" r:id="rId28"/>
+    <p:sldId id="612" r:id="rId29"/>
+    <p:sldId id="613" r:id="rId30"/>
+    <p:sldId id="617" r:id="rId31"/>
+    <p:sldId id="616" r:id="rId32"/>
+    <p:sldId id="614" r:id="rId33"/>
+    <p:sldId id="615" r:id="rId34"/>
   </p:sldIdLst>
   <p:sldSz cx="9144000" cy="6858000" type="screen4x3"/>
   <p:notesSz cx="6784975" cy="9921875"/>
@@ -1334,7 +1341,10 @@
           <a:bodyPr/>
           <a:lstStyle/>
           <a:p>
-            <a:endParaRPr lang="de-DE" dirty="0"/>
+            <a:r>
+              <a:rPr lang="de-DE" dirty="0"/>
+              <a:t>https://docs.gitlab.com/ee/user/packages/container_registry/build_and_push_images.html#configure-your-gitlab-ciyml-file</a:t>
+            </a:r>
           </a:p>
         </p:txBody>
       </p:sp>
@@ -1365,7 +1375,535 @@
     </p:spTree>
     <p:extLst>
       <p:ext uri="{BB962C8B-B14F-4D97-AF65-F5344CB8AC3E}">
+        <p14:creationId xmlns:p14="http://schemas.microsoft.com/office/powerpoint/2010/main" val="474099646"/>
+      </p:ext>
+    </p:extLst>
+  </p:cSld>
+  <p:clrMapOvr>
+    <a:masterClrMapping/>
+  </p:clrMapOvr>
+</p:notes>
+</file>
+
+<file path=ppt/notesSlides/notesSlide14.xml><?xml version="1.0" encoding="utf-8"?>
+<p:notes xmlns:a="http://schemas.openxmlformats.org/drawingml/2006/main" xmlns:r="http://schemas.openxmlformats.org/officeDocument/2006/relationships" xmlns:p="http://schemas.openxmlformats.org/presentationml/2006/main">
+  <p:cSld>
+    <p:spTree>
+      <p:nvGrpSpPr>
+        <p:cNvPr id="1" name=""/>
+        <p:cNvGrpSpPr/>
+        <p:nvPr/>
+      </p:nvGrpSpPr>
+      <p:grpSpPr>
+        <a:xfrm>
+          <a:off x="0" y="0"/>
+          <a:ext cx="0" cy="0"/>
+          <a:chOff x="0" y="0"/>
+          <a:chExt cx="0" cy="0"/>
+        </a:xfrm>
+      </p:grpSpPr>
+      <p:sp>
+        <p:nvSpPr>
+          <p:cNvPr id="2" name="Folienbildplatzhalter 1"/>
+          <p:cNvSpPr>
+            <a:spLocks noGrp="1" noRot="1" noChangeAspect="1"/>
+          </p:cNvSpPr>
+          <p:nvPr>
+            <p:ph type="sldImg"/>
+          </p:nvPr>
+        </p:nvSpPr>
+        <p:spPr/>
+      </p:sp>
+      <p:sp>
+        <p:nvSpPr>
+          <p:cNvPr id="3" name="Notizenplatzhalter 2"/>
+          <p:cNvSpPr>
+            <a:spLocks noGrp="1"/>
+          </p:cNvSpPr>
+          <p:nvPr>
+            <p:ph type="body" idx="1"/>
+          </p:nvPr>
+        </p:nvSpPr>
+        <p:spPr/>
+        <p:txBody>
+          <a:bodyPr/>
+          <a:lstStyle/>
+          <a:p>
+            <a:r>
+              <a:rPr lang="de-DE" dirty="0"/>
+              <a:t>https://docs.gitlab.com/ee/user/packages/container_registry/build_and_push_images.html#use-gitlab-cicd</a:t>
+            </a:r>
+          </a:p>
+        </p:txBody>
+      </p:sp>
+      <p:sp>
+        <p:nvSpPr>
+          <p:cNvPr id="4" name="Foliennummernplatzhalter 3"/>
+          <p:cNvSpPr>
+            <a:spLocks noGrp="1"/>
+          </p:cNvSpPr>
+          <p:nvPr>
+            <p:ph type="sldNum" sz="quarter" idx="5"/>
+          </p:nvPr>
+        </p:nvSpPr>
+        <p:spPr/>
+        <p:txBody>
+          <a:bodyPr/>
+          <a:lstStyle/>
+          <a:p>
+            <a:fld id="{18182567-388C-4D33-8B7B-A651F195F118}" type="slidenum">
+              <a:rPr lang="de-DE" altLang="de-DE" smtClean="0"/>
+              <a:pPr/>
+              <a:t>26</a:t>
+            </a:fld>
+            <a:endParaRPr lang="de-DE" altLang="de-DE"/>
+          </a:p>
+        </p:txBody>
+      </p:sp>
+    </p:spTree>
+    <p:extLst>
+      <p:ext uri="{BB962C8B-B14F-4D97-AF65-F5344CB8AC3E}">
         <p14:creationId xmlns:p14="http://schemas.microsoft.com/office/powerpoint/2010/main" val="511039819"/>
+      </p:ext>
+    </p:extLst>
+  </p:cSld>
+  <p:clrMapOvr>
+    <a:masterClrMapping/>
+  </p:clrMapOvr>
+</p:notes>
+</file>
+
+<file path=ppt/notesSlides/notesSlide15.xml><?xml version="1.0" encoding="utf-8"?>
+<p:notes xmlns:a="http://schemas.openxmlformats.org/drawingml/2006/main" xmlns:r="http://schemas.openxmlformats.org/officeDocument/2006/relationships" xmlns:p="http://schemas.openxmlformats.org/presentationml/2006/main">
+  <p:cSld>
+    <p:spTree>
+      <p:nvGrpSpPr>
+        <p:cNvPr id="1" name=""/>
+        <p:cNvGrpSpPr/>
+        <p:nvPr/>
+      </p:nvGrpSpPr>
+      <p:grpSpPr>
+        <a:xfrm>
+          <a:off x="0" y="0"/>
+          <a:ext cx="0" cy="0"/>
+          <a:chOff x="0" y="0"/>
+          <a:chExt cx="0" cy="0"/>
+        </a:xfrm>
+      </p:grpSpPr>
+      <p:sp>
+        <p:nvSpPr>
+          <p:cNvPr id="2" name="Folienbildplatzhalter 1"/>
+          <p:cNvSpPr>
+            <a:spLocks noGrp="1" noRot="1" noChangeAspect="1"/>
+          </p:cNvSpPr>
+          <p:nvPr>
+            <p:ph type="sldImg"/>
+          </p:nvPr>
+        </p:nvSpPr>
+        <p:spPr/>
+      </p:sp>
+      <p:sp>
+        <p:nvSpPr>
+          <p:cNvPr id="3" name="Notizenplatzhalter 2"/>
+          <p:cNvSpPr>
+            <a:spLocks noGrp="1"/>
+          </p:cNvSpPr>
+          <p:nvPr>
+            <p:ph type="body" idx="1"/>
+          </p:nvPr>
+        </p:nvSpPr>
+        <p:spPr/>
+        <p:txBody>
+          <a:bodyPr/>
+          <a:lstStyle/>
+          <a:p>
+            <a:r>
+              <a:rPr lang="de-DE" dirty="0"/>
+              <a:t>https://docs.gitlab.com/ee/user/packages/container_registry/build_and_push_images.html#use-a-docker-in-docker-container-image-from-your-container-registry</a:t>
+            </a:r>
+          </a:p>
+        </p:txBody>
+      </p:sp>
+      <p:sp>
+        <p:nvSpPr>
+          <p:cNvPr id="4" name="Foliennummernplatzhalter 3"/>
+          <p:cNvSpPr>
+            <a:spLocks noGrp="1"/>
+          </p:cNvSpPr>
+          <p:nvPr>
+            <p:ph type="sldNum" sz="quarter" idx="5"/>
+          </p:nvPr>
+        </p:nvSpPr>
+        <p:spPr/>
+        <p:txBody>
+          <a:bodyPr/>
+          <a:lstStyle/>
+          <a:p>
+            <a:fld id="{18182567-388C-4D33-8B7B-A651F195F118}" type="slidenum">
+              <a:rPr lang="de-DE" altLang="de-DE" smtClean="0"/>
+              <a:pPr/>
+              <a:t>27</a:t>
+            </a:fld>
+            <a:endParaRPr lang="de-DE" altLang="de-DE"/>
+          </a:p>
+        </p:txBody>
+      </p:sp>
+    </p:spTree>
+    <p:extLst>
+      <p:ext uri="{BB962C8B-B14F-4D97-AF65-F5344CB8AC3E}">
+        <p14:creationId xmlns:p14="http://schemas.microsoft.com/office/powerpoint/2010/main" val="3555957353"/>
+      </p:ext>
+    </p:extLst>
+  </p:cSld>
+  <p:clrMapOvr>
+    <a:masterClrMapping/>
+  </p:clrMapOvr>
+</p:notes>
+</file>
+
+<file path=ppt/notesSlides/notesSlide16.xml><?xml version="1.0" encoding="utf-8"?>
+<p:notes xmlns:a="http://schemas.openxmlformats.org/drawingml/2006/main" xmlns:r="http://schemas.openxmlformats.org/officeDocument/2006/relationships" xmlns:p="http://schemas.openxmlformats.org/presentationml/2006/main">
+  <p:cSld>
+    <p:spTree>
+      <p:nvGrpSpPr>
+        <p:cNvPr id="1" name=""/>
+        <p:cNvGrpSpPr/>
+        <p:nvPr/>
+      </p:nvGrpSpPr>
+      <p:grpSpPr>
+        <a:xfrm>
+          <a:off x="0" y="0"/>
+          <a:ext cx="0" cy="0"/>
+          <a:chOff x="0" y="0"/>
+          <a:chExt cx="0" cy="0"/>
+        </a:xfrm>
+      </p:grpSpPr>
+      <p:sp>
+        <p:nvSpPr>
+          <p:cNvPr id="2" name="Folienbildplatzhalter 1"/>
+          <p:cNvSpPr>
+            <a:spLocks noGrp="1" noRot="1" noChangeAspect="1"/>
+          </p:cNvSpPr>
+          <p:nvPr>
+            <p:ph type="sldImg"/>
+          </p:nvPr>
+        </p:nvSpPr>
+        <p:spPr/>
+      </p:sp>
+      <p:sp>
+        <p:nvSpPr>
+          <p:cNvPr id="3" name="Notizenplatzhalter 2"/>
+          <p:cNvSpPr>
+            <a:spLocks noGrp="1"/>
+          </p:cNvSpPr>
+          <p:nvPr>
+            <p:ph type="body" idx="1"/>
+          </p:nvPr>
+        </p:nvSpPr>
+        <p:spPr/>
+        <p:txBody>
+          <a:bodyPr/>
+          <a:lstStyle/>
+          <a:p>
+            <a:r>
+              <a:rPr lang="de-DE" dirty="0"/>
+              <a:t>https://docs.gitlab.com/ee/user/packages/container_registry/build_and_push_images.html#use-a-docker-in-docker-container-image-with-dependency-proxy</a:t>
+            </a:r>
+          </a:p>
+        </p:txBody>
+      </p:sp>
+      <p:sp>
+        <p:nvSpPr>
+          <p:cNvPr id="4" name="Foliennummernplatzhalter 3"/>
+          <p:cNvSpPr>
+            <a:spLocks noGrp="1"/>
+          </p:cNvSpPr>
+          <p:nvPr>
+            <p:ph type="sldNum" sz="quarter" idx="5"/>
+          </p:nvPr>
+        </p:nvSpPr>
+        <p:spPr/>
+        <p:txBody>
+          <a:bodyPr/>
+          <a:lstStyle/>
+          <a:p>
+            <a:fld id="{18182567-388C-4D33-8B7B-A651F195F118}" type="slidenum">
+              <a:rPr lang="de-DE" altLang="de-DE" smtClean="0"/>
+              <a:pPr/>
+              <a:t>28</a:t>
+            </a:fld>
+            <a:endParaRPr lang="de-DE" altLang="de-DE"/>
+          </a:p>
+        </p:txBody>
+      </p:sp>
+    </p:spTree>
+    <p:extLst>
+      <p:ext uri="{BB962C8B-B14F-4D97-AF65-F5344CB8AC3E}">
+        <p14:creationId xmlns:p14="http://schemas.microsoft.com/office/powerpoint/2010/main" val="1695736135"/>
+      </p:ext>
+    </p:extLst>
+  </p:cSld>
+  <p:clrMapOvr>
+    <a:masterClrMapping/>
+  </p:clrMapOvr>
+</p:notes>
+</file>
+
+<file path=ppt/notesSlides/notesSlide17.xml><?xml version="1.0" encoding="utf-8"?>
+<p:notes xmlns:a="http://schemas.openxmlformats.org/drawingml/2006/main" xmlns:r="http://schemas.openxmlformats.org/officeDocument/2006/relationships" xmlns:p="http://schemas.openxmlformats.org/presentationml/2006/main">
+  <p:cSld>
+    <p:spTree>
+      <p:nvGrpSpPr>
+        <p:cNvPr id="1" name=""/>
+        <p:cNvGrpSpPr/>
+        <p:nvPr/>
+      </p:nvGrpSpPr>
+      <p:grpSpPr>
+        <a:xfrm>
+          <a:off x="0" y="0"/>
+          <a:ext cx="0" cy="0"/>
+          <a:chOff x="0" y="0"/>
+          <a:chExt cx="0" cy="0"/>
+        </a:xfrm>
+      </p:grpSpPr>
+      <p:sp>
+        <p:nvSpPr>
+          <p:cNvPr id="2" name="Folienbildplatzhalter 1"/>
+          <p:cNvSpPr>
+            <a:spLocks noGrp="1" noRot="1" noChangeAspect="1"/>
+          </p:cNvSpPr>
+          <p:nvPr>
+            <p:ph type="sldImg"/>
+          </p:nvPr>
+        </p:nvSpPr>
+        <p:spPr/>
+      </p:sp>
+      <p:sp>
+        <p:nvSpPr>
+          <p:cNvPr id="3" name="Notizenplatzhalter 2"/>
+          <p:cNvSpPr>
+            <a:spLocks noGrp="1"/>
+          </p:cNvSpPr>
+          <p:nvPr>
+            <p:ph type="body" idx="1"/>
+          </p:nvPr>
+        </p:nvSpPr>
+        <p:spPr/>
+        <p:txBody>
+          <a:bodyPr/>
+          <a:lstStyle/>
+          <a:p>
+            <a:r>
+              <a:rPr lang="de-DE" dirty="0"/>
+              <a:t>https://docs.gitlab.com/ee/user/packages/container_registry/build_and_push_images.html#container-registry-examples-with-gitlab-cicd</a:t>
+            </a:r>
+          </a:p>
+        </p:txBody>
+      </p:sp>
+      <p:sp>
+        <p:nvSpPr>
+          <p:cNvPr id="4" name="Foliennummernplatzhalter 3"/>
+          <p:cNvSpPr>
+            <a:spLocks noGrp="1"/>
+          </p:cNvSpPr>
+          <p:nvPr>
+            <p:ph type="sldNum" sz="quarter" idx="5"/>
+          </p:nvPr>
+        </p:nvSpPr>
+        <p:spPr/>
+        <p:txBody>
+          <a:bodyPr/>
+          <a:lstStyle/>
+          <a:p>
+            <a:fld id="{18182567-388C-4D33-8B7B-A651F195F118}" type="slidenum">
+              <a:rPr lang="de-DE" altLang="de-DE" smtClean="0"/>
+              <a:pPr/>
+              <a:t>30</a:t>
+            </a:fld>
+            <a:endParaRPr lang="de-DE" altLang="de-DE"/>
+          </a:p>
+        </p:txBody>
+      </p:sp>
+    </p:spTree>
+    <p:extLst>
+      <p:ext uri="{BB962C8B-B14F-4D97-AF65-F5344CB8AC3E}">
+        <p14:creationId xmlns:p14="http://schemas.microsoft.com/office/powerpoint/2010/main" val="1319990225"/>
+      </p:ext>
+    </p:extLst>
+  </p:cSld>
+  <p:clrMapOvr>
+    <a:masterClrMapping/>
+  </p:clrMapOvr>
+</p:notes>
+</file>
+
+<file path=ppt/notesSlides/notesSlide18.xml><?xml version="1.0" encoding="utf-8"?>
+<p:notes xmlns:a="http://schemas.openxmlformats.org/drawingml/2006/main" xmlns:r="http://schemas.openxmlformats.org/officeDocument/2006/relationships" xmlns:p="http://schemas.openxmlformats.org/presentationml/2006/main">
+  <p:cSld>
+    <p:spTree>
+      <p:nvGrpSpPr>
+        <p:cNvPr id="1" name=""/>
+        <p:cNvGrpSpPr/>
+        <p:nvPr/>
+      </p:nvGrpSpPr>
+      <p:grpSpPr>
+        <a:xfrm>
+          <a:off x="0" y="0"/>
+          <a:ext cx="0" cy="0"/>
+          <a:chOff x="0" y="0"/>
+          <a:chExt cx="0" cy="0"/>
+        </a:xfrm>
+      </p:grpSpPr>
+      <p:sp>
+        <p:nvSpPr>
+          <p:cNvPr id="2" name="Folienbildplatzhalter 1"/>
+          <p:cNvSpPr>
+            <a:spLocks noGrp="1" noRot="1" noChangeAspect="1"/>
+          </p:cNvSpPr>
+          <p:nvPr>
+            <p:ph type="sldImg"/>
+          </p:nvPr>
+        </p:nvSpPr>
+        <p:spPr/>
+      </p:sp>
+      <p:sp>
+        <p:nvSpPr>
+          <p:cNvPr id="3" name="Notizenplatzhalter 2"/>
+          <p:cNvSpPr>
+            <a:spLocks noGrp="1"/>
+          </p:cNvSpPr>
+          <p:nvPr>
+            <p:ph type="body" idx="1"/>
+          </p:nvPr>
+        </p:nvSpPr>
+        <p:spPr/>
+        <p:txBody>
+          <a:bodyPr/>
+          <a:lstStyle/>
+          <a:p>
+            <a:r>
+              <a:rPr lang="de-DE" dirty="0"/>
+              <a:t>https://docs.gitlab.com/ee/user/packages/container_registry/build_and_push_images.html#container-registry-examples-with-gitlab-cicd</a:t>
+            </a:r>
+          </a:p>
+        </p:txBody>
+      </p:sp>
+      <p:sp>
+        <p:nvSpPr>
+          <p:cNvPr id="4" name="Foliennummernplatzhalter 3"/>
+          <p:cNvSpPr>
+            <a:spLocks noGrp="1"/>
+          </p:cNvSpPr>
+          <p:nvPr>
+            <p:ph type="sldNum" sz="quarter" idx="5"/>
+          </p:nvPr>
+        </p:nvSpPr>
+        <p:spPr/>
+        <p:txBody>
+          <a:bodyPr/>
+          <a:lstStyle/>
+          <a:p>
+            <a:fld id="{18182567-388C-4D33-8B7B-A651F195F118}" type="slidenum">
+              <a:rPr lang="de-DE" altLang="de-DE" smtClean="0"/>
+              <a:pPr/>
+              <a:t>31</a:t>
+            </a:fld>
+            <a:endParaRPr lang="de-DE" altLang="de-DE"/>
+          </a:p>
+        </p:txBody>
+      </p:sp>
+    </p:spTree>
+    <p:extLst>
+      <p:ext uri="{BB962C8B-B14F-4D97-AF65-F5344CB8AC3E}">
+        <p14:creationId xmlns:p14="http://schemas.microsoft.com/office/powerpoint/2010/main" val="18823346"/>
+      </p:ext>
+    </p:extLst>
+  </p:cSld>
+  <p:clrMapOvr>
+    <a:masterClrMapping/>
+  </p:clrMapOvr>
+</p:notes>
+</file>
+
+<file path=ppt/notesSlides/notesSlide19.xml><?xml version="1.0" encoding="utf-8"?>
+<p:notes xmlns:a="http://schemas.openxmlformats.org/drawingml/2006/main" xmlns:r="http://schemas.openxmlformats.org/officeDocument/2006/relationships" xmlns:p="http://schemas.openxmlformats.org/presentationml/2006/main">
+  <p:cSld>
+    <p:spTree>
+      <p:nvGrpSpPr>
+        <p:cNvPr id="1" name=""/>
+        <p:cNvGrpSpPr/>
+        <p:nvPr/>
+      </p:nvGrpSpPr>
+      <p:grpSpPr>
+        <a:xfrm>
+          <a:off x="0" y="0"/>
+          <a:ext cx="0" cy="0"/>
+          <a:chOff x="0" y="0"/>
+          <a:chExt cx="0" cy="0"/>
+        </a:xfrm>
+      </p:grpSpPr>
+      <p:sp>
+        <p:nvSpPr>
+          <p:cNvPr id="2" name="Folienbildplatzhalter 1"/>
+          <p:cNvSpPr>
+            <a:spLocks noGrp="1" noRot="1" noChangeAspect="1"/>
+          </p:cNvSpPr>
+          <p:nvPr>
+            <p:ph type="sldImg"/>
+          </p:nvPr>
+        </p:nvSpPr>
+        <p:spPr/>
+      </p:sp>
+      <p:sp>
+        <p:nvSpPr>
+          <p:cNvPr id="3" name="Notizenplatzhalter 2"/>
+          <p:cNvSpPr>
+            <a:spLocks noGrp="1"/>
+          </p:cNvSpPr>
+          <p:nvPr>
+            <p:ph type="body" idx="1"/>
+          </p:nvPr>
+        </p:nvSpPr>
+        <p:spPr/>
+        <p:txBody>
+          <a:bodyPr/>
+          <a:lstStyle/>
+          <a:p>
+            <a:r>
+              <a:rPr lang="de-DE" dirty="0"/>
+              <a:t>https://docs.gitlab.com/ee/user/packages/container_registry/build_and_push_images.html#container-registry-examples-with-gitlab-cicd</a:t>
+            </a:r>
+          </a:p>
+        </p:txBody>
+      </p:sp>
+      <p:sp>
+        <p:nvSpPr>
+          <p:cNvPr id="4" name="Foliennummernplatzhalter 3"/>
+          <p:cNvSpPr>
+            <a:spLocks noGrp="1"/>
+          </p:cNvSpPr>
+          <p:nvPr>
+            <p:ph type="sldNum" sz="quarter" idx="5"/>
+          </p:nvPr>
+        </p:nvSpPr>
+        <p:spPr/>
+        <p:txBody>
+          <a:bodyPr/>
+          <a:lstStyle/>
+          <a:p>
+            <a:fld id="{18182567-388C-4D33-8B7B-A651F195F118}" type="slidenum">
+              <a:rPr lang="de-DE" altLang="de-DE" smtClean="0"/>
+              <a:pPr/>
+              <a:t>32</a:t>
+            </a:fld>
+            <a:endParaRPr lang="de-DE" altLang="de-DE"/>
+          </a:p>
+        </p:txBody>
+      </p:sp>
+    </p:spTree>
+    <p:extLst>
+      <p:ext uri="{BB962C8B-B14F-4D97-AF65-F5344CB8AC3E}">
+        <p14:creationId xmlns:p14="http://schemas.microsoft.com/office/powerpoint/2010/main" val="3169846742"/>
       </p:ext>
     </p:extLst>
   </p:cSld>
@@ -2120,10 +2658,9 @@
           <a:lstStyle/>
           <a:p>
             <a:r>
-              <a:rPr lang="de-DE"/>
+              <a:rPr lang="de-DE" dirty="0"/>
               <a:t>https://docs.gitlab.com/ee/user/packages/container_registry/authenticate_with_container_registry.html</a:t>
             </a:r>
-            <a:endParaRPr lang="de-DE" dirty="0"/>
           </a:p>
         </p:txBody>
       </p:sp>
@@ -2639,7 +3176,7 @@
               <a:pPr algn="ctr">
                 <a:defRPr/>
               </a:pPr>
-              <a:t>31.05.2024</a:t>
+              <a:t>03.06.2024</a:t>
             </a:fld>
             <a:endParaRPr lang="de-DE" sz="1000">
               <a:solidFill>
@@ -8059,6 +8596,306 @@
             </a:r>
           </a:p>
           <a:p>
+            <a:pPr>
+              <a:buFont typeface="Arial" panose="020B0604020202020204" pitchFamily="34" charset="0"/>
+              <a:buChar char="•"/>
+            </a:pPr>
+            <a:r>
+              <a:rPr lang="de-DE" dirty="0"/>
+              <a:t>Verschiedene Möglichkeiten</a:t>
+            </a:r>
+          </a:p>
+          <a:p>
+            <a:pPr lvl="1">
+              <a:buFont typeface="Arial" panose="020B0604020202020204" pitchFamily="34" charset="0"/>
+              <a:buChar char="•"/>
+            </a:pPr>
+            <a:r>
+              <a:rPr lang="de-DE" dirty="0"/>
+              <a:t>Personal </a:t>
+            </a:r>
+            <a:r>
+              <a:rPr lang="de-DE" dirty="0" err="1"/>
+              <a:t>access</a:t>
+            </a:r>
+            <a:r>
+              <a:rPr lang="de-DE" dirty="0"/>
+              <a:t> </a:t>
+            </a:r>
+            <a:r>
+              <a:rPr lang="de-DE" dirty="0" err="1"/>
+              <a:t>token</a:t>
+            </a:r>
+            <a:endParaRPr lang="de-DE" dirty="0"/>
+          </a:p>
+          <a:p>
+            <a:pPr lvl="1">
+              <a:buFont typeface="Arial" panose="020B0604020202020204" pitchFamily="34" charset="0"/>
+              <a:buChar char="•"/>
+            </a:pPr>
+            <a:r>
+              <a:rPr lang="de-DE" dirty="0"/>
+              <a:t>Deploy </a:t>
+            </a:r>
+            <a:r>
+              <a:rPr lang="de-DE" dirty="0" err="1"/>
+              <a:t>token</a:t>
+            </a:r>
+            <a:endParaRPr lang="de-DE" dirty="0"/>
+          </a:p>
+          <a:p>
+            <a:pPr lvl="1">
+              <a:buFont typeface="Arial" panose="020B0604020202020204" pitchFamily="34" charset="0"/>
+              <a:buChar char="•"/>
+            </a:pPr>
+            <a:r>
+              <a:rPr lang="de-DE" dirty="0"/>
+              <a:t>Project </a:t>
+            </a:r>
+            <a:r>
+              <a:rPr lang="de-DE" dirty="0" err="1"/>
+              <a:t>access</a:t>
+            </a:r>
+            <a:r>
+              <a:rPr lang="de-DE" dirty="0"/>
+              <a:t> </a:t>
+            </a:r>
+            <a:r>
+              <a:rPr lang="de-DE" dirty="0" err="1"/>
+              <a:t>token</a:t>
+            </a:r>
+            <a:endParaRPr lang="de-DE" dirty="0"/>
+          </a:p>
+          <a:p>
+            <a:pPr lvl="1">
+              <a:buFont typeface="Arial" panose="020B0604020202020204" pitchFamily="34" charset="0"/>
+              <a:buChar char="•"/>
+            </a:pPr>
+            <a:r>
+              <a:rPr lang="de-DE" dirty="0"/>
+              <a:t>Group </a:t>
+            </a:r>
+            <a:r>
+              <a:rPr lang="de-DE" dirty="0" err="1"/>
+              <a:t>access</a:t>
+            </a:r>
+            <a:r>
+              <a:rPr lang="de-DE" dirty="0"/>
+              <a:t> </a:t>
+            </a:r>
+            <a:r>
+              <a:rPr lang="de-DE" dirty="0" err="1"/>
+              <a:t>token</a:t>
+            </a:r>
+            <a:endParaRPr lang="de-DE" dirty="0"/>
+          </a:p>
+          <a:p>
+            <a:pPr>
+              <a:buFont typeface="Arial" panose="020B0604020202020204" pitchFamily="34" charset="0"/>
+              <a:buChar char="•"/>
+            </a:pPr>
+            <a:r>
+              <a:rPr lang="de-DE" dirty="0"/>
+              <a:t>Alle Methoden erfordern einen Mindestumfang:</a:t>
+            </a:r>
+          </a:p>
+          <a:p>
+            <a:pPr lvl="1">
+              <a:buFont typeface="Arial" panose="020B0604020202020204" pitchFamily="34" charset="0"/>
+              <a:buChar char="•"/>
+            </a:pPr>
+            <a:r>
+              <a:rPr lang="de-DE" dirty="0"/>
+              <a:t>Für </a:t>
+            </a:r>
+            <a:r>
+              <a:rPr lang="de-DE" dirty="0" err="1"/>
+              <a:t>read</a:t>
+            </a:r>
+            <a:r>
+              <a:rPr lang="de-DE" dirty="0"/>
+              <a:t> (pull) in der </a:t>
+            </a:r>
+            <a:r>
+              <a:rPr lang="de-DE" dirty="0" err="1"/>
+              <a:t>read_registry</a:t>
+            </a:r>
+            <a:endParaRPr lang="de-DE" dirty="0"/>
+          </a:p>
+          <a:p>
+            <a:pPr lvl="1">
+              <a:buFont typeface="Arial" panose="020B0604020202020204" pitchFamily="34" charset="0"/>
+              <a:buChar char="•"/>
+            </a:pPr>
+            <a:r>
+              <a:rPr lang="de-DE" dirty="0"/>
+              <a:t>Für </a:t>
+            </a:r>
+            <a:r>
+              <a:rPr lang="de-DE" dirty="0" err="1"/>
+              <a:t>write</a:t>
+            </a:r>
+            <a:r>
+              <a:rPr lang="de-DE" dirty="0"/>
+              <a:t> (push) in der </a:t>
+            </a:r>
+            <a:r>
+              <a:rPr lang="de-DE" dirty="0" err="1"/>
+              <a:t>write_registry</a:t>
+            </a:r>
+            <a:r>
+              <a:rPr lang="de-DE" dirty="0"/>
+              <a:t> und </a:t>
+            </a:r>
+            <a:r>
+              <a:rPr lang="de-DE" dirty="0" err="1"/>
+              <a:t>read_registry</a:t>
+            </a:r>
+            <a:endParaRPr lang="de-DE" dirty="0"/>
+          </a:p>
+          <a:p>
+            <a:pPr>
+              <a:buFont typeface="Arial" panose="020B0604020202020204" pitchFamily="34" charset="0"/>
+              <a:buChar char="•"/>
+            </a:pPr>
+            <a:r>
+              <a:rPr lang="de-DE" dirty="0"/>
+              <a:t>Zum Authentifizieren</a:t>
+            </a:r>
+          </a:p>
+          <a:p>
+            <a:pPr lvl="1">
+              <a:buFont typeface="Arial" panose="020B0604020202020204" pitchFamily="34" charset="0"/>
+              <a:buChar char="•"/>
+            </a:pPr>
+            <a:r>
+              <a:rPr lang="de-DE" sz="1600" dirty="0" err="1">
+                <a:latin typeface="Consolas" panose="020B0609020204030204" pitchFamily="49" charset="0"/>
+              </a:rPr>
+              <a:t>docker</a:t>
+            </a:r>
+            <a:r>
+              <a:rPr lang="de-DE" sz="1600" dirty="0">
+                <a:latin typeface="Consolas" panose="020B0609020204030204" pitchFamily="49" charset="0"/>
+              </a:rPr>
+              <a:t> </a:t>
+            </a:r>
+            <a:r>
+              <a:rPr lang="de-DE" sz="1600" dirty="0" err="1">
+                <a:latin typeface="Consolas" panose="020B0609020204030204" pitchFamily="49" charset="0"/>
+              </a:rPr>
+              <a:t>login</a:t>
+            </a:r>
+            <a:r>
+              <a:rPr lang="de-DE" sz="1600" dirty="0">
+                <a:latin typeface="Consolas" panose="020B0609020204030204" pitchFamily="49" charset="0"/>
+              </a:rPr>
+              <a:t> registry.example.com</a:t>
+            </a:r>
+          </a:p>
+          <a:p>
+            <a:pPr lvl="1">
+              <a:buFont typeface="Arial" panose="020B0604020202020204" pitchFamily="34" charset="0"/>
+              <a:buChar char="•"/>
+            </a:pPr>
+            <a:r>
+              <a:rPr lang="de-DE" sz="1600" dirty="0">
+                <a:latin typeface="+mj-lt"/>
+              </a:rPr>
+              <a:t>oder</a:t>
+            </a:r>
+          </a:p>
+          <a:p>
+            <a:pPr lvl="1">
+              <a:buFont typeface="Arial" panose="020B0604020202020204" pitchFamily="34" charset="0"/>
+              <a:buChar char="•"/>
+            </a:pPr>
+            <a:r>
+              <a:rPr lang="de-DE" sz="1600" dirty="0">
+                <a:latin typeface="Consolas" panose="020B0609020204030204" pitchFamily="49" charset="0"/>
+              </a:rPr>
+              <a:t>TOKEN=&lt;</a:t>
+            </a:r>
+            <a:r>
+              <a:rPr lang="de-DE" sz="1600" dirty="0" err="1">
+                <a:latin typeface="Consolas" panose="020B0609020204030204" pitchFamily="49" charset="0"/>
+              </a:rPr>
+              <a:t>token</a:t>
+            </a:r>
+            <a:r>
+              <a:rPr lang="de-DE" sz="1600" dirty="0">
+                <a:latin typeface="Consolas" panose="020B0609020204030204" pitchFamily="49" charset="0"/>
+              </a:rPr>
+              <a:t>&gt;</a:t>
+            </a:r>
+          </a:p>
+          <a:p>
+            <a:pPr lvl="1">
+              <a:buFont typeface="Arial" panose="020B0604020202020204" pitchFamily="34" charset="0"/>
+              <a:buChar char="•"/>
+            </a:pPr>
+            <a:r>
+              <a:rPr lang="de-DE" sz="1600" dirty="0">
+                <a:latin typeface="Consolas" panose="020B0609020204030204" pitchFamily="49" charset="0"/>
+              </a:rPr>
+              <a:t>echo "$TOKEN" | </a:t>
+            </a:r>
+            <a:r>
+              <a:rPr lang="de-DE" sz="1600" dirty="0" err="1">
+                <a:latin typeface="Consolas" panose="020B0609020204030204" pitchFamily="49" charset="0"/>
+              </a:rPr>
+              <a:t>docker</a:t>
+            </a:r>
+            <a:r>
+              <a:rPr lang="de-DE" sz="1600" dirty="0">
+                <a:latin typeface="Consolas" panose="020B0609020204030204" pitchFamily="49" charset="0"/>
+              </a:rPr>
+              <a:t> </a:t>
+            </a:r>
+            <a:r>
+              <a:rPr lang="de-DE" sz="1600" dirty="0" err="1">
+                <a:latin typeface="Consolas" panose="020B0609020204030204" pitchFamily="49" charset="0"/>
+              </a:rPr>
+              <a:t>login</a:t>
+            </a:r>
+            <a:r>
+              <a:rPr lang="de-DE" sz="1600" dirty="0">
+                <a:latin typeface="Consolas" panose="020B0609020204030204" pitchFamily="49" charset="0"/>
+              </a:rPr>
+              <a:t> registry.example.com -u &lt;</a:t>
+            </a:r>
+            <a:r>
+              <a:rPr lang="de-DE" sz="1600" dirty="0" err="1">
+                <a:latin typeface="Consolas" panose="020B0609020204030204" pitchFamily="49" charset="0"/>
+              </a:rPr>
+              <a:t>username</a:t>
+            </a:r>
+            <a:r>
+              <a:rPr lang="de-DE" sz="1600" dirty="0">
+                <a:latin typeface="Consolas" panose="020B0609020204030204" pitchFamily="49" charset="0"/>
+              </a:rPr>
+              <a:t>&gt; --password-</a:t>
+            </a:r>
+            <a:r>
+              <a:rPr lang="de-DE" sz="1600" dirty="0" err="1">
+                <a:latin typeface="Consolas" panose="020B0609020204030204" pitchFamily="49" charset="0"/>
+              </a:rPr>
+              <a:t>stdin</a:t>
+            </a:r>
+            <a:endParaRPr lang="de-DE" sz="1600" dirty="0">
+              <a:latin typeface="Consolas" panose="020B0609020204030204" pitchFamily="49" charset="0"/>
+            </a:endParaRPr>
+          </a:p>
+          <a:p>
+            <a:pPr lvl="1">
+              <a:buFont typeface="Arial" panose="020B0604020202020204" pitchFamily="34" charset="0"/>
+              <a:buChar char="•"/>
+            </a:pPr>
+            <a:endParaRPr lang="de-DE" sz="1600" dirty="0">
+              <a:latin typeface="Consolas" panose="020B0609020204030204" pitchFamily="49" charset="0"/>
+            </a:endParaRPr>
+          </a:p>
+          <a:p>
             <a:pPr lvl="2">
               <a:buFont typeface="Arial" panose="020B0604020202020204" pitchFamily="34" charset="0"/>
               <a:buChar char="•"/>
@@ -8173,21 +9010,346 @@
               <a:buNone/>
             </a:pPr>
             <a:r>
-              <a:rPr lang="de-DE" b="1" dirty="0" err="1"/>
-              <a:t>GitLab</a:t>
-            </a:r>
-            <a:r>
               <a:rPr lang="de-DE" b="1" dirty="0"/>
-              <a:t> CI/CD zum authentifizieren</a:t>
+              <a:t>CI/CD zur Authentifizierung bei der Container Registry  </a:t>
             </a:r>
             <a:endParaRPr lang="de-DE" dirty="0"/>
           </a:p>
           <a:p>
+            <a:pPr>
+              <a:buFont typeface="Arial" panose="020B0604020202020204" pitchFamily="34" charset="0"/>
+              <a:buChar char="•"/>
+            </a:pPr>
+            <a:r>
+              <a:rPr lang="de-DE" sz="1800" dirty="0"/>
+              <a:t>CI/CD Variable: CI_REGISTRY_USER</a:t>
+            </a:r>
+          </a:p>
+          <a:p>
+            <a:pPr lvl="1">
+              <a:buFont typeface="Arial" panose="020B0604020202020204" pitchFamily="34" charset="0"/>
+              <a:buChar char="•"/>
+            </a:pPr>
+            <a:r>
+              <a:rPr lang="de-DE" sz="1600" dirty="0"/>
+              <a:t>Job-bezogener Benutzer mit Lese- und Schreibrechten in der CR</a:t>
+            </a:r>
+          </a:p>
+          <a:p>
+            <a:pPr lvl="1">
+              <a:buFont typeface="Arial" panose="020B0604020202020204" pitchFamily="34" charset="0"/>
+              <a:buChar char="•"/>
+            </a:pPr>
+            <a:r>
+              <a:rPr lang="de-DE" sz="1600" dirty="0"/>
+              <a:t>Passwort automatisch erzeugt: CI_REGISTRY_PASSWORD</a:t>
+            </a:r>
+          </a:p>
+          <a:p>
+            <a:pPr lvl="1">
+              <a:buFont typeface="Arial" panose="020B0604020202020204" pitchFamily="34" charset="0"/>
+              <a:buChar char="•"/>
+            </a:pPr>
+            <a:r>
+              <a:rPr lang="de-DE" sz="1600" dirty="0">
+                <a:latin typeface="Consolas" panose="020B0609020204030204" pitchFamily="49" charset="0"/>
+              </a:rPr>
+              <a:t>echo "$CI_REGISTRY_PASSWORD" | </a:t>
+            </a:r>
+            <a:r>
+              <a:rPr lang="de-DE" sz="1600" dirty="0" err="1">
+                <a:latin typeface="Consolas" panose="020B0609020204030204" pitchFamily="49" charset="0"/>
+              </a:rPr>
+              <a:t>docker</a:t>
+            </a:r>
+            <a:r>
+              <a:rPr lang="de-DE" sz="1600" dirty="0">
+                <a:latin typeface="Consolas" panose="020B0609020204030204" pitchFamily="49" charset="0"/>
+              </a:rPr>
+              <a:t> </a:t>
+            </a:r>
+            <a:r>
+              <a:rPr lang="de-DE" sz="1600" dirty="0" err="1">
+                <a:latin typeface="Consolas" panose="020B0609020204030204" pitchFamily="49" charset="0"/>
+              </a:rPr>
+              <a:t>login</a:t>
+            </a:r>
+            <a:r>
+              <a:rPr lang="de-DE" sz="1600" dirty="0">
+                <a:latin typeface="Consolas" panose="020B0609020204030204" pitchFamily="49" charset="0"/>
+              </a:rPr>
+              <a:t> $CI_REGISTRY -u $CI_REGISTRY_USER --password-</a:t>
+            </a:r>
+            <a:r>
+              <a:rPr lang="de-DE" sz="1600" dirty="0" err="1">
+                <a:latin typeface="Consolas" panose="020B0609020204030204" pitchFamily="49" charset="0"/>
+              </a:rPr>
+              <a:t>stdin</a:t>
+            </a:r>
+            <a:endParaRPr lang="de-DE" sz="1600" dirty="0">
+              <a:latin typeface="Consolas" panose="020B0609020204030204" pitchFamily="49" charset="0"/>
+            </a:endParaRPr>
+          </a:p>
+          <a:p>
+            <a:pPr>
+              <a:buFont typeface="Arial" panose="020B0604020202020204" pitchFamily="34" charset="0"/>
+              <a:buChar char="•"/>
+            </a:pPr>
+            <a:r>
+              <a:rPr lang="de-DE" sz="1800" dirty="0"/>
+              <a:t>CI Job Token</a:t>
+            </a:r>
+          </a:p>
+          <a:p>
+            <a:pPr lvl="1">
+              <a:buFont typeface="Arial" panose="020B0604020202020204" pitchFamily="34" charset="0"/>
+              <a:buChar char="•"/>
+            </a:pPr>
+            <a:r>
+              <a:rPr lang="de-DE" sz="1600" dirty="0">
+                <a:latin typeface="Consolas" panose="020B0609020204030204" pitchFamily="49" charset="0"/>
+              </a:rPr>
+              <a:t>echo "$CI_JOB_TOKEN" | </a:t>
+            </a:r>
+            <a:r>
+              <a:rPr lang="de-DE" sz="1600" dirty="0" err="1">
+                <a:latin typeface="Consolas" panose="020B0609020204030204" pitchFamily="49" charset="0"/>
+              </a:rPr>
+              <a:t>docker</a:t>
+            </a:r>
+            <a:r>
+              <a:rPr lang="de-DE" sz="1600" dirty="0">
+                <a:latin typeface="Consolas" panose="020B0609020204030204" pitchFamily="49" charset="0"/>
+              </a:rPr>
+              <a:t> </a:t>
+            </a:r>
+            <a:r>
+              <a:rPr lang="de-DE" sz="1600" dirty="0" err="1">
+                <a:latin typeface="Consolas" panose="020B0609020204030204" pitchFamily="49" charset="0"/>
+              </a:rPr>
+              <a:t>login</a:t>
+            </a:r>
+            <a:r>
+              <a:rPr lang="de-DE" sz="1600" dirty="0">
+                <a:latin typeface="Consolas" panose="020B0609020204030204" pitchFamily="49" charset="0"/>
+              </a:rPr>
+              <a:t> $CI_REGISTRY -u $CI_REGISTRY_USER --password-</a:t>
+            </a:r>
+            <a:r>
+              <a:rPr lang="de-DE" sz="1600" dirty="0" err="1">
+                <a:latin typeface="Consolas" panose="020B0609020204030204" pitchFamily="49" charset="0"/>
+              </a:rPr>
+              <a:t>stdin</a:t>
+            </a:r>
+            <a:endParaRPr lang="de-DE" sz="1600" dirty="0">
+              <a:latin typeface="Consolas" panose="020B0609020204030204" pitchFamily="49" charset="0"/>
+            </a:endParaRPr>
+          </a:p>
+          <a:p>
+            <a:pPr>
+              <a:buFont typeface="Arial" panose="020B0604020202020204" pitchFamily="34" charset="0"/>
+              <a:buChar char="•"/>
+            </a:pPr>
+            <a:r>
+              <a:rPr lang="de-DE" sz="1800" dirty="0"/>
+              <a:t>Für </a:t>
+            </a:r>
+            <a:r>
+              <a:rPr lang="de-DE" sz="1800" dirty="0" err="1"/>
+              <a:t>read</a:t>
+            </a:r>
+            <a:r>
+              <a:rPr lang="de-DE" sz="1800" dirty="0"/>
+              <a:t> (pull) </a:t>
+            </a:r>
+            <a:r>
+              <a:rPr lang="de-DE" sz="1800" dirty="0" err="1"/>
+              <a:t>access</a:t>
+            </a:r>
+            <a:r>
+              <a:rPr lang="de-DE" sz="1800" dirty="0"/>
+              <a:t> </a:t>
+            </a:r>
+            <a:r>
+              <a:rPr lang="de-DE" sz="1800" dirty="0">
+                <a:sym typeface="Wingdings" panose="05000000000000000000" pitchFamily="2" charset="2"/>
+              </a:rPr>
+              <a:t> </a:t>
+            </a:r>
+            <a:r>
+              <a:rPr lang="de-DE" sz="1800" dirty="0" err="1">
+                <a:sym typeface="Wingdings" panose="05000000000000000000" pitchFamily="2" charset="2"/>
+              </a:rPr>
+              <a:t>read_registry</a:t>
+            </a:r>
+            <a:endParaRPr lang="de-DE" sz="1800" dirty="0">
+              <a:sym typeface="Wingdings" panose="05000000000000000000" pitchFamily="2" charset="2"/>
+            </a:endParaRPr>
+          </a:p>
+          <a:p>
+            <a:pPr>
+              <a:buFont typeface="Arial" panose="020B0604020202020204" pitchFamily="34" charset="0"/>
+              <a:buChar char="•"/>
+            </a:pPr>
+            <a:r>
+              <a:rPr lang="de-DE" sz="1800" dirty="0">
+                <a:sym typeface="Wingdings" panose="05000000000000000000" pitchFamily="2" charset="2"/>
+              </a:rPr>
+              <a:t>Für </a:t>
+            </a:r>
+            <a:r>
+              <a:rPr lang="de-DE" sz="1800" dirty="0" err="1">
+                <a:sym typeface="Wingdings" panose="05000000000000000000" pitchFamily="2" charset="2"/>
+              </a:rPr>
+              <a:t>write</a:t>
+            </a:r>
+            <a:r>
+              <a:rPr lang="de-DE" sz="1800" dirty="0">
+                <a:sym typeface="Wingdings" panose="05000000000000000000" pitchFamily="2" charset="2"/>
+              </a:rPr>
+              <a:t> (push) </a:t>
+            </a:r>
+            <a:r>
+              <a:rPr lang="de-DE" sz="1800" dirty="0" err="1">
+                <a:sym typeface="Wingdings" panose="05000000000000000000" pitchFamily="2" charset="2"/>
+              </a:rPr>
+              <a:t>access</a:t>
+            </a:r>
+            <a:r>
+              <a:rPr lang="de-DE" sz="1800" dirty="0">
+                <a:sym typeface="Wingdings" panose="05000000000000000000" pitchFamily="2" charset="2"/>
+              </a:rPr>
+              <a:t>  </a:t>
+            </a:r>
+            <a:r>
+              <a:rPr lang="de-DE" sz="1800" dirty="0" err="1">
+                <a:sym typeface="Wingdings" panose="05000000000000000000" pitchFamily="2" charset="2"/>
+              </a:rPr>
+              <a:t>read_registry</a:t>
+            </a:r>
+            <a:r>
+              <a:rPr lang="de-DE" sz="1800" dirty="0">
+                <a:sym typeface="Wingdings" panose="05000000000000000000" pitchFamily="2" charset="2"/>
+              </a:rPr>
+              <a:t> &amp; </a:t>
+            </a:r>
+            <a:r>
+              <a:rPr lang="de-DE" sz="1800" dirty="0" err="1">
+                <a:sym typeface="Wingdings" panose="05000000000000000000" pitchFamily="2" charset="2"/>
+              </a:rPr>
+              <a:t>write_registry</a:t>
+            </a:r>
+            <a:endParaRPr lang="de-DE" sz="1800" dirty="0"/>
+          </a:p>
+          <a:p>
+            <a:pPr lvl="1">
+              <a:buFont typeface="Arial" panose="020B0604020202020204" pitchFamily="34" charset="0"/>
+              <a:buChar char="•"/>
+            </a:pPr>
+            <a:r>
+              <a:rPr lang="de-DE" sz="1600" dirty="0"/>
+              <a:t>Deploy Token</a:t>
+            </a:r>
+          </a:p>
+          <a:p>
             <a:pPr lvl="2">
               <a:buFont typeface="Arial" panose="020B0604020202020204" pitchFamily="34" charset="0"/>
               <a:buChar char="•"/>
             </a:pPr>
-            <a:endParaRPr lang="de-DE" dirty="0"/>
+            <a:r>
+              <a:rPr lang="de-DE" sz="1600" dirty="0">
+                <a:latin typeface="Consolas" panose="020B0609020204030204" pitchFamily="49" charset="0"/>
+              </a:rPr>
+              <a:t>echo "$CI_DEPLOY_PASSWORD" | </a:t>
+            </a:r>
+            <a:r>
+              <a:rPr lang="de-DE" sz="1600" dirty="0" err="1">
+                <a:latin typeface="Consolas" panose="020B0609020204030204" pitchFamily="49" charset="0"/>
+              </a:rPr>
+              <a:t>docker</a:t>
+            </a:r>
+            <a:r>
+              <a:rPr lang="de-DE" sz="1600" dirty="0">
+                <a:latin typeface="Consolas" panose="020B0609020204030204" pitchFamily="49" charset="0"/>
+              </a:rPr>
+              <a:t> </a:t>
+            </a:r>
+            <a:r>
+              <a:rPr lang="de-DE" sz="1600" dirty="0" err="1">
+                <a:latin typeface="Consolas" panose="020B0609020204030204" pitchFamily="49" charset="0"/>
+              </a:rPr>
+              <a:t>login</a:t>
+            </a:r>
+            <a:r>
+              <a:rPr lang="de-DE" sz="1600" dirty="0">
+                <a:latin typeface="Consolas" panose="020B0609020204030204" pitchFamily="49" charset="0"/>
+              </a:rPr>
+              <a:t> $CI_REGISTRY -u $CI_DEPLOY_USER --password-</a:t>
+            </a:r>
+            <a:r>
+              <a:rPr lang="de-DE" sz="1600" dirty="0" err="1">
+                <a:latin typeface="Consolas" panose="020B0609020204030204" pitchFamily="49" charset="0"/>
+              </a:rPr>
+              <a:t>stdin</a:t>
+            </a:r>
+            <a:endParaRPr lang="de-DE" sz="1600" dirty="0">
+              <a:latin typeface="Consolas" panose="020B0609020204030204" pitchFamily="49" charset="0"/>
+            </a:endParaRPr>
+          </a:p>
+          <a:p>
+            <a:pPr lvl="1">
+              <a:buFont typeface="Arial" panose="020B0604020202020204" pitchFamily="34" charset="0"/>
+              <a:buChar char="•"/>
+            </a:pPr>
+            <a:r>
+              <a:rPr lang="de-DE" sz="1600" dirty="0"/>
+              <a:t>Personal Access Token</a:t>
+            </a:r>
+          </a:p>
+          <a:p>
+            <a:pPr lvl="2">
+              <a:buFont typeface="Arial" panose="020B0604020202020204" pitchFamily="34" charset="0"/>
+              <a:buChar char="•"/>
+            </a:pPr>
+            <a:r>
+              <a:rPr lang="en-US" sz="1600" dirty="0">
+                <a:latin typeface="Consolas" panose="020B0609020204030204" pitchFamily="49" charset="0"/>
+              </a:rPr>
+              <a:t>echo "&lt;</a:t>
+            </a:r>
+            <a:r>
+              <a:rPr lang="en-US" sz="1600" dirty="0" err="1">
+                <a:latin typeface="Consolas" panose="020B0609020204030204" pitchFamily="49" charset="0"/>
+              </a:rPr>
+              <a:t>access_token</a:t>
+            </a:r>
+            <a:r>
+              <a:rPr lang="en-US" sz="1600" dirty="0">
+                <a:latin typeface="Consolas" panose="020B0609020204030204" pitchFamily="49" charset="0"/>
+              </a:rPr>
+              <a:t>&gt;" | docker login $CI_REGISTRY -u &lt;username&gt; --password-stdin</a:t>
+            </a:r>
+          </a:p>
+          <a:p>
+            <a:pPr lvl="2">
+              <a:buFont typeface="Arial" panose="020B0604020202020204" pitchFamily="34" charset="0"/>
+              <a:buChar char="•"/>
+            </a:pPr>
+            <a:endParaRPr lang="en-US" sz="2000" dirty="0"/>
+          </a:p>
+          <a:p>
+            <a:pPr lvl="2">
+              <a:buFont typeface="Arial" panose="020B0604020202020204" pitchFamily="34" charset="0"/>
+              <a:buChar char="•"/>
+            </a:pPr>
+            <a:endParaRPr lang="de-DE" sz="2000" dirty="0"/>
+          </a:p>
+          <a:p>
+            <a:pPr lvl="1">
+              <a:buFont typeface="Arial" panose="020B0604020202020204" pitchFamily="34" charset="0"/>
+              <a:buChar char="•"/>
+            </a:pPr>
+            <a:endParaRPr lang="de-DE" sz="1600" dirty="0"/>
           </a:p>
           <a:p>
             <a:pPr lvl="1">
@@ -8296,6 +9458,88 @@
             <a:endParaRPr lang="de-DE" dirty="0"/>
           </a:p>
           <a:p>
+            <a:pPr marL="457200" indent="-457200">
+              <a:buFont typeface="+mj-lt"/>
+              <a:buAutoNum type="arabicPeriod"/>
+            </a:pPr>
+            <a:r>
+              <a:rPr lang="de-DE" dirty="0"/>
+              <a:t>Mit der Container Registry authentifizieren</a:t>
+            </a:r>
+          </a:p>
+          <a:p>
+            <a:pPr marL="457200" indent="-457200">
+              <a:buFont typeface="+mj-lt"/>
+              <a:buAutoNum type="arabicPeriod"/>
+            </a:pPr>
+            <a:r>
+              <a:rPr lang="de-DE" dirty="0"/>
+              <a:t>Docker nutzen</a:t>
+            </a:r>
+          </a:p>
+          <a:p>
+            <a:pPr marL="857250" lvl="1" indent="-457200">
+              <a:buFont typeface="+mj-lt"/>
+              <a:buAutoNum type="arabicPeriod"/>
+            </a:pPr>
+            <a:r>
+              <a:rPr lang="de-DE" dirty="0" err="1"/>
+              <a:t>Build</a:t>
+            </a:r>
+            <a:r>
+              <a:rPr lang="de-DE" dirty="0"/>
+              <a:t>:</a:t>
+            </a:r>
+            <a:br>
+              <a:rPr lang="de-DE" dirty="0"/>
+            </a:br>
+            <a:r>
+              <a:rPr lang="en-US" sz="1800" dirty="0">
+                <a:latin typeface="Consolas" panose="020B0609020204030204" pitchFamily="49" charset="0"/>
+              </a:rPr>
+              <a:t>docker build -t registry.example.com/group/project/image .</a:t>
+            </a:r>
+            <a:endParaRPr lang="de-DE" sz="1800" dirty="0">
+              <a:latin typeface="Consolas" panose="020B0609020204030204" pitchFamily="49" charset="0"/>
+            </a:endParaRPr>
+          </a:p>
+          <a:p>
+            <a:pPr marL="857250" lvl="1" indent="-457200">
+              <a:buFont typeface="+mj-lt"/>
+              <a:buAutoNum type="arabicPeriod"/>
+            </a:pPr>
+            <a:r>
+              <a:rPr lang="de-DE" dirty="0"/>
+              <a:t>Push:</a:t>
+            </a:r>
+            <a:br>
+              <a:rPr lang="de-DE" dirty="0"/>
+            </a:br>
+            <a:r>
+              <a:rPr lang="en-US" sz="1800" dirty="0">
+                <a:latin typeface="Consolas" panose="020B0609020204030204" pitchFamily="49" charset="0"/>
+              </a:rPr>
+              <a:t>docker push registry.example.com/group/project/image</a:t>
+            </a:r>
+            <a:endParaRPr lang="en-US" dirty="0">
+              <a:latin typeface="Consolas" panose="020B0609020204030204" pitchFamily="49" charset="0"/>
+            </a:endParaRPr>
+          </a:p>
+          <a:p>
+            <a:pPr marL="857250" lvl="1" indent="-457200">
+              <a:buFont typeface="+mj-lt"/>
+              <a:buAutoNum type="arabicPeriod"/>
+            </a:pPr>
+            <a:endParaRPr lang="en-US" dirty="0"/>
+          </a:p>
+          <a:p>
+            <a:pPr marL="857250" lvl="1" indent="-457200">
+              <a:buFont typeface="+mj-lt"/>
+              <a:buAutoNum type="arabicPeriod"/>
+            </a:pPr>
+            <a:endParaRPr lang="de-DE" dirty="0"/>
+          </a:p>
+          <a:p>
             <a:pPr lvl="2">
               <a:buFont typeface="Arial" panose="020B0604020202020204" pitchFamily="34" charset="0"/>
               <a:buChar char="•"/>
@@ -8346,6 +9590,201 @@
           <p:cNvPr id="2" name="Titel 1">
             <a:extLst>
               <a:ext uri="{FF2B5EF4-FFF2-40B4-BE49-F238E27FC236}">
+                <a16:creationId xmlns:a16="http://schemas.microsoft.com/office/drawing/2014/main" id="{6A1129EC-B79C-98B8-054A-227290E5E743}"/>
+              </a:ext>
+            </a:extLst>
+          </p:cNvPr>
+          <p:cNvSpPr>
+            <a:spLocks noGrp="1"/>
+          </p:cNvSpPr>
+          <p:nvPr>
+            <p:ph type="title"/>
+          </p:nvPr>
+        </p:nvSpPr>
+        <p:spPr/>
+        <p:txBody>
+          <a:bodyPr/>
+          <a:lstStyle/>
+          <a:p>
+            <a:r>
+              <a:rPr lang="de-DE" cap="none" dirty="0"/>
+              <a:t>Release- und </a:t>
+            </a:r>
+            <a:r>
+              <a:rPr lang="de-DE" cap="none" dirty="0" err="1"/>
+              <a:t>Tagged</a:t>
+            </a:r>
+            <a:r>
+              <a:rPr lang="de-DE" cap="none" dirty="0"/>
+              <a:t>-Images</a:t>
+            </a:r>
+            <a:endParaRPr lang="de-DE" dirty="0"/>
+          </a:p>
+        </p:txBody>
+      </p:sp>
+      <p:sp>
+        <p:nvSpPr>
+          <p:cNvPr id="3" name="Inhaltsplatzhalter 2">
+            <a:extLst>
+              <a:ext uri="{FF2B5EF4-FFF2-40B4-BE49-F238E27FC236}">
+                <a16:creationId xmlns:a16="http://schemas.microsoft.com/office/drawing/2014/main" id="{82E76C24-ACDF-81B8-5FFA-EC3D55CB7211}"/>
+              </a:ext>
+            </a:extLst>
+          </p:cNvPr>
+          <p:cNvSpPr>
+            <a:spLocks noGrp="1"/>
+          </p:cNvSpPr>
+          <p:nvPr>
+            <p:ph idx="1"/>
+          </p:nvPr>
+        </p:nvSpPr>
+        <p:spPr/>
+        <p:txBody>
+          <a:bodyPr/>
+          <a:lstStyle/>
+          <a:p>
+            <a:pPr marL="0" indent="0">
+              <a:buNone/>
+            </a:pPr>
+            <a:r>
+              <a:rPr lang="en-US" dirty="0"/>
+              <a:t>Configure your .</a:t>
+            </a:r>
+            <a:r>
+              <a:rPr lang="en-US" dirty="0" err="1"/>
+              <a:t>gitlab-ci.yml</a:t>
+            </a:r>
+            <a:r>
+              <a:rPr lang="en-US" dirty="0"/>
+              <a:t> file</a:t>
+            </a:r>
+          </a:p>
+          <a:p>
+            <a:pPr marL="0" indent="0">
+              <a:buNone/>
+            </a:pPr>
+            <a:r>
+              <a:rPr lang="en-US" dirty="0"/>
+              <a:t>You can configure your .</a:t>
+            </a:r>
+            <a:r>
+              <a:rPr lang="en-US" dirty="0" err="1"/>
+              <a:t>gitlab-ci.yml</a:t>
+            </a:r>
+            <a:r>
+              <a:rPr lang="en-US" dirty="0"/>
+              <a:t> file to build and push container images to the container registry.</a:t>
+            </a:r>
+          </a:p>
+          <a:p>
+            <a:pPr marL="0" indent="0">
+              <a:buNone/>
+            </a:pPr>
+            <a:endParaRPr lang="en-US" dirty="0"/>
+          </a:p>
+          <a:p>
+            <a:pPr marL="0" indent="0">
+              <a:buNone/>
+            </a:pPr>
+            <a:r>
+              <a:rPr lang="en-US" dirty="0"/>
+              <a:t>If multiple jobs require authentication, put the authentication command in the </a:t>
+            </a:r>
+            <a:r>
+              <a:rPr lang="en-US" dirty="0" err="1"/>
+              <a:t>before_script</a:t>
+            </a:r>
+            <a:r>
+              <a:rPr lang="en-US" dirty="0"/>
+              <a:t>.</a:t>
+            </a:r>
+          </a:p>
+          <a:p>
+            <a:pPr marL="0" indent="0">
+              <a:buNone/>
+            </a:pPr>
+            <a:r>
+              <a:rPr lang="en-US" dirty="0"/>
+              <a:t>Before building, use docker build --pull to fetch changes to base images. It takes slightly longer, but it ensures your image is up-to-date.</a:t>
+            </a:r>
+          </a:p>
+          <a:p>
+            <a:pPr marL="0" indent="0">
+              <a:buNone/>
+            </a:pPr>
+            <a:r>
+              <a:rPr lang="en-US" dirty="0"/>
+              <a:t>Before each docker run, do an explicit docker pull to fetch the image that was just built. This step is especially important if you are using multiple runners that cache images locally.</a:t>
+            </a:r>
+          </a:p>
+          <a:p>
+            <a:pPr marL="0" indent="0">
+              <a:buNone/>
+            </a:pPr>
+            <a:endParaRPr lang="en-US" dirty="0"/>
+          </a:p>
+          <a:p>
+            <a:pPr marL="0" indent="0">
+              <a:buNone/>
+            </a:pPr>
+            <a:r>
+              <a:rPr lang="en-US" dirty="0"/>
+              <a:t>If you use the Git SHA in your image tag, each job is unique and you should never have a stale image. However, it’s still possible to have a stale image if you rebuild a given commit after a dependency has changed.</a:t>
+            </a:r>
+          </a:p>
+          <a:p>
+            <a:pPr marL="0" indent="0">
+              <a:buNone/>
+            </a:pPr>
+            <a:endParaRPr lang="en-US" dirty="0"/>
+          </a:p>
+          <a:p>
+            <a:pPr marL="0" indent="0">
+              <a:buNone/>
+            </a:pPr>
+            <a:r>
+              <a:rPr lang="en-US" dirty="0"/>
+              <a:t>Don’t build directly to the latest tag because multiple jobs may be happening simultaneously.</a:t>
+            </a:r>
+            <a:endParaRPr lang="de-DE" dirty="0"/>
+          </a:p>
+        </p:txBody>
+      </p:sp>
+    </p:spTree>
+    <p:extLst>
+      <p:ext uri="{BB962C8B-B14F-4D97-AF65-F5344CB8AC3E}">
+        <p14:creationId xmlns:p14="http://schemas.microsoft.com/office/powerpoint/2010/main" val="4255989784"/>
+      </p:ext>
+    </p:extLst>
+  </p:cSld>
+  <p:clrMapOvr>
+    <a:masterClrMapping/>
+  </p:clrMapOvr>
+</p:sld>
+</file>
+
+<file path=ppt/slides/slide26.xml><?xml version="1.0" encoding="utf-8"?>
+<p:sld xmlns:a="http://schemas.openxmlformats.org/drawingml/2006/main" xmlns:r="http://schemas.openxmlformats.org/officeDocument/2006/relationships" xmlns:p="http://schemas.openxmlformats.org/presentationml/2006/main">
+  <p:cSld>
+    <p:spTree>
+      <p:nvGrpSpPr>
+        <p:cNvPr id="1" name=""/>
+        <p:cNvGrpSpPr/>
+        <p:nvPr/>
+      </p:nvGrpSpPr>
+      <p:grpSpPr>
+        <a:xfrm>
+          <a:off x="0" y="0"/>
+          <a:ext cx="0" cy="0"/>
+          <a:chOff x="0" y="0"/>
+          <a:chExt cx="0" cy="0"/>
+        </a:xfrm>
+      </p:grpSpPr>
+      <p:sp>
+        <p:nvSpPr>
+          <p:cNvPr id="2" name="Titel 1">
+            <a:extLst>
+              <a:ext uri="{FF2B5EF4-FFF2-40B4-BE49-F238E27FC236}">
                 <a16:creationId xmlns:a16="http://schemas.microsoft.com/office/drawing/2014/main" id="{184AFD09-5210-6F86-C2FD-BBC016D382A6}"/>
               </a:ext>
             </a:extLst>
@@ -8403,19 +9842,106 @@
               <a:buNone/>
             </a:pPr>
             <a:r>
-              <a:rPr lang="de-DE" b="1" dirty="0"/>
-              <a:t>Verwendung mit </a:t>
-            </a:r>
-            <a:r>
               <a:rPr lang="de-DE" b="1" dirty="0" err="1"/>
               <a:t>GitLab</a:t>
             </a:r>
-            <a:endParaRPr lang="de-DE" dirty="0"/>
-          </a:p>
-          <a:p>
-            <a:pPr lvl="2">
-              <a:buFont typeface="Arial" panose="020B0604020202020204" pitchFamily="34" charset="0"/>
-              <a:buChar char="•"/>
+            <a:r>
+              <a:rPr lang="de-DE" b="1" dirty="0"/>
+              <a:t> CI/CD</a:t>
+            </a:r>
+          </a:p>
+          <a:p>
+            <a:pPr algn="l"/>
+            <a:r>
+              <a:rPr lang="en-US" b="1" i="0" dirty="0">
+                <a:solidFill>
+                  <a:srgbClr val="222261"/>
+                </a:solidFill>
+                <a:effectLst/>
+                <a:latin typeface="gitlab sans"/>
+              </a:rPr>
+              <a:t>Use GitLab CI/CD</a:t>
+            </a:r>
+          </a:p>
+          <a:p>
+            <a:pPr algn="l"/>
+            <a:r>
+              <a:rPr lang="en-US" b="0" i="0" dirty="0">
+                <a:solidFill>
+                  <a:srgbClr val="404040"/>
+                </a:solidFill>
+                <a:effectLst/>
+                <a:latin typeface="gitlab sans"/>
+              </a:rPr>
+              <a:t>You can use </a:t>
+            </a:r>
+            <a:r>
+              <a:rPr lang="en-US" b="0" i="0" u="none" strike="noStrike" dirty="0">
+                <a:solidFill>
+                  <a:srgbClr val="5943B6"/>
+                </a:solidFill>
+                <a:effectLst/>
+                <a:latin typeface="gitlab sans"/>
+                <a:hlinkClick r:id="rId3"/>
+              </a:rPr>
+              <a:t>GitLab CI/CD</a:t>
+            </a:r>
+            <a:r>
+              <a:rPr lang="en-US" b="0" i="0" dirty="0">
+                <a:solidFill>
+                  <a:srgbClr val="404040"/>
+                </a:solidFill>
+                <a:effectLst/>
+                <a:latin typeface="gitlab sans"/>
+              </a:rPr>
+              <a:t> to build and push container images to the Container Registry. You can use CI/CD to test, build, and deploy your project from the container image you created.</a:t>
+            </a:r>
+          </a:p>
+          <a:p>
+            <a:pPr marL="0" indent="0">
+              <a:buNone/>
+            </a:pPr>
+            <a:endParaRPr lang="de-DE" b="1" dirty="0"/>
+          </a:p>
+          <a:p>
+            <a:pPr marL="0" indent="0">
+              <a:buNone/>
+            </a:pPr>
+            <a:r>
+              <a:rPr lang="en-US" b="1" i="0" dirty="0">
+                <a:solidFill>
+                  <a:srgbClr val="222261"/>
+                </a:solidFill>
+                <a:effectLst/>
+                <a:latin typeface="gitlab sans"/>
+              </a:rPr>
+              <a:t>Use a Docker-in-Docker container image from your container registry</a:t>
+            </a:r>
+          </a:p>
+          <a:p>
+            <a:pPr marL="0" indent="0">
+              <a:buNone/>
+            </a:pPr>
+            <a:endParaRPr lang="de-DE" b="1" dirty="0"/>
+          </a:p>
+          <a:p>
+            <a:pPr marL="0" indent="0">
+              <a:buNone/>
+            </a:pPr>
+            <a:r>
+              <a:rPr lang="en-US" b="1" i="0" dirty="0">
+                <a:solidFill>
+                  <a:srgbClr val="222261"/>
+                </a:solidFill>
+                <a:effectLst/>
+                <a:latin typeface="gitlab sans"/>
+              </a:rPr>
+              <a:t>Use a Docker-in-Docker container image with Dependency Proxy</a:t>
+            </a:r>
+          </a:p>
+          <a:p>
+            <a:pPr marL="0" indent="0">
+              <a:buNone/>
             </a:pPr>
             <a:endParaRPr lang="de-DE" dirty="0"/>
           </a:p>
@@ -8432,6 +9958,712 @@
     <p:extLst>
       <p:ext uri="{BB962C8B-B14F-4D97-AF65-F5344CB8AC3E}">
         <p14:creationId xmlns:p14="http://schemas.microsoft.com/office/powerpoint/2010/main" val="2121417730"/>
+      </p:ext>
+    </p:extLst>
+  </p:cSld>
+  <p:clrMapOvr>
+    <a:masterClrMapping/>
+  </p:clrMapOvr>
+</p:sld>
+</file>
+
+<file path=ppt/slides/slide27.xml><?xml version="1.0" encoding="utf-8"?>
+<p:sld xmlns:a="http://schemas.openxmlformats.org/drawingml/2006/main" xmlns:r="http://schemas.openxmlformats.org/officeDocument/2006/relationships" xmlns:p="http://schemas.openxmlformats.org/presentationml/2006/main">
+  <p:cSld>
+    <p:spTree>
+      <p:nvGrpSpPr>
+        <p:cNvPr id="1" name=""/>
+        <p:cNvGrpSpPr/>
+        <p:nvPr/>
+      </p:nvGrpSpPr>
+      <p:grpSpPr>
+        <a:xfrm>
+          <a:off x="0" y="0"/>
+          <a:ext cx="0" cy="0"/>
+          <a:chOff x="0" y="0"/>
+          <a:chExt cx="0" cy="0"/>
+        </a:xfrm>
+      </p:grpSpPr>
+      <p:sp>
+        <p:nvSpPr>
+          <p:cNvPr id="2" name="Titel 1">
+            <a:extLst>
+              <a:ext uri="{FF2B5EF4-FFF2-40B4-BE49-F238E27FC236}">
+                <a16:creationId xmlns:a16="http://schemas.microsoft.com/office/drawing/2014/main" id="{184AFD09-5210-6F86-C2FD-BBC016D382A6}"/>
+              </a:ext>
+            </a:extLst>
+          </p:cNvPr>
+          <p:cNvSpPr>
+            <a:spLocks noGrp="1"/>
+          </p:cNvSpPr>
+          <p:nvPr>
+            <p:ph type="title"/>
+          </p:nvPr>
+        </p:nvSpPr>
+        <p:spPr/>
+        <p:txBody>
+          <a:bodyPr/>
+          <a:lstStyle/>
+          <a:p>
+            <a:r>
+              <a:rPr lang="de-DE" cap="none" dirty="0"/>
+              <a:t>Release- und </a:t>
+            </a:r>
+            <a:r>
+              <a:rPr lang="de-DE" cap="none" dirty="0" err="1"/>
+              <a:t>Tagged</a:t>
+            </a:r>
+            <a:r>
+              <a:rPr lang="de-DE" cap="none" dirty="0"/>
+              <a:t>-Images</a:t>
+            </a:r>
+            <a:endParaRPr lang="de-DE" dirty="0"/>
+          </a:p>
+        </p:txBody>
+      </p:sp>
+      <p:sp>
+        <p:nvSpPr>
+          <p:cNvPr id="6" name="Inhaltsplatzhalter 5">
+            <a:extLst>
+              <a:ext uri="{FF2B5EF4-FFF2-40B4-BE49-F238E27FC236}">
+                <a16:creationId xmlns:a16="http://schemas.microsoft.com/office/drawing/2014/main" id="{D2412707-84D3-F572-4709-FD9A95F28E5B}"/>
+              </a:ext>
+            </a:extLst>
+          </p:cNvPr>
+          <p:cNvSpPr>
+            <a:spLocks noGrp="1"/>
+          </p:cNvSpPr>
+          <p:nvPr>
+            <p:ph idx="1"/>
+          </p:nvPr>
+        </p:nvSpPr>
+        <p:spPr/>
+        <p:txBody>
+          <a:bodyPr/>
+          <a:lstStyle/>
+          <a:p>
+            <a:pPr algn="l"/>
+            <a:r>
+              <a:rPr lang="en-US" b="1" i="0" dirty="0">
+                <a:solidFill>
+                  <a:srgbClr val="222261"/>
+                </a:solidFill>
+                <a:effectLst/>
+                <a:latin typeface="gitlab sans"/>
+              </a:rPr>
+              <a:t>Use a Docker-in-Docker container image from your container registry</a:t>
+            </a:r>
+          </a:p>
+          <a:p>
+            <a:pPr marL="0" indent="0" algn="l">
+              <a:buNone/>
+            </a:pPr>
+            <a:r>
+              <a:rPr lang="en-US" dirty="0"/>
+              <a:t>You can use your own container images for Docker-in-Docker.</a:t>
+            </a:r>
+          </a:p>
+          <a:p>
+            <a:pPr marL="0" indent="0" algn="l">
+              <a:buNone/>
+            </a:pPr>
+            <a:endParaRPr lang="en-US" dirty="0"/>
+          </a:p>
+          <a:p>
+            <a:pPr marL="0" indent="0" algn="l">
+              <a:buNone/>
+            </a:pPr>
+            <a:r>
+              <a:rPr lang="en-US" dirty="0"/>
+              <a:t>Set up Docker-in-Docker.</a:t>
+            </a:r>
+          </a:p>
+          <a:p>
+            <a:pPr marL="0" indent="0" algn="l">
+              <a:buNone/>
+            </a:pPr>
+            <a:r>
+              <a:rPr lang="en-US" dirty="0"/>
+              <a:t>Update the image and service to point to your registry.</a:t>
+            </a:r>
+          </a:p>
+          <a:p>
+            <a:pPr marL="0" indent="0" algn="l">
+              <a:buNone/>
+            </a:pPr>
+            <a:r>
+              <a:rPr lang="en-US" dirty="0"/>
+              <a:t>Add a service alias.</a:t>
+            </a:r>
+          </a:p>
+          <a:p>
+            <a:pPr marL="0" indent="0" algn="l">
+              <a:buNone/>
+            </a:pPr>
+            <a:r>
+              <a:rPr lang="en-US" dirty="0"/>
+              <a:t>Your .</a:t>
+            </a:r>
+            <a:r>
+              <a:rPr lang="en-US" dirty="0" err="1"/>
+              <a:t>gitlab-ci.yml</a:t>
+            </a:r>
+            <a:r>
+              <a:rPr lang="en-US" dirty="0"/>
+              <a:t> should look similar to this:</a:t>
+            </a:r>
+          </a:p>
+          <a:p>
+            <a:pPr marL="0" indent="0" algn="l">
+              <a:buNone/>
+            </a:pPr>
+            <a:endParaRPr lang="en-US" dirty="0"/>
+          </a:p>
+          <a:p>
+            <a:pPr marL="0" indent="0" algn="l">
+              <a:buNone/>
+            </a:pPr>
+            <a:r>
+              <a:rPr lang="en-US" dirty="0"/>
+              <a:t>build:</a:t>
+            </a:r>
+          </a:p>
+          <a:p>
+            <a:pPr marL="0" indent="0" algn="l">
+              <a:buNone/>
+            </a:pPr>
+            <a:r>
+              <a:rPr lang="en-US" dirty="0"/>
+              <a:t>  image: $CI_REGISTRY/group/project/docker:20.10.16</a:t>
+            </a:r>
+          </a:p>
+          <a:p>
+            <a:pPr marL="0" indent="0" algn="l">
+              <a:buNone/>
+            </a:pPr>
+            <a:r>
+              <a:rPr lang="en-US" dirty="0"/>
+              <a:t>  services:</a:t>
+            </a:r>
+          </a:p>
+          <a:p>
+            <a:pPr marL="0" indent="0" algn="l">
+              <a:buNone/>
+            </a:pPr>
+            <a:r>
+              <a:rPr lang="en-US" dirty="0"/>
+              <a:t>    - name: $CI_REGISTRY/group/project/docker:20.10.16-dind</a:t>
+            </a:r>
+          </a:p>
+          <a:p>
+            <a:pPr marL="0" indent="0" algn="l">
+              <a:buNone/>
+            </a:pPr>
+            <a:r>
+              <a:rPr lang="en-US" dirty="0"/>
+              <a:t>      alias: docker</a:t>
+            </a:r>
+          </a:p>
+          <a:p>
+            <a:pPr marL="0" indent="0" algn="l">
+              <a:buNone/>
+            </a:pPr>
+            <a:r>
+              <a:rPr lang="en-US" dirty="0"/>
+              <a:t>  stage: build</a:t>
+            </a:r>
+          </a:p>
+          <a:p>
+            <a:pPr marL="0" indent="0" algn="l">
+              <a:buNone/>
+            </a:pPr>
+            <a:r>
+              <a:rPr lang="en-US" dirty="0"/>
+              <a:t>  script:</a:t>
+            </a:r>
+          </a:p>
+          <a:p>
+            <a:pPr marL="0" indent="0" algn="l">
+              <a:buNone/>
+            </a:pPr>
+            <a:r>
+              <a:rPr lang="en-US" dirty="0"/>
+              <a:t>    - docker build -t my-docker-image .</a:t>
+            </a:r>
+          </a:p>
+          <a:p>
+            <a:pPr marL="0" indent="0" algn="l">
+              <a:buNone/>
+            </a:pPr>
+            <a:r>
+              <a:rPr lang="en-US" dirty="0"/>
+              <a:t>    - docker run my-docker-image /script/to/run/tests</a:t>
+            </a:r>
+          </a:p>
+          <a:p>
+            <a:pPr marL="0" indent="0" algn="l">
+              <a:buNone/>
+            </a:pPr>
+            <a:endParaRPr lang="en-US" dirty="0"/>
+          </a:p>
+          <a:p>
+            <a:pPr marL="0" indent="0" algn="l">
+              <a:buNone/>
+            </a:pPr>
+            <a:r>
+              <a:rPr lang="en-US" dirty="0"/>
+              <a:t>If you forget to set the service alias, the container image can’t find the </a:t>
+            </a:r>
+            <a:r>
+              <a:rPr lang="en-US" dirty="0" err="1"/>
+              <a:t>dind</a:t>
+            </a:r>
+            <a:r>
+              <a:rPr lang="en-US" dirty="0"/>
+              <a:t> service, and an error like the following is shown:</a:t>
+            </a:r>
+          </a:p>
+          <a:p>
+            <a:pPr marL="0" indent="0" algn="l">
+              <a:buNone/>
+            </a:pPr>
+            <a:endParaRPr lang="en-US" dirty="0"/>
+          </a:p>
+          <a:p>
+            <a:pPr marL="0" indent="0" algn="l">
+              <a:buNone/>
+            </a:pPr>
+            <a:r>
+              <a:rPr lang="en-US" dirty="0"/>
+              <a:t>error during connect: Get http://docker:2376/v1.39/info: dial </a:t>
+            </a:r>
+            <a:r>
+              <a:rPr lang="en-US" dirty="0" err="1"/>
+              <a:t>tcp</a:t>
+            </a:r>
+            <a:r>
+              <a:rPr lang="en-US" dirty="0"/>
+              <a:t>: lookup docker </a:t>
+            </a:r>
+            <a:endParaRPr lang="de-DE" dirty="0"/>
+          </a:p>
+          <a:p>
+            <a:pPr lvl="1">
+              <a:buFont typeface="Arial" panose="020B0604020202020204" pitchFamily="34" charset="0"/>
+              <a:buChar char="•"/>
+            </a:pPr>
+            <a:endParaRPr lang="de-DE" dirty="0"/>
+          </a:p>
+        </p:txBody>
+      </p:sp>
+    </p:spTree>
+    <p:extLst>
+      <p:ext uri="{BB962C8B-B14F-4D97-AF65-F5344CB8AC3E}">
+        <p14:creationId xmlns:p14="http://schemas.microsoft.com/office/powerpoint/2010/main" val="2278471957"/>
+      </p:ext>
+    </p:extLst>
+  </p:cSld>
+  <p:clrMapOvr>
+    <a:masterClrMapping/>
+  </p:clrMapOvr>
+</p:sld>
+</file>
+
+<file path=ppt/slides/slide28.xml><?xml version="1.0" encoding="utf-8"?>
+<p:sld xmlns:a="http://schemas.openxmlformats.org/drawingml/2006/main" xmlns:r="http://schemas.openxmlformats.org/officeDocument/2006/relationships" xmlns:p="http://schemas.openxmlformats.org/presentationml/2006/main">
+  <p:cSld>
+    <p:spTree>
+      <p:nvGrpSpPr>
+        <p:cNvPr id="1" name=""/>
+        <p:cNvGrpSpPr/>
+        <p:nvPr/>
+      </p:nvGrpSpPr>
+      <p:grpSpPr>
+        <a:xfrm>
+          <a:off x="0" y="0"/>
+          <a:ext cx="0" cy="0"/>
+          <a:chOff x="0" y="0"/>
+          <a:chExt cx="0" cy="0"/>
+        </a:xfrm>
+      </p:grpSpPr>
+      <p:sp>
+        <p:nvSpPr>
+          <p:cNvPr id="2" name="Titel 1">
+            <a:extLst>
+              <a:ext uri="{FF2B5EF4-FFF2-40B4-BE49-F238E27FC236}">
+                <a16:creationId xmlns:a16="http://schemas.microsoft.com/office/drawing/2014/main" id="{184AFD09-5210-6F86-C2FD-BBC016D382A6}"/>
+              </a:ext>
+            </a:extLst>
+          </p:cNvPr>
+          <p:cNvSpPr>
+            <a:spLocks noGrp="1"/>
+          </p:cNvSpPr>
+          <p:nvPr>
+            <p:ph type="title"/>
+          </p:nvPr>
+        </p:nvSpPr>
+        <p:spPr/>
+        <p:txBody>
+          <a:bodyPr/>
+          <a:lstStyle/>
+          <a:p>
+            <a:r>
+              <a:rPr lang="de-DE" cap="none" dirty="0"/>
+              <a:t>Release- und </a:t>
+            </a:r>
+            <a:r>
+              <a:rPr lang="de-DE" cap="none" dirty="0" err="1"/>
+              <a:t>Tagged</a:t>
+            </a:r>
+            <a:r>
+              <a:rPr lang="de-DE" cap="none" dirty="0"/>
+              <a:t>-Images</a:t>
+            </a:r>
+            <a:endParaRPr lang="de-DE" dirty="0"/>
+          </a:p>
+        </p:txBody>
+      </p:sp>
+      <p:sp>
+        <p:nvSpPr>
+          <p:cNvPr id="6" name="Inhaltsplatzhalter 5">
+            <a:extLst>
+              <a:ext uri="{FF2B5EF4-FFF2-40B4-BE49-F238E27FC236}">
+                <a16:creationId xmlns:a16="http://schemas.microsoft.com/office/drawing/2014/main" id="{D2412707-84D3-F572-4709-FD9A95F28E5B}"/>
+              </a:ext>
+            </a:extLst>
+          </p:cNvPr>
+          <p:cNvSpPr>
+            <a:spLocks noGrp="1"/>
+          </p:cNvSpPr>
+          <p:nvPr>
+            <p:ph idx="1"/>
+          </p:nvPr>
+        </p:nvSpPr>
+        <p:spPr/>
+        <p:txBody>
+          <a:bodyPr/>
+          <a:lstStyle/>
+          <a:p>
+            <a:pPr algn="l"/>
+            <a:r>
+              <a:rPr lang="en-US" b="1" i="0" dirty="0">
+                <a:solidFill>
+                  <a:srgbClr val="222261"/>
+                </a:solidFill>
+                <a:effectLst/>
+                <a:latin typeface="gitlab sans"/>
+              </a:rPr>
+              <a:t>Use a Docker-in-Docker container image with Dependency Proxy</a:t>
+            </a:r>
+          </a:p>
+          <a:p>
+            <a:pPr marL="0" indent="0" algn="l">
+              <a:buNone/>
+            </a:pPr>
+            <a:r>
+              <a:rPr lang="en-US" dirty="0"/>
+              <a:t>You can use your own container images with Dependency Proxy.</a:t>
+            </a:r>
+          </a:p>
+          <a:p>
+            <a:pPr marL="0" indent="0" algn="l">
+              <a:buNone/>
+            </a:pPr>
+            <a:endParaRPr lang="en-US" dirty="0"/>
+          </a:p>
+          <a:p>
+            <a:pPr marL="0" indent="0" algn="l">
+              <a:buNone/>
+            </a:pPr>
+            <a:r>
+              <a:rPr lang="en-US" dirty="0"/>
+              <a:t>Set up Docker-in-Docker.</a:t>
+            </a:r>
+          </a:p>
+          <a:p>
+            <a:pPr marL="0" indent="0" algn="l">
+              <a:buNone/>
+            </a:pPr>
+            <a:r>
+              <a:rPr lang="en-US" dirty="0"/>
+              <a:t>Update the image and service to point to your registry.</a:t>
+            </a:r>
+          </a:p>
+          <a:p>
+            <a:pPr marL="0" indent="0" algn="l">
+              <a:buNone/>
+            </a:pPr>
+            <a:r>
+              <a:rPr lang="en-US" dirty="0"/>
+              <a:t>Add a service alias.</a:t>
+            </a:r>
+          </a:p>
+          <a:p>
+            <a:pPr marL="0" indent="0" algn="l">
+              <a:buNone/>
+            </a:pPr>
+            <a:r>
+              <a:rPr lang="en-US" dirty="0"/>
+              <a:t>Your .</a:t>
+            </a:r>
+            <a:r>
+              <a:rPr lang="en-US" dirty="0" err="1"/>
+              <a:t>gitlab-ci.yml</a:t>
+            </a:r>
+            <a:r>
+              <a:rPr lang="en-US" dirty="0"/>
+              <a:t> should look similar to this:</a:t>
+            </a:r>
+          </a:p>
+          <a:p>
+            <a:pPr marL="0" indent="0" algn="l">
+              <a:buNone/>
+            </a:pPr>
+            <a:endParaRPr lang="en-US" dirty="0"/>
+          </a:p>
+          <a:p>
+            <a:pPr marL="0" indent="0" algn="l">
+              <a:buNone/>
+            </a:pPr>
+            <a:r>
+              <a:rPr lang="en-US" dirty="0"/>
+              <a:t>build:</a:t>
+            </a:r>
+          </a:p>
+          <a:p>
+            <a:pPr marL="0" indent="0" algn="l">
+              <a:buNone/>
+            </a:pPr>
+            <a:r>
+              <a:rPr lang="en-US" dirty="0"/>
+              <a:t>  image: ${CI_DEPENDENCY_PROXY_GROUP_IMAGE_PREFIX}/docker:20.10.16</a:t>
+            </a:r>
+          </a:p>
+          <a:p>
+            <a:pPr marL="0" indent="0" algn="l">
+              <a:buNone/>
+            </a:pPr>
+            <a:r>
+              <a:rPr lang="en-US" dirty="0"/>
+              <a:t>  services:</a:t>
+            </a:r>
+          </a:p>
+          <a:p>
+            <a:pPr marL="0" indent="0" algn="l">
+              <a:buNone/>
+            </a:pPr>
+            <a:r>
+              <a:rPr lang="en-US" dirty="0"/>
+              <a:t>    - name: ${CI_DEPENDENCY_PROXY_GROUP_IMAGE_PREFIX}/docker:18.09.7-dind</a:t>
+            </a:r>
+          </a:p>
+          <a:p>
+            <a:pPr marL="0" indent="0" algn="l">
+              <a:buNone/>
+            </a:pPr>
+            <a:r>
+              <a:rPr lang="en-US" dirty="0"/>
+              <a:t>      alias: docker</a:t>
+            </a:r>
+          </a:p>
+          <a:p>
+            <a:pPr marL="0" indent="0" algn="l">
+              <a:buNone/>
+            </a:pPr>
+            <a:r>
+              <a:rPr lang="en-US" dirty="0"/>
+              <a:t>  stage: build</a:t>
+            </a:r>
+          </a:p>
+          <a:p>
+            <a:pPr marL="0" indent="0" algn="l">
+              <a:buNone/>
+            </a:pPr>
+            <a:r>
+              <a:rPr lang="en-US" dirty="0"/>
+              <a:t>  script:</a:t>
+            </a:r>
+          </a:p>
+          <a:p>
+            <a:pPr marL="0" indent="0" algn="l">
+              <a:buNone/>
+            </a:pPr>
+            <a:r>
+              <a:rPr lang="en-US" dirty="0"/>
+              <a:t>    - docker build -t my-docker-image .</a:t>
+            </a:r>
+          </a:p>
+          <a:p>
+            <a:pPr marL="0" indent="0" algn="l">
+              <a:buNone/>
+            </a:pPr>
+            <a:r>
+              <a:rPr lang="en-US" dirty="0"/>
+              <a:t>    - docker run my-docker-image /script/to/run/tests</a:t>
+            </a:r>
+          </a:p>
+          <a:p>
+            <a:pPr marL="0" indent="0" algn="l">
+              <a:buNone/>
+            </a:pPr>
+            <a:endParaRPr lang="en-US" dirty="0"/>
+          </a:p>
+          <a:p>
+            <a:pPr marL="0" indent="0" algn="l">
+              <a:buNone/>
+            </a:pPr>
+            <a:r>
+              <a:rPr lang="en-US" dirty="0"/>
+              <a:t>If you forget to set the service alias, the container image can’t find the </a:t>
+            </a:r>
+            <a:r>
+              <a:rPr lang="en-US" dirty="0" err="1"/>
+              <a:t>dind</a:t>
+            </a:r>
+            <a:r>
+              <a:rPr lang="en-US" dirty="0"/>
+              <a:t> service, and an error like the following is shown:</a:t>
+            </a:r>
+          </a:p>
+          <a:p>
+            <a:pPr marL="0" indent="0" algn="l">
+              <a:buNone/>
+            </a:pPr>
+            <a:endParaRPr lang="en-US" dirty="0"/>
+          </a:p>
+          <a:p>
+            <a:pPr marL="0" indent="0" algn="l">
+              <a:buNone/>
+            </a:pPr>
+            <a:r>
+              <a:rPr lang="en-US" dirty="0"/>
+              <a:t>error during connect: Get http://docker:2376/v1.39/info: dial </a:t>
+            </a:r>
+            <a:r>
+              <a:rPr lang="en-US" dirty="0" err="1"/>
+              <a:t>tcp</a:t>
+            </a:r>
+            <a:r>
+              <a:rPr lang="en-US" dirty="0"/>
+              <a:t>: lookup docker o</a:t>
+            </a:r>
+            <a:endParaRPr lang="de-DE" dirty="0"/>
+          </a:p>
+          <a:p>
+            <a:pPr lvl="1">
+              <a:buFont typeface="Arial" panose="020B0604020202020204" pitchFamily="34" charset="0"/>
+              <a:buChar char="•"/>
+            </a:pPr>
+            <a:endParaRPr lang="de-DE" dirty="0"/>
+          </a:p>
+        </p:txBody>
+      </p:sp>
+    </p:spTree>
+    <p:extLst>
+      <p:ext uri="{BB962C8B-B14F-4D97-AF65-F5344CB8AC3E}">
+        <p14:creationId xmlns:p14="http://schemas.microsoft.com/office/powerpoint/2010/main" val="1160348306"/>
+      </p:ext>
+    </p:extLst>
+  </p:cSld>
+  <p:clrMapOvr>
+    <a:masterClrMapping/>
+  </p:clrMapOvr>
+</p:sld>
+</file>
+
+<file path=ppt/slides/slide29.xml><?xml version="1.0" encoding="utf-8"?>
+<p:sld xmlns:a="http://schemas.openxmlformats.org/drawingml/2006/main" xmlns:r="http://schemas.openxmlformats.org/officeDocument/2006/relationships" xmlns:p="http://schemas.openxmlformats.org/presentationml/2006/main">
+  <p:cSld>
+    <p:spTree>
+      <p:nvGrpSpPr>
+        <p:cNvPr id="1" name=""/>
+        <p:cNvGrpSpPr/>
+        <p:nvPr/>
+      </p:nvGrpSpPr>
+      <p:grpSpPr>
+        <a:xfrm>
+          <a:off x="0" y="0"/>
+          <a:ext cx="0" cy="0"/>
+          <a:chOff x="0" y="0"/>
+          <a:chExt cx="0" cy="0"/>
+        </a:xfrm>
+      </p:grpSpPr>
+      <p:sp>
+        <p:nvSpPr>
+          <p:cNvPr id="2" name="Titel 1">
+            <a:extLst>
+              <a:ext uri="{FF2B5EF4-FFF2-40B4-BE49-F238E27FC236}">
+                <a16:creationId xmlns:a16="http://schemas.microsoft.com/office/drawing/2014/main" id="{DB1F447C-2F61-B060-8EFE-D98620927A6E}"/>
+              </a:ext>
+            </a:extLst>
+          </p:cNvPr>
+          <p:cNvSpPr>
+            <a:spLocks noGrp="1"/>
+          </p:cNvSpPr>
+          <p:nvPr>
+            <p:ph type="title"/>
+          </p:nvPr>
+        </p:nvSpPr>
+        <p:spPr/>
+        <p:txBody>
+          <a:bodyPr/>
+          <a:lstStyle/>
+          <a:p>
+            <a:endParaRPr lang="de-DE" dirty="0"/>
+          </a:p>
+        </p:txBody>
+      </p:sp>
+      <p:sp>
+        <p:nvSpPr>
+          <p:cNvPr id="3" name="Inhaltsplatzhalter 2">
+            <a:extLst>
+              <a:ext uri="{FF2B5EF4-FFF2-40B4-BE49-F238E27FC236}">
+                <a16:creationId xmlns:a16="http://schemas.microsoft.com/office/drawing/2014/main" id="{68EC2247-CA50-F34D-5B3B-2171A8AD687B}"/>
+              </a:ext>
+            </a:extLst>
+          </p:cNvPr>
+          <p:cNvSpPr>
+            <a:spLocks noGrp="1"/>
+          </p:cNvSpPr>
+          <p:nvPr>
+            <p:ph idx="1"/>
+          </p:nvPr>
+        </p:nvSpPr>
+        <p:spPr/>
+        <p:txBody>
+          <a:bodyPr/>
+          <a:lstStyle/>
+          <a:p>
+            <a:r>
+              <a:rPr lang="de-DE" dirty="0" err="1"/>
+              <a:t>Dependency</a:t>
+            </a:r>
+            <a:r>
+              <a:rPr lang="de-DE" dirty="0"/>
+              <a:t> Proxy:</a:t>
+            </a:r>
+          </a:p>
+          <a:p>
+            <a:r>
+              <a:rPr lang="de-DE" dirty="0">
+                <a:hlinkClick r:id="rId2"/>
+              </a:rPr>
+              <a:t>https://docs.gitlab.com/ee/user/packages/dependency_proxy/</a:t>
+            </a:r>
+            <a:endParaRPr lang="de-DE" dirty="0"/>
+          </a:p>
+          <a:p>
+            <a:pPr marL="0" indent="0">
+              <a:buNone/>
+            </a:pPr>
+            <a:endParaRPr lang="de-DE" dirty="0"/>
+          </a:p>
+        </p:txBody>
+      </p:sp>
+    </p:spTree>
+    <p:extLst>
+      <p:ext uri="{BB962C8B-B14F-4D97-AF65-F5344CB8AC3E}">
+        <p14:creationId xmlns:p14="http://schemas.microsoft.com/office/powerpoint/2010/main" val="844561808"/>
       </p:ext>
     </p:extLst>
   </p:cSld>
@@ -8827,6 +11059,1752 @@
     <p:extLst>
       <p:ext uri="{BB962C8B-B14F-4D97-AF65-F5344CB8AC3E}">
         <p14:creationId xmlns:p14="http://schemas.microsoft.com/office/powerpoint/2010/main" val="3071277897"/>
+      </p:ext>
+    </p:extLst>
+  </p:cSld>
+  <p:clrMapOvr>
+    <a:masterClrMapping/>
+  </p:clrMapOvr>
+</p:sld>
+</file>
+
+<file path=ppt/slides/slide30.xml><?xml version="1.0" encoding="utf-8"?>
+<p:sld xmlns:a="http://schemas.openxmlformats.org/drawingml/2006/main" xmlns:r="http://schemas.openxmlformats.org/officeDocument/2006/relationships" xmlns:p="http://schemas.openxmlformats.org/presentationml/2006/main">
+  <p:cSld>
+    <p:spTree>
+      <p:nvGrpSpPr>
+        <p:cNvPr id="1" name=""/>
+        <p:cNvGrpSpPr/>
+        <p:nvPr/>
+      </p:nvGrpSpPr>
+      <p:grpSpPr>
+        <a:xfrm>
+          <a:off x="0" y="0"/>
+          <a:ext cx="0" cy="0"/>
+          <a:chOff x="0" y="0"/>
+          <a:chExt cx="0" cy="0"/>
+        </a:xfrm>
+      </p:grpSpPr>
+      <p:sp>
+        <p:nvSpPr>
+          <p:cNvPr id="2" name="Titel 1">
+            <a:extLst>
+              <a:ext uri="{FF2B5EF4-FFF2-40B4-BE49-F238E27FC236}">
+                <a16:creationId xmlns:a16="http://schemas.microsoft.com/office/drawing/2014/main" id="{184AFD09-5210-6F86-C2FD-BBC016D382A6}"/>
+              </a:ext>
+            </a:extLst>
+          </p:cNvPr>
+          <p:cNvSpPr>
+            <a:spLocks noGrp="1"/>
+          </p:cNvSpPr>
+          <p:nvPr>
+            <p:ph type="title"/>
+          </p:nvPr>
+        </p:nvSpPr>
+        <p:spPr/>
+        <p:txBody>
+          <a:bodyPr/>
+          <a:lstStyle/>
+          <a:p>
+            <a:r>
+              <a:rPr lang="de-DE" cap="none" dirty="0"/>
+              <a:t>Release- und </a:t>
+            </a:r>
+            <a:r>
+              <a:rPr lang="de-DE" cap="none" dirty="0" err="1"/>
+              <a:t>Tagged</a:t>
+            </a:r>
+            <a:r>
+              <a:rPr lang="de-DE" cap="none" dirty="0"/>
+              <a:t>-Images</a:t>
+            </a:r>
+            <a:endParaRPr lang="de-DE" dirty="0"/>
+          </a:p>
+        </p:txBody>
+      </p:sp>
+      <p:sp>
+        <p:nvSpPr>
+          <p:cNvPr id="6" name="Inhaltsplatzhalter 5">
+            <a:extLst>
+              <a:ext uri="{FF2B5EF4-FFF2-40B4-BE49-F238E27FC236}">
+                <a16:creationId xmlns:a16="http://schemas.microsoft.com/office/drawing/2014/main" id="{D2412707-84D3-F572-4709-FD9A95F28E5B}"/>
+              </a:ext>
+            </a:extLst>
+          </p:cNvPr>
+          <p:cNvSpPr>
+            <a:spLocks noGrp="1"/>
+          </p:cNvSpPr>
+          <p:nvPr>
+            <p:ph idx="1"/>
+          </p:nvPr>
+        </p:nvSpPr>
+        <p:spPr/>
+        <p:txBody>
+          <a:bodyPr/>
+          <a:lstStyle/>
+          <a:p>
+            <a:pPr algn="l"/>
+            <a:r>
+              <a:rPr lang="en-US" b="1" i="0" dirty="0">
+                <a:solidFill>
+                  <a:srgbClr val="222261"/>
+                </a:solidFill>
+                <a:effectLst/>
+                <a:latin typeface="gitlab sans"/>
+              </a:rPr>
+              <a:t>Container registry examples with GitLab CI/CD</a:t>
+            </a:r>
+          </a:p>
+          <a:p>
+            <a:pPr marL="0" indent="0">
+              <a:buNone/>
+            </a:pPr>
+            <a:r>
+              <a:rPr lang="de-DE" dirty="0" err="1"/>
+              <a:t>If</a:t>
+            </a:r>
+            <a:r>
+              <a:rPr lang="de-DE" dirty="0"/>
+              <a:t> </a:t>
+            </a:r>
+            <a:r>
+              <a:rPr lang="de-DE" dirty="0" err="1"/>
+              <a:t>you’re</a:t>
+            </a:r>
+            <a:r>
+              <a:rPr lang="de-DE" dirty="0"/>
+              <a:t> </a:t>
+            </a:r>
+            <a:r>
+              <a:rPr lang="de-DE" dirty="0" err="1"/>
+              <a:t>using</a:t>
+            </a:r>
+            <a:r>
+              <a:rPr lang="de-DE" dirty="0"/>
+              <a:t> Docker-in-Docker on </a:t>
+            </a:r>
+            <a:r>
+              <a:rPr lang="de-DE" dirty="0" err="1"/>
+              <a:t>your</a:t>
+            </a:r>
+            <a:r>
+              <a:rPr lang="de-DE" dirty="0"/>
+              <a:t> </a:t>
+            </a:r>
+            <a:r>
+              <a:rPr lang="de-DE" dirty="0" err="1"/>
+              <a:t>runners</a:t>
+            </a:r>
+            <a:r>
+              <a:rPr lang="de-DE" dirty="0"/>
+              <a:t>, </a:t>
+            </a:r>
+            <a:r>
+              <a:rPr lang="de-DE" dirty="0" err="1"/>
+              <a:t>your</a:t>
+            </a:r>
+            <a:r>
+              <a:rPr lang="de-DE" dirty="0"/>
+              <a:t> .</a:t>
+            </a:r>
+            <a:r>
+              <a:rPr lang="de-DE" dirty="0" err="1"/>
+              <a:t>gitlab-ci.yml</a:t>
+            </a:r>
+            <a:r>
+              <a:rPr lang="de-DE" dirty="0"/>
+              <a:t> </a:t>
+            </a:r>
+            <a:r>
+              <a:rPr lang="de-DE" dirty="0" err="1"/>
+              <a:t>file</a:t>
+            </a:r>
+            <a:r>
+              <a:rPr lang="de-DE" dirty="0"/>
+              <a:t> </a:t>
+            </a:r>
+            <a:r>
+              <a:rPr lang="de-DE" dirty="0" err="1"/>
+              <a:t>should</a:t>
+            </a:r>
+            <a:r>
+              <a:rPr lang="de-DE" dirty="0"/>
+              <a:t> </a:t>
+            </a:r>
+            <a:r>
+              <a:rPr lang="de-DE" dirty="0" err="1"/>
+              <a:t>look</a:t>
+            </a:r>
+            <a:r>
+              <a:rPr lang="de-DE" dirty="0"/>
+              <a:t> </a:t>
+            </a:r>
+            <a:r>
+              <a:rPr lang="de-DE" dirty="0" err="1"/>
+              <a:t>similar</a:t>
+            </a:r>
+            <a:r>
+              <a:rPr lang="de-DE" dirty="0"/>
+              <a:t> </a:t>
+            </a:r>
+            <a:r>
+              <a:rPr lang="de-DE" dirty="0" err="1"/>
+              <a:t>to</a:t>
+            </a:r>
+            <a:r>
+              <a:rPr lang="de-DE" dirty="0"/>
+              <a:t> </a:t>
+            </a:r>
+            <a:r>
+              <a:rPr lang="de-DE" dirty="0" err="1"/>
+              <a:t>this</a:t>
+            </a:r>
+            <a:r>
+              <a:rPr lang="de-DE" dirty="0"/>
+              <a:t>:</a:t>
+            </a:r>
+          </a:p>
+          <a:p>
+            <a:pPr marL="0" indent="0">
+              <a:buNone/>
+            </a:pPr>
+            <a:endParaRPr lang="de-DE" dirty="0"/>
+          </a:p>
+          <a:p>
+            <a:pPr marL="0" indent="0">
+              <a:buNone/>
+            </a:pPr>
+            <a:r>
+              <a:rPr lang="de-DE" dirty="0" err="1"/>
+              <a:t>build</a:t>
+            </a:r>
+            <a:r>
+              <a:rPr lang="de-DE" dirty="0"/>
+              <a:t>:</a:t>
+            </a:r>
+          </a:p>
+          <a:p>
+            <a:pPr marL="0" indent="0">
+              <a:buNone/>
+            </a:pPr>
+            <a:r>
+              <a:rPr lang="de-DE" dirty="0"/>
+              <a:t>  </a:t>
+            </a:r>
+            <a:r>
+              <a:rPr lang="de-DE" dirty="0" err="1"/>
+              <a:t>image</a:t>
+            </a:r>
+            <a:r>
+              <a:rPr lang="de-DE" dirty="0"/>
+              <a:t>: docker:20.10.16</a:t>
+            </a:r>
+          </a:p>
+          <a:p>
+            <a:pPr marL="0" indent="0">
+              <a:buNone/>
+            </a:pPr>
+            <a:r>
+              <a:rPr lang="de-DE" dirty="0"/>
+              <a:t>  </a:t>
+            </a:r>
+            <a:r>
+              <a:rPr lang="de-DE" dirty="0" err="1"/>
+              <a:t>stage</a:t>
+            </a:r>
+            <a:r>
+              <a:rPr lang="de-DE" dirty="0"/>
+              <a:t>: </a:t>
+            </a:r>
+            <a:r>
+              <a:rPr lang="de-DE" dirty="0" err="1"/>
+              <a:t>build</a:t>
+            </a:r>
+            <a:endParaRPr lang="de-DE" dirty="0"/>
+          </a:p>
+          <a:p>
+            <a:pPr marL="0" indent="0">
+              <a:buNone/>
+            </a:pPr>
+            <a:r>
+              <a:rPr lang="de-DE" dirty="0"/>
+              <a:t>  </a:t>
+            </a:r>
+            <a:r>
+              <a:rPr lang="de-DE" dirty="0" err="1"/>
+              <a:t>services</a:t>
+            </a:r>
+            <a:r>
+              <a:rPr lang="de-DE" dirty="0"/>
+              <a:t>:</a:t>
+            </a:r>
+          </a:p>
+          <a:p>
+            <a:pPr marL="0" indent="0">
+              <a:buNone/>
+            </a:pPr>
+            <a:r>
+              <a:rPr lang="de-DE" dirty="0"/>
+              <a:t>    - docker:20.10.16-dind</a:t>
+            </a:r>
+          </a:p>
+          <a:p>
+            <a:pPr marL="0" indent="0">
+              <a:buNone/>
+            </a:pPr>
+            <a:r>
+              <a:rPr lang="de-DE" dirty="0"/>
+              <a:t>  </a:t>
+            </a:r>
+            <a:r>
+              <a:rPr lang="de-DE" dirty="0" err="1"/>
+              <a:t>script</a:t>
+            </a:r>
+            <a:r>
+              <a:rPr lang="de-DE" dirty="0"/>
+              <a:t>:</a:t>
+            </a:r>
+          </a:p>
+          <a:p>
+            <a:pPr marL="0" indent="0">
+              <a:buNone/>
+            </a:pPr>
+            <a:r>
+              <a:rPr lang="de-DE" dirty="0"/>
+              <a:t>    - </a:t>
+            </a:r>
+            <a:r>
+              <a:rPr lang="de-DE" dirty="0" err="1"/>
+              <a:t>docker</a:t>
+            </a:r>
+            <a:r>
+              <a:rPr lang="de-DE" dirty="0"/>
+              <a:t> </a:t>
+            </a:r>
+            <a:r>
+              <a:rPr lang="de-DE" dirty="0" err="1"/>
+              <a:t>login</a:t>
+            </a:r>
+            <a:r>
+              <a:rPr lang="de-DE" dirty="0"/>
+              <a:t> -u $CI_REGISTRY_USER -p $CI_REGISTRY_PASSWORD $CI_REGISTRY</a:t>
+            </a:r>
+          </a:p>
+          <a:p>
+            <a:pPr marL="0" indent="0">
+              <a:buNone/>
+            </a:pPr>
+            <a:r>
+              <a:rPr lang="de-DE" dirty="0"/>
+              <a:t>    - </a:t>
+            </a:r>
+            <a:r>
+              <a:rPr lang="de-DE" dirty="0" err="1"/>
+              <a:t>docker</a:t>
+            </a:r>
+            <a:r>
+              <a:rPr lang="de-DE" dirty="0"/>
+              <a:t> </a:t>
+            </a:r>
+            <a:r>
+              <a:rPr lang="de-DE" dirty="0" err="1"/>
+              <a:t>build</a:t>
+            </a:r>
+            <a:r>
+              <a:rPr lang="de-DE" dirty="0"/>
+              <a:t> -t $CI_REGISTRY/</a:t>
+            </a:r>
+            <a:r>
+              <a:rPr lang="de-DE" dirty="0" err="1"/>
+              <a:t>group</a:t>
+            </a:r>
+            <a:r>
+              <a:rPr lang="de-DE" dirty="0"/>
+              <a:t>/</a:t>
+            </a:r>
+            <a:r>
+              <a:rPr lang="de-DE" dirty="0" err="1"/>
+              <a:t>project</a:t>
+            </a:r>
+            <a:r>
+              <a:rPr lang="de-DE" dirty="0"/>
+              <a:t>/</a:t>
+            </a:r>
+            <a:r>
+              <a:rPr lang="de-DE" dirty="0" err="1"/>
+              <a:t>image:latest</a:t>
+            </a:r>
+            <a:r>
+              <a:rPr lang="de-DE" dirty="0"/>
+              <a:t> .</a:t>
+            </a:r>
+          </a:p>
+          <a:p>
+            <a:pPr marL="0" indent="0">
+              <a:buNone/>
+            </a:pPr>
+            <a:r>
+              <a:rPr lang="de-DE" dirty="0"/>
+              <a:t>    - </a:t>
+            </a:r>
+            <a:r>
+              <a:rPr lang="de-DE" dirty="0" err="1"/>
+              <a:t>docker</a:t>
+            </a:r>
+            <a:r>
+              <a:rPr lang="de-DE" dirty="0"/>
+              <a:t> push $CI_REGISTRY/</a:t>
+            </a:r>
+            <a:r>
+              <a:rPr lang="de-DE" dirty="0" err="1"/>
+              <a:t>group</a:t>
+            </a:r>
+            <a:r>
+              <a:rPr lang="de-DE" dirty="0"/>
+              <a:t>/</a:t>
+            </a:r>
+            <a:r>
+              <a:rPr lang="de-DE" dirty="0" err="1"/>
+              <a:t>project</a:t>
+            </a:r>
+            <a:r>
+              <a:rPr lang="de-DE" dirty="0"/>
+              <a:t>/</a:t>
+            </a:r>
+            <a:r>
+              <a:rPr lang="de-DE" dirty="0" err="1"/>
+              <a:t>image:latest</a:t>
+            </a:r>
+            <a:endParaRPr lang="de-DE" dirty="0"/>
+          </a:p>
+          <a:p>
+            <a:pPr lvl="1">
+              <a:buFont typeface="Arial" panose="020B0604020202020204" pitchFamily="34" charset="0"/>
+              <a:buChar char="•"/>
+            </a:pPr>
+            <a:endParaRPr lang="de-DE" dirty="0"/>
+          </a:p>
+        </p:txBody>
+      </p:sp>
+    </p:spTree>
+    <p:extLst>
+      <p:ext uri="{BB962C8B-B14F-4D97-AF65-F5344CB8AC3E}">
+        <p14:creationId xmlns:p14="http://schemas.microsoft.com/office/powerpoint/2010/main" val="3178729389"/>
+      </p:ext>
+    </p:extLst>
+  </p:cSld>
+  <p:clrMapOvr>
+    <a:masterClrMapping/>
+  </p:clrMapOvr>
+</p:sld>
+</file>
+
+<file path=ppt/slides/slide31.xml><?xml version="1.0" encoding="utf-8"?>
+<p:sld xmlns:a="http://schemas.openxmlformats.org/drawingml/2006/main" xmlns:r="http://schemas.openxmlformats.org/officeDocument/2006/relationships" xmlns:p="http://schemas.openxmlformats.org/presentationml/2006/main">
+  <p:cSld>
+    <p:spTree>
+      <p:nvGrpSpPr>
+        <p:cNvPr id="1" name=""/>
+        <p:cNvGrpSpPr/>
+        <p:nvPr/>
+      </p:nvGrpSpPr>
+      <p:grpSpPr>
+        <a:xfrm>
+          <a:off x="0" y="0"/>
+          <a:ext cx="0" cy="0"/>
+          <a:chOff x="0" y="0"/>
+          <a:chExt cx="0" cy="0"/>
+        </a:xfrm>
+      </p:grpSpPr>
+      <p:sp>
+        <p:nvSpPr>
+          <p:cNvPr id="2" name="Titel 1">
+            <a:extLst>
+              <a:ext uri="{FF2B5EF4-FFF2-40B4-BE49-F238E27FC236}">
+                <a16:creationId xmlns:a16="http://schemas.microsoft.com/office/drawing/2014/main" id="{184AFD09-5210-6F86-C2FD-BBC016D382A6}"/>
+              </a:ext>
+            </a:extLst>
+          </p:cNvPr>
+          <p:cNvSpPr>
+            <a:spLocks noGrp="1"/>
+          </p:cNvSpPr>
+          <p:nvPr>
+            <p:ph type="title"/>
+          </p:nvPr>
+        </p:nvSpPr>
+        <p:spPr/>
+        <p:txBody>
+          <a:bodyPr/>
+          <a:lstStyle/>
+          <a:p>
+            <a:r>
+              <a:rPr lang="de-DE" cap="none" dirty="0"/>
+              <a:t>Release- und </a:t>
+            </a:r>
+            <a:r>
+              <a:rPr lang="de-DE" cap="none" dirty="0" err="1"/>
+              <a:t>Tagged</a:t>
+            </a:r>
+            <a:r>
+              <a:rPr lang="de-DE" cap="none" dirty="0"/>
+              <a:t>-Images</a:t>
+            </a:r>
+            <a:endParaRPr lang="de-DE" dirty="0"/>
+          </a:p>
+        </p:txBody>
+      </p:sp>
+      <p:sp>
+        <p:nvSpPr>
+          <p:cNvPr id="6" name="Inhaltsplatzhalter 5">
+            <a:extLst>
+              <a:ext uri="{FF2B5EF4-FFF2-40B4-BE49-F238E27FC236}">
+                <a16:creationId xmlns:a16="http://schemas.microsoft.com/office/drawing/2014/main" id="{D2412707-84D3-F572-4709-FD9A95F28E5B}"/>
+              </a:ext>
+            </a:extLst>
+          </p:cNvPr>
+          <p:cNvSpPr>
+            <a:spLocks noGrp="1"/>
+          </p:cNvSpPr>
+          <p:nvPr>
+            <p:ph idx="1"/>
+          </p:nvPr>
+        </p:nvSpPr>
+        <p:spPr/>
+        <p:txBody>
+          <a:bodyPr/>
+          <a:lstStyle/>
+          <a:p>
+            <a:pPr algn="l"/>
+            <a:r>
+              <a:rPr lang="en-US" b="1" i="0" dirty="0">
+                <a:solidFill>
+                  <a:srgbClr val="222261"/>
+                </a:solidFill>
+                <a:effectLst/>
+                <a:latin typeface="gitlab sans"/>
+              </a:rPr>
+              <a:t>Container registry examples with GitLab CI/CD</a:t>
+            </a:r>
+          </a:p>
+          <a:p>
+            <a:pPr marL="0" indent="0" algn="l">
+              <a:buNone/>
+            </a:pPr>
+            <a:r>
+              <a:rPr lang="en-US" b="1" i="0" dirty="0">
+                <a:solidFill>
+                  <a:srgbClr val="222261"/>
+                </a:solidFill>
+                <a:effectLst/>
+                <a:latin typeface="gitlab sans"/>
+              </a:rPr>
+              <a:t>You can use CI/CD variables in your .</a:t>
+            </a:r>
+            <a:r>
+              <a:rPr lang="en-US" b="1" i="0" dirty="0" err="1">
+                <a:solidFill>
+                  <a:srgbClr val="222261"/>
+                </a:solidFill>
+                <a:effectLst/>
+                <a:latin typeface="gitlab sans"/>
+              </a:rPr>
+              <a:t>gitlab-ci.yml</a:t>
+            </a:r>
+            <a:r>
+              <a:rPr lang="en-US" b="1" i="0" dirty="0">
+                <a:solidFill>
+                  <a:srgbClr val="222261"/>
+                </a:solidFill>
+                <a:effectLst/>
+                <a:latin typeface="gitlab sans"/>
+              </a:rPr>
+              <a:t> file. For example:</a:t>
+            </a:r>
+          </a:p>
+          <a:p>
+            <a:pPr marL="0" indent="0" algn="l">
+              <a:buNone/>
+            </a:pPr>
+            <a:endParaRPr lang="en-US" b="1" i="0" dirty="0">
+              <a:solidFill>
+                <a:srgbClr val="222261"/>
+              </a:solidFill>
+              <a:effectLst/>
+              <a:latin typeface="gitlab sans"/>
+            </a:endParaRPr>
+          </a:p>
+          <a:p>
+            <a:pPr marL="0" indent="0" algn="l">
+              <a:buNone/>
+            </a:pPr>
+            <a:r>
+              <a:rPr lang="en-US" b="1" i="0" dirty="0">
+                <a:solidFill>
+                  <a:srgbClr val="222261"/>
+                </a:solidFill>
+                <a:effectLst/>
+                <a:latin typeface="gitlab sans"/>
+              </a:rPr>
+              <a:t>build:</a:t>
+            </a:r>
+          </a:p>
+          <a:p>
+            <a:pPr marL="0" indent="0" algn="l">
+              <a:buNone/>
+            </a:pPr>
+            <a:r>
+              <a:rPr lang="en-US" b="1" i="0" dirty="0">
+                <a:solidFill>
+                  <a:srgbClr val="222261"/>
+                </a:solidFill>
+                <a:effectLst/>
+                <a:latin typeface="gitlab sans"/>
+              </a:rPr>
+              <a:t>  image: docker:20.10.16</a:t>
+            </a:r>
+          </a:p>
+          <a:p>
+            <a:pPr marL="0" indent="0" algn="l">
+              <a:buNone/>
+            </a:pPr>
+            <a:r>
+              <a:rPr lang="en-US" b="1" i="0" dirty="0">
+                <a:solidFill>
+                  <a:srgbClr val="222261"/>
+                </a:solidFill>
+                <a:effectLst/>
+                <a:latin typeface="gitlab sans"/>
+              </a:rPr>
+              <a:t>  stage: build</a:t>
+            </a:r>
+          </a:p>
+          <a:p>
+            <a:pPr marL="0" indent="0" algn="l">
+              <a:buNone/>
+            </a:pPr>
+            <a:r>
+              <a:rPr lang="en-US" b="1" i="0" dirty="0">
+                <a:solidFill>
+                  <a:srgbClr val="222261"/>
+                </a:solidFill>
+                <a:effectLst/>
+                <a:latin typeface="gitlab sans"/>
+              </a:rPr>
+              <a:t>  services:</a:t>
+            </a:r>
+          </a:p>
+          <a:p>
+            <a:pPr marL="0" indent="0" algn="l">
+              <a:buNone/>
+            </a:pPr>
+            <a:r>
+              <a:rPr lang="en-US" b="1" i="0" dirty="0">
+                <a:solidFill>
+                  <a:srgbClr val="222261"/>
+                </a:solidFill>
+                <a:effectLst/>
+                <a:latin typeface="gitlab sans"/>
+              </a:rPr>
+              <a:t>    - docker:20.10.16-dind</a:t>
+            </a:r>
+          </a:p>
+          <a:p>
+            <a:pPr marL="0" indent="0" algn="l">
+              <a:buNone/>
+            </a:pPr>
+            <a:r>
+              <a:rPr lang="en-US" b="1" i="0" dirty="0">
+                <a:solidFill>
+                  <a:srgbClr val="222261"/>
+                </a:solidFill>
+                <a:effectLst/>
+                <a:latin typeface="gitlab sans"/>
+              </a:rPr>
+              <a:t>  variables:</a:t>
+            </a:r>
+          </a:p>
+          <a:p>
+            <a:pPr marL="0" indent="0" algn="l">
+              <a:buNone/>
+            </a:pPr>
+            <a:r>
+              <a:rPr lang="en-US" b="1" i="0" dirty="0">
+                <a:solidFill>
+                  <a:srgbClr val="222261"/>
+                </a:solidFill>
+                <a:effectLst/>
+                <a:latin typeface="gitlab sans"/>
+              </a:rPr>
+              <a:t>    IMAGE_TAG: $CI_REGISTRY_IMAGE:$CI_COMMIT_REF_SLUG</a:t>
+            </a:r>
+          </a:p>
+          <a:p>
+            <a:pPr marL="0" indent="0" algn="l">
+              <a:buNone/>
+            </a:pPr>
+            <a:r>
+              <a:rPr lang="en-US" b="1" i="0" dirty="0">
+                <a:solidFill>
+                  <a:srgbClr val="222261"/>
+                </a:solidFill>
+                <a:effectLst/>
+                <a:latin typeface="gitlab sans"/>
+              </a:rPr>
+              <a:t>  script:</a:t>
+            </a:r>
+          </a:p>
+          <a:p>
+            <a:pPr marL="0" indent="0" algn="l">
+              <a:buNone/>
+            </a:pPr>
+            <a:r>
+              <a:rPr lang="en-US" b="1" i="0" dirty="0">
+                <a:solidFill>
+                  <a:srgbClr val="222261"/>
+                </a:solidFill>
+                <a:effectLst/>
+                <a:latin typeface="gitlab sans"/>
+              </a:rPr>
+              <a:t>    - docker login -u $CI_REGISTRY_USER -p $CI_REGISTRY_PASSWORD $CI_REGISTRY</a:t>
+            </a:r>
+          </a:p>
+          <a:p>
+            <a:pPr marL="0" indent="0" algn="l">
+              <a:buNone/>
+            </a:pPr>
+            <a:r>
+              <a:rPr lang="en-US" b="1" i="0" dirty="0">
+                <a:solidFill>
+                  <a:srgbClr val="222261"/>
+                </a:solidFill>
+                <a:effectLst/>
+                <a:latin typeface="gitlab sans"/>
+              </a:rPr>
+              <a:t>    - docker build -t $IMAGE_TAG .</a:t>
+            </a:r>
+          </a:p>
+          <a:p>
+            <a:pPr marL="0" indent="0" algn="l">
+              <a:buNone/>
+            </a:pPr>
+            <a:r>
+              <a:rPr lang="en-US" b="1" i="0" dirty="0">
+                <a:solidFill>
+                  <a:srgbClr val="222261"/>
+                </a:solidFill>
+                <a:effectLst/>
+                <a:latin typeface="gitlab sans"/>
+              </a:rPr>
+              <a:t>    - docker push $IMAGE_TAG</a:t>
+            </a:r>
+          </a:p>
+          <a:p>
+            <a:pPr marL="0" indent="0" algn="l">
+              <a:buNone/>
+            </a:pPr>
+            <a:endParaRPr lang="en-US" b="1" i="0" dirty="0">
+              <a:solidFill>
+                <a:srgbClr val="222261"/>
+              </a:solidFill>
+              <a:effectLst/>
+              <a:latin typeface="gitlab sans"/>
+            </a:endParaRPr>
+          </a:p>
+          <a:p>
+            <a:pPr marL="0" indent="0" algn="l">
+              <a:buNone/>
+            </a:pPr>
+            <a:r>
+              <a:rPr lang="en-US" b="1" i="0" dirty="0">
+                <a:solidFill>
+                  <a:srgbClr val="222261"/>
+                </a:solidFill>
+                <a:effectLst/>
+                <a:latin typeface="gitlab sans"/>
+              </a:rPr>
+              <a:t>In this example, $CI_REGISTRY_IMAGE resolves to the address of the registry tied to this project. $CI_COMMIT_REF_NAME resolves to the branch or tag name, which can contain forward slashes. Image tags can’t contain forward slashes. Use $CI_COMMIT_REF_SLUG as the image tag. You can declare the variable, $IMAGE_TAG, combining $CI_REGISTRY_IMAGE and $CI_COMMIT_REF_NAME to save some typing in the script section.</a:t>
+            </a:r>
+          </a:p>
+          <a:p>
+            <a:pPr lvl="2">
+              <a:buFont typeface="Arial" panose="020B0604020202020204" pitchFamily="34" charset="0"/>
+              <a:buChar char="•"/>
+            </a:pPr>
+            <a:endParaRPr lang="de-DE" dirty="0"/>
+          </a:p>
+          <a:p>
+            <a:pPr lvl="1">
+              <a:buFont typeface="Arial" panose="020B0604020202020204" pitchFamily="34" charset="0"/>
+              <a:buChar char="•"/>
+            </a:pPr>
+            <a:endParaRPr lang="de-DE" dirty="0"/>
+          </a:p>
+        </p:txBody>
+      </p:sp>
+    </p:spTree>
+    <p:extLst>
+      <p:ext uri="{BB962C8B-B14F-4D97-AF65-F5344CB8AC3E}">
+        <p14:creationId xmlns:p14="http://schemas.microsoft.com/office/powerpoint/2010/main" val="2220673560"/>
+      </p:ext>
+    </p:extLst>
+  </p:cSld>
+  <p:clrMapOvr>
+    <a:masterClrMapping/>
+  </p:clrMapOvr>
+</p:sld>
+</file>
+
+<file path=ppt/slides/slide32.xml><?xml version="1.0" encoding="utf-8"?>
+<p:sld xmlns:a="http://schemas.openxmlformats.org/drawingml/2006/main" xmlns:r="http://schemas.openxmlformats.org/officeDocument/2006/relationships" xmlns:p="http://schemas.openxmlformats.org/presentationml/2006/main">
+  <p:cSld>
+    <p:spTree>
+      <p:nvGrpSpPr>
+        <p:cNvPr id="1" name=""/>
+        <p:cNvGrpSpPr/>
+        <p:nvPr/>
+      </p:nvGrpSpPr>
+      <p:grpSpPr>
+        <a:xfrm>
+          <a:off x="0" y="0"/>
+          <a:ext cx="0" cy="0"/>
+          <a:chOff x="0" y="0"/>
+          <a:chExt cx="0" cy="0"/>
+        </a:xfrm>
+      </p:grpSpPr>
+      <p:sp>
+        <p:nvSpPr>
+          <p:cNvPr id="2" name="Titel 1">
+            <a:extLst>
+              <a:ext uri="{FF2B5EF4-FFF2-40B4-BE49-F238E27FC236}">
+                <a16:creationId xmlns:a16="http://schemas.microsoft.com/office/drawing/2014/main" id="{184AFD09-5210-6F86-C2FD-BBC016D382A6}"/>
+              </a:ext>
+            </a:extLst>
+          </p:cNvPr>
+          <p:cNvSpPr>
+            <a:spLocks noGrp="1"/>
+          </p:cNvSpPr>
+          <p:nvPr>
+            <p:ph type="title"/>
+          </p:nvPr>
+        </p:nvSpPr>
+        <p:spPr/>
+        <p:txBody>
+          <a:bodyPr/>
+          <a:lstStyle/>
+          <a:p>
+            <a:r>
+              <a:rPr lang="de-DE" cap="none" dirty="0"/>
+              <a:t>Release- und </a:t>
+            </a:r>
+            <a:r>
+              <a:rPr lang="de-DE" cap="none" dirty="0" err="1"/>
+              <a:t>Tagged</a:t>
+            </a:r>
+            <a:r>
+              <a:rPr lang="de-DE" cap="none" dirty="0"/>
+              <a:t>-Images</a:t>
+            </a:r>
+            <a:endParaRPr lang="de-DE" dirty="0"/>
+          </a:p>
+        </p:txBody>
+      </p:sp>
+      <p:sp>
+        <p:nvSpPr>
+          <p:cNvPr id="6" name="Inhaltsplatzhalter 5">
+            <a:extLst>
+              <a:ext uri="{FF2B5EF4-FFF2-40B4-BE49-F238E27FC236}">
+                <a16:creationId xmlns:a16="http://schemas.microsoft.com/office/drawing/2014/main" id="{D2412707-84D3-F572-4709-FD9A95F28E5B}"/>
+              </a:ext>
+            </a:extLst>
+          </p:cNvPr>
+          <p:cNvSpPr>
+            <a:spLocks noGrp="1"/>
+          </p:cNvSpPr>
+          <p:nvPr>
+            <p:ph idx="1"/>
+          </p:nvPr>
+        </p:nvSpPr>
+        <p:spPr/>
+        <p:txBody>
+          <a:bodyPr/>
+          <a:lstStyle/>
+          <a:p>
+            <a:pPr algn="l"/>
+            <a:r>
+              <a:rPr lang="en-US" b="1" i="0" dirty="0">
+                <a:solidFill>
+                  <a:srgbClr val="222261"/>
+                </a:solidFill>
+                <a:effectLst/>
+                <a:latin typeface="gitlab sans"/>
+              </a:rPr>
+              <a:t>Container registry examples with GitLab CI/CD</a:t>
+            </a:r>
+          </a:p>
+          <a:p>
+            <a:pPr marL="0" indent="0">
+              <a:buNone/>
+            </a:pPr>
+            <a:r>
+              <a:rPr lang="en-US" dirty="0"/>
+              <a:t>This example splits the tasks into 4 pipeline stages, including two tests that run in parallel. The build is stored in the container registry and used by subsequent stages, downloading the container image when needed. Changes to main also get tagged as latest and deployed using an application-specific deploy script:</a:t>
+            </a:r>
+          </a:p>
+          <a:p>
+            <a:pPr marL="0" indent="0">
+              <a:buNone/>
+            </a:pPr>
+            <a:endParaRPr lang="en-US" dirty="0"/>
+          </a:p>
+          <a:p>
+            <a:pPr marL="0" indent="0">
+              <a:buNone/>
+            </a:pPr>
+            <a:r>
+              <a:rPr lang="de-DE" dirty="0" err="1"/>
+              <a:t>default</a:t>
+            </a:r>
+            <a:r>
+              <a:rPr lang="de-DE" dirty="0"/>
+              <a:t>:</a:t>
+            </a:r>
+          </a:p>
+          <a:p>
+            <a:pPr marL="0" indent="0">
+              <a:buNone/>
+            </a:pPr>
+            <a:r>
+              <a:rPr lang="de-DE" dirty="0"/>
+              <a:t>  </a:t>
+            </a:r>
+            <a:r>
+              <a:rPr lang="de-DE" dirty="0" err="1"/>
+              <a:t>image</a:t>
+            </a:r>
+            <a:r>
+              <a:rPr lang="de-DE" dirty="0"/>
+              <a:t>: docker:20.10.16</a:t>
+            </a:r>
+          </a:p>
+          <a:p>
+            <a:pPr marL="0" indent="0">
+              <a:buNone/>
+            </a:pPr>
+            <a:r>
+              <a:rPr lang="de-DE" dirty="0"/>
+              <a:t>  </a:t>
+            </a:r>
+            <a:r>
+              <a:rPr lang="de-DE" dirty="0" err="1"/>
+              <a:t>services</a:t>
+            </a:r>
+            <a:r>
+              <a:rPr lang="de-DE" dirty="0"/>
+              <a:t>:</a:t>
+            </a:r>
+          </a:p>
+          <a:p>
+            <a:pPr marL="0" indent="0">
+              <a:buNone/>
+            </a:pPr>
+            <a:r>
+              <a:rPr lang="de-DE" dirty="0"/>
+              <a:t>    - docker:20.10.16-dind</a:t>
+            </a:r>
+          </a:p>
+          <a:p>
+            <a:pPr marL="0" indent="0">
+              <a:buNone/>
+            </a:pPr>
+            <a:r>
+              <a:rPr lang="de-DE" dirty="0"/>
+              <a:t>  </a:t>
+            </a:r>
+            <a:r>
+              <a:rPr lang="de-DE" dirty="0" err="1"/>
+              <a:t>before_script</a:t>
+            </a:r>
+            <a:r>
+              <a:rPr lang="de-DE" dirty="0"/>
+              <a:t>:</a:t>
+            </a:r>
+          </a:p>
+          <a:p>
+            <a:pPr marL="0" indent="0">
+              <a:buNone/>
+            </a:pPr>
+            <a:r>
+              <a:rPr lang="de-DE" dirty="0"/>
+              <a:t>    - </a:t>
+            </a:r>
+            <a:r>
+              <a:rPr lang="de-DE" dirty="0" err="1"/>
+              <a:t>docker</a:t>
+            </a:r>
+            <a:r>
+              <a:rPr lang="de-DE" dirty="0"/>
+              <a:t> </a:t>
+            </a:r>
+            <a:r>
+              <a:rPr lang="de-DE" dirty="0" err="1"/>
+              <a:t>login</a:t>
+            </a:r>
+            <a:r>
+              <a:rPr lang="de-DE" dirty="0"/>
+              <a:t> -u $CI_REGISTRY_USER -p $CI_REGISTRY_PASSWORD $CI_REGISTRY</a:t>
+            </a:r>
+          </a:p>
+          <a:p>
+            <a:pPr marL="0" indent="0">
+              <a:buNone/>
+            </a:pPr>
+            <a:endParaRPr lang="de-DE" dirty="0"/>
+          </a:p>
+          <a:p>
+            <a:pPr marL="0" indent="0">
+              <a:buNone/>
+            </a:pPr>
+            <a:r>
+              <a:rPr lang="de-DE" dirty="0" err="1"/>
+              <a:t>stages</a:t>
+            </a:r>
+            <a:r>
+              <a:rPr lang="de-DE" dirty="0"/>
+              <a:t>:</a:t>
+            </a:r>
+          </a:p>
+          <a:p>
+            <a:pPr marL="0" indent="0">
+              <a:buNone/>
+            </a:pPr>
+            <a:r>
+              <a:rPr lang="de-DE" dirty="0"/>
+              <a:t>  - </a:t>
+            </a:r>
+            <a:r>
+              <a:rPr lang="de-DE" dirty="0" err="1"/>
+              <a:t>build</a:t>
+            </a:r>
+            <a:endParaRPr lang="de-DE" dirty="0"/>
+          </a:p>
+          <a:p>
+            <a:pPr marL="0" indent="0">
+              <a:buNone/>
+            </a:pPr>
+            <a:r>
+              <a:rPr lang="de-DE" dirty="0"/>
+              <a:t>  - </a:t>
+            </a:r>
+            <a:r>
+              <a:rPr lang="de-DE" dirty="0" err="1"/>
+              <a:t>test</a:t>
+            </a:r>
+            <a:endParaRPr lang="de-DE" dirty="0"/>
+          </a:p>
+          <a:p>
+            <a:pPr marL="0" indent="0">
+              <a:buNone/>
+            </a:pPr>
+            <a:r>
+              <a:rPr lang="de-DE" dirty="0"/>
+              <a:t>  - release</a:t>
+            </a:r>
+          </a:p>
+          <a:p>
+            <a:pPr marL="0" indent="0">
+              <a:buNone/>
+            </a:pPr>
+            <a:r>
+              <a:rPr lang="de-DE" dirty="0"/>
+              <a:t>  - deploy</a:t>
+            </a:r>
+          </a:p>
+          <a:p>
+            <a:pPr marL="0" indent="0">
+              <a:buNone/>
+            </a:pPr>
+            <a:endParaRPr lang="de-DE" dirty="0"/>
+          </a:p>
+          <a:p>
+            <a:pPr marL="0" indent="0">
+              <a:buNone/>
+            </a:pPr>
+            <a:r>
+              <a:rPr lang="de-DE" dirty="0"/>
+              <a:t>variables:</a:t>
+            </a:r>
+          </a:p>
+          <a:p>
+            <a:pPr marL="0" indent="0">
+              <a:buNone/>
+            </a:pPr>
+            <a:r>
+              <a:rPr lang="de-DE" dirty="0"/>
+              <a:t>  # Use TLS https://docs.gitlab.com/ee/ci/docker/using_docker_build.html#tls-enabled</a:t>
+            </a:r>
+          </a:p>
+          <a:p>
+            <a:pPr marL="0" indent="0">
+              <a:buNone/>
+            </a:pPr>
+            <a:r>
+              <a:rPr lang="de-DE" dirty="0"/>
+              <a:t>  DOCKER_HOST: tcp://docker:2376</a:t>
+            </a:r>
+          </a:p>
+          <a:p>
+            <a:pPr marL="0" indent="0">
+              <a:buNone/>
+            </a:pPr>
+            <a:r>
+              <a:rPr lang="de-DE" dirty="0"/>
+              <a:t>  DOCKER_TLS_CERTDIR: "/</a:t>
+            </a:r>
+            <a:r>
+              <a:rPr lang="de-DE" dirty="0" err="1"/>
+              <a:t>certs</a:t>
+            </a:r>
+            <a:r>
+              <a:rPr lang="de-DE" dirty="0"/>
+              <a:t>"</a:t>
+            </a:r>
+          </a:p>
+          <a:p>
+            <a:pPr marL="0" indent="0">
+              <a:buNone/>
+            </a:pPr>
+            <a:r>
+              <a:rPr lang="de-DE" dirty="0"/>
+              <a:t>  CONTAINER_TEST_IMAGE: $CI_REGISTRY_IMAGE:$CI_COMMIT_REF_SLUG</a:t>
+            </a:r>
+          </a:p>
+          <a:p>
+            <a:pPr marL="0" indent="0">
+              <a:buNone/>
+            </a:pPr>
+            <a:r>
+              <a:rPr lang="de-DE" dirty="0"/>
+              <a:t>  CONTAINER_RELEASE_IMAGE: $</a:t>
+            </a:r>
+            <a:r>
+              <a:rPr lang="de-DE" dirty="0" err="1"/>
+              <a:t>CI_REGISTRY_IMAGE:latest</a:t>
+            </a:r>
+            <a:endParaRPr lang="de-DE" dirty="0"/>
+          </a:p>
+          <a:p>
+            <a:pPr marL="0" indent="0">
+              <a:buNone/>
+            </a:pPr>
+            <a:endParaRPr lang="de-DE" dirty="0"/>
+          </a:p>
+          <a:p>
+            <a:pPr marL="0" indent="0">
+              <a:buNone/>
+            </a:pPr>
+            <a:r>
+              <a:rPr lang="de-DE" dirty="0" err="1"/>
+              <a:t>build</a:t>
+            </a:r>
+            <a:r>
+              <a:rPr lang="de-DE" dirty="0"/>
+              <a:t>:</a:t>
+            </a:r>
+          </a:p>
+          <a:p>
+            <a:pPr marL="0" indent="0">
+              <a:buNone/>
+            </a:pPr>
+            <a:r>
+              <a:rPr lang="de-DE" dirty="0"/>
+              <a:t>  </a:t>
+            </a:r>
+            <a:r>
+              <a:rPr lang="de-DE" dirty="0" err="1"/>
+              <a:t>stage</a:t>
+            </a:r>
+            <a:r>
+              <a:rPr lang="de-DE" dirty="0"/>
+              <a:t>: </a:t>
+            </a:r>
+            <a:r>
+              <a:rPr lang="de-DE" dirty="0" err="1"/>
+              <a:t>build</a:t>
+            </a:r>
+            <a:endParaRPr lang="de-DE" dirty="0"/>
+          </a:p>
+          <a:p>
+            <a:pPr marL="0" indent="0">
+              <a:buNone/>
+            </a:pPr>
+            <a:r>
+              <a:rPr lang="de-DE" dirty="0"/>
+              <a:t>  </a:t>
+            </a:r>
+            <a:r>
+              <a:rPr lang="de-DE" dirty="0" err="1"/>
+              <a:t>script</a:t>
+            </a:r>
+            <a:r>
+              <a:rPr lang="de-DE" dirty="0"/>
+              <a:t>:</a:t>
+            </a:r>
+          </a:p>
+          <a:p>
+            <a:pPr marL="0" indent="0">
+              <a:buNone/>
+            </a:pPr>
+            <a:r>
+              <a:rPr lang="de-DE" dirty="0"/>
+              <a:t>    - </a:t>
+            </a:r>
+            <a:r>
+              <a:rPr lang="de-DE" dirty="0" err="1"/>
+              <a:t>docker</a:t>
+            </a:r>
+            <a:r>
+              <a:rPr lang="de-DE" dirty="0"/>
+              <a:t> </a:t>
+            </a:r>
+            <a:r>
+              <a:rPr lang="de-DE" dirty="0" err="1"/>
+              <a:t>build</a:t>
+            </a:r>
+            <a:r>
+              <a:rPr lang="de-DE" dirty="0"/>
+              <a:t> --pull -t $CONTAINER_TEST_IMAGE .</a:t>
+            </a:r>
+          </a:p>
+          <a:p>
+            <a:pPr marL="0" indent="0">
+              <a:buNone/>
+            </a:pPr>
+            <a:r>
+              <a:rPr lang="de-DE" dirty="0"/>
+              <a:t>    - </a:t>
+            </a:r>
+            <a:r>
+              <a:rPr lang="de-DE" dirty="0" err="1"/>
+              <a:t>docker</a:t>
+            </a:r>
+            <a:r>
+              <a:rPr lang="de-DE" dirty="0"/>
+              <a:t> push $CONTAINER_TEST_IMAGE</a:t>
+            </a:r>
+          </a:p>
+          <a:p>
+            <a:pPr marL="0" indent="0">
+              <a:buNone/>
+            </a:pPr>
+            <a:endParaRPr lang="de-DE" dirty="0"/>
+          </a:p>
+          <a:p>
+            <a:pPr marL="0" indent="0">
+              <a:buNone/>
+            </a:pPr>
+            <a:r>
+              <a:rPr lang="de-DE" dirty="0"/>
+              <a:t>test1:</a:t>
+            </a:r>
+          </a:p>
+          <a:p>
+            <a:pPr marL="0" indent="0">
+              <a:buNone/>
+            </a:pPr>
+            <a:r>
+              <a:rPr lang="de-DE" dirty="0"/>
+              <a:t>  </a:t>
+            </a:r>
+            <a:r>
+              <a:rPr lang="de-DE" dirty="0" err="1"/>
+              <a:t>stage</a:t>
+            </a:r>
+            <a:r>
+              <a:rPr lang="de-DE" dirty="0"/>
+              <a:t>: </a:t>
+            </a:r>
+            <a:r>
+              <a:rPr lang="de-DE" dirty="0" err="1"/>
+              <a:t>test</a:t>
+            </a:r>
+            <a:endParaRPr lang="de-DE" dirty="0"/>
+          </a:p>
+          <a:p>
+            <a:pPr marL="0" indent="0">
+              <a:buNone/>
+            </a:pPr>
+            <a:r>
+              <a:rPr lang="de-DE" dirty="0"/>
+              <a:t>  </a:t>
+            </a:r>
+            <a:r>
+              <a:rPr lang="de-DE" dirty="0" err="1"/>
+              <a:t>script</a:t>
+            </a:r>
+            <a:r>
+              <a:rPr lang="de-DE" dirty="0"/>
+              <a:t>:</a:t>
+            </a:r>
+          </a:p>
+          <a:p>
+            <a:pPr marL="0" indent="0">
+              <a:buNone/>
+            </a:pPr>
+            <a:r>
+              <a:rPr lang="de-DE" dirty="0"/>
+              <a:t>    - </a:t>
+            </a:r>
+            <a:r>
+              <a:rPr lang="de-DE" dirty="0" err="1"/>
+              <a:t>docker</a:t>
+            </a:r>
+            <a:r>
+              <a:rPr lang="de-DE" dirty="0"/>
+              <a:t> pull $CONTAINER_TEST_IMAGE</a:t>
+            </a:r>
+          </a:p>
+          <a:p>
+            <a:pPr marL="0" indent="0">
+              <a:buNone/>
+            </a:pPr>
+            <a:r>
+              <a:rPr lang="de-DE" dirty="0"/>
+              <a:t>    - </a:t>
+            </a:r>
+            <a:r>
+              <a:rPr lang="de-DE" dirty="0" err="1"/>
+              <a:t>docker</a:t>
+            </a:r>
+            <a:r>
+              <a:rPr lang="de-DE" dirty="0"/>
+              <a:t> </a:t>
+            </a:r>
+            <a:r>
+              <a:rPr lang="de-DE" dirty="0" err="1"/>
+              <a:t>run</a:t>
+            </a:r>
+            <a:r>
+              <a:rPr lang="de-DE" dirty="0"/>
+              <a:t> $CONTAINER_TEST_IMAGE /</a:t>
+            </a:r>
+            <a:r>
+              <a:rPr lang="de-DE" dirty="0" err="1"/>
+              <a:t>script</a:t>
+            </a:r>
+            <a:r>
+              <a:rPr lang="de-DE" dirty="0"/>
+              <a:t>/</a:t>
+            </a:r>
+            <a:r>
+              <a:rPr lang="de-DE" dirty="0" err="1"/>
+              <a:t>to</a:t>
+            </a:r>
+            <a:r>
+              <a:rPr lang="de-DE" dirty="0"/>
+              <a:t>/</a:t>
+            </a:r>
+            <a:r>
+              <a:rPr lang="de-DE" dirty="0" err="1"/>
+              <a:t>run</a:t>
+            </a:r>
+            <a:r>
+              <a:rPr lang="de-DE" dirty="0"/>
+              <a:t>/</a:t>
+            </a:r>
+            <a:r>
+              <a:rPr lang="de-DE" dirty="0" err="1"/>
+              <a:t>tests</a:t>
+            </a:r>
+            <a:endParaRPr lang="de-DE" dirty="0"/>
+          </a:p>
+          <a:p>
+            <a:pPr marL="0" indent="0">
+              <a:buNone/>
+            </a:pPr>
+            <a:endParaRPr lang="de-DE" dirty="0"/>
+          </a:p>
+          <a:p>
+            <a:pPr marL="0" indent="0">
+              <a:buNone/>
+            </a:pPr>
+            <a:r>
+              <a:rPr lang="de-DE" dirty="0"/>
+              <a:t>test2:</a:t>
+            </a:r>
+          </a:p>
+          <a:p>
+            <a:pPr marL="0" indent="0">
+              <a:buNone/>
+            </a:pPr>
+            <a:r>
+              <a:rPr lang="de-DE" dirty="0"/>
+              <a:t>  </a:t>
+            </a:r>
+            <a:r>
+              <a:rPr lang="de-DE" dirty="0" err="1"/>
+              <a:t>stage</a:t>
+            </a:r>
+            <a:r>
+              <a:rPr lang="de-DE" dirty="0"/>
+              <a:t>: </a:t>
+            </a:r>
+            <a:r>
+              <a:rPr lang="de-DE" dirty="0" err="1"/>
+              <a:t>test</a:t>
+            </a:r>
+            <a:endParaRPr lang="de-DE" dirty="0"/>
+          </a:p>
+          <a:p>
+            <a:pPr marL="0" indent="0">
+              <a:buNone/>
+            </a:pPr>
+            <a:r>
+              <a:rPr lang="de-DE" dirty="0"/>
+              <a:t>  </a:t>
+            </a:r>
+            <a:r>
+              <a:rPr lang="de-DE" dirty="0" err="1"/>
+              <a:t>script</a:t>
+            </a:r>
+            <a:r>
+              <a:rPr lang="de-DE" dirty="0"/>
+              <a:t>:</a:t>
+            </a:r>
+          </a:p>
+          <a:p>
+            <a:pPr marL="0" indent="0">
+              <a:buNone/>
+            </a:pPr>
+            <a:r>
+              <a:rPr lang="de-DE" dirty="0"/>
+              <a:t>    - </a:t>
+            </a:r>
+            <a:r>
+              <a:rPr lang="de-DE" dirty="0" err="1"/>
+              <a:t>docker</a:t>
+            </a:r>
+            <a:r>
+              <a:rPr lang="de-DE" dirty="0"/>
+              <a:t> pull $CONTAINER_TEST_IMAGE</a:t>
+            </a:r>
+          </a:p>
+          <a:p>
+            <a:pPr marL="0" indent="0">
+              <a:buNone/>
+            </a:pPr>
+            <a:r>
+              <a:rPr lang="de-DE" dirty="0"/>
+              <a:t>    - </a:t>
+            </a:r>
+            <a:r>
+              <a:rPr lang="de-DE" dirty="0" err="1"/>
+              <a:t>docker</a:t>
+            </a:r>
+            <a:r>
+              <a:rPr lang="de-DE" dirty="0"/>
+              <a:t> </a:t>
+            </a:r>
+            <a:r>
+              <a:rPr lang="de-DE" dirty="0" err="1"/>
+              <a:t>run</a:t>
+            </a:r>
+            <a:r>
+              <a:rPr lang="de-DE" dirty="0"/>
+              <a:t> $CONTAINER_TEST_IMAGE /</a:t>
+            </a:r>
+            <a:r>
+              <a:rPr lang="de-DE" dirty="0" err="1"/>
+              <a:t>script</a:t>
+            </a:r>
+            <a:r>
+              <a:rPr lang="de-DE" dirty="0"/>
+              <a:t>/</a:t>
+            </a:r>
+            <a:r>
+              <a:rPr lang="de-DE" dirty="0" err="1"/>
+              <a:t>to</a:t>
+            </a:r>
+            <a:r>
+              <a:rPr lang="de-DE" dirty="0"/>
+              <a:t>/</a:t>
+            </a:r>
+            <a:r>
+              <a:rPr lang="de-DE" dirty="0" err="1"/>
+              <a:t>run</a:t>
+            </a:r>
+            <a:r>
+              <a:rPr lang="de-DE" dirty="0"/>
+              <a:t>/</a:t>
+            </a:r>
+            <a:r>
+              <a:rPr lang="de-DE" dirty="0" err="1"/>
+              <a:t>another</a:t>
+            </a:r>
+            <a:r>
+              <a:rPr lang="de-DE" dirty="0"/>
+              <a:t>/</a:t>
+            </a:r>
+            <a:r>
+              <a:rPr lang="de-DE" dirty="0" err="1"/>
+              <a:t>test</a:t>
+            </a:r>
+            <a:endParaRPr lang="de-DE" dirty="0"/>
+          </a:p>
+          <a:p>
+            <a:pPr marL="0" indent="0">
+              <a:buNone/>
+            </a:pPr>
+            <a:endParaRPr lang="de-DE" dirty="0"/>
+          </a:p>
+          <a:p>
+            <a:pPr marL="0" indent="0">
+              <a:buNone/>
+            </a:pPr>
+            <a:r>
+              <a:rPr lang="de-DE" dirty="0"/>
+              <a:t>release-image:</a:t>
+            </a:r>
+          </a:p>
+          <a:p>
+            <a:pPr marL="0" indent="0">
+              <a:buNone/>
+            </a:pPr>
+            <a:r>
+              <a:rPr lang="de-DE" dirty="0"/>
+              <a:t>  </a:t>
+            </a:r>
+            <a:r>
+              <a:rPr lang="de-DE" dirty="0" err="1"/>
+              <a:t>stage</a:t>
+            </a:r>
+            <a:r>
+              <a:rPr lang="de-DE" dirty="0"/>
+              <a:t>: release</a:t>
+            </a:r>
+          </a:p>
+          <a:p>
+            <a:pPr marL="0" indent="0">
+              <a:buNone/>
+            </a:pPr>
+            <a:r>
+              <a:rPr lang="de-DE" dirty="0"/>
+              <a:t>  </a:t>
+            </a:r>
+            <a:r>
+              <a:rPr lang="de-DE" dirty="0" err="1"/>
+              <a:t>script</a:t>
+            </a:r>
+            <a:r>
+              <a:rPr lang="de-DE" dirty="0"/>
+              <a:t>:</a:t>
+            </a:r>
+          </a:p>
+          <a:p>
+            <a:pPr marL="0" indent="0">
+              <a:buNone/>
+            </a:pPr>
+            <a:r>
+              <a:rPr lang="de-DE" dirty="0"/>
+              <a:t>    - </a:t>
+            </a:r>
+            <a:r>
+              <a:rPr lang="de-DE" dirty="0" err="1"/>
+              <a:t>docker</a:t>
+            </a:r>
+            <a:r>
+              <a:rPr lang="de-DE" dirty="0"/>
+              <a:t> pull $CONTAINER_TEST_IMAGE</a:t>
+            </a:r>
+          </a:p>
+          <a:p>
+            <a:pPr marL="0" indent="0">
+              <a:buNone/>
+            </a:pPr>
+            <a:r>
+              <a:rPr lang="de-DE" dirty="0"/>
+              <a:t>    - </a:t>
+            </a:r>
+            <a:r>
+              <a:rPr lang="de-DE" dirty="0" err="1"/>
+              <a:t>docker</a:t>
+            </a:r>
+            <a:r>
+              <a:rPr lang="de-DE" dirty="0"/>
+              <a:t> tag $CONTAINER_TEST_IMAGE $CONTAINER_RELEASE_IMAGE</a:t>
+            </a:r>
+          </a:p>
+          <a:p>
+            <a:pPr marL="0" indent="0">
+              <a:buNone/>
+            </a:pPr>
+            <a:r>
+              <a:rPr lang="de-DE" dirty="0"/>
+              <a:t>    - </a:t>
+            </a:r>
+            <a:r>
+              <a:rPr lang="de-DE" dirty="0" err="1"/>
+              <a:t>docker</a:t>
+            </a:r>
+            <a:r>
+              <a:rPr lang="de-DE" dirty="0"/>
+              <a:t> push $CONTAINER_RELEASE_IMAGE</a:t>
+            </a:r>
+          </a:p>
+          <a:p>
+            <a:pPr marL="0" indent="0">
+              <a:buNone/>
+            </a:pPr>
+            <a:r>
+              <a:rPr lang="de-DE" dirty="0"/>
+              <a:t>  </a:t>
+            </a:r>
+            <a:r>
+              <a:rPr lang="de-DE" dirty="0" err="1"/>
+              <a:t>only</a:t>
+            </a:r>
+            <a:r>
+              <a:rPr lang="de-DE" dirty="0"/>
+              <a:t>:</a:t>
+            </a:r>
+          </a:p>
+          <a:p>
+            <a:pPr marL="0" indent="0">
+              <a:buNone/>
+            </a:pPr>
+            <a:r>
+              <a:rPr lang="de-DE" dirty="0"/>
+              <a:t>    - </a:t>
+            </a:r>
+            <a:r>
+              <a:rPr lang="de-DE" dirty="0" err="1"/>
+              <a:t>main</a:t>
+            </a:r>
+            <a:endParaRPr lang="de-DE" dirty="0"/>
+          </a:p>
+          <a:p>
+            <a:pPr marL="0" indent="0">
+              <a:buNone/>
+            </a:pPr>
+            <a:endParaRPr lang="de-DE" dirty="0"/>
+          </a:p>
+          <a:p>
+            <a:pPr marL="0" indent="0">
+              <a:buNone/>
+            </a:pPr>
+            <a:r>
+              <a:rPr lang="de-DE" dirty="0"/>
+              <a:t>deploy:</a:t>
+            </a:r>
+          </a:p>
+          <a:p>
+            <a:pPr marL="0" indent="0">
+              <a:buNone/>
+            </a:pPr>
+            <a:r>
+              <a:rPr lang="de-DE" dirty="0"/>
+              <a:t>  </a:t>
+            </a:r>
+            <a:r>
+              <a:rPr lang="de-DE" dirty="0" err="1"/>
+              <a:t>stage</a:t>
+            </a:r>
+            <a:r>
+              <a:rPr lang="de-DE" dirty="0"/>
+              <a:t>: deploy</a:t>
+            </a:r>
+          </a:p>
+          <a:p>
+            <a:pPr marL="0" indent="0">
+              <a:buNone/>
+            </a:pPr>
+            <a:r>
+              <a:rPr lang="de-DE" dirty="0"/>
+              <a:t>  </a:t>
+            </a:r>
+            <a:r>
+              <a:rPr lang="de-DE" dirty="0" err="1"/>
+              <a:t>script</a:t>
+            </a:r>
+            <a:r>
+              <a:rPr lang="de-DE" dirty="0"/>
+              <a:t>:</a:t>
+            </a:r>
+          </a:p>
+          <a:p>
+            <a:pPr marL="0" indent="0">
+              <a:buNone/>
+            </a:pPr>
+            <a:r>
+              <a:rPr lang="de-DE" dirty="0"/>
+              <a:t>    - ./deploy.sh</a:t>
+            </a:r>
+          </a:p>
+          <a:p>
+            <a:pPr marL="0" indent="0">
+              <a:buNone/>
+            </a:pPr>
+            <a:r>
+              <a:rPr lang="de-DE" dirty="0"/>
+              <a:t>  </a:t>
+            </a:r>
+            <a:r>
+              <a:rPr lang="de-DE" dirty="0" err="1"/>
+              <a:t>only</a:t>
+            </a:r>
+            <a:r>
+              <a:rPr lang="de-DE" dirty="0"/>
+              <a:t>:</a:t>
+            </a:r>
+          </a:p>
+          <a:p>
+            <a:pPr marL="0" indent="0">
+              <a:buNone/>
+            </a:pPr>
+            <a:r>
+              <a:rPr lang="de-DE" dirty="0"/>
+              <a:t>    - </a:t>
+            </a:r>
+            <a:r>
+              <a:rPr lang="de-DE" dirty="0" err="1"/>
+              <a:t>main</a:t>
+            </a:r>
+            <a:endParaRPr lang="de-DE" dirty="0"/>
+          </a:p>
+          <a:p>
+            <a:pPr marL="0" indent="0">
+              <a:buNone/>
+            </a:pPr>
+            <a:r>
+              <a:rPr lang="de-DE" dirty="0"/>
+              <a:t>  </a:t>
+            </a:r>
+            <a:r>
+              <a:rPr lang="de-DE" dirty="0" err="1"/>
+              <a:t>environment</a:t>
+            </a:r>
+            <a:r>
+              <a:rPr lang="de-DE" dirty="0"/>
+              <a:t>: </a:t>
+            </a:r>
+            <a:r>
+              <a:rPr lang="de-DE" dirty="0" err="1"/>
+              <a:t>production</a:t>
+            </a:r>
+            <a:endParaRPr lang="de-DE" dirty="0"/>
+          </a:p>
+          <a:p>
+            <a:pPr lvl="1">
+              <a:buFont typeface="Arial" panose="020B0604020202020204" pitchFamily="34" charset="0"/>
+              <a:buChar char="•"/>
+            </a:pPr>
+            <a:endParaRPr lang="de-DE" dirty="0"/>
+          </a:p>
+        </p:txBody>
+      </p:sp>
+    </p:spTree>
+    <p:extLst>
+      <p:ext uri="{BB962C8B-B14F-4D97-AF65-F5344CB8AC3E}">
+        <p14:creationId xmlns:p14="http://schemas.microsoft.com/office/powerpoint/2010/main" val="570750762"/>
       </p:ext>
     </p:extLst>
   </p:cSld>

--- a/slides/Tag-3_3-Release-und-Tagged-Images.pptx
+++ b/slides/Tag-3_3-Release-und-Tagged-Images.pptx
@@ -6,10 +6,10 @@
     <p:sldMasterId id="2147483649" r:id="rId2"/>
   </p:sldMasterIdLst>
   <p:notesMasterIdLst>
-    <p:notesMasterId r:id="rId35"/>
+    <p:notesMasterId r:id="rId36"/>
   </p:notesMasterIdLst>
   <p:handoutMasterIdLst>
-    <p:handoutMasterId r:id="rId36"/>
+    <p:handoutMasterId r:id="rId37"/>
   </p:handoutMasterIdLst>
   <p:sldIdLst>
     <p:sldId id="288" r:id="rId3"/>
@@ -36,14 +36,15 @@
     <p:sldId id="607" r:id="rId24"/>
     <p:sldId id="608" r:id="rId25"/>
     <p:sldId id="609" r:id="rId26"/>
-    <p:sldId id="611" r:id="rId27"/>
-    <p:sldId id="610" r:id="rId28"/>
-    <p:sldId id="612" r:id="rId29"/>
-    <p:sldId id="613" r:id="rId30"/>
-    <p:sldId id="617" r:id="rId31"/>
-    <p:sldId id="616" r:id="rId32"/>
-    <p:sldId id="614" r:id="rId33"/>
-    <p:sldId id="615" r:id="rId34"/>
+    <p:sldId id="619" r:id="rId27"/>
+    <p:sldId id="618" r:id="rId28"/>
+    <p:sldId id="610" r:id="rId29"/>
+    <p:sldId id="612" r:id="rId30"/>
+    <p:sldId id="613" r:id="rId31"/>
+    <p:sldId id="617" r:id="rId32"/>
+    <p:sldId id="616" r:id="rId33"/>
+    <p:sldId id="614" r:id="rId34"/>
+    <p:sldId id="615" r:id="rId35"/>
   </p:sldIdLst>
   <p:sldSz cx="9144000" cy="6858000" type="screen4x3"/>
   <p:notesSz cx="6784975" cy="9921875"/>
@@ -1256,6 +1257,43 @@
           <a:bodyPr/>
           <a:lstStyle/>
           <a:p>
+            <a:pPr algn="l"/>
+            <a:r>
+              <a:rPr lang="en-US" b="0" i="0" dirty="0">
+                <a:solidFill>
+                  <a:srgbClr val="404040"/>
+                </a:solidFill>
+                <a:effectLst/>
+                <a:latin typeface="gitlab sans"/>
+              </a:rPr>
+              <a:t>You can use </a:t>
+            </a:r>
+            <a:r>
+              <a:rPr lang="en-US" b="0" i="0" u="none" strike="noStrike" dirty="0">
+                <a:solidFill>
+                  <a:srgbClr val="5943B6"/>
+                </a:solidFill>
+                <a:effectLst/>
+                <a:latin typeface="gitlab sans"/>
+                <a:hlinkClick r:id="rId3"/>
+              </a:rPr>
+              <a:t>GitLab CI/CD</a:t>
+            </a:r>
+            <a:r>
+              <a:rPr lang="en-US" b="0" i="0" dirty="0">
+                <a:solidFill>
+                  <a:srgbClr val="404040"/>
+                </a:solidFill>
+                <a:effectLst/>
+                <a:latin typeface="gitlab sans"/>
+              </a:rPr>
+              <a:t> to build and push container images to the Container Registry. You can use CI/CD to test, build, and deploy your project from the container image you created.</a:t>
+            </a:r>
+          </a:p>
+          <a:p>
+            <a:br>
+              <a:rPr lang="en-US" dirty="0"/>
+            </a:br>
             <a:endParaRPr lang="de-DE" dirty="0"/>
           </a:p>
         </p:txBody>
@@ -1343,7 +1381,7 @@
           <a:p>
             <a:r>
               <a:rPr lang="de-DE" dirty="0"/>
-              <a:t>https://docs.gitlab.com/ee/user/packages/container_registry/build_and_push_images.html#configure-your-gitlab-ciyml-file</a:t>
+              <a:t>https://docs.gitlab.com/ee/ci/docker/using_docker_build.html#use-docker-in-docker</a:t>
             </a:r>
           </a:p>
         </p:txBody>
@@ -1375,7 +1413,7 @@
     </p:spTree>
     <p:extLst>
       <p:ext uri="{BB962C8B-B14F-4D97-AF65-F5344CB8AC3E}">
-        <p14:creationId xmlns:p14="http://schemas.microsoft.com/office/powerpoint/2010/main" val="474099646"/>
+        <p14:creationId xmlns:p14="http://schemas.microsoft.com/office/powerpoint/2010/main" val="3929006885"/>
       </p:ext>
     </p:extLst>
   </p:cSld>
@@ -1431,7 +1469,7 @@
           <a:p>
             <a:r>
               <a:rPr lang="de-DE" dirty="0"/>
-              <a:t>https://docs.gitlab.com/ee/user/packages/container_registry/build_and_push_images.html#use-gitlab-cicd</a:t>
+              <a:t>https://docs.gitlab.com/ee/user/packages/container_registry/build_and_push_images.html#configure-your-gitlab-ciyml-file</a:t>
             </a:r>
           </a:p>
         </p:txBody>
@@ -1463,7 +1501,7 @@
     </p:spTree>
     <p:extLst>
       <p:ext uri="{BB962C8B-B14F-4D97-AF65-F5344CB8AC3E}">
-        <p14:creationId xmlns:p14="http://schemas.microsoft.com/office/powerpoint/2010/main" val="511039819"/>
+        <p14:creationId xmlns:p14="http://schemas.microsoft.com/office/powerpoint/2010/main" val="3635466979"/>
       </p:ext>
     </p:extLst>
   </p:cSld>
@@ -1519,7 +1557,7 @@
           <a:p>
             <a:r>
               <a:rPr lang="de-DE" dirty="0"/>
-              <a:t>https://docs.gitlab.com/ee/user/packages/container_registry/build_and_push_images.html#use-a-docker-in-docker-container-image-from-your-container-registry</a:t>
+              <a:t>https://docs.gitlab.com/ee/user/packages/container_registry/build_and_push_images.html#use-gitlab-cicd</a:t>
             </a:r>
           </a:p>
         </p:txBody>
@@ -1551,7 +1589,7 @@
     </p:spTree>
     <p:extLst>
       <p:ext uri="{BB962C8B-B14F-4D97-AF65-F5344CB8AC3E}">
-        <p14:creationId xmlns:p14="http://schemas.microsoft.com/office/powerpoint/2010/main" val="3555957353"/>
+        <p14:creationId xmlns:p14="http://schemas.microsoft.com/office/powerpoint/2010/main" val="511039819"/>
       </p:ext>
     </p:extLst>
   </p:cSld>
@@ -1607,7 +1645,7 @@
           <a:p>
             <a:r>
               <a:rPr lang="de-DE" dirty="0"/>
-              <a:t>https://docs.gitlab.com/ee/user/packages/container_registry/build_and_push_images.html#use-a-docker-in-docker-container-image-with-dependency-proxy</a:t>
+              <a:t>https://docs.gitlab.com/ee/user/packages/container_registry/build_and_push_images.html#use-a-docker-in-docker-container-image-from-your-container-registry</a:t>
             </a:r>
           </a:p>
         </p:txBody>
@@ -1639,7 +1677,7 @@
     </p:spTree>
     <p:extLst>
       <p:ext uri="{BB962C8B-B14F-4D97-AF65-F5344CB8AC3E}">
-        <p14:creationId xmlns:p14="http://schemas.microsoft.com/office/powerpoint/2010/main" val="1695736135"/>
+        <p14:creationId xmlns:p14="http://schemas.microsoft.com/office/powerpoint/2010/main" val="3555957353"/>
       </p:ext>
     </p:extLst>
   </p:cSld>
@@ -1695,7 +1733,7 @@
           <a:p>
             <a:r>
               <a:rPr lang="de-DE" dirty="0"/>
-              <a:t>https://docs.gitlab.com/ee/user/packages/container_registry/build_and_push_images.html#container-registry-examples-with-gitlab-cicd</a:t>
+              <a:t>https://docs.gitlab.com/ee/user/packages/container_registry/build_and_push_images.html#use-a-docker-in-docker-container-image-with-dependency-proxy</a:t>
             </a:r>
           </a:p>
         </p:txBody>
@@ -1718,7 +1756,7 @@
             <a:fld id="{18182567-388C-4D33-8B7B-A651F195F118}" type="slidenum">
               <a:rPr lang="de-DE" altLang="de-DE" smtClean="0"/>
               <a:pPr/>
-              <a:t>30</a:t>
+              <a:t>29</a:t>
             </a:fld>
             <a:endParaRPr lang="de-DE" altLang="de-DE"/>
           </a:p>
@@ -1727,7 +1765,7 @@
     </p:spTree>
     <p:extLst>
       <p:ext uri="{BB962C8B-B14F-4D97-AF65-F5344CB8AC3E}">
-        <p14:creationId xmlns:p14="http://schemas.microsoft.com/office/powerpoint/2010/main" val="1319990225"/>
+        <p14:creationId xmlns:p14="http://schemas.microsoft.com/office/powerpoint/2010/main" val="1695736135"/>
       </p:ext>
     </p:extLst>
   </p:cSld>
@@ -1815,7 +1853,7 @@
     </p:spTree>
     <p:extLst>
       <p:ext uri="{BB962C8B-B14F-4D97-AF65-F5344CB8AC3E}">
-        <p14:creationId xmlns:p14="http://schemas.microsoft.com/office/powerpoint/2010/main" val="18823346"/>
+        <p14:creationId xmlns:p14="http://schemas.microsoft.com/office/powerpoint/2010/main" val="1319990225"/>
       </p:ext>
     </p:extLst>
   </p:cSld>
@@ -1903,7 +1941,7 @@
     </p:spTree>
     <p:extLst>
       <p:ext uri="{BB962C8B-B14F-4D97-AF65-F5344CB8AC3E}">
-        <p14:creationId xmlns:p14="http://schemas.microsoft.com/office/powerpoint/2010/main" val="3169846742"/>
+        <p14:creationId xmlns:p14="http://schemas.microsoft.com/office/powerpoint/2010/main" val="18823346"/>
       </p:ext>
     </p:extLst>
   </p:cSld>
@@ -1992,6 +2030,94 @@
     <p:extLst>
       <p:ext uri="{BB962C8B-B14F-4D97-AF65-F5344CB8AC3E}">
         <p14:creationId xmlns:p14="http://schemas.microsoft.com/office/powerpoint/2010/main" val="4220598971"/>
+      </p:ext>
+    </p:extLst>
+  </p:cSld>
+  <p:clrMapOvr>
+    <a:masterClrMapping/>
+  </p:clrMapOvr>
+</p:notes>
+</file>
+
+<file path=ppt/notesSlides/notesSlide20.xml><?xml version="1.0" encoding="utf-8"?>
+<p:notes xmlns:a="http://schemas.openxmlformats.org/drawingml/2006/main" xmlns:r="http://schemas.openxmlformats.org/officeDocument/2006/relationships" xmlns:p="http://schemas.openxmlformats.org/presentationml/2006/main">
+  <p:cSld>
+    <p:spTree>
+      <p:nvGrpSpPr>
+        <p:cNvPr id="1" name=""/>
+        <p:cNvGrpSpPr/>
+        <p:nvPr/>
+      </p:nvGrpSpPr>
+      <p:grpSpPr>
+        <a:xfrm>
+          <a:off x="0" y="0"/>
+          <a:ext cx="0" cy="0"/>
+          <a:chOff x="0" y="0"/>
+          <a:chExt cx="0" cy="0"/>
+        </a:xfrm>
+      </p:grpSpPr>
+      <p:sp>
+        <p:nvSpPr>
+          <p:cNvPr id="2" name="Folienbildplatzhalter 1"/>
+          <p:cNvSpPr>
+            <a:spLocks noGrp="1" noRot="1" noChangeAspect="1"/>
+          </p:cNvSpPr>
+          <p:nvPr>
+            <p:ph type="sldImg"/>
+          </p:nvPr>
+        </p:nvSpPr>
+        <p:spPr/>
+      </p:sp>
+      <p:sp>
+        <p:nvSpPr>
+          <p:cNvPr id="3" name="Notizenplatzhalter 2"/>
+          <p:cNvSpPr>
+            <a:spLocks noGrp="1"/>
+          </p:cNvSpPr>
+          <p:nvPr>
+            <p:ph type="body" idx="1"/>
+          </p:nvPr>
+        </p:nvSpPr>
+        <p:spPr/>
+        <p:txBody>
+          <a:bodyPr/>
+          <a:lstStyle/>
+          <a:p>
+            <a:r>
+              <a:rPr lang="de-DE" dirty="0"/>
+              <a:t>https://docs.gitlab.com/ee/user/packages/container_registry/build_and_push_images.html#container-registry-examples-with-gitlab-cicd</a:t>
+            </a:r>
+          </a:p>
+        </p:txBody>
+      </p:sp>
+      <p:sp>
+        <p:nvSpPr>
+          <p:cNvPr id="4" name="Foliennummernplatzhalter 3"/>
+          <p:cNvSpPr>
+            <a:spLocks noGrp="1"/>
+          </p:cNvSpPr>
+          <p:nvPr>
+            <p:ph type="sldNum" sz="quarter" idx="5"/>
+          </p:nvPr>
+        </p:nvSpPr>
+        <p:spPr/>
+        <p:txBody>
+          <a:bodyPr/>
+          <a:lstStyle/>
+          <a:p>
+            <a:fld id="{18182567-388C-4D33-8B7B-A651F195F118}" type="slidenum">
+              <a:rPr lang="de-DE" altLang="de-DE" smtClean="0"/>
+              <a:pPr/>
+              <a:t>33</a:t>
+            </a:fld>
+            <a:endParaRPr lang="de-DE" altLang="de-DE"/>
+          </a:p>
+        </p:txBody>
+      </p:sp>
+    </p:spTree>
+    <p:extLst>
+      <p:ext uri="{BB962C8B-B14F-4D97-AF65-F5344CB8AC3E}">
+        <p14:creationId xmlns:p14="http://schemas.microsoft.com/office/powerpoint/2010/main" val="3169846742"/>
       </p:ext>
     </p:extLst>
   </p:cSld>
@@ -9521,9 +9647,87 @@
               </a:rPr>
               <a:t>docker push registry.example.com/group/project/image</a:t>
             </a:r>
-            <a:endParaRPr lang="en-US" dirty="0">
+          </a:p>
+          <a:p>
+            <a:pPr marL="857250" lvl="1" indent="-457200">
+              <a:buFont typeface="+mj-lt"/>
+              <a:buAutoNum type="arabicPeriod"/>
+            </a:pPr>
+            <a:endParaRPr lang="en-US" sz="1800" dirty="0">
               <a:latin typeface="Consolas" panose="020B0609020204030204" pitchFamily="49" charset="0"/>
             </a:endParaRPr>
+          </a:p>
+          <a:p>
+            <a:pPr>
+              <a:buFont typeface="Arial" panose="020B0604020202020204" pitchFamily="34" charset="0"/>
+              <a:buChar char="•"/>
+            </a:pPr>
+            <a:r>
+              <a:rPr lang="en-US" dirty="0">
+                <a:latin typeface="+mj-lt"/>
+              </a:rPr>
+              <a:t>CI/CD </a:t>
+            </a:r>
+            <a:r>
+              <a:rPr lang="en-US" dirty="0" err="1">
+                <a:latin typeface="+mj-lt"/>
+              </a:rPr>
+              <a:t>fürs</a:t>
+            </a:r>
+            <a:r>
+              <a:rPr lang="en-US" dirty="0">
+                <a:latin typeface="+mj-lt"/>
+              </a:rPr>
+              <a:t> </a:t>
+            </a:r>
+            <a:r>
+              <a:rPr lang="en-US" dirty="0" err="1">
+                <a:latin typeface="+mj-lt"/>
+              </a:rPr>
+              <a:t>Testen</a:t>
+            </a:r>
+            <a:r>
+              <a:rPr lang="en-US" dirty="0">
+                <a:latin typeface="+mj-lt"/>
+              </a:rPr>
+              <a:t>, </a:t>
+            </a:r>
+            <a:r>
+              <a:rPr lang="en-US" dirty="0" err="1">
+                <a:latin typeface="+mj-lt"/>
+              </a:rPr>
+              <a:t>Bauen</a:t>
+            </a:r>
+            <a:r>
+              <a:rPr lang="en-US" dirty="0">
+                <a:latin typeface="+mj-lt"/>
+              </a:rPr>
+              <a:t>, </a:t>
+            </a:r>
+            <a:r>
+              <a:rPr lang="en-US" dirty="0" err="1">
+                <a:latin typeface="+mj-lt"/>
+              </a:rPr>
+              <a:t>Pushen</a:t>
+            </a:r>
+            <a:r>
+              <a:rPr lang="en-US" dirty="0">
+                <a:latin typeface="+mj-lt"/>
+              </a:rPr>
+              <a:t> und </a:t>
+            </a:r>
+            <a:r>
+              <a:rPr lang="en-US" dirty="0" err="1">
+                <a:latin typeface="+mj-lt"/>
+              </a:rPr>
+              <a:t>Deployen</a:t>
+            </a:r>
+            <a:r>
+              <a:rPr lang="en-US" dirty="0">
+                <a:latin typeface="+mj-lt"/>
+              </a:rPr>
+              <a:t> </a:t>
+            </a:r>
           </a:p>
           <a:p>
             <a:pPr marL="857250" lvl="1" indent="-457200">
@@ -9590,7 +9794,7 @@
           <p:cNvPr id="2" name="Titel 1">
             <a:extLst>
               <a:ext uri="{FF2B5EF4-FFF2-40B4-BE49-F238E27FC236}">
-                <a16:creationId xmlns:a16="http://schemas.microsoft.com/office/drawing/2014/main" id="{6A1129EC-B79C-98B8-054A-227290E5E743}"/>
+                <a16:creationId xmlns:a16="http://schemas.microsoft.com/office/drawing/2014/main" id="{A1BAC26B-426A-E50B-5A33-950885BE5CD1}"/>
               </a:ext>
             </a:extLst>
           </p:cNvPr>
@@ -9627,7 +9831,7 @@
           <p:cNvPr id="3" name="Inhaltsplatzhalter 2">
             <a:extLst>
               <a:ext uri="{FF2B5EF4-FFF2-40B4-BE49-F238E27FC236}">
-                <a16:creationId xmlns:a16="http://schemas.microsoft.com/office/drawing/2014/main" id="{82E76C24-ACDF-81B8-5FFA-EC3D55CB7211}"/>
+                <a16:creationId xmlns:a16="http://schemas.microsoft.com/office/drawing/2014/main" id="{8037877A-731E-E191-4EA0-AB43492F7242}"/>
               </a:ext>
             </a:extLst>
           </p:cNvPr>
@@ -9647,105 +9851,210 @@
               <a:buNone/>
             </a:pPr>
             <a:r>
-              <a:rPr lang="en-US" dirty="0"/>
-              <a:t>Configure your .</a:t>
-            </a:r>
-            <a:r>
-              <a:rPr lang="en-US" dirty="0" err="1"/>
-              <a:t>gitlab-ci.yml</a:t>
-            </a:r>
-            <a:r>
-              <a:rPr lang="en-US" dirty="0"/>
-              <a:t> file</a:t>
-            </a:r>
-          </a:p>
-          <a:p>
-            <a:pPr marL="0" indent="0">
-              <a:buNone/>
-            </a:pPr>
-            <a:r>
-              <a:rPr lang="en-US" dirty="0"/>
-              <a:t>You can configure your .</a:t>
-            </a:r>
-            <a:r>
-              <a:rPr lang="en-US" dirty="0" err="1"/>
-              <a:t>gitlab-ci.yml</a:t>
-            </a:r>
-            <a:r>
-              <a:rPr lang="en-US" dirty="0"/>
-              <a:t> file to build and push container images to the container registry.</a:t>
-            </a:r>
-          </a:p>
-          <a:p>
-            <a:pPr marL="0" indent="0">
-              <a:buNone/>
-            </a:pPr>
-            <a:endParaRPr lang="en-US" dirty="0"/>
-          </a:p>
-          <a:p>
-            <a:pPr marL="0" indent="0">
-              <a:buNone/>
-            </a:pPr>
-            <a:r>
-              <a:rPr lang="en-US" dirty="0"/>
-              <a:t>If multiple jobs require authentication, put the authentication command in the </a:t>
-            </a:r>
-            <a:r>
-              <a:rPr lang="en-US" dirty="0" err="1"/>
-              <a:t>before_script</a:t>
-            </a:r>
-            <a:r>
-              <a:rPr lang="en-US" dirty="0"/>
-              <a:t>.</a:t>
-            </a:r>
-          </a:p>
-          <a:p>
-            <a:pPr marL="0" indent="0">
-              <a:buNone/>
-            </a:pPr>
-            <a:r>
-              <a:rPr lang="en-US" dirty="0"/>
-              <a:t>Before building, use docker build --pull to fetch changes to base images. It takes slightly longer, but it ensures your image is up-to-date.</a:t>
-            </a:r>
-          </a:p>
-          <a:p>
-            <a:pPr marL="0" indent="0">
-              <a:buNone/>
-            </a:pPr>
-            <a:r>
-              <a:rPr lang="en-US" dirty="0"/>
-              <a:t>Before each docker run, do an explicit docker pull to fetch the image that was just built. This step is especially important if you are using multiple runners that cache images locally.</a:t>
-            </a:r>
-          </a:p>
-          <a:p>
-            <a:pPr marL="0" indent="0">
-              <a:buNone/>
-            </a:pPr>
-            <a:endParaRPr lang="en-US" dirty="0"/>
-          </a:p>
-          <a:p>
-            <a:pPr marL="0" indent="0">
-              <a:buNone/>
-            </a:pPr>
-            <a:r>
-              <a:rPr lang="en-US" dirty="0"/>
-              <a:t>If you use the Git SHA in your image tag, each job is unique and you should never have a stale image. However, it’s still possible to have a stale image if you rebuild a given commit after a dependency has changed.</a:t>
-            </a:r>
-          </a:p>
-          <a:p>
-            <a:pPr marL="0" indent="0">
-              <a:buNone/>
-            </a:pPr>
-            <a:endParaRPr lang="en-US" dirty="0"/>
-          </a:p>
-          <a:p>
-            <a:pPr marL="0" indent="0">
-              <a:buNone/>
-            </a:pPr>
-            <a:r>
-              <a:rPr lang="en-US" dirty="0"/>
-              <a:t>Don’t build directly to the latest tag because multiple jobs may be happening simultaneously.</a:t>
-            </a:r>
+              <a:rPr lang="de-DE" b="1" dirty="0"/>
+              <a:t>Docker-in-Docker (</a:t>
+            </a:r>
+            <a:r>
+              <a:rPr lang="de-DE" b="1" dirty="0" err="1">
+                <a:latin typeface="Consolas" panose="020B0609020204030204" pitchFamily="49" charset="0"/>
+              </a:rPr>
+              <a:t>dind</a:t>
+            </a:r>
+            <a:r>
+              <a:rPr lang="de-DE" b="1" dirty="0"/>
+              <a:t>)</a:t>
+            </a:r>
+          </a:p>
+          <a:p>
+            <a:pPr>
+              <a:buFont typeface="Arial" panose="020B0604020202020204" pitchFamily="34" charset="0"/>
+              <a:buChar char="•"/>
+            </a:pPr>
+            <a:r>
+              <a:rPr lang="de-DE" dirty="0"/>
+              <a:t>Registrierter Runner nutzt</a:t>
+            </a:r>
+          </a:p>
+          <a:p>
+            <a:pPr lvl="1">
+              <a:buFont typeface="Arial" panose="020B0604020202020204" pitchFamily="34" charset="0"/>
+              <a:buChar char="•"/>
+            </a:pPr>
+            <a:r>
+              <a:rPr lang="de-DE" dirty="0"/>
+              <a:t>Docker </a:t>
+            </a:r>
+            <a:r>
+              <a:rPr lang="de-DE" dirty="0" err="1"/>
+              <a:t>Executor</a:t>
+            </a:r>
+            <a:r>
+              <a:rPr lang="de-DE" dirty="0"/>
+              <a:t> oder</a:t>
+            </a:r>
+          </a:p>
+          <a:p>
+            <a:pPr lvl="1">
+              <a:buFont typeface="Arial" panose="020B0604020202020204" pitchFamily="34" charset="0"/>
+              <a:buChar char="•"/>
+            </a:pPr>
+            <a:r>
+              <a:rPr lang="de-DE" dirty="0" err="1"/>
+              <a:t>Kubernetes</a:t>
+            </a:r>
+            <a:r>
+              <a:rPr lang="de-DE" dirty="0"/>
+              <a:t> </a:t>
+            </a:r>
+            <a:r>
+              <a:rPr lang="de-DE" dirty="0" err="1"/>
+              <a:t>Executor</a:t>
+            </a:r>
+            <a:endParaRPr lang="de-DE" dirty="0"/>
+          </a:p>
+          <a:p>
+            <a:pPr>
+              <a:buFont typeface="Arial" panose="020B0604020202020204" pitchFamily="34" charset="0"/>
+              <a:buChar char="•"/>
+            </a:pPr>
+            <a:r>
+              <a:rPr lang="de-DE" dirty="0" err="1"/>
+              <a:t>Executor</a:t>
+            </a:r>
+            <a:r>
+              <a:rPr lang="de-DE" dirty="0"/>
+              <a:t> nutzt ein Container Image von Docker</a:t>
+            </a:r>
+          </a:p>
+          <a:p>
+            <a:pPr lvl="1">
+              <a:buFont typeface="Arial" panose="020B0604020202020204" pitchFamily="34" charset="0"/>
+              <a:buChar char="•"/>
+            </a:pPr>
+            <a:r>
+              <a:rPr lang="de-DE" dirty="0"/>
+              <a:t>Bereitgestellt von Docker, um die CI/CD </a:t>
+            </a:r>
+            <a:r>
+              <a:rPr lang="de-DE" dirty="0" err="1"/>
+              <a:t>jobs</a:t>
+            </a:r>
+            <a:r>
+              <a:rPr lang="de-DE" dirty="0"/>
+              <a:t> auszuführen</a:t>
+            </a:r>
+          </a:p>
+          <a:p>
+            <a:pPr>
+              <a:buFont typeface="Arial" panose="020B0604020202020204" pitchFamily="34" charset="0"/>
+              <a:buChar char="•"/>
+            </a:pPr>
+            <a:r>
+              <a:rPr lang="de-DE" dirty="0"/>
+              <a:t>Docker Image beinhaltet alle </a:t>
+            </a:r>
+            <a:r>
+              <a:rPr lang="de-DE" dirty="0" err="1"/>
+              <a:t>docker</a:t>
+            </a:r>
+            <a:r>
+              <a:rPr lang="de-DE" dirty="0"/>
+              <a:t> </a:t>
+            </a:r>
+            <a:r>
+              <a:rPr lang="de-DE" dirty="0" err="1"/>
+              <a:t>tools</a:t>
+            </a:r>
+            <a:endParaRPr lang="de-DE" dirty="0"/>
+          </a:p>
+          <a:p>
+            <a:pPr lvl="1">
+              <a:buFont typeface="Arial" panose="020B0604020202020204" pitchFamily="34" charset="0"/>
+              <a:buChar char="•"/>
+            </a:pPr>
+            <a:r>
+              <a:rPr lang="de-DE" dirty="0"/>
+              <a:t>Und kann das Job-</a:t>
+            </a:r>
+            <a:r>
+              <a:rPr lang="de-DE" dirty="0" err="1"/>
+              <a:t>Script</a:t>
+            </a:r>
+            <a:r>
+              <a:rPr lang="de-DE" dirty="0"/>
+              <a:t> im Kontext des Images im privilegierten Modus ausführen</a:t>
+            </a:r>
+          </a:p>
+          <a:p>
+            <a:pPr>
+              <a:buFont typeface="Arial" panose="020B0604020202020204" pitchFamily="34" charset="0"/>
+              <a:buChar char="•"/>
+            </a:pPr>
+            <a:r>
+              <a:rPr lang="de-DE" dirty="0"/>
+              <a:t>Immer eine spezifische Version nutzen!</a:t>
+            </a:r>
+          </a:p>
+          <a:p>
+            <a:pPr lvl="1">
+              <a:buFont typeface="Arial" panose="020B0604020202020204" pitchFamily="34" charset="0"/>
+              <a:buChar char="•"/>
+            </a:pPr>
+            <a:r>
+              <a:rPr lang="de-DE" dirty="0"/>
+              <a:t>Beispiel: </a:t>
+            </a:r>
+            <a:r>
+              <a:rPr lang="de-DE" dirty="0">
+                <a:latin typeface="Consolas" panose="020B0609020204030204" pitchFamily="49" charset="0"/>
+              </a:rPr>
+              <a:t>docker:24.0.5</a:t>
+            </a:r>
+          </a:p>
+          <a:p>
+            <a:pPr lvl="1">
+              <a:buFont typeface="Arial" panose="020B0604020202020204" pitchFamily="34" charset="0"/>
+              <a:buChar char="•"/>
+            </a:pPr>
+            <a:r>
+              <a:rPr lang="de-DE" dirty="0"/>
+              <a:t>Ansonsten bei </a:t>
+            </a:r>
+            <a:r>
+              <a:rPr lang="de-DE" dirty="0">
+                <a:latin typeface="Consolas" panose="020B0609020204030204" pitchFamily="49" charset="0"/>
+              </a:rPr>
+              <a:t>:</a:t>
+            </a:r>
+            <a:r>
+              <a:rPr lang="de-DE" dirty="0" err="1">
+                <a:latin typeface="Consolas" panose="020B0609020204030204" pitchFamily="49" charset="0"/>
+              </a:rPr>
+              <a:t>latest</a:t>
+            </a:r>
+            <a:r>
+              <a:rPr lang="de-DE" dirty="0">
+                <a:latin typeface="Consolas" panose="020B0609020204030204" pitchFamily="49" charset="0"/>
+              </a:rPr>
+              <a:t> </a:t>
+            </a:r>
+            <a:r>
+              <a:rPr lang="de-DE" dirty="0"/>
+              <a:t>Inkompatibilitätsproblemen, falls Update des Images</a:t>
+            </a:r>
+          </a:p>
+          <a:p>
+            <a:pPr lvl="1">
+              <a:buFont typeface="Arial" panose="020B0604020202020204" pitchFamily="34" charset="0"/>
+              <a:buChar char="•"/>
+            </a:pPr>
+            <a:endParaRPr lang="de-DE" dirty="0"/>
+          </a:p>
+          <a:p>
+            <a:pPr>
+              <a:buFont typeface="Arial" panose="020B0604020202020204" pitchFamily="34" charset="0"/>
+              <a:buChar char="•"/>
+            </a:pPr>
             <a:endParaRPr lang="de-DE" dirty="0"/>
           </a:p>
         </p:txBody>
@@ -9753,7 +10062,7 @@
     </p:spTree>
     <p:extLst>
       <p:ext uri="{BB962C8B-B14F-4D97-AF65-F5344CB8AC3E}">
-        <p14:creationId xmlns:p14="http://schemas.microsoft.com/office/powerpoint/2010/main" val="4255989784"/>
+        <p14:creationId xmlns:p14="http://schemas.microsoft.com/office/powerpoint/2010/main" val="3692726304"/>
       </p:ext>
     </p:extLst>
   </p:cSld>
@@ -9785,7 +10094,7 @@
           <p:cNvPr id="2" name="Titel 1">
             <a:extLst>
               <a:ext uri="{FF2B5EF4-FFF2-40B4-BE49-F238E27FC236}">
-                <a16:creationId xmlns:a16="http://schemas.microsoft.com/office/drawing/2014/main" id="{184AFD09-5210-6F86-C2FD-BBC016D382A6}"/>
+                <a16:creationId xmlns:a16="http://schemas.microsoft.com/office/drawing/2014/main" id="{73FEA322-ABCF-FE66-D047-5245BEC88A79}"/>
               </a:ext>
             </a:extLst>
           </p:cNvPr>
@@ -9819,10 +10128,10 @@
       </p:sp>
       <p:sp>
         <p:nvSpPr>
-          <p:cNvPr id="6" name="Inhaltsplatzhalter 5">
+          <p:cNvPr id="3" name="Inhaltsplatzhalter 2">
             <a:extLst>
               <a:ext uri="{FF2B5EF4-FFF2-40B4-BE49-F238E27FC236}">
-                <a16:creationId xmlns:a16="http://schemas.microsoft.com/office/drawing/2014/main" id="{D2412707-84D3-F572-4709-FD9A95F28E5B}"/>
+                <a16:creationId xmlns:a16="http://schemas.microsoft.com/office/drawing/2014/main" id="{C3FAE0C2-4BBD-D636-FAB6-5022AB351FD4}"/>
               </a:ext>
             </a:extLst>
           </p:cNvPr>
@@ -9842,122 +10151,272 @@
               <a:buNone/>
             </a:pPr>
             <a:r>
+              <a:rPr lang="de-DE" b="1" dirty="0"/>
+              <a:t>.</a:t>
+            </a:r>
+            <a:r>
               <a:rPr lang="de-DE" b="1" dirty="0" err="1"/>
-              <a:t>GitLab</a:t>
+              <a:t>gitlab-ci.yml</a:t>
             </a:r>
             <a:r>
               <a:rPr lang="de-DE" b="1" dirty="0"/>
-              <a:t> CI/CD</a:t>
-            </a:r>
-          </a:p>
-          <a:p>
-            <a:pPr algn="l"/>
-            <a:r>
-              <a:rPr lang="en-US" b="1" i="0" dirty="0">
-                <a:solidFill>
-                  <a:srgbClr val="222261"/>
-                </a:solidFill>
-                <a:effectLst/>
-                <a:latin typeface="gitlab sans"/>
-              </a:rPr>
-              <a:t>Use GitLab CI/CD</a:t>
-            </a:r>
-          </a:p>
-          <a:p>
-            <a:pPr algn="l"/>
-            <a:r>
-              <a:rPr lang="en-US" b="0" i="0" dirty="0">
-                <a:solidFill>
-                  <a:srgbClr val="404040"/>
-                </a:solidFill>
-                <a:effectLst/>
-                <a:latin typeface="gitlab sans"/>
-              </a:rPr>
-              <a:t>You can use </a:t>
-            </a:r>
-            <a:r>
-              <a:rPr lang="en-US" b="0" i="0" u="none" strike="noStrike" dirty="0">
-                <a:solidFill>
-                  <a:srgbClr val="5943B6"/>
-                </a:solidFill>
-                <a:effectLst/>
-                <a:latin typeface="gitlab sans"/>
-                <a:hlinkClick r:id="rId3"/>
-              </a:rPr>
-              <a:t>GitLab CI/CD</a:t>
-            </a:r>
-            <a:r>
-              <a:rPr lang="en-US" b="0" i="0" dirty="0">
-                <a:solidFill>
-                  <a:srgbClr val="404040"/>
-                </a:solidFill>
-                <a:effectLst/>
-                <a:latin typeface="gitlab sans"/>
-              </a:rPr>
-              <a:t> to build and push container images to the Container Registry. You can use CI/CD to test, build, and deploy your project from the container image you created.</a:t>
-            </a:r>
+              <a:t> </a:t>
+            </a:r>
+          </a:p>
+          <a:p>
+            <a:pPr>
+              <a:buFont typeface="Arial" panose="020B0604020202020204" pitchFamily="34" charset="0"/>
+              <a:buChar char="•"/>
+            </a:pPr>
+            <a:r>
+              <a:rPr lang="de-DE" dirty="0"/>
+              <a:t>Bauen und Pushen von Images in die Registry</a:t>
+            </a:r>
+          </a:p>
+          <a:p>
+            <a:pPr>
+              <a:buFont typeface="Arial" panose="020B0604020202020204" pitchFamily="34" charset="0"/>
+              <a:buChar char="•"/>
+            </a:pPr>
+            <a:r>
+              <a:rPr lang="de-DE" dirty="0"/>
+              <a:t>Falls mehrere </a:t>
+            </a:r>
+            <a:r>
+              <a:rPr lang="de-DE" dirty="0" err="1"/>
+              <a:t>jobs</a:t>
+            </a:r>
+            <a:r>
+              <a:rPr lang="de-DE" dirty="0"/>
+              <a:t> Authentifizierung benötigen</a:t>
+            </a:r>
+          </a:p>
+          <a:p>
+            <a:pPr lvl="1">
+              <a:buFont typeface="Arial" panose="020B0604020202020204" pitchFamily="34" charset="0"/>
+              <a:buChar char="•"/>
+            </a:pPr>
+            <a:r>
+              <a:rPr lang="de-DE" dirty="0" err="1"/>
+              <a:t>Authentifierzungsbefehl</a:t>
+            </a:r>
+            <a:r>
+              <a:rPr lang="de-DE" dirty="0"/>
+              <a:t> in </a:t>
+            </a:r>
+            <a:r>
+              <a:rPr lang="de-DE" dirty="0" err="1">
+                <a:latin typeface="Consolas" panose="020B0609020204030204" pitchFamily="49" charset="0"/>
+              </a:rPr>
+              <a:t>before_script</a:t>
+            </a:r>
+            <a:endParaRPr lang="de-DE" dirty="0">
+              <a:latin typeface="Consolas" panose="020B0609020204030204" pitchFamily="49" charset="0"/>
+            </a:endParaRPr>
+          </a:p>
+          <a:p>
+            <a:pPr>
+              <a:buFont typeface="Arial" panose="020B0604020202020204" pitchFamily="34" charset="0"/>
+              <a:buChar char="•"/>
+            </a:pPr>
+            <a:r>
+              <a:rPr lang="de-DE" dirty="0" err="1">
+                <a:latin typeface="Consolas" panose="020B0609020204030204" pitchFamily="49" charset="0"/>
+              </a:rPr>
+              <a:t>docker</a:t>
+            </a:r>
+            <a:r>
+              <a:rPr lang="de-DE" dirty="0">
+                <a:latin typeface="Consolas" panose="020B0609020204030204" pitchFamily="49" charset="0"/>
+              </a:rPr>
+              <a:t> </a:t>
+            </a:r>
+            <a:r>
+              <a:rPr lang="de-DE" dirty="0" err="1">
+                <a:latin typeface="Consolas" panose="020B0609020204030204" pitchFamily="49" charset="0"/>
+              </a:rPr>
+              <a:t>build</a:t>
+            </a:r>
+            <a:r>
+              <a:rPr lang="de-DE" dirty="0">
+                <a:latin typeface="Consolas" panose="020B0609020204030204" pitchFamily="49" charset="0"/>
+              </a:rPr>
+              <a:t> –pull </a:t>
+            </a:r>
+            <a:r>
+              <a:rPr lang="de-DE" dirty="0">
+                <a:latin typeface="+mj-lt"/>
+              </a:rPr>
+              <a:t>um Änderungen am Base Image zu ziehen</a:t>
+            </a:r>
+          </a:p>
+          <a:p>
+            <a:pPr lvl="1">
+              <a:buFont typeface="Arial" panose="020B0604020202020204" pitchFamily="34" charset="0"/>
+              <a:buChar char="•"/>
+            </a:pPr>
+            <a:r>
+              <a:rPr lang="de-DE" dirty="0" err="1">
+                <a:latin typeface="+mj-lt"/>
+              </a:rPr>
+              <a:t>Build</a:t>
+            </a:r>
+            <a:r>
+              <a:rPr lang="de-DE" dirty="0">
+                <a:latin typeface="+mj-lt"/>
+              </a:rPr>
+              <a:t> dauert dadurch länger, aber das Image ist </a:t>
+            </a:r>
+            <a:r>
+              <a:rPr lang="de-DE" dirty="0" err="1">
+                <a:latin typeface="+mj-lt"/>
+              </a:rPr>
+              <a:t>up</a:t>
+            </a:r>
+            <a:r>
+              <a:rPr lang="de-DE" dirty="0">
+                <a:latin typeface="+mj-lt"/>
+              </a:rPr>
+              <a:t>-</a:t>
+            </a:r>
+            <a:r>
+              <a:rPr lang="de-DE" dirty="0" err="1">
+                <a:latin typeface="+mj-lt"/>
+              </a:rPr>
+              <a:t>to</a:t>
+            </a:r>
+            <a:r>
+              <a:rPr lang="de-DE" dirty="0">
+                <a:latin typeface="+mj-lt"/>
+              </a:rPr>
+              <a:t>-date</a:t>
+            </a:r>
+          </a:p>
+          <a:p>
+            <a:pPr>
+              <a:buFont typeface="Arial" panose="020B0604020202020204" pitchFamily="34" charset="0"/>
+              <a:buChar char="•"/>
+            </a:pPr>
+            <a:r>
+              <a:rPr lang="de-DE" dirty="0">
+                <a:latin typeface="+mj-lt"/>
+              </a:rPr>
+              <a:t>Vor jedem </a:t>
+            </a:r>
+            <a:r>
+              <a:rPr lang="de-DE" dirty="0" err="1">
+                <a:latin typeface="Consolas" panose="020B0609020204030204" pitchFamily="49" charset="0"/>
+              </a:rPr>
+              <a:t>docker</a:t>
+            </a:r>
+            <a:r>
+              <a:rPr lang="de-DE" dirty="0">
+                <a:latin typeface="Consolas" panose="020B0609020204030204" pitchFamily="49" charset="0"/>
+              </a:rPr>
+              <a:t> </a:t>
+            </a:r>
+            <a:r>
+              <a:rPr lang="de-DE" dirty="0" err="1">
+                <a:latin typeface="Consolas" panose="020B0609020204030204" pitchFamily="49" charset="0"/>
+              </a:rPr>
+              <a:t>run</a:t>
+            </a:r>
+            <a:r>
+              <a:rPr lang="de-DE" dirty="0">
+                <a:latin typeface="Consolas" panose="020B0609020204030204" pitchFamily="49" charset="0"/>
+              </a:rPr>
+              <a:t> </a:t>
+            </a:r>
+            <a:r>
+              <a:rPr lang="de-DE" dirty="0">
+                <a:latin typeface="+mj-lt"/>
+              </a:rPr>
+              <a:t>ein</a:t>
+            </a:r>
+            <a:r>
+              <a:rPr lang="de-DE" dirty="0">
+                <a:latin typeface="Consolas" panose="020B0609020204030204" pitchFamily="49" charset="0"/>
+              </a:rPr>
+              <a:t> </a:t>
+            </a:r>
+            <a:r>
+              <a:rPr lang="de-DE" dirty="0" err="1">
+                <a:latin typeface="Consolas" panose="020B0609020204030204" pitchFamily="49" charset="0"/>
+              </a:rPr>
+              <a:t>docker</a:t>
+            </a:r>
+            <a:r>
+              <a:rPr lang="de-DE" dirty="0">
+                <a:latin typeface="Consolas" panose="020B0609020204030204" pitchFamily="49" charset="0"/>
+              </a:rPr>
+              <a:t> </a:t>
+            </a:r>
+            <a:r>
+              <a:rPr lang="de-DE" dirty="0" err="1">
+                <a:latin typeface="Consolas" panose="020B0609020204030204" pitchFamily="49" charset="0"/>
+              </a:rPr>
+              <a:t>fetch</a:t>
+            </a:r>
+            <a:endParaRPr lang="de-DE" dirty="0">
+              <a:latin typeface="Consolas" panose="020B0609020204030204" pitchFamily="49" charset="0"/>
+            </a:endParaRPr>
+          </a:p>
+          <a:p>
+            <a:pPr lvl="1">
+              <a:buFont typeface="Arial" panose="020B0604020202020204" pitchFamily="34" charset="0"/>
+              <a:buChar char="•"/>
+            </a:pPr>
+            <a:r>
+              <a:rPr lang="de-DE" dirty="0">
+                <a:latin typeface="+mj-lt"/>
+              </a:rPr>
+              <a:t>Um das aktuelle Image zu </a:t>
+            </a:r>
+            <a:r>
+              <a:rPr lang="de-DE" dirty="0" err="1">
+                <a:latin typeface="+mj-lt"/>
+              </a:rPr>
+              <a:t>fetchen</a:t>
+            </a:r>
+            <a:endParaRPr lang="de-DE" dirty="0">
+              <a:latin typeface="+mj-lt"/>
+            </a:endParaRPr>
+          </a:p>
+          <a:p>
+            <a:pPr lvl="1">
+              <a:buFont typeface="Arial" panose="020B0604020202020204" pitchFamily="34" charset="0"/>
+              <a:buChar char="•"/>
+            </a:pPr>
+            <a:r>
+              <a:rPr lang="de-DE" dirty="0">
+                <a:latin typeface="+mj-lt"/>
+              </a:rPr>
+              <a:t>Besonders wichtig bei mehreren Runnern, welche Images lokal </a:t>
+            </a:r>
+            <a:r>
+              <a:rPr lang="de-DE" dirty="0" err="1">
+                <a:latin typeface="+mj-lt"/>
+              </a:rPr>
+              <a:t>cachen</a:t>
+            </a:r>
+            <a:endParaRPr lang="de-DE" dirty="0">
+              <a:latin typeface="+mj-lt"/>
+            </a:endParaRPr>
           </a:p>
           <a:p>
             <a:pPr marL="0" indent="0">
               <a:buNone/>
             </a:pPr>
-            <a:endParaRPr lang="de-DE" b="1" dirty="0"/>
-          </a:p>
-          <a:p>
-            <a:pPr marL="0" indent="0">
-              <a:buNone/>
-            </a:pPr>
-            <a:r>
-              <a:rPr lang="en-US" b="1" i="0" dirty="0">
-                <a:solidFill>
-                  <a:srgbClr val="222261"/>
-                </a:solidFill>
-                <a:effectLst/>
-                <a:latin typeface="gitlab sans"/>
-              </a:rPr>
-              <a:t>Use a Docker-in-Docker container image from your container registry</a:t>
-            </a:r>
-          </a:p>
-          <a:p>
-            <a:pPr marL="0" indent="0">
-              <a:buNone/>
-            </a:pPr>
-            <a:endParaRPr lang="de-DE" b="1" dirty="0"/>
-          </a:p>
-          <a:p>
-            <a:pPr marL="0" indent="0">
-              <a:buNone/>
-            </a:pPr>
-            <a:r>
-              <a:rPr lang="en-US" b="1" i="0" dirty="0">
-                <a:solidFill>
-                  <a:srgbClr val="222261"/>
-                </a:solidFill>
-                <a:effectLst/>
-                <a:latin typeface="gitlab sans"/>
-              </a:rPr>
-              <a:t>Use a Docker-in-Docker container image with Dependency Proxy</a:t>
-            </a:r>
-          </a:p>
-          <a:p>
-            <a:pPr marL="0" indent="0">
-              <a:buNone/>
-            </a:pPr>
-            <a:endParaRPr lang="de-DE" dirty="0"/>
-          </a:p>
-          <a:p>
-            <a:pPr lvl="1">
-              <a:buFont typeface="Arial" panose="020B0604020202020204" pitchFamily="34" charset="0"/>
-              <a:buChar char="•"/>
-            </a:pPr>
-            <a:endParaRPr lang="de-DE" dirty="0"/>
+            <a:endParaRPr lang="de-DE" dirty="0">
+              <a:latin typeface="+mj-lt"/>
+            </a:endParaRPr>
           </a:p>
         </p:txBody>
       </p:sp>
     </p:spTree>
     <p:extLst>
       <p:ext uri="{BB962C8B-B14F-4D97-AF65-F5344CB8AC3E}">
-        <p14:creationId xmlns:p14="http://schemas.microsoft.com/office/powerpoint/2010/main" val="2121417730"/>
+        <p14:creationId xmlns:p14="http://schemas.microsoft.com/office/powerpoint/2010/main" val="3527997771"/>
       </p:ext>
     </p:extLst>
   </p:cSld>
@@ -10042,6 +10501,19 @@
           <a:bodyPr/>
           <a:lstStyle/>
           <a:p>
+            <a:pPr marL="0" indent="0">
+              <a:buNone/>
+            </a:pPr>
+            <a:r>
+              <a:rPr lang="de-DE" b="1" dirty="0" err="1"/>
+              <a:t>GitLab</a:t>
+            </a:r>
+            <a:r>
+              <a:rPr lang="de-DE" b="1" dirty="0"/>
+              <a:t> CI/CD</a:t>
+            </a:r>
+          </a:p>
+          <a:p>
             <a:pPr algn="l"/>
             <a:r>
               <a:rPr lang="en-US" b="1" i="0" dirty="0">
@@ -10051,200 +10523,89 @@
                 <a:effectLst/>
                 <a:latin typeface="gitlab sans"/>
               </a:rPr>
+              <a:t>Use GitLab CI/CD</a:t>
+            </a:r>
+          </a:p>
+          <a:p>
+            <a:pPr algn="l"/>
+            <a:r>
+              <a:rPr lang="en-US" b="0" i="0" dirty="0">
+                <a:solidFill>
+                  <a:srgbClr val="404040"/>
+                </a:solidFill>
+                <a:effectLst/>
+                <a:latin typeface="gitlab sans"/>
+              </a:rPr>
+              <a:t>You can use </a:t>
+            </a:r>
+            <a:r>
+              <a:rPr lang="en-US" b="0" i="0" u="none" strike="noStrike" dirty="0">
+                <a:solidFill>
+                  <a:srgbClr val="5943B6"/>
+                </a:solidFill>
+                <a:effectLst/>
+                <a:latin typeface="gitlab sans"/>
+                <a:hlinkClick r:id="rId3"/>
+              </a:rPr>
+              <a:t>GitLab CI/CD</a:t>
+            </a:r>
+            <a:r>
+              <a:rPr lang="en-US" b="0" i="0" dirty="0">
+                <a:solidFill>
+                  <a:srgbClr val="404040"/>
+                </a:solidFill>
+                <a:effectLst/>
+                <a:latin typeface="gitlab sans"/>
+              </a:rPr>
+              <a:t> to build and push container images to the Container Registry. You can use CI/CD to test, build, and deploy your project from the container image you created.</a:t>
+            </a:r>
+          </a:p>
+          <a:p>
+            <a:pPr marL="0" indent="0">
+              <a:buNone/>
+            </a:pPr>
+            <a:endParaRPr lang="de-DE" b="1" dirty="0"/>
+          </a:p>
+          <a:p>
+            <a:pPr marL="0" indent="0">
+              <a:buNone/>
+            </a:pPr>
+            <a:r>
+              <a:rPr lang="en-US" b="1" i="0" dirty="0">
+                <a:solidFill>
+                  <a:srgbClr val="222261"/>
+                </a:solidFill>
+                <a:effectLst/>
+                <a:latin typeface="gitlab sans"/>
+              </a:rPr>
               <a:t>Use a Docker-in-Docker container image from your container registry</a:t>
             </a:r>
           </a:p>
           <a:p>
-            <a:pPr marL="0" indent="0" algn="l">
+            <a:pPr marL="0" indent="0">
               <a:buNone/>
             </a:pPr>
-            <a:r>
-              <a:rPr lang="en-US" dirty="0"/>
-              <a:t>You can use your own container images for Docker-in-Docker.</a:t>
-            </a:r>
-          </a:p>
-          <a:p>
-            <a:pPr marL="0" indent="0" algn="l">
+            <a:endParaRPr lang="de-DE" b="1" dirty="0"/>
+          </a:p>
+          <a:p>
+            <a:pPr marL="0" indent="0">
               <a:buNone/>
             </a:pPr>
-            <a:endParaRPr lang="en-US" dirty="0"/>
-          </a:p>
-          <a:p>
-            <a:pPr marL="0" indent="0" algn="l">
+            <a:r>
+              <a:rPr lang="en-US" b="1" i="0" dirty="0">
+                <a:solidFill>
+                  <a:srgbClr val="222261"/>
+                </a:solidFill>
+                <a:effectLst/>
+                <a:latin typeface="gitlab sans"/>
+              </a:rPr>
+              <a:t>Use a Docker-in-Docker container image with Dependency Proxy</a:t>
+            </a:r>
+          </a:p>
+          <a:p>
+            <a:pPr marL="0" indent="0">
               <a:buNone/>
             </a:pPr>
-            <a:r>
-              <a:rPr lang="en-US" dirty="0"/>
-              <a:t>Set up Docker-in-Docker.</a:t>
-            </a:r>
-          </a:p>
-          <a:p>
-            <a:pPr marL="0" indent="0" algn="l">
-              <a:buNone/>
-            </a:pPr>
-            <a:r>
-              <a:rPr lang="en-US" dirty="0"/>
-              <a:t>Update the image and service to point to your registry.</a:t>
-            </a:r>
-          </a:p>
-          <a:p>
-            <a:pPr marL="0" indent="0" algn="l">
-              <a:buNone/>
-            </a:pPr>
-            <a:r>
-              <a:rPr lang="en-US" dirty="0"/>
-              <a:t>Add a service alias.</a:t>
-            </a:r>
-          </a:p>
-          <a:p>
-            <a:pPr marL="0" indent="0" algn="l">
-              <a:buNone/>
-            </a:pPr>
-            <a:r>
-              <a:rPr lang="en-US" dirty="0"/>
-              <a:t>Your .</a:t>
-            </a:r>
-            <a:r>
-              <a:rPr lang="en-US" dirty="0" err="1"/>
-              <a:t>gitlab-ci.yml</a:t>
-            </a:r>
-            <a:r>
-              <a:rPr lang="en-US" dirty="0"/>
-              <a:t> should look similar to this:</a:t>
-            </a:r>
-          </a:p>
-          <a:p>
-            <a:pPr marL="0" indent="0" algn="l">
-              <a:buNone/>
-            </a:pPr>
-            <a:endParaRPr lang="en-US" dirty="0"/>
-          </a:p>
-          <a:p>
-            <a:pPr marL="0" indent="0" algn="l">
-              <a:buNone/>
-            </a:pPr>
-            <a:r>
-              <a:rPr lang="en-US" dirty="0"/>
-              <a:t>build:</a:t>
-            </a:r>
-          </a:p>
-          <a:p>
-            <a:pPr marL="0" indent="0" algn="l">
-              <a:buNone/>
-            </a:pPr>
-            <a:r>
-              <a:rPr lang="en-US" dirty="0"/>
-              <a:t>  image: $CI_REGISTRY/group/project/docker:20.10.16</a:t>
-            </a:r>
-          </a:p>
-          <a:p>
-            <a:pPr marL="0" indent="0" algn="l">
-              <a:buNone/>
-            </a:pPr>
-            <a:r>
-              <a:rPr lang="en-US" dirty="0"/>
-              <a:t>  services:</a:t>
-            </a:r>
-          </a:p>
-          <a:p>
-            <a:pPr marL="0" indent="0" algn="l">
-              <a:buNone/>
-            </a:pPr>
-            <a:r>
-              <a:rPr lang="en-US" dirty="0"/>
-              <a:t>    - name: $CI_REGISTRY/group/project/docker:20.10.16-dind</a:t>
-            </a:r>
-          </a:p>
-          <a:p>
-            <a:pPr marL="0" indent="0" algn="l">
-              <a:buNone/>
-            </a:pPr>
-            <a:r>
-              <a:rPr lang="en-US" dirty="0"/>
-              <a:t>      alias: docker</a:t>
-            </a:r>
-          </a:p>
-          <a:p>
-            <a:pPr marL="0" indent="0" algn="l">
-              <a:buNone/>
-            </a:pPr>
-            <a:r>
-              <a:rPr lang="en-US" dirty="0"/>
-              <a:t>  stage: build</a:t>
-            </a:r>
-          </a:p>
-          <a:p>
-            <a:pPr marL="0" indent="0" algn="l">
-              <a:buNone/>
-            </a:pPr>
-            <a:r>
-              <a:rPr lang="en-US" dirty="0"/>
-              <a:t>  script:</a:t>
-            </a:r>
-          </a:p>
-          <a:p>
-            <a:pPr marL="0" indent="0" algn="l">
-              <a:buNone/>
-            </a:pPr>
-            <a:r>
-              <a:rPr lang="en-US" dirty="0"/>
-              <a:t>    - docker build -t my-docker-image .</a:t>
-            </a:r>
-          </a:p>
-          <a:p>
-            <a:pPr marL="0" indent="0" algn="l">
-              <a:buNone/>
-            </a:pPr>
-            <a:r>
-              <a:rPr lang="en-US" dirty="0"/>
-              <a:t>    - docker run my-docker-image /script/to/run/tests</a:t>
-            </a:r>
-          </a:p>
-          <a:p>
-            <a:pPr marL="0" indent="0" algn="l">
-              <a:buNone/>
-            </a:pPr>
-            <a:endParaRPr lang="en-US" dirty="0"/>
-          </a:p>
-          <a:p>
-            <a:pPr marL="0" indent="0" algn="l">
-              <a:buNone/>
-            </a:pPr>
-            <a:r>
-              <a:rPr lang="en-US" dirty="0"/>
-              <a:t>If you forget to set the service alias, the container image can’t find the </a:t>
-            </a:r>
-            <a:r>
-              <a:rPr lang="en-US" dirty="0" err="1"/>
-              <a:t>dind</a:t>
-            </a:r>
-            <a:r>
-              <a:rPr lang="en-US" dirty="0"/>
-              <a:t> service, and an error like the following is shown:</a:t>
-            </a:r>
-          </a:p>
-          <a:p>
-            <a:pPr marL="0" indent="0" algn="l">
-              <a:buNone/>
-            </a:pPr>
-            <a:endParaRPr lang="en-US" dirty="0"/>
-          </a:p>
-          <a:p>
-            <a:pPr marL="0" indent="0" algn="l">
-              <a:buNone/>
-            </a:pPr>
-            <a:r>
-              <a:rPr lang="en-US" dirty="0"/>
-              <a:t>error during connect: Get http://docker:2376/v1.39/info: dial </a:t>
-            </a:r>
-            <a:r>
-              <a:rPr lang="en-US" dirty="0" err="1"/>
-              <a:t>tcp</a:t>
-            </a:r>
-            <a:r>
-              <a:rPr lang="en-US" dirty="0"/>
-              <a:t>: lookup docker </a:t>
-            </a:r>
             <a:endParaRPr lang="de-DE" dirty="0"/>
           </a:p>
           <a:p>
@@ -10259,7 +10620,7 @@
     </p:spTree>
     <p:extLst>
       <p:ext uri="{BB962C8B-B14F-4D97-AF65-F5344CB8AC3E}">
-        <p14:creationId xmlns:p14="http://schemas.microsoft.com/office/powerpoint/2010/main" val="2278471957"/>
+        <p14:creationId xmlns:p14="http://schemas.microsoft.com/office/powerpoint/2010/main" val="2121417730"/>
       </p:ext>
     </p:extLst>
   </p:cSld>
@@ -10353,7 +10714,7 @@
                 <a:effectLst/>
                 <a:latin typeface="gitlab sans"/>
               </a:rPr>
-              <a:t>Use a Docker-in-Docker container image with Dependency Proxy</a:t>
+              <a:t>Use a Docker-in-Docker container image from your container registry</a:t>
             </a:r>
           </a:p>
           <a:p>
@@ -10362,7 +10723,7 @@
             </a:pPr>
             <a:r>
               <a:rPr lang="en-US" dirty="0"/>
-              <a:t>You can use your own container images with Dependency Proxy.</a:t>
+              <a:t>You can use your own container images for Docker-in-Docker.</a:t>
             </a:r>
           </a:p>
           <a:p>
@@ -10436,7 +10797,7 @@
             </a:pPr>
             <a:r>
               <a:rPr lang="en-US" dirty="0"/>
-              <a:t>  image: ${CI_DEPENDENCY_PROXY_GROUP_IMAGE_PREFIX}/docker:20.10.16</a:t>
+              <a:t>  image: $CI_REGISTRY/group/project/docker:20.10.16</a:t>
             </a:r>
           </a:p>
           <a:p>
@@ -10454,7 +10815,7 @@
             </a:pPr>
             <a:r>
               <a:rPr lang="en-US" dirty="0"/>
-              <a:t>    - name: ${CI_DEPENDENCY_PROXY_GROUP_IMAGE_PREFIX}/docker:18.09.7-dind</a:t>
+              <a:t>    - name: $CI_REGISTRY/group/project/docker:20.10.16-dind</a:t>
             </a:r>
           </a:p>
           <a:p>
@@ -10545,7 +10906,7 @@
             </a:r>
             <a:r>
               <a:rPr lang="en-US" dirty="0"/>
-              <a:t>: lookup docker o</a:t>
+              <a:t>: lookup docker </a:t>
             </a:r>
             <a:endParaRPr lang="de-DE" dirty="0"/>
           </a:p>
@@ -10561,7 +10922,7 @@
     </p:spTree>
     <p:extLst>
       <p:ext uri="{BB962C8B-B14F-4D97-AF65-F5344CB8AC3E}">
-        <p14:creationId xmlns:p14="http://schemas.microsoft.com/office/powerpoint/2010/main" val="1160348306"/>
+        <p14:creationId xmlns:p14="http://schemas.microsoft.com/office/powerpoint/2010/main" val="2278471957"/>
       </p:ext>
     </p:extLst>
   </p:cSld>
@@ -10593,7 +10954,7 @@
           <p:cNvPr id="2" name="Titel 1">
             <a:extLst>
               <a:ext uri="{FF2B5EF4-FFF2-40B4-BE49-F238E27FC236}">
-                <a16:creationId xmlns:a16="http://schemas.microsoft.com/office/drawing/2014/main" id="{DB1F447C-2F61-B060-8EFE-D98620927A6E}"/>
+                <a16:creationId xmlns:a16="http://schemas.microsoft.com/office/drawing/2014/main" id="{184AFD09-5210-6F86-C2FD-BBC016D382A6}"/>
               </a:ext>
             </a:extLst>
           </p:cNvPr>
@@ -10609,16 +10970,28 @@
           <a:bodyPr/>
           <a:lstStyle/>
           <a:p>
+            <a:r>
+              <a:rPr lang="de-DE" cap="none" dirty="0"/>
+              <a:t>Release- und </a:t>
+            </a:r>
+            <a:r>
+              <a:rPr lang="de-DE" cap="none" dirty="0" err="1"/>
+              <a:t>Tagged</a:t>
+            </a:r>
+            <a:r>
+              <a:rPr lang="de-DE" cap="none" dirty="0"/>
+              <a:t>-Images</a:t>
+            </a:r>
             <a:endParaRPr lang="de-DE" dirty="0"/>
           </a:p>
         </p:txBody>
       </p:sp>
       <p:sp>
         <p:nvSpPr>
-          <p:cNvPr id="3" name="Inhaltsplatzhalter 2">
+          <p:cNvPr id="6" name="Inhaltsplatzhalter 5">
             <a:extLst>
               <a:ext uri="{FF2B5EF4-FFF2-40B4-BE49-F238E27FC236}">
-                <a16:creationId xmlns:a16="http://schemas.microsoft.com/office/drawing/2014/main" id="{68EC2247-CA50-F34D-5B3B-2171A8AD687B}"/>
+                <a16:creationId xmlns:a16="http://schemas.microsoft.com/office/drawing/2014/main" id="{D2412707-84D3-F572-4709-FD9A95F28E5B}"/>
               </a:ext>
             </a:extLst>
           </p:cNvPr>
@@ -10634,27 +11007,215 @@
           <a:bodyPr/>
           <a:lstStyle/>
           <a:p>
-            <a:r>
-              <a:rPr lang="de-DE" dirty="0" err="1"/>
-              <a:t>Dependency</a:t>
-            </a:r>
-            <a:r>
-              <a:rPr lang="de-DE" dirty="0"/>
-              <a:t> Proxy:</a:t>
-            </a:r>
-          </a:p>
-          <a:p>
-            <a:r>
-              <a:rPr lang="de-DE" dirty="0">
-                <a:hlinkClick r:id="rId2"/>
-              </a:rPr>
-              <a:t>https://docs.gitlab.com/ee/user/packages/dependency_proxy/</a:t>
+            <a:pPr algn="l"/>
+            <a:r>
+              <a:rPr lang="en-US" b="1" i="0" dirty="0">
+                <a:solidFill>
+                  <a:srgbClr val="222261"/>
+                </a:solidFill>
+                <a:effectLst/>
+                <a:latin typeface="gitlab sans"/>
+              </a:rPr>
+              <a:t>Use a Docker-in-Docker container image with Dependency Proxy</a:t>
+            </a:r>
+          </a:p>
+          <a:p>
+            <a:pPr marL="0" indent="0" algn="l">
+              <a:buNone/>
+            </a:pPr>
+            <a:r>
+              <a:rPr lang="en-US" dirty="0"/>
+              <a:t>You can use your own container images with Dependency Proxy.</a:t>
+            </a:r>
+          </a:p>
+          <a:p>
+            <a:pPr marL="0" indent="0" algn="l">
+              <a:buNone/>
+            </a:pPr>
+            <a:endParaRPr lang="en-US" dirty="0"/>
+          </a:p>
+          <a:p>
+            <a:pPr marL="0" indent="0" algn="l">
+              <a:buNone/>
+            </a:pPr>
+            <a:r>
+              <a:rPr lang="en-US" dirty="0"/>
+              <a:t>Set up Docker-in-Docker.</a:t>
+            </a:r>
+          </a:p>
+          <a:p>
+            <a:pPr marL="0" indent="0" algn="l">
+              <a:buNone/>
+            </a:pPr>
+            <a:r>
+              <a:rPr lang="en-US" dirty="0"/>
+              <a:t>Update the image and service to point to your registry.</a:t>
+            </a:r>
+          </a:p>
+          <a:p>
+            <a:pPr marL="0" indent="0" algn="l">
+              <a:buNone/>
+            </a:pPr>
+            <a:r>
+              <a:rPr lang="en-US" dirty="0"/>
+              <a:t>Add a service alias.</a:t>
+            </a:r>
+          </a:p>
+          <a:p>
+            <a:pPr marL="0" indent="0" algn="l">
+              <a:buNone/>
+            </a:pPr>
+            <a:r>
+              <a:rPr lang="en-US" dirty="0"/>
+              <a:t>Your .</a:t>
+            </a:r>
+            <a:r>
+              <a:rPr lang="en-US" dirty="0" err="1"/>
+              <a:t>gitlab-ci.yml</a:t>
+            </a:r>
+            <a:r>
+              <a:rPr lang="en-US" dirty="0"/>
+              <a:t> should look similar to this:</a:t>
+            </a:r>
+          </a:p>
+          <a:p>
+            <a:pPr marL="0" indent="0" algn="l">
+              <a:buNone/>
+            </a:pPr>
+            <a:endParaRPr lang="en-US" dirty="0"/>
+          </a:p>
+          <a:p>
+            <a:pPr marL="0" indent="0" algn="l">
+              <a:buNone/>
+            </a:pPr>
+            <a:r>
+              <a:rPr lang="en-US" dirty="0"/>
+              <a:t>build:</a:t>
+            </a:r>
+          </a:p>
+          <a:p>
+            <a:pPr marL="0" indent="0" algn="l">
+              <a:buNone/>
+            </a:pPr>
+            <a:r>
+              <a:rPr lang="en-US" dirty="0"/>
+              <a:t>  image: ${CI_DEPENDENCY_PROXY_GROUP_IMAGE_PREFIX}/docker:20.10.16</a:t>
+            </a:r>
+          </a:p>
+          <a:p>
+            <a:pPr marL="0" indent="0" algn="l">
+              <a:buNone/>
+            </a:pPr>
+            <a:r>
+              <a:rPr lang="en-US" dirty="0"/>
+              <a:t>  services:</a:t>
+            </a:r>
+          </a:p>
+          <a:p>
+            <a:pPr marL="0" indent="0" algn="l">
+              <a:buNone/>
+            </a:pPr>
+            <a:r>
+              <a:rPr lang="en-US" dirty="0"/>
+              <a:t>    - name: ${CI_DEPENDENCY_PROXY_GROUP_IMAGE_PREFIX}/docker:18.09.7-dind</a:t>
+            </a:r>
+          </a:p>
+          <a:p>
+            <a:pPr marL="0" indent="0" algn="l">
+              <a:buNone/>
+            </a:pPr>
+            <a:r>
+              <a:rPr lang="en-US" dirty="0"/>
+              <a:t>      alias: docker</a:t>
+            </a:r>
+          </a:p>
+          <a:p>
+            <a:pPr marL="0" indent="0" algn="l">
+              <a:buNone/>
+            </a:pPr>
+            <a:r>
+              <a:rPr lang="en-US" dirty="0"/>
+              <a:t>  stage: build</a:t>
+            </a:r>
+          </a:p>
+          <a:p>
+            <a:pPr marL="0" indent="0" algn="l">
+              <a:buNone/>
+            </a:pPr>
+            <a:r>
+              <a:rPr lang="en-US" dirty="0"/>
+              <a:t>  script:</a:t>
+            </a:r>
+          </a:p>
+          <a:p>
+            <a:pPr marL="0" indent="0" algn="l">
+              <a:buNone/>
+            </a:pPr>
+            <a:r>
+              <a:rPr lang="en-US" dirty="0"/>
+              <a:t>    - docker build -t my-docker-image .</a:t>
+            </a:r>
+          </a:p>
+          <a:p>
+            <a:pPr marL="0" indent="0" algn="l">
+              <a:buNone/>
+            </a:pPr>
+            <a:r>
+              <a:rPr lang="en-US" dirty="0"/>
+              <a:t>    - docker run my-docker-image /script/to/run/tests</a:t>
+            </a:r>
+          </a:p>
+          <a:p>
+            <a:pPr marL="0" indent="0" algn="l">
+              <a:buNone/>
+            </a:pPr>
+            <a:endParaRPr lang="en-US" dirty="0"/>
+          </a:p>
+          <a:p>
+            <a:pPr marL="0" indent="0" algn="l">
+              <a:buNone/>
+            </a:pPr>
+            <a:r>
+              <a:rPr lang="en-US" dirty="0"/>
+              <a:t>If you forget to set the service alias, the container image can’t find the </a:t>
+            </a:r>
+            <a:r>
+              <a:rPr lang="en-US" dirty="0" err="1"/>
+              <a:t>dind</a:t>
+            </a:r>
+            <a:r>
+              <a:rPr lang="en-US" dirty="0"/>
+              <a:t> service, and an error like the following is shown:</a:t>
+            </a:r>
+          </a:p>
+          <a:p>
+            <a:pPr marL="0" indent="0" algn="l">
+              <a:buNone/>
+            </a:pPr>
+            <a:endParaRPr lang="en-US" dirty="0"/>
+          </a:p>
+          <a:p>
+            <a:pPr marL="0" indent="0" algn="l">
+              <a:buNone/>
+            </a:pPr>
+            <a:r>
+              <a:rPr lang="en-US" dirty="0"/>
+              <a:t>error during connect: Get http://docker:2376/v1.39/info: dial </a:t>
+            </a:r>
+            <a:r>
+              <a:rPr lang="en-US" dirty="0" err="1"/>
+              <a:t>tcp</a:t>
+            </a:r>
+            <a:r>
+              <a:rPr lang="en-US" dirty="0"/>
+              <a:t>: lookup docker o</a:t>
             </a:r>
             <a:endParaRPr lang="de-DE" dirty="0"/>
           </a:p>
           <a:p>
-            <a:pPr marL="0" indent="0">
-              <a:buNone/>
+            <a:pPr lvl="1">
+              <a:buFont typeface="Arial" panose="020B0604020202020204" pitchFamily="34" charset="0"/>
+              <a:buChar char="•"/>
             </a:pPr>
             <a:endParaRPr lang="de-DE" dirty="0"/>
           </a:p>
@@ -10663,7 +11224,7 @@
     </p:spTree>
     <p:extLst>
       <p:ext uri="{BB962C8B-B14F-4D97-AF65-F5344CB8AC3E}">
-        <p14:creationId xmlns:p14="http://schemas.microsoft.com/office/powerpoint/2010/main" val="844561808"/>
+        <p14:creationId xmlns:p14="http://schemas.microsoft.com/office/powerpoint/2010/main" val="1160348306"/>
       </p:ext>
     </p:extLst>
   </p:cSld>
@@ -11090,7 +11651,7 @@
           <p:cNvPr id="2" name="Titel 1">
             <a:extLst>
               <a:ext uri="{FF2B5EF4-FFF2-40B4-BE49-F238E27FC236}">
-                <a16:creationId xmlns:a16="http://schemas.microsoft.com/office/drawing/2014/main" id="{184AFD09-5210-6F86-C2FD-BBC016D382A6}"/>
+                <a16:creationId xmlns:a16="http://schemas.microsoft.com/office/drawing/2014/main" id="{DB1F447C-2F61-B060-8EFE-D98620927A6E}"/>
               </a:ext>
             </a:extLst>
           </p:cNvPr>
@@ -11106,28 +11667,16 @@
           <a:bodyPr/>
           <a:lstStyle/>
           <a:p>
-            <a:r>
-              <a:rPr lang="de-DE" cap="none" dirty="0"/>
-              <a:t>Release- und </a:t>
-            </a:r>
-            <a:r>
-              <a:rPr lang="de-DE" cap="none" dirty="0" err="1"/>
-              <a:t>Tagged</a:t>
-            </a:r>
-            <a:r>
-              <a:rPr lang="de-DE" cap="none" dirty="0"/>
-              <a:t>-Images</a:t>
-            </a:r>
             <a:endParaRPr lang="de-DE" dirty="0"/>
           </a:p>
         </p:txBody>
       </p:sp>
       <p:sp>
         <p:nvSpPr>
-          <p:cNvPr id="6" name="Inhaltsplatzhalter 5">
+          <p:cNvPr id="3" name="Inhaltsplatzhalter 2">
             <a:extLst>
               <a:ext uri="{FF2B5EF4-FFF2-40B4-BE49-F238E27FC236}">
-                <a16:creationId xmlns:a16="http://schemas.microsoft.com/office/drawing/2014/main" id="{D2412707-84D3-F572-4709-FD9A95F28E5B}"/>
+                <a16:creationId xmlns:a16="http://schemas.microsoft.com/office/drawing/2014/main" id="{68EC2247-CA50-F34D-5B3B-2171A8AD687B}"/>
               </a:ext>
             </a:extLst>
           </p:cNvPr>
@@ -11143,344 +11692,27 @@
           <a:bodyPr/>
           <a:lstStyle/>
           <a:p>
-            <a:pPr algn="l"/>
-            <a:r>
-              <a:rPr lang="en-US" b="1" i="0" dirty="0">
-                <a:solidFill>
-                  <a:srgbClr val="222261"/>
-                </a:solidFill>
-                <a:effectLst/>
-                <a:latin typeface="gitlab sans"/>
-              </a:rPr>
-              <a:t>Container registry examples with GitLab CI/CD</a:t>
-            </a:r>
+            <a:r>
+              <a:rPr lang="de-DE" dirty="0" err="1"/>
+              <a:t>Dependency</a:t>
+            </a:r>
+            <a:r>
+              <a:rPr lang="de-DE" dirty="0"/>
+              <a:t> Proxy:</a:t>
+            </a:r>
+          </a:p>
+          <a:p>
+            <a:r>
+              <a:rPr lang="de-DE" dirty="0">
+                <a:hlinkClick r:id="rId2"/>
+              </a:rPr>
+              <a:t>https://docs.gitlab.com/ee/user/packages/dependency_proxy/</a:t>
+            </a:r>
+            <a:endParaRPr lang="de-DE" dirty="0"/>
           </a:p>
           <a:p>
             <a:pPr marL="0" indent="0">
               <a:buNone/>
-            </a:pPr>
-            <a:r>
-              <a:rPr lang="de-DE" dirty="0" err="1"/>
-              <a:t>If</a:t>
-            </a:r>
-            <a:r>
-              <a:rPr lang="de-DE" dirty="0"/>
-              <a:t> </a:t>
-            </a:r>
-            <a:r>
-              <a:rPr lang="de-DE" dirty="0" err="1"/>
-              <a:t>you’re</a:t>
-            </a:r>
-            <a:r>
-              <a:rPr lang="de-DE" dirty="0"/>
-              <a:t> </a:t>
-            </a:r>
-            <a:r>
-              <a:rPr lang="de-DE" dirty="0" err="1"/>
-              <a:t>using</a:t>
-            </a:r>
-            <a:r>
-              <a:rPr lang="de-DE" dirty="0"/>
-              <a:t> Docker-in-Docker on </a:t>
-            </a:r>
-            <a:r>
-              <a:rPr lang="de-DE" dirty="0" err="1"/>
-              <a:t>your</a:t>
-            </a:r>
-            <a:r>
-              <a:rPr lang="de-DE" dirty="0"/>
-              <a:t> </a:t>
-            </a:r>
-            <a:r>
-              <a:rPr lang="de-DE" dirty="0" err="1"/>
-              <a:t>runners</a:t>
-            </a:r>
-            <a:r>
-              <a:rPr lang="de-DE" dirty="0"/>
-              <a:t>, </a:t>
-            </a:r>
-            <a:r>
-              <a:rPr lang="de-DE" dirty="0" err="1"/>
-              <a:t>your</a:t>
-            </a:r>
-            <a:r>
-              <a:rPr lang="de-DE" dirty="0"/>
-              <a:t> .</a:t>
-            </a:r>
-            <a:r>
-              <a:rPr lang="de-DE" dirty="0" err="1"/>
-              <a:t>gitlab-ci.yml</a:t>
-            </a:r>
-            <a:r>
-              <a:rPr lang="de-DE" dirty="0"/>
-              <a:t> </a:t>
-            </a:r>
-            <a:r>
-              <a:rPr lang="de-DE" dirty="0" err="1"/>
-              <a:t>file</a:t>
-            </a:r>
-            <a:r>
-              <a:rPr lang="de-DE" dirty="0"/>
-              <a:t> </a:t>
-            </a:r>
-            <a:r>
-              <a:rPr lang="de-DE" dirty="0" err="1"/>
-              <a:t>should</a:t>
-            </a:r>
-            <a:r>
-              <a:rPr lang="de-DE" dirty="0"/>
-              <a:t> </a:t>
-            </a:r>
-            <a:r>
-              <a:rPr lang="de-DE" dirty="0" err="1"/>
-              <a:t>look</a:t>
-            </a:r>
-            <a:r>
-              <a:rPr lang="de-DE" dirty="0"/>
-              <a:t> </a:t>
-            </a:r>
-            <a:r>
-              <a:rPr lang="de-DE" dirty="0" err="1"/>
-              <a:t>similar</a:t>
-            </a:r>
-            <a:r>
-              <a:rPr lang="de-DE" dirty="0"/>
-              <a:t> </a:t>
-            </a:r>
-            <a:r>
-              <a:rPr lang="de-DE" dirty="0" err="1"/>
-              <a:t>to</a:t>
-            </a:r>
-            <a:r>
-              <a:rPr lang="de-DE" dirty="0"/>
-              <a:t> </a:t>
-            </a:r>
-            <a:r>
-              <a:rPr lang="de-DE" dirty="0" err="1"/>
-              <a:t>this</a:t>
-            </a:r>
-            <a:r>
-              <a:rPr lang="de-DE" dirty="0"/>
-              <a:t>:</a:t>
-            </a:r>
-          </a:p>
-          <a:p>
-            <a:pPr marL="0" indent="0">
-              <a:buNone/>
-            </a:pPr>
-            <a:endParaRPr lang="de-DE" dirty="0"/>
-          </a:p>
-          <a:p>
-            <a:pPr marL="0" indent="0">
-              <a:buNone/>
-            </a:pPr>
-            <a:r>
-              <a:rPr lang="de-DE" dirty="0" err="1"/>
-              <a:t>build</a:t>
-            </a:r>
-            <a:r>
-              <a:rPr lang="de-DE" dirty="0"/>
-              <a:t>:</a:t>
-            </a:r>
-          </a:p>
-          <a:p>
-            <a:pPr marL="0" indent="0">
-              <a:buNone/>
-            </a:pPr>
-            <a:r>
-              <a:rPr lang="de-DE" dirty="0"/>
-              <a:t>  </a:t>
-            </a:r>
-            <a:r>
-              <a:rPr lang="de-DE" dirty="0" err="1"/>
-              <a:t>image</a:t>
-            </a:r>
-            <a:r>
-              <a:rPr lang="de-DE" dirty="0"/>
-              <a:t>: docker:20.10.16</a:t>
-            </a:r>
-          </a:p>
-          <a:p>
-            <a:pPr marL="0" indent="0">
-              <a:buNone/>
-            </a:pPr>
-            <a:r>
-              <a:rPr lang="de-DE" dirty="0"/>
-              <a:t>  </a:t>
-            </a:r>
-            <a:r>
-              <a:rPr lang="de-DE" dirty="0" err="1"/>
-              <a:t>stage</a:t>
-            </a:r>
-            <a:r>
-              <a:rPr lang="de-DE" dirty="0"/>
-              <a:t>: </a:t>
-            </a:r>
-            <a:r>
-              <a:rPr lang="de-DE" dirty="0" err="1"/>
-              <a:t>build</a:t>
-            </a:r>
-            <a:endParaRPr lang="de-DE" dirty="0"/>
-          </a:p>
-          <a:p>
-            <a:pPr marL="0" indent="0">
-              <a:buNone/>
-            </a:pPr>
-            <a:r>
-              <a:rPr lang="de-DE" dirty="0"/>
-              <a:t>  </a:t>
-            </a:r>
-            <a:r>
-              <a:rPr lang="de-DE" dirty="0" err="1"/>
-              <a:t>services</a:t>
-            </a:r>
-            <a:r>
-              <a:rPr lang="de-DE" dirty="0"/>
-              <a:t>:</a:t>
-            </a:r>
-          </a:p>
-          <a:p>
-            <a:pPr marL="0" indent="0">
-              <a:buNone/>
-            </a:pPr>
-            <a:r>
-              <a:rPr lang="de-DE" dirty="0"/>
-              <a:t>    - docker:20.10.16-dind</a:t>
-            </a:r>
-          </a:p>
-          <a:p>
-            <a:pPr marL="0" indent="0">
-              <a:buNone/>
-            </a:pPr>
-            <a:r>
-              <a:rPr lang="de-DE" dirty="0"/>
-              <a:t>  </a:t>
-            </a:r>
-            <a:r>
-              <a:rPr lang="de-DE" dirty="0" err="1"/>
-              <a:t>script</a:t>
-            </a:r>
-            <a:r>
-              <a:rPr lang="de-DE" dirty="0"/>
-              <a:t>:</a:t>
-            </a:r>
-          </a:p>
-          <a:p>
-            <a:pPr marL="0" indent="0">
-              <a:buNone/>
-            </a:pPr>
-            <a:r>
-              <a:rPr lang="de-DE" dirty="0"/>
-              <a:t>    - </a:t>
-            </a:r>
-            <a:r>
-              <a:rPr lang="de-DE" dirty="0" err="1"/>
-              <a:t>docker</a:t>
-            </a:r>
-            <a:r>
-              <a:rPr lang="de-DE" dirty="0"/>
-              <a:t> </a:t>
-            </a:r>
-            <a:r>
-              <a:rPr lang="de-DE" dirty="0" err="1"/>
-              <a:t>login</a:t>
-            </a:r>
-            <a:r>
-              <a:rPr lang="de-DE" dirty="0"/>
-              <a:t> -u $CI_REGISTRY_USER -p $CI_REGISTRY_PASSWORD $CI_REGISTRY</a:t>
-            </a:r>
-          </a:p>
-          <a:p>
-            <a:pPr marL="0" indent="0">
-              <a:buNone/>
-            </a:pPr>
-            <a:r>
-              <a:rPr lang="de-DE" dirty="0"/>
-              <a:t>    - </a:t>
-            </a:r>
-            <a:r>
-              <a:rPr lang="de-DE" dirty="0" err="1"/>
-              <a:t>docker</a:t>
-            </a:r>
-            <a:r>
-              <a:rPr lang="de-DE" dirty="0"/>
-              <a:t> </a:t>
-            </a:r>
-            <a:r>
-              <a:rPr lang="de-DE" dirty="0" err="1"/>
-              <a:t>build</a:t>
-            </a:r>
-            <a:r>
-              <a:rPr lang="de-DE" dirty="0"/>
-              <a:t> -t $CI_REGISTRY/</a:t>
-            </a:r>
-            <a:r>
-              <a:rPr lang="de-DE" dirty="0" err="1"/>
-              <a:t>group</a:t>
-            </a:r>
-            <a:r>
-              <a:rPr lang="de-DE" dirty="0"/>
-              <a:t>/</a:t>
-            </a:r>
-            <a:r>
-              <a:rPr lang="de-DE" dirty="0" err="1"/>
-              <a:t>project</a:t>
-            </a:r>
-            <a:r>
-              <a:rPr lang="de-DE" dirty="0"/>
-              <a:t>/</a:t>
-            </a:r>
-            <a:r>
-              <a:rPr lang="de-DE" dirty="0" err="1"/>
-              <a:t>image:latest</a:t>
-            </a:r>
-            <a:r>
-              <a:rPr lang="de-DE" dirty="0"/>
-              <a:t> .</a:t>
-            </a:r>
-          </a:p>
-          <a:p>
-            <a:pPr marL="0" indent="0">
-              <a:buNone/>
-            </a:pPr>
-            <a:r>
-              <a:rPr lang="de-DE" dirty="0"/>
-              <a:t>    - </a:t>
-            </a:r>
-            <a:r>
-              <a:rPr lang="de-DE" dirty="0" err="1"/>
-              <a:t>docker</a:t>
-            </a:r>
-            <a:r>
-              <a:rPr lang="de-DE" dirty="0"/>
-              <a:t> push $CI_REGISTRY/</a:t>
-            </a:r>
-            <a:r>
-              <a:rPr lang="de-DE" dirty="0" err="1"/>
-              <a:t>group</a:t>
-            </a:r>
-            <a:r>
-              <a:rPr lang="de-DE" dirty="0"/>
-              <a:t>/</a:t>
-            </a:r>
-            <a:r>
-              <a:rPr lang="de-DE" dirty="0" err="1"/>
-              <a:t>project</a:t>
-            </a:r>
-            <a:r>
-              <a:rPr lang="de-DE" dirty="0"/>
-              <a:t>/</a:t>
-            </a:r>
-            <a:r>
-              <a:rPr lang="de-DE" dirty="0" err="1"/>
-              <a:t>image:latest</a:t>
-            </a:r>
-            <a:endParaRPr lang="de-DE" dirty="0"/>
-          </a:p>
-          <a:p>
-            <a:pPr lvl="1">
-              <a:buFont typeface="Arial" panose="020B0604020202020204" pitchFamily="34" charset="0"/>
-              <a:buChar char="•"/>
             </a:pPr>
             <a:endParaRPr lang="de-DE" dirty="0"/>
           </a:p>
@@ -11489,7 +11721,7 @@
     </p:spTree>
     <p:extLst>
       <p:ext uri="{BB962C8B-B14F-4D97-AF65-F5344CB8AC3E}">
-        <p14:creationId xmlns:p14="http://schemas.microsoft.com/office/powerpoint/2010/main" val="3178729389"/>
+        <p14:creationId xmlns:p14="http://schemas.microsoft.com/office/powerpoint/2010/main" val="844561808"/>
       </p:ext>
     </p:extLst>
   </p:cSld>
@@ -11587,6 +11819,437 @@
             </a:r>
           </a:p>
           <a:p>
+            <a:pPr marL="0" indent="0">
+              <a:buNone/>
+            </a:pPr>
+            <a:r>
+              <a:rPr lang="de-DE" dirty="0" err="1"/>
+              <a:t>If</a:t>
+            </a:r>
+            <a:r>
+              <a:rPr lang="de-DE" dirty="0"/>
+              <a:t> </a:t>
+            </a:r>
+            <a:r>
+              <a:rPr lang="de-DE" dirty="0" err="1"/>
+              <a:t>you’re</a:t>
+            </a:r>
+            <a:r>
+              <a:rPr lang="de-DE" dirty="0"/>
+              <a:t> </a:t>
+            </a:r>
+            <a:r>
+              <a:rPr lang="de-DE" dirty="0" err="1"/>
+              <a:t>using</a:t>
+            </a:r>
+            <a:r>
+              <a:rPr lang="de-DE" dirty="0"/>
+              <a:t> Docker-in-Docker on </a:t>
+            </a:r>
+            <a:r>
+              <a:rPr lang="de-DE" dirty="0" err="1"/>
+              <a:t>your</a:t>
+            </a:r>
+            <a:r>
+              <a:rPr lang="de-DE" dirty="0"/>
+              <a:t> </a:t>
+            </a:r>
+            <a:r>
+              <a:rPr lang="de-DE" dirty="0" err="1"/>
+              <a:t>runners</a:t>
+            </a:r>
+            <a:r>
+              <a:rPr lang="de-DE" dirty="0"/>
+              <a:t>, </a:t>
+            </a:r>
+            <a:r>
+              <a:rPr lang="de-DE" dirty="0" err="1"/>
+              <a:t>your</a:t>
+            </a:r>
+            <a:r>
+              <a:rPr lang="de-DE" dirty="0"/>
+              <a:t> .</a:t>
+            </a:r>
+            <a:r>
+              <a:rPr lang="de-DE" dirty="0" err="1"/>
+              <a:t>gitlab-ci.yml</a:t>
+            </a:r>
+            <a:r>
+              <a:rPr lang="de-DE" dirty="0"/>
+              <a:t> </a:t>
+            </a:r>
+            <a:r>
+              <a:rPr lang="de-DE" dirty="0" err="1"/>
+              <a:t>file</a:t>
+            </a:r>
+            <a:r>
+              <a:rPr lang="de-DE" dirty="0"/>
+              <a:t> </a:t>
+            </a:r>
+            <a:r>
+              <a:rPr lang="de-DE" dirty="0" err="1"/>
+              <a:t>should</a:t>
+            </a:r>
+            <a:r>
+              <a:rPr lang="de-DE" dirty="0"/>
+              <a:t> </a:t>
+            </a:r>
+            <a:r>
+              <a:rPr lang="de-DE" dirty="0" err="1"/>
+              <a:t>look</a:t>
+            </a:r>
+            <a:r>
+              <a:rPr lang="de-DE" dirty="0"/>
+              <a:t> </a:t>
+            </a:r>
+            <a:r>
+              <a:rPr lang="de-DE" dirty="0" err="1"/>
+              <a:t>similar</a:t>
+            </a:r>
+            <a:r>
+              <a:rPr lang="de-DE" dirty="0"/>
+              <a:t> </a:t>
+            </a:r>
+            <a:r>
+              <a:rPr lang="de-DE" dirty="0" err="1"/>
+              <a:t>to</a:t>
+            </a:r>
+            <a:r>
+              <a:rPr lang="de-DE" dirty="0"/>
+              <a:t> </a:t>
+            </a:r>
+            <a:r>
+              <a:rPr lang="de-DE" dirty="0" err="1"/>
+              <a:t>this</a:t>
+            </a:r>
+            <a:r>
+              <a:rPr lang="de-DE" dirty="0"/>
+              <a:t>:</a:t>
+            </a:r>
+          </a:p>
+          <a:p>
+            <a:pPr marL="0" indent="0">
+              <a:buNone/>
+            </a:pPr>
+            <a:endParaRPr lang="de-DE" dirty="0"/>
+          </a:p>
+          <a:p>
+            <a:pPr marL="0" indent="0">
+              <a:buNone/>
+            </a:pPr>
+            <a:r>
+              <a:rPr lang="de-DE" dirty="0" err="1"/>
+              <a:t>build</a:t>
+            </a:r>
+            <a:r>
+              <a:rPr lang="de-DE" dirty="0"/>
+              <a:t>:</a:t>
+            </a:r>
+          </a:p>
+          <a:p>
+            <a:pPr marL="0" indent="0">
+              <a:buNone/>
+            </a:pPr>
+            <a:r>
+              <a:rPr lang="de-DE" dirty="0"/>
+              <a:t>  </a:t>
+            </a:r>
+            <a:r>
+              <a:rPr lang="de-DE" dirty="0" err="1"/>
+              <a:t>image</a:t>
+            </a:r>
+            <a:r>
+              <a:rPr lang="de-DE" dirty="0"/>
+              <a:t>: docker:20.10.16</a:t>
+            </a:r>
+          </a:p>
+          <a:p>
+            <a:pPr marL="0" indent="0">
+              <a:buNone/>
+            </a:pPr>
+            <a:r>
+              <a:rPr lang="de-DE" dirty="0"/>
+              <a:t>  </a:t>
+            </a:r>
+            <a:r>
+              <a:rPr lang="de-DE" dirty="0" err="1"/>
+              <a:t>stage</a:t>
+            </a:r>
+            <a:r>
+              <a:rPr lang="de-DE" dirty="0"/>
+              <a:t>: </a:t>
+            </a:r>
+            <a:r>
+              <a:rPr lang="de-DE" dirty="0" err="1"/>
+              <a:t>build</a:t>
+            </a:r>
+            <a:endParaRPr lang="de-DE" dirty="0"/>
+          </a:p>
+          <a:p>
+            <a:pPr marL="0" indent="0">
+              <a:buNone/>
+            </a:pPr>
+            <a:r>
+              <a:rPr lang="de-DE" dirty="0"/>
+              <a:t>  </a:t>
+            </a:r>
+            <a:r>
+              <a:rPr lang="de-DE" dirty="0" err="1"/>
+              <a:t>services</a:t>
+            </a:r>
+            <a:r>
+              <a:rPr lang="de-DE" dirty="0"/>
+              <a:t>:</a:t>
+            </a:r>
+          </a:p>
+          <a:p>
+            <a:pPr marL="0" indent="0">
+              <a:buNone/>
+            </a:pPr>
+            <a:r>
+              <a:rPr lang="de-DE" dirty="0"/>
+              <a:t>    - docker:20.10.16-dind</a:t>
+            </a:r>
+          </a:p>
+          <a:p>
+            <a:pPr marL="0" indent="0">
+              <a:buNone/>
+            </a:pPr>
+            <a:r>
+              <a:rPr lang="de-DE" dirty="0"/>
+              <a:t>  </a:t>
+            </a:r>
+            <a:r>
+              <a:rPr lang="de-DE" dirty="0" err="1"/>
+              <a:t>script</a:t>
+            </a:r>
+            <a:r>
+              <a:rPr lang="de-DE" dirty="0"/>
+              <a:t>:</a:t>
+            </a:r>
+          </a:p>
+          <a:p>
+            <a:pPr marL="0" indent="0">
+              <a:buNone/>
+            </a:pPr>
+            <a:r>
+              <a:rPr lang="de-DE" dirty="0"/>
+              <a:t>    - </a:t>
+            </a:r>
+            <a:r>
+              <a:rPr lang="de-DE" dirty="0" err="1"/>
+              <a:t>docker</a:t>
+            </a:r>
+            <a:r>
+              <a:rPr lang="de-DE" dirty="0"/>
+              <a:t> </a:t>
+            </a:r>
+            <a:r>
+              <a:rPr lang="de-DE" dirty="0" err="1"/>
+              <a:t>login</a:t>
+            </a:r>
+            <a:r>
+              <a:rPr lang="de-DE" dirty="0"/>
+              <a:t> -u $CI_REGISTRY_USER -p $CI_REGISTRY_PASSWORD $CI_REGISTRY</a:t>
+            </a:r>
+          </a:p>
+          <a:p>
+            <a:pPr marL="0" indent="0">
+              <a:buNone/>
+            </a:pPr>
+            <a:r>
+              <a:rPr lang="de-DE" dirty="0"/>
+              <a:t>    - </a:t>
+            </a:r>
+            <a:r>
+              <a:rPr lang="de-DE" dirty="0" err="1"/>
+              <a:t>docker</a:t>
+            </a:r>
+            <a:r>
+              <a:rPr lang="de-DE" dirty="0"/>
+              <a:t> </a:t>
+            </a:r>
+            <a:r>
+              <a:rPr lang="de-DE" dirty="0" err="1"/>
+              <a:t>build</a:t>
+            </a:r>
+            <a:r>
+              <a:rPr lang="de-DE" dirty="0"/>
+              <a:t> -t $CI_REGISTRY/</a:t>
+            </a:r>
+            <a:r>
+              <a:rPr lang="de-DE" dirty="0" err="1"/>
+              <a:t>group</a:t>
+            </a:r>
+            <a:r>
+              <a:rPr lang="de-DE" dirty="0"/>
+              <a:t>/</a:t>
+            </a:r>
+            <a:r>
+              <a:rPr lang="de-DE" dirty="0" err="1"/>
+              <a:t>project</a:t>
+            </a:r>
+            <a:r>
+              <a:rPr lang="de-DE" dirty="0"/>
+              <a:t>/</a:t>
+            </a:r>
+            <a:r>
+              <a:rPr lang="de-DE" dirty="0" err="1"/>
+              <a:t>image:latest</a:t>
+            </a:r>
+            <a:r>
+              <a:rPr lang="de-DE" dirty="0"/>
+              <a:t> .</a:t>
+            </a:r>
+          </a:p>
+          <a:p>
+            <a:pPr marL="0" indent="0">
+              <a:buNone/>
+            </a:pPr>
+            <a:r>
+              <a:rPr lang="de-DE" dirty="0"/>
+              <a:t>    - </a:t>
+            </a:r>
+            <a:r>
+              <a:rPr lang="de-DE" dirty="0" err="1"/>
+              <a:t>docker</a:t>
+            </a:r>
+            <a:r>
+              <a:rPr lang="de-DE" dirty="0"/>
+              <a:t> push $CI_REGISTRY/</a:t>
+            </a:r>
+            <a:r>
+              <a:rPr lang="de-DE" dirty="0" err="1"/>
+              <a:t>group</a:t>
+            </a:r>
+            <a:r>
+              <a:rPr lang="de-DE" dirty="0"/>
+              <a:t>/</a:t>
+            </a:r>
+            <a:r>
+              <a:rPr lang="de-DE" dirty="0" err="1"/>
+              <a:t>project</a:t>
+            </a:r>
+            <a:r>
+              <a:rPr lang="de-DE" dirty="0"/>
+              <a:t>/</a:t>
+            </a:r>
+            <a:r>
+              <a:rPr lang="de-DE" dirty="0" err="1"/>
+              <a:t>image:latest</a:t>
+            </a:r>
+            <a:endParaRPr lang="de-DE" dirty="0"/>
+          </a:p>
+          <a:p>
+            <a:pPr lvl="1">
+              <a:buFont typeface="Arial" panose="020B0604020202020204" pitchFamily="34" charset="0"/>
+              <a:buChar char="•"/>
+            </a:pPr>
+            <a:endParaRPr lang="de-DE" dirty="0"/>
+          </a:p>
+        </p:txBody>
+      </p:sp>
+    </p:spTree>
+    <p:extLst>
+      <p:ext uri="{BB962C8B-B14F-4D97-AF65-F5344CB8AC3E}">
+        <p14:creationId xmlns:p14="http://schemas.microsoft.com/office/powerpoint/2010/main" val="3178729389"/>
+      </p:ext>
+    </p:extLst>
+  </p:cSld>
+  <p:clrMapOvr>
+    <a:masterClrMapping/>
+  </p:clrMapOvr>
+</p:sld>
+</file>
+
+<file path=ppt/slides/slide32.xml><?xml version="1.0" encoding="utf-8"?>
+<p:sld xmlns:a="http://schemas.openxmlformats.org/drawingml/2006/main" xmlns:r="http://schemas.openxmlformats.org/officeDocument/2006/relationships" xmlns:p="http://schemas.openxmlformats.org/presentationml/2006/main">
+  <p:cSld>
+    <p:spTree>
+      <p:nvGrpSpPr>
+        <p:cNvPr id="1" name=""/>
+        <p:cNvGrpSpPr/>
+        <p:nvPr/>
+      </p:nvGrpSpPr>
+      <p:grpSpPr>
+        <a:xfrm>
+          <a:off x="0" y="0"/>
+          <a:ext cx="0" cy="0"/>
+          <a:chOff x="0" y="0"/>
+          <a:chExt cx="0" cy="0"/>
+        </a:xfrm>
+      </p:grpSpPr>
+      <p:sp>
+        <p:nvSpPr>
+          <p:cNvPr id="2" name="Titel 1">
+            <a:extLst>
+              <a:ext uri="{FF2B5EF4-FFF2-40B4-BE49-F238E27FC236}">
+                <a16:creationId xmlns:a16="http://schemas.microsoft.com/office/drawing/2014/main" id="{184AFD09-5210-6F86-C2FD-BBC016D382A6}"/>
+              </a:ext>
+            </a:extLst>
+          </p:cNvPr>
+          <p:cNvSpPr>
+            <a:spLocks noGrp="1"/>
+          </p:cNvSpPr>
+          <p:nvPr>
+            <p:ph type="title"/>
+          </p:nvPr>
+        </p:nvSpPr>
+        <p:spPr/>
+        <p:txBody>
+          <a:bodyPr/>
+          <a:lstStyle/>
+          <a:p>
+            <a:r>
+              <a:rPr lang="de-DE" cap="none" dirty="0"/>
+              <a:t>Release- und </a:t>
+            </a:r>
+            <a:r>
+              <a:rPr lang="de-DE" cap="none" dirty="0" err="1"/>
+              <a:t>Tagged</a:t>
+            </a:r>
+            <a:r>
+              <a:rPr lang="de-DE" cap="none" dirty="0"/>
+              <a:t>-Images</a:t>
+            </a:r>
+            <a:endParaRPr lang="de-DE" dirty="0"/>
+          </a:p>
+        </p:txBody>
+      </p:sp>
+      <p:sp>
+        <p:nvSpPr>
+          <p:cNvPr id="6" name="Inhaltsplatzhalter 5">
+            <a:extLst>
+              <a:ext uri="{FF2B5EF4-FFF2-40B4-BE49-F238E27FC236}">
+                <a16:creationId xmlns:a16="http://schemas.microsoft.com/office/drawing/2014/main" id="{D2412707-84D3-F572-4709-FD9A95F28E5B}"/>
+              </a:ext>
+            </a:extLst>
+          </p:cNvPr>
+          <p:cNvSpPr>
+            <a:spLocks noGrp="1"/>
+          </p:cNvSpPr>
+          <p:nvPr>
+            <p:ph idx="1"/>
+          </p:nvPr>
+        </p:nvSpPr>
+        <p:spPr/>
+        <p:txBody>
+          <a:bodyPr/>
+          <a:lstStyle/>
+          <a:p>
+            <a:pPr algn="l"/>
+            <a:r>
+              <a:rPr lang="en-US" b="1" i="0" dirty="0">
+                <a:solidFill>
+                  <a:srgbClr val="222261"/>
+                </a:solidFill>
+                <a:effectLst/>
+                <a:latin typeface="gitlab sans"/>
+              </a:rPr>
+              <a:t>Container registry examples with GitLab CI/CD</a:t>
+            </a:r>
+          </a:p>
+          <a:p>
             <a:pPr marL="0" indent="0" algn="l">
               <a:buNone/>
             </a:pPr>
@@ -11854,7 +12517,7 @@
 </p:sld>
 </file>
 
-<file path=ppt/slides/slide32.xml><?xml version="1.0" encoding="utf-8"?>
+<file path=ppt/slides/slide33.xml><?xml version="1.0" encoding="utf-8"?>
 <p:sld xmlns:a="http://schemas.openxmlformats.org/drawingml/2006/main" xmlns:r="http://schemas.openxmlformats.org/officeDocument/2006/relationships" xmlns:p="http://schemas.openxmlformats.org/presentationml/2006/main">
   <p:cSld>
     <p:spTree>

--- a/slides/Tag-3_3-Release-und-Tagged-Images.pptx
+++ b/slides/Tag-3_3-Release-und-Tagged-Images.pptx
@@ -6,10 +6,10 @@
     <p:sldMasterId id="2147483649" r:id="rId2"/>
   </p:sldMasterIdLst>
   <p:notesMasterIdLst>
-    <p:notesMasterId r:id="rId36"/>
+    <p:notesMasterId r:id="rId42"/>
   </p:notesMasterIdLst>
   <p:handoutMasterIdLst>
-    <p:handoutMasterId r:id="rId37"/>
+    <p:handoutMasterId r:id="rId43"/>
   </p:handoutMasterIdLst>
   <p:sldIdLst>
     <p:sldId id="288" r:id="rId3"/>
@@ -38,13 +38,19 @@
     <p:sldId id="609" r:id="rId26"/>
     <p:sldId id="619" r:id="rId27"/>
     <p:sldId id="618" r:id="rId28"/>
-    <p:sldId id="610" r:id="rId29"/>
-    <p:sldId id="612" r:id="rId30"/>
-    <p:sldId id="613" r:id="rId31"/>
-    <p:sldId id="617" r:id="rId32"/>
-    <p:sldId id="616" r:id="rId33"/>
-    <p:sldId id="614" r:id="rId34"/>
-    <p:sldId id="615" r:id="rId35"/>
+    <p:sldId id="620" r:id="rId29"/>
+    <p:sldId id="621" r:id="rId30"/>
+    <p:sldId id="622" r:id="rId31"/>
+    <p:sldId id="623" r:id="rId32"/>
+    <p:sldId id="617" r:id="rId33"/>
+    <p:sldId id="624" r:id="rId34"/>
+    <p:sldId id="625" r:id="rId35"/>
+    <p:sldId id="626" r:id="rId36"/>
+    <p:sldId id="627" r:id="rId37"/>
+    <p:sldId id="628" r:id="rId38"/>
+    <p:sldId id="629" r:id="rId39"/>
+    <p:sldId id="630" r:id="rId40"/>
+    <p:sldId id="631" r:id="rId41"/>
   </p:sldIdLst>
   <p:sldSz cx="9144000" cy="6858000" type="screen4x3"/>
   <p:notesSz cx="6784975" cy="9921875"/>
@@ -1384,6 +1390,25 @@
               <a:t>https://docs.gitlab.com/ee/ci/docker/using_docker_build.html#use-docker-in-docker</a:t>
             </a:r>
           </a:p>
+          <a:p>
+            <a:endParaRPr lang="de-DE" dirty="0"/>
+          </a:p>
+          <a:p>
+            <a:r>
+              <a:rPr lang="de-DE" dirty="0" err="1"/>
+              <a:t>Dind</a:t>
+            </a:r>
+            <a:r>
+              <a:rPr lang="de-DE" dirty="0"/>
+              <a:t> mit TLS:</a:t>
+            </a:r>
+          </a:p>
+          <a:p>
+            <a:r>
+              <a:rPr lang="de-DE" dirty="0"/>
+              <a:t>https://docs.gitlab.com/ee/ci/docker/using_docker_build.html#docker-in-docker-with-tls-enabled-in-the-docker-executor</a:t>
+            </a:r>
+          </a:p>
         </p:txBody>
       </p:sp>
       <p:sp>
@@ -1555,9 +1580,24 @@
           <a:bodyPr/>
           <a:lstStyle/>
           <a:p>
+            <a:endParaRPr lang="de-DE" dirty="0"/>
+          </a:p>
+          <a:p>
             <a:r>
               <a:rPr lang="de-DE" dirty="0"/>
-              <a:t>https://docs.gitlab.com/ee/user/packages/container_registry/build_and_push_images.html#use-gitlab-cicd</a:t>
+              <a:t>https://about.gitlab.com/blog/2020/12/15/dependency-proxy-updates/</a:t>
+            </a:r>
+          </a:p>
+          <a:p>
+            <a:endParaRPr lang="de-DE" dirty="0"/>
+          </a:p>
+          <a:p>
+            <a:endParaRPr lang="de-DE" dirty="0"/>
+          </a:p>
+          <a:p>
+            <a:r>
+              <a:rPr lang="de-DE" dirty="0"/>
+              <a:t>https://help.sonatype.com/en/components-and-assets-in-docker.html#:~:text=Docker%20Images%2C%20Tags%2C%20Manifests%2C,not%20associated%20with%20a%20component.</a:t>
             </a:r>
           </a:p>
         </p:txBody>
@@ -1580,7 +1620,7 @@
             <a:fld id="{18182567-388C-4D33-8B7B-A651F195F118}" type="slidenum">
               <a:rPr lang="de-DE" altLang="de-DE" smtClean="0"/>
               <a:pPr/>
-              <a:t>27</a:t>
+              <a:t>31</a:t>
             </a:fld>
             <a:endParaRPr lang="de-DE" altLang="de-DE"/>
           </a:p>
@@ -1589,7 +1629,7 @@
     </p:spTree>
     <p:extLst>
       <p:ext uri="{BB962C8B-B14F-4D97-AF65-F5344CB8AC3E}">
-        <p14:creationId xmlns:p14="http://schemas.microsoft.com/office/powerpoint/2010/main" val="511039819"/>
+        <p14:creationId xmlns:p14="http://schemas.microsoft.com/office/powerpoint/2010/main" val="3189253092"/>
       </p:ext>
     </p:extLst>
   </p:cSld>
@@ -1643,10 +1683,7 @@
           <a:bodyPr/>
           <a:lstStyle/>
           <a:p>
-            <a:r>
-              <a:rPr lang="de-DE" dirty="0"/>
-              <a:t>https://docs.gitlab.com/ee/user/packages/container_registry/build_and_push_images.html#use-a-docker-in-docker-container-image-from-your-container-registry</a:t>
-            </a:r>
+            <a:endParaRPr lang="de-DE" dirty="0"/>
           </a:p>
         </p:txBody>
       </p:sp>
@@ -1668,7 +1705,7 @@
             <a:fld id="{18182567-388C-4D33-8B7B-A651F195F118}" type="slidenum">
               <a:rPr lang="de-DE" altLang="de-DE" smtClean="0"/>
               <a:pPr/>
-              <a:t>28</a:t>
+              <a:t>33</a:t>
             </a:fld>
             <a:endParaRPr lang="de-DE" altLang="de-DE"/>
           </a:p>
@@ -1677,7 +1714,7 @@
     </p:spTree>
     <p:extLst>
       <p:ext uri="{BB962C8B-B14F-4D97-AF65-F5344CB8AC3E}">
-        <p14:creationId xmlns:p14="http://schemas.microsoft.com/office/powerpoint/2010/main" val="3555957353"/>
+        <p14:creationId xmlns:p14="http://schemas.microsoft.com/office/powerpoint/2010/main" val="2538846736"/>
       </p:ext>
     </p:extLst>
   </p:cSld>
@@ -1731,10 +1768,7 @@
           <a:bodyPr/>
           <a:lstStyle/>
           <a:p>
-            <a:r>
-              <a:rPr lang="de-DE" dirty="0"/>
-              <a:t>https://docs.gitlab.com/ee/user/packages/container_registry/build_and_push_images.html#use-a-docker-in-docker-container-image-with-dependency-proxy</a:t>
-            </a:r>
+            <a:endParaRPr lang="de-DE" dirty="0"/>
           </a:p>
         </p:txBody>
       </p:sp>
@@ -1756,7 +1790,7 @@
             <a:fld id="{18182567-388C-4D33-8B7B-A651F195F118}" type="slidenum">
               <a:rPr lang="de-DE" altLang="de-DE" smtClean="0"/>
               <a:pPr/>
-              <a:t>29</a:t>
+              <a:t>34</a:t>
             </a:fld>
             <a:endParaRPr lang="de-DE" altLang="de-DE"/>
           </a:p>
@@ -1765,183 +1799,7 @@
     </p:spTree>
     <p:extLst>
       <p:ext uri="{BB962C8B-B14F-4D97-AF65-F5344CB8AC3E}">
-        <p14:creationId xmlns:p14="http://schemas.microsoft.com/office/powerpoint/2010/main" val="1695736135"/>
-      </p:ext>
-    </p:extLst>
-  </p:cSld>
-  <p:clrMapOvr>
-    <a:masterClrMapping/>
-  </p:clrMapOvr>
-</p:notes>
-</file>
-
-<file path=ppt/notesSlides/notesSlide18.xml><?xml version="1.0" encoding="utf-8"?>
-<p:notes xmlns:a="http://schemas.openxmlformats.org/drawingml/2006/main" xmlns:r="http://schemas.openxmlformats.org/officeDocument/2006/relationships" xmlns:p="http://schemas.openxmlformats.org/presentationml/2006/main">
-  <p:cSld>
-    <p:spTree>
-      <p:nvGrpSpPr>
-        <p:cNvPr id="1" name=""/>
-        <p:cNvGrpSpPr/>
-        <p:nvPr/>
-      </p:nvGrpSpPr>
-      <p:grpSpPr>
-        <a:xfrm>
-          <a:off x="0" y="0"/>
-          <a:ext cx="0" cy="0"/>
-          <a:chOff x="0" y="0"/>
-          <a:chExt cx="0" cy="0"/>
-        </a:xfrm>
-      </p:grpSpPr>
-      <p:sp>
-        <p:nvSpPr>
-          <p:cNvPr id="2" name="Folienbildplatzhalter 1"/>
-          <p:cNvSpPr>
-            <a:spLocks noGrp="1" noRot="1" noChangeAspect="1"/>
-          </p:cNvSpPr>
-          <p:nvPr>
-            <p:ph type="sldImg"/>
-          </p:nvPr>
-        </p:nvSpPr>
-        <p:spPr/>
-      </p:sp>
-      <p:sp>
-        <p:nvSpPr>
-          <p:cNvPr id="3" name="Notizenplatzhalter 2"/>
-          <p:cNvSpPr>
-            <a:spLocks noGrp="1"/>
-          </p:cNvSpPr>
-          <p:nvPr>
-            <p:ph type="body" idx="1"/>
-          </p:nvPr>
-        </p:nvSpPr>
-        <p:spPr/>
-        <p:txBody>
-          <a:bodyPr/>
-          <a:lstStyle/>
-          <a:p>
-            <a:r>
-              <a:rPr lang="de-DE" dirty="0"/>
-              <a:t>https://docs.gitlab.com/ee/user/packages/container_registry/build_and_push_images.html#container-registry-examples-with-gitlab-cicd</a:t>
-            </a:r>
-          </a:p>
-        </p:txBody>
-      </p:sp>
-      <p:sp>
-        <p:nvSpPr>
-          <p:cNvPr id="4" name="Foliennummernplatzhalter 3"/>
-          <p:cNvSpPr>
-            <a:spLocks noGrp="1"/>
-          </p:cNvSpPr>
-          <p:nvPr>
-            <p:ph type="sldNum" sz="quarter" idx="5"/>
-          </p:nvPr>
-        </p:nvSpPr>
-        <p:spPr/>
-        <p:txBody>
-          <a:bodyPr/>
-          <a:lstStyle/>
-          <a:p>
-            <a:fld id="{18182567-388C-4D33-8B7B-A651F195F118}" type="slidenum">
-              <a:rPr lang="de-DE" altLang="de-DE" smtClean="0"/>
-              <a:pPr/>
-              <a:t>31</a:t>
-            </a:fld>
-            <a:endParaRPr lang="de-DE" altLang="de-DE"/>
-          </a:p>
-        </p:txBody>
-      </p:sp>
-    </p:spTree>
-    <p:extLst>
-      <p:ext uri="{BB962C8B-B14F-4D97-AF65-F5344CB8AC3E}">
-        <p14:creationId xmlns:p14="http://schemas.microsoft.com/office/powerpoint/2010/main" val="1319990225"/>
-      </p:ext>
-    </p:extLst>
-  </p:cSld>
-  <p:clrMapOvr>
-    <a:masterClrMapping/>
-  </p:clrMapOvr>
-</p:notes>
-</file>
-
-<file path=ppt/notesSlides/notesSlide19.xml><?xml version="1.0" encoding="utf-8"?>
-<p:notes xmlns:a="http://schemas.openxmlformats.org/drawingml/2006/main" xmlns:r="http://schemas.openxmlformats.org/officeDocument/2006/relationships" xmlns:p="http://schemas.openxmlformats.org/presentationml/2006/main">
-  <p:cSld>
-    <p:spTree>
-      <p:nvGrpSpPr>
-        <p:cNvPr id="1" name=""/>
-        <p:cNvGrpSpPr/>
-        <p:nvPr/>
-      </p:nvGrpSpPr>
-      <p:grpSpPr>
-        <a:xfrm>
-          <a:off x="0" y="0"/>
-          <a:ext cx="0" cy="0"/>
-          <a:chOff x="0" y="0"/>
-          <a:chExt cx="0" cy="0"/>
-        </a:xfrm>
-      </p:grpSpPr>
-      <p:sp>
-        <p:nvSpPr>
-          <p:cNvPr id="2" name="Folienbildplatzhalter 1"/>
-          <p:cNvSpPr>
-            <a:spLocks noGrp="1" noRot="1" noChangeAspect="1"/>
-          </p:cNvSpPr>
-          <p:nvPr>
-            <p:ph type="sldImg"/>
-          </p:nvPr>
-        </p:nvSpPr>
-        <p:spPr/>
-      </p:sp>
-      <p:sp>
-        <p:nvSpPr>
-          <p:cNvPr id="3" name="Notizenplatzhalter 2"/>
-          <p:cNvSpPr>
-            <a:spLocks noGrp="1"/>
-          </p:cNvSpPr>
-          <p:nvPr>
-            <p:ph type="body" idx="1"/>
-          </p:nvPr>
-        </p:nvSpPr>
-        <p:spPr/>
-        <p:txBody>
-          <a:bodyPr/>
-          <a:lstStyle/>
-          <a:p>
-            <a:r>
-              <a:rPr lang="de-DE" dirty="0"/>
-              <a:t>https://docs.gitlab.com/ee/user/packages/container_registry/build_and_push_images.html#container-registry-examples-with-gitlab-cicd</a:t>
-            </a:r>
-          </a:p>
-        </p:txBody>
-      </p:sp>
-      <p:sp>
-        <p:nvSpPr>
-          <p:cNvPr id="4" name="Foliennummernplatzhalter 3"/>
-          <p:cNvSpPr>
-            <a:spLocks noGrp="1"/>
-          </p:cNvSpPr>
-          <p:nvPr>
-            <p:ph type="sldNum" sz="quarter" idx="5"/>
-          </p:nvPr>
-        </p:nvSpPr>
-        <p:spPr/>
-        <p:txBody>
-          <a:bodyPr/>
-          <a:lstStyle/>
-          <a:p>
-            <a:fld id="{18182567-388C-4D33-8B7B-A651F195F118}" type="slidenum">
-              <a:rPr lang="de-DE" altLang="de-DE" smtClean="0"/>
-              <a:pPr/>
-              <a:t>32</a:t>
-            </a:fld>
-            <a:endParaRPr lang="de-DE" altLang="de-DE"/>
-          </a:p>
-        </p:txBody>
-      </p:sp>
-    </p:spTree>
-    <p:extLst>
-      <p:ext uri="{BB962C8B-B14F-4D97-AF65-F5344CB8AC3E}">
-        <p14:creationId xmlns:p14="http://schemas.microsoft.com/office/powerpoint/2010/main" val="18823346"/>
+        <p14:creationId xmlns:p14="http://schemas.microsoft.com/office/powerpoint/2010/main" val="245657901"/>
       </p:ext>
     </p:extLst>
   </p:cSld>
@@ -2030,94 +1888,6 @@
     <p:extLst>
       <p:ext uri="{BB962C8B-B14F-4D97-AF65-F5344CB8AC3E}">
         <p14:creationId xmlns:p14="http://schemas.microsoft.com/office/powerpoint/2010/main" val="4220598971"/>
-      </p:ext>
-    </p:extLst>
-  </p:cSld>
-  <p:clrMapOvr>
-    <a:masterClrMapping/>
-  </p:clrMapOvr>
-</p:notes>
-</file>
-
-<file path=ppt/notesSlides/notesSlide20.xml><?xml version="1.0" encoding="utf-8"?>
-<p:notes xmlns:a="http://schemas.openxmlformats.org/drawingml/2006/main" xmlns:r="http://schemas.openxmlformats.org/officeDocument/2006/relationships" xmlns:p="http://schemas.openxmlformats.org/presentationml/2006/main">
-  <p:cSld>
-    <p:spTree>
-      <p:nvGrpSpPr>
-        <p:cNvPr id="1" name=""/>
-        <p:cNvGrpSpPr/>
-        <p:nvPr/>
-      </p:nvGrpSpPr>
-      <p:grpSpPr>
-        <a:xfrm>
-          <a:off x="0" y="0"/>
-          <a:ext cx="0" cy="0"/>
-          <a:chOff x="0" y="0"/>
-          <a:chExt cx="0" cy="0"/>
-        </a:xfrm>
-      </p:grpSpPr>
-      <p:sp>
-        <p:nvSpPr>
-          <p:cNvPr id="2" name="Folienbildplatzhalter 1"/>
-          <p:cNvSpPr>
-            <a:spLocks noGrp="1" noRot="1" noChangeAspect="1"/>
-          </p:cNvSpPr>
-          <p:nvPr>
-            <p:ph type="sldImg"/>
-          </p:nvPr>
-        </p:nvSpPr>
-        <p:spPr/>
-      </p:sp>
-      <p:sp>
-        <p:nvSpPr>
-          <p:cNvPr id="3" name="Notizenplatzhalter 2"/>
-          <p:cNvSpPr>
-            <a:spLocks noGrp="1"/>
-          </p:cNvSpPr>
-          <p:nvPr>
-            <p:ph type="body" idx="1"/>
-          </p:nvPr>
-        </p:nvSpPr>
-        <p:spPr/>
-        <p:txBody>
-          <a:bodyPr/>
-          <a:lstStyle/>
-          <a:p>
-            <a:r>
-              <a:rPr lang="de-DE" dirty="0"/>
-              <a:t>https://docs.gitlab.com/ee/user/packages/container_registry/build_and_push_images.html#container-registry-examples-with-gitlab-cicd</a:t>
-            </a:r>
-          </a:p>
-        </p:txBody>
-      </p:sp>
-      <p:sp>
-        <p:nvSpPr>
-          <p:cNvPr id="4" name="Foliennummernplatzhalter 3"/>
-          <p:cNvSpPr>
-            <a:spLocks noGrp="1"/>
-          </p:cNvSpPr>
-          <p:nvPr>
-            <p:ph type="sldNum" sz="quarter" idx="5"/>
-          </p:nvPr>
-        </p:nvSpPr>
-        <p:spPr/>
-        <p:txBody>
-          <a:bodyPr/>
-          <a:lstStyle/>
-          <a:p>
-            <a:fld id="{18182567-388C-4D33-8B7B-A651F195F118}" type="slidenum">
-              <a:rPr lang="de-DE" altLang="de-DE" smtClean="0"/>
-              <a:pPr/>
-              <a:t>33</a:t>
-            </a:fld>
-            <a:endParaRPr lang="de-DE" altLang="de-DE"/>
-          </a:p>
-        </p:txBody>
-      </p:sp>
-    </p:spTree>
-    <p:extLst>
-      <p:ext uri="{BB962C8B-B14F-4D97-AF65-F5344CB8AC3E}">
-        <p14:creationId xmlns:p14="http://schemas.microsoft.com/office/powerpoint/2010/main" val="3169846742"/>
       </p:ext>
     </p:extLst>
   </p:cSld>
@@ -9872,7 +9642,15 @@
             </a:pPr>
             <a:r>
               <a:rPr lang="de-DE" dirty="0"/>
-              <a:t>Registrierter Runner nutzt</a:t>
+              <a:t>Registrierter Runner nutzen </a:t>
+            </a:r>
+            <a:r>
+              <a:rPr lang="de-DE" dirty="0" err="1"/>
+              <a:t>dind</a:t>
+            </a:r>
+            <a:r>
+              <a:rPr lang="de-DE" dirty="0"/>
+              <a:t> automatisch</a:t>
             </a:r>
           </a:p>
           <a:p>
@@ -9977,8 +9755,10 @@
               <a:t>Und kann das Job-</a:t>
             </a:r>
             <a:r>
-              <a:rPr lang="de-DE" dirty="0" err="1"/>
-              <a:t>Script</a:t>
+              <a:rPr lang="de-DE" dirty="0" err="1">
+                <a:latin typeface="Consolas" panose="020B0609020204030204" pitchFamily="49" charset="0"/>
+              </a:rPr>
+              <a:t>script</a:t>
             </a:r>
             <a:r>
               <a:rPr lang="de-DE" dirty="0"/>
@@ -10448,7 +10228,7 @@
           <p:cNvPr id="2" name="Titel 1">
             <a:extLst>
               <a:ext uri="{FF2B5EF4-FFF2-40B4-BE49-F238E27FC236}">
-                <a16:creationId xmlns:a16="http://schemas.microsoft.com/office/drawing/2014/main" id="{184AFD09-5210-6F86-C2FD-BBC016D382A6}"/>
+                <a16:creationId xmlns:a16="http://schemas.microsoft.com/office/drawing/2014/main" id="{021C1D90-AB38-D152-26B9-E4AB49CCFEE9}"/>
               </a:ext>
             </a:extLst>
           </p:cNvPr>
@@ -10482,10 +10262,10 @@
       </p:sp>
       <p:sp>
         <p:nvSpPr>
-          <p:cNvPr id="6" name="Inhaltsplatzhalter 5">
+          <p:cNvPr id="3" name="Inhaltsplatzhalter 2">
             <a:extLst>
               <a:ext uri="{FF2B5EF4-FFF2-40B4-BE49-F238E27FC236}">
-                <a16:creationId xmlns:a16="http://schemas.microsoft.com/office/drawing/2014/main" id="{D2412707-84D3-F572-4709-FD9A95F28E5B}"/>
+                <a16:creationId xmlns:a16="http://schemas.microsoft.com/office/drawing/2014/main" id="{01B30DD9-6590-DB7B-37D7-65618A4BAC0E}"/>
               </a:ext>
             </a:extLst>
           </p:cNvPr>
@@ -10505,122 +10285,662 @@
               <a:buNone/>
             </a:pPr>
             <a:r>
-              <a:rPr lang="de-DE" b="1" dirty="0" err="1"/>
-              <a:t>GitLab</a:t>
-            </a:r>
-            <a:r>
-              <a:rPr lang="de-DE" b="1" dirty="0"/>
-              <a:t> CI/CD</a:t>
-            </a:r>
-          </a:p>
-          <a:p>
-            <a:pPr algn="l"/>
-            <a:r>
-              <a:rPr lang="en-US" b="1" i="0" dirty="0">
+              <a:rPr lang="en-US" b="1" dirty="0"/>
+              <a:t>Docker-in-Docker Container Image (</a:t>
+            </a:r>
+            <a:r>
+              <a:rPr lang="en-US" b="1" dirty="0">
                 <a:solidFill>
-                  <a:srgbClr val="222261"/>
+                  <a:srgbClr val="0249FC"/>
+                </a:solidFill>
+              </a:rPr>
+              <a:t>Container Registry</a:t>
+            </a:r>
+            <a:r>
+              <a:rPr lang="en-US" b="1" dirty="0"/>
+              <a:t>)</a:t>
+            </a:r>
+          </a:p>
+          <a:p>
+            <a:pPr marL="0" indent="0">
+              <a:buNone/>
+            </a:pPr>
+            <a:r>
+              <a:rPr lang="en-US" dirty="0" err="1"/>
+              <a:t>Eigene</a:t>
+            </a:r>
+            <a:r>
+              <a:rPr lang="en-US" dirty="0"/>
+              <a:t> Container Images </a:t>
+            </a:r>
+            <a:r>
+              <a:rPr lang="en-US" dirty="0" err="1"/>
+              <a:t>mit</a:t>
+            </a:r>
+            <a:r>
+              <a:rPr lang="en-US" dirty="0"/>
+              <a:t> Docker-in-Docker </a:t>
+            </a:r>
+            <a:r>
+              <a:rPr lang="en-US" dirty="0" err="1"/>
+              <a:t>nutzen</a:t>
+            </a:r>
+            <a:endParaRPr lang="en-US" dirty="0"/>
+          </a:p>
+          <a:p>
+            <a:pPr marL="457200" indent="-457200">
+              <a:buFont typeface="+mj-lt"/>
+              <a:buAutoNum type="arabicPeriod"/>
+            </a:pPr>
+            <a:r>
+              <a:rPr lang="en-US" dirty="0"/>
+              <a:t>Docker-in-Docker </a:t>
+            </a:r>
+            <a:r>
+              <a:rPr lang="en-US" dirty="0" err="1"/>
+              <a:t>einrichten</a:t>
+            </a:r>
+            <a:endParaRPr lang="en-US" dirty="0"/>
+          </a:p>
+          <a:p>
+            <a:pPr marL="457200" indent="-457200">
+              <a:buFont typeface="+mj-lt"/>
+              <a:buAutoNum type="arabicPeriod"/>
+            </a:pPr>
+            <a:r>
+              <a:rPr lang="en-US" dirty="0">
+                <a:solidFill>
+                  <a:srgbClr val="FF0000"/>
+                </a:solidFill>
+                <a:latin typeface="Consolas" panose="020B0609020204030204" pitchFamily="49" charset="0"/>
+              </a:rPr>
+              <a:t>image</a:t>
+            </a:r>
+            <a:r>
+              <a:rPr lang="en-US" dirty="0"/>
+              <a:t> und </a:t>
+            </a:r>
+            <a:r>
+              <a:rPr lang="en-US" dirty="0">
+                <a:solidFill>
+                  <a:srgbClr val="FF0000"/>
+                </a:solidFill>
+                <a:latin typeface="Consolas" panose="020B0609020204030204" pitchFamily="49" charset="0"/>
+              </a:rPr>
+              <a:t>service</a:t>
+            </a:r>
+            <a:r>
+              <a:rPr lang="en-US" dirty="0"/>
+              <a:t> auf die Registry </a:t>
+            </a:r>
+            <a:r>
+              <a:rPr lang="en-US" dirty="0" err="1"/>
+              <a:t>zeigen</a:t>
+            </a:r>
+            <a:r>
+              <a:rPr lang="en-US" dirty="0"/>
+              <a:t> </a:t>
+            </a:r>
+            <a:r>
+              <a:rPr lang="en-US" dirty="0" err="1"/>
+              <a:t>lassen</a:t>
+            </a:r>
+            <a:endParaRPr lang="en-US" dirty="0"/>
+          </a:p>
+          <a:p>
+            <a:pPr marL="457200" indent="-457200">
+              <a:buFont typeface="+mj-lt"/>
+              <a:buAutoNum type="arabicPeriod"/>
+            </a:pPr>
+            <a:r>
+              <a:rPr lang="en-US" dirty="0">
+                <a:solidFill>
+                  <a:srgbClr val="FF0000"/>
+                </a:solidFill>
+                <a:latin typeface="Consolas" panose="020B0609020204030204" pitchFamily="49" charset="0"/>
+              </a:rPr>
+              <a:t>alias</a:t>
+            </a:r>
+            <a:r>
+              <a:rPr lang="en-US" dirty="0"/>
+              <a:t> </a:t>
+            </a:r>
+            <a:r>
+              <a:rPr lang="en-US" dirty="0" err="1"/>
+              <a:t>hinzufügen</a:t>
+            </a:r>
+            <a:r>
+              <a:rPr lang="en-US" dirty="0"/>
+              <a:t> für den </a:t>
+            </a:r>
+            <a:r>
+              <a:rPr lang="en-US" dirty="0">
+                <a:latin typeface="Consolas" panose="020B0609020204030204" pitchFamily="49" charset="0"/>
+              </a:rPr>
+              <a:t>service</a:t>
+            </a:r>
+          </a:p>
+          <a:p>
+            <a:pPr marL="0" indent="0">
+              <a:buNone/>
+            </a:pPr>
+            <a:r>
+              <a:rPr lang="en-US" sz="2000" dirty="0">
+                <a:latin typeface="Consolas" panose="020B0609020204030204" pitchFamily="49" charset="0"/>
+              </a:rPr>
+              <a:t>.</a:t>
+            </a:r>
+            <a:r>
+              <a:rPr lang="en-US" sz="2000" dirty="0" err="1">
+                <a:latin typeface="Consolas" panose="020B0609020204030204" pitchFamily="49" charset="0"/>
+              </a:rPr>
+              <a:t>gitlab-ci.yml</a:t>
+            </a:r>
+            <a:endParaRPr lang="en-US" sz="2000" dirty="0">
+              <a:latin typeface="Consolas" panose="020B0609020204030204" pitchFamily="49" charset="0"/>
+            </a:endParaRPr>
+          </a:p>
+          <a:p>
+            <a:pPr marL="0" marR="0" lvl="0" indent="0" algn="l" defTabSz="914400" rtl="0" eaLnBrk="1" fontAlgn="base" latinLnBrk="0" hangingPunct="1">
+              <a:lnSpc>
+                <a:spcPct val="100000"/>
+              </a:lnSpc>
+              <a:spcBef>
+                <a:spcPct val="20000"/>
+              </a:spcBef>
+              <a:spcAft>
+                <a:spcPct val="0"/>
+              </a:spcAft>
+              <a:buClr>
+                <a:srgbClr val="008C5A"/>
+              </a:buClr>
+              <a:buSzTx/>
+              <a:buFont typeface="Monotype Sorts" pitchFamily="2" charset="2"/>
+              <a:buNone/>
+              <a:tabLst/>
+              <a:defRPr/>
+            </a:pPr>
+            <a:r>
+              <a:rPr kumimoji="0" lang="en-US" sz="1600" b="0" i="0" u="none" strike="noStrike" kern="0" cap="none" spc="0" normalizeH="0" baseline="0" noProof="0" dirty="0">
+                <a:ln>
+                  <a:noFill/>
+                </a:ln>
+                <a:solidFill>
+                  <a:srgbClr val="000000"/>
                 </a:solidFill>
                 <a:effectLst/>
-                <a:latin typeface="gitlab sans"/>
-              </a:rPr>
-              <a:t>Use GitLab CI/CD</a:t>
-            </a:r>
-          </a:p>
-          <a:p>
-            <a:pPr algn="l"/>
-            <a:r>
-              <a:rPr lang="en-US" b="0" i="0" dirty="0">
+                <a:uLnTx/>
+                <a:uFillTx/>
+                <a:latin typeface="Consolas" panose="020B0609020204030204" pitchFamily="49" charset="0"/>
+                <a:ea typeface="+mn-ea"/>
+                <a:cs typeface="+mn-cs"/>
+              </a:rPr>
+              <a:t>build:</a:t>
+            </a:r>
+          </a:p>
+          <a:p>
+            <a:pPr marL="0" marR="0" lvl="0" indent="0" algn="l" defTabSz="914400" rtl="0" eaLnBrk="1" fontAlgn="base" latinLnBrk="0" hangingPunct="1">
+              <a:lnSpc>
+                <a:spcPct val="100000"/>
+              </a:lnSpc>
+              <a:spcBef>
+                <a:spcPct val="20000"/>
+              </a:spcBef>
+              <a:spcAft>
+                <a:spcPct val="0"/>
+              </a:spcAft>
+              <a:buClr>
+                <a:srgbClr val="008C5A"/>
+              </a:buClr>
+              <a:buSzTx/>
+              <a:buFont typeface="Monotype Sorts" pitchFamily="2" charset="2"/>
+              <a:buNone/>
+              <a:tabLst/>
+              <a:defRPr/>
+            </a:pPr>
+            <a:r>
+              <a:rPr kumimoji="0" lang="en-US" sz="1600" b="0" i="0" u="none" strike="noStrike" kern="0" cap="none" spc="0" normalizeH="0" baseline="0" noProof="0" dirty="0">
+                <a:ln>
+                  <a:noFill/>
+                </a:ln>
                 <a:solidFill>
-                  <a:srgbClr val="404040"/>
+                  <a:srgbClr val="FF0000"/>
                 </a:solidFill>
                 <a:effectLst/>
-                <a:latin typeface="gitlab sans"/>
-              </a:rPr>
-              <a:t>You can use </a:t>
-            </a:r>
-            <a:r>
-              <a:rPr lang="en-US" b="0" i="0" u="none" strike="noStrike" dirty="0">
+                <a:uLnTx/>
+                <a:uFillTx/>
+                <a:latin typeface="Consolas" panose="020B0609020204030204" pitchFamily="49" charset="0"/>
+                <a:ea typeface="+mn-ea"/>
+                <a:cs typeface="+mn-cs"/>
+              </a:rPr>
+              <a:t>  image</a:t>
+            </a:r>
+            <a:r>
+              <a:rPr kumimoji="0" lang="en-US" sz="1600" b="0" i="0" u="none" strike="noStrike" kern="0" cap="none" spc="0" normalizeH="0" baseline="0" noProof="0" dirty="0">
+                <a:ln>
+                  <a:noFill/>
+                </a:ln>
                 <a:solidFill>
-                  <a:srgbClr val="5943B6"/>
+                  <a:srgbClr val="000000"/>
                 </a:solidFill>
                 <a:effectLst/>
-                <a:latin typeface="gitlab sans"/>
-                <a:hlinkClick r:id="rId3"/>
-              </a:rPr>
-              <a:t>GitLab CI/CD</a:t>
-            </a:r>
-            <a:r>
-              <a:rPr lang="en-US" b="0" i="0" dirty="0">
+                <a:uLnTx/>
+                <a:uFillTx/>
+                <a:latin typeface="Consolas" panose="020B0609020204030204" pitchFamily="49" charset="0"/>
+                <a:ea typeface="+mn-ea"/>
+                <a:cs typeface="+mn-cs"/>
+              </a:rPr>
+              <a:t>: </a:t>
+            </a:r>
+            <a:r>
+              <a:rPr kumimoji="0" lang="en-US" sz="1600" b="0" i="0" u="none" strike="noStrike" kern="0" cap="none" spc="0" normalizeH="0" baseline="0" noProof="0" dirty="0">
+                <a:ln>
+                  <a:noFill/>
+                </a:ln>
                 <a:solidFill>
-                  <a:srgbClr val="404040"/>
+                  <a:srgbClr val="0249FC"/>
                 </a:solidFill>
                 <a:effectLst/>
-                <a:latin typeface="gitlab sans"/>
-              </a:rPr>
-              <a:t> to build and push container images to the Container Registry. You can use CI/CD to test, build, and deploy your project from the container image you created.</a:t>
-            </a:r>
-          </a:p>
-          <a:p>
-            <a:pPr marL="0" indent="0">
-              <a:buNone/>
-            </a:pPr>
-            <a:endParaRPr lang="de-DE" b="1" dirty="0"/>
-          </a:p>
-          <a:p>
-            <a:pPr marL="0" indent="0">
-              <a:buNone/>
-            </a:pPr>
-            <a:r>
-              <a:rPr lang="en-US" b="1" i="0" dirty="0">
+                <a:uLnTx/>
+                <a:uFillTx/>
+                <a:latin typeface="Consolas" panose="020B0609020204030204" pitchFamily="49" charset="0"/>
+                <a:ea typeface="+mn-ea"/>
+                <a:cs typeface="+mn-cs"/>
+              </a:rPr>
+              <a:t>$CI_REGISTRY</a:t>
+            </a:r>
+            <a:r>
+              <a:rPr kumimoji="0" lang="en-US" sz="1600" b="0" i="0" u="none" strike="noStrike" kern="0" cap="none" spc="0" normalizeH="0" baseline="0" noProof="0" dirty="0">
+                <a:ln>
+                  <a:noFill/>
+                </a:ln>
                 <a:solidFill>
-                  <a:srgbClr val="222261"/>
+                  <a:srgbClr val="000000"/>
                 </a:solidFill>
                 <a:effectLst/>
-                <a:latin typeface="gitlab sans"/>
-              </a:rPr>
-              <a:t>Use a Docker-in-Docker container image from your container registry</a:t>
-            </a:r>
-          </a:p>
-          <a:p>
-            <a:pPr marL="0" indent="0">
+                <a:uLnTx/>
+                <a:uFillTx/>
+                <a:latin typeface="Consolas" panose="020B0609020204030204" pitchFamily="49" charset="0"/>
+                <a:ea typeface="+mn-ea"/>
+                <a:cs typeface="+mn-cs"/>
+              </a:rPr>
+              <a:t>/group/project/docker:20.10.16</a:t>
+            </a:r>
+          </a:p>
+          <a:p>
+            <a:pPr marL="0" marR="0" lvl="0" indent="0" algn="l" defTabSz="914400" rtl="0" eaLnBrk="1" fontAlgn="base" latinLnBrk="0" hangingPunct="1">
+              <a:lnSpc>
+                <a:spcPct val="100000"/>
+              </a:lnSpc>
+              <a:spcBef>
+                <a:spcPct val="20000"/>
+              </a:spcBef>
+              <a:spcAft>
+                <a:spcPct val="0"/>
+              </a:spcAft>
+              <a:buClr>
+                <a:srgbClr val="008C5A"/>
+              </a:buClr>
+              <a:buSzTx/>
+              <a:buFont typeface="Monotype Sorts" pitchFamily="2" charset="2"/>
               <a:buNone/>
-            </a:pPr>
-            <a:endParaRPr lang="de-DE" b="1" dirty="0"/>
-          </a:p>
-          <a:p>
-            <a:pPr marL="0" indent="0">
-              <a:buNone/>
-            </a:pPr>
-            <a:r>
-              <a:rPr lang="en-US" b="1" i="0" dirty="0">
+              <a:tabLst/>
+              <a:defRPr/>
+            </a:pPr>
+            <a:r>
+              <a:rPr kumimoji="0" lang="en-US" sz="1600" b="0" i="0" u="none" strike="noStrike" kern="0" cap="none" spc="0" normalizeH="0" baseline="0" noProof="0" dirty="0">
+                <a:ln>
+                  <a:noFill/>
+                </a:ln>
                 <a:solidFill>
-                  <a:srgbClr val="222261"/>
+                  <a:srgbClr val="000000"/>
                 </a:solidFill>
                 <a:effectLst/>
-                <a:latin typeface="gitlab sans"/>
-              </a:rPr>
-              <a:t>Use a Docker-in-Docker container image with Dependency Proxy</a:t>
-            </a:r>
-          </a:p>
-          <a:p>
-            <a:pPr marL="0" indent="0">
+                <a:uLnTx/>
+                <a:uFillTx/>
+                <a:latin typeface="Consolas" panose="020B0609020204030204" pitchFamily="49" charset="0"/>
+                <a:ea typeface="+mn-ea"/>
+                <a:cs typeface="+mn-cs"/>
+              </a:rPr>
+              <a:t>  </a:t>
+            </a:r>
+            <a:r>
+              <a:rPr kumimoji="0" lang="en-US" sz="1600" b="0" i="0" u="none" strike="noStrike" kern="0" cap="none" spc="0" normalizeH="0" baseline="0" noProof="0" dirty="0">
+                <a:ln>
+                  <a:noFill/>
+                </a:ln>
+                <a:solidFill>
+                  <a:srgbClr val="FF0000"/>
+                </a:solidFill>
+                <a:effectLst/>
+                <a:uLnTx/>
+                <a:uFillTx/>
+                <a:latin typeface="Consolas" panose="020B0609020204030204" pitchFamily="49" charset="0"/>
+                <a:ea typeface="+mn-ea"/>
+                <a:cs typeface="+mn-cs"/>
+              </a:rPr>
+              <a:t>services</a:t>
+            </a:r>
+            <a:r>
+              <a:rPr kumimoji="0" lang="en-US" sz="1600" b="0" i="0" u="none" strike="noStrike" kern="0" cap="none" spc="0" normalizeH="0" baseline="0" noProof="0" dirty="0">
+                <a:ln>
+                  <a:noFill/>
+                </a:ln>
+                <a:solidFill>
+                  <a:srgbClr val="000000"/>
+                </a:solidFill>
+                <a:effectLst/>
+                <a:uLnTx/>
+                <a:uFillTx/>
+                <a:latin typeface="Consolas" panose="020B0609020204030204" pitchFamily="49" charset="0"/>
+                <a:ea typeface="+mn-ea"/>
+                <a:cs typeface="+mn-cs"/>
+              </a:rPr>
+              <a:t>:</a:t>
+            </a:r>
+          </a:p>
+          <a:p>
+            <a:pPr marL="0" marR="0" lvl="0" indent="0" algn="l" defTabSz="914400" rtl="0" eaLnBrk="1" fontAlgn="base" latinLnBrk="0" hangingPunct="1">
+              <a:lnSpc>
+                <a:spcPct val="100000"/>
+              </a:lnSpc>
+              <a:spcBef>
+                <a:spcPct val="20000"/>
+              </a:spcBef>
+              <a:spcAft>
+                <a:spcPct val="0"/>
+              </a:spcAft>
+              <a:buClr>
+                <a:srgbClr val="008C5A"/>
+              </a:buClr>
+              <a:buSzTx/>
+              <a:buFont typeface="Monotype Sorts" pitchFamily="2" charset="2"/>
               <a:buNone/>
-            </a:pPr>
-            <a:endParaRPr lang="de-DE" dirty="0"/>
-          </a:p>
-          <a:p>
-            <a:pPr lvl="1">
-              <a:buFont typeface="Arial" panose="020B0604020202020204" pitchFamily="34" charset="0"/>
-              <a:buChar char="•"/>
-            </a:pPr>
-            <a:endParaRPr lang="de-DE" dirty="0"/>
+              <a:tabLst/>
+              <a:defRPr/>
+            </a:pPr>
+            <a:r>
+              <a:rPr kumimoji="0" lang="en-US" sz="1600" b="0" i="0" u="none" strike="noStrike" kern="0" cap="none" spc="0" normalizeH="0" baseline="0" noProof="0" dirty="0">
+                <a:ln>
+                  <a:noFill/>
+                </a:ln>
+                <a:solidFill>
+                  <a:srgbClr val="000000"/>
+                </a:solidFill>
+                <a:effectLst/>
+                <a:uLnTx/>
+                <a:uFillTx/>
+                <a:latin typeface="Consolas" panose="020B0609020204030204" pitchFamily="49" charset="0"/>
+                <a:ea typeface="+mn-ea"/>
+                <a:cs typeface="+mn-cs"/>
+              </a:rPr>
+              <a:t>    - name: </a:t>
+            </a:r>
+            <a:r>
+              <a:rPr kumimoji="0" lang="en-US" sz="1600" b="0" i="0" u="none" strike="noStrike" kern="0" cap="none" spc="0" normalizeH="0" baseline="0" noProof="0" dirty="0">
+                <a:ln>
+                  <a:noFill/>
+                </a:ln>
+                <a:solidFill>
+                  <a:srgbClr val="0249FC"/>
+                </a:solidFill>
+                <a:effectLst/>
+                <a:uLnTx/>
+                <a:uFillTx/>
+                <a:latin typeface="Consolas" panose="020B0609020204030204" pitchFamily="49" charset="0"/>
+                <a:ea typeface="+mn-ea"/>
+                <a:cs typeface="+mn-cs"/>
+              </a:rPr>
+              <a:t>$CI_REGISTRY</a:t>
+            </a:r>
+            <a:r>
+              <a:rPr kumimoji="0" lang="en-US" sz="1600" b="0" i="0" u="none" strike="noStrike" kern="0" cap="none" spc="0" normalizeH="0" baseline="0" noProof="0" dirty="0">
+                <a:ln>
+                  <a:noFill/>
+                </a:ln>
+                <a:solidFill>
+                  <a:srgbClr val="000000"/>
+                </a:solidFill>
+                <a:effectLst/>
+                <a:uLnTx/>
+                <a:uFillTx/>
+                <a:latin typeface="Consolas" panose="020B0609020204030204" pitchFamily="49" charset="0"/>
+                <a:ea typeface="+mn-ea"/>
+                <a:cs typeface="+mn-cs"/>
+              </a:rPr>
+              <a:t>/group/project/docker:20.10.16-dind</a:t>
+            </a:r>
+          </a:p>
+          <a:p>
+            <a:pPr marL="0" marR="0" lvl="0" indent="0" algn="l" defTabSz="914400" rtl="0" eaLnBrk="1" fontAlgn="base" latinLnBrk="0" hangingPunct="1">
+              <a:lnSpc>
+                <a:spcPct val="100000"/>
+              </a:lnSpc>
+              <a:spcBef>
+                <a:spcPct val="20000"/>
+              </a:spcBef>
+              <a:spcAft>
+                <a:spcPct val="0"/>
+              </a:spcAft>
+              <a:buClr>
+                <a:srgbClr val="008C5A"/>
+              </a:buClr>
+              <a:buSzTx/>
+              <a:buFont typeface="Monotype Sorts" pitchFamily="2" charset="2"/>
+              <a:buNone/>
+              <a:tabLst/>
+              <a:defRPr/>
+            </a:pPr>
+            <a:r>
+              <a:rPr kumimoji="0" lang="en-US" sz="1600" b="0" i="0" u="none" strike="noStrike" kern="0" cap="none" spc="0" normalizeH="0" baseline="0" noProof="0" dirty="0">
+                <a:ln>
+                  <a:noFill/>
+                </a:ln>
+                <a:solidFill>
+                  <a:srgbClr val="000000"/>
+                </a:solidFill>
+                <a:effectLst/>
+                <a:uLnTx/>
+                <a:uFillTx/>
+                <a:latin typeface="Consolas" panose="020B0609020204030204" pitchFamily="49" charset="0"/>
+                <a:ea typeface="+mn-ea"/>
+                <a:cs typeface="+mn-cs"/>
+              </a:rPr>
+              <a:t>      </a:t>
+            </a:r>
+            <a:r>
+              <a:rPr kumimoji="0" lang="en-US" sz="1600" b="0" i="0" u="none" strike="noStrike" kern="0" cap="none" spc="0" normalizeH="0" baseline="0" noProof="0" dirty="0">
+                <a:ln>
+                  <a:noFill/>
+                </a:ln>
+                <a:solidFill>
+                  <a:srgbClr val="FF0000"/>
+                </a:solidFill>
+                <a:effectLst/>
+                <a:uLnTx/>
+                <a:uFillTx/>
+                <a:latin typeface="Consolas" panose="020B0609020204030204" pitchFamily="49" charset="0"/>
+                <a:ea typeface="+mn-ea"/>
+                <a:cs typeface="+mn-cs"/>
+              </a:rPr>
+              <a:t>alias</a:t>
+            </a:r>
+            <a:r>
+              <a:rPr kumimoji="0" lang="en-US" sz="1600" b="0" i="0" u="none" strike="noStrike" kern="0" cap="none" spc="0" normalizeH="0" baseline="0" noProof="0" dirty="0">
+                <a:ln>
+                  <a:noFill/>
+                </a:ln>
+                <a:solidFill>
+                  <a:srgbClr val="000000"/>
+                </a:solidFill>
+                <a:effectLst/>
+                <a:uLnTx/>
+                <a:uFillTx/>
+                <a:latin typeface="Consolas" panose="020B0609020204030204" pitchFamily="49" charset="0"/>
+                <a:ea typeface="+mn-ea"/>
+                <a:cs typeface="+mn-cs"/>
+              </a:rPr>
+              <a:t>: docker</a:t>
+            </a:r>
+          </a:p>
+          <a:p>
+            <a:pPr marL="0" marR="0" lvl="0" indent="0" algn="l" defTabSz="914400" rtl="0" eaLnBrk="1" fontAlgn="base" latinLnBrk="0" hangingPunct="1">
+              <a:lnSpc>
+                <a:spcPct val="100000"/>
+              </a:lnSpc>
+              <a:spcBef>
+                <a:spcPct val="20000"/>
+              </a:spcBef>
+              <a:spcAft>
+                <a:spcPct val="0"/>
+              </a:spcAft>
+              <a:buClr>
+                <a:srgbClr val="008C5A"/>
+              </a:buClr>
+              <a:buSzTx/>
+              <a:buFont typeface="Monotype Sorts" pitchFamily="2" charset="2"/>
+              <a:buNone/>
+              <a:tabLst/>
+              <a:defRPr/>
+            </a:pPr>
+            <a:r>
+              <a:rPr kumimoji="0" lang="en-US" sz="1600" b="0" i="0" u="none" strike="noStrike" kern="0" cap="none" spc="0" normalizeH="0" baseline="0" noProof="0" dirty="0">
+                <a:ln>
+                  <a:noFill/>
+                </a:ln>
+                <a:solidFill>
+                  <a:srgbClr val="000000"/>
+                </a:solidFill>
+                <a:effectLst/>
+                <a:uLnTx/>
+                <a:uFillTx/>
+                <a:latin typeface="Consolas" panose="020B0609020204030204" pitchFamily="49" charset="0"/>
+                <a:ea typeface="+mn-ea"/>
+                <a:cs typeface="+mn-cs"/>
+              </a:rPr>
+              <a:t>  stage: build</a:t>
+            </a:r>
+          </a:p>
+          <a:p>
+            <a:pPr marL="0" marR="0" lvl="0" indent="0" algn="l" defTabSz="914400" rtl="0" eaLnBrk="1" fontAlgn="base" latinLnBrk="0" hangingPunct="1">
+              <a:lnSpc>
+                <a:spcPct val="100000"/>
+              </a:lnSpc>
+              <a:spcBef>
+                <a:spcPct val="20000"/>
+              </a:spcBef>
+              <a:spcAft>
+                <a:spcPct val="0"/>
+              </a:spcAft>
+              <a:buClr>
+                <a:srgbClr val="008C5A"/>
+              </a:buClr>
+              <a:buSzTx/>
+              <a:buFont typeface="Monotype Sorts" pitchFamily="2" charset="2"/>
+              <a:buNone/>
+              <a:tabLst/>
+              <a:defRPr/>
+            </a:pPr>
+            <a:r>
+              <a:rPr kumimoji="0" lang="en-US" sz="1600" b="0" i="0" u="none" strike="noStrike" kern="0" cap="none" spc="0" normalizeH="0" baseline="0" noProof="0" dirty="0">
+                <a:ln>
+                  <a:noFill/>
+                </a:ln>
+                <a:solidFill>
+                  <a:srgbClr val="000000"/>
+                </a:solidFill>
+                <a:effectLst/>
+                <a:uLnTx/>
+                <a:uFillTx/>
+                <a:latin typeface="Consolas" panose="020B0609020204030204" pitchFamily="49" charset="0"/>
+                <a:ea typeface="+mn-ea"/>
+                <a:cs typeface="+mn-cs"/>
+              </a:rPr>
+              <a:t>  script:</a:t>
+            </a:r>
+          </a:p>
+          <a:p>
+            <a:pPr marL="0" marR="0" lvl="0" indent="0" algn="l" defTabSz="914400" rtl="0" eaLnBrk="1" fontAlgn="base" latinLnBrk="0" hangingPunct="1">
+              <a:lnSpc>
+                <a:spcPct val="100000"/>
+              </a:lnSpc>
+              <a:spcBef>
+                <a:spcPct val="20000"/>
+              </a:spcBef>
+              <a:spcAft>
+                <a:spcPct val="0"/>
+              </a:spcAft>
+              <a:buClr>
+                <a:srgbClr val="008C5A"/>
+              </a:buClr>
+              <a:buSzTx/>
+              <a:buFont typeface="Monotype Sorts" pitchFamily="2" charset="2"/>
+              <a:buNone/>
+              <a:tabLst/>
+              <a:defRPr/>
+            </a:pPr>
+            <a:r>
+              <a:rPr kumimoji="0" lang="en-US" sz="1600" b="0" i="0" u="none" strike="noStrike" kern="0" cap="none" spc="0" normalizeH="0" baseline="0" noProof="0" dirty="0">
+                <a:ln>
+                  <a:noFill/>
+                </a:ln>
+                <a:solidFill>
+                  <a:srgbClr val="000000"/>
+                </a:solidFill>
+                <a:effectLst/>
+                <a:uLnTx/>
+                <a:uFillTx/>
+                <a:latin typeface="Consolas" panose="020B0609020204030204" pitchFamily="49" charset="0"/>
+                <a:ea typeface="+mn-ea"/>
+                <a:cs typeface="+mn-cs"/>
+              </a:rPr>
+              <a:t>    - docker build -t my-docker-image .</a:t>
+            </a:r>
+          </a:p>
+          <a:p>
+            <a:pPr marL="0" marR="0" lvl="0" indent="0" algn="l" defTabSz="914400" rtl="0" eaLnBrk="1" fontAlgn="base" latinLnBrk="0" hangingPunct="1">
+              <a:lnSpc>
+                <a:spcPct val="100000"/>
+              </a:lnSpc>
+              <a:spcBef>
+                <a:spcPct val="20000"/>
+              </a:spcBef>
+              <a:spcAft>
+                <a:spcPct val="0"/>
+              </a:spcAft>
+              <a:buClr>
+                <a:srgbClr val="008C5A"/>
+              </a:buClr>
+              <a:buSzTx/>
+              <a:buFont typeface="Monotype Sorts" pitchFamily="2" charset="2"/>
+              <a:buNone/>
+              <a:tabLst/>
+              <a:defRPr/>
+            </a:pPr>
+            <a:r>
+              <a:rPr kumimoji="0" lang="en-US" sz="1600" b="0" i="0" u="none" strike="noStrike" kern="0" cap="none" spc="0" normalizeH="0" baseline="0" noProof="0" dirty="0">
+                <a:ln>
+                  <a:noFill/>
+                </a:ln>
+                <a:solidFill>
+                  <a:srgbClr val="000000"/>
+                </a:solidFill>
+                <a:effectLst/>
+                <a:uLnTx/>
+                <a:uFillTx/>
+                <a:latin typeface="Consolas" panose="020B0609020204030204" pitchFamily="49" charset="0"/>
+                <a:ea typeface="+mn-ea"/>
+                <a:cs typeface="+mn-cs"/>
+              </a:rPr>
+              <a:t>    - docker run my-docker-image /script/to/run/tests</a:t>
+            </a:r>
           </a:p>
         </p:txBody>
       </p:sp>
     </p:spTree>
     <p:extLst>
       <p:ext uri="{BB962C8B-B14F-4D97-AF65-F5344CB8AC3E}">
-        <p14:creationId xmlns:p14="http://schemas.microsoft.com/office/powerpoint/2010/main" val="2121417730"/>
+        <p14:creationId xmlns:p14="http://schemas.microsoft.com/office/powerpoint/2010/main" val="1268780306"/>
       </p:ext>
     </p:extLst>
   </p:cSld>
@@ -10652,7 +10972,7 @@
           <p:cNvPr id="2" name="Titel 1">
             <a:extLst>
               <a:ext uri="{FF2B5EF4-FFF2-40B4-BE49-F238E27FC236}">
-                <a16:creationId xmlns:a16="http://schemas.microsoft.com/office/drawing/2014/main" id="{184AFD09-5210-6F86-C2FD-BBC016D382A6}"/>
+                <a16:creationId xmlns:a16="http://schemas.microsoft.com/office/drawing/2014/main" id="{021C1D90-AB38-D152-26B9-E4AB49CCFEE9}"/>
               </a:ext>
             </a:extLst>
           </p:cNvPr>
@@ -10686,10 +11006,10 @@
       </p:sp>
       <p:sp>
         <p:nvSpPr>
-          <p:cNvPr id="6" name="Inhaltsplatzhalter 5">
+          <p:cNvPr id="3" name="Inhaltsplatzhalter 2">
             <a:extLst>
               <a:ext uri="{FF2B5EF4-FFF2-40B4-BE49-F238E27FC236}">
-                <a16:creationId xmlns:a16="http://schemas.microsoft.com/office/drawing/2014/main" id="{D2412707-84D3-F572-4709-FD9A95F28E5B}"/>
+                <a16:creationId xmlns:a16="http://schemas.microsoft.com/office/drawing/2014/main" id="{01B30DD9-6590-DB7B-37D7-65618A4BAC0E}"/>
               </a:ext>
             </a:extLst>
           </p:cNvPr>
@@ -10705,224 +11025,713 @@
           <a:bodyPr/>
           <a:lstStyle/>
           <a:p>
-            <a:pPr algn="l"/>
-            <a:r>
-              <a:rPr lang="en-US" b="1" i="0" dirty="0">
+            <a:pPr marL="0" indent="0">
+              <a:buNone/>
+            </a:pPr>
+            <a:r>
+              <a:rPr lang="en-US" b="1" dirty="0"/>
+              <a:t>Docker-in-Docker Container </a:t>
+            </a:r>
+            <a:r>
+              <a:rPr lang="en-US" b="1"/>
+              <a:t>Image (</a:t>
+            </a:r>
+            <a:r>
+              <a:rPr lang="en-US" b="1">
                 <a:solidFill>
-                  <a:srgbClr val="222261"/>
+                  <a:srgbClr val="0249FC"/>
+                </a:solidFill>
+              </a:rPr>
+              <a:t>Container Registry</a:t>
+            </a:r>
+            <a:r>
+              <a:rPr lang="en-US" b="1"/>
+              <a:t>)</a:t>
+            </a:r>
+            <a:endParaRPr lang="en-US" b="1" dirty="0"/>
+          </a:p>
+          <a:p>
+            <a:pPr marL="0" indent="0">
+              <a:buNone/>
+            </a:pPr>
+            <a:r>
+              <a:rPr lang="en-US" sz="2000" dirty="0">
+                <a:latin typeface="Consolas" panose="020B0609020204030204" pitchFamily="49" charset="0"/>
+              </a:rPr>
+              <a:t>.</a:t>
+            </a:r>
+            <a:r>
+              <a:rPr lang="en-US" sz="2000" dirty="0" err="1">
+                <a:latin typeface="Consolas" panose="020B0609020204030204" pitchFamily="49" charset="0"/>
+              </a:rPr>
+              <a:t>gitlab-ci.yml</a:t>
+            </a:r>
+            <a:endParaRPr lang="en-US" sz="2000" dirty="0">
+              <a:latin typeface="Consolas" panose="020B0609020204030204" pitchFamily="49" charset="0"/>
+            </a:endParaRPr>
+          </a:p>
+          <a:p>
+            <a:pPr marL="0" marR="0" lvl="0" indent="0" algn="l" defTabSz="914400" rtl="0" eaLnBrk="1" fontAlgn="base" latinLnBrk="0" hangingPunct="1">
+              <a:lnSpc>
+                <a:spcPct val="100000"/>
+              </a:lnSpc>
+              <a:spcBef>
+                <a:spcPct val="20000"/>
+              </a:spcBef>
+              <a:spcAft>
+                <a:spcPct val="0"/>
+              </a:spcAft>
+              <a:buClr>
+                <a:srgbClr val="008C5A"/>
+              </a:buClr>
+              <a:buSzTx/>
+              <a:buFont typeface="Monotype Sorts" pitchFamily="2" charset="2"/>
+              <a:buNone/>
+              <a:tabLst/>
+              <a:defRPr/>
+            </a:pPr>
+            <a:r>
+              <a:rPr kumimoji="0" lang="en-US" sz="1600" b="0" i="0" u="none" strike="noStrike" kern="0" cap="none" spc="0" normalizeH="0" baseline="0" noProof="0" dirty="0">
+                <a:ln>
+                  <a:noFill/>
+                </a:ln>
+                <a:solidFill>
+                  <a:srgbClr val="000000"/>
                 </a:solidFill>
                 <a:effectLst/>
-                <a:latin typeface="gitlab sans"/>
-              </a:rPr>
-              <a:t>Use a Docker-in-Docker container image from your container registry</a:t>
-            </a:r>
-          </a:p>
-          <a:p>
-            <a:pPr marL="0" indent="0" algn="l">
+                <a:uLnTx/>
+                <a:uFillTx/>
+                <a:latin typeface="Consolas" panose="020B0609020204030204" pitchFamily="49" charset="0"/>
+                <a:ea typeface="+mn-ea"/>
+                <a:cs typeface="+mn-cs"/>
+              </a:rPr>
+              <a:t>build:</a:t>
+            </a:r>
+          </a:p>
+          <a:p>
+            <a:pPr marL="0" marR="0" lvl="0" indent="0" algn="l" defTabSz="914400" rtl="0" eaLnBrk="1" fontAlgn="base" latinLnBrk="0" hangingPunct="1">
+              <a:lnSpc>
+                <a:spcPct val="100000"/>
+              </a:lnSpc>
+              <a:spcBef>
+                <a:spcPct val="20000"/>
+              </a:spcBef>
+              <a:spcAft>
+                <a:spcPct val="0"/>
+              </a:spcAft>
+              <a:buClr>
+                <a:srgbClr val="008C5A"/>
+              </a:buClr>
+              <a:buSzTx/>
+              <a:buFont typeface="Monotype Sorts" pitchFamily="2" charset="2"/>
               <a:buNone/>
-            </a:pPr>
-            <a:r>
-              <a:rPr lang="en-US" dirty="0"/>
-              <a:t>You can use your own container images for Docker-in-Docker.</a:t>
-            </a:r>
-          </a:p>
-          <a:p>
-            <a:pPr marL="0" indent="0" algn="l">
+              <a:tabLst/>
+              <a:defRPr/>
+            </a:pPr>
+            <a:r>
+              <a:rPr kumimoji="0" lang="en-US" sz="1600" b="0" i="0" u="none" strike="noStrike" kern="0" cap="none" spc="0" normalizeH="0" baseline="0" noProof="0" dirty="0">
+                <a:ln>
+                  <a:noFill/>
+                </a:ln>
+                <a:solidFill>
+                  <a:srgbClr val="FF0000"/>
+                </a:solidFill>
+                <a:effectLst/>
+                <a:uLnTx/>
+                <a:uFillTx/>
+                <a:latin typeface="Consolas" panose="020B0609020204030204" pitchFamily="49" charset="0"/>
+                <a:ea typeface="+mn-ea"/>
+                <a:cs typeface="+mn-cs"/>
+              </a:rPr>
+              <a:t>  image</a:t>
+            </a:r>
+            <a:r>
+              <a:rPr kumimoji="0" lang="en-US" sz="1600" b="0" i="0" u="none" strike="noStrike" kern="0" cap="none" spc="0" normalizeH="0" baseline="0" noProof="0" dirty="0">
+                <a:ln>
+                  <a:noFill/>
+                </a:ln>
+                <a:solidFill>
+                  <a:srgbClr val="000000"/>
+                </a:solidFill>
+                <a:effectLst/>
+                <a:uLnTx/>
+                <a:uFillTx/>
+                <a:latin typeface="Consolas" panose="020B0609020204030204" pitchFamily="49" charset="0"/>
+                <a:ea typeface="+mn-ea"/>
+                <a:cs typeface="+mn-cs"/>
+              </a:rPr>
+              <a:t>: </a:t>
+            </a:r>
+            <a:r>
+              <a:rPr kumimoji="0" lang="en-US" sz="1600" b="0" i="0" u="none" strike="noStrike" kern="0" cap="none" spc="0" normalizeH="0" baseline="0" noProof="0" dirty="0">
+                <a:ln>
+                  <a:noFill/>
+                </a:ln>
+                <a:solidFill>
+                  <a:srgbClr val="0249FC"/>
+                </a:solidFill>
+                <a:effectLst/>
+                <a:uLnTx/>
+                <a:uFillTx/>
+                <a:latin typeface="Consolas" panose="020B0609020204030204" pitchFamily="49" charset="0"/>
+                <a:ea typeface="+mn-ea"/>
+                <a:cs typeface="+mn-cs"/>
+              </a:rPr>
+              <a:t>$CI_REGISTRY</a:t>
+            </a:r>
+            <a:r>
+              <a:rPr kumimoji="0" lang="en-US" sz="1600" b="0" i="0" u="none" strike="noStrike" kern="0" cap="none" spc="0" normalizeH="0" baseline="0" noProof="0" dirty="0">
+                <a:ln>
+                  <a:noFill/>
+                </a:ln>
+                <a:solidFill>
+                  <a:srgbClr val="000000"/>
+                </a:solidFill>
+                <a:effectLst/>
+                <a:uLnTx/>
+                <a:uFillTx/>
+                <a:latin typeface="Consolas" panose="020B0609020204030204" pitchFamily="49" charset="0"/>
+                <a:ea typeface="+mn-ea"/>
+                <a:cs typeface="+mn-cs"/>
+              </a:rPr>
+              <a:t>/group/project/docker:20.10.16</a:t>
+            </a:r>
+          </a:p>
+          <a:p>
+            <a:pPr marL="0" marR="0" lvl="0" indent="0" algn="l" defTabSz="914400" rtl="0" eaLnBrk="1" fontAlgn="base" latinLnBrk="0" hangingPunct="1">
+              <a:lnSpc>
+                <a:spcPct val="100000"/>
+              </a:lnSpc>
+              <a:spcBef>
+                <a:spcPct val="20000"/>
+              </a:spcBef>
+              <a:spcAft>
+                <a:spcPct val="0"/>
+              </a:spcAft>
+              <a:buClr>
+                <a:srgbClr val="008C5A"/>
+              </a:buClr>
+              <a:buSzTx/>
+              <a:buFont typeface="Monotype Sorts" pitchFamily="2" charset="2"/>
               <a:buNone/>
-            </a:pPr>
-            <a:endParaRPr lang="en-US" dirty="0"/>
-          </a:p>
-          <a:p>
-            <a:pPr marL="0" indent="0" algn="l">
+              <a:tabLst/>
+              <a:defRPr/>
+            </a:pPr>
+            <a:r>
+              <a:rPr kumimoji="0" lang="en-US" sz="1600" b="0" i="0" u="none" strike="noStrike" kern="0" cap="none" spc="0" normalizeH="0" baseline="0" noProof="0" dirty="0">
+                <a:ln>
+                  <a:noFill/>
+                </a:ln>
+                <a:solidFill>
+                  <a:srgbClr val="000000"/>
+                </a:solidFill>
+                <a:effectLst/>
+                <a:uLnTx/>
+                <a:uFillTx/>
+                <a:latin typeface="Consolas" panose="020B0609020204030204" pitchFamily="49" charset="0"/>
+                <a:ea typeface="+mn-ea"/>
+                <a:cs typeface="+mn-cs"/>
+              </a:rPr>
+              <a:t>  </a:t>
+            </a:r>
+            <a:r>
+              <a:rPr kumimoji="0" lang="en-US" sz="1600" b="0" i="0" u="none" strike="noStrike" kern="0" cap="none" spc="0" normalizeH="0" baseline="0" noProof="0" dirty="0">
+                <a:ln>
+                  <a:noFill/>
+                </a:ln>
+                <a:solidFill>
+                  <a:srgbClr val="FF0000"/>
+                </a:solidFill>
+                <a:effectLst/>
+                <a:uLnTx/>
+                <a:uFillTx/>
+                <a:latin typeface="Consolas" panose="020B0609020204030204" pitchFamily="49" charset="0"/>
+                <a:ea typeface="+mn-ea"/>
+                <a:cs typeface="+mn-cs"/>
+              </a:rPr>
+              <a:t>services</a:t>
+            </a:r>
+            <a:r>
+              <a:rPr kumimoji="0" lang="en-US" sz="1600" b="0" i="0" u="none" strike="noStrike" kern="0" cap="none" spc="0" normalizeH="0" baseline="0" noProof="0" dirty="0">
+                <a:ln>
+                  <a:noFill/>
+                </a:ln>
+                <a:solidFill>
+                  <a:srgbClr val="000000"/>
+                </a:solidFill>
+                <a:effectLst/>
+                <a:uLnTx/>
+                <a:uFillTx/>
+                <a:latin typeface="Consolas" panose="020B0609020204030204" pitchFamily="49" charset="0"/>
+                <a:ea typeface="+mn-ea"/>
+                <a:cs typeface="+mn-cs"/>
+              </a:rPr>
+              <a:t>:</a:t>
+            </a:r>
+          </a:p>
+          <a:p>
+            <a:pPr marL="0" marR="0" lvl="0" indent="0" algn="l" defTabSz="914400" rtl="0" eaLnBrk="1" fontAlgn="base" latinLnBrk="0" hangingPunct="1">
+              <a:lnSpc>
+                <a:spcPct val="100000"/>
+              </a:lnSpc>
+              <a:spcBef>
+                <a:spcPct val="20000"/>
+              </a:spcBef>
+              <a:spcAft>
+                <a:spcPct val="0"/>
+              </a:spcAft>
+              <a:buClr>
+                <a:srgbClr val="008C5A"/>
+              </a:buClr>
+              <a:buSzTx/>
+              <a:buFont typeface="Monotype Sorts" pitchFamily="2" charset="2"/>
               <a:buNone/>
-            </a:pPr>
-            <a:r>
-              <a:rPr lang="en-US" dirty="0"/>
-              <a:t>Set up Docker-in-Docker.</a:t>
-            </a:r>
-          </a:p>
-          <a:p>
-            <a:pPr marL="0" indent="0" algn="l">
+              <a:tabLst/>
+              <a:defRPr/>
+            </a:pPr>
+            <a:r>
+              <a:rPr kumimoji="0" lang="en-US" sz="1600" b="0" i="0" u="none" strike="noStrike" kern="0" cap="none" spc="0" normalizeH="0" baseline="0" noProof="0" dirty="0">
+                <a:ln>
+                  <a:noFill/>
+                </a:ln>
+                <a:solidFill>
+                  <a:srgbClr val="000000"/>
+                </a:solidFill>
+                <a:effectLst/>
+                <a:uLnTx/>
+                <a:uFillTx/>
+                <a:latin typeface="Consolas" panose="020B0609020204030204" pitchFamily="49" charset="0"/>
+                <a:ea typeface="+mn-ea"/>
+                <a:cs typeface="+mn-cs"/>
+              </a:rPr>
+              <a:t>    - name: </a:t>
+            </a:r>
+            <a:r>
+              <a:rPr kumimoji="0" lang="en-US" sz="1600" b="0" i="0" u="none" strike="noStrike" kern="0" cap="none" spc="0" normalizeH="0" baseline="0" noProof="0" dirty="0">
+                <a:ln>
+                  <a:noFill/>
+                </a:ln>
+                <a:solidFill>
+                  <a:srgbClr val="0249FC"/>
+                </a:solidFill>
+                <a:effectLst/>
+                <a:uLnTx/>
+                <a:uFillTx/>
+                <a:latin typeface="Consolas" panose="020B0609020204030204" pitchFamily="49" charset="0"/>
+                <a:ea typeface="+mn-ea"/>
+                <a:cs typeface="+mn-cs"/>
+              </a:rPr>
+              <a:t>$CI_REGISTRY</a:t>
+            </a:r>
+            <a:r>
+              <a:rPr kumimoji="0" lang="en-US" sz="1600" b="0" i="0" u="none" strike="noStrike" kern="0" cap="none" spc="0" normalizeH="0" baseline="0" noProof="0" dirty="0">
+                <a:ln>
+                  <a:noFill/>
+                </a:ln>
+                <a:solidFill>
+                  <a:srgbClr val="000000"/>
+                </a:solidFill>
+                <a:effectLst/>
+                <a:uLnTx/>
+                <a:uFillTx/>
+                <a:latin typeface="Consolas" panose="020B0609020204030204" pitchFamily="49" charset="0"/>
+                <a:ea typeface="+mn-ea"/>
+                <a:cs typeface="+mn-cs"/>
+              </a:rPr>
+              <a:t>/group/project/docker:20.10.16-dind</a:t>
+            </a:r>
+          </a:p>
+          <a:p>
+            <a:pPr marL="0" marR="0" lvl="0" indent="0" algn="l" defTabSz="914400" rtl="0" eaLnBrk="1" fontAlgn="base" latinLnBrk="0" hangingPunct="1">
+              <a:lnSpc>
+                <a:spcPct val="100000"/>
+              </a:lnSpc>
+              <a:spcBef>
+                <a:spcPct val="20000"/>
+              </a:spcBef>
+              <a:spcAft>
+                <a:spcPct val="0"/>
+              </a:spcAft>
+              <a:buClr>
+                <a:srgbClr val="008C5A"/>
+              </a:buClr>
+              <a:buSzTx/>
+              <a:buFont typeface="Monotype Sorts" pitchFamily="2" charset="2"/>
               <a:buNone/>
-            </a:pPr>
-            <a:r>
-              <a:rPr lang="en-US" dirty="0"/>
-              <a:t>Update the image and service to point to your registry.</a:t>
-            </a:r>
-          </a:p>
-          <a:p>
-            <a:pPr marL="0" indent="0" algn="l">
+              <a:tabLst/>
+              <a:defRPr/>
+            </a:pPr>
+            <a:r>
+              <a:rPr kumimoji="0" lang="en-US" sz="1600" b="0" i="0" u="none" strike="noStrike" kern="0" cap="none" spc="0" normalizeH="0" baseline="0" noProof="0" dirty="0">
+                <a:ln>
+                  <a:noFill/>
+                </a:ln>
+                <a:solidFill>
+                  <a:srgbClr val="000000"/>
+                </a:solidFill>
+                <a:effectLst/>
+                <a:uLnTx/>
+                <a:uFillTx/>
+                <a:latin typeface="Consolas" panose="020B0609020204030204" pitchFamily="49" charset="0"/>
+                <a:ea typeface="+mn-ea"/>
+                <a:cs typeface="+mn-cs"/>
+              </a:rPr>
+              <a:t>      </a:t>
+            </a:r>
+            <a:r>
+              <a:rPr kumimoji="0" lang="en-US" sz="1600" b="0" i="0" u="none" strike="noStrike" kern="0" cap="none" spc="0" normalizeH="0" baseline="0" noProof="0" dirty="0">
+                <a:ln>
+                  <a:noFill/>
+                </a:ln>
+                <a:solidFill>
+                  <a:srgbClr val="FF0000"/>
+                </a:solidFill>
+                <a:effectLst/>
+                <a:uLnTx/>
+                <a:uFillTx/>
+                <a:latin typeface="Consolas" panose="020B0609020204030204" pitchFamily="49" charset="0"/>
+                <a:ea typeface="+mn-ea"/>
+                <a:cs typeface="+mn-cs"/>
+              </a:rPr>
+              <a:t>alias</a:t>
+            </a:r>
+            <a:r>
+              <a:rPr kumimoji="0" lang="en-US" sz="1600" b="0" i="0" u="none" strike="noStrike" kern="0" cap="none" spc="0" normalizeH="0" baseline="0" noProof="0" dirty="0">
+                <a:ln>
+                  <a:noFill/>
+                </a:ln>
+                <a:solidFill>
+                  <a:srgbClr val="000000"/>
+                </a:solidFill>
+                <a:effectLst/>
+                <a:uLnTx/>
+                <a:uFillTx/>
+                <a:latin typeface="Consolas" panose="020B0609020204030204" pitchFamily="49" charset="0"/>
+                <a:ea typeface="+mn-ea"/>
+                <a:cs typeface="+mn-cs"/>
+              </a:rPr>
+              <a:t>: docker</a:t>
+            </a:r>
+          </a:p>
+          <a:p>
+            <a:pPr marL="0" marR="0" lvl="0" indent="0" algn="l" defTabSz="914400" rtl="0" eaLnBrk="1" fontAlgn="base" latinLnBrk="0" hangingPunct="1">
+              <a:lnSpc>
+                <a:spcPct val="100000"/>
+              </a:lnSpc>
+              <a:spcBef>
+                <a:spcPct val="20000"/>
+              </a:spcBef>
+              <a:spcAft>
+                <a:spcPct val="0"/>
+              </a:spcAft>
+              <a:buClr>
+                <a:srgbClr val="008C5A"/>
+              </a:buClr>
+              <a:buSzTx/>
+              <a:buFont typeface="Monotype Sorts" pitchFamily="2" charset="2"/>
               <a:buNone/>
-            </a:pPr>
-            <a:r>
-              <a:rPr lang="en-US" dirty="0"/>
-              <a:t>Add a service alias.</a:t>
-            </a:r>
-          </a:p>
-          <a:p>
-            <a:pPr marL="0" indent="0" algn="l">
+              <a:tabLst/>
+              <a:defRPr/>
+            </a:pPr>
+            <a:r>
+              <a:rPr kumimoji="0" lang="en-US" sz="1600" b="0" i="0" u="none" strike="noStrike" kern="0" cap="none" spc="0" normalizeH="0" baseline="0" noProof="0" dirty="0">
+                <a:ln>
+                  <a:noFill/>
+                </a:ln>
+                <a:solidFill>
+                  <a:srgbClr val="000000"/>
+                </a:solidFill>
+                <a:effectLst/>
+                <a:uLnTx/>
+                <a:uFillTx/>
+                <a:latin typeface="Consolas" panose="020B0609020204030204" pitchFamily="49" charset="0"/>
+                <a:ea typeface="+mn-ea"/>
+                <a:cs typeface="+mn-cs"/>
+              </a:rPr>
+              <a:t>  stage: build</a:t>
+            </a:r>
+          </a:p>
+          <a:p>
+            <a:pPr marL="0" marR="0" lvl="0" indent="0" algn="l" defTabSz="914400" rtl="0" eaLnBrk="1" fontAlgn="base" latinLnBrk="0" hangingPunct="1">
+              <a:lnSpc>
+                <a:spcPct val="100000"/>
+              </a:lnSpc>
+              <a:spcBef>
+                <a:spcPct val="20000"/>
+              </a:spcBef>
+              <a:spcAft>
+                <a:spcPct val="0"/>
+              </a:spcAft>
+              <a:buClr>
+                <a:srgbClr val="008C5A"/>
+              </a:buClr>
+              <a:buSzTx/>
+              <a:buFont typeface="Monotype Sorts" pitchFamily="2" charset="2"/>
               <a:buNone/>
-            </a:pPr>
-            <a:r>
-              <a:rPr lang="en-US" dirty="0"/>
-              <a:t>Your .</a:t>
-            </a:r>
-            <a:r>
-              <a:rPr lang="en-US" dirty="0" err="1"/>
-              <a:t>gitlab-ci.yml</a:t>
-            </a:r>
-            <a:r>
-              <a:rPr lang="en-US" dirty="0"/>
-              <a:t> should look similar to this:</a:t>
-            </a:r>
-          </a:p>
-          <a:p>
-            <a:pPr marL="0" indent="0" algn="l">
+              <a:tabLst/>
+              <a:defRPr/>
+            </a:pPr>
+            <a:r>
+              <a:rPr kumimoji="0" lang="en-US" sz="1600" b="0" i="0" u="none" strike="noStrike" kern="0" cap="none" spc="0" normalizeH="0" baseline="0" noProof="0" dirty="0">
+                <a:ln>
+                  <a:noFill/>
+                </a:ln>
+                <a:solidFill>
+                  <a:srgbClr val="000000"/>
+                </a:solidFill>
+                <a:effectLst/>
+                <a:uLnTx/>
+                <a:uFillTx/>
+                <a:latin typeface="Consolas" panose="020B0609020204030204" pitchFamily="49" charset="0"/>
+                <a:ea typeface="+mn-ea"/>
+                <a:cs typeface="+mn-cs"/>
+              </a:rPr>
+              <a:t>  script:</a:t>
+            </a:r>
+          </a:p>
+          <a:p>
+            <a:pPr marL="0" marR="0" lvl="0" indent="0" algn="l" defTabSz="914400" rtl="0" eaLnBrk="1" fontAlgn="base" latinLnBrk="0" hangingPunct="1">
+              <a:lnSpc>
+                <a:spcPct val="100000"/>
+              </a:lnSpc>
+              <a:spcBef>
+                <a:spcPct val="20000"/>
+              </a:spcBef>
+              <a:spcAft>
+                <a:spcPct val="0"/>
+              </a:spcAft>
+              <a:buClr>
+                <a:srgbClr val="008C5A"/>
+              </a:buClr>
+              <a:buSzTx/>
+              <a:buFont typeface="Monotype Sorts" pitchFamily="2" charset="2"/>
               <a:buNone/>
-            </a:pPr>
-            <a:endParaRPr lang="en-US" dirty="0"/>
-          </a:p>
-          <a:p>
-            <a:pPr marL="0" indent="0" algn="l">
+              <a:tabLst/>
+              <a:defRPr/>
+            </a:pPr>
+            <a:r>
+              <a:rPr kumimoji="0" lang="en-US" sz="1600" b="0" i="0" u="none" strike="noStrike" kern="0" cap="none" spc="0" normalizeH="0" baseline="0" noProof="0" dirty="0">
+                <a:ln>
+                  <a:noFill/>
+                </a:ln>
+                <a:solidFill>
+                  <a:srgbClr val="000000"/>
+                </a:solidFill>
+                <a:effectLst/>
+                <a:uLnTx/>
+                <a:uFillTx/>
+                <a:latin typeface="Consolas" panose="020B0609020204030204" pitchFamily="49" charset="0"/>
+                <a:ea typeface="+mn-ea"/>
+                <a:cs typeface="+mn-cs"/>
+              </a:rPr>
+              <a:t>    - docker build -t my-docker-image .</a:t>
+            </a:r>
+          </a:p>
+          <a:p>
+            <a:pPr marL="0" marR="0" lvl="0" indent="0" algn="l" defTabSz="914400" rtl="0" eaLnBrk="1" fontAlgn="base" latinLnBrk="0" hangingPunct="1">
+              <a:lnSpc>
+                <a:spcPct val="100000"/>
+              </a:lnSpc>
+              <a:spcBef>
+                <a:spcPct val="20000"/>
+              </a:spcBef>
+              <a:spcAft>
+                <a:spcPct val="0"/>
+              </a:spcAft>
+              <a:buClr>
+                <a:srgbClr val="008C5A"/>
+              </a:buClr>
+              <a:buSzTx/>
+              <a:buFont typeface="Monotype Sorts" pitchFamily="2" charset="2"/>
               <a:buNone/>
-            </a:pPr>
-            <a:r>
-              <a:rPr lang="en-US" dirty="0"/>
-              <a:t>build:</a:t>
-            </a:r>
-          </a:p>
-          <a:p>
-            <a:pPr marL="0" indent="0" algn="l">
+              <a:tabLst/>
+              <a:defRPr/>
+            </a:pPr>
+            <a:r>
+              <a:rPr kumimoji="0" lang="en-US" sz="1600" b="0" i="0" u="none" strike="noStrike" kern="0" cap="none" spc="0" normalizeH="0" baseline="0" noProof="0" dirty="0">
+                <a:ln>
+                  <a:noFill/>
+                </a:ln>
+                <a:solidFill>
+                  <a:srgbClr val="000000"/>
+                </a:solidFill>
+                <a:effectLst/>
+                <a:uLnTx/>
+                <a:uFillTx/>
+                <a:latin typeface="Consolas" panose="020B0609020204030204" pitchFamily="49" charset="0"/>
+                <a:ea typeface="+mn-ea"/>
+                <a:cs typeface="+mn-cs"/>
+              </a:rPr>
+              <a:t>    - docker run my-docker-image /script/to/run/tests</a:t>
+            </a:r>
+          </a:p>
+          <a:p>
+            <a:pPr marL="0" indent="0">
               <a:buNone/>
             </a:pPr>
-            <a:r>
-              <a:rPr lang="en-US" dirty="0"/>
-              <a:t>  image: $CI_REGISTRY/group/project/docker:20.10.16</a:t>
-            </a:r>
-          </a:p>
-          <a:p>
-            <a:pPr marL="0" indent="0" algn="l">
-              <a:buNone/>
-            </a:pPr>
-            <a:r>
-              <a:rPr lang="en-US" dirty="0"/>
-              <a:t>  services:</a:t>
-            </a:r>
-          </a:p>
-          <a:p>
-            <a:pPr marL="0" indent="0" algn="l">
-              <a:buNone/>
-            </a:pPr>
-            <a:r>
-              <a:rPr lang="en-US" dirty="0"/>
-              <a:t>    - name: $CI_REGISTRY/group/project/docker:20.10.16-dind</a:t>
-            </a:r>
-          </a:p>
-          <a:p>
-            <a:pPr marL="0" indent="0" algn="l">
-              <a:buNone/>
-            </a:pPr>
-            <a:r>
-              <a:rPr lang="en-US" dirty="0"/>
-              <a:t>      alias: docker</a:t>
-            </a:r>
-          </a:p>
-          <a:p>
-            <a:pPr marL="0" indent="0" algn="l">
-              <a:buNone/>
-            </a:pPr>
-            <a:r>
-              <a:rPr lang="en-US" dirty="0"/>
-              <a:t>  stage: build</a:t>
-            </a:r>
-          </a:p>
-          <a:p>
-            <a:pPr marL="0" indent="0" algn="l">
-              <a:buNone/>
-            </a:pPr>
-            <a:r>
-              <a:rPr lang="en-US" dirty="0"/>
-              <a:t>  script:</a:t>
-            </a:r>
-          </a:p>
-          <a:p>
-            <a:pPr marL="0" indent="0" algn="l">
-              <a:buNone/>
-            </a:pPr>
-            <a:r>
-              <a:rPr lang="en-US" dirty="0"/>
-              <a:t>    - docker build -t my-docker-image .</a:t>
-            </a:r>
-          </a:p>
-          <a:p>
-            <a:pPr marL="0" indent="0" algn="l">
-              <a:buNone/>
-            </a:pPr>
-            <a:r>
-              <a:rPr lang="en-US" dirty="0"/>
-              <a:t>    - docker run my-docker-image /script/to/run/tests</a:t>
-            </a:r>
-          </a:p>
-          <a:p>
-            <a:pPr marL="0" indent="0" algn="l">
-              <a:buNone/>
-            </a:pPr>
-            <a:endParaRPr lang="en-US" dirty="0"/>
-          </a:p>
-          <a:p>
-            <a:pPr marL="0" indent="0" algn="l">
-              <a:buNone/>
-            </a:pPr>
-            <a:r>
-              <a:rPr lang="en-US" dirty="0"/>
-              <a:t>If you forget to set the service alias, the container image can’t find the </a:t>
-            </a:r>
-            <a:r>
-              <a:rPr lang="en-US" dirty="0" err="1"/>
+            <a:endParaRPr lang="en-US" sz="1600" dirty="0">
+              <a:latin typeface="Consolas" panose="020B0609020204030204" pitchFamily="49" charset="0"/>
+            </a:endParaRPr>
+          </a:p>
+          <a:p>
+            <a:pPr>
+              <a:buFont typeface="Arial" panose="020B0604020202020204" pitchFamily="34" charset="0"/>
+              <a:buChar char="•"/>
+            </a:pPr>
+            <a:r>
+              <a:rPr lang="en-US" sz="2000" dirty="0" err="1">
+                <a:latin typeface="+mj-lt"/>
+              </a:rPr>
+              <a:t>Ohne</a:t>
+            </a:r>
+            <a:r>
+              <a:rPr lang="en-US" sz="2000" dirty="0">
+                <a:latin typeface="+mj-lt"/>
+              </a:rPr>
+              <a:t> </a:t>
+            </a:r>
+            <a:r>
+              <a:rPr lang="en-US" sz="2000" dirty="0">
+                <a:solidFill>
+                  <a:srgbClr val="FF0000"/>
+                </a:solidFill>
+                <a:latin typeface="+mj-lt"/>
+              </a:rPr>
+              <a:t>service alias </a:t>
+            </a:r>
+            <a:r>
+              <a:rPr lang="en-US" sz="2000" dirty="0" err="1">
+                <a:latin typeface="+mj-lt"/>
+              </a:rPr>
+              <a:t>kann</a:t>
+            </a:r>
+            <a:r>
+              <a:rPr lang="en-US" sz="2000" dirty="0">
+                <a:latin typeface="+mj-lt"/>
+              </a:rPr>
+              <a:t> das Container Image den </a:t>
+            </a:r>
+            <a:r>
+              <a:rPr lang="en-US" sz="2000" dirty="0" err="1">
+                <a:latin typeface="Consolas" panose="020B0609020204030204" pitchFamily="49" charset="0"/>
+              </a:rPr>
               <a:t>dind</a:t>
             </a:r>
             <a:r>
-              <a:rPr lang="en-US" dirty="0"/>
-              <a:t> service, and an error like the following is shown:</a:t>
-            </a:r>
-          </a:p>
-          <a:p>
-            <a:pPr marL="0" indent="0" algn="l">
-              <a:buNone/>
-            </a:pPr>
-            <a:endParaRPr lang="en-US" dirty="0"/>
-          </a:p>
-          <a:p>
-            <a:pPr marL="0" indent="0" algn="l">
-              <a:buNone/>
-            </a:pPr>
-            <a:r>
-              <a:rPr lang="en-US" dirty="0"/>
+              <a:rPr lang="en-US" sz="2000" dirty="0">
+                <a:latin typeface="+mj-lt"/>
+              </a:rPr>
+              <a:t> service </a:t>
+            </a:r>
+            <a:r>
+              <a:rPr lang="en-US" sz="2000" dirty="0" err="1">
+                <a:latin typeface="+mj-lt"/>
+              </a:rPr>
+              <a:t>nicht</a:t>
+            </a:r>
+            <a:r>
+              <a:rPr lang="en-US" sz="2000" dirty="0">
+                <a:latin typeface="+mj-lt"/>
+              </a:rPr>
+              <a:t> </a:t>
+            </a:r>
+            <a:r>
+              <a:rPr lang="en-US" sz="2000" dirty="0" err="1">
+                <a:latin typeface="+mj-lt"/>
+              </a:rPr>
+              <a:t>finden</a:t>
+            </a:r>
+            <a:r>
+              <a:rPr lang="en-US" sz="2000" dirty="0">
+                <a:latin typeface="+mj-lt"/>
+              </a:rPr>
+              <a:t> und </a:t>
+            </a:r>
+            <a:r>
+              <a:rPr lang="en-US" sz="2000" dirty="0" err="1">
+                <a:latin typeface="+mj-lt"/>
+              </a:rPr>
+              <a:t>folgende</a:t>
+            </a:r>
+            <a:r>
+              <a:rPr lang="en-US" sz="2000" dirty="0">
+                <a:latin typeface="+mj-lt"/>
+              </a:rPr>
+              <a:t> </a:t>
+            </a:r>
+            <a:r>
+              <a:rPr lang="en-US" sz="2000" dirty="0" err="1">
+                <a:latin typeface="+mj-lt"/>
+              </a:rPr>
+              <a:t>Fehlermeldung</a:t>
+            </a:r>
+            <a:r>
+              <a:rPr lang="en-US" sz="2000" dirty="0">
+                <a:latin typeface="+mj-lt"/>
+              </a:rPr>
+              <a:t> </a:t>
+            </a:r>
+            <a:r>
+              <a:rPr lang="en-US" sz="2000" dirty="0" err="1">
+                <a:latin typeface="+mj-lt"/>
+              </a:rPr>
+              <a:t>erscheint</a:t>
+            </a:r>
+            <a:r>
+              <a:rPr lang="en-US" sz="2000" dirty="0">
+                <a:latin typeface="+mj-lt"/>
+              </a:rPr>
+              <a:t>:</a:t>
+            </a:r>
+          </a:p>
+          <a:p>
+            <a:pPr lvl="1">
+              <a:buFont typeface="Arial" panose="020B0604020202020204" pitchFamily="34" charset="0"/>
+              <a:buChar char="•"/>
+            </a:pPr>
+            <a:r>
+              <a:rPr lang="en-US" sz="1600" dirty="0">
+                <a:latin typeface="Consolas" panose="020B0609020204030204" pitchFamily="49" charset="0"/>
+              </a:rPr>
               <a:t>error during connect: Get http://docker:2376/v1.39/info: dial </a:t>
             </a:r>
             <a:r>
-              <a:rPr lang="en-US" dirty="0" err="1"/>
+              <a:rPr lang="en-US" sz="1600" dirty="0" err="1">
+                <a:latin typeface="Consolas" panose="020B0609020204030204" pitchFamily="49" charset="0"/>
+              </a:rPr>
               <a:t>tcp</a:t>
             </a:r>
             <a:r>
-              <a:rPr lang="en-US" dirty="0"/>
-              <a:t>: lookup docker </a:t>
-            </a:r>
-            <a:endParaRPr lang="de-DE" dirty="0"/>
+              <a:rPr lang="en-US" sz="1600" dirty="0">
+                <a:latin typeface="Consolas" panose="020B0609020204030204" pitchFamily="49" charset="0"/>
+              </a:rPr>
+              <a:t>: lookup docker on 192.168.0.1:53: no such host</a:t>
+            </a:r>
           </a:p>
           <a:p>
             <a:pPr lvl="1">
               <a:buFont typeface="Arial" panose="020B0604020202020204" pitchFamily="34" charset="0"/>
               <a:buChar char="•"/>
             </a:pPr>
-            <a:endParaRPr lang="de-DE" dirty="0"/>
+            <a:endParaRPr lang="en-US" sz="1600" dirty="0">
+              <a:latin typeface="Consolas" panose="020B0609020204030204" pitchFamily="49" charset="0"/>
+            </a:endParaRPr>
+          </a:p>
+          <a:p>
+            <a:pPr lvl="1">
+              <a:buFont typeface="Arial" panose="020B0604020202020204" pitchFamily="34" charset="0"/>
+              <a:buChar char="•"/>
+            </a:pPr>
+            <a:endParaRPr lang="en-US" sz="1600" dirty="0">
+              <a:latin typeface="Consolas" panose="020B0609020204030204" pitchFamily="49" charset="0"/>
+            </a:endParaRPr>
           </a:p>
         </p:txBody>
       </p:sp>
     </p:spTree>
     <p:extLst>
       <p:ext uri="{BB962C8B-B14F-4D97-AF65-F5344CB8AC3E}">
-        <p14:creationId xmlns:p14="http://schemas.microsoft.com/office/powerpoint/2010/main" val="2278471957"/>
+        <p14:creationId xmlns:p14="http://schemas.microsoft.com/office/powerpoint/2010/main" val="1566046787"/>
       </p:ext>
     </p:extLst>
   </p:cSld>
@@ -10954,7 +11763,7 @@
           <p:cNvPr id="2" name="Titel 1">
             <a:extLst>
               <a:ext uri="{FF2B5EF4-FFF2-40B4-BE49-F238E27FC236}">
-                <a16:creationId xmlns:a16="http://schemas.microsoft.com/office/drawing/2014/main" id="{184AFD09-5210-6F86-C2FD-BBC016D382A6}"/>
+                <a16:creationId xmlns:a16="http://schemas.microsoft.com/office/drawing/2014/main" id="{021C1D90-AB38-D152-26B9-E4AB49CCFEE9}"/>
               </a:ext>
             </a:extLst>
           </p:cNvPr>
@@ -10988,10 +11797,10 @@
       </p:sp>
       <p:sp>
         <p:nvSpPr>
-          <p:cNvPr id="6" name="Inhaltsplatzhalter 5">
+          <p:cNvPr id="3" name="Inhaltsplatzhalter 2">
             <a:extLst>
               <a:ext uri="{FF2B5EF4-FFF2-40B4-BE49-F238E27FC236}">
-                <a16:creationId xmlns:a16="http://schemas.microsoft.com/office/drawing/2014/main" id="{D2412707-84D3-F572-4709-FD9A95F28E5B}"/>
+                <a16:creationId xmlns:a16="http://schemas.microsoft.com/office/drawing/2014/main" id="{01B30DD9-6590-DB7B-37D7-65618A4BAC0E}"/>
               </a:ext>
             </a:extLst>
           </p:cNvPr>
@@ -11007,224 +11816,697 @@
           <a:bodyPr/>
           <a:lstStyle/>
           <a:p>
-            <a:pPr algn="l"/>
-            <a:r>
-              <a:rPr lang="en-US" b="1" i="0" dirty="0">
+            <a:pPr marL="0" indent="0">
+              <a:buNone/>
+            </a:pPr>
+            <a:r>
+              <a:rPr lang="en-US" b="1" dirty="0"/>
+              <a:t>Docker-in-Docker Container Image (</a:t>
+            </a:r>
+            <a:r>
+              <a:rPr lang="en-US" b="1" dirty="0">
                 <a:solidFill>
-                  <a:srgbClr val="222261"/>
+                  <a:srgbClr val="0249FC"/>
+                </a:solidFill>
+              </a:rPr>
+              <a:t>Dependency Proxy</a:t>
+            </a:r>
+            <a:r>
+              <a:rPr lang="en-US" b="1" dirty="0"/>
+              <a:t>)</a:t>
+            </a:r>
+          </a:p>
+          <a:p>
+            <a:pPr marL="0" indent="0">
+              <a:buNone/>
+            </a:pPr>
+            <a:r>
+              <a:rPr lang="en-US" dirty="0" err="1"/>
+              <a:t>Eigene</a:t>
+            </a:r>
+            <a:r>
+              <a:rPr lang="en-US" dirty="0"/>
+              <a:t> Container Images </a:t>
+            </a:r>
+            <a:r>
+              <a:rPr lang="en-US" dirty="0" err="1"/>
+              <a:t>mit</a:t>
+            </a:r>
+            <a:r>
+              <a:rPr lang="en-US" dirty="0"/>
+              <a:t> Docker-in-Docker </a:t>
+            </a:r>
+            <a:r>
+              <a:rPr lang="en-US" dirty="0" err="1"/>
+              <a:t>nutzen</a:t>
+            </a:r>
+            <a:endParaRPr lang="en-US" dirty="0"/>
+          </a:p>
+          <a:p>
+            <a:pPr marL="457200" indent="-457200">
+              <a:buFont typeface="+mj-lt"/>
+              <a:buAutoNum type="arabicPeriod"/>
+            </a:pPr>
+            <a:r>
+              <a:rPr lang="en-US" dirty="0"/>
+              <a:t>Docker-in-Docker </a:t>
+            </a:r>
+            <a:r>
+              <a:rPr lang="en-US" dirty="0" err="1"/>
+              <a:t>einrichten</a:t>
+            </a:r>
+            <a:endParaRPr lang="en-US" dirty="0"/>
+          </a:p>
+          <a:p>
+            <a:pPr marL="457200" indent="-457200">
+              <a:buFont typeface="+mj-lt"/>
+              <a:buAutoNum type="arabicPeriod"/>
+            </a:pPr>
+            <a:r>
+              <a:rPr lang="en-US" dirty="0">
+                <a:solidFill>
+                  <a:srgbClr val="FF0000"/>
+                </a:solidFill>
+                <a:latin typeface="Consolas" panose="020B0609020204030204" pitchFamily="49" charset="0"/>
+              </a:rPr>
+              <a:t>image</a:t>
+            </a:r>
+            <a:r>
+              <a:rPr lang="en-US" dirty="0"/>
+              <a:t> und </a:t>
+            </a:r>
+            <a:r>
+              <a:rPr lang="en-US" dirty="0">
+                <a:solidFill>
+                  <a:srgbClr val="FF0000"/>
+                </a:solidFill>
+                <a:latin typeface="Consolas" panose="020B0609020204030204" pitchFamily="49" charset="0"/>
+              </a:rPr>
+              <a:t>service</a:t>
+            </a:r>
+            <a:r>
+              <a:rPr lang="en-US" dirty="0"/>
+              <a:t> auf die Registry </a:t>
+            </a:r>
+            <a:r>
+              <a:rPr lang="en-US" dirty="0" err="1"/>
+              <a:t>zeigen</a:t>
+            </a:r>
+            <a:r>
+              <a:rPr lang="en-US" dirty="0"/>
+              <a:t> </a:t>
+            </a:r>
+            <a:r>
+              <a:rPr lang="en-US" dirty="0" err="1"/>
+              <a:t>lassen</a:t>
+            </a:r>
+            <a:endParaRPr lang="en-US" dirty="0"/>
+          </a:p>
+          <a:p>
+            <a:pPr marL="457200" indent="-457200">
+              <a:buFont typeface="+mj-lt"/>
+              <a:buAutoNum type="arabicPeriod"/>
+            </a:pPr>
+            <a:r>
+              <a:rPr lang="en-US" dirty="0">
+                <a:solidFill>
+                  <a:srgbClr val="FF0000"/>
+                </a:solidFill>
+                <a:latin typeface="Consolas" panose="020B0609020204030204" pitchFamily="49" charset="0"/>
+              </a:rPr>
+              <a:t>alias</a:t>
+            </a:r>
+            <a:r>
+              <a:rPr lang="en-US" dirty="0"/>
+              <a:t> </a:t>
+            </a:r>
+            <a:r>
+              <a:rPr lang="en-US" dirty="0" err="1"/>
+              <a:t>hinzufügen</a:t>
+            </a:r>
+            <a:r>
+              <a:rPr lang="en-US" dirty="0"/>
+              <a:t> für den </a:t>
+            </a:r>
+            <a:r>
+              <a:rPr lang="en-US" dirty="0">
+                <a:latin typeface="Consolas" panose="020B0609020204030204" pitchFamily="49" charset="0"/>
+              </a:rPr>
+              <a:t>service</a:t>
+            </a:r>
+          </a:p>
+          <a:p>
+            <a:pPr marL="0" indent="0">
+              <a:buNone/>
+            </a:pPr>
+            <a:r>
+              <a:rPr lang="en-US" sz="2000" dirty="0">
+                <a:latin typeface="Consolas" panose="020B0609020204030204" pitchFamily="49" charset="0"/>
+              </a:rPr>
+              <a:t>.</a:t>
+            </a:r>
+            <a:r>
+              <a:rPr lang="en-US" sz="2000" dirty="0" err="1">
+                <a:latin typeface="Consolas" panose="020B0609020204030204" pitchFamily="49" charset="0"/>
+              </a:rPr>
+              <a:t>gitlab-ci.yml</a:t>
+            </a:r>
+            <a:endParaRPr lang="en-US" sz="2000" dirty="0">
+              <a:latin typeface="Consolas" panose="020B0609020204030204" pitchFamily="49" charset="0"/>
+            </a:endParaRPr>
+          </a:p>
+          <a:p>
+            <a:pPr marL="0" marR="0" lvl="0" indent="0" algn="l" defTabSz="914400" rtl="0" eaLnBrk="1" fontAlgn="base" latinLnBrk="0" hangingPunct="1">
+              <a:lnSpc>
+                <a:spcPct val="100000"/>
+              </a:lnSpc>
+              <a:spcBef>
+                <a:spcPct val="20000"/>
+              </a:spcBef>
+              <a:spcAft>
+                <a:spcPct val="0"/>
+              </a:spcAft>
+              <a:buClr>
+                <a:srgbClr val="008C5A"/>
+              </a:buClr>
+              <a:buSzTx/>
+              <a:buFont typeface="Monotype Sorts" pitchFamily="2" charset="2"/>
+              <a:buNone/>
+              <a:tabLst/>
+              <a:defRPr/>
+            </a:pPr>
+            <a:r>
+              <a:rPr kumimoji="0" lang="en-US" sz="1600" b="0" i="0" u="none" strike="noStrike" kern="0" cap="none" spc="0" normalizeH="0" baseline="0" noProof="0" dirty="0">
+                <a:ln>
+                  <a:noFill/>
+                </a:ln>
+                <a:solidFill>
+                  <a:srgbClr val="000000"/>
                 </a:solidFill>
                 <a:effectLst/>
-                <a:latin typeface="gitlab sans"/>
-              </a:rPr>
-              <a:t>Use a Docker-in-Docker container image with Dependency Proxy</a:t>
-            </a:r>
-          </a:p>
-          <a:p>
-            <a:pPr marL="0" indent="0" algn="l">
+                <a:uLnTx/>
+                <a:uFillTx/>
+                <a:latin typeface="Consolas" panose="020B0609020204030204" pitchFamily="49" charset="0"/>
+                <a:ea typeface="+mn-ea"/>
+                <a:cs typeface="+mn-cs"/>
+              </a:rPr>
+              <a:t>build:</a:t>
+            </a:r>
+          </a:p>
+          <a:p>
+            <a:pPr marL="0" marR="0" lvl="0" indent="0" algn="l" defTabSz="914400" rtl="0" eaLnBrk="1" fontAlgn="base" latinLnBrk="0" hangingPunct="1">
+              <a:lnSpc>
+                <a:spcPct val="100000"/>
+              </a:lnSpc>
+              <a:spcBef>
+                <a:spcPct val="20000"/>
+              </a:spcBef>
+              <a:spcAft>
+                <a:spcPct val="0"/>
+              </a:spcAft>
+              <a:buClr>
+                <a:srgbClr val="008C5A"/>
+              </a:buClr>
+              <a:buSzTx/>
+              <a:buFont typeface="Monotype Sorts" pitchFamily="2" charset="2"/>
               <a:buNone/>
-            </a:pPr>
-            <a:r>
-              <a:rPr lang="en-US" dirty="0"/>
-              <a:t>You can use your own container images with Dependency Proxy.</a:t>
-            </a:r>
-          </a:p>
-          <a:p>
-            <a:pPr marL="0" indent="0" algn="l">
+              <a:tabLst/>
+              <a:defRPr/>
+            </a:pPr>
+            <a:r>
+              <a:rPr kumimoji="0" lang="en-US" sz="1600" b="0" i="0" u="none" strike="noStrike" kern="0" cap="none" spc="0" normalizeH="0" baseline="0" noProof="0" dirty="0">
+                <a:ln>
+                  <a:noFill/>
+                </a:ln>
+                <a:solidFill>
+                  <a:srgbClr val="000000"/>
+                </a:solidFill>
+                <a:effectLst/>
+                <a:uLnTx/>
+                <a:uFillTx/>
+                <a:latin typeface="Consolas" panose="020B0609020204030204" pitchFamily="49" charset="0"/>
+                <a:ea typeface="+mn-ea"/>
+                <a:cs typeface="+mn-cs"/>
+              </a:rPr>
+              <a:t>  </a:t>
+            </a:r>
+            <a:r>
+              <a:rPr kumimoji="0" lang="en-US" sz="1600" b="0" i="0" u="none" strike="noStrike" kern="0" cap="none" spc="0" normalizeH="0" baseline="0" noProof="0" dirty="0">
+                <a:ln>
+                  <a:noFill/>
+                </a:ln>
+                <a:solidFill>
+                  <a:srgbClr val="FF0000"/>
+                </a:solidFill>
+                <a:effectLst/>
+                <a:uLnTx/>
+                <a:uFillTx/>
+                <a:latin typeface="Consolas" panose="020B0609020204030204" pitchFamily="49" charset="0"/>
+                <a:ea typeface="+mn-ea"/>
+                <a:cs typeface="+mn-cs"/>
+              </a:rPr>
+              <a:t>image</a:t>
+            </a:r>
+            <a:r>
+              <a:rPr kumimoji="0" lang="en-US" sz="1600" b="0" i="0" u="none" strike="noStrike" kern="0" cap="none" spc="0" normalizeH="0" baseline="0" noProof="0" dirty="0">
+                <a:ln>
+                  <a:noFill/>
+                </a:ln>
+                <a:solidFill>
+                  <a:srgbClr val="000000"/>
+                </a:solidFill>
+                <a:effectLst/>
+                <a:uLnTx/>
+                <a:uFillTx/>
+                <a:latin typeface="Consolas" panose="020B0609020204030204" pitchFamily="49" charset="0"/>
+                <a:ea typeface="+mn-ea"/>
+                <a:cs typeface="+mn-cs"/>
+              </a:rPr>
+              <a:t>: </a:t>
+            </a:r>
+            <a:r>
+              <a:rPr kumimoji="0" lang="en-US" sz="1600" b="0" i="0" u="none" strike="noStrike" kern="0" cap="none" spc="0" normalizeH="0" baseline="0" noProof="0" dirty="0">
+                <a:ln>
+                  <a:noFill/>
+                </a:ln>
+                <a:solidFill>
+                  <a:srgbClr val="0249FC"/>
+                </a:solidFill>
+                <a:effectLst/>
+                <a:uLnTx/>
+                <a:uFillTx/>
+                <a:latin typeface="Consolas" panose="020B0609020204030204" pitchFamily="49" charset="0"/>
+                <a:ea typeface="+mn-ea"/>
+                <a:cs typeface="+mn-cs"/>
+              </a:rPr>
+              <a:t>${CI_DEPENDENCY_PROXY_GROUP_IMAGE_PREFIX}</a:t>
+            </a:r>
+            <a:r>
+              <a:rPr kumimoji="0" lang="en-US" sz="1600" b="0" i="0" u="none" strike="noStrike" kern="0" cap="none" spc="0" normalizeH="0" baseline="0" noProof="0" dirty="0">
+                <a:ln>
+                  <a:noFill/>
+                </a:ln>
+                <a:solidFill>
+                  <a:srgbClr val="000000"/>
+                </a:solidFill>
+                <a:effectLst/>
+                <a:uLnTx/>
+                <a:uFillTx/>
+                <a:latin typeface="Consolas" panose="020B0609020204030204" pitchFamily="49" charset="0"/>
+                <a:ea typeface="+mn-ea"/>
+                <a:cs typeface="+mn-cs"/>
+              </a:rPr>
+              <a:t>/docker:20.10.16</a:t>
+            </a:r>
+          </a:p>
+          <a:p>
+            <a:pPr marL="0" marR="0" lvl="0" indent="0" algn="l" defTabSz="914400" rtl="0" eaLnBrk="1" fontAlgn="base" latinLnBrk="0" hangingPunct="1">
+              <a:lnSpc>
+                <a:spcPct val="100000"/>
+              </a:lnSpc>
+              <a:spcBef>
+                <a:spcPct val="20000"/>
+              </a:spcBef>
+              <a:spcAft>
+                <a:spcPct val="0"/>
+              </a:spcAft>
+              <a:buClr>
+                <a:srgbClr val="008C5A"/>
+              </a:buClr>
+              <a:buSzTx/>
+              <a:buFont typeface="Monotype Sorts" pitchFamily="2" charset="2"/>
               <a:buNone/>
-            </a:pPr>
-            <a:endParaRPr lang="en-US" dirty="0"/>
-          </a:p>
-          <a:p>
-            <a:pPr marL="0" indent="0" algn="l">
+              <a:tabLst/>
+              <a:defRPr/>
+            </a:pPr>
+            <a:r>
+              <a:rPr kumimoji="0" lang="en-US" sz="1600" b="0" i="0" u="none" strike="noStrike" kern="0" cap="none" spc="0" normalizeH="0" baseline="0" noProof="0" dirty="0">
+                <a:ln>
+                  <a:noFill/>
+                </a:ln>
+                <a:solidFill>
+                  <a:srgbClr val="000000"/>
+                </a:solidFill>
+                <a:effectLst/>
+                <a:uLnTx/>
+                <a:uFillTx/>
+                <a:latin typeface="Consolas" panose="020B0609020204030204" pitchFamily="49" charset="0"/>
+                <a:ea typeface="+mn-ea"/>
+                <a:cs typeface="+mn-cs"/>
+              </a:rPr>
+              <a:t>  </a:t>
+            </a:r>
+            <a:r>
+              <a:rPr kumimoji="0" lang="en-US" sz="1600" b="0" i="0" u="none" strike="noStrike" kern="0" cap="none" spc="0" normalizeH="0" baseline="0" noProof="0" dirty="0">
+                <a:ln>
+                  <a:noFill/>
+                </a:ln>
+                <a:solidFill>
+                  <a:srgbClr val="FF0000"/>
+                </a:solidFill>
+                <a:effectLst/>
+                <a:uLnTx/>
+                <a:uFillTx/>
+                <a:latin typeface="Consolas" panose="020B0609020204030204" pitchFamily="49" charset="0"/>
+                <a:ea typeface="+mn-ea"/>
+                <a:cs typeface="+mn-cs"/>
+              </a:rPr>
+              <a:t>services</a:t>
+            </a:r>
+            <a:r>
+              <a:rPr kumimoji="0" lang="en-US" sz="1600" b="0" i="0" u="none" strike="noStrike" kern="0" cap="none" spc="0" normalizeH="0" baseline="0" noProof="0" dirty="0">
+                <a:ln>
+                  <a:noFill/>
+                </a:ln>
+                <a:solidFill>
+                  <a:srgbClr val="000000"/>
+                </a:solidFill>
+                <a:effectLst/>
+                <a:uLnTx/>
+                <a:uFillTx/>
+                <a:latin typeface="Consolas" panose="020B0609020204030204" pitchFamily="49" charset="0"/>
+                <a:ea typeface="+mn-ea"/>
+                <a:cs typeface="+mn-cs"/>
+              </a:rPr>
+              <a:t>:</a:t>
+            </a:r>
+          </a:p>
+          <a:p>
+            <a:pPr marL="0" marR="0" lvl="0" indent="0" algn="l" defTabSz="914400" rtl="0" eaLnBrk="1" fontAlgn="base" latinLnBrk="0" hangingPunct="1">
+              <a:lnSpc>
+                <a:spcPct val="100000"/>
+              </a:lnSpc>
+              <a:spcBef>
+                <a:spcPct val="20000"/>
+              </a:spcBef>
+              <a:spcAft>
+                <a:spcPct val="0"/>
+              </a:spcAft>
+              <a:buClr>
+                <a:srgbClr val="008C5A"/>
+              </a:buClr>
+              <a:buSzTx/>
+              <a:buFont typeface="Monotype Sorts" pitchFamily="2" charset="2"/>
               <a:buNone/>
-            </a:pPr>
-            <a:r>
-              <a:rPr lang="en-US" dirty="0"/>
-              <a:t>Set up Docker-in-Docker.</a:t>
-            </a:r>
-          </a:p>
-          <a:p>
-            <a:pPr marL="0" indent="0" algn="l">
+              <a:tabLst/>
+              <a:defRPr/>
+            </a:pPr>
+            <a:r>
+              <a:rPr kumimoji="0" lang="en-US" sz="1600" b="0" i="0" u="none" strike="noStrike" kern="0" cap="none" spc="0" normalizeH="0" baseline="0" noProof="0" dirty="0">
+                <a:ln>
+                  <a:noFill/>
+                </a:ln>
+                <a:solidFill>
+                  <a:srgbClr val="000000"/>
+                </a:solidFill>
+                <a:effectLst/>
+                <a:uLnTx/>
+                <a:uFillTx/>
+                <a:latin typeface="Consolas" panose="020B0609020204030204" pitchFamily="49" charset="0"/>
+                <a:ea typeface="+mn-ea"/>
+                <a:cs typeface="+mn-cs"/>
+              </a:rPr>
+              <a:t>    - name: </a:t>
+            </a:r>
+            <a:r>
+              <a:rPr kumimoji="0" lang="en-US" sz="1600" b="0" i="0" u="none" strike="noStrike" kern="0" cap="none" spc="0" normalizeH="0" baseline="0" noProof="0" dirty="0">
+                <a:ln>
+                  <a:noFill/>
+                </a:ln>
+                <a:solidFill>
+                  <a:srgbClr val="0249FC"/>
+                </a:solidFill>
+                <a:effectLst/>
+                <a:uLnTx/>
+                <a:uFillTx/>
+                <a:latin typeface="Consolas" panose="020B0609020204030204" pitchFamily="49" charset="0"/>
+                <a:ea typeface="+mn-ea"/>
+                <a:cs typeface="+mn-cs"/>
+              </a:rPr>
+              <a:t>${CI_DEPENDENCY_PROXY_GROUP_IMAGE_PREFIX}</a:t>
+            </a:r>
+            <a:r>
+              <a:rPr kumimoji="0" lang="en-US" sz="1600" b="0" i="0" u="none" strike="noStrike" kern="0" cap="none" spc="0" normalizeH="0" baseline="0" noProof="0" dirty="0">
+                <a:ln>
+                  <a:noFill/>
+                </a:ln>
+                <a:solidFill>
+                  <a:srgbClr val="000000"/>
+                </a:solidFill>
+                <a:effectLst/>
+                <a:uLnTx/>
+                <a:uFillTx/>
+                <a:latin typeface="Consolas" panose="020B0609020204030204" pitchFamily="49" charset="0"/>
+                <a:ea typeface="+mn-ea"/>
+                <a:cs typeface="+mn-cs"/>
+              </a:rPr>
+              <a:t>/docker:18.09.7-dind</a:t>
+            </a:r>
+          </a:p>
+          <a:p>
+            <a:pPr marL="0" marR="0" lvl="0" indent="0" algn="l" defTabSz="914400" rtl="0" eaLnBrk="1" fontAlgn="base" latinLnBrk="0" hangingPunct="1">
+              <a:lnSpc>
+                <a:spcPct val="100000"/>
+              </a:lnSpc>
+              <a:spcBef>
+                <a:spcPct val="20000"/>
+              </a:spcBef>
+              <a:spcAft>
+                <a:spcPct val="0"/>
+              </a:spcAft>
+              <a:buClr>
+                <a:srgbClr val="008C5A"/>
+              </a:buClr>
+              <a:buSzTx/>
+              <a:buFont typeface="Monotype Sorts" pitchFamily="2" charset="2"/>
               <a:buNone/>
-            </a:pPr>
-            <a:r>
-              <a:rPr lang="en-US" dirty="0"/>
-              <a:t>Update the image and service to point to your registry.</a:t>
-            </a:r>
-          </a:p>
-          <a:p>
-            <a:pPr marL="0" indent="0" algn="l">
+              <a:tabLst/>
+              <a:defRPr/>
+            </a:pPr>
+            <a:r>
+              <a:rPr kumimoji="0" lang="en-US" sz="1600" b="0" i="0" u="none" strike="noStrike" kern="0" cap="none" spc="0" normalizeH="0" baseline="0" noProof="0" dirty="0">
+                <a:ln>
+                  <a:noFill/>
+                </a:ln>
+                <a:solidFill>
+                  <a:srgbClr val="000000"/>
+                </a:solidFill>
+                <a:effectLst/>
+                <a:uLnTx/>
+                <a:uFillTx/>
+                <a:latin typeface="Consolas" panose="020B0609020204030204" pitchFamily="49" charset="0"/>
+                <a:ea typeface="+mn-ea"/>
+                <a:cs typeface="+mn-cs"/>
+              </a:rPr>
+              <a:t>      </a:t>
+            </a:r>
+            <a:r>
+              <a:rPr kumimoji="0" lang="en-US" sz="1600" b="0" i="0" u="none" strike="noStrike" kern="0" cap="none" spc="0" normalizeH="0" baseline="0" noProof="0" dirty="0">
+                <a:ln>
+                  <a:noFill/>
+                </a:ln>
+                <a:solidFill>
+                  <a:srgbClr val="FF0000"/>
+                </a:solidFill>
+                <a:effectLst/>
+                <a:uLnTx/>
+                <a:uFillTx/>
+                <a:latin typeface="Consolas" panose="020B0609020204030204" pitchFamily="49" charset="0"/>
+                <a:ea typeface="+mn-ea"/>
+                <a:cs typeface="+mn-cs"/>
+              </a:rPr>
+              <a:t>alias</a:t>
+            </a:r>
+            <a:r>
+              <a:rPr kumimoji="0" lang="en-US" sz="1600" b="0" i="0" u="none" strike="noStrike" kern="0" cap="none" spc="0" normalizeH="0" baseline="0" noProof="0" dirty="0">
+                <a:ln>
+                  <a:noFill/>
+                </a:ln>
+                <a:solidFill>
+                  <a:srgbClr val="000000"/>
+                </a:solidFill>
+                <a:effectLst/>
+                <a:uLnTx/>
+                <a:uFillTx/>
+                <a:latin typeface="Consolas" panose="020B0609020204030204" pitchFamily="49" charset="0"/>
+                <a:ea typeface="+mn-ea"/>
+                <a:cs typeface="+mn-cs"/>
+              </a:rPr>
+              <a:t>: docker</a:t>
+            </a:r>
+          </a:p>
+          <a:p>
+            <a:pPr marL="0" marR="0" lvl="0" indent="0" algn="l" defTabSz="914400" rtl="0" eaLnBrk="1" fontAlgn="base" latinLnBrk="0" hangingPunct="1">
+              <a:lnSpc>
+                <a:spcPct val="100000"/>
+              </a:lnSpc>
+              <a:spcBef>
+                <a:spcPct val="20000"/>
+              </a:spcBef>
+              <a:spcAft>
+                <a:spcPct val="0"/>
+              </a:spcAft>
+              <a:buClr>
+                <a:srgbClr val="008C5A"/>
+              </a:buClr>
+              <a:buSzTx/>
+              <a:buFont typeface="Monotype Sorts" pitchFamily="2" charset="2"/>
               <a:buNone/>
-            </a:pPr>
-            <a:r>
-              <a:rPr lang="en-US" dirty="0"/>
-              <a:t>Add a service alias.</a:t>
-            </a:r>
-          </a:p>
-          <a:p>
-            <a:pPr marL="0" indent="0" algn="l">
+              <a:tabLst/>
+              <a:defRPr/>
+            </a:pPr>
+            <a:r>
+              <a:rPr kumimoji="0" lang="en-US" sz="1600" b="0" i="0" u="none" strike="noStrike" kern="0" cap="none" spc="0" normalizeH="0" baseline="0" noProof="0" dirty="0">
+                <a:ln>
+                  <a:noFill/>
+                </a:ln>
+                <a:solidFill>
+                  <a:srgbClr val="000000"/>
+                </a:solidFill>
+                <a:effectLst/>
+                <a:uLnTx/>
+                <a:uFillTx/>
+                <a:latin typeface="Consolas" panose="020B0609020204030204" pitchFamily="49" charset="0"/>
+                <a:ea typeface="+mn-ea"/>
+                <a:cs typeface="+mn-cs"/>
+              </a:rPr>
+              <a:t>  stage: build</a:t>
+            </a:r>
+          </a:p>
+          <a:p>
+            <a:pPr marL="0" marR="0" lvl="0" indent="0" algn="l" defTabSz="914400" rtl="0" eaLnBrk="1" fontAlgn="base" latinLnBrk="0" hangingPunct="1">
+              <a:lnSpc>
+                <a:spcPct val="100000"/>
+              </a:lnSpc>
+              <a:spcBef>
+                <a:spcPct val="20000"/>
+              </a:spcBef>
+              <a:spcAft>
+                <a:spcPct val="0"/>
+              </a:spcAft>
+              <a:buClr>
+                <a:srgbClr val="008C5A"/>
+              </a:buClr>
+              <a:buSzTx/>
+              <a:buFont typeface="Monotype Sorts" pitchFamily="2" charset="2"/>
               <a:buNone/>
-            </a:pPr>
-            <a:r>
-              <a:rPr lang="en-US" dirty="0"/>
-              <a:t>Your .</a:t>
-            </a:r>
-            <a:r>
-              <a:rPr lang="en-US" dirty="0" err="1"/>
-              <a:t>gitlab-ci.yml</a:t>
-            </a:r>
-            <a:r>
-              <a:rPr lang="en-US" dirty="0"/>
-              <a:t> should look similar to this:</a:t>
-            </a:r>
-          </a:p>
-          <a:p>
-            <a:pPr marL="0" indent="0" algn="l">
+              <a:tabLst/>
+              <a:defRPr/>
+            </a:pPr>
+            <a:r>
+              <a:rPr kumimoji="0" lang="en-US" sz="1600" b="0" i="0" u="none" strike="noStrike" kern="0" cap="none" spc="0" normalizeH="0" baseline="0" noProof="0" dirty="0">
+                <a:ln>
+                  <a:noFill/>
+                </a:ln>
+                <a:solidFill>
+                  <a:srgbClr val="000000"/>
+                </a:solidFill>
+                <a:effectLst/>
+                <a:uLnTx/>
+                <a:uFillTx/>
+                <a:latin typeface="Consolas" panose="020B0609020204030204" pitchFamily="49" charset="0"/>
+                <a:ea typeface="+mn-ea"/>
+                <a:cs typeface="+mn-cs"/>
+              </a:rPr>
+              <a:t>  script:</a:t>
+            </a:r>
+          </a:p>
+          <a:p>
+            <a:pPr marL="0" marR="0" lvl="0" indent="0" algn="l" defTabSz="914400" rtl="0" eaLnBrk="1" fontAlgn="base" latinLnBrk="0" hangingPunct="1">
+              <a:lnSpc>
+                <a:spcPct val="100000"/>
+              </a:lnSpc>
+              <a:spcBef>
+                <a:spcPct val="20000"/>
+              </a:spcBef>
+              <a:spcAft>
+                <a:spcPct val="0"/>
+              </a:spcAft>
+              <a:buClr>
+                <a:srgbClr val="008C5A"/>
+              </a:buClr>
+              <a:buSzTx/>
+              <a:buFont typeface="Monotype Sorts" pitchFamily="2" charset="2"/>
               <a:buNone/>
-            </a:pPr>
-            <a:endParaRPr lang="en-US" dirty="0"/>
-          </a:p>
-          <a:p>
-            <a:pPr marL="0" indent="0" algn="l">
+              <a:tabLst/>
+              <a:defRPr/>
+            </a:pPr>
+            <a:r>
+              <a:rPr kumimoji="0" lang="en-US" sz="1600" b="0" i="0" u="none" strike="noStrike" kern="0" cap="none" spc="0" normalizeH="0" baseline="0" noProof="0" dirty="0">
+                <a:ln>
+                  <a:noFill/>
+                </a:ln>
+                <a:solidFill>
+                  <a:srgbClr val="000000"/>
+                </a:solidFill>
+                <a:effectLst/>
+                <a:uLnTx/>
+                <a:uFillTx/>
+                <a:latin typeface="Consolas" panose="020B0609020204030204" pitchFamily="49" charset="0"/>
+                <a:ea typeface="+mn-ea"/>
+                <a:cs typeface="+mn-cs"/>
+              </a:rPr>
+              <a:t>    - docker build -t my-docker-image .</a:t>
+            </a:r>
+          </a:p>
+          <a:p>
+            <a:pPr marL="0" marR="0" lvl="0" indent="0" algn="l" defTabSz="914400" rtl="0" eaLnBrk="1" fontAlgn="base" latinLnBrk="0" hangingPunct="1">
+              <a:lnSpc>
+                <a:spcPct val="100000"/>
+              </a:lnSpc>
+              <a:spcBef>
+                <a:spcPct val="20000"/>
+              </a:spcBef>
+              <a:spcAft>
+                <a:spcPct val="0"/>
+              </a:spcAft>
+              <a:buClr>
+                <a:srgbClr val="008C5A"/>
+              </a:buClr>
+              <a:buSzTx/>
+              <a:buFont typeface="Monotype Sorts" pitchFamily="2" charset="2"/>
               <a:buNone/>
-            </a:pPr>
-            <a:r>
-              <a:rPr lang="en-US" dirty="0"/>
-              <a:t>build:</a:t>
-            </a:r>
-          </a:p>
-          <a:p>
-            <a:pPr marL="0" indent="0" algn="l">
-              <a:buNone/>
-            </a:pPr>
-            <a:r>
-              <a:rPr lang="en-US" dirty="0"/>
-              <a:t>  image: ${CI_DEPENDENCY_PROXY_GROUP_IMAGE_PREFIX}/docker:20.10.16</a:t>
-            </a:r>
-          </a:p>
-          <a:p>
-            <a:pPr marL="0" indent="0" algn="l">
-              <a:buNone/>
-            </a:pPr>
-            <a:r>
-              <a:rPr lang="en-US" dirty="0"/>
-              <a:t>  services:</a:t>
-            </a:r>
-          </a:p>
-          <a:p>
-            <a:pPr marL="0" indent="0" algn="l">
-              <a:buNone/>
-            </a:pPr>
-            <a:r>
-              <a:rPr lang="en-US" dirty="0"/>
-              <a:t>    - name: ${CI_DEPENDENCY_PROXY_GROUP_IMAGE_PREFIX}/docker:18.09.7-dind</a:t>
-            </a:r>
-          </a:p>
-          <a:p>
-            <a:pPr marL="0" indent="0" algn="l">
-              <a:buNone/>
-            </a:pPr>
-            <a:r>
-              <a:rPr lang="en-US" dirty="0"/>
-              <a:t>      alias: docker</a:t>
-            </a:r>
-          </a:p>
-          <a:p>
-            <a:pPr marL="0" indent="0" algn="l">
-              <a:buNone/>
-            </a:pPr>
-            <a:r>
-              <a:rPr lang="en-US" dirty="0"/>
-              <a:t>  stage: build</a:t>
-            </a:r>
-          </a:p>
-          <a:p>
-            <a:pPr marL="0" indent="0" algn="l">
-              <a:buNone/>
-            </a:pPr>
-            <a:r>
-              <a:rPr lang="en-US" dirty="0"/>
-              <a:t>  script:</a:t>
-            </a:r>
-          </a:p>
-          <a:p>
-            <a:pPr marL="0" indent="0" algn="l">
-              <a:buNone/>
-            </a:pPr>
-            <a:r>
-              <a:rPr lang="en-US" dirty="0"/>
-              <a:t>    - docker build -t my-docker-image .</a:t>
-            </a:r>
-          </a:p>
-          <a:p>
-            <a:pPr marL="0" indent="0" algn="l">
-              <a:buNone/>
-            </a:pPr>
-            <a:r>
-              <a:rPr lang="en-US" dirty="0"/>
+              <a:tabLst/>
+              <a:defRPr/>
+            </a:pPr>
+            <a:r>
+              <a:rPr kumimoji="0" lang="en-US" sz="1600" b="0" i="0" u="none" strike="noStrike" kern="0" cap="none" spc="0" normalizeH="0" baseline="0" noProof="0" dirty="0">
+                <a:ln>
+                  <a:noFill/>
+                </a:ln>
+                <a:solidFill>
+                  <a:srgbClr val="000000"/>
+                </a:solidFill>
+                <a:effectLst/>
+                <a:uLnTx/>
+                <a:uFillTx/>
+                <a:latin typeface="Consolas" panose="020B0609020204030204" pitchFamily="49" charset="0"/>
+                <a:ea typeface="+mn-ea"/>
+                <a:cs typeface="+mn-cs"/>
+              </a:rPr>
               <a:t>    - docker run my-docker-image /script/to/run/tests</a:t>
             </a:r>
-          </a:p>
-          <a:p>
-            <a:pPr marL="0" indent="0" algn="l">
-              <a:buNone/>
-            </a:pPr>
-            <a:endParaRPr lang="en-US" dirty="0"/>
-          </a:p>
-          <a:p>
-            <a:pPr marL="0" indent="0" algn="l">
-              <a:buNone/>
-            </a:pPr>
-            <a:r>
-              <a:rPr lang="en-US" dirty="0"/>
-              <a:t>If you forget to set the service alias, the container image can’t find the </a:t>
-            </a:r>
-            <a:r>
-              <a:rPr lang="en-US" dirty="0" err="1"/>
-              <a:t>dind</a:t>
-            </a:r>
-            <a:r>
-              <a:rPr lang="en-US" dirty="0"/>
-              <a:t> service, and an error like the following is shown:</a:t>
-            </a:r>
-          </a:p>
-          <a:p>
-            <a:pPr marL="0" indent="0" algn="l">
-              <a:buNone/>
-            </a:pPr>
-            <a:endParaRPr lang="en-US" dirty="0"/>
-          </a:p>
-          <a:p>
-            <a:pPr marL="0" indent="0" algn="l">
-              <a:buNone/>
-            </a:pPr>
-            <a:r>
-              <a:rPr lang="en-US" dirty="0"/>
-              <a:t>error during connect: Get http://docker:2376/v1.39/info: dial </a:t>
-            </a:r>
-            <a:r>
-              <a:rPr lang="en-US" dirty="0" err="1"/>
-              <a:t>tcp</a:t>
-            </a:r>
-            <a:r>
-              <a:rPr lang="en-US" dirty="0"/>
-              <a:t>: lookup docker o</a:t>
-            </a:r>
-            <a:endParaRPr lang="de-DE" dirty="0"/>
-          </a:p>
-          <a:p>
-            <a:pPr lvl="1">
-              <a:buFont typeface="Arial" panose="020B0604020202020204" pitchFamily="34" charset="0"/>
-              <a:buChar char="•"/>
-            </a:pPr>
-            <a:endParaRPr lang="de-DE" dirty="0"/>
+            <a:endParaRPr kumimoji="0" lang="en-US" sz="1200" b="0" i="0" u="none" strike="noStrike" kern="0" cap="none" spc="0" normalizeH="0" baseline="0" noProof="0" dirty="0">
+              <a:ln>
+                <a:noFill/>
+              </a:ln>
+              <a:solidFill>
+                <a:srgbClr val="000000"/>
+              </a:solidFill>
+              <a:effectLst/>
+              <a:uLnTx/>
+              <a:uFillTx/>
+              <a:latin typeface="Consolas" panose="020B0609020204030204" pitchFamily="49" charset="0"/>
+              <a:ea typeface="+mn-ea"/>
+              <a:cs typeface="+mn-cs"/>
+            </a:endParaRPr>
           </a:p>
         </p:txBody>
       </p:sp>
     </p:spTree>
     <p:extLst>
       <p:ext uri="{BB962C8B-B14F-4D97-AF65-F5344CB8AC3E}">
-        <p14:creationId xmlns:p14="http://schemas.microsoft.com/office/powerpoint/2010/main" val="1160348306"/>
+        <p14:creationId xmlns:p14="http://schemas.microsoft.com/office/powerpoint/2010/main" val="3865403592"/>
       </p:ext>
     </p:extLst>
   </p:cSld>
@@ -11651,7 +12933,7 @@
           <p:cNvPr id="2" name="Titel 1">
             <a:extLst>
               <a:ext uri="{FF2B5EF4-FFF2-40B4-BE49-F238E27FC236}">
-                <a16:creationId xmlns:a16="http://schemas.microsoft.com/office/drawing/2014/main" id="{DB1F447C-2F61-B060-8EFE-D98620927A6E}"/>
+                <a16:creationId xmlns:a16="http://schemas.microsoft.com/office/drawing/2014/main" id="{021C1D90-AB38-D152-26B9-E4AB49CCFEE9}"/>
               </a:ext>
             </a:extLst>
           </p:cNvPr>
@@ -11667,6 +12949,18 @@
           <a:bodyPr/>
           <a:lstStyle/>
           <a:p>
+            <a:r>
+              <a:rPr lang="de-DE" cap="none" dirty="0"/>
+              <a:t>Release- und </a:t>
+            </a:r>
+            <a:r>
+              <a:rPr lang="de-DE" cap="none" dirty="0" err="1"/>
+              <a:t>Tagged</a:t>
+            </a:r>
+            <a:r>
+              <a:rPr lang="de-DE" cap="none" dirty="0"/>
+              <a:t>-Images</a:t>
+            </a:r>
             <a:endParaRPr lang="de-DE" dirty="0"/>
           </a:p>
         </p:txBody>
@@ -11676,7 +12970,7 @@
           <p:cNvPr id="3" name="Inhaltsplatzhalter 2">
             <a:extLst>
               <a:ext uri="{FF2B5EF4-FFF2-40B4-BE49-F238E27FC236}">
-                <a16:creationId xmlns:a16="http://schemas.microsoft.com/office/drawing/2014/main" id="{68EC2247-CA50-F34D-5B3B-2171A8AD687B}"/>
+                <a16:creationId xmlns:a16="http://schemas.microsoft.com/office/drawing/2014/main" id="{01B30DD9-6590-DB7B-37D7-65618A4BAC0E}"/>
               </a:ext>
             </a:extLst>
           </p:cNvPr>
@@ -11692,36 +12986,755 @@
           <a:bodyPr/>
           <a:lstStyle/>
           <a:p>
-            <a:r>
-              <a:rPr lang="de-DE" dirty="0" err="1"/>
-              <a:t>Dependency</a:t>
-            </a:r>
-            <a:r>
-              <a:rPr lang="de-DE" dirty="0"/>
-              <a:t> Proxy:</a:t>
-            </a:r>
-          </a:p>
-          <a:p>
-            <a:r>
-              <a:rPr lang="de-DE" dirty="0">
-                <a:hlinkClick r:id="rId2"/>
-              </a:rPr>
-              <a:t>https://docs.gitlab.com/ee/user/packages/dependency_proxy/</a:t>
-            </a:r>
-            <a:endParaRPr lang="de-DE" dirty="0"/>
-          </a:p>
-          <a:p>
             <a:pPr marL="0" indent="0">
               <a:buNone/>
             </a:pPr>
-            <a:endParaRPr lang="de-DE" dirty="0"/>
+            <a:r>
+              <a:rPr lang="en-US" b="1" dirty="0"/>
+              <a:t>Docker-in-Docker Container Image </a:t>
+            </a:r>
+            <a:r>
+              <a:rPr lang="en-US" sz="2000" b="1" dirty="0"/>
+              <a:t>(</a:t>
+            </a:r>
+            <a:r>
+              <a:rPr lang="en-US" sz="2000" b="1" dirty="0">
+                <a:solidFill>
+                  <a:srgbClr val="0249FC"/>
+                </a:solidFill>
+              </a:rPr>
+              <a:t>Dependency Proxy</a:t>
+            </a:r>
+            <a:r>
+              <a:rPr lang="en-US" sz="2000" b="1" dirty="0"/>
+              <a:t>)</a:t>
+            </a:r>
+            <a:endParaRPr lang="en-US" sz="2000" dirty="0">
+              <a:latin typeface="Consolas" panose="020B0609020204030204" pitchFamily="49" charset="0"/>
+            </a:endParaRPr>
+          </a:p>
+          <a:p>
+            <a:pPr marL="0" indent="0">
+              <a:buNone/>
+            </a:pPr>
+            <a:r>
+              <a:rPr lang="en-US" sz="2000" dirty="0">
+                <a:latin typeface="Consolas" panose="020B0609020204030204" pitchFamily="49" charset="0"/>
+              </a:rPr>
+              <a:t>.</a:t>
+            </a:r>
+            <a:r>
+              <a:rPr lang="en-US" sz="2000" dirty="0" err="1">
+                <a:latin typeface="Consolas" panose="020B0609020204030204" pitchFamily="49" charset="0"/>
+              </a:rPr>
+              <a:t>gitlab-ci.yml</a:t>
+            </a:r>
+            <a:endParaRPr lang="en-US" sz="2000" dirty="0">
+              <a:latin typeface="Consolas" panose="020B0609020204030204" pitchFamily="49" charset="0"/>
+            </a:endParaRPr>
+          </a:p>
+          <a:p>
+            <a:pPr marL="0" marR="0" lvl="0" indent="0" algn="l" defTabSz="914400" rtl="0" eaLnBrk="1" fontAlgn="base" latinLnBrk="0" hangingPunct="1">
+              <a:lnSpc>
+                <a:spcPct val="100000"/>
+              </a:lnSpc>
+              <a:spcBef>
+                <a:spcPct val="20000"/>
+              </a:spcBef>
+              <a:spcAft>
+                <a:spcPct val="0"/>
+              </a:spcAft>
+              <a:buClr>
+                <a:srgbClr val="008C5A"/>
+              </a:buClr>
+              <a:buSzTx/>
+              <a:buFont typeface="Monotype Sorts" pitchFamily="2" charset="2"/>
+              <a:buNone/>
+              <a:tabLst/>
+              <a:defRPr/>
+            </a:pPr>
+            <a:r>
+              <a:rPr kumimoji="0" lang="en-US" sz="1600" b="0" i="0" u="none" strike="noStrike" kern="0" cap="none" spc="0" normalizeH="0" baseline="0" noProof="0" dirty="0">
+                <a:ln>
+                  <a:noFill/>
+                </a:ln>
+                <a:solidFill>
+                  <a:srgbClr val="000000"/>
+                </a:solidFill>
+                <a:effectLst/>
+                <a:uLnTx/>
+                <a:uFillTx/>
+                <a:latin typeface="Consolas" panose="020B0609020204030204" pitchFamily="49" charset="0"/>
+                <a:ea typeface="+mn-ea"/>
+                <a:cs typeface="+mn-cs"/>
+              </a:rPr>
+              <a:t>build:</a:t>
+            </a:r>
+          </a:p>
+          <a:p>
+            <a:pPr marL="0" marR="0" lvl="0" indent="0" algn="l" defTabSz="914400" rtl="0" eaLnBrk="1" fontAlgn="base" latinLnBrk="0" hangingPunct="1">
+              <a:lnSpc>
+                <a:spcPct val="100000"/>
+              </a:lnSpc>
+              <a:spcBef>
+                <a:spcPct val="20000"/>
+              </a:spcBef>
+              <a:spcAft>
+                <a:spcPct val="0"/>
+              </a:spcAft>
+              <a:buClr>
+                <a:srgbClr val="008C5A"/>
+              </a:buClr>
+              <a:buSzTx/>
+              <a:buFont typeface="Monotype Sorts" pitchFamily="2" charset="2"/>
+              <a:buNone/>
+              <a:tabLst/>
+              <a:defRPr/>
+            </a:pPr>
+            <a:r>
+              <a:rPr kumimoji="0" lang="en-US" sz="1600" b="0" i="0" u="none" strike="noStrike" kern="0" cap="none" spc="0" normalizeH="0" baseline="0" noProof="0" dirty="0">
+                <a:ln>
+                  <a:noFill/>
+                </a:ln>
+                <a:solidFill>
+                  <a:srgbClr val="000000"/>
+                </a:solidFill>
+                <a:effectLst/>
+                <a:uLnTx/>
+                <a:uFillTx/>
+                <a:latin typeface="Consolas" panose="020B0609020204030204" pitchFamily="49" charset="0"/>
+                <a:ea typeface="+mn-ea"/>
+                <a:cs typeface="+mn-cs"/>
+              </a:rPr>
+              <a:t>  </a:t>
+            </a:r>
+            <a:r>
+              <a:rPr kumimoji="0" lang="en-US" sz="1600" b="0" i="0" u="none" strike="noStrike" kern="0" cap="none" spc="0" normalizeH="0" baseline="0" noProof="0" dirty="0">
+                <a:ln>
+                  <a:noFill/>
+                </a:ln>
+                <a:solidFill>
+                  <a:srgbClr val="FF0000"/>
+                </a:solidFill>
+                <a:effectLst/>
+                <a:uLnTx/>
+                <a:uFillTx/>
+                <a:latin typeface="Consolas" panose="020B0609020204030204" pitchFamily="49" charset="0"/>
+                <a:ea typeface="+mn-ea"/>
+                <a:cs typeface="+mn-cs"/>
+              </a:rPr>
+              <a:t>image</a:t>
+            </a:r>
+            <a:r>
+              <a:rPr kumimoji="0" lang="en-US" sz="1600" b="0" i="0" u="none" strike="noStrike" kern="0" cap="none" spc="0" normalizeH="0" baseline="0" noProof="0" dirty="0">
+                <a:ln>
+                  <a:noFill/>
+                </a:ln>
+                <a:solidFill>
+                  <a:srgbClr val="000000"/>
+                </a:solidFill>
+                <a:effectLst/>
+                <a:uLnTx/>
+                <a:uFillTx/>
+                <a:latin typeface="Consolas" panose="020B0609020204030204" pitchFamily="49" charset="0"/>
+                <a:ea typeface="+mn-ea"/>
+                <a:cs typeface="+mn-cs"/>
+              </a:rPr>
+              <a:t>: </a:t>
+            </a:r>
+            <a:r>
+              <a:rPr kumimoji="0" lang="en-US" sz="1600" b="0" i="0" u="none" strike="noStrike" kern="0" cap="none" spc="0" normalizeH="0" baseline="0" noProof="0" dirty="0">
+                <a:ln>
+                  <a:noFill/>
+                </a:ln>
+                <a:solidFill>
+                  <a:srgbClr val="0249FC"/>
+                </a:solidFill>
+                <a:effectLst/>
+                <a:uLnTx/>
+                <a:uFillTx/>
+                <a:latin typeface="Consolas" panose="020B0609020204030204" pitchFamily="49" charset="0"/>
+                <a:ea typeface="+mn-ea"/>
+                <a:cs typeface="+mn-cs"/>
+              </a:rPr>
+              <a:t>${CI_DEPENDENCY_PROXY_GROUP_IMAGE_PREFIX}</a:t>
+            </a:r>
+            <a:r>
+              <a:rPr kumimoji="0" lang="en-US" sz="1600" b="0" i="0" u="none" strike="noStrike" kern="0" cap="none" spc="0" normalizeH="0" baseline="0" noProof="0" dirty="0">
+                <a:ln>
+                  <a:noFill/>
+                </a:ln>
+                <a:solidFill>
+                  <a:srgbClr val="000000"/>
+                </a:solidFill>
+                <a:effectLst/>
+                <a:uLnTx/>
+                <a:uFillTx/>
+                <a:latin typeface="Consolas" panose="020B0609020204030204" pitchFamily="49" charset="0"/>
+                <a:ea typeface="+mn-ea"/>
+                <a:cs typeface="+mn-cs"/>
+              </a:rPr>
+              <a:t>/docker:20.10.16</a:t>
+            </a:r>
+          </a:p>
+          <a:p>
+            <a:pPr marL="0" marR="0" lvl="0" indent="0" algn="l" defTabSz="914400" rtl="0" eaLnBrk="1" fontAlgn="base" latinLnBrk="0" hangingPunct="1">
+              <a:lnSpc>
+                <a:spcPct val="100000"/>
+              </a:lnSpc>
+              <a:spcBef>
+                <a:spcPct val="20000"/>
+              </a:spcBef>
+              <a:spcAft>
+                <a:spcPct val="0"/>
+              </a:spcAft>
+              <a:buClr>
+                <a:srgbClr val="008C5A"/>
+              </a:buClr>
+              <a:buSzTx/>
+              <a:buFont typeface="Monotype Sorts" pitchFamily="2" charset="2"/>
+              <a:buNone/>
+              <a:tabLst/>
+              <a:defRPr/>
+            </a:pPr>
+            <a:r>
+              <a:rPr kumimoji="0" lang="en-US" sz="1600" b="0" i="0" u="none" strike="noStrike" kern="0" cap="none" spc="0" normalizeH="0" baseline="0" noProof="0" dirty="0">
+                <a:ln>
+                  <a:noFill/>
+                </a:ln>
+                <a:solidFill>
+                  <a:srgbClr val="000000"/>
+                </a:solidFill>
+                <a:effectLst/>
+                <a:uLnTx/>
+                <a:uFillTx/>
+                <a:latin typeface="Consolas" panose="020B0609020204030204" pitchFamily="49" charset="0"/>
+                <a:ea typeface="+mn-ea"/>
+                <a:cs typeface="+mn-cs"/>
+              </a:rPr>
+              <a:t>  </a:t>
+            </a:r>
+            <a:r>
+              <a:rPr kumimoji="0" lang="en-US" sz="1600" b="0" i="0" u="none" strike="noStrike" kern="0" cap="none" spc="0" normalizeH="0" baseline="0" noProof="0" dirty="0">
+                <a:ln>
+                  <a:noFill/>
+                </a:ln>
+                <a:solidFill>
+                  <a:srgbClr val="FF0000"/>
+                </a:solidFill>
+                <a:effectLst/>
+                <a:uLnTx/>
+                <a:uFillTx/>
+                <a:latin typeface="Consolas" panose="020B0609020204030204" pitchFamily="49" charset="0"/>
+                <a:ea typeface="+mn-ea"/>
+                <a:cs typeface="+mn-cs"/>
+              </a:rPr>
+              <a:t>services</a:t>
+            </a:r>
+            <a:r>
+              <a:rPr kumimoji="0" lang="en-US" sz="1600" b="0" i="0" u="none" strike="noStrike" kern="0" cap="none" spc="0" normalizeH="0" baseline="0" noProof="0" dirty="0">
+                <a:ln>
+                  <a:noFill/>
+                </a:ln>
+                <a:solidFill>
+                  <a:srgbClr val="000000"/>
+                </a:solidFill>
+                <a:effectLst/>
+                <a:uLnTx/>
+                <a:uFillTx/>
+                <a:latin typeface="Consolas" panose="020B0609020204030204" pitchFamily="49" charset="0"/>
+                <a:ea typeface="+mn-ea"/>
+                <a:cs typeface="+mn-cs"/>
+              </a:rPr>
+              <a:t>:</a:t>
+            </a:r>
+          </a:p>
+          <a:p>
+            <a:pPr marL="0" marR="0" lvl="0" indent="0" algn="l" defTabSz="914400" rtl="0" eaLnBrk="1" fontAlgn="base" latinLnBrk="0" hangingPunct="1">
+              <a:lnSpc>
+                <a:spcPct val="100000"/>
+              </a:lnSpc>
+              <a:spcBef>
+                <a:spcPct val="20000"/>
+              </a:spcBef>
+              <a:spcAft>
+                <a:spcPct val="0"/>
+              </a:spcAft>
+              <a:buClr>
+                <a:srgbClr val="008C5A"/>
+              </a:buClr>
+              <a:buSzTx/>
+              <a:buFont typeface="Monotype Sorts" pitchFamily="2" charset="2"/>
+              <a:buNone/>
+              <a:tabLst/>
+              <a:defRPr/>
+            </a:pPr>
+            <a:r>
+              <a:rPr kumimoji="0" lang="en-US" sz="1600" b="0" i="0" u="none" strike="noStrike" kern="0" cap="none" spc="0" normalizeH="0" baseline="0" noProof="0" dirty="0">
+                <a:ln>
+                  <a:noFill/>
+                </a:ln>
+                <a:solidFill>
+                  <a:srgbClr val="000000"/>
+                </a:solidFill>
+                <a:effectLst/>
+                <a:uLnTx/>
+                <a:uFillTx/>
+                <a:latin typeface="Consolas" panose="020B0609020204030204" pitchFamily="49" charset="0"/>
+                <a:ea typeface="+mn-ea"/>
+                <a:cs typeface="+mn-cs"/>
+              </a:rPr>
+              <a:t>    - name: </a:t>
+            </a:r>
+            <a:r>
+              <a:rPr kumimoji="0" lang="en-US" sz="1600" b="0" i="0" u="none" strike="noStrike" kern="0" cap="none" spc="0" normalizeH="0" baseline="0" noProof="0" dirty="0">
+                <a:ln>
+                  <a:noFill/>
+                </a:ln>
+                <a:solidFill>
+                  <a:srgbClr val="0249FC"/>
+                </a:solidFill>
+                <a:effectLst/>
+                <a:uLnTx/>
+                <a:uFillTx/>
+                <a:latin typeface="Consolas" panose="020B0609020204030204" pitchFamily="49" charset="0"/>
+                <a:ea typeface="+mn-ea"/>
+                <a:cs typeface="+mn-cs"/>
+              </a:rPr>
+              <a:t>${CI_DEPENDENCY_PROXY_GROUP_IMAGE_PREFIX}</a:t>
+            </a:r>
+            <a:r>
+              <a:rPr kumimoji="0" lang="en-US" sz="1600" b="0" i="0" u="none" strike="noStrike" kern="0" cap="none" spc="0" normalizeH="0" baseline="0" noProof="0" dirty="0">
+                <a:ln>
+                  <a:noFill/>
+                </a:ln>
+                <a:solidFill>
+                  <a:srgbClr val="000000"/>
+                </a:solidFill>
+                <a:effectLst/>
+                <a:uLnTx/>
+                <a:uFillTx/>
+                <a:latin typeface="Consolas" panose="020B0609020204030204" pitchFamily="49" charset="0"/>
+                <a:ea typeface="+mn-ea"/>
+                <a:cs typeface="+mn-cs"/>
+              </a:rPr>
+              <a:t>/docker:18.09.7-dind</a:t>
+            </a:r>
+          </a:p>
+          <a:p>
+            <a:pPr marL="0" marR="0" lvl="0" indent="0" algn="l" defTabSz="914400" rtl="0" eaLnBrk="1" fontAlgn="base" latinLnBrk="0" hangingPunct="1">
+              <a:lnSpc>
+                <a:spcPct val="100000"/>
+              </a:lnSpc>
+              <a:spcBef>
+                <a:spcPct val="20000"/>
+              </a:spcBef>
+              <a:spcAft>
+                <a:spcPct val="0"/>
+              </a:spcAft>
+              <a:buClr>
+                <a:srgbClr val="008C5A"/>
+              </a:buClr>
+              <a:buSzTx/>
+              <a:buFont typeface="Monotype Sorts" pitchFamily="2" charset="2"/>
+              <a:buNone/>
+              <a:tabLst/>
+              <a:defRPr/>
+            </a:pPr>
+            <a:r>
+              <a:rPr kumimoji="0" lang="en-US" sz="1600" b="0" i="0" u="none" strike="noStrike" kern="0" cap="none" spc="0" normalizeH="0" baseline="0" noProof="0" dirty="0">
+                <a:ln>
+                  <a:noFill/>
+                </a:ln>
+                <a:solidFill>
+                  <a:srgbClr val="000000"/>
+                </a:solidFill>
+                <a:effectLst/>
+                <a:uLnTx/>
+                <a:uFillTx/>
+                <a:latin typeface="Consolas" panose="020B0609020204030204" pitchFamily="49" charset="0"/>
+                <a:ea typeface="+mn-ea"/>
+                <a:cs typeface="+mn-cs"/>
+              </a:rPr>
+              <a:t>      </a:t>
+            </a:r>
+            <a:r>
+              <a:rPr kumimoji="0" lang="en-US" sz="1600" b="0" i="0" u="none" strike="noStrike" kern="0" cap="none" spc="0" normalizeH="0" baseline="0" noProof="0" dirty="0">
+                <a:ln>
+                  <a:noFill/>
+                </a:ln>
+                <a:solidFill>
+                  <a:srgbClr val="FF0000"/>
+                </a:solidFill>
+                <a:effectLst/>
+                <a:uLnTx/>
+                <a:uFillTx/>
+                <a:latin typeface="Consolas" panose="020B0609020204030204" pitchFamily="49" charset="0"/>
+                <a:ea typeface="+mn-ea"/>
+                <a:cs typeface="+mn-cs"/>
+              </a:rPr>
+              <a:t>alias</a:t>
+            </a:r>
+            <a:r>
+              <a:rPr kumimoji="0" lang="en-US" sz="1600" b="0" i="0" u="none" strike="noStrike" kern="0" cap="none" spc="0" normalizeH="0" baseline="0" noProof="0" dirty="0">
+                <a:ln>
+                  <a:noFill/>
+                </a:ln>
+                <a:solidFill>
+                  <a:srgbClr val="000000"/>
+                </a:solidFill>
+                <a:effectLst/>
+                <a:uLnTx/>
+                <a:uFillTx/>
+                <a:latin typeface="Consolas" panose="020B0609020204030204" pitchFamily="49" charset="0"/>
+                <a:ea typeface="+mn-ea"/>
+                <a:cs typeface="+mn-cs"/>
+              </a:rPr>
+              <a:t>: docker</a:t>
+            </a:r>
+          </a:p>
+          <a:p>
+            <a:pPr marL="0" marR="0" lvl="0" indent="0" algn="l" defTabSz="914400" rtl="0" eaLnBrk="1" fontAlgn="base" latinLnBrk="0" hangingPunct="1">
+              <a:lnSpc>
+                <a:spcPct val="100000"/>
+              </a:lnSpc>
+              <a:spcBef>
+                <a:spcPct val="20000"/>
+              </a:spcBef>
+              <a:spcAft>
+                <a:spcPct val="0"/>
+              </a:spcAft>
+              <a:buClr>
+                <a:srgbClr val="008C5A"/>
+              </a:buClr>
+              <a:buSzTx/>
+              <a:buFont typeface="Monotype Sorts" pitchFamily="2" charset="2"/>
+              <a:buNone/>
+              <a:tabLst/>
+              <a:defRPr/>
+            </a:pPr>
+            <a:r>
+              <a:rPr kumimoji="0" lang="en-US" sz="1600" b="0" i="0" u="none" strike="noStrike" kern="0" cap="none" spc="0" normalizeH="0" baseline="0" noProof="0" dirty="0">
+                <a:ln>
+                  <a:noFill/>
+                </a:ln>
+                <a:solidFill>
+                  <a:srgbClr val="000000"/>
+                </a:solidFill>
+                <a:effectLst/>
+                <a:uLnTx/>
+                <a:uFillTx/>
+                <a:latin typeface="Consolas" panose="020B0609020204030204" pitchFamily="49" charset="0"/>
+                <a:ea typeface="+mn-ea"/>
+                <a:cs typeface="+mn-cs"/>
+              </a:rPr>
+              <a:t>  stage: build</a:t>
+            </a:r>
+          </a:p>
+          <a:p>
+            <a:pPr marL="0" marR="0" lvl="0" indent="0" algn="l" defTabSz="914400" rtl="0" eaLnBrk="1" fontAlgn="base" latinLnBrk="0" hangingPunct="1">
+              <a:lnSpc>
+                <a:spcPct val="100000"/>
+              </a:lnSpc>
+              <a:spcBef>
+                <a:spcPct val="20000"/>
+              </a:spcBef>
+              <a:spcAft>
+                <a:spcPct val="0"/>
+              </a:spcAft>
+              <a:buClr>
+                <a:srgbClr val="008C5A"/>
+              </a:buClr>
+              <a:buSzTx/>
+              <a:buFont typeface="Monotype Sorts" pitchFamily="2" charset="2"/>
+              <a:buNone/>
+              <a:tabLst/>
+              <a:defRPr/>
+            </a:pPr>
+            <a:r>
+              <a:rPr kumimoji="0" lang="en-US" sz="1600" b="0" i="0" u="none" strike="noStrike" kern="0" cap="none" spc="0" normalizeH="0" baseline="0" noProof="0" dirty="0">
+                <a:ln>
+                  <a:noFill/>
+                </a:ln>
+                <a:solidFill>
+                  <a:srgbClr val="000000"/>
+                </a:solidFill>
+                <a:effectLst/>
+                <a:uLnTx/>
+                <a:uFillTx/>
+                <a:latin typeface="Consolas" panose="020B0609020204030204" pitchFamily="49" charset="0"/>
+                <a:ea typeface="+mn-ea"/>
+                <a:cs typeface="+mn-cs"/>
+              </a:rPr>
+              <a:t>  script:</a:t>
+            </a:r>
+          </a:p>
+          <a:p>
+            <a:pPr marL="0" marR="0" lvl="0" indent="0" algn="l" defTabSz="914400" rtl="0" eaLnBrk="1" fontAlgn="base" latinLnBrk="0" hangingPunct="1">
+              <a:lnSpc>
+                <a:spcPct val="100000"/>
+              </a:lnSpc>
+              <a:spcBef>
+                <a:spcPct val="20000"/>
+              </a:spcBef>
+              <a:spcAft>
+                <a:spcPct val="0"/>
+              </a:spcAft>
+              <a:buClr>
+                <a:srgbClr val="008C5A"/>
+              </a:buClr>
+              <a:buSzTx/>
+              <a:buFont typeface="Monotype Sorts" pitchFamily="2" charset="2"/>
+              <a:buNone/>
+              <a:tabLst/>
+              <a:defRPr/>
+            </a:pPr>
+            <a:r>
+              <a:rPr kumimoji="0" lang="en-US" sz="1600" b="0" i="0" u="none" strike="noStrike" kern="0" cap="none" spc="0" normalizeH="0" baseline="0" noProof="0" dirty="0">
+                <a:ln>
+                  <a:noFill/>
+                </a:ln>
+                <a:solidFill>
+                  <a:srgbClr val="000000"/>
+                </a:solidFill>
+                <a:effectLst/>
+                <a:uLnTx/>
+                <a:uFillTx/>
+                <a:latin typeface="Consolas" panose="020B0609020204030204" pitchFamily="49" charset="0"/>
+                <a:ea typeface="+mn-ea"/>
+                <a:cs typeface="+mn-cs"/>
+              </a:rPr>
+              <a:t>    - docker build -t my-docker-image .</a:t>
+            </a:r>
+          </a:p>
+          <a:p>
+            <a:pPr marL="0" marR="0" lvl="0" indent="0" algn="l" defTabSz="914400" rtl="0" eaLnBrk="1" fontAlgn="base" latinLnBrk="0" hangingPunct="1">
+              <a:lnSpc>
+                <a:spcPct val="100000"/>
+              </a:lnSpc>
+              <a:spcBef>
+                <a:spcPct val="20000"/>
+              </a:spcBef>
+              <a:spcAft>
+                <a:spcPct val="0"/>
+              </a:spcAft>
+              <a:buClr>
+                <a:srgbClr val="008C5A"/>
+              </a:buClr>
+              <a:buSzTx/>
+              <a:buFont typeface="Monotype Sorts" pitchFamily="2" charset="2"/>
+              <a:buNone/>
+              <a:tabLst/>
+              <a:defRPr/>
+            </a:pPr>
+            <a:r>
+              <a:rPr kumimoji="0" lang="en-US" sz="1600" b="0" i="0" u="none" strike="noStrike" kern="0" cap="none" spc="0" normalizeH="0" baseline="0" noProof="0" dirty="0">
+                <a:ln>
+                  <a:noFill/>
+                </a:ln>
+                <a:solidFill>
+                  <a:srgbClr val="000000"/>
+                </a:solidFill>
+                <a:effectLst/>
+                <a:uLnTx/>
+                <a:uFillTx/>
+                <a:latin typeface="Consolas" panose="020B0609020204030204" pitchFamily="49" charset="0"/>
+                <a:ea typeface="+mn-ea"/>
+                <a:cs typeface="+mn-cs"/>
+              </a:rPr>
+              <a:t>    - docker run my-docker-image /script/to/run/tests</a:t>
+            </a:r>
+            <a:endParaRPr kumimoji="0" lang="en-US" sz="1200" b="0" i="0" u="none" strike="noStrike" kern="0" cap="none" spc="0" normalizeH="0" baseline="0" noProof="0" dirty="0">
+              <a:ln>
+                <a:noFill/>
+              </a:ln>
+              <a:solidFill>
+                <a:srgbClr val="000000"/>
+              </a:solidFill>
+              <a:effectLst/>
+              <a:uLnTx/>
+              <a:uFillTx/>
+              <a:latin typeface="Consolas" panose="020B0609020204030204" pitchFamily="49" charset="0"/>
+              <a:ea typeface="+mn-ea"/>
+              <a:cs typeface="+mn-cs"/>
+            </a:endParaRPr>
+          </a:p>
+          <a:p>
+            <a:pPr marL="0" indent="0">
+              <a:buNone/>
+            </a:pPr>
+            <a:endParaRPr lang="en-US" sz="1600" dirty="0">
+              <a:latin typeface="Consolas" panose="020B0609020204030204" pitchFamily="49" charset="0"/>
+            </a:endParaRPr>
+          </a:p>
+          <a:p>
+            <a:pPr>
+              <a:buFont typeface="Arial" panose="020B0604020202020204" pitchFamily="34" charset="0"/>
+              <a:buChar char="•"/>
+            </a:pPr>
+            <a:r>
+              <a:rPr lang="en-US" sz="2000" dirty="0" err="1">
+                <a:latin typeface="+mj-lt"/>
+              </a:rPr>
+              <a:t>Ohne</a:t>
+            </a:r>
+            <a:r>
+              <a:rPr lang="en-US" sz="2000" dirty="0">
+                <a:latin typeface="+mj-lt"/>
+              </a:rPr>
+              <a:t> </a:t>
+            </a:r>
+            <a:r>
+              <a:rPr lang="en-US" sz="2000" dirty="0">
+                <a:solidFill>
+                  <a:srgbClr val="FF0000"/>
+                </a:solidFill>
+                <a:latin typeface="+mj-lt"/>
+              </a:rPr>
+              <a:t>service alias </a:t>
+            </a:r>
+            <a:r>
+              <a:rPr lang="en-US" sz="2000" dirty="0" err="1">
+                <a:latin typeface="+mj-lt"/>
+              </a:rPr>
+              <a:t>kann</a:t>
+            </a:r>
+            <a:r>
+              <a:rPr lang="en-US" sz="2000" dirty="0">
+                <a:latin typeface="+mj-lt"/>
+              </a:rPr>
+              <a:t> das Container Image den </a:t>
+            </a:r>
+            <a:r>
+              <a:rPr lang="en-US" sz="2000" dirty="0" err="1">
+                <a:latin typeface="Consolas" panose="020B0609020204030204" pitchFamily="49" charset="0"/>
+              </a:rPr>
+              <a:t>dind</a:t>
+            </a:r>
+            <a:r>
+              <a:rPr lang="en-US" sz="2000" dirty="0">
+                <a:latin typeface="+mj-lt"/>
+              </a:rPr>
+              <a:t> service </a:t>
+            </a:r>
+            <a:r>
+              <a:rPr lang="en-US" sz="2000" dirty="0" err="1">
+                <a:latin typeface="+mj-lt"/>
+              </a:rPr>
+              <a:t>nicht</a:t>
+            </a:r>
+            <a:r>
+              <a:rPr lang="en-US" sz="2000" dirty="0">
+                <a:latin typeface="+mj-lt"/>
+              </a:rPr>
+              <a:t> </a:t>
+            </a:r>
+            <a:r>
+              <a:rPr lang="en-US" sz="2000" dirty="0" err="1">
+                <a:latin typeface="+mj-lt"/>
+              </a:rPr>
+              <a:t>finden</a:t>
+            </a:r>
+            <a:r>
+              <a:rPr lang="en-US" sz="2000" dirty="0">
+                <a:latin typeface="+mj-lt"/>
+              </a:rPr>
+              <a:t> und </a:t>
+            </a:r>
+            <a:r>
+              <a:rPr lang="en-US" sz="2000" dirty="0" err="1">
+                <a:latin typeface="+mj-lt"/>
+              </a:rPr>
+              <a:t>folgende</a:t>
+            </a:r>
+            <a:r>
+              <a:rPr lang="en-US" sz="2000" dirty="0">
+                <a:latin typeface="+mj-lt"/>
+              </a:rPr>
+              <a:t> </a:t>
+            </a:r>
+            <a:r>
+              <a:rPr lang="en-US" sz="2000" dirty="0" err="1">
+                <a:latin typeface="+mj-lt"/>
+              </a:rPr>
+              <a:t>Fehlermeldung</a:t>
+            </a:r>
+            <a:r>
+              <a:rPr lang="en-US" sz="2000" dirty="0">
+                <a:latin typeface="+mj-lt"/>
+              </a:rPr>
+              <a:t> </a:t>
+            </a:r>
+            <a:r>
+              <a:rPr lang="en-US" sz="2000" dirty="0" err="1">
+                <a:latin typeface="+mj-lt"/>
+              </a:rPr>
+              <a:t>erscheint</a:t>
+            </a:r>
+            <a:r>
+              <a:rPr lang="en-US" sz="2000" dirty="0">
+                <a:latin typeface="+mj-lt"/>
+              </a:rPr>
+              <a:t>:</a:t>
+            </a:r>
+          </a:p>
+          <a:p>
+            <a:pPr lvl="1">
+              <a:buFont typeface="Arial" panose="020B0604020202020204" pitchFamily="34" charset="0"/>
+              <a:buChar char="•"/>
+            </a:pPr>
+            <a:r>
+              <a:rPr lang="en-US" sz="1600" dirty="0">
+                <a:latin typeface="Consolas" panose="020B0609020204030204" pitchFamily="49" charset="0"/>
+              </a:rPr>
+              <a:t>error during connect: Get http://docker:2376/v1.39/info: dial </a:t>
+            </a:r>
+            <a:r>
+              <a:rPr lang="en-US" sz="1600" dirty="0" err="1">
+                <a:latin typeface="Consolas" panose="020B0609020204030204" pitchFamily="49" charset="0"/>
+              </a:rPr>
+              <a:t>tcp</a:t>
+            </a:r>
+            <a:r>
+              <a:rPr lang="en-US" sz="1600" dirty="0">
+                <a:latin typeface="Consolas" panose="020B0609020204030204" pitchFamily="49" charset="0"/>
+              </a:rPr>
+              <a:t>: lookup docker on 192.168.0.1:53: no such host</a:t>
+            </a:r>
+          </a:p>
+          <a:p>
+            <a:pPr lvl="1">
+              <a:buFont typeface="Arial" panose="020B0604020202020204" pitchFamily="34" charset="0"/>
+              <a:buChar char="•"/>
+            </a:pPr>
+            <a:endParaRPr lang="en-US" sz="1600" dirty="0">
+              <a:latin typeface="Consolas" panose="020B0609020204030204" pitchFamily="49" charset="0"/>
+            </a:endParaRPr>
+          </a:p>
+          <a:p>
+            <a:pPr lvl="1">
+              <a:buFont typeface="Arial" panose="020B0604020202020204" pitchFamily="34" charset="0"/>
+              <a:buChar char="•"/>
+            </a:pPr>
+            <a:endParaRPr lang="en-US" sz="1600" dirty="0">
+              <a:latin typeface="Consolas" panose="020B0609020204030204" pitchFamily="49" charset="0"/>
+            </a:endParaRPr>
+          </a:p>
+          <a:p>
+            <a:pPr lvl="1">
+              <a:buFont typeface="Arial" panose="020B0604020202020204" pitchFamily="34" charset="0"/>
+              <a:buChar char="•"/>
+            </a:pPr>
+            <a:endParaRPr lang="en-US" sz="1600" dirty="0">
+              <a:latin typeface="Consolas" panose="020B0609020204030204" pitchFamily="49" charset="0"/>
+            </a:endParaRPr>
           </a:p>
         </p:txBody>
       </p:sp>
     </p:spTree>
     <p:extLst>
       <p:ext uri="{BB962C8B-B14F-4D97-AF65-F5344CB8AC3E}">
-        <p14:creationId xmlns:p14="http://schemas.microsoft.com/office/powerpoint/2010/main" val="844561808"/>
+        <p14:creationId xmlns:p14="http://schemas.microsoft.com/office/powerpoint/2010/main" val="3445805958"/>
       </p:ext>
     </p:extLst>
   </p:cSld>
@@ -11753,7 +13766,7 @@
           <p:cNvPr id="2" name="Titel 1">
             <a:extLst>
               <a:ext uri="{FF2B5EF4-FFF2-40B4-BE49-F238E27FC236}">
-                <a16:creationId xmlns:a16="http://schemas.microsoft.com/office/drawing/2014/main" id="{184AFD09-5210-6F86-C2FD-BBC016D382A6}"/>
+                <a16:creationId xmlns:a16="http://schemas.microsoft.com/office/drawing/2014/main" id="{DB1F447C-2F61-B060-8EFE-D98620927A6E}"/>
               </a:ext>
             </a:extLst>
           </p:cNvPr>
@@ -11787,10 +13800,10 @@
       </p:sp>
       <p:sp>
         <p:nvSpPr>
-          <p:cNvPr id="6" name="Inhaltsplatzhalter 5">
+          <p:cNvPr id="3" name="Inhaltsplatzhalter 2">
             <a:extLst>
               <a:ext uri="{FF2B5EF4-FFF2-40B4-BE49-F238E27FC236}">
-                <a16:creationId xmlns:a16="http://schemas.microsoft.com/office/drawing/2014/main" id="{D2412707-84D3-F572-4709-FD9A95F28E5B}"/>
+                <a16:creationId xmlns:a16="http://schemas.microsoft.com/office/drawing/2014/main" id="{68EC2247-CA50-F34D-5B3B-2171A8AD687B}"/>
               </a:ext>
             </a:extLst>
           </p:cNvPr>
@@ -11806,338 +13819,265 @@
           <a:bodyPr/>
           <a:lstStyle/>
           <a:p>
-            <a:pPr algn="l"/>
-            <a:r>
-              <a:rPr lang="en-US" b="1" i="0" dirty="0">
-                <a:solidFill>
-                  <a:srgbClr val="222261"/>
-                </a:solidFill>
-                <a:effectLst/>
-                <a:latin typeface="gitlab sans"/>
-              </a:rPr>
-              <a:t>Container registry examples with GitLab CI/CD</a:t>
-            </a:r>
-          </a:p>
-          <a:p>
             <a:pPr marL="0" indent="0">
               <a:buNone/>
             </a:pPr>
             <a:r>
-              <a:rPr lang="de-DE" dirty="0" err="1"/>
-              <a:t>If</a:t>
-            </a:r>
-            <a:r>
-              <a:rPr lang="de-DE" dirty="0"/>
+              <a:rPr lang="de-DE" b="1" dirty="0" err="1"/>
+              <a:t>Dependency</a:t>
+            </a:r>
+            <a:r>
+              <a:rPr lang="de-DE" b="1" dirty="0"/>
+              <a:t> Proxy</a:t>
+            </a:r>
+          </a:p>
+          <a:p>
+            <a:pPr>
+              <a:buFont typeface="Arial" panose="020B0604020202020204" pitchFamily="34" charset="0"/>
+              <a:buChar char="•"/>
+            </a:pPr>
+            <a:r>
+              <a:rPr lang="de-DE" sz="2000" dirty="0"/>
+              <a:t>Lokaler Proxy</a:t>
+            </a:r>
+          </a:p>
+          <a:p>
+            <a:pPr lvl="1">
+              <a:buFont typeface="Arial" panose="020B0604020202020204" pitchFamily="34" charset="0"/>
+              <a:buChar char="•"/>
+            </a:pPr>
+            <a:r>
+              <a:rPr lang="de-DE" sz="1800" dirty="0"/>
+              <a:t>Genutzt für häufig genutzte Upstream-Images</a:t>
+            </a:r>
+          </a:p>
+          <a:p>
+            <a:pPr lvl="1">
+              <a:buFont typeface="Arial" panose="020B0604020202020204" pitchFamily="34" charset="0"/>
+              <a:buChar char="•"/>
+            </a:pPr>
+            <a:r>
+              <a:rPr lang="de-DE" sz="1800" dirty="0"/>
+              <a:t>Agiert als pull </a:t>
+            </a:r>
+            <a:r>
+              <a:rPr lang="de-DE" sz="1800" dirty="0" err="1"/>
+              <a:t>through</a:t>
+            </a:r>
+            <a:r>
+              <a:rPr lang="de-DE" sz="1800" dirty="0"/>
               <a:t> </a:t>
             </a:r>
             <a:r>
-              <a:rPr lang="de-DE" dirty="0" err="1"/>
-              <a:t>you’re</a:t>
-            </a:r>
-            <a:r>
-              <a:rPr lang="de-DE" dirty="0"/>
+              <a:rPr lang="de-DE" sz="1800" dirty="0" err="1"/>
+              <a:t>cache</a:t>
+            </a:r>
+            <a:r>
+              <a:rPr lang="de-DE" sz="1800" dirty="0"/>
+              <a:t> für </a:t>
+            </a:r>
+            <a:r>
+              <a:rPr lang="de-DE" sz="1800" dirty="0" err="1"/>
+              <a:t>DockerHub</a:t>
+            </a:r>
+            <a:endParaRPr lang="de-DE" sz="1800" dirty="0"/>
+          </a:p>
+          <a:p>
+            <a:pPr lvl="1">
+              <a:buFont typeface="Arial" panose="020B0604020202020204" pitchFamily="34" charset="0"/>
+              <a:buChar char="•"/>
+            </a:pPr>
+            <a:r>
+              <a:rPr lang="de-DE" sz="1800" dirty="0"/>
+              <a:t>Aus Sicht des Docker Clients: Einfach eine weitere Registry</a:t>
+            </a:r>
+          </a:p>
+          <a:p>
+            <a:pPr>
+              <a:buFont typeface="Arial" panose="020B0604020202020204" pitchFamily="34" charset="0"/>
+              <a:buChar char="•"/>
+            </a:pPr>
+            <a:r>
+              <a:rPr lang="de-DE" sz="2000" dirty="0"/>
+              <a:t>Docker Hub rate </a:t>
+            </a:r>
+            <a:r>
+              <a:rPr lang="de-DE" sz="2000" dirty="0" err="1"/>
+              <a:t>limiting</a:t>
+            </a:r>
+            <a:endParaRPr lang="de-DE" sz="2000" dirty="0"/>
+          </a:p>
+          <a:p>
+            <a:pPr lvl="1">
+              <a:buFont typeface="Arial" panose="020B0604020202020204" pitchFamily="34" charset="0"/>
+              <a:buChar char="•"/>
+            </a:pPr>
+            <a:r>
+              <a:rPr lang="de-DE" sz="1800" dirty="0">
+                <a:hlinkClick r:id="rId3"/>
+              </a:rPr>
+              <a:t>https://docs.docker.com/docker-hub/download-rate-limit/</a:t>
+            </a:r>
+            <a:r>
+              <a:rPr lang="de-DE" sz="1800" dirty="0"/>
               <a:t> </a:t>
             </a:r>
-            <a:r>
-              <a:rPr lang="de-DE" dirty="0" err="1"/>
-              <a:t>using</a:t>
-            </a:r>
-            <a:r>
-              <a:rPr lang="de-DE" dirty="0"/>
-              <a:t> Docker-in-Docker on </a:t>
-            </a:r>
-            <a:r>
-              <a:rPr lang="de-DE" dirty="0" err="1"/>
-              <a:t>your</a:t>
-            </a:r>
-            <a:r>
-              <a:rPr lang="de-DE" dirty="0"/>
+          </a:p>
+          <a:p>
+            <a:pPr lvl="1">
+              <a:buFont typeface="Arial" panose="020B0604020202020204" pitchFamily="34" charset="0"/>
+              <a:buChar char="•"/>
+            </a:pPr>
+            <a:r>
+              <a:rPr lang="de-DE" sz="1800" dirty="0"/>
+              <a:t>Begrenzt die Image </a:t>
+            </a:r>
+            <a:r>
+              <a:rPr lang="de-DE" sz="1800" dirty="0" err="1"/>
+              <a:t>pulls</a:t>
+            </a:r>
+            <a:r>
+              <a:rPr lang="de-DE" sz="1800" dirty="0"/>
+              <a:t> von Docker Hub </a:t>
+            </a:r>
+          </a:p>
+          <a:p>
+            <a:pPr lvl="1">
+              <a:buFont typeface="Arial" panose="020B0604020202020204" pitchFamily="34" charset="0"/>
+              <a:buChar char="•"/>
+            </a:pPr>
+            <a:r>
+              <a:rPr lang="de-DE" sz="1800" dirty="0"/>
+              <a:t>Meist läuft bei jedem </a:t>
+            </a:r>
+            <a:r>
+              <a:rPr lang="de-DE" sz="1800" dirty="0" err="1"/>
+              <a:t>commit</a:t>
+            </a:r>
+            <a:r>
+              <a:rPr lang="de-DE" sz="1800" dirty="0"/>
+              <a:t> eine Pipeline</a:t>
+            </a:r>
+          </a:p>
+          <a:p>
+            <a:pPr lvl="2">
+              <a:buFont typeface="Arial" panose="020B0604020202020204" pitchFamily="34" charset="0"/>
+              <a:buChar char="•"/>
+            </a:pPr>
+            <a:r>
+              <a:rPr lang="de-DE" sz="1600" dirty="0"/>
+              <a:t>Selbst bei gleichem Image </a:t>
+            </a:r>
+            <a:r>
+              <a:rPr lang="de-DE" sz="1600" dirty="0">
+                <a:sym typeface="Wingdings" panose="05000000000000000000" pitchFamily="2" charset="2"/>
+              </a:rPr>
+              <a:t> Docker Pull Count erhöht durch „manifest </a:t>
+            </a:r>
+            <a:r>
+              <a:rPr lang="de-DE" sz="1600" dirty="0" err="1">
+                <a:sym typeface="Wingdings" panose="05000000000000000000" pitchFamily="2" charset="2"/>
+              </a:rPr>
+              <a:t>requets</a:t>
+            </a:r>
+            <a:r>
+              <a:rPr lang="de-DE" sz="1600" dirty="0">
+                <a:sym typeface="Wingdings" panose="05000000000000000000" pitchFamily="2" charset="2"/>
+              </a:rPr>
+              <a:t>“</a:t>
+            </a:r>
+            <a:endParaRPr lang="de-DE" sz="2000" dirty="0">
+              <a:sym typeface="Wingdings" panose="05000000000000000000" pitchFamily="2" charset="2"/>
+            </a:endParaRPr>
+          </a:p>
+          <a:p>
+            <a:pPr lvl="1">
+              <a:buFont typeface="Arial" panose="020B0604020202020204" pitchFamily="34" charset="0"/>
+              <a:buChar char="•"/>
+            </a:pPr>
+            <a:r>
+              <a:rPr lang="de-DE" sz="1800" dirty="0">
+                <a:sym typeface="Wingdings" panose="05000000000000000000" pitchFamily="2" charset="2"/>
+              </a:rPr>
+              <a:t>Manifest („Inhaltverzeichnis des Images“)</a:t>
+            </a:r>
+          </a:p>
+          <a:p>
+            <a:pPr lvl="2">
+              <a:buFont typeface="Arial" panose="020B0604020202020204" pitchFamily="34" charset="0"/>
+              <a:buChar char="•"/>
+            </a:pPr>
+            <a:r>
+              <a:rPr lang="de-DE" sz="1600" dirty="0">
+                <a:sym typeface="Wingdings" panose="05000000000000000000" pitchFamily="2" charset="2"/>
+              </a:rPr>
+              <a:t>Informationen über </a:t>
+            </a:r>
+            <a:r>
+              <a:rPr lang="de-DE" sz="1600" dirty="0" err="1">
+                <a:sym typeface="Wingdings" panose="05000000000000000000" pitchFamily="2" charset="2"/>
+              </a:rPr>
+              <a:t>Layers</a:t>
+            </a:r>
+            <a:r>
+              <a:rPr lang="de-DE" sz="1600" dirty="0">
+                <a:sym typeface="Wingdings" panose="05000000000000000000" pitchFamily="2" charset="2"/>
+              </a:rPr>
+              <a:t> und Blobs des Images</a:t>
+            </a:r>
+            <a:endParaRPr lang="de-DE" sz="1600" dirty="0"/>
+          </a:p>
+          <a:p>
+            <a:pPr>
+              <a:buFont typeface="Arial" panose="020B0604020202020204" pitchFamily="34" charset="0"/>
+              <a:buChar char="•"/>
+            </a:pPr>
+            <a:r>
+              <a:rPr lang="de-DE" sz="2000" dirty="0" err="1"/>
+              <a:t>Dependency</a:t>
+            </a:r>
+            <a:r>
+              <a:rPr lang="de-DE" sz="2000" dirty="0"/>
+              <a:t> Proxy </a:t>
+            </a:r>
+            <a:r>
+              <a:rPr lang="de-DE" sz="2000" dirty="0" err="1"/>
+              <a:t>GitLab</a:t>
+            </a:r>
+            <a:r>
+              <a:rPr lang="de-DE" sz="2000" dirty="0"/>
+              <a:t> Dokumentation: </a:t>
+            </a:r>
+            <a:r>
+              <a:rPr lang="de-DE" sz="2000" dirty="0">
+                <a:hlinkClick r:id="rId4"/>
+              </a:rPr>
+              <a:t>https://docs.gitlab.com/ee/user/packages/dependency_proxy/</a:t>
+            </a:r>
+            <a:r>
+              <a:rPr lang="de-DE" sz="2000" dirty="0"/>
               <a:t> </a:t>
             </a:r>
-            <a:r>
-              <a:rPr lang="de-DE" dirty="0" err="1"/>
-              <a:t>runners</a:t>
-            </a:r>
-            <a:r>
-              <a:rPr lang="de-DE" dirty="0"/>
-              <a:t>, </a:t>
-            </a:r>
-            <a:r>
-              <a:rPr lang="de-DE" dirty="0" err="1"/>
-              <a:t>your</a:t>
-            </a:r>
-            <a:r>
-              <a:rPr lang="de-DE" dirty="0"/>
-              <a:t> .</a:t>
-            </a:r>
-            <a:r>
-              <a:rPr lang="de-DE" dirty="0" err="1"/>
-              <a:t>gitlab-ci.yml</a:t>
-            </a:r>
-            <a:r>
-              <a:rPr lang="de-DE" dirty="0"/>
-              <a:t> </a:t>
-            </a:r>
-            <a:r>
-              <a:rPr lang="de-DE" dirty="0" err="1"/>
-              <a:t>file</a:t>
-            </a:r>
-            <a:r>
-              <a:rPr lang="de-DE" dirty="0"/>
-              <a:t> </a:t>
-            </a:r>
-            <a:r>
-              <a:rPr lang="de-DE" dirty="0" err="1"/>
-              <a:t>should</a:t>
-            </a:r>
-            <a:r>
-              <a:rPr lang="de-DE" dirty="0"/>
-              <a:t> </a:t>
-            </a:r>
-            <a:r>
-              <a:rPr lang="de-DE" dirty="0" err="1"/>
-              <a:t>look</a:t>
-            </a:r>
-            <a:r>
-              <a:rPr lang="de-DE" dirty="0"/>
-              <a:t> </a:t>
-            </a:r>
-            <a:r>
-              <a:rPr lang="de-DE" dirty="0" err="1"/>
-              <a:t>similar</a:t>
-            </a:r>
-            <a:r>
-              <a:rPr lang="de-DE" dirty="0"/>
-              <a:t> </a:t>
-            </a:r>
-            <a:r>
-              <a:rPr lang="de-DE" dirty="0" err="1"/>
-              <a:t>to</a:t>
-            </a:r>
-            <a:r>
-              <a:rPr lang="de-DE" dirty="0"/>
-              <a:t> </a:t>
-            </a:r>
-            <a:r>
-              <a:rPr lang="de-DE" dirty="0" err="1"/>
-              <a:t>this</a:t>
-            </a:r>
-            <a:r>
-              <a:rPr lang="de-DE" dirty="0"/>
-              <a:t>:</a:t>
-            </a:r>
-          </a:p>
-          <a:p>
-            <a:pPr marL="0" indent="0">
-              <a:buNone/>
-            </a:pPr>
-            <a:endParaRPr lang="de-DE" dirty="0"/>
-          </a:p>
-          <a:p>
-            <a:pPr marL="0" indent="0">
-              <a:buNone/>
-            </a:pPr>
-            <a:r>
-              <a:rPr lang="de-DE" dirty="0" err="1"/>
-              <a:t>build</a:t>
-            </a:r>
-            <a:r>
-              <a:rPr lang="de-DE" dirty="0"/>
-              <a:t>:</a:t>
-            </a:r>
-          </a:p>
-          <a:p>
-            <a:pPr marL="0" indent="0">
-              <a:buNone/>
-            </a:pPr>
-            <a:r>
-              <a:rPr lang="de-DE" dirty="0"/>
-              <a:t>  </a:t>
-            </a:r>
-            <a:r>
-              <a:rPr lang="de-DE" dirty="0" err="1"/>
-              <a:t>image</a:t>
-            </a:r>
-            <a:r>
-              <a:rPr lang="de-DE" dirty="0"/>
-              <a:t>: docker:20.10.16</a:t>
-            </a:r>
-          </a:p>
-          <a:p>
-            <a:pPr marL="0" indent="0">
-              <a:buNone/>
-            </a:pPr>
-            <a:r>
-              <a:rPr lang="de-DE" dirty="0"/>
-              <a:t>  </a:t>
-            </a:r>
-            <a:r>
-              <a:rPr lang="de-DE" dirty="0" err="1"/>
-              <a:t>stage</a:t>
-            </a:r>
-            <a:r>
-              <a:rPr lang="de-DE" dirty="0"/>
-              <a:t>: </a:t>
-            </a:r>
-            <a:r>
-              <a:rPr lang="de-DE" dirty="0" err="1"/>
-              <a:t>build</a:t>
-            </a:r>
-            <a:endParaRPr lang="de-DE" dirty="0"/>
-          </a:p>
-          <a:p>
-            <a:pPr marL="0" indent="0">
-              <a:buNone/>
-            </a:pPr>
-            <a:r>
-              <a:rPr lang="de-DE" dirty="0"/>
-              <a:t>  </a:t>
-            </a:r>
-            <a:r>
-              <a:rPr lang="de-DE" dirty="0" err="1"/>
-              <a:t>services</a:t>
-            </a:r>
-            <a:r>
-              <a:rPr lang="de-DE" dirty="0"/>
-              <a:t>:</a:t>
-            </a:r>
-          </a:p>
-          <a:p>
-            <a:pPr marL="0" indent="0">
-              <a:buNone/>
-            </a:pPr>
-            <a:r>
-              <a:rPr lang="de-DE" dirty="0"/>
-              <a:t>    - docker:20.10.16-dind</a:t>
-            </a:r>
-          </a:p>
-          <a:p>
-            <a:pPr marL="0" indent="0">
-              <a:buNone/>
-            </a:pPr>
-            <a:r>
-              <a:rPr lang="de-DE" dirty="0"/>
-              <a:t>  </a:t>
-            </a:r>
-            <a:r>
-              <a:rPr lang="de-DE" dirty="0" err="1"/>
-              <a:t>script</a:t>
-            </a:r>
-            <a:r>
-              <a:rPr lang="de-DE" dirty="0"/>
-              <a:t>:</a:t>
-            </a:r>
-          </a:p>
-          <a:p>
-            <a:pPr marL="0" indent="0">
-              <a:buNone/>
-            </a:pPr>
-            <a:r>
-              <a:rPr lang="de-DE" dirty="0"/>
-              <a:t>    - </a:t>
-            </a:r>
-            <a:r>
-              <a:rPr lang="de-DE" dirty="0" err="1"/>
-              <a:t>docker</a:t>
-            </a:r>
-            <a:r>
-              <a:rPr lang="de-DE" dirty="0"/>
-              <a:t> </a:t>
-            </a:r>
-            <a:r>
-              <a:rPr lang="de-DE" dirty="0" err="1"/>
-              <a:t>login</a:t>
-            </a:r>
-            <a:r>
-              <a:rPr lang="de-DE" dirty="0"/>
-              <a:t> -u $CI_REGISTRY_USER -p $CI_REGISTRY_PASSWORD $CI_REGISTRY</a:t>
-            </a:r>
-          </a:p>
-          <a:p>
-            <a:pPr marL="0" indent="0">
-              <a:buNone/>
-            </a:pPr>
-            <a:r>
-              <a:rPr lang="de-DE" dirty="0"/>
-              <a:t>    - </a:t>
-            </a:r>
-            <a:r>
-              <a:rPr lang="de-DE" dirty="0" err="1"/>
-              <a:t>docker</a:t>
-            </a:r>
-            <a:r>
-              <a:rPr lang="de-DE" dirty="0"/>
-              <a:t> </a:t>
-            </a:r>
-            <a:r>
-              <a:rPr lang="de-DE" dirty="0" err="1"/>
-              <a:t>build</a:t>
-            </a:r>
-            <a:r>
-              <a:rPr lang="de-DE" dirty="0"/>
-              <a:t> -t $CI_REGISTRY/</a:t>
-            </a:r>
-            <a:r>
-              <a:rPr lang="de-DE" dirty="0" err="1"/>
-              <a:t>group</a:t>
-            </a:r>
-            <a:r>
-              <a:rPr lang="de-DE" dirty="0"/>
-              <a:t>/</a:t>
-            </a:r>
-            <a:r>
-              <a:rPr lang="de-DE" dirty="0" err="1"/>
-              <a:t>project</a:t>
-            </a:r>
-            <a:r>
-              <a:rPr lang="de-DE" dirty="0"/>
-              <a:t>/</a:t>
-            </a:r>
-            <a:r>
-              <a:rPr lang="de-DE" dirty="0" err="1"/>
-              <a:t>image:latest</a:t>
-            </a:r>
-            <a:r>
-              <a:rPr lang="de-DE" dirty="0"/>
-              <a:t> .</a:t>
-            </a:r>
-          </a:p>
-          <a:p>
-            <a:pPr marL="0" indent="0">
-              <a:buNone/>
-            </a:pPr>
-            <a:r>
-              <a:rPr lang="de-DE" dirty="0"/>
-              <a:t>    - </a:t>
-            </a:r>
-            <a:r>
-              <a:rPr lang="de-DE" dirty="0" err="1"/>
-              <a:t>docker</a:t>
-            </a:r>
-            <a:r>
-              <a:rPr lang="de-DE" dirty="0"/>
-              <a:t> push $CI_REGISTRY/</a:t>
-            </a:r>
-            <a:r>
-              <a:rPr lang="de-DE" dirty="0" err="1"/>
-              <a:t>group</a:t>
-            </a:r>
-            <a:r>
-              <a:rPr lang="de-DE" dirty="0"/>
-              <a:t>/</a:t>
-            </a:r>
-            <a:r>
-              <a:rPr lang="de-DE" dirty="0" err="1"/>
-              <a:t>project</a:t>
-            </a:r>
-            <a:r>
-              <a:rPr lang="de-DE" dirty="0"/>
-              <a:t>/</a:t>
-            </a:r>
-            <a:r>
-              <a:rPr lang="de-DE" dirty="0" err="1"/>
-              <a:t>image:latest</a:t>
-            </a:r>
+          </a:p>
+          <a:p>
+            <a:pPr>
+              <a:buFont typeface="Arial" panose="020B0604020202020204" pitchFamily="34" charset="0"/>
+              <a:buChar char="•"/>
+            </a:pPr>
+            <a:r>
+              <a:rPr lang="de-DE" sz="2000" u="sng" dirty="0"/>
+              <a:t>Hier:</a:t>
+            </a:r>
+            <a:r>
+              <a:rPr lang="de-DE" sz="2000" dirty="0"/>
+              <a:t> Keine weitere Verwendung!</a:t>
+            </a:r>
+          </a:p>
+          <a:p>
+            <a:pPr lvl="1">
+              <a:buFont typeface="Arial" panose="020B0604020202020204" pitchFamily="34" charset="0"/>
+              <a:buChar char="•"/>
+            </a:pPr>
             <a:endParaRPr lang="de-DE" dirty="0"/>
           </a:p>
           <a:p>
@@ -12152,7 +14092,7 @@
     </p:spTree>
     <p:extLst>
       <p:ext uri="{BB962C8B-B14F-4D97-AF65-F5344CB8AC3E}">
-        <p14:creationId xmlns:p14="http://schemas.microsoft.com/office/powerpoint/2010/main" val="3178729389"/>
+        <p14:creationId xmlns:p14="http://schemas.microsoft.com/office/powerpoint/2010/main" val="844561808"/>
       </p:ext>
     </p:extLst>
   </p:cSld>
@@ -12184,7 +14124,7 @@
           <p:cNvPr id="2" name="Titel 1">
             <a:extLst>
               <a:ext uri="{FF2B5EF4-FFF2-40B4-BE49-F238E27FC236}">
-                <a16:creationId xmlns:a16="http://schemas.microsoft.com/office/drawing/2014/main" id="{184AFD09-5210-6F86-C2FD-BBC016D382A6}"/>
+                <a16:creationId xmlns:a16="http://schemas.microsoft.com/office/drawing/2014/main" id="{49A48EBC-55D9-6D64-715F-AF6DEBF117C3}"/>
               </a:ext>
             </a:extLst>
           </p:cNvPr>
@@ -12218,10 +14158,10 @@
       </p:sp>
       <p:sp>
         <p:nvSpPr>
-          <p:cNvPr id="6" name="Inhaltsplatzhalter 5">
+          <p:cNvPr id="3" name="Inhaltsplatzhalter 2">
             <a:extLst>
               <a:ext uri="{FF2B5EF4-FFF2-40B4-BE49-F238E27FC236}">
-                <a16:creationId xmlns:a16="http://schemas.microsoft.com/office/drawing/2014/main" id="{D2412707-84D3-F572-4709-FD9A95F28E5B}"/>
+                <a16:creationId xmlns:a16="http://schemas.microsoft.com/office/drawing/2014/main" id="{7B404127-ED2B-6905-BDD1-3C60D11A2A7C}"/>
               </a:ext>
             </a:extLst>
           </p:cNvPr>
@@ -12237,277 +14177,50 @@
           <a:bodyPr/>
           <a:lstStyle/>
           <a:p>
-            <a:pPr algn="l"/>
-            <a:r>
-              <a:rPr lang="en-US" b="1" i="0" dirty="0">
-                <a:solidFill>
-                  <a:srgbClr val="222261"/>
-                </a:solidFill>
-                <a:effectLst/>
-                <a:latin typeface="gitlab sans"/>
-              </a:rPr>
-              <a:t>Container registry examples with GitLab CI/CD</a:t>
-            </a:r>
-          </a:p>
-          <a:p>
-            <a:pPr marL="0" indent="0" algn="l">
+            <a:pPr marL="0" indent="0">
               <a:buNone/>
             </a:pPr>
             <a:r>
-              <a:rPr lang="en-US" b="1" i="0" dirty="0">
-                <a:solidFill>
-                  <a:srgbClr val="222261"/>
-                </a:solidFill>
-                <a:effectLst/>
-                <a:latin typeface="gitlab sans"/>
-              </a:rPr>
-              <a:t>You can use CI/CD variables in your .</a:t>
-            </a:r>
-            <a:r>
-              <a:rPr lang="en-US" b="1" i="0" dirty="0" err="1">
-                <a:solidFill>
-                  <a:srgbClr val="222261"/>
-                </a:solidFill>
-                <a:effectLst/>
-                <a:latin typeface="gitlab sans"/>
-              </a:rPr>
-              <a:t>gitlab-ci.yml</a:t>
-            </a:r>
-            <a:r>
-              <a:rPr lang="en-US" b="1" i="0" dirty="0">
-                <a:solidFill>
-                  <a:srgbClr val="222261"/>
-                </a:solidFill>
-                <a:effectLst/>
-                <a:latin typeface="gitlab sans"/>
-              </a:rPr>
-              <a:t> file. For example:</a:t>
-            </a:r>
-          </a:p>
-          <a:p>
-            <a:pPr marL="0" indent="0" algn="l">
-              <a:buNone/>
-            </a:pPr>
-            <a:endParaRPr lang="en-US" b="1" i="0" dirty="0">
-              <a:solidFill>
-                <a:srgbClr val="222261"/>
-              </a:solidFill>
-              <a:effectLst/>
-              <a:latin typeface="gitlab sans"/>
-            </a:endParaRPr>
-          </a:p>
-          <a:p>
-            <a:pPr marL="0" indent="0" algn="l">
-              <a:buNone/>
-            </a:pPr>
-            <a:r>
-              <a:rPr lang="en-US" b="1" i="0" dirty="0">
-                <a:solidFill>
-                  <a:srgbClr val="222261"/>
-                </a:solidFill>
-                <a:effectLst/>
-                <a:latin typeface="gitlab sans"/>
-              </a:rPr>
-              <a:t>build:</a:t>
-            </a:r>
-          </a:p>
-          <a:p>
-            <a:pPr marL="0" indent="0" algn="l">
-              <a:buNone/>
-            </a:pPr>
-            <a:r>
-              <a:rPr lang="en-US" b="1" i="0" dirty="0">
-                <a:solidFill>
-                  <a:srgbClr val="222261"/>
-                </a:solidFill>
-                <a:effectLst/>
-                <a:latin typeface="gitlab sans"/>
-              </a:rPr>
-              <a:t>  image: docker:20.10.16</a:t>
-            </a:r>
-          </a:p>
-          <a:p>
-            <a:pPr marL="0" indent="0" algn="l">
-              <a:buNone/>
-            </a:pPr>
-            <a:r>
-              <a:rPr lang="en-US" b="1" i="0" dirty="0">
-                <a:solidFill>
-                  <a:srgbClr val="222261"/>
-                </a:solidFill>
-                <a:effectLst/>
-                <a:latin typeface="gitlab sans"/>
-              </a:rPr>
-              <a:t>  stage: build</a:t>
-            </a:r>
-          </a:p>
-          <a:p>
-            <a:pPr marL="0" indent="0" algn="l">
-              <a:buNone/>
-            </a:pPr>
-            <a:r>
-              <a:rPr lang="en-US" b="1" i="0" dirty="0">
-                <a:solidFill>
-                  <a:srgbClr val="222261"/>
-                </a:solidFill>
-                <a:effectLst/>
-                <a:latin typeface="gitlab sans"/>
-              </a:rPr>
-              <a:t>  services:</a:t>
-            </a:r>
-          </a:p>
-          <a:p>
-            <a:pPr marL="0" indent="0" algn="l">
-              <a:buNone/>
-            </a:pPr>
-            <a:r>
-              <a:rPr lang="en-US" b="1" i="0" dirty="0">
-                <a:solidFill>
-                  <a:srgbClr val="222261"/>
-                </a:solidFill>
-                <a:effectLst/>
-                <a:latin typeface="gitlab sans"/>
-              </a:rPr>
-              <a:t>    - docker:20.10.16-dind</a:t>
-            </a:r>
-          </a:p>
-          <a:p>
-            <a:pPr marL="0" indent="0" algn="l">
-              <a:buNone/>
-            </a:pPr>
-            <a:r>
-              <a:rPr lang="en-US" b="1" i="0" dirty="0">
-                <a:solidFill>
-                  <a:srgbClr val="222261"/>
-                </a:solidFill>
-                <a:effectLst/>
-                <a:latin typeface="gitlab sans"/>
-              </a:rPr>
-              <a:t>  variables:</a:t>
-            </a:r>
-          </a:p>
-          <a:p>
-            <a:pPr marL="0" indent="0" algn="l">
-              <a:buNone/>
-            </a:pPr>
-            <a:r>
-              <a:rPr lang="en-US" b="1" i="0" dirty="0">
-                <a:solidFill>
-                  <a:srgbClr val="222261"/>
-                </a:solidFill>
-                <a:effectLst/>
-                <a:latin typeface="gitlab sans"/>
-              </a:rPr>
-              <a:t>    IMAGE_TAG: $CI_REGISTRY_IMAGE:$CI_COMMIT_REF_SLUG</a:t>
-            </a:r>
-          </a:p>
-          <a:p>
-            <a:pPr marL="0" indent="0" algn="l">
-              <a:buNone/>
-            </a:pPr>
-            <a:r>
-              <a:rPr lang="en-US" b="1" i="0" dirty="0">
-                <a:solidFill>
-                  <a:srgbClr val="222261"/>
-                </a:solidFill>
-                <a:effectLst/>
-                <a:latin typeface="gitlab sans"/>
-              </a:rPr>
-              <a:t>  script:</a:t>
-            </a:r>
-          </a:p>
-          <a:p>
-            <a:pPr marL="0" indent="0" algn="l">
-              <a:buNone/>
-            </a:pPr>
-            <a:r>
-              <a:rPr lang="en-US" b="1" i="0" dirty="0">
-                <a:solidFill>
-                  <a:srgbClr val="222261"/>
-                </a:solidFill>
-                <a:effectLst/>
-                <a:latin typeface="gitlab sans"/>
-              </a:rPr>
-              <a:t>    - docker login -u $CI_REGISTRY_USER -p $CI_REGISTRY_PASSWORD $CI_REGISTRY</a:t>
-            </a:r>
-          </a:p>
-          <a:p>
-            <a:pPr marL="0" indent="0" algn="l">
-              <a:buNone/>
-            </a:pPr>
-            <a:r>
-              <a:rPr lang="en-US" b="1" i="0" dirty="0">
-                <a:solidFill>
-                  <a:srgbClr val="222261"/>
-                </a:solidFill>
-                <a:effectLst/>
-                <a:latin typeface="gitlab sans"/>
-              </a:rPr>
-              <a:t>    - docker build -t $IMAGE_TAG .</a:t>
-            </a:r>
-          </a:p>
-          <a:p>
-            <a:pPr marL="0" indent="0" algn="l">
-              <a:buNone/>
-            </a:pPr>
-            <a:r>
-              <a:rPr lang="en-US" b="1" i="0" dirty="0">
-                <a:solidFill>
-                  <a:srgbClr val="222261"/>
-                </a:solidFill>
-                <a:effectLst/>
-                <a:latin typeface="gitlab sans"/>
-              </a:rPr>
-              <a:t>    - docker push $IMAGE_TAG</a:t>
-            </a:r>
-          </a:p>
-          <a:p>
-            <a:pPr marL="0" indent="0" algn="l">
-              <a:buNone/>
-            </a:pPr>
-            <a:endParaRPr lang="en-US" b="1" i="0" dirty="0">
-              <a:solidFill>
-                <a:srgbClr val="222261"/>
-              </a:solidFill>
-              <a:effectLst/>
-              <a:latin typeface="gitlab sans"/>
-            </a:endParaRPr>
-          </a:p>
-          <a:p>
-            <a:pPr marL="0" indent="0" algn="l">
-              <a:buNone/>
-            </a:pPr>
-            <a:r>
-              <a:rPr lang="en-US" b="1" i="0" dirty="0">
-                <a:solidFill>
-                  <a:srgbClr val="222261"/>
-                </a:solidFill>
-                <a:effectLst/>
-                <a:latin typeface="gitlab sans"/>
-              </a:rPr>
-              <a:t>In this example, $CI_REGISTRY_IMAGE resolves to the address of the registry tied to this project. $CI_COMMIT_REF_NAME resolves to the branch or tag name, which can contain forward slashes. Image tags can’t contain forward slashes. Use $CI_COMMIT_REF_SLUG as the image tag. You can declare the variable, $IMAGE_TAG, combining $CI_REGISTRY_IMAGE and $CI_COMMIT_REF_NAME to save some typing in the script section.</a:t>
-            </a:r>
-          </a:p>
-          <a:p>
-            <a:pPr lvl="2">
-              <a:buFont typeface="Arial" panose="020B0604020202020204" pitchFamily="34" charset="0"/>
-              <a:buChar char="•"/>
-            </a:pPr>
-            <a:endParaRPr lang="de-DE" dirty="0"/>
-          </a:p>
-          <a:p>
-            <a:pPr lvl="1">
-              <a:buFont typeface="Arial" panose="020B0604020202020204" pitchFamily="34" charset="0"/>
-              <a:buChar char="•"/>
-            </a:pPr>
-            <a:endParaRPr lang="de-DE" dirty="0"/>
+              <a:rPr lang="de-DE" b="1" dirty="0"/>
+              <a:t>Container Registry Beispiele</a:t>
+            </a:r>
+          </a:p>
+          <a:p>
+            <a:pPr>
+              <a:buFont typeface="Arial" panose="020B0604020202020204" pitchFamily="34" charset="0"/>
+              <a:buChar char="•"/>
+            </a:pPr>
+            <a:r>
+              <a:rPr lang="de-DE" dirty="0"/>
+              <a:t>Simples Docker-in-Docker</a:t>
+            </a:r>
+          </a:p>
+          <a:p>
+            <a:pPr>
+              <a:buFont typeface="Arial" panose="020B0604020202020204" pitchFamily="34" charset="0"/>
+              <a:buChar char="•"/>
+            </a:pPr>
+            <a:r>
+              <a:rPr lang="de-DE" dirty="0"/>
+              <a:t>Docker-in-Docker mit Variablen</a:t>
+            </a:r>
+          </a:p>
+          <a:p>
+            <a:pPr>
+              <a:buFont typeface="Arial" panose="020B0604020202020204" pitchFamily="34" charset="0"/>
+              <a:buChar char="•"/>
+            </a:pPr>
+            <a:r>
+              <a:rPr lang="de-DE" dirty="0"/>
+              <a:t>Pipeline mit vier Stages</a:t>
+            </a:r>
           </a:p>
         </p:txBody>
       </p:sp>
     </p:spTree>
     <p:extLst>
       <p:ext uri="{BB962C8B-B14F-4D97-AF65-F5344CB8AC3E}">
-        <p14:creationId xmlns:p14="http://schemas.microsoft.com/office/powerpoint/2010/main" val="2220673560"/>
+        <p14:creationId xmlns:p14="http://schemas.microsoft.com/office/powerpoint/2010/main" val="1965332827"/>
       </p:ext>
     </p:extLst>
   </p:cSld>
@@ -12539,7 +14252,7 @@
           <p:cNvPr id="2" name="Titel 1">
             <a:extLst>
               <a:ext uri="{FF2B5EF4-FFF2-40B4-BE49-F238E27FC236}">
-                <a16:creationId xmlns:a16="http://schemas.microsoft.com/office/drawing/2014/main" id="{184AFD09-5210-6F86-C2FD-BBC016D382A6}"/>
+                <a16:creationId xmlns:a16="http://schemas.microsoft.com/office/drawing/2014/main" id="{49A48EBC-55D9-6D64-715F-AF6DEBF117C3}"/>
               </a:ext>
             </a:extLst>
           </p:cNvPr>
@@ -12573,10 +14286,10 @@
       </p:sp>
       <p:sp>
         <p:nvSpPr>
-          <p:cNvPr id="6" name="Inhaltsplatzhalter 5">
+          <p:cNvPr id="3" name="Inhaltsplatzhalter 2">
             <a:extLst>
               <a:ext uri="{FF2B5EF4-FFF2-40B4-BE49-F238E27FC236}">
-                <a16:creationId xmlns:a16="http://schemas.microsoft.com/office/drawing/2014/main" id="{D2412707-84D3-F572-4709-FD9A95F28E5B}"/>
+                <a16:creationId xmlns:a16="http://schemas.microsoft.com/office/drawing/2014/main" id="{7B404127-ED2B-6905-BDD1-3C60D11A2A7C}"/>
               </a:ext>
             </a:extLst>
           </p:cNvPr>
@@ -12592,43 +14305,51 @@
           <a:bodyPr/>
           <a:lstStyle/>
           <a:p>
-            <a:pPr algn="l"/>
-            <a:r>
-              <a:rPr lang="en-US" b="1" i="0" dirty="0">
-                <a:solidFill>
-                  <a:srgbClr val="222261"/>
-                </a:solidFill>
-                <a:effectLst/>
-                <a:latin typeface="gitlab sans"/>
-              </a:rPr>
-              <a:t>Container registry examples with GitLab CI/CD</a:t>
-            </a:r>
-          </a:p>
-          <a:p>
             <a:pPr marL="0" indent="0">
               <a:buNone/>
             </a:pPr>
             <a:r>
-              <a:rPr lang="en-US" dirty="0"/>
-              <a:t>This example splits the tasks into 4 pipeline stages, including two tests that run in parallel. The build is stored in the container registry and used by subsequent stages, downloading the container image when needed. Changes to main also get tagged as latest and deployed using an application-specific deploy script:</a:t>
+              <a:rPr lang="de-DE" b="1" dirty="0"/>
+              <a:t>Simples Docker-in-Docker</a:t>
             </a:r>
           </a:p>
           <a:p>
             <a:pPr marL="0" indent="0">
               <a:buNone/>
             </a:pPr>
-            <a:endParaRPr lang="en-US" dirty="0"/>
+            <a:r>
+              <a:rPr lang="de-DE" sz="2000" dirty="0">
+                <a:latin typeface="Consolas" panose="020B0609020204030204" pitchFamily="49" charset="0"/>
+              </a:rPr>
+              <a:t>.</a:t>
+            </a:r>
+            <a:r>
+              <a:rPr lang="de-DE" sz="2000" dirty="0" err="1">
+                <a:latin typeface="Consolas" panose="020B0609020204030204" pitchFamily="49" charset="0"/>
+              </a:rPr>
+              <a:t>gitlab-ci.yml</a:t>
+            </a:r>
+            <a:r>
+              <a:rPr lang="de-DE" sz="2000" dirty="0">
+                <a:latin typeface="Consolas" panose="020B0609020204030204" pitchFamily="49" charset="0"/>
+              </a:rPr>
+              <a:t>:</a:t>
+            </a:r>
           </a:p>
           <a:p>
             <a:pPr marL="0" indent="0">
               <a:buNone/>
             </a:pPr>
             <a:r>
-              <a:rPr lang="de-DE" dirty="0" err="1"/>
-              <a:t>default</a:t>
-            </a:r>
-            <a:r>
-              <a:rPr lang="de-DE" dirty="0"/>
+              <a:rPr lang="de-DE" sz="1400" dirty="0" err="1">
+                <a:latin typeface="Consolas" panose="020B0609020204030204" pitchFamily="49" charset="0"/>
+              </a:rPr>
+              <a:t>build</a:t>
+            </a:r>
+            <a:r>
+              <a:rPr lang="de-DE" sz="1400" dirty="0">
+                <a:latin typeface="Consolas" panose="020B0609020204030204" pitchFamily="49" charset="0"/>
+              </a:rPr>
               <a:t>:</a:t>
             </a:r>
           </a:p>
@@ -12637,15 +14358,21 @@
               <a:buNone/>
             </a:pPr>
             <a:r>
-              <a:rPr lang="de-DE" dirty="0"/>
+              <a:rPr lang="de-DE" sz="1400" dirty="0">
+                <a:latin typeface="Consolas" panose="020B0609020204030204" pitchFamily="49" charset="0"/>
+              </a:rPr>
               <a:t>  </a:t>
             </a:r>
             <a:r>
-              <a:rPr lang="de-DE" dirty="0" err="1"/>
+              <a:rPr lang="de-DE" sz="1400" dirty="0" err="1">
+                <a:latin typeface="Consolas" panose="020B0609020204030204" pitchFamily="49" charset="0"/>
+              </a:rPr>
               <a:t>image</a:t>
             </a:r>
             <a:r>
-              <a:rPr lang="de-DE" dirty="0"/>
+              <a:rPr lang="de-DE" sz="1400" dirty="0">
+                <a:latin typeface="Consolas" panose="020B0609020204030204" pitchFamily="49" charset="0"/>
+              </a:rPr>
               <a:t>: docker:20.10.16</a:t>
             </a:r>
           </a:p>
@@ -12654,25 +14381,54 @@
               <a:buNone/>
             </a:pPr>
             <a:r>
-              <a:rPr lang="de-DE" dirty="0"/>
+              <a:rPr lang="de-DE" sz="1400" dirty="0">
+                <a:latin typeface="Consolas" panose="020B0609020204030204" pitchFamily="49" charset="0"/>
+              </a:rPr>
               <a:t>  </a:t>
             </a:r>
             <a:r>
-              <a:rPr lang="de-DE" dirty="0" err="1"/>
-              <a:t>services</a:t>
-            </a:r>
-            <a:r>
-              <a:rPr lang="de-DE" dirty="0"/>
-              <a:t>:</a:t>
-            </a:r>
+              <a:rPr lang="de-DE" sz="1400" dirty="0" err="1">
+                <a:latin typeface="Consolas" panose="020B0609020204030204" pitchFamily="49" charset="0"/>
+              </a:rPr>
+              <a:t>stage</a:t>
+            </a:r>
+            <a:r>
+              <a:rPr lang="de-DE" sz="1400" dirty="0">
+                <a:latin typeface="Consolas" panose="020B0609020204030204" pitchFamily="49" charset="0"/>
+              </a:rPr>
+              <a:t>: </a:t>
+            </a:r>
+            <a:r>
+              <a:rPr lang="de-DE" sz="1400" dirty="0" err="1">
+                <a:latin typeface="Consolas" panose="020B0609020204030204" pitchFamily="49" charset="0"/>
+              </a:rPr>
+              <a:t>build</a:t>
+            </a:r>
+            <a:endParaRPr lang="de-DE" sz="1400" dirty="0">
+              <a:latin typeface="Consolas" panose="020B0609020204030204" pitchFamily="49" charset="0"/>
+            </a:endParaRPr>
           </a:p>
           <a:p>
             <a:pPr marL="0" indent="0">
               <a:buNone/>
             </a:pPr>
             <a:r>
-              <a:rPr lang="de-DE" dirty="0"/>
-              <a:t>    - docker:20.10.16-dind</a:t>
+              <a:rPr lang="de-DE" sz="1400" dirty="0">
+                <a:latin typeface="Consolas" panose="020B0609020204030204" pitchFamily="49" charset="0"/>
+              </a:rPr>
+              <a:t>  </a:t>
+            </a:r>
+            <a:r>
+              <a:rPr lang="de-DE" sz="1400" dirty="0" err="1">
+                <a:latin typeface="Consolas" panose="020B0609020204030204" pitchFamily="49" charset="0"/>
+              </a:rPr>
+              <a:t>services</a:t>
+            </a:r>
+            <a:r>
+              <a:rPr lang="de-DE" sz="1400" dirty="0">
+                <a:latin typeface="Consolas" panose="020B0609020204030204" pitchFamily="49" charset="0"/>
+              </a:rPr>
+              <a:t>:</a:t>
             </a:r>
           </a:p>
           <a:p>
@@ -12680,16 +14436,10 @@
               <a:buNone/>
             </a:pPr>
             <a:r>
-              <a:rPr lang="de-DE" dirty="0"/>
-              <a:t>  </a:t>
-            </a:r>
-            <a:r>
-              <a:rPr lang="de-DE" dirty="0" err="1"/>
-              <a:t>before_script</a:t>
-            </a:r>
-            <a:r>
-              <a:rPr lang="de-DE" dirty="0"/>
-              <a:t>:</a:t>
+              <a:rPr lang="de-DE" sz="1400" dirty="0">
+                <a:latin typeface="Consolas" panose="020B0609020204030204" pitchFamily="49" charset="0"/>
+              </a:rPr>
+              <a:t>    - docker:20.10.16-dind</a:t>
             </a:r>
           </a:p>
           <a:p>
@@ -12697,43 +14447,128 @@
               <a:buNone/>
             </a:pPr>
             <a:r>
-              <a:rPr lang="de-DE" dirty="0"/>
-              <a:t>    - </a:t>
-            </a:r>
-            <a:r>
-              <a:rPr lang="de-DE" dirty="0" err="1"/>
-              <a:t>docker</a:t>
-            </a:r>
-            <a:r>
-              <a:rPr lang="de-DE" dirty="0"/>
-              <a:t> </a:t>
-            </a:r>
-            <a:r>
-              <a:rPr lang="de-DE" dirty="0" err="1"/>
-              <a:t>login</a:t>
-            </a:r>
-            <a:r>
-              <a:rPr lang="de-DE" dirty="0"/>
-              <a:t> -u $CI_REGISTRY_USER -p $CI_REGISTRY_PASSWORD $CI_REGISTRY</a:t>
+              <a:rPr lang="de-DE" sz="1400" dirty="0">
+                <a:latin typeface="Consolas" panose="020B0609020204030204" pitchFamily="49" charset="0"/>
+              </a:rPr>
+              <a:t>  </a:t>
+            </a:r>
+            <a:r>
+              <a:rPr lang="de-DE" sz="1400" dirty="0" err="1">
+                <a:latin typeface="Consolas" panose="020B0609020204030204" pitchFamily="49" charset="0"/>
+              </a:rPr>
+              <a:t>script</a:t>
+            </a:r>
+            <a:r>
+              <a:rPr lang="de-DE" sz="1400" dirty="0">
+                <a:latin typeface="Consolas" panose="020B0609020204030204" pitchFamily="49" charset="0"/>
+              </a:rPr>
+              <a:t>:</a:t>
             </a:r>
           </a:p>
           <a:p>
             <a:pPr marL="0" indent="0">
               <a:buNone/>
             </a:pPr>
-            <a:endParaRPr lang="de-DE" dirty="0"/>
+            <a:r>
+              <a:rPr lang="de-DE" sz="1400" dirty="0">
+                <a:latin typeface="Consolas" panose="020B0609020204030204" pitchFamily="49" charset="0"/>
+              </a:rPr>
+              <a:t>    - </a:t>
+            </a:r>
+            <a:r>
+              <a:rPr lang="de-DE" sz="1400" dirty="0" err="1">
+                <a:latin typeface="Consolas" panose="020B0609020204030204" pitchFamily="49" charset="0"/>
+              </a:rPr>
+              <a:t>docker</a:t>
+            </a:r>
+            <a:r>
+              <a:rPr lang="de-DE" sz="1400" dirty="0">
+                <a:latin typeface="Consolas" panose="020B0609020204030204" pitchFamily="49" charset="0"/>
+              </a:rPr>
+              <a:t> </a:t>
+            </a:r>
+            <a:r>
+              <a:rPr lang="de-DE" sz="1400" dirty="0" err="1">
+                <a:latin typeface="Consolas" panose="020B0609020204030204" pitchFamily="49" charset="0"/>
+              </a:rPr>
+              <a:t>login</a:t>
+            </a:r>
+            <a:r>
+              <a:rPr lang="de-DE" sz="1400" dirty="0">
+                <a:latin typeface="Consolas" panose="020B0609020204030204" pitchFamily="49" charset="0"/>
+              </a:rPr>
+              <a:t> -u $CI_REGISTRY_USER -p $CI_REGISTRY_PASSWORD $CI_REGISTRY</a:t>
+            </a:r>
           </a:p>
           <a:p>
             <a:pPr marL="0" indent="0">
               <a:buNone/>
             </a:pPr>
             <a:r>
-              <a:rPr lang="de-DE" dirty="0" err="1"/>
-              <a:t>stages</a:t>
-            </a:r>
-            <a:r>
-              <a:rPr lang="de-DE" dirty="0"/>
-              <a:t>:</a:t>
+              <a:rPr lang="de-DE" sz="1400" dirty="0">
+                <a:latin typeface="Consolas" panose="020B0609020204030204" pitchFamily="49" charset="0"/>
+              </a:rPr>
+              <a:t>    - </a:t>
+            </a:r>
+            <a:r>
+              <a:rPr lang="de-DE" sz="1400" dirty="0" err="1">
+                <a:latin typeface="Consolas" panose="020B0609020204030204" pitchFamily="49" charset="0"/>
+              </a:rPr>
+              <a:t>docker</a:t>
+            </a:r>
+            <a:r>
+              <a:rPr lang="de-DE" sz="1400" dirty="0">
+                <a:latin typeface="Consolas" panose="020B0609020204030204" pitchFamily="49" charset="0"/>
+              </a:rPr>
+              <a:t> </a:t>
+            </a:r>
+            <a:r>
+              <a:rPr lang="de-DE" sz="1400" dirty="0" err="1">
+                <a:latin typeface="Consolas" panose="020B0609020204030204" pitchFamily="49" charset="0"/>
+              </a:rPr>
+              <a:t>build</a:t>
+            </a:r>
+            <a:r>
+              <a:rPr lang="de-DE" sz="1400" dirty="0">
+                <a:latin typeface="Consolas" panose="020B0609020204030204" pitchFamily="49" charset="0"/>
+              </a:rPr>
+              <a:t> -t $CI_REGISTRY/</a:t>
+            </a:r>
+            <a:r>
+              <a:rPr lang="de-DE" sz="1400" dirty="0" err="1">
+                <a:latin typeface="Consolas" panose="020B0609020204030204" pitchFamily="49" charset="0"/>
+              </a:rPr>
+              <a:t>group</a:t>
+            </a:r>
+            <a:r>
+              <a:rPr lang="de-DE" sz="1400" dirty="0">
+                <a:latin typeface="Consolas" panose="020B0609020204030204" pitchFamily="49" charset="0"/>
+              </a:rPr>
+              <a:t>/</a:t>
+            </a:r>
+            <a:r>
+              <a:rPr lang="de-DE" sz="1400" dirty="0" err="1">
+                <a:latin typeface="Consolas" panose="020B0609020204030204" pitchFamily="49" charset="0"/>
+              </a:rPr>
+              <a:t>project</a:t>
+            </a:r>
+            <a:r>
+              <a:rPr lang="de-DE" sz="1400" dirty="0">
+                <a:latin typeface="Consolas" panose="020B0609020204030204" pitchFamily="49" charset="0"/>
+              </a:rPr>
+              <a:t>/</a:t>
+            </a:r>
+            <a:r>
+              <a:rPr lang="de-DE" sz="1400" dirty="0" err="1">
+                <a:latin typeface="Consolas" panose="020B0609020204030204" pitchFamily="49" charset="0"/>
+              </a:rPr>
+              <a:t>image:latest</a:t>
+            </a:r>
+            <a:r>
+              <a:rPr lang="de-DE" sz="1400" dirty="0">
+                <a:latin typeface="Consolas" panose="020B0609020204030204" pitchFamily="49" charset="0"/>
+              </a:rPr>
+              <a:t> .</a:t>
             </a:r>
           </a:p>
           <a:p>
@@ -12741,733 +14576,2642 @@
               <a:buNone/>
             </a:pPr>
             <a:r>
-              <a:rPr lang="de-DE" dirty="0"/>
-              <a:t>  - </a:t>
-            </a:r>
-            <a:r>
-              <a:rPr lang="de-DE" dirty="0" err="1"/>
-              <a:t>build</a:t>
-            </a:r>
-            <a:endParaRPr lang="de-DE" dirty="0"/>
-          </a:p>
-          <a:p>
-            <a:pPr marL="0" indent="0">
-              <a:buNone/>
-            </a:pPr>
-            <a:r>
-              <a:rPr lang="de-DE" dirty="0"/>
-              <a:t>  - </a:t>
-            </a:r>
-            <a:r>
-              <a:rPr lang="de-DE" dirty="0" err="1"/>
-              <a:t>test</a:t>
-            </a:r>
-            <a:endParaRPr lang="de-DE" dirty="0"/>
-          </a:p>
-          <a:p>
-            <a:pPr marL="0" indent="0">
-              <a:buNone/>
-            </a:pPr>
-            <a:r>
-              <a:rPr lang="de-DE" dirty="0"/>
-              <a:t>  - release</a:t>
-            </a:r>
-          </a:p>
-          <a:p>
-            <a:pPr marL="0" indent="0">
-              <a:buNone/>
-            </a:pPr>
-            <a:r>
-              <a:rPr lang="de-DE" dirty="0"/>
-              <a:t>  - deploy</a:t>
-            </a:r>
-          </a:p>
-          <a:p>
-            <a:pPr marL="0" indent="0">
-              <a:buNone/>
-            </a:pPr>
-            <a:endParaRPr lang="de-DE" dirty="0"/>
-          </a:p>
-          <a:p>
-            <a:pPr marL="0" indent="0">
-              <a:buNone/>
-            </a:pPr>
-            <a:r>
-              <a:rPr lang="de-DE" dirty="0"/>
-              <a:t>variables:</a:t>
-            </a:r>
-          </a:p>
-          <a:p>
-            <a:pPr marL="0" indent="0">
-              <a:buNone/>
-            </a:pPr>
-            <a:r>
-              <a:rPr lang="de-DE" dirty="0"/>
-              <a:t>  # Use TLS https://docs.gitlab.com/ee/ci/docker/using_docker_build.html#tls-enabled</a:t>
-            </a:r>
-          </a:p>
-          <a:p>
-            <a:pPr marL="0" indent="0">
-              <a:buNone/>
-            </a:pPr>
-            <a:r>
-              <a:rPr lang="de-DE" dirty="0"/>
-              <a:t>  DOCKER_HOST: tcp://docker:2376</a:t>
-            </a:r>
-          </a:p>
-          <a:p>
-            <a:pPr marL="0" indent="0">
-              <a:buNone/>
-            </a:pPr>
-            <a:r>
-              <a:rPr lang="de-DE" dirty="0"/>
-              <a:t>  DOCKER_TLS_CERTDIR: "/</a:t>
-            </a:r>
-            <a:r>
-              <a:rPr lang="de-DE" dirty="0" err="1"/>
-              <a:t>certs</a:t>
-            </a:r>
-            <a:r>
-              <a:rPr lang="de-DE" dirty="0"/>
-              <a:t>"</a:t>
-            </a:r>
-          </a:p>
-          <a:p>
-            <a:pPr marL="0" indent="0">
-              <a:buNone/>
-            </a:pPr>
-            <a:r>
-              <a:rPr lang="de-DE" dirty="0"/>
-              <a:t>  CONTAINER_TEST_IMAGE: $CI_REGISTRY_IMAGE:$CI_COMMIT_REF_SLUG</a:t>
-            </a:r>
-          </a:p>
-          <a:p>
-            <a:pPr marL="0" indent="0">
-              <a:buNone/>
-            </a:pPr>
-            <a:r>
-              <a:rPr lang="de-DE" dirty="0"/>
-              <a:t>  CONTAINER_RELEASE_IMAGE: $</a:t>
-            </a:r>
-            <a:r>
-              <a:rPr lang="de-DE" dirty="0" err="1"/>
-              <a:t>CI_REGISTRY_IMAGE:latest</a:t>
-            </a:r>
-            <a:endParaRPr lang="de-DE" dirty="0"/>
-          </a:p>
-          <a:p>
-            <a:pPr marL="0" indent="0">
-              <a:buNone/>
-            </a:pPr>
-            <a:endParaRPr lang="de-DE" dirty="0"/>
-          </a:p>
-          <a:p>
-            <a:pPr marL="0" indent="0">
-              <a:buNone/>
-            </a:pPr>
-            <a:r>
-              <a:rPr lang="de-DE" dirty="0" err="1"/>
-              <a:t>build</a:t>
-            </a:r>
-            <a:r>
-              <a:rPr lang="de-DE" dirty="0"/>
-              <a:t>:</a:t>
-            </a:r>
-          </a:p>
-          <a:p>
-            <a:pPr marL="0" indent="0">
-              <a:buNone/>
-            </a:pPr>
-            <a:r>
-              <a:rPr lang="de-DE" dirty="0"/>
-              <a:t>  </a:t>
-            </a:r>
-            <a:r>
-              <a:rPr lang="de-DE" dirty="0" err="1"/>
-              <a:t>stage</a:t>
-            </a:r>
-            <a:r>
-              <a:rPr lang="de-DE" dirty="0"/>
-              <a:t>: </a:t>
-            </a:r>
-            <a:r>
-              <a:rPr lang="de-DE" dirty="0" err="1"/>
-              <a:t>build</a:t>
-            </a:r>
-            <a:endParaRPr lang="de-DE" dirty="0"/>
-          </a:p>
-          <a:p>
-            <a:pPr marL="0" indent="0">
-              <a:buNone/>
-            </a:pPr>
-            <a:r>
-              <a:rPr lang="de-DE" dirty="0"/>
-              <a:t>  </a:t>
-            </a:r>
-            <a:r>
-              <a:rPr lang="de-DE" dirty="0" err="1"/>
-              <a:t>script</a:t>
-            </a:r>
-            <a:r>
-              <a:rPr lang="de-DE" dirty="0"/>
-              <a:t>:</a:t>
-            </a:r>
-          </a:p>
-          <a:p>
-            <a:pPr marL="0" indent="0">
-              <a:buNone/>
-            </a:pPr>
-            <a:r>
-              <a:rPr lang="de-DE" dirty="0"/>
+              <a:rPr lang="de-DE" sz="1400" dirty="0">
+                <a:latin typeface="Consolas" panose="020B0609020204030204" pitchFamily="49" charset="0"/>
+              </a:rPr>
               <a:t>    - </a:t>
             </a:r>
             <a:r>
-              <a:rPr lang="de-DE" dirty="0" err="1"/>
+              <a:rPr lang="de-DE" sz="1400" dirty="0" err="1">
+                <a:latin typeface="Consolas" panose="020B0609020204030204" pitchFamily="49" charset="0"/>
+              </a:rPr>
               <a:t>docker</a:t>
             </a:r>
             <a:r>
-              <a:rPr lang="de-DE" dirty="0"/>
-              <a:t> </a:t>
-            </a:r>
-            <a:r>
-              <a:rPr lang="de-DE" dirty="0" err="1"/>
-              <a:t>build</a:t>
-            </a:r>
-            <a:r>
-              <a:rPr lang="de-DE" dirty="0"/>
-              <a:t> --pull -t $CONTAINER_TEST_IMAGE .</a:t>
-            </a:r>
-          </a:p>
-          <a:p>
-            <a:pPr marL="0" indent="0">
-              <a:buNone/>
-            </a:pPr>
-            <a:r>
-              <a:rPr lang="de-DE" dirty="0"/>
-              <a:t>    - </a:t>
-            </a:r>
-            <a:r>
-              <a:rPr lang="de-DE" dirty="0" err="1"/>
-              <a:t>docker</a:t>
-            </a:r>
-            <a:r>
-              <a:rPr lang="de-DE" dirty="0"/>
-              <a:t> push $CONTAINER_TEST_IMAGE</a:t>
-            </a:r>
-          </a:p>
-          <a:p>
-            <a:pPr marL="0" indent="0">
-              <a:buNone/>
-            </a:pPr>
-            <a:endParaRPr lang="de-DE" dirty="0"/>
-          </a:p>
-          <a:p>
-            <a:pPr marL="0" indent="0">
-              <a:buNone/>
-            </a:pPr>
-            <a:r>
-              <a:rPr lang="de-DE" dirty="0"/>
-              <a:t>test1:</a:t>
-            </a:r>
-          </a:p>
-          <a:p>
-            <a:pPr marL="0" indent="0">
-              <a:buNone/>
-            </a:pPr>
-            <a:r>
-              <a:rPr lang="de-DE" dirty="0"/>
-              <a:t>  </a:t>
-            </a:r>
-            <a:r>
-              <a:rPr lang="de-DE" dirty="0" err="1"/>
-              <a:t>stage</a:t>
-            </a:r>
-            <a:r>
-              <a:rPr lang="de-DE" dirty="0"/>
-              <a:t>: </a:t>
-            </a:r>
-            <a:r>
-              <a:rPr lang="de-DE" dirty="0" err="1"/>
-              <a:t>test</a:t>
-            </a:r>
-            <a:endParaRPr lang="de-DE" dirty="0"/>
-          </a:p>
-          <a:p>
-            <a:pPr marL="0" indent="0">
-              <a:buNone/>
-            </a:pPr>
-            <a:r>
-              <a:rPr lang="de-DE" dirty="0"/>
-              <a:t>  </a:t>
-            </a:r>
-            <a:r>
-              <a:rPr lang="de-DE" dirty="0" err="1"/>
-              <a:t>script</a:t>
-            </a:r>
-            <a:r>
-              <a:rPr lang="de-DE" dirty="0"/>
-              <a:t>:</a:t>
-            </a:r>
-          </a:p>
-          <a:p>
-            <a:pPr marL="0" indent="0">
-              <a:buNone/>
-            </a:pPr>
-            <a:r>
-              <a:rPr lang="de-DE" dirty="0"/>
-              <a:t>    - </a:t>
-            </a:r>
-            <a:r>
-              <a:rPr lang="de-DE" dirty="0" err="1"/>
-              <a:t>docker</a:t>
-            </a:r>
-            <a:r>
-              <a:rPr lang="de-DE" dirty="0"/>
-              <a:t> pull $CONTAINER_TEST_IMAGE</a:t>
-            </a:r>
-          </a:p>
-          <a:p>
-            <a:pPr marL="0" indent="0">
-              <a:buNone/>
-            </a:pPr>
-            <a:r>
-              <a:rPr lang="de-DE" dirty="0"/>
-              <a:t>    - </a:t>
-            </a:r>
-            <a:r>
-              <a:rPr lang="de-DE" dirty="0" err="1"/>
-              <a:t>docker</a:t>
-            </a:r>
-            <a:r>
-              <a:rPr lang="de-DE" dirty="0"/>
-              <a:t> </a:t>
-            </a:r>
-            <a:r>
-              <a:rPr lang="de-DE" dirty="0" err="1"/>
-              <a:t>run</a:t>
-            </a:r>
-            <a:r>
-              <a:rPr lang="de-DE" dirty="0"/>
-              <a:t> $CONTAINER_TEST_IMAGE /</a:t>
-            </a:r>
-            <a:r>
-              <a:rPr lang="de-DE" dirty="0" err="1"/>
-              <a:t>script</a:t>
-            </a:r>
-            <a:r>
-              <a:rPr lang="de-DE" dirty="0"/>
+              <a:rPr lang="de-DE" sz="1400" dirty="0">
+                <a:latin typeface="Consolas" panose="020B0609020204030204" pitchFamily="49" charset="0"/>
+              </a:rPr>
+              <a:t> push $CI_REGISTRY/</a:t>
+            </a:r>
+            <a:r>
+              <a:rPr lang="de-DE" sz="1400" dirty="0" err="1">
+                <a:latin typeface="Consolas" panose="020B0609020204030204" pitchFamily="49" charset="0"/>
+              </a:rPr>
+              <a:t>group</a:t>
+            </a:r>
+            <a:r>
+              <a:rPr lang="de-DE" sz="1400" dirty="0">
+                <a:latin typeface="Consolas" panose="020B0609020204030204" pitchFamily="49" charset="0"/>
+              </a:rPr>
               <a:t>/</a:t>
             </a:r>
             <a:r>
-              <a:rPr lang="de-DE" dirty="0" err="1"/>
-              <a:t>to</a:t>
-            </a:r>
-            <a:r>
-              <a:rPr lang="de-DE" dirty="0"/>
+              <a:rPr lang="de-DE" sz="1400" dirty="0" err="1">
+                <a:latin typeface="Consolas" panose="020B0609020204030204" pitchFamily="49" charset="0"/>
+              </a:rPr>
+              <a:t>project</a:t>
+            </a:r>
+            <a:r>
+              <a:rPr lang="de-DE" sz="1400" dirty="0">
+                <a:latin typeface="Consolas" panose="020B0609020204030204" pitchFamily="49" charset="0"/>
+              </a:rPr>
               <a:t>/</a:t>
             </a:r>
             <a:r>
-              <a:rPr lang="de-DE" dirty="0" err="1"/>
-              <a:t>run</a:t>
-            </a:r>
-            <a:r>
-              <a:rPr lang="de-DE" dirty="0"/>
-              <a:t>/</a:t>
-            </a:r>
-            <a:r>
-              <a:rPr lang="de-DE" dirty="0" err="1"/>
-              <a:t>tests</a:t>
-            </a:r>
-            <a:endParaRPr lang="de-DE" dirty="0"/>
-          </a:p>
-          <a:p>
-            <a:pPr marL="0" indent="0">
-              <a:buNone/>
-            </a:pPr>
-            <a:endParaRPr lang="de-DE" dirty="0"/>
-          </a:p>
-          <a:p>
-            <a:pPr marL="0" indent="0">
-              <a:buNone/>
-            </a:pPr>
-            <a:r>
-              <a:rPr lang="de-DE" dirty="0"/>
-              <a:t>test2:</a:t>
-            </a:r>
-          </a:p>
-          <a:p>
-            <a:pPr marL="0" indent="0">
-              <a:buNone/>
-            </a:pPr>
-            <a:r>
-              <a:rPr lang="de-DE" dirty="0"/>
-              <a:t>  </a:t>
-            </a:r>
-            <a:r>
-              <a:rPr lang="de-DE" dirty="0" err="1"/>
-              <a:t>stage</a:t>
-            </a:r>
-            <a:r>
-              <a:rPr lang="de-DE" dirty="0"/>
-              <a:t>: </a:t>
-            </a:r>
-            <a:r>
-              <a:rPr lang="de-DE" dirty="0" err="1"/>
-              <a:t>test</a:t>
-            </a:r>
-            <a:endParaRPr lang="de-DE" dirty="0"/>
-          </a:p>
-          <a:p>
-            <a:pPr marL="0" indent="0">
-              <a:buNone/>
-            </a:pPr>
-            <a:r>
-              <a:rPr lang="de-DE" dirty="0"/>
-              <a:t>  </a:t>
-            </a:r>
-            <a:r>
-              <a:rPr lang="de-DE" dirty="0" err="1"/>
-              <a:t>script</a:t>
-            </a:r>
-            <a:r>
-              <a:rPr lang="de-DE" dirty="0"/>
-              <a:t>:</a:t>
-            </a:r>
-          </a:p>
-          <a:p>
-            <a:pPr marL="0" indent="0">
-              <a:buNone/>
-            </a:pPr>
-            <a:r>
-              <a:rPr lang="de-DE" dirty="0"/>
-              <a:t>    - </a:t>
-            </a:r>
-            <a:r>
-              <a:rPr lang="de-DE" dirty="0" err="1"/>
-              <a:t>docker</a:t>
-            </a:r>
-            <a:r>
-              <a:rPr lang="de-DE" dirty="0"/>
-              <a:t> pull $CONTAINER_TEST_IMAGE</a:t>
-            </a:r>
-          </a:p>
-          <a:p>
-            <a:pPr marL="0" indent="0">
-              <a:buNone/>
-            </a:pPr>
-            <a:r>
-              <a:rPr lang="de-DE" dirty="0"/>
-              <a:t>    - </a:t>
-            </a:r>
-            <a:r>
-              <a:rPr lang="de-DE" dirty="0" err="1"/>
-              <a:t>docker</a:t>
-            </a:r>
-            <a:r>
-              <a:rPr lang="de-DE" dirty="0"/>
-              <a:t> </a:t>
-            </a:r>
-            <a:r>
-              <a:rPr lang="de-DE" dirty="0" err="1"/>
-              <a:t>run</a:t>
-            </a:r>
-            <a:r>
-              <a:rPr lang="de-DE" dirty="0"/>
-              <a:t> $CONTAINER_TEST_IMAGE /</a:t>
-            </a:r>
-            <a:r>
-              <a:rPr lang="de-DE" dirty="0" err="1"/>
-              <a:t>script</a:t>
-            </a:r>
-            <a:r>
-              <a:rPr lang="de-DE" dirty="0"/>
-              <a:t>/</a:t>
-            </a:r>
-            <a:r>
-              <a:rPr lang="de-DE" dirty="0" err="1"/>
-              <a:t>to</a:t>
-            </a:r>
-            <a:r>
-              <a:rPr lang="de-DE" dirty="0"/>
-              <a:t>/</a:t>
-            </a:r>
-            <a:r>
-              <a:rPr lang="de-DE" dirty="0" err="1"/>
-              <a:t>run</a:t>
-            </a:r>
-            <a:r>
-              <a:rPr lang="de-DE" dirty="0"/>
-              <a:t>/</a:t>
-            </a:r>
-            <a:r>
-              <a:rPr lang="de-DE" dirty="0" err="1"/>
-              <a:t>another</a:t>
-            </a:r>
-            <a:r>
-              <a:rPr lang="de-DE" dirty="0"/>
-              <a:t>/</a:t>
-            </a:r>
-            <a:r>
-              <a:rPr lang="de-DE" dirty="0" err="1"/>
-              <a:t>test</a:t>
-            </a:r>
-            <a:endParaRPr lang="de-DE" dirty="0"/>
-          </a:p>
-          <a:p>
-            <a:pPr marL="0" indent="0">
-              <a:buNone/>
-            </a:pPr>
-            <a:endParaRPr lang="de-DE" dirty="0"/>
-          </a:p>
-          <a:p>
-            <a:pPr marL="0" indent="0">
-              <a:buNone/>
-            </a:pPr>
-            <a:r>
-              <a:rPr lang="de-DE" dirty="0"/>
-              <a:t>release-image:</a:t>
-            </a:r>
-          </a:p>
-          <a:p>
-            <a:pPr marL="0" indent="0">
-              <a:buNone/>
-            </a:pPr>
-            <a:r>
-              <a:rPr lang="de-DE" dirty="0"/>
-              <a:t>  </a:t>
-            </a:r>
-            <a:r>
-              <a:rPr lang="de-DE" dirty="0" err="1"/>
-              <a:t>stage</a:t>
-            </a:r>
-            <a:r>
-              <a:rPr lang="de-DE" dirty="0"/>
-              <a:t>: release</a:t>
-            </a:r>
-          </a:p>
-          <a:p>
-            <a:pPr marL="0" indent="0">
-              <a:buNone/>
-            </a:pPr>
-            <a:r>
-              <a:rPr lang="de-DE" dirty="0"/>
-              <a:t>  </a:t>
-            </a:r>
-            <a:r>
-              <a:rPr lang="de-DE" dirty="0" err="1"/>
-              <a:t>script</a:t>
-            </a:r>
-            <a:r>
-              <a:rPr lang="de-DE" dirty="0"/>
-              <a:t>:</a:t>
-            </a:r>
-          </a:p>
-          <a:p>
-            <a:pPr marL="0" indent="0">
-              <a:buNone/>
-            </a:pPr>
-            <a:r>
-              <a:rPr lang="de-DE" dirty="0"/>
-              <a:t>    - </a:t>
-            </a:r>
-            <a:r>
-              <a:rPr lang="de-DE" dirty="0" err="1"/>
-              <a:t>docker</a:t>
-            </a:r>
-            <a:r>
-              <a:rPr lang="de-DE" dirty="0"/>
-              <a:t> pull $CONTAINER_TEST_IMAGE</a:t>
-            </a:r>
-          </a:p>
-          <a:p>
-            <a:pPr marL="0" indent="0">
-              <a:buNone/>
-            </a:pPr>
-            <a:r>
-              <a:rPr lang="de-DE" dirty="0"/>
-              <a:t>    - </a:t>
-            </a:r>
-            <a:r>
-              <a:rPr lang="de-DE" dirty="0" err="1"/>
-              <a:t>docker</a:t>
-            </a:r>
-            <a:r>
-              <a:rPr lang="de-DE" dirty="0"/>
-              <a:t> tag $CONTAINER_TEST_IMAGE $CONTAINER_RELEASE_IMAGE</a:t>
-            </a:r>
-          </a:p>
-          <a:p>
-            <a:pPr marL="0" indent="0">
-              <a:buNone/>
-            </a:pPr>
-            <a:r>
-              <a:rPr lang="de-DE" dirty="0"/>
-              <a:t>    - </a:t>
-            </a:r>
-            <a:r>
-              <a:rPr lang="de-DE" dirty="0" err="1"/>
-              <a:t>docker</a:t>
-            </a:r>
-            <a:r>
-              <a:rPr lang="de-DE" dirty="0"/>
-              <a:t> push $CONTAINER_RELEASE_IMAGE</a:t>
-            </a:r>
-          </a:p>
-          <a:p>
-            <a:pPr marL="0" indent="0">
-              <a:buNone/>
-            </a:pPr>
-            <a:r>
-              <a:rPr lang="de-DE" dirty="0"/>
-              <a:t>  </a:t>
-            </a:r>
-            <a:r>
-              <a:rPr lang="de-DE" dirty="0" err="1"/>
-              <a:t>only</a:t>
-            </a:r>
-            <a:r>
-              <a:rPr lang="de-DE" dirty="0"/>
-              <a:t>:</a:t>
-            </a:r>
-          </a:p>
-          <a:p>
-            <a:pPr marL="0" indent="0">
-              <a:buNone/>
-            </a:pPr>
-            <a:r>
-              <a:rPr lang="de-DE" dirty="0"/>
-              <a:t>    - </a:t>
-            </a:r>
-            <a:r>
-              <a:rPr lang="de-DE" dirty="0" err="1"/>
-              <a:t>main</a:t>
-            </a:r>
-            <a:endParaRPr lang="de-DE" dirty="0"/>
-          </a:p>
-          <a:p>
-            <a:pPr marL="0" indent="0">
-              <a:buNone/>
-            </a:pPr>
-            <a:endParaRPr lang="de-DE" dirty="0"/>
-          </a:p>
-          <a:p>
-            <a:pPr marL="0" indent="0">
-              <a:buNone/>
-            </a:pPr>
-            <a:r>
-              <a:rPr lang="de-DE" dirty="0"/>
-              <a:t>deploy:</a:t>
-            </a:r>
-          </a:p>
-          <a:p>
-            <a:pPr marL="0" indent="0">
-              <a:buNone/>
-            </a:pPr>
-            <a:r>
-              <a:rPr lang="de-DE" dirty="0"/>
-              <a:t>  </a:t>
-            </a:r>
-            <a:r>
-              <a:rPr lang="de-DE" dirty="0" err="1"/>
-              <a:t>stage</a:t>
-            </a:r>
-            <a:r>
-              <a:rPr lang="de-DE" dirty="0"/>
-              <a:t>: deploy</a:t>
-            </a:r>
-          </a:p>
-          <a:p>
-            <a:pPr marL="0" indent="0">
-              <a:buNone/>
-            </a:pPr>
-            <a:r>
-              <a:rPr lang="de-DE" dirty="0"/>
-              <a:t>  </a:t>
-            </a:r>
-            <a:r>
-              <a:rPr lang="de-DE" dirty="0" err="1"/>
-              <a:t>script</a:t>
-            </a:r>
-            <a:r>
-              <a:rPr lang="de-DE" dirty="0"/>
-              <a:t>:</a:t>
-            </a:r>
-          </a:p>
-          <a:p>
-            <a:pPr marL="0" indent="0">
-              <a:buNone/>
-            </a:pPr>
-            <a:r>
-              <a:rPr lang="de-DE" dirty="0"/>
-              <a:t>    - ./deploy.sh</a:t>
-            </a:r>
-          </a:p>
-          <a:p>
-            <a:pPr marL="0" indent="0">
-              <a:buNone/>
-            </a:pPr>
-            <a:r>
-              <a:rPr lang="de-DE" dirty="0"/>
-              <a:t>  </a:t>
-            </a:r>
-            <a:r>
-              <a:rPr lang="de-DE" dirty="0" err="1"/>
-              <a:t>only</a:t>
-            </a:r>
-            <a:r>
-              <a:rPr lang="de-DE" dirty="0"/>
-              <a:t>:</a:t>
-            </a:r>
-          </a:p>
-          <a:p>
-            <a:pPr marL="0" indent="0">
-              <a:buNone/>
-            </a:pPr>
-            <a:r>
-              <a:rPr lang="de-DE" dirty="0"/>
-              <a:t>    - </a:t>
-            </a:r>
-            <a:r>
-              <a:rPr lang="de-DE" dirty="0" err="1"/>
-              <a:t>main</a:t>
-            </a:r>
-            <a:endParaRPr lang="de-DE" dirty="0"/>
-          </a:p>
-          <a:p>
-            <a:pPr marL="0" indent="0">
-              <a:buNone/>
-            </a:pPr>
-            <a:r>
-              <a:rPr lang="de-DE" dirty="0"/>
-              <a:t>  </a:t>
-            </a:r>
-            <a:r>
-              <a:rPr lang="de-DE" dirty="0" err="1"/>
-              <a:t>environment</a:t>
-            </a:r>
-            <a:r>
-              <a:rPr lang="de-DE" dirty="0"/>
-              <a:t>: </a:t>
-            </a:r>
-            <a:r>
-              <a:rPr lang="de-DE" dirty="0" err="1"/>
-              <a:t>production</a:t>
-            </a:r>
-            <a:endParaRPr lang="de-DE" dirty="0"/>
-          </a:p>
-          <a:p>
-            <a:pPr lvl="1">
-              <a:buFont typeface="Arial" panose="020B0604020202020204" pitchFamily="34" charset="0"/>
-              <a:buChar char="•"/>
-            </a:pPr>
-            <a:endParaRPr lang="de-DE" dirty="0"/>
+              <a:rPr lang="de-DE" sz="1400" dirty="0" err="1">
+                <a:latin typeface="Consolas" panose="020B0609020204030204" pitchFamily="49" charset="0"/>
+              </a:rPr>
+              <a:t>image:latest</a:t>
+            </a:r>
+            <a:endParaRPr lang="de-DE" sz="1400" dirty="0">
+              <a:latin typeface="Consolas" panose="020B0609020204030204" pitchFamily="49" charset="0"/>
+            </a:endParaRPr>
           </a:p>
         </p:txBody>
       </p:sp>
     </p:spTree>
     <p:extLst>
       <p:ext uri="{BB962C8B-B14F-4D97-AF65-F5344CB8AC3E}">
-        <p14:creationId xmlns:p14="http://schemas.microsoft.com/office/powerpoint/2010/main" val="570750762"/>
+        <p14:creationId xmlns:p14="http://schemas.microsoft.com/office/powerpoint/2010/main" val="3629727755"/>
+      </p:ext>
+    </p:extLst>
+  </p:cSld>
+  <p:clrMapOvr>
+    <a:masterClrMapping/>
+  </p:clrMapOvr>
+</p:sld>
+</file>
+
+<file path=ppt/slides/slide34.xml><?xml version="1.0" encoding="utf-8"?>
+<p:sld xmlns:a="http://schemas.openxmlformats.org/drawingml/2006/main" xmlns:r="http://schemas.openxmlformats.org/officeDocument/2006/relationships" xmlns:p="http://schemas.openxmlformats.org/presentationml/2006/main">
+  <p:cSld>
+    <p:spTree>
+      <p:nvGrpSpPr>
+        <p:cNvPr id="1" name=""/>
+        <p:cNvGrpSpPr/>
+        <p:nvPr/>
+      </p:nvGrpSpPr>
+      <p:grpSpPr>
+        <a:xfrm>
+          <a:off x="0" y="0"/>
+          <a:ext cx="0" cy="0"/>
+          <a:chOff x="0" y="0"/>
+          <a:chExt cx="0" cy="0"/>
+        </a:xfrm>
+      </p:grpSpPr>
+      <p:sp>
+        <p:nvSpPr>
+          <p:cNvPr id="2" name="Titel 1">
+            <a:extLst>
+              <a:ext uri="{FF2B5EF4-FFF2-40B4-BE49-F238E27FC236}">
+                <a16:creationId xmlns:a16="http://schemas.microsoft.com/office/drawing/2014/main" id="{49A48EBC-55D9-6D64-715F-AF6DEBF117C3}"/>
+              </a:ext>
+            </a:extLst>
+          </p:cNvPr>
+          <p:cNvSpPr>
+            <a:spLocks noGrp="1"/>
+          </p:cNvSpPr>
+          <p:nvPr>
+            <p:ph type="title"/>
+          </p:nvPr>
+        </p:nvSpPr>
+        <p:spPr/>
+        <p:txBody>
+          <a:bodyPr/>
+          <a:lstStyle/>
+          <a:p>
+            <a:r>
+              <a:rPr lang="de-DE" cap="none" dirty="0"/>
+              <a:t>Release- und </a:t>
+            </a:r>
+            <a:r>
+              <a:rPr lang="de-DE" cap="none" dirty="0" err="1"/>
+              <a:t>Tagged</a:t>
+            </a:r>
+            <a:r>
+              <a:rPr lang="de-DE" cap="none" dirty="0"/>
+              <a:t>-Images</a:t>
+            </a:r>
+            <a:endParaRPr lang="de-DE" dirty="0"/>
+          </a:p>
+        </p:txBody>
+      </p:sp>
+      <p:sp>
+        <p:nvSpPr>
+          <p:cNvPr id="3" name="Inhaltsplatzhalter 2">
+            <a:extLst>
+              <a:ext uri="{FF2B5EF4-FFF2-40B4-BE49-F238E27FC236}">
+                <a16:creationId xmlns:a16="http://schemas.microsoft.com/office/drawing/2014/main" id="{7B404127-ED2B-6905-BDD1-3C60D11A2A7C}"/>
+              </a:ext>
+            </a:extLst>
+          </p:cNvPr>
+          <p:cNvSpPr>
+            <a:spLocks noGrp="1"/>
+          </p:cNvSpPr>
+          <p:nvPr>
+            <p:ph idx="1"/>
+          </p:nvPr>
+        </p:nvSpPr>
+        <p:spPr/>
+        <p:txBody>
+          <a:bodyPr/>
+          <a:lstStyle/>
+          <a:p>
+            <a:pPr marL="0" indent="0">
+              <a:buNone/>
+            </a:pPr>
+            <a:r>
+              <a:rPr lang="de-DE" b="1" dirty="0"/>
+              <a:t>Docker-in-Docker mit Variablen</a:t>
+            </a:r>
+          </a:p>
+          <a:p>
+            <a:pPr marL="0" indent="0">
+              <a:buNone/>
+            </a:pPr>
+            <a:r>
+              <a:rPr lang="de-DE" sz="2000" dirty="0">
+                <a:latin typeface="Consolas" panose="020B0609020204030204" pitchFamily="49" charset="0"/>
+              </a:rPr>
+              <a:t>.</a:t>
+            </a:r>
+            <a:r>
+              <a:rPr lang="de-DE" sz="2000" dirty="0" err="1">
+                <a:latin typeface="Consolas" panose="020B0609020204030204" pitchFamily="49" charset="0"/>
+              </a:rPr>
+              <a:t>gitlab-ci.yml</a:t>
+            </a:r>
+            <a:r>
+              <a:rPr lang="de-DE" sz="2000" dirty="0">
+                <a:latin typeface="Consolas" panose="020B0609020204030204" pitchFamily="49" charset="0"/>
+              </a:rPr>
+              <a:t>:</a:t>
+            </a:r>
+            <a:endParaRPr lang="de-DE" dirty="0">
+              <a:latin typeface="Consolas" panose="020B0609020204030204" pitchFamily="49" charset="0"/>
+            </a:endParaRPr>
+          </a:p>
+          <a:p>
+            <a:pPr marL="0" indent="0">
+              <a:buNone/>
+            </a:pPr>
+            <a:r>
+              <a:rPr lang="de-DE" sz="1400" dirty="0" err="1">
+                <a:latin typeface="Consolas" panose="020B0609020204030204" pitchFamily="49" charset="0"/>
+              </a:rPr>
+              <a:t>build</a:t>
+            </a:r>
+            <a:r>
+              <a:rPr lang="de-DE" sz="1400" dirty="0">
+                <a:latin typeface="Consolas" panose="020B0609020204030204" pitchFamily="49" charset="0"/>
+              </a:rPr>
+              <a:t>:</a:t>
+            </a:r>
+          </a:p>
+          <a:p>
+            <a:pPr marL="0" indent="0">
+              <a:buNone/>
+            </a:pPr>
+            <a:r>
+              <a:rPr lang="de-DE" sz="1400" dirty="0">
+                <a:latin typeface="Consolas" panose="020B0609020204030204" pitchFamily="49" charset="0"/>
+              </a:rPr>
+              <a:t>  </a:t>
+            </a:r>
+            <a:r>
+              <a:rPr lang="de-DE" sz="1400" dirty="0" err="1">
+                <a:latin typeface="Consolas" panose="020B0609020204030204" pitchFamily="49" charset="0"/>
+              </a:rPr>
+              <a:t>image</a:t>
+            </a:r>
+            <a:r>
+              <a:rPr lang="de-DE" sz="1400" dirty="0">
+                <a:latin typeface="Consolas" panose="020B0609020204030204" pitchFamily="49" charset="0"/>
+              </a:rPr>
+              <a:t>: docker:20.10.16</a:t>
+            </a:r>
+          </a:p>
+          <a:p>
+            <a:pPr marL="0" indent="0">
+              <a:buNone/>
+            </a:pPr>
+            <a:r>
+              <a:rPr lang="de-DE" sz="1400" dirty="0">
+                <a:latin typeface="Consolas" panose="020B0609020204030204" pitchFamily="49" charset="0"/>
+              </a:rPr>
+              <a:t>  </a:t>
+            </a:r>
+            <a:r>
+              <a:rPr lang="de-DE" sz="1400" dirty="0" err="1">
+                <a:latin typeface="Consolas" panose="020B0609020204030204" pitchFamily="49" charset="0"/>
+              </a:rPr>
+              <a:t>stage</a:t>
+            </a:r>
+            <a:r>
+              <a:rPr lang="de-DE" sz="1400" dirty="0">
+                <a:latin typeface="Consolas" panose="020B0609020204030204" pitchFamily="49" charset="0"/>
+              </a:rPr>
+              <a:t>: </a:t>
+            </a:r>
+            <a:r>
+              <a:rPr lang="de-DE" sz="1400" dirty="0" err="1">
+                <a:latin typeface="Consolas" panose="020B0609020204030204" pitchFamily="49" charset="0"/>
+              </a:rPr>
+              <a:t>build</a:t>
+            </a:r>
+            <a:endParaRPr lang="de-DE" sz="1400" dirty="0">
+              <a:latin typeface="Consolas" panose="020B0609020204030204" pitchFamily="49" charset="0"/>
+            </a:endParaRPr>
+          </a:p>
+          <a:p>
+            <a:pPr marL="0" indent="0">
+              <a:buNone/>
+            </a:pPr>
+            <a:r>
+              <a:rPr lang="de-DE" sz="1400" dirty="0">
+                <a:latin typeface="Consolas" panose="020B0609020204030204" pitchFamily="49" charset="0"/>
+              </a:rPr>
+              <a:t>  </a:t>
+            </a:r>
+            <a:r>
+              <a:rPr lang="de-DE" sz="1400" dirty="0" err="1">
+                <a:latin typeface="Consolas" panose="020B0609020204030204" pitchFamily="49" charset="0"/>
+              </a:rPr>
+              <a:t>services</a:t>
+            </a:r>
+            <a:r>
+              <a:rPr lang="de-DE" sz="1400" dirty="0">
+                <a:latin typeface="Consolas" panose="020B0609020204030204" pitchFamily="49" charset="0"/>
+              </a:rPr>
+              <a:t>:</a:t>
+            </a:r>
+          </a:p>
+          <a:p>
+            <a:pPr marL="0" indent="0">
+              <a:buNone/>
+            </a:pPr>
+            <a:r>
+              <a:rPr lang="de-DE" sz="1400" dirty="0">
+                <a:latin typeface="Consolas" panose="020B0609020204030204" pitchFamily="49" charset="0"/>
+              </a:rPr>
+              <a:t>    - docker:20.10.16-dind</a:t>
+            </a:r>
+          </a:p>
+          <a:p>
+            <a:pPr marL="0" indent="0">
+              <a:buNone/>
+            </a:pPr>
+            <a:r>
+              <a:rPr lang="de-DE" sz="1400" dirty="0">
+                <a:latin typeface="Consolas" panose="020B0609020204030204" pitchFamily="49" charset="0"/>
+              </a:rPr>
+              <a:t>  variables:</a:t>
+            </a:r>
+          </a:p>
+          <a:p>
+            <a:pPr marL="0" indent="0">
+              <a:buNone/>
+            </a:pPr>
+            <a:r>
+              <a:rPr lang="de-DE" sz="1400" dirty="0">
+                <a:latin typeface="Consolas" panose="020B0609020204030204" pitchFamily="49" charset="0"/>
+              </a:rPr>
+              <a:t>    IMAGE_TAG: $CI_REGISTRY_IMAGE:$CI_COMMIT_REF_SLUG</a:t>
+            </a:r>
+          </a:p>
+          <a:p>
+            <a:pPr marL="0" indent="0">
+              <a:buNone/>
+            </a:pPr>
+            <a:r>
+              <a:rPr lang="de-DE" sz="1400" dirty="0">
+                <a:latin typeface="Consolas" panose="020B0609020204030204" pitchFamily="49" charset="0"/>
+              </a:rPr>
+              <a:t>  </a:t>
+            </a:r>
+            <a:r>
+              <a:rPr lang="de-DE" sz="1400" dirty="0" err="1">
+                <a:latin typeface="Consolas" panose="020B0609020204030204" pitchFamily="49" charset="0"/>
+              </a:rPr>
+              <a:t>script</a:t>
+            </a:r>
+            <a:r>
+              <a:rPr lang="de-DE" sz="1400" dirty="0">
+                <a:latin typeface="Consolas" panose="020B0609020204030204" pitchFamily="49" charset="0"/>
+              </a:rPr>
+              <a:t>:</a:t>
+            </a:r>
+          </a:p>
+          <a:p>
+            <a:pPr marL="0" indent="0">
+              <a:buNone/>
+            </a:pPr>
+            <a:r>
+              <a:rPr lang="de-DE" sz="1400" dirty="0">
+                <a:latin typeface="Consolas" panose="020B0609020204030204" pitchFamily="49" charset="0"/>
+              </a:rPr>
+              <a:t>    - </a:t>
+            </a:r>
+            <a:r>
+              <a:rPr lang="de-DE" sz="1400" dirty="0" err="1">
+                <a:latin typeface="Consolas" panose="020B0609020204030204" pitchFamily="49" charset="0"/>
+              </a:rPr>
+              <a:t>docker</a:t>
+            </a:r>
+            <a:r>
+              <a:rPr lang="de-DE" sz="1400" dirty="0">
+                <a:latin typeface="Consolas" panose="020B0609020204030204" pitchFamily="49" charset="0"/>
+              </a:rPr>
+              <a:t> </a:t>
+            </a:r>
+            <a:r>
+              <a:rPr lang="de-DE" sz="1400" dirty="0" err="1">
+                <a:latin typeface="Consolas" panose="020B0609020204030204" pitchFamily="49" charset="0"/>
+              </a:rPr>
+              <a:t>login</a:t>
+            </a:r>
+            <a:r>
+              <a:rPr lang="de-DE" sz="1400" dirty="0">
+                <a:latin typeface="Consolas" panose="020B0609020204030204" pitchFamily="49" charset="0"/>
+              </a:rPr>
+              <a:t> -u $CI_REGISTRY_USER -p $CI_REGISTRY_PASSWORD $CI_REGISTRY</a:t>
+            </a:r>
+          </a:p>
+          <a:p>
+            <a:pPr marL="0" indent="0">
+              <a:buNone/>
+            </a:pPr>
+            <a:r>
+              <a:rPr lang="de-DE" sz="1400" dirty="0">
+                <a:latin typeface="Consolas" panose="020B0609020204030204" pitchFamily="49" charset="0"/>
+              </a:rPr>
+              <a:t>    - </a:t>
+            </a:r>
+            <a:r>
+              <a:rPr lang="de-DE" sz="1400" dirty="0" err="1">
+                <a:latin typeface="Consolas" panose="020B0609020204030204" pitchFamily="49" charset="0"/>
+              </a:rPr>
+              <a:t>docker</a:t>
+            </a:r>
+            <a:r>
+              <a:rPr lang="de-DE" sz="1400" dirty="0">
+                <a:latin typeface="Consolas" panose="020B0609020204030204" pitchFamily="49" charset="0"/>
+              </a:rPr>
+              <a:t> </a:t>
+            </a:r>
+            <a:r>
+              <a:rPr lang="de-DE" sz="1400" dirty="0" err="1">
+                <a:latin typeface="Consolas" panose="020B0609020204030204" pitchFamily="49" charset="0"/>
+              </a:rPr>
+              <a:t>build</a:t>
+            </a:r>
+            <a:r>
+              <a:rPr lang="de-DE" sz="1400" dirty="0">
+                <a:latin typeface="Consolas" panose="020B0609020204030204" pitchFamily="49" charset="0"/>
+              </a:rPr>
+              <a:t> -t $IMAGE_TAG .</a:t>
+            </a:r>
+          </a:p>
+          <a:p>
+            <a:pPr marL="0" indent="0">
+              <a:buNone/>
+            </a:pPr>
+            <a:r>
+              <a:rPr lang="de-DE" sz="1400" dirty="0">
+                <a:latin typeface="Consolas" panose="020B0609020204030204" pitchFamily="49" charset="0"/>
+              </a:rPr>
+              <a:t>    - </a:t>
+            </a:r>
+            <a:r>
+              <a:rPr lang="de-DE" sz="1400" dirty="0" err="1">
+                <a:latin typeface="Consolas" panose="020B0609020204030204" pitchFamily="49" charset="0"/>
+              </a:rPr>
+              <a:t>docker</a:t>
+            </a:r>
+            <a:r>
+              <a:rPr lang="de-DE" sz="1400" dirty="0">
+                <a:latin typeface="Consolas" panose="020B0609020204030204" pitchFamily="49" charset="0"/>
+              </a:rPr>
+              <a:t> push $IMAGE_TAG</a:t>
+            </a:r>
+          </a:p>
+          <a:p>
+            <a:pPr marL="0" indent="0">
+              <a:buNone/>
+            </a:pPr>
+            <a:endParaRPr lang="de-DE" sz="1400" dirty="0">
+              <a:latin typeface="Consolas" panose="020B0609020204030204" pitchFamily="49" charset="0"/>
+            </a:endParaRPr>
+          </a:p>
+          <a:p>
+            <a:pPr>
+              <a:buFont typeface="Arial" panose="020B0604020202020204" pitchFamily="34" charset="0"/>
+              <a:buChar char="•"/>
+            </a:pPr>
+            <a:r>
+              <a:rPr lang="de-DE" sz="1800" dirty="0"/>
+              <a:t>$CI_REGISTRY_IMAGE</a:t>
+            </a:r>
+          </a:p>
+          <a:p>
+            <a:pPr lvl="1">
+              <a:buFont typeface="Arial" panose="020B0604020202020204" pitchFamily="34" charset="0"/>
+              <a:buChar char="•"/>
+            </a:pPr>
+            <a:r>
+              <a:rPr lang="de-DE" sz="1600" dirty="0"/>
+              <a:t>Ist die Adresse der Registry des aktuellen Projekts</a:t>
+            </a:r>
+          </a:p>
+          <a:p>
+            <a:pPr>
+              <a:buFont typeface="Arial" panose="020B0604020202020204" pitchFamily="34" charset="0"/>
+              <a:buChar char="•"/>
+            </a:pPr>
+            <a:r>
+              <a:rPr lang="de-DE" sz="1800" dirty="0"/>
+              <a:t>$CI_COMMIT_REF_NAME</a:t>
+            </a:r>
+          </a:p>
+          <a:p>
+            <a:pPr lvl="1">
+              <a:buFont typeface="Arial" panose="020B0604020202020204" pitchFamily="34" charset="0"/>
+              <a:buChar char="•"/>
+            </a:pPr>
+            <a:r>
+              <a:rPr lang="de-DE" sz="1400" dirty="0"/>
+              <a:t>Ist der Branch- oder Tag-Name</a:t>
+            </a:r>
+          </a:p>
+          <a:p>
+            <a:pPr lvl="1">
+              <a:buFont typeface="Arial" panose="020B0604020202020204" pitchFamily="34" charset="0"/>
+              <a:buChar char="•"/>
+            </a:pPr>
+            <a:endParaRPr lang="de-DE" sz="1400" dirty="0"/>
+          </a:p>
+        </p:txBody>
+      </p:sp>
+    </p:spTree>
+    <p:extLst>
+      <p:ext uri="{BB962C8B-B14F-4D97-AF65-F5344CB8AC3E}">
+        <p14:creationId xmlns:p14="http://schemas.microsoft.com/office/powerpoint/2010/main" val="979910068"/>
+      </p:ext>
+    </p:extLst>
+  </p:cSld>
+  <p:clrMapOvr>
+    <a:masterClrMapping/>
+  </p:clrMapOvr>
+</p:sld>
+</file>
+
+<file path=ppt/slides/slide35.xml><?xml version="1.0" encoding="utf-8"?>
+<p:sld xmlns:a="http://schemas.openxmlformats.org/drawingml/2006/main" xmlns:r="http://schemas.openxmlformats.org/officeDocument/2006/relationships" xmlns:p="http://schemas.openxmlformats.org/presentationml/2006/main">
+  <p:cSld>
+    <p:spTree>
+      <p:nvGrpSpPr>
+        <p:cNvPr id="1" name=""/>
+        <p:cNvGrpSpPr/>
+        <p:nvPr/>
+      </p:nvGrpSpPr>
+      <p:grpSpPr>
+        <a:xfrm>
+          <a:off x="0" y="0"/>
+          <a:ext cx="0" cy="0"/>
+          <a:chOff x="0" y="0"/>
+          <a:chExt cx="0" cy="0"/>
+        </a:xfrm>
+      </p:grpSpPr>
+      <p:sp>
+        <p:nvSpPr>
+          <p:cNvPr id="2" name="Titel 1">
+            <a:extLst>
+              <a:ext uri="{FF2B5EF4-FFF2-40B4-BE49-F238E27FC236}">
+                <a16:creationId xmlns:a16="http://schemas.microsoft.com/office/drawing/2014/main" id="{49A48EBC-55D9-6D64-715F-AF6DEBF117C3}"/>
+              </a:ext>
+            </a:extLst>
+          </p:cNvPr>
+          <p:cNvSpPr>
+            <a:spLocks noGrp="1"/>
+          </p:cNvSpPr>
+          <p:nvPr>
+            <p:ph type="title"/>
+          </p:nvPr>
+        </p:nvSpPr>
+        <p:spPr/>
+        <p:txBody>
+          <a:bodyPr/>
+          <a:lstStyle/>
+          <a:p>
+            <a:r>
+              <a:rPr lang="de-DE" cap="none" dirty="0"/>
+              <a:t>Release- und </a:t>
+            </a:r>
+            <a:r>
+              <a:rPr lang="de-DE" cap="none" dirty="0" err="1"/>
+              <a:t>Tagged</a:t>
+            </a:r>
+            <a:r>
+              <a:rPr lang="de-DE" cap="none" dirty="0"/>
+              <a:t>-Images</a:t>
+            </a:r>
+            <a:endParaRPr lang="de-DE" dirty="0"/>
+          </a:p>
+        </p:txBody>
+      </p:sp>
+      <p:sp>
+        <p:nvSpPr>
+          <p:cNvPr id="3" name="Inhaltsplatzhalter 2">
+            <a:extLst>
+              <a:ext uri="{FF2B5EF4-FFF2-40B4-BE49-F238E27FC236}">
+                <a16:creationId xmlns:a16="http://schemas.microsoft.com/office/drawing/2014/main" id="{7B404127-ED2B-6905-BDD1-3C60D11A2A7C}"/>
+              </a:ext>
+            </a:extLst>
+          </p:cNvPr>
+          <p:cNvSpPr>
+            <a:spLocks noGrp="1"/>
+          </p:cNvSpPr>
+          <p:nvPr>
+            <p:ph idx="1"/>
+          </p:nvPr>
+        </p:nvSpPr>
+        <p:spPr/>
+        <p:txBody>
+          <a:bodyPr/>
+          <a:lstStyle/>
+          <a:p>
+            <a:pPr marL="0" indent="0">
+              <a:buNone/>
+            </a:pPr>
+            <a:r>
+              <a:rPr lang="de-DE" b="1" dirty="0"/>
+              <a:t>Pipeline mit vier Stages (… auf vier Slides </a:t>
+            </a:r>
+            <a:r>
+              <a:rPr lang="de-DE" b="1" dirty="0">
+                <a:sym typeface="Wingdings" panose="05000000000000000000" pitchFamily="2" charset="2"/>
+              </a:rPr>
+              <a:t>)</a:t>
+            </a:r>
+            <a:endParaRPr lang="de-DE" b="1" dirty="0"/>
+          </a:p>
+          <a:p>
+            <a:pPr marL="457200" indent="-457200">
+              <a:buFont typeface="+mj-lt"/>
+              <a:buAutoNum type="arabicPeriod"/>
+            </a:pPr>
+            <a:r>
+              <a:rPr lang="de-DE" dirty="0" err="1"/>
+              <a:t>Build</a:t>
+            </a:r>
+            <a:r>
+              <a:rPr lang="de-DE" dirty="0"/>
+              <a:t> wird in die Container Registry </a:t>
+            </a:r>
+            <a:r>
+              <a:rPr lang="de-DE" dirty="0" err="1"/>
+              <a:t>gepushed</a:t>
+            </a:r>
+            <a:endParaRPr lang="de-DE" dirty="0"/>
+          </a:p>
+          <a:p>
+            <a:pPr marL="457200" indent="-457200">
+              <a:buFont typeface="+mj-lt"/>
+              <a:buAutoNum type="arabicPeriod"/>
+            </a:pPr>
+            <a:r>
+              <a:rPr lang="de-DE" dirty="0"/>
+              <a:t>Von den nachfolgenden Stages (bei Bedarf) </a:t>
+            </a:r>
+            <a:r>
+              <a:rPr lang="de-DE" dirty="0" err="1"/>
+              <a:t>gepulled</a:t>
+            </a:r>
+            <a:endParaRPr lang="de-DE" dirty="0"/>
+          </a:p>
+          <a:p>
+            <a:pPr marL="457200" indent="-457200">
+              <a:buFont typeface="+mj-lt"/>
+              <a:buAutoNum type="arabicPeriod"/>
+            </a:pPr>
+            <a:r>
+              <a:rPr lang="de-DE" dirty="0"/>
+              <a:t>Zwei </a:t>
+            </a:r>
+            <a:r>
+              <a:rPr lang="de-DE" dirty="0" err="1"/>
+              <a:t>paralell</a:t>
+            </a:r>
+            <a:r>
+              <a:rPr lang="de-DE" dirty="0"/>
+              <a:t> laufende Tests</a:t>
+            </a:r>
+          </a:p>
+          <a:p>
+            <a:pPr marL="457200" indent="-457200">
+              <a:buFont typeface="+mj-lt"/>
+              <a:buAutoNum type="arabicPeriod"/>
+            </a:pPr>
+            <a:r>
+              <a:rPr lang="de-DE" dirty="0"/>
+              <a:t>Änderungen am </a:t>
+            </a:r>
+            <a:r>
+              <a:rPr lang="de-DE" dirty="0" err="1">
+                <a:latin typeface="Consolas" panose="020B0609020204030204" pitchFamily="49" charset="0"/>
+              </a:rPr>
+              <a:t>main</a:t>
+            </a:r>
+            <a:r>
+              <a:rPr lang="de-DE" dirty="0"/>
+              <a:t> werden als </a:t>
+            </a:r>
+            <a:r>
+              <a:rPr lang="de-DE" dirty="0" err="1">
+                <a:latin typeface="Consolas" panose="020B0609020204030204" pitchFamily="49" charset="0"/>
+              </a:rPr>
+              <a:t>latest</a:t>
+            </a:r>
+            <a:r>
+              <a:rPr lang="de-DE" dirty="0"/>
+              <a:t> </a:t>
+            </a:r>
+            <a:r>
+              <a:rPr lang="de-DE" dirty="0" err="1"/>
+              <a:t>getagged</a:t>
+            </a:r>
+            <a:endParaRPr lang="de-DE" dirty="0"/>
+          </a:p>
+          <a:p>
+            <a:pPr marL="457200" indent="-457200">
+              <a:buFont typeface="+mj-lt"/>
+              <a:buAutoNum type="arabicPeriod"/>
+            </a:pPr>
+            <a:r>
+              <a:rPr lang="de-DE" dirty="0" err="1"/>
+              <a:t>Deployment</a:t>
+            </a:r>
+            <a:r>
+              <a:rPr lang="de-DE" dirty="0"/>
+              <a:t> über anwendungs-spezifisches Deploy-Skript</a:t>
+            </a:r>
+          </a:p>
+          <a:p>
+            <a:pPr>
+              <a:buFont typeface="Arial" panose="020B0604020202020204" pitchFamily="34" charset="0"/>
+              <a:buChar char="•"/>
+            </a:pPr>
+            <a:endParaRPr lang="de-DE" dirty="0"/>
+          </a:p>
+          <a:p>
+            <a:pPr>
+              <a:buFont typeface="Arial" panose="020B0604020202020204" pitchFamily="34" charset="0"/>
+              <a:buChar char="•"/>
+            </a:pPr>
+            <a:endParaRPr lang="de-DE" dirty="0"/>
+          </a:p>
+        </p:txBody>
+      </p:sp>
+    </p:spTree>
+    <p:extLst>
+      <p:ext uri="{BB962C8B-B14F-4D97-AF65-F5344CB8AC3E}">
+        <p14:creationId xmlns:p14="http://schemas.microsoft.com/office/powerpoint/2010/main" val="4283580811"/>
+      </p:ext>
+    </p:extLst>
+  </p:cSld>
+  <p:clrMapOvr>
+    <a:masterClrMapping/>
+  </p:clrMapOvr>
+</p:sld>
+</file>
+
+<file path=ppt/slides/slide36.xml><?xml version="1.0" encoding="utf-8"?>
+<p:sld xmlns:a="http://schemas.openxmlformats.org/drawingml/2006/main" xmlns:r="http://schemas.openxmlformats.org/officeDocument/2006/relationships" xmlns:p="http://schemas.openxmlformats.org/presentationml/2006/main">
+  <p:cSld>
+    <p:spTree>
+      <p:nvGrpSpPr>
+        <p:cNvPr id="1" name=""/>
+        <p:cNvGrpSpPr/>
+        <p:nvPr/>
+      </p:nvGrpSpPr>
+      <p:grpSpPr>
+        <a:xfrm>
+          <a:off x="0" y="0"/>
+          <a:ext cx="0" cy="0"/>
+          <a:chOff x="0" y="0"/>
+          <a:chExt cx="0" cy="0"/>
+        </a:xfrm>
+      </p:grpSpPr>
+      <p:sp>
+        <p:nvSpPr>
+          <p:cNvPr id="2" name="Titel 1">
+            <a:extLst>
+              <a:ext uri="{FF2B5EF4-FFF2-40B4-BE49-F238E27FC236}">
+                <a16:creationId xmlns:a16="http://schemas.microsoft.com/office/drawing/2014/main" id="{49A48EBC-55D9-6D64-715F-AF6DEBF117C3}"/>
+              </a:ext>
+            </a:extLst>
+          </p:cNvPr>
+          <p:cNvSpPr>
+            <a:spLocks noGrp="1"/>
+          </p:cNvSpPr>
+          <p:nvPr>
+            <p:ph type="title"/>
+          </p:nvPr>
+        </p:nvSpPr>
+        <p:spPr/>
+        <p:txBody>
+          <a:bodyPr/>
+          <a:lstStyle/>
+          <a:p>
+            <a:r>
+              <a:rPr lang="de-DE" cap="none" dirty="0"/>
+              <a:t>Release- und </a:t>
+            </a:r>
+            <a:r>
+              <a:rPr lang="de-DE" cap="none" dirty="0" err="1"/>
+              <a:t>Tagged</a:t>
+            </a:r>
+            <a:r>
+              <a:rPr lang="de-DE" cap="none" dirty="0"/>
+              <a:t>-Images</a:t>
+            </a:r>
+            <a:endParaRPr lang="de-DE" dirty="0"/>
+          </a:p>
+        </p:txBody>
+      </p:sp>
+      <p:sp>
+        <p:nvSpPr>
+          <p:cNvPr id="3" name="Inhaltsplatzhalter 2">
+            <a:extLst>
+              <a:ext uri="{FF2B5EF4-FFF2-40B4-BE49-F238E27FC236}">
+                <a16:creationId xmlns:a16="http://schemas.microsoft.com/office/drawing/2014/main" id="{7B404127-ED2B-6905-BDD1-3C60D11A2A7C}"/>
+              </a:ext>
+            </a:extLst>
+          </p:cNvPr>
+          <p:cNvSpPr>
+            <a:spLocks noGrp="1"/>
+          </p:cNvSpPr>
+          <p:nvPr>
+            <p:ph idx="1"/>
+          </p:nvPr>
+        </p:nvSpPr>
+        <p:spPr/>
+        <p:txBody>
+          <a:bodyPr/>
+          <a:lstStyle/>
+          <a:p>
+            <a:pPr marL="0" indent="0">
+              <a:buNone/>
+            </a:pPr>
+            <a:r>
+              <a:rPr lang="de-DE" sz="2000" b="1" dirty="0">
+                <a:latin typeface="Consolas" panose="020B0609020204030204" pitchFamily="49" charset="0"/>
+              </a:rPr>
+              <a:t>.</a:t>
+            </a:r>
+            <a:r>
+              <a:rPr lang="de-DE" sz="2000" b="1" dirty="0" err="1">
+                <a:latin typeface="Consolas" panose="020B0609020204030204" pitchFamily="49" charset="0"/>
+              </a:rPr>
+              <a:t>gitlab-ci.yml</a:t>
+            </a:r>
+            <a:r>
+              <a:rPr lang="de-DE" sz="2000" b="1" dirty="0">
+                <a:latin typeface="Consolas" panose="020B0609020204030204" pitchFamily="49" charset="0"/>
+              </a:rPr>
+              <a:t> (1/4)</a:t>
+            </a:r>
+          </a:p>
+          <a:p>
+            <a:pPr marL="0" indent="0">
+              <a:buNone/>
+            </a:pPr>
+            <a:r>
+              <a:rPr lang="de-DE" sz="1800" dirty="0" err="1">
+                <a:latin typeface="Consolas" panose="020B0609020204030204" pitchFamily="49" charset="0"/>
+              </a:rPr>
+              <a:t>default</a:t>
+            </a:r>
+            <a:r>
+              <a:rPr lang="de-DE" sz="1800" dirty="0">
+                <a:latin typeface="Consolas" panose="020B0609020204030204" pitchFamily="49" charset="0"/>
+              </a:rPr>
+              <a:t>:</a:t>
+            </a:r>
+          </a:p>
+          <a:p>
+            <a:pPr marL="0" indent="0">
+              <a:buNone/>
+            </a:pPr>
+            <a:r>
+              <a:rPr lang="de-DE" sz="1800" dirty="0">
+                <a:latin typeface="Consolas" panose="020B0609020204030204" pitchFamily="49" charset="0"/>
+              </a:rPr>
+              <a:t>  </a:t>
+            </a:r>
+            <a:r>
+              <a:rPr lang="de-DE" sz="1800" dirty="0" err="1">
+                <a:latin typeface="Consolas" panose="020B0609020204030204" pitchFamily="49" charset="0"/>
+              </a:rPr>
+              <a:t>image</a:t>
+            </a:r>
+            <a:r>
+              <a:rPr lang="de-DE" sz="1800" dirty="0">
+                <a:latin typeface="Consolas" panose="020B0609020204030204" pitchFamily="49" charset="0"/>
+              </a:rPr>
+              <a:t>: docker:20.10.16</a:t>
+            </a:r>
+          </a:p>
+          <a:p>
+            <a:pPr marL="0" indent="0">
+              <a:buNone/>
+            </a:pPr>
+            <a:r>
+              <a:rPr lang="de-DE" sz="1800" dirty="0">
+                <a:latin typeface="Consolas" panose="020B0609020204030204" pitchFamily="49" charset="0"/>
+              </a:rPr>
+              <a:t>  </a:t>
+            </a:r>
+            <a:r>
+              <a:rPr lang="de-DE" sz="1800" dirty="0" err="1">
+                <a:latin typeface="Consolas" panose="020B0609020204030204" pitchFamily="49" charset="0"/>
+              </a:rPr>
+              <a:t>services</a:t>
+            </a:r>
+            <a:r>
+              <a:rPr lang="de-DE" sz="1800" dirty="0">
+                <a:latin typeface="Consolas" panose="020B0609020204030204" pitchFamily="49" charset="0"/>
+              </a:rPr>
+              <a:t>:</a:t>
+            </a:r>
+          </a:p>
+          <a:p>
+            <a:pPr marL="0" indent="0">
+              <a:buNone/>
+            </a:pPr>
+            <a:r>
+              <a:rPr lang="de-DE" sz="1800" dirty="0">
+                <a:latin typeface="Consolas" panose="020B0609020204030204" pitchFamily="49" charset="0"/>
+              </a:rPr>
+              <a:t>    - docker:20.10.16-dind</a:t>
+            </a:r>
+          </a:p>
+          <a:p>
+            <a:pPr marL="0" indent="0">
+              <a:buNone/>
+            </a:pPr>
+            <a:r>
+              <a:rPr lang="de-DE" sz="1800" dirty="0">
+                <a:latin typeface="Consolas" panose="020B0609020204030204" pitchFamily="49" charset="0"/>
+              </a:rPr>
+              <a:t>  </a:t>
+            </a:r>
+            <a:r>
+              <a:rPr lang="de-DE" sz="1800" dirty="0" err="1">
+                <a:latin typeface="Consolas" panose="020B0609020204030204" pitchFamily="49" charset="0"/>
+              </a:rPr>
+              <a:t>before_script</a:t>
+            </a:r>
+            <a:r>
+              <a:rPr lang="de-DE" sz="1800" dirty="0">
+                <a:latin typeface="Consolas" panose="020B0609020204030204" pitchFamily="49" charset="0"/>
+              </a:rPr>
+              <a:t>:</a:t>
+            </a:r>
+          </a:p>
+          <a:p>
+            <a:pPr marL="0" indent="0">
+              <a:buNone/>
+            </a:pPr>
+            <a:r>
+              <a:rPr lang="de-DE" sz="1800" dirty="0">
+                <a:latin typeface="Consolas" panose="020B0609020204030204" pitchFamily="49" charset="0"/>
+              </a:rPr>
+              <a:t>    - </a:t>
+            </a:r>
+            <a:r>
+              <a:rPr lang="de-DE" sz="1800" dirty="0" err="1">
+                <a:latin typeface="Consolas" panose="020B0609020204030204" pitchFamily="49" charset="0"/>
+              </a:rPr>
+              <a:t>docker</a:t>
+            </a:r>
+            <a:r>
+              <a:rPr lang="de-DE" sz="1800" dirty="0">
+                <a:latin typeface="Consolas" panose="020B0609020204030204" pitchFamily="49" charset="0"/>
+              </a:rPr>
+              <a:t> </a:t>
+            </a:r>
+            <a:r>
+              <a:rPr lang="de-DE" sz="1800" dirty="0" err="1">
+                <a:latin typeface="Consolas" panose="020B0609020204030204" pitchFamily="49" charset="0"/>
+              </a:rPr>
+              <a:t>login</a:t>
+            </a:r>
+            <a:r>
+              <a:rPr lang="de-DE" sz="1800" dirty="0">
+                <a:latin typeface="Consolas" panose="020B0609020204030204" pitchFamily="49" charset="0"/>
+              </a:rPr>
+              <a:t> -u $CI_REGISTRY_USER -p $CI_REGISTRY_PASSWORD $CI_REGISTRY</a:t>
+            </a:r>
+          </a:p>
+          <a:p>
+            <a:pPr marL="0" indent="0">
+              <a:buNone/>
+            </a:pPr>
+            <a:endParaRPr lang="de-DE" sz="1800" dirty="0">
+              <a:latin typeface="Consolas" panose="020B0609020204030204" pitchFamily="49" charset="0"/>
+            </a:endParaRPr>
+          </a:p>
+          <a:p>
+            <a:pPr marL="0" indent="0">
+              <a:buNone/>
+            </a:pPr>
+            <a:r>
+              <a:rPr lang="de-DE" sz="1800" dirty="0" err="1">
+                <a:latin typeface="Consolas" panose="020B0609020204030204" pitchFamily="49" charset="0"/>
+              </a:rPr>
+              <a:t>stages</a:t>
+            </a:r>
+            <a:r>
+              <a:rPr lang="de-DE" sz="1800" dirty="0">
+                <a:latin typeface="Consolas" panose="020B0609020204030204" pitchFamily="49" charset="0"/>
+              </a:rPr>
+              <a:t>: # Vier Stages</a:t>
+            </a:r>
+          </a:p>
+          <a:p>
+            <a:pPr marL="0" indent="0">
+              <a:buNone/>
+            </a:pPr>
+            <a:r>
+              <a:rPr lang="de-DE" sz="1800" dirty="0">
+                <a:latin typeface="Consolas" panose="020B0609020204030204" pitchFamily="49" charset="0"/>
+              </a:rPr>
+              <a:t>  - </a:t>
+            </a:r>
+            <a:r>
+              <a:rPr lang="de-DE" sz="1800" dirty="0" err="1">
+                <a:latin typeface="Consolas" panose="020B0609020204030204" pitchFamily="49" charset="0"/>
+              </a:rPr>
+              <a:t>build</a:t>
+            </a:r>
+            <a:endParaRPr lang="de-DE" sz="1800" dirty="0">
+              <a:latin typeface="Consolas" panose="020B0609020204030204" pitchFamily="49" charset="0"/>
+            </a:endParaRPr>
+          </a:p>
+          <a:p>
+            <a:pPr marL="0" indent="0">
+              <a:buNone/>
+            </a:pPr>
+            <a:r>
+              <a:rPr lang="de-DE" sz="1800" dirty="0">
+                <a:latin typeface="Consolas" panose="020B0609020204030204" pitchFamily="49" charset="0"/>
+              </a:rPr>
+              <a:t>  - </a:t>
+            </a:r>
+            <a:r>
+              <a:rPr lang="de-DE" sz="1800" dirty="0" err="1">
+                <a:latin typeface="Consolas" panose="020B0609020204030204" pitchFamily="49" charset="0"/>
+              </a:rPr>
+              <a:t>test</a:t>
+            </a:r>
+            <a:endParaRPr lang="de-DE" sz="1800" dirty="0">
+              <a:latin typeface="Consolas" panose="020B0609020204030204" pitchFamily="49" charset="0"/>
+            </a:endParaRPr>
+          </a:p>
+          <a:p>
+            <a:pPr marL="0" indent="0">
+              <a:buNone/>
+            </a:pPr>
+            <a:r>
+              <a:rPr lang="de-DE" sz="1800" dirty="0">
+                <a:latin typeface="Consolas" panose="020B0609020204030204" pitchFamily="49" charset="0"/>
+              </a:rPr>
+              <a:t>  - release</a:t>
+            </a:r>
+          </a:p>
+          <a:p>
+            <a:pPr marL="0" indent="0">
+              <a:buNone/>
+            </a:pPr>
+            <a:r>
+              <a:rPr lang="de-DE" sz="1800" dirty="0">
+                <a:latin typeface="Consolas" panose="020B0609020204030204" pitchFamily="49" charset="0"/>
+              </a:rPr>
+              <a:t>  - deploy</a:t>
+            </a:r>
+          </a:p>
+          <a:p>
+            <a:pPr marL="0" indent="0">
+              <a:buNone/>
+            </a:pPr>
+            <a:endParaRPr lang="de-DE" sz="1600" dirty="0">
+              <a:latin typeface="Consolas" panose="020B0609020204030204" pitchFamily="49" charset="0"/>
+            </a:endParaRPr>
+          </a:p>
+          <a:p>
+            <a:pPr marL="0" indent="0">
+              <a:buNone/>
+            </a:pPr>
+            <a:endParaRPr lang="de-DE" sz="1600" dirty="0">
+              <a:latin typeface="Consolas" panose="020B0609020204030204" pitchFamily="49" charset="0"/>
+            </a:endParaRPr>
+          </a:p>
+        </p:txBody>
+      </p:sp>
+    </p:spTree>
+    <p:extLst>
+      <p:ext uri="{BB962C8B-B14F-4D97-AF65-F5344CB8AC3E}">
+        <p14:creationId xmlns:p14="http://schemas.microsoft.com/office/powerpoint/2010/main" val="3047470218"/>
+      </p:ext>
+    </p:extLst>
+  </p:cSld>
+  <p:clrMapOvr>
+    <a:masterClrMapping/>
+  </p:clrMapOvr>
+</p:sld>
+</file>
+
+<file path=ppt/slides/slide37.xml><?xml version="1.0" encoding="utf-8"?>
+<p:sld xmlns:a="http://schemas.openxmlformats.org/drawingml/2006/main" xmlns:r="http://schemas.openxmlformats.org/officeDocument/2006/relationships" xmlns:p="http://schemas.openxmlformats.org/presentationml/2006/main">
+  <p:cSld>
+    <p:spTree>
+      <p:nvGrpSpPr>
+        <p:cNvPr id="1" name=""/>
+        <p:cNvGrpSpPr/>
+        <p:nvPr/>
+      </p:nvGrpSpPr>
+      <p:grpSpPr>
+        <a:xfrm>
+          <a:off x="0" y="0"/>
+          <a:ext cx="0" cy="0"/>
+          <a:chOff x="0" y="0"/>
+          <a:chExt cx="0" cy="0"/>
+        </a:xfrm>
+      </p:grpSpPr>
+      <p:sp>
+        <p:nvSpPr>
+          <p:cNvPr id="2" name="Titel 1">
+            <a:extLst>
+              <a:ext uri="{FF2B5EF4-FFF2-40B4-BE49-F238E27FC236}">
+                <a16:creationId xmlns:a16="http://schemas.microsoft.com/office/drawing/2014/main" id="{49A48EBC-55D9-6D64-715F-AF6DEBF117C3}"/>
+              </a:ext>
+            </a:extLst>
+          </p:cNvPr>
+          <p:cNvSpPr>
+            <a:spLocks noGrp="1"/>
+          </p:cNvSpPr>
+          <p:nvPr>
+            <p:ph type="title"/>
+          </p:nvPr>
+        </p:nvSpPr>
+        <p:spPr/>
+        <p:txBody>
+          <a:bodyPr/>
+          <a:lstStyle/>
+          <a:p>
+            <a:r>
+              <a:rPr lang="de-DE" cap="none" dirty="0"/>
+              <a:t>Release- und </a:t>
+            </a:r>
+            <a:r>
+              <a:rPr lang="de-DE" cap="none" dirty="0" err="1"/>
+              <a:t>Tagged</a:t>
+            </a:r>
+            <a:r>
+              <a:rPr lang="de-DE" cap="none" dirty="0"/>
+              <a:t>-Images</a:t>
+            </a:r>
+            <a:endParaRPr lang="de-DE" dirty="0"/>
+          </a:p>
+        </p:txBody>
+      </p:sp>
+      <p:sp>
+        <p:nvSpPr>
+          <p:cNvPr id="3" name="Inhaltsplatzhalter 2">
+            <a:extLst>
+              <a:ext uri="{FF2B5EF4-FFF2-40B4-BE49-F238E27FC236}">
+                <a16:creationId xmlns:a16="http://schemas.microsoft.com/office/drawing/2014/main" id="{7B404127-ED2B-6905-BDD1-3C60D11A2A7C}"/>
+              </a:ext>
+            </a:extLst>
+          </p:cNvPr>
+          <p:cNvSpPr>
+            <a:spLocks noGrp="1"/>
+          </p:cNvSpPr>
+          <p:nvPr>
+            <p:ph idx="1"/>
+          </p:nvPr>
+        </p:nvSpPr>
+        <p:spPr/>
+        <p:txBody>
+          <a:bodyPr/>
+          <a:lstStyle/>
+          <a:p>
+            <a:pPr marL="0" indent="0">
+              <a:buNone/>
+            </a:pPr>
+            <a:r>
+              <a:rPr lang="de-DE" sz="2000" b="1" dirty="0">
+                <a:latin typeface="Consolas" panose="020B0609020204030204" pitchFamily="49" charset="0"/>
+              </a:rPr>
+              <a:t>.</a:t>
+            </a:r>
+            <a:r>
+              <a:rPr lang="de-DE" sz="2000" b="1" dirty="0" err="1">
+                <a:latin typeface="Consolas" panose="020B0609020204030204" pitchFamily="49" charset="0"/>
+              </a:rPr>
+              <a:t>gitlab-ci.yml</a:t>
+            </a:r>
+            <a:r>
+              <a:rPr lang="de-DE" sz="2000" b="1" dirty="0">
+                <a:latin typeface="Consolas" panose="020B0609020204030204" pitchFamily="49" charset="0"/>
+              </a:rPr>
+              <a:t> (2/4)</a:t>
+            </a:r>
+          </a:p>
+          <a:p>
+            <a:pPr marL="0" indent="0">
+              <a:buNone/>
+            </a:pPr>
+            <a:r>
+              <a:rPr lang="de-DE" sz="1600" dirty="0">
+                <a:latin typeface="Consolas" panose="020B0609020204030204" pitchFamily="49" charset="0"/>
+              </a:rPr>
+              <a:t>variables:</a:t>
+            </a:r>
+          </a:p>
+          <a:p>
+            <a:pPr marL="0" indent="0">
+              <a:buNone/>
+            </a:pPr>
+            <a:r>
+              <a:rPr lang="de-DE" sz="1600" dirty="0">
+                <a:latin typeface="Consolas" panose="020B0609020204030204" pitchFamily="49" charset="0"/>
+              </a:rPr>
+              <a:t>  # Use TLS https://docs.gitlab.com/ee/ci/docker/using_docker_build.html#tls-enabled</a:t>
+            </a:r>
+          </a:p>
+          <a:p>
+            <a:pPr marL="0" indent="0">
+              <a:buNone/>
+            </a:pPr>
+            <a:r>
+              <a:rPr lang="de-DE" sz="1600" dirty="0">
+                <a:latin typeface="Consolas" panose="020B0609020204030204" pitchFamily="49" charset="0"/>
+              </a:rPr>
+              <a:t>  DOCKER_HOST: tcp://docker:2376</a:t>
+            </a:r>
+          </a:p>
+          <a:p>
+            <a:pPr marL="0" indent="0">
+              <a:buNone/>
+            </a:pPr>
+            <a:r>
+              <a:rPr lang="de-DE" sz="1600" dirty="0">
+                <a:latin typeface="Consolas" panose="020B0609020204030204" pitchFamily="49" charset="0"/>
+              </a:rPr>
+              <a:t>  DOCKER_TLS_CERTDIR: "/</a:t>
+            </a:r>
+            <a:r>
+              <a:rPr lang="de-DE" sz="1600" dirty="0" err="1">
+                <a:latin typeface="Consolas" panose="020B0609020204030204" pitchFamily="49" charset="0"/>
+              </a:rPr>
+              <a:t>certs</a:t>
+            </a:r>
+            <a:r>
+              <a:rPr lang="de-DE" sz="1600" dirty="0">
+                <a:latin typeface="Consolas" panose="020B0609020204030204" pitchFamily="49" charset="0"/>
+              </a:rPr>
+              <a:t>"</a:t>
+            </a:r>
+          </a:p>
+          <a:p>
+            <a:pPr marL="0" indent="0">
+              <a:buNone/>
+            </a:pPr>
+            <a:r>
+              <a:rPr lang="de-DE" sz="1600" dirty="0">
+                <a:latin typeface="Consolas" panose="020B0609020204030204" pitchFamily="49" charset="0"/>
+              </a:rPr>
+              <a:t>  CONTAINER_TEST_IMAGE: $CI_REGISTRY_IMAGE:$CI_COMMIT_REF_SLUG</a:t>
+            </a:r>
+          </a:p>
+          <a:p>
+            <a:pPr marL="0" indent="0">
+              <a:buNone/>
+            </a:pPr>
+            <a:r>
+              <a:rPr lang="de-DE" sz="1600" dirty="0">
+                <a:latin typeface="Consolas" panose="020B0609020204030204" pitchFamily="49" charset="0"/>
+              </a:rPr>
+              <a:t>  CONTAINER_RELEASE_IMAGE: $</a:t>
+            </a:r>
+            <a:r>
+              <a:rPr lang="de-DE" sz="1600" dirty="0" err="1">
+                <a:latin typeface="Consolas" panose="020B0609020204030204" pitchFamily="49" charset="0"/>
+              </a:rPr>
+              <a:t>CI_REGISTRY_IMAGE:latest</a:t>
+            </a:r>
+            <a:r>
+              <a:rPr lang="de-DE" sz="1600" dirty="0">
+                <a:latin typeface="Consolas" panose="020B0609020204030204" pitchFamily="49" charset="0"/>
+              </a:rPr>
+              <a:t> </a:t>
+            </a:r>
+            <a:r>
+              <a:rPr lang="de-DE" sz="1600" dirty="0">
+                <a:solidFill>
+                  <a:srgbClr val="008C5A"/>
+                </a:solidFill>
+                <a:latin typeface="Consolas" panose="020B0609020204030204" pitchFamily="49" charset="0"/>
+              </a:rPr>
+              <a:t># Variable für 4.</a:t>
+            </a:r>
+          </a:p>
+          <a:p>
+            <a:pPr marL="0" indent="0">
+              <a:buNone/>
+            </a:pPr>
+            <a:endParaRPr lang="de-DE" sz="1600" dirty="0">
+              <a:latin typeface="Consolas" panose="020B0609020204030204" pitchFamily="49" charset="0"/>
+            </a:endParaRPr>
+          </a:p>
+          <a:p>
+            <a:pPr marL="0" indent="0">
+              <a:buNone/>
+            </a:pPr>
+            <a:r>
+              <a:rPr lang="de-DE" sz="1600" dirty="0" err="1">
+                <a:latin typeface="Consolas" panose="020B0609020204030204" pitchFamily="49" charset="0"/>
+              </a:rPr>
+              <a:t>build</a:t>
+            </a:r>
+            <a:r>
+              <a:rPr lang="de-DE" sz="1600" dirty="0">
+                <a:latin typeface="Consolas" panose="020B0609020204030204" pitchFamily="49" charset="0"/>
+              </a:rPr>
+              <a:t>:</a:t>
+            </a:r>
+          </a:p>
+          <a:p>
+            <a:pPr marL="0" indent="0">
+              <a:buNone/>
+            </a:pPr>
+            <a:r>
+              <a:rPr lang="de-DE" sz="1600" dirty="0">
+                <a:latin typeface="Consolas" panose="020B0609020204030204" pitchFamily="49" charset="0"/>
+              </a:rPr>
+              <a:t>  </a:t>
+            </a:r>
+            <a:r>
+              <a:rPr lang="de-DE" sz="1600" dirty="0" err="1">
+                <a:latin typeface="Consolas" panose="020B0609020204030204" pitchFamily="49" charset="0"/>
+              </a:rPr>
+              <a:t>stage</a:t>
+            </a:r>
+            <a:r>
+              <a:rPr lang="de-DE" sz="1600" dirty="0">
+                <a:latin typeface="Consolas" panose="020B0609020204030204" pitchFamily="49" charset="0"/>
+              </a:rPr>
+              <a:t>: </a:t>
+            </a:r>
+            <a:r>
+              <a:rPr lang="de-DE" sz="1600" dirty="0" err="1">
+                <a:latin typeface="Consolas" panose="020B0609020204030204" pitchFamily="49" charset="0"/>
+              </a:rPr>
+              <a:t>build</a:t>
+            </a:r>
+            <a:endParaRPr lang="de-DE" sz="1600" dirty="0">
+              <a:latin typeface="Consolas" panose="020B0609020204030204" pitchFamily="49" charset="0"/>
+            </a:endParaRPr>
+          </a:p>
+          <a:p>
+            <a:pPr marL="0" indent="0">
+              <a:buNone/>
+            </a:pPr>
+            <a:r>
+              <a:rPr lang="de-DE" sz="1600" dirty="0">
+                <a:latin typeface="Consolas" panose="020B0609020204030204" pitchFamily="49" charset="0"/>
+              </a:rPr>
+              <a:t>  </a:t>
+            </a:r>
+            <a:r>
+              <a:rPr lang="de-DE" sz="1600" dirty="0" err="1">
+                <a:latin typeface="Consolas" panose="020B0609020204030204" pitchFamily="49" charset="0"/>
+              </a:rPr>
+              <a:t>script</a:t>
+            </a:r>
+            <a:r>
+              <a:rPr lang="de-DE" sz="1600" dirty="0">
+                <a:latin typeface="Consolas" panose="020B0609020204030204" pitchFamily="49" charset="0"/>
+              </a:rPr>
+              <a:t>:</a:t>
+            </a:r>
+          </a:p>
+          <a:p>
+            <a:pPr marL="0" indent="0">
+              <a:buNone/>
+            </a:pPr>
+            <a:r>
+              <a:rPr lang="de-DE" sz="1600" dirty="0">
+                <a:latin typeface="Consolas" panose="020B0609020204030204" pitchFamily="49" charset="0"/>
+              </a:rPr>
+              <a:t>    - </a:t>
+            </a:r>
+            <a:r>
+              <a:rPr lang="de-DE" sz="1600" dirty="0" err="1">
+                <a:latin typeface="Consolas" panose="020B0609020204030204" pitchFamily="49" charset="0"/>
+              </a:rPr>
+              <a:t>docker</a:t>
+            </a:r>
+            <a:r>
+              <a:rPr lang="de-DE" sz="1600" dirty="0">
+                <a:latin typeface="Consolas" panose="020B0609020204030204" pitchFamily="49" charset="0"/>
+              </a:rPr>
+              <a:t> </a:t>
+            </a:r>
+            <a:r>
+              <a:rPr lang="de-DE" sz="1600" dirty="0" err="1">
+                <a:latin typeface="Consolas" panose="020B0609020204030204" pitchFamily="49" charset="0"/>
+              </a:rPr>
+              <a:t>build</a:t>
+            </a:r>
+            <a:r>
+              <a:rPr lang="de-DE" sz="1600" dirty="0">
+                <a:latin typeface="Consolas" panose="020B0609020204030204" pitchFamily="49" charset="0"/>
+              </a:rPr>
+              <a:t> --pull -t $CONTAINER_TEST_IMAGE .</a:t>
+            </a:r>
+          </a:p>
+          <a:p>
+            <a:pPr marL="0" indent="0">
+              <a:buNone/>
+            </a:pPr>
+            <a:r>
+              <a:rPr lang="de-DE" sz="1600" dirty="0">
+                <a:latin typeface="Consolas" panose="020B0609020204030204" pitchFamily="49" charset="0"/>
+              </a:rPr>
+              <a:t>    - </a:t>
+            </a:r>
+            <a:r>
+              <a:rPr lang="de-DE" sz="1600" dirty="0" err="1">
+                <a:latin typeface="Consolas" panose="020B0609020204030204" pitchFamily="49" charset="0"/>
+              </a:rPr>
+              <a:t>docker</a:t>
+            </a:r>
+            <a:r>
+              <a:rPr lang="de-DE" sz="1600" dirty="0">
+                <a:latin typeface="Consolas" panose="020B0609020204030204" pitchFamily="49" charset="0"/>
+              </a:rPr>
+              <a:t> push $CONTAINER_TEST_IMAGE </a:t>
+            </a:r>
+            <a:r>
+              <a:rPr lang="de-DE" sz="1600" dirty="0">
+                <a:solidFill>
+                  <a:srgbClr val="008C5A"/>
+                </a:solidFill>
+                <a:latin typeface="Consolas" panose="020B0609020204030204" pitchFamily="49" charset="0"/>
+              </a:rPr>
+              <a:t># 1. </a:t>
+            </a:r>
+            <a:r>
+              <a:rPr lang="de-DE" sz="1600" dirty="0" err="1">
+                <a:solidFill>
+                  <a:srgbClr val="008C5A"/>
+                </a:solidFill>
+                <a:latin typeface="Consolas" panose="020B0609020204030204" pitchFamily="49" charset="0"/>
+              </a:rPr>
+              <a:t>Build</a:t>
+            </a:r>
+            <a:r>
+              <a:rPr lang="de-DE" sz="1600" dirty="0">
+                <a:solidFill>
+                  <a:srgbClr val="008C5A"/>
+                </a:solidFill>
+                <a:latin typeface="Consolas" panose="020B0609020204030204" pitchFamily="49" charset="0"/>
+              </a:rPr>
+              <a:t> wird in die Container Registry </a:t>
+            </a:r>
+            <a:r>
+              <a:rPr lang="de-DE" sz="1600" dirty="0" err="1">
+                <a:solidFill>
+                  <a:srgbClr val="008C5A"/>
+                </a:solidFill>
+                <a:latin typeface="Consolas" panose="020B0609020204030204" pitchFamily="49" charset="0"/>
+              </a:rPr>
+              <a:t>gepushed</a:t>
+            </a:r>
+            <a:endParaRPr lang="de-DE" sz="1600" dirty="0">
+              <a:solidFill>
+                <a:srgbClr val="008C5A"/>
+              </a:solidFill>
+              <a:latin typeface="Consolas" panose="020B0609020204030204" pitchFamily="49" charset="0"/>
+            </a:endParaRPr>
+          </a:p>
+          <a:p>
+            <a:pPr marL="0" indent="0">
+              <a:buNone/>
+            </a:pPr>
+            <a:endParaRPr lang="de-DE" sz="1600" dirty="0">
+              <a:latin typeface="Consolas" panose="020B0609020204030204" pitchFamily="49" charset="0"/>
+            </a:endParaRPr>
+          </a:p>
+          <a:p>
+            <a:pPr marL="0" indent="0">
+              <a:buNone/>
+            </a:pPr>
+            <a:endParaRPr lang="de-DE" sz="1600" dirty="0">
+              <a:latin typeface="Consolas" panose="020B0609020204030204" pitchFamily="49" charset="0"/>
+            </a:endParaRPr>
+          </a:p>
+          <a:p>
+            <a:pPr marL="0" indent="0">
+              <a:buNone/>
+            </a:pPr>
+            <a:endParaRPr lang="de-DE" sz="1600" dirty="0">
+              <a:latin typeface="Consolas" panose="020B0609020204030204" pitchFamily="49" charset="0"/>
+            </a:endParaRPr>
+          </a:p>
+        </p:txBody>
+      </p:sp>
+    </p:spTree>
+    <p:extLst>
+      <p:ext uri="{BB962C8B-B14F-4D97-AF65-F5344CB8AC3E}">
+        <p14:creationId xmlns:p14="http://schemas.microsoft.com/office/powerpoint/2010/main" val="812820427"/>
+      </p:ext>
+    </p:extLst>
+  </p:cSld>
+  <p:clrMapOvr>
+    <a:masterClrMapping/>
+  </p:clrMapOvr>
+</p:sld>
+</file>
+
+<file path=ppt/slides/slide38.xml><?xml version="1.0" encoding="utf-8"?>
+<p:sld xmlns:a="http://schemas.openxmlformats.org/drawingml/2006/main" xmlns:r="http://schemas.openxmlformats.org/officeDocument/2006/relationships" xmlns:p="http://schemas.openxmlformats.org/presentationml/2006/main">
+  <p:cSld>
+    <p:spTree>
+      <p:nvGrpSpPr>
+        <p:cNvPr id="1" name=""/>
+        <p:cNvGrpSpPr/>
+        <p:nvPr/>
+      </p:nvGrpSpPr>
+      <p:grpSpPr>
+        <a:xfrm>
+          <a:off x="0" y="0"/>
+          <a:ext cx="0" cy="0"/>
+          <a:chOff x="0" y="0"/>
+          <a:chExt cx="0" cy="0"/>
+        </a:xfrm>
+      </p:grpSpPr>
+      <p:sp>
+        <p:nvSpPr>
+          <p:cNvPr id="2" name="Titel 1">
+            <a:extLst>
+              <a:ext uri="{FF2B5EF4-FFF2-40B4-BE49-F238E27FC236}">
+                <a16:creationId xmlns:a16="http://schemas.microsoft.com/office/drawing/2014/main" id="{49A48EBC-55D9-6D64-715F-AF6DEBF117C3}"/>
+              </a:ext>
+            </a:extLst>
+          </p:cNvPr>
+          <p:cNvSpPr>
+            <a:spLocks noGrp="1"/>
+          </p:cNvSpPr>
+          <p:nvPr>
+            <p:ph type="title"/>
+          </p:nvPr>
+        </p:nvSpPr>
+        <p:spPr/>
+        <p:txBody>
+          <a:bodyPr/>
+          <a:lstStyle/>
+          <a:p>
+            <a:r>
+              <a:rPr lang="de-DE" cap="none" dirty="0"/>
+              <a:t>Release- und </a:t>
+            </a:r>
+            <a:r>
+              <a:rPr lang="de-DE" cap="none" dirty="0" err="1"/>
+              <a:t>Tagged</a:t>
+            </a:r>
+            <a:r>
+              <a:rPr lang="de-DE" cap="none" dirty="0"/>
+              <a:t>-Images</a:t>
+            </a:r>
+            <a:endParaRPr lang="de-DE" dirty="0"/>
+          </a:p>
+        </p:txBody>
+      </p:sp>
+      <p:sp>
+        <p:nvSpPr>
+          <p:cNvPr id="3" name="Inhaltsplatzhalter 2">
+            <a:extLst>
+              <a:ext uri="{FF2B5EF4-FFF2-40B4-BE49-F238E27FC236}">
+                <a16:creationId xmlns:a16="http://schemas.microsoft.com/office/drawing/2014/main" id="{7B404127-ED2B-6905-BDD1-3C60D11A2A7C}"/>
+              </a:ext>
+            </a:extLst>
+          </p:cNvPr>
+          <p:cNvSpPr>
+            <a:spLocks noGrp="1"/>
+          </p:cNvSpPr>
+          <p:nvPr>
+            <p:ph idx="1"/>
+          </p:nvPr>
+        </p:nvSpPr>
+        <p:spPr/>
+        <p:txBody>
+          <a:bodyPr/>
+          <a:lstStyle/>
+          <a:p>
+            <a:pPr marL="0" indent="0">
+              <a:buNone/>
+            </a:pPr>
+            <a:r>
+              <a:rPr lang="de-DE" sz="2000" b="1" dirty="0">
+                <a:latin typeface="Consolas" panose="020B0609020204030204" pitchFamily="49" charset="0"/>
+              </a:rPr>
+              <a:t>.</a:t>
+            </a:r>
+            <a:r>
+              <a:rPr lang="de-DE" sz="2000" b="1" dirty="0" err="1">
+                <a:latin typeface="Consolas" panose="020B0609020204030204" pitchFamily="49" charset="0"/>
+              </a:rPr>
+              <a:t>gitlab-ci.yml</a:t>
+            </a:r>
+            <a:r>
+              <a:rPr lang="de-DE" sz="2000" b="1" dirty="0">
+                <a:latin typeface="Consolas" panose="020B0609020204030204" pitchFamily="49" charset="0"/>
+              </a:rPr>
+              <a:t> (3/4)</a:t>
+            </a:r>
+          </a:p>
+          <a:p>
+            <a:pPr marL="0" indent="0">
+              <a:buNone/>
+            </a:pPr>
+            <a:r>
+              <a:rPr lang="de-DE" sz="1600" dirty="0">
+                <a:latin typeface="Consolas" panose="020B0609020204030204" pitchFamily="49" charset="0"/>
+              </a:rPr>
+              <a:t>test1:</a:t>
+            </a:r>
+          </a:p>
+          <a:p>
+            <a:pPr marL="0" indent="0">
+              <a:buNone/>
+            </a:pPr>
+            <a:r>
+              <a:rPr lang="de-DE" sz="1600" dirty="0">
+                <a:latin typeface="Consolas" panose="020B0609020204030204" pitchFamily="49" charset="0"/>
+              </a:rPr>
+              <a:t>  </a:t>
+            </a:r>
+            <a:r>
+              <a:rPr lang="de-DE" sz="1600" dirty="0" err="1">
+                <a:latin typeface="Consolas" panose="020B0609020204030204" pitchFamily="49" charset="0"/>
+              </a:rPr>
+              <a:t>stage</a:t>
+            </a:r>
+            <a:r>
+              <a:rPr lang="de-DE" sz="1600" dirty="0">
+                <a:latin typeface="Consolas" panose="020B0609020204030204" pitchFamily="49" charset="0"/>
+              </a:rPr>
+              <a:t>: </a:t>
+            </a:r>
+            <a:r>
+              <a:rPr lang="de-DE" sz="1600" dirty="0" err="1">
+                <a:latin typeface="Consolas" panose="020B0609020204030204" pitchFamily="49" charset="0"/>
+              </a:rPr>
+              <a:t>test</a:t>
+            </a:r>
+            <a:endParaRPr lang="de-DE" sz="1600" dirty="0">
+              <a:latin typeface="Consolas" panose="020B0609020204030204" pitchFamily="49" charset="0"/>
+            </a:endParaRPr>
+          </a:p>
+          <a:p>
+            <a:pPr marL="0" indent="0">
+              <a:buNone/>
+            </a:pPr>
+            <a:r>
+              <a:rPr lang="de-DE" sz="1600" dirty="0">
+                <a:latin typeface="Consolas" panose="020B0609020204030204" pitchFamily="49" charset="0"/>
+              </a:rPr>
+              <a:t>  </a:t>
+            </a:r>
+            <a:r>
+              <a:rPr lang="de-DE" sz="1600" dirty="0" err="1">
+                <a:latin typeface="Consolas" panose="020B0609020204030204" pitchFamily="49" charset="0"/>
+              </a:rPr>
+              <a:t>script</a:t>
+            </a:r>
+            <a:r>
+              <a:rPr lang="de-DE" sz="1600" dirty="0">
+                <a:latin typeface="Consolas" panose="020B0609020204030204" pitchFamily="49" charset="0"/>
+              </a:rPr>
+              <a:t>:</a:t>
+            </a:r>
+          </a:p>
+          <a:p>
+            <a:pPr marL="0" indent="0">
+              <a:buNone/>
+            </a:pPr>
+            <a:r>
+              <a:rPr lang="de-DE" sz="1600" dirty="0">
+                <a:latin typeface="Consolas" panose="020B0609020204030204" pitchFamily="49" charset="0"/>
+              </a:rPr>
+              <a:t>    - </a:t>
+            </a:r>
+            <a:r>
+              <a:rPr lang="de-DE" sz="1600" dirty="0" err="1">
+                <a:latin typeface="Consolas" panose="020B0609020204030204" pitchFamily="49" charset="0"/>
+              </a:rPr>
+              <a:t>docker</a:t>
+            </a:r>
+            <a:r>
+              <a:rPr lang="de-DE" sz="1600" dirty="0">
+                <a:latin typeface="Consolas" panose="020B0609020204030204" pitchFamily="49" charset="0"/>
+              </a:rPr>
+              <a:t> pull $CONTAINER_TEST_IMAGE </a:t>
+            </a:r>
+            <a:r>
+              <a:rPr lang="de-DE" sz="1600" dirty="0">
+                <a:solidFill>
+                  <a:srgbClr val="008C5A"/>
+                </a:solidFill>
+                <a:latin typeface="Consolas" panose="020B0609020204030204" pitchFamily="49" charset="0"/>
+              </a:rPr>
+              <a:t># 2. Von den nachfolgenden Stages (bei Bedarf) </a:t>
+            </a:r>
+            <a:r>
+              <a:rPr lang="de-DE" sz="1600" dirty="0" err="1">
+                <a:solidFill>
+                  <a:srgbClr val="008C5A"/>
+                </a:solidFill>
+                <a:latin typeface="Consolas" panose="020B0609020204030204" pitchFamily="49" charset="0"/>
+              </a:rPr>
+              <a:t>gepulled</a:t>
+            </a:r>
+            <a:endParaRPr lang="de-DE" sz="1600" dirty="0">
+              <a:solidFill>
+                <a:srgbClr val="008C5A"/>
+              </a:solidFill>
+              <a:latin typeface="Consolas" panose="020B0609020204030204" pitchFamily="49" charset="0"/>
+            </a:endParaRPr>
+          </a:p>
+          <a:p>
+            <a:pPr marL="0" indent="0">
+              <a:buNone/>
+            </a:pPr>
+            <a:r>
+              <a:rPr lang="de-DE" sz="1600" dirty="0">
+                <a:latin typeface="Consolas" panose="020B0609020204030204" pitchFamily="49" charset="0"/>
+              </a:rPr>
+              <a:t>    - </a:t>
+            </a:r>
+            <a:r>
+              <a:rPr lang="de-DE" sz="1600" dirty="0" err="1">
+                <a:latin typeface="Consolas" panose="020B0609020204030204" pitchFamily="49" charset="0"/>
+              </a:rPr>
+              <a:t>docker</a:t>
+            </a:r>
+            <a:r>
+              <a:rPr lang="de-DE" sz="1600" dirty="0">
+                <a:latin typeface="Consolas" panose="020B0609020204030204" pitchFamily="49" charset="0"/>
+              </a:rPr>
+              <a:t> </a:t>
+            </a:r>
+            <a:r>
+              <a:rPr lang="de-DE" sz="1600" dirty="0" err="1">
+                <a:latin typeface="Consolas" panose="020B0609020204030204" pitchFamily="49" charset="0"/>
+              </a:rPr>
+              <a:t>run</a:t>
+            </a:r>
+            <a:r>
+              <a:rPr lang="de-DE" sz="1600" dirty="0">
+                <a:latin typeface="Consolas" panose="020B0609020204030204" pitchFamily="49" charset="0"/>
+              </a:rPr>
+              <a:t> $CONTAINER_TEST_IMAGE /</a:t>
+            </a:r>
+            <a:r>
+              <a:rPr lang="de-DE" sz="1600" dirty="0" err="1">
+                <a:latin typeface="Consolas" panose="020B0609020204030204" pitchFamily="49" charset="0"/>
+              </a:rPr>
+              <a:t>script</a:t>
+            </a:r>
+            <a:r>
+              <a:rPr lang="de-DE" sz="1600" dirty="0">
+                <a:latin typeface="Consolas" panose="020B0609020204030204" pitchFamily="49" charset="0"/>
+              </a:rPr>
+              <a:t>/</a:t>
+            </a:r>
+            <a:r>
+              <a:rPr lang="de-DE" sz="1600" dirty="0" err="1">
+                <a:latin typeface="Consolas" panose="020B0609020204030204" pitchFamily="49" charset="0"/>
+              </a:rPr>
+              <a:t>to</a:t>
+            </a:r>
+            <a:r>
+              <a:rPr lang="de-DE" sz="1600" dirty="0">
+                <a:latin typeface="Consolas" panose="020B0609020204030204" pitchFamily="49" charset="0"/>
+              </a:rPr>
+              <a:t>/</a:t>
+            </a:r>
+            <a:r>
+              <a:rPr lang="de-DE" sz="1600" dirty="0" err="1">
+                <a:latin typeface="Consolas" panose="020B0609020204030204" pitchFamily="49" charset="0"/>
+              </a:rPr>
+              <a:t>run</a:t>
+            </a:r>
+            <a:r>
+              <a:rPr lang="de-DE" sz="1600" dirty="0">
+                <a:latin typeface="Consolas" panose="020B0609020204030204" pitchFamily="49" charset="0"/>
+              </a:rPr>
+              <a:t>/</a:t>
+            </a:r>
+            <a:r>
+              <a:rPr lang="de-DE" sz="1600" dirty="0" err="1">
+                <a:latin typeface="Consolas" panose="020B0609020204030204" pitchFamily="49" charset="0"/>
+              </a:rPr>
+              <a:t>tests</a:t>
+            </a:r>
+            <a:r>
+              <a:rPr lang="de-DE" sz="1600" dirty="0">
+                <a:latin typeface="Consolas" panose="020B0609020204030204" pitchFamily="49" charset="0"/>
+              </a:rPr>
+              <a:t> </a:t>
+            </a:r>
+            <a:r>
+              <a:rPr lang="de-DE" sz="1600" dirty="0">
+                <a:solidFill>
+                  <a:srgbClr val="008C5A"/>
+                </a:solidFill>
+                <a:latin typeface="Consolas" panose="020B0609020204030204" pitchFamily="49" charset="0"/>
+              </a:rPr>
+              <a:t># 3. Zwei </a:t>
+            </a:r>
+            <a:r>
+              <a:rPr lang="de-DE" sz="1600" dirty="0" err="1">
+                <a:solidFill>
+                  <a:srgbClr val="008C5A"/>
+                </a:solidFill>
+                <a:latin typeface="Consolas" panose="020B0609020204030204" pitchFamily="49" charset="0"/>
+              </a:rPr>
+              <a:t>paralell</a:t>
+            </a:r>
+            <a:r>
+              <a:rPr lang="de-DE" sz="1600" dirty="0">
+                <a:solidFill>
+                  <a:srgbClr val="008C5A"/>
+                </a:solidFill>
+                <a:latin typeface="Consolas" panose="020B0609020204030204" pitchFamily="49" charset="0"/>
+              </a:rPr>
+              <a:t> laufende Tests</a:t>
+            </a:r>
+          </a:p>
+          <a:p>
+            <a:pPr marL="0" indent="0">
+              <a:buNone/>
+            </a:pPr>
+            <a:endParaRPr lang="de-DE" sz="1600" dirty="0">
+              <a:latin typeface="Consolas" panose="020B0609020204030204" pitchFamily="49" charset="0"/>
+            </a:endParaRPr>
+          </a:p>
+          <a:p>
+            <a:pPr marL="0" indent="0">
+              <a:buNone/>
+            </a:pPr>
+            <a:r>
+              <a:rPr lang="de-DE" sz="1600" dirty="0">
+                <a:latin typeface="Consolas" panose="020B0609020204030204" pitchFamily="49" charset="0"/>
+              </a:rPr>
+              <a:t>test2:</a:t>
+            </a:r>
+          </a:p>
+          <a:p>
+            <a:pPr marL="0" indent="0">
+              <a:buNone/>
+            </a:pPr>
+            <a:r>
+              <a:rPr lang="de-DE" sz="1600" dirty="0">
+                <a:latin typeface="Consolas" panose="020B0609020204030204" pitchFamily="49" charset="0"/>
+              </a:rPr>
+              <a:t>  </a:t>
+            </a:r>
+            <a:r>
+              <a:rPr lang="de-DE" sz="1600" dirty="0" err="1">
+                <a:latin typeface="Consolas" panose="020B0609020204030204" pitchFamily="49" charset="0"/>
+              </a:rPr>
+              <a:t>stage</a:t>
+            </a:r>
+            <a:r>
+              <a:rPr lang="de-DE" sz="1600" dirty="0">
+                <a:latin typeface="Consolas" panose="020B0609020204030204" pitchFamily="49" charset="0"/>
+              </a:rPr>
+              <a:t>: </a:t>
+            </a:r>
+            <a:r>
+              <a:rPr lang="de-DE" sz="1600" dirty="0" err="1">
+                <a:latin typeface="Consolas" panose="020B0609020204030204" pitchFamily="49" charset="0"/>
+              </a:rPr>
+              <a:t>test</a:t>
+            </a:r>
+            <a:endParaRPr lang="de-DE" sz="1600" dirty="0">
+              <a:latin typeface="Consolas" panose="020B0609020204030204" pitchFamily="49" charset="0"/>
+            </a:endParaRPr>
+          </a:p>
+          <a:p>
+            <a:pPr marL="0" indent="0">
+              <a:buNone/>
+            </a:pPr>
+            <a:r>
+              <a:rPr lang="de-DE" sz="1600" dirty="0">
+                <a:latin typeface="Consolas" panose="020B0609020204030204" pitchFamily="49" charset="0"/>
+              </a:rPr>
+              <a:t>  </a:t>
+            </a:r>
+            <a:r>
+              <a:rPr lang="de-DE" sz="1600" dirty="0" err="1">
+                <a:latin typeface="Consolas" panose="020B0609020204030204" pitchFamily="49" charset="0"/>
+              </a:rPr>
+              <a:t>script</a:t>
+            </a:r>
+            <a:r>
+              <a:rPr lang="de-DE" sz="1600" dirty="0">
+                <a:latin typeface="Consolas" panose="020B0609020204030204" pitchFamily="49" charset="0"/>
+              </a:rPr>
+              <a:t>:</a:t>
+            </a:r>
+          </a:p>
+          <a:p>
+            <a:pPr marL="0" indent="0">
+              <a:buNone/>
+            </a:pPr>
+            <a:r>
+              <a:rPr lang="de-DE" sz="1600" dirty="0">
+                <a:latin typeface="Consolas" panose="020B0609020204030204" pitchFamily="49" charset="0"/>
+              </a:rPr>
+              <a:t>    - </a:t>
+            </a:r>
+            <a:r>
+              <a:rPr lang="de-DE" sz="1600" dirty="0" err="1">
+                <a:latin typeface="Consolas" panose="020B0609020204030204" pitchFamily="49" charset="0"/>
+              </a:rPr>
+              <a:t>docker</a:t>
+            </a:r>
+            <a:r>
+              <a:rPr lang="de-DE" sz="1600" dirty="0">
+                <a:latin typeface="Consolas" panose="020B0609020204030204" pitchFamily="49" charset="0"/>
+              </a:rPr>
+              <a:t> pull $CONTAINER_TEST_IMAGE </a:t>
+            </a:r>
+            <a:r>
+              <a:rPr lang="de-DE" sz="1600" dirty="0">
+                <a:solidFill>
+                  <a:srgbClr val="008C5A"/>
+                </a:solidFill>
+                <a:latin typeface="Consolas" panose="020B0609020204030204" pitchFamily="49" charset="0"/>
+              </a:rPr>
+              <a:t># 2. Von den nachfolgenden Stages (bei Bedarf) </a:t>
+            </a:r>
+            <a:r>
+              <a:rPr lang="de-DE" sz="1600" dirty="0" err="1">
+                <a:solidFill>
+                  <a:srgbClr val="008C5A"/>
+                </a:solidFill>
+                <a:latin typeface="Consolas" panose="020B0609020204030204" pitchFamily="49" charset="0"/>
+              </a:rPr>
+              <a:t>gepulled</a:t>
+            </a:r>
+            <a:endParaRPr lang="de-DE" sz="1600" dirty="0">
+              <a:solidFill>
+                <a:srgbClr val="008C5A"/>
+              </a:solidFill>
+              <a:latin typeface="Consolas" panose="020B0609020204030204" pitchFamily="49" charset="0"/>
+            </a:endParaRPr>
+          </a:p>
+          <a:p>
+            <a:pPr marL="0" indent="0">
+              <a:buNone/>
+            </a:pPr>
+            <a:r>
+              <a:rPr lang="de-DE" sz="1600" dirty="0">
+                <a:latin typeface="Consolas" panose="020B0609020204030204" pitchFamily="49" charset="0"/>
+              </a:rPr>
+              <a:t>    - </a:t>
+            </a:r>
+            <a:r>
+              <a:rPr lang="de-DE" sz="1600" dirty="0" err="1">
+                <a:latin typeface="Consolas" panose="020B0609020204030204" pitchFamily="49" charset="0"/>
+              </a:rPr>
+              <a:t>docker</a:t>
+            </a:r>
+            <a:r>
+              <a:rPr lang="de-DE" sz="1600" dirty="0">
+                <a:latin typeface="Consolas" panose="020B0609020204030204" pitchFamily="49" charset="0"/>
+              </a:rPr>
+              <a:t> </a:t>
+            </a:r>
+            <a:r>
+              <a:rPr lang="de-DE" sz="1600" dirty="0" err="1">
+                <a:latin typeface="Consolas" panose="020B0609020204030204" pitchFamily="49" charset="0"/>
+              </a:rPr>
+              <a:t>run</a:t>
+            </a:r>
+            <a:r>
+              <a:rPr lang="de-DE" sz="1600" dirty="0">
+                <a:latin typeface="Consolas" panose="020B0609020204030204" pitchFamily="49" charset="0"/>
+              </a:rPr>
+              <a:t> $CONTAINER_TEST_IMAGE /</a:t>
+            </a:r>
+            <a:r>
+              <a:rPr lang="de-DE" sz="1600" dirty="0" err="1">
+                <a:latin typeface="Consolas" panose="020B0609020204030204" pitchFamily="49" charset="0"/>
+              </a:rPr>
+              <a:t>script</a:t>
+            </a:r>
+            <a:r>
+              <a:rPr lang="de-DE" sz="1600" dirty="0">
+                <a:latin typeface="Consolas" panose="020B0609020204030204" pitchFamily="49" charset="0"/>
+              </a:rPr>
+              <a:t>/</a:t>
+            </a:r>
+            <a:r>
+              <a:rPr lang="de-DE" sz="1600" dirty="0" err="1">
+                <a:latin typeface="Consolas" panose="020B0609020204030204" pitchFamily="49" charset="0"/>
+              </a:rPr>
+              <a:t>to</a:t>
+            </a:r>
+            <a:r>
+              <a:rPr lang="de-DE" sz="1600" dirty="0">
+                <a:latin typeface="Consolas" panose="020B0609020204030204" pitchFamily="49" charset="0"/>
+              </a:rPr>
+              <a:t>/</a:t>
+            </a:r>
+            <a:r>
+              <a:rPr lang="de-DE" sz="1600" dirty="0" err="1">
+                <a:latin typeface="Consolas" panose="020B0609020204030204" pitchFamily="49" charset="0"/>
+              </a:rPr>
+              <a:t>run</a:t>
+            </a:r>
+            <a:r>
+              <a:rPr lang="de-DE" sz="1600" dirty="0">
+                <a:latin typeface="Consolas" panose="020B0609020204030204" pitchFamily="49" charset="0"/>
+              </a:rPr>
+              <a:t>/</a:t>
+            </a:r>
+            <a:r>
+              <a:rPr lang="de-DE" sz="1600" dirty="0" err="1">
+                <a:latin typeface="Consolas" panose="020B0609020204030204" pitchFamily="49" charset="0"/>
+              </a:rPr>
+              <a:t>another</a:t>
+            </a:r>
+            <a:r>
+              <a:rPr lang="de-DE" sz="1600" dirty="0">
+                <a:latin typeface="Consolas" panose="020B0609020204030204" pitchFamily="49" charset="0"/>
+              </a:rPr>
+              <a:t>/</a:t>
+            </a:r>
+            <a:r>
+              <a:rPr lang="de-DE" sz="1600" dirty="0" err="1">
+                <a:latin typeface="Consolas" panose="020B0609020204030204" pitchFamily="49" charset="0"/>
+              </a:rPr>
+              <a:t>test</a:t>
+            </a:r>
+            <a:r>
+              <a:rPr lang="de-DE" sz="1600" dirty="0">
+                <a:latin typeface="Consolas" panose="020B0609020204030204" pitchFamily="49" charset="0"/>
+              </a:rPr>
+              <a:t> </a:t>
+            </a:r>
+            <a:r>
+              <a:rPr lang="de-DE" sz="1600" dirty="0">
+                <a:solidFill>
+                  <a:srgbClr val="008C5A"/>
+                </a:solidFill>
+                <a:latin typeface="Consolas" panose="020B0609020204030204" pitchFamily="49" charset="0"/>
+              </a:rPr>
+              <a:t># 3. Zwei </a:t>
+            </a:r>
+            <a:r>
+              <a:rPr lang="de-DE" sz="1600" dirty="0" err="1">
+                <a:solidFill>
+                  <a:srgbClr val="008C5A"/>
+                </a:solidFill>
+                <a:latin typeface="Consolas" panose="020B0609020204030204" pitchFamily="49" charset="0"/>
+              </a:rPr>
+              <a:t>paralell</a:t>
+            </a:r>
+            <a:r>
+              <a:rPr lang="de-DE" sz="1600" dirty="0">
+                <a:solidFill>
+                  <a:srgbClr val="008C5A"/>
+                </a:solidFill>
+                <a:latin typeface="Consolas" panose="020B0609020204030204" pitchFamily="49" charset="0"/>
+              </a:rPr>
+              <a:t> laufende Tests</a:t>
+            </a:r>
+          </a:p>
+          <a:p>
+            <a:pPr marL="0" indent="0">
+              <a:buNone/>
+            </a:pPr>
+            <a:endParaRPr lang="de-DE" sz="1600" dirty="0">
+              <a:latin typeface="Consolas" panose="020B0609020204030204" pitchFamily="49" charset="0"/>
+            </a:endParaRPr>
+          </a:p>
+          <a:p>
+            <a:pPr marL="0" indent="0">
+              <a:buNone/>
+            </a:pPr>
+            <a:endParaRPr lang="de-DE" sz="1600" dirty="0">
+              <a:latin typeface="Consolas" panose="020B0609020204030204" pitchFamily="49" charset="0"/>
+            </a:endParaRPr>
+          </a:p>
+          <a:p>
+            <a:pPr marL="0" indent="0">
+              <a:buNone/>
+            </a:pPr>
+            <a:endParaRPr lang="de-DE" sz="1600" dirty="0">
+              <a:latin typeface="Consolas" panose="020B0609020204030204" pitchFamily="49" charset="0"/>
+            </a:endParaRPr>
+          </a:p>
+        </p:txBody>
+      </p:sp>
+    </p:spTree>
+    <p:extLst>
+      <p:ext uri="{BB962C8B-B14F-4D97-AF65-F5344CB8AC3E}">
+        <p14:creationId xmlns:p14="http://schemas.microsoft.com/office/powerpoint/2010/main" val="3546609096"/>
+      </p:ext>
+    </p:extLst>
+  </p:cSld>
+  <p:clrMapOvr>
+    <a:masterClrMapping/>
+  </p:clrMapOvr>
+</p:sld>
+</file>
+
+<file path=ppt/slides/slide39.xml><?xml version="1.0" encoding="utf-8"?>
+<p:sld xmlns:a="http://schemas.openxmlformats.org/drawingml/2006/main" xmlns:r="http://schemas.openxmlformats.org/officeDocument/2006/relationships" xmlns:p="http://schemas.openxmlformats.org/presentationml/2006/main">
+  <p:cSld>
+    <p:spTree>
+      <p:nvGrpSpPr>
+        <p:cNvPr id="1" name=""/>
+        <p:cNvGrpSpPr/>
+        <p:nvPr/>
+      </p:nvGrpSpPr>
+      <p:grpSpPr>
+        <a:xfrm>
+          <a:off x="0" y="0"/>
+          <a:ext cx="0" cy="0"/>
+          <a:chOff x="0" y="0"/>
+          <a:chExt cx="0" cy="0"/>
+        </a:xfrm>
+      </p:grpSpPr>
+      <p:sp>
+        <p:nvSpPr>
+          <p:cNvPr id="2" name="Titel 1">
+            <a:extLst>
+              <a:ext uri="{FF2B5EF4-FFF2-40B4-BE49-F238E27FC236}">
+                <a16:creationId xmlns:a16="http://schemas.microsoft.com/office/drawing/2014/main" id="{49A48EBC-55D9-6D64-715F-AF6DEBF117C3}"/>
+              </a:ext>
+            </a:extLst>
+          </p:cNvPr>
+          <p:cNvSpPr>
+            <a:spLocks noGrp="1"/>
+          </p:cNvSpPr>
+          <p:nvPr>
+            <p:ph type="title"/>
+          </p:nvPr>
+        </p:nvSpPr>
+        <p:spPr/>
+        <p:txBody>
+          <a:bodyPr/>
+          <a:lstStyle/>
+          <a:p>
+            <a:r>
+              <a:rPr lang="de-DE" cap="none" dirty="0"/>
+              <a:t>Release- und </a:t>
+            </a:r>
+            <a:r>
+              <a:rPr lang="de-DE" cap="none" dirty="0" err="1"/>
+              <a:t>Tagged</a:t>
+            </a:r>
+            <a:r>
+              <a:rPr lang="de-DE" cap="none" dirty="0"/>
+              <a:t>-Images</a:t>
+            </a:r>
+            <a:endParaRPr lang="de-DE" dirty="0"/>
+          </a:p>
+        </p:txBody>
+      </p:sp>
+      <p:sp>
+        <p:nvSpPr>
+          <p:cNvPr id="3" name="Inhaltsplatzhalter 2">
+            <a:extLst>
+              <a:ext uri="{FF2B5EF4-FFF2-40B4-BE49-F238E27FC236}">
+                <a16:creationId xmlns:a16="http://schemas.microsoft.com/office/drawing/2014/main" id="{7B404127-ED2B-6905-BDD1-3C60D11A2A7C}"/>
+              </a:ext>
+            </a:extLst>
+          </p:cNvPr>
+          <p:cNvSpPr>
+            <a:spLocks noGrp="1"/>
+          </p:cNvSpPr>
+          <p:nvPr>
+            <p:ph idx="1"/>
+          </p:nvPr>
+        </p:nvSpPr>
+        <p:spPr/>
+        <p:txBody>
+          <a:bodyPr/>
+          <a:lstStyle/>
+          <a:p>
+            <a:pPr marL="0" indent="0">
+              <a:buNone/>
+            </a:pPr>
+            <a:r>
+              <a:rPr lang="de-DE" sz="2000" b="1" dirty="0">
+                <a:latin typeface="Consolas" panose="020B0609020204030204" pitchFamily="49" charset="0"/>
+              </a:rPr>
+              <a:t>.</a:t>
+            </a:r>
+            <a:r>
+              <a:rPr lang="de-DE" sz="2000" b="1" dirty="0" err="1">
+                <a:latin typeface="Consolas" panose="020B0609020204030204" pitchFamily="49" charset="0"/>
+              </a:rPr>
+              <a:t>gitlab-ci.yml</a:t>
+            </a:r>
+            <a:r>
+              <a:rPr lang="de-DE" sz="2000" b="1" dirty="0">
+                <a:latin typeface="Consolas" panose="020B0609020204030204" pitchFamily="49" charset="0"/>
+              </a:rPr>
+              <a:t> (4/4)</a:t>
+            </a:r>
+          </a:p>
+          <a:p>
+            <a:pPr marL="0" indent="0">
+              <a:buNone/>
+            </a:pPr>
+            <a:r>
+              <a:rPr lang="de-DE" sz="1400" dirty="0">
+                <a:latin typeface="Consolas" panose="020B0609020204030204" pitchFamily="49" charset="0"/>
+              </a:rPr>
+              <a:t>release-image:</a:t>
+            </a:r>
+          </a:p>
+          <a:p>
+            <a:pPr marL="0" indent="0">
+              <a:buNone/>
+            </a:pPr>
+            <a:r>
+              <a:rPr lang="de-DE" sz="1400" dirty="0">
+                <a:latin typeface="Consolas" panose="020B0609020204030204" pitchFamily="49" charset="0"/>
+              </a:rPr>
+              <a:t>  </a:t>
+            </a:r>
+            <a:r>
+              <a:rPr lang="de-DE" sz="1400" dirty="0" err="1">
+                <a:latin typeface="Consolas" panose="020B0609020204030204" pitchFamily="49" charset="0"/>
+              </a:rPr>
+              <a:t>stage</a:t>
+            </a:r>
+            <a:r>
+              <a:rPr lang="de-DE" sz="1400" dirty="0">
+                <a:latin typeface="Consolas" panose="020B0609020204030204" pitchFamily="49" charset="0"/>
+              </a:rPr>
+              <a:t>: release</a:t>
+            </a:r>
+          </a:p>
+          <a:p>
+            <a:pPr marL="0" indent="0">
+              <a:buNone/>
+            </a:pPr>
+            <a:r>
+              <a:rPr lang="de-DE" sz="1400" dirty="0">
+                <a:latin typeface="Consolas" panose="020B0609020204030204" pitchFamily="49" charset="0"/>
+              </a:rPr>
+              <a:t>  </a:t>
+            </a:r>
+            <a:r>
+              <a:rPr lang="de-DE" sz="1400" dirty="0" err="1">
+                <a:latin typeface="Consolas" panose="020B0609020204030204" pitchFamily="49" charset="0"/>
+              </a:rPr>
+              <a:t>script</a:t>
+            </a:r>
+            <a:r>
+              <a:rPr lang="de-DE" sz="1400" dirty="0">
+                <a:latin typeface="Consolas" panose="020B0609020204030204" pitchFamily="49" charset="0"/>
+              </a:rPr>
+              <a:t>:</a:t>
+            </a:r>
+          </a:p>
+          <a:p>
+            <a:pPr marL="0" indent="0">
+              <a:buNone/>
+            </a:pPr>
+            <a:r>
+              <a:rPr lang="de-DE" sz="1400" dirty="0">
+                <a:latin typeface="Consolas" panose="020B0609020204030204" pitchFamily="49" charset="0"/>
+              </a:rPr>
+              <a:t>    - </a:t>
+            </a:r>
+            <a:r>
+              <a:rPr lang="de-DE" sz="1400" dirty="0" err="1">
+                <a:latin typeface="Consolas" panose="020B0609020204030204" pitchFamily="49" charset="0"/>
+              </a:rPr>
+              <a:t>docker</a:t>
+            </a:r>
+            <a:r>
+              <a:rPr lang="de-DE" sz="1400" dirty="0">
+                <a:latin typeface="Consolas" panose="020B0609020204030204" pitchFamily="49" charset="0"/>
+              </a:rPr>
+              <a:t> pull $CONTAINER_TEST_IMAGE </a:t>
+            </a:r>
+            <a:r>
+              <a:rPr lang="de-DE" sz="1400" dirty="0">
+                <a:solidFill>
+                  <a:srgbClr val="008C5A"/>
+                </a:solidFill>
+                <a:latin typeface="Consolas" panose="020B0609020204030204" pitchFamily="49" charset="0"/>
+              </a:rPr>
+              <a:t># 2. Von den nachfolgenden Stages (bei Bedarf) </a:t>
+            </a:r>
+            <a:r>
+              <a:rPr lang="de-DE" sz="1400" dirty="0" err="1">
+                <a:solidFill>
+                  <a:srgbClr val="008C5A"/>
+                </a:solidFill>
+                <a:latin typeface="Consolas" panose="020B0609020204030204" pitchFamily="49" charset="0"/>
+              </a:rPr>
+              <a:t>gepulled</a:t>
+            </a:r>
+            <a:endParaRPr lang="de-DE" sz="1400" dirty="0">
+              <a:solidFill>
+                <a:srgbClr val="008C5A"/>
+              </a:solidFill>
+              <a:latin typeface="Consolas" panose="020B0609020204030204" pitchFamily="49" charset="0"/>
+            </a:endParaRPr>
+          </a:p>
+          <a:p>
+            <a:pPr marL="0" indent="0">
+              <a:buNone/>
+            </a:pPr>
+            <a:r>
+              <a:rPr lang="de-DE" sz="1400" dirty="0">
+                <a:latin typeface="Consolas" panose="020B0609020204030204" pitchFamily="49" charset="0"/>
+              </a:rPr>
+              <a:t>    - </a:t>
+            </a:r>
+            <a:r>
+              <a:rPr lang="de-DE" sz="1400" dirty="0" err="1">
+                <a:latin typeface="Consolas" panose="020B0609020204030204" pitchFamily="49" charset="0"/>
+              </a:rPr>
+              <a:t>docker</a:t>
+            </a:r>
+            <a:r>
+              <a:rPr lang="de-DE" sz="1400" dirty="0">
+                <a:latin typeface="Consolas" panose="020B0609020204030204" pitchFamily="49" charset="0"/>
+              </a:rPr>
+              <a:t> tag $CONTAINER_TEST_IMAGE $CONTAINER_RELEASE_IMAGE </a:t>
+            </a:r>
+            <a:r>
+              <a:rPr lang="de-DE" sz="1400" dirty="0">
+                <a:solidFill>
+                  <a:srgbClr val="008C5A"/>
+                </a:solidFill>
+                <a:latin typeface="Consolas" panose="020B0609020204030204" pitchFamily="49" charset="0"/>
+              </a:rPr>
+              <a:t># 4. Änderungen am </a:t>
+            </a:r>
+            <a:r>
+              <a:rPr lang="de-DE" sz="1400" dirty="0" err="1">
+                <a:solidFill>
+                  <a:srgbClr val="008C5A"/>
+                </a:solidFill>
+                <a:latin typeface="Consolas" panose="020B0609020204030204" pitchFamily="49" charset="0"/>
+              </a:rPr>
+              <a:t>main</a:t>
+            </a:r>
+            <a:r>
+              <a:rPr lang="de-DE" sz="1400" dirty="0">
+                <a:solidFill>
+                  <a:srgbClr val="008C5A"/>
+                </a:solidFill>
+                <a:latin typeface="Consolas" panose="020B0609020204030204" pitchFamily="49" charset="0"/>
+              </a:rPr>
+              <a:t> werden als </a:t>
+            </a:r>
+            <a:r>
+              <a:rPr lang="de-DE" sz="1400" dirty="0" err="1">
+                <a:solidFill>
+                  <a:srgbClr val="008C5A"/>
+                </a:solidFill>
+                <a:latin typeface="Consolas" panose="020B0609020204030204" pitchFamily="49" charset="0"/>
+              </a:rPr>
+              <a:t>latest</a:t>
+            </a:r>
+            <a:r>
+              <a:rPr lang="de-DE" sz="1400" dirty="0">
+                <a:solidFill>
+                  <a:srgbClr val="008C5A"/>
+                </a:solidFill>
+                <a:latin typeface="Consolas" panose="020B0609020204030204" pitchFamily="49" charset="0"/>
+              </a:rPr>
+              <a:t> </a:t>
+            </a:r>
+            <a:r>
+              <a:rPr lang="de-DE" sz="1400" dirty="0" err="1">
+                <a:solidFill>
+                  <a:srgbClr val="008C5A"/>
+                </a:solidFill>
+                <a:latin typeface="Consolas" panose="020B0609020204030204" pitchFamily="49" charset="0"/>
+              </a:rPr>
+              <a:t>getagged</a:t>
+            </a:r>
+            <a:endParaRPr lang="de-DE" sz="1400" dirty="0">
+              <a:solidFill>
+                <a:srgbClr val="008C5A"/>
+              </a:solidFill>
+              <a:latin typeface="Consolas" panose="020B0609020204030204" pitchFamily="49" charset="0"/>
+            </a:endParaRPr>
+          </a:p>
+          <a:p>
+            <a:pPr marL="0" indent="0">
+              <a:buNone/>
+            </a:pPr>
+            <a:r>
+              <a:rPr lang="de-DE" sz="1400" dirty="0">
+                <a:latin typeface="Consolas" panose="020B0609020204030204" pitchFamily="49" charset="0"/>
+              </a:rPr>
+              <a:t>    - </a:t>
+            </a:r>
+            <a:r>
+              <a:rPr lang="de-DE" sz="1400" dirty="0" err="1">
+                <a:latin typeface="Consolas" panose="020B0609020204030204" pitchFamily="49" charset="0"/>
+              </a:rPr>
+              <a:t>docker</a:t>
+            </a:r>
+            <a:r>
+              <a:rPr lang="de-DE" sz="1400" dirty="0">
+                <a:latin typeface="Consolas" panose="020B0609020204030204" pitchFamily="49" charset="0"/>
+              </a:rPr>
+              <a:t> push $CONTAINER_RELEASE_IMAGE</a:t>
+            </a:r>
+          </a:p>
+          <a:p>
+            <a:pPr marL="0" indent="0">
+              <a:buNone/>
+            </a:pPr>
+            <a:r>
+              <a:rPr lang="de-DE" sz="1400" dirty="0">
+                <a:latin typeface="Consolas" panose="020B0609020204030204" pitchFamily="49" charset="0"/>
+              </a:rPr>
+              <a:t>  </a:t>
+            </a:r>
+            <a:r>
+              <a:rPr lang="de-DE" sz="1400" dirty="0" err="1">
+                <a:latin typeface="Consolas" panose="020B0609020204030204" pitchFamily="49" charset="0"/>
+              </a:rPr>
+              <a:t>only</a:t>
+            </a:r>
+            <a:r>
+              <a:rPr lang="de-DE" sz="1400" dirty="0">
+                <a:latin typeface="Consolas" panose="020B0609020204030204" pitchFamily="49" charset="0"/>
+              </a:rPr>
+              <a:t>:</a:t>
+            </a:r>
+          </a:p>
+          <a:p>
+            <a:pPr marL="0" indent="0">
+              <a:buNone/>
+            </a:pPr>
+            <a:r>
+              <a:rPr lang="de-DE" sz="1400" dirty="0">
+                <a:latin typeface="Consolas" panose="020B0609020204030204" pitchFamily="49" charset="0"/>
+              </a:rPr>
+              <a:t>    - </a:t>
+            </a:r>
+            <a:r>
+              <a:rPr lang="de-DE" sz="1400" dirty="0" err="1">
+                <a:latin typeface="Consolas" panose="020B0609020204030204" pitchFamily="49" charset="0"/>
+              </a:rPr>
+              <a:t>main</a:t>
+            </a:r>
+            <a:endParaRPr lang="de-DE" sz="1400" dirty="0">
+              <a:latin typeface="Consolas" panose="020B0609020204030204" pitchFamily="49" charset="0"/>
+            </a:endParaRPr>
+          </a:p>
+          <a:p>
+            <a:pPr marL="0" indent="0">
+              <a:buNone/>
+            </a:pPr>
+            <a:endParaRPr lang="de-DE" sz="1400" dirty="0">
+              <a:latin typeface="Consolas" panose="020B0609020204030204" pitchFamily="49" charset="0"/>
+            </a:endParaRPr>
+          </a:p>
+          <a:p>
+            <a:pPr marL="0" indent="0">
+              <a:buNone/>
+            </a:pPr>
+            <a:r>
+              <a:rPr lang="de-DE" sz="1400" dirty="0">
+                <a:solidFill>
+                  <a:srgbClr val="008C5A"/>
+                </a:solidFill>
+                <a:latin typeface="Consolas" panose="020B0609020204030204" pitchFamily="49" charset="0"/>
+              </a:rPr>
+              <a:t># 5. </a:t>
+            </a:r>
+            <a:r>
+              <a:rPr lang="de-DE" sz="1400" dirty="0" err="1">
+                <a:solidFill>
+                  <a:srgbClr val="008C5A"/>
+                </a:solidFill>
+                <a:latin typeface="Consolas" panose="020B0609020204030204" pitchFamily="49" charset="0"/>
+              </a:rPr>
+              <a:t>Deployment</a:t>
+            </a:r>
+            <a:r>
+              <a:rPr lang="de-DE" sz="1400" dirty="0">
+                <a:solidFill>
+                  <a:srgbClr val="008C5A"/>
+                </a:solidFill>
+                <a:latin typeface="Consolas" panose="020B0609020204030204" pitchFamily="49" charset="0"/>
+              </a:rPr>
+              <a:t> über anwendungs-spezifisches Deploy-Skript</a:t>
+            </a:r>
+          </a:p>
+          <a:p>
+            <a:pPr marL="0" indent="0">
+              <a:buNone/>
+            </a:pPr>
+            <a:r>
+              <a:rPr lang="de-DE" sz="1400" dirty="0">
+                <a:latin typeface="Consolas" panose="020B0609020204030204" pitchFamily="49" charset="0"/>
+              </a:rPr>
+              <a:t>deploy:</a:t>
+            </a:r>
+          </a:p>
+          <a:p>
+            <a:pPr marL="0" indent="0">
+              <a:buNone/>
+            </a:pPr>
+            <a:r>
+              <a:rPr lang="de-DE" sz="1400" dirty="0">
+                <a:latin typeface="Consolas" panose="020B0609020204030204" pitchFamily="49" charset="0"/>
+              </a:rPr>
+              <a:t>  </a:t>
+            </a:r>
+            <a:r>
+              <a:rPr lang="de-DE" sz="1400" dirty="0" err="1">
+                <a:latin typeface="Consolas" panose="020B0609020204030204" pitchFamily="49" charset="0"/>
+              </a:rPr>
+              <a:t>stage</a:t>
+            </a:r>
+            <a:r>
+              <a:rPr lang="de-DE" sz="1400" dirty="0">
+                <a:latin typeface="Consolas" panose="020B0609020204030204" pitchFamily="49" charset="0"/>
+              </a:rPr>
+              <a:t>: deploy</a:t>
+            </a:r>
+          </a:p>
+          <a:p>
+            <a:pPr marL="0" indent="0">
+              <a:buNone/>
+            </a:pPr>
+            <a:r>
+              <a:rPr lang="de-DE" sz="1400" dirty="0">
+                <a:latin typeface="Consolas" panose="020B0609020204030204" pitchFamily="49" charset="0"/>
+              </a:rPr>
+              <a:t>  </a:t>
+            </a:r>
+            <a:r>
+              <a:rPr lang="de-DE" sz="1400" dirty="0" err="1">
+                <a:latin typeface="Consolas" panose="020B0609020204030204" pitchFamily="49" charset="0"/>
+              </a:rPr>
+              <a:t>script</a:t>
+            </a:r>
+            <a:r>
+              <a:rPr lang="de-DE" sz="1400" dirty="0">
+                <a:latin typeface="Consolas" panose="020B0609020204030204" pitchFamily="49" charset="0"/>
+              </a:rPr>
+              <a:t>:</a:t>
+            </a:r>
+          </a:p>
+          <a:p>
+            <a:pPr marL="0" indent="0">
+              <a:buNone/>
+            </a:pPr>
+            <a:r>
+              <a:rPr lang="de-DE" sz="1400" dirty="0">
+                <a:latin typeface="Consolas" panose="020B0609020204030204" pitchFamily="49" charset="0"/>
+              </a:rPr>
+              <a:t>    - ./deploy.sh</a:t>
+            </a:r>
+          </a:p>
+          <a:p>
+            <a:pPr marL="0" indent="0">
+              <a:buNone/>
+            </a:pPr>
+            <a:r>
+              <a:rPr lang="de-DE" sz="1400" dirty="0">
+                <a:latin typeface="Consolas" panose="020B0609020204030204" pitchFamily="49" charset="0"/>
+              </a:rPr>
+              <a:t>  </a:t>
+            </a:r>
+            <a:r>
+              <a:rPr lang="de-DE" sz="1400" dirty="0" err="1">
+                <a:latin typeface="Consolas" panose="020B0609020204030204" pitchFamily="49" charset="0"/>
+              </a:rPr>
+              <a:t>only</a:t>
+            </a:r>
+            <a:r>
+              <a:rPr lang="de-DE" sz="1400" dirty="0">
+                <a:latin typeface="Consolas" panose="020B0609020204030204" pitchFamily="49" charset="0"/>
+              </a:rPr>
+              <a:t>:</a:t>
+            </a:r>
+          </a:p>
+          <a:p>
+            <a:pPr marL="0" indent="0">
+              <a:buNone/>
+            </a:pPr>
+            <a:r>
+              <a:rPr lang="de-DE" sz="1400" dirty="0">
+                <a:latin typeface="Consolas" panose="020B0609020204030204" pitchFamily="49" charset="0"/>
+              </a:rPr>
+              <a:t>    - </a:t>
+            </a:r>
+            <a:r>
+              <a:rPr lang="de-DE" sz="1400" dirty="0" err="1">
+                <a:latin typeface="Consolas" panose="020B0609020204030204" pitchFamily="49" charset="0"/>
+              </a:rPr>
+              <a:t>main</a:t>
+            </a:r>
+            <a:endParaRPr lang="de-DE" sz="1400" dirty="0">
+              <a:latin typeface="Consolas" panose="020B0609020204030204" pitchFamily="49" charset="0"/>
+            </a:endParaRPr>
+          </a:p>
+          <a:p>
+            <a:pPr marL="0" indent="0">
+              <a:buNone/>
+            </a:pPr>
+            <a:r>
+              <a:rPr lang="de-DE" sz="1400" dirty="0">
+                <a:latin typeface="Consolas" panose="020B0609020204030204" pitchFamily="49" charset="0"/>
+              </a:rPr>
+              <a:t>  </a:t>
+            </a:r>
+            <a:r>
+              <a:rPr lang="de-DE" sz="1400" dirty="0" err="1">
+                <a:latin typeface="Consolas" panose="020B0609020204030204" pitchFamily="49" charset="0"/>
+              </a:rPr>
+              <a:t>environment</a:t>
+            </a:r>
+            <a:r>
+              <a:rPr lang="de-DE" sz="1400" dirty="0">
+                <a:latin typeface="Consolas" panose="020B0609020204030204" pitchFamily="49" charset="0"/>
+              </a:rPr>
+              <a:t>: </a:t>
+            </a:r>
+            <a:r>
+              <a:rPr lang="de-DE" sz="1400" dirty="0" err="1">
+                <a:latin typeface="Consolas" panose="020B0609020204030204" pitchFamily="49" charset="0"/>
+              </a:rPr>
+              <a:t>production</a:t>
+            </a:r>
+            <a:endParaRPr lang="de-DE" sz="1400" dirty="0">
+              <a:latin typeface="Consolas" panose="020B0609020204030204" pitchFamily="49" charset="0"/>
+            </a:endParaRPr>
+          </a:p>
+          <a:p>
+            <a:pPr marL="0" indent="0">
+              <a:buNone/>
+            </a:pPr>
+            <a:endParaRPr lang="de-DE" sz="1600" dirty="0">
+              <a:latin typeface="Consolas" panose="020B0609020204030204" pitchFamily="49" charset="0"/>
+            </a:endParaRPr>
+          </a:p>
+          <a:p>
+            <a:pPr marL="0" indent="0">
+              <a:buNone/>
+            </a:pPr>
+            <a:endParaRPr lang="de-DE" sz="1600" dirty="0">
+              <a:latin typeface="Consolas" panose="020B0609020204030204" pitchFamily="49" charset="0"/>
+            </a:endParaRPr>
+          </a:p>
+          <a:p>
+            <a:pPr marL="0" indent="0">
+              <a:buNone/>
+            </a:pPr>
+            <a:endParaRPr lang="de-DE" sz="1600" dirty="0">
+              <a:latin typeface="Consolas" panose="020B0609020204030204" pitchFamily="49" charset="0"/>
+            </a:endParaRPr>
+          </a:p>
+        </p:txBody>
+      </p:sp>
+    </p:spTree>
+    <p:extLst>
+      <p:ext uri="{BB962C8B-B14F-4D97-AF65-F5344CB8AC3E}">
+        <p14:creationId xmlns:p14="http://schemas.microsoft.com/office/powerpoint/2010/main" val="2664526633"/>
       </p:ext>
     </p:extLst>
   </p:cSld>

--- a/slides/Tag-3_3-Release-und-Tagged-Images.pptx
+++ b/slides/Tag-3_3-Release-und-Tagged-Images.pptx
@@ -6,10 +6,10 @@
     <p:sldMasterId id="2147483649" r:id="rId2"/>
   </p:sldMasterIdLst>
   <p:notesMasterIdLst>
-    <p:notesMasterId r:id="rId42"/>
+    <p:notesMasterId r:id="rId45"/>
   </p:notesMasterIdLst>
   <p:handoutMasterIdLst>
-    <p:handoutMasterId r:id="rId43"/>
+    <p:handoutMasterId r:id="rId46"/>
   </p:handoutMasterIdLst>
   <p:sldIdLst>
     <p:sldId id="288" r:id="rId3"/>
@@ -43,14 +43,17 @@
     <p:sldId id="622" r:id="rId31"/>
     <p:sldId id="623" r:id="rId32"/>
     <p:sldId id="617" r:id="rId33"/>
-    <p:sldId id="624" r:id="rId34"/>
-    <p:sldId id="625" r:id="rId35"/>
-    <p:sldId id="626" r:id="rId36"/>
-    <p:sldId id="627" r:id="rId37"/>
-    <p:sldId id="628" r:id="rId38"/>
-    <p:sldId id="629" r:id="rId39"/>
-    <p:sldId id="630" r:id="rId40"/>
-    <p:sldId id="631" r:id="rId41"/>
+    <p:sldId id="632" r:id="rId34"/>
+    <p:sldId id="633" r:id="rId35"/>
+    <p:sldId id="635" r:id="rId36"/>
+    <p:sldId id="624" r:id="rId37"/>
+    <p:sldId id="625" r:id="rId38"/>
+    <p:sldId id="626" r:id="rId39"/>
+    <p:sldId id="627" r:id="rId40"/>
+    <p:sldId id="628" r:id="rId41"/>
+    <p:sldId id="629" r:id="rId42"/>
+    <p:sldId id="630" r:id="rId43"/>
+    <p:sldId id="631" r:id="rId44"/>
   </p:sldIdLst>
   <p:sldSz cx="9144000" cy="6858000" type="screen4x3"/>
   <p:notesSz cx="6784975" cy="9921875"/>
@@ -1705,7 +1708,7 @@
             <a:fld id="{18182567-388C-4D33-8B7B-A651F195F118}" type="slidenum">
               <a:rPr lang="de-DE" altLang="de-DE" smtClean="0"/>
               <a:pPr/>
-              <a:t>33</a:t>
+              <a:t>36</a:t>
             </a:fld>
             <a:endParaRPr lang="de-DE" altLang="de-DE"/>
           </a:p>
@@ -1768,6 +1771,24 @@
           <a:bodyPr/>
           <a:lstStyle/>
           <a:p>
+            <a:r>
+              <a:rPr lang="de-DE" dirty="0"/>
+              <a:t>https://docs.gitlab.com/ee/ci/variables/predefined_variables.html</a:t>
+            </a:r>
+          </a:p>
+          <a:p>
+            <a:endParaRPr lang="de-DE" dirty="0"/>
+          </a:p>
+          <a:p>
+            <a:r>
+              <a:rPr lang="en-US" dirty="0">
+                <a:effectLst/>
+              </a:rPr>
+              <a:t>CI_COMMIT_REF_NAME in lowercase, shortened to 63 bytes, and with everything except 0-9 and a-z replaced with -. No leading / trailing -. Use in URLs, host names and domain names.</a:t>
+            </a:r>
+            <a:br>
+              <a:rPr lang="en-US" dirty="0"/>
+            </a:br>
             <a:endParaRPr lang="de-DE" dirty="0"/>
           </a:p>
         </p:txBody>
@@ -1790,7 +1811,7 @@
             <a:fld id="{18182567-388C-4D33-8B7B-A651F195F118}" type="slidenum">
               <a:rPr lang="de-DE" altLang="de-DE" smtClean="0"/>
               <a:pPr/>
-              <a:t>34</a:t>
+              <a:t>37</a:t>
             </a:fld>
             <a:endParaRPr lang="de-DE" altLang="de-DE"/>
           </a:p>
@@ -3072,7 +3093,7 @@
               <a:pPr algn="ctr">
                 <a:defRPr/>
               </a:pPr>
-              <a:t>03.06.2024</a:t>
+              <a:t>05.06.2024</a:t>
             </a:fld>
             <a:endParaRPr lang="de-DE" sz="1000">
               <a:solidFill>
@@ -11030,14 +11051,10 @@
             </a:pPr>
             <a:r>
               <a:rPr lang="en-US" b="1" dirty="0"/>
-              <a:t>Docker-in-Docker Container </a:t>
-            </a:r>
-            <a:r>
-              <a:rPr lang="en-US" b="1"/>
-              <a:t>Image (</a:t>
-            </a:r>
-            <a:r>
-              <a:rPr lang="en-US" b="1">
+              <a:t>Docker-in-Docker Container Image (</a:t>
+            </a:r>
+            <a:r>
+              <a:rPr lang="en-US" b="1" dirty="0">
                 <a:solidFill>
                   <a:srgbClr val="0249FC"/>
                 </a:solidFill>
@@ -11045,10 +11062,9 @@
               <a:t>Container Registry</a:t>
             </a:r>
             <a:r>
-              <a:rPr lang="en-US" b="1"/>
+              <a:rPr lang="en-US" b="1" dirty="0"/>
               <a:t>)</a:t>
             </a:r>
-            <a:endParaRPr lang="en-US" b="1" dirty="0"/>
           </a:p>
           <a:p>
             <a:pPr marL="0" indent="0">
@@ -14124,7 +14140,7 @@
           <p:cNvPr id="2" name="Titel 1">
             <a:extLst>
               <a:ext uri="{FF2B5EF4-FFF2-40B4-BE49-F238E27FC236}">
-                <a16:creationId xmlns:a16="http://schemas.microsoft.com/office/drawing/2014/main" id="{49A48EBC-55D9-6D64-715F-AF6DEBF117C3}"/>
+                <a16:creationId xmlns:a16="http://schemas.microsoft.com/office/drawing/2014/main" id="{0A6ADA43-34C1-347C-FD8E-BF87A5A77FC5}"/>
               </a:ext>
             </a:extLst>
           </p:cNvPr>
@@ -14161,7 +14177,7 @@
           <p:cNvPr id="3" name="Inhaltsplatzhalter 2">
             <a:extLst>
               <a:ext uri="{FF2B5EF4-FFF2-40B4-BE49-F238E27FC236}">
-                <a16:creationId xmlns:a16="http://schemas.microsoft.com/office/drawing/2014/main" id="{7B404127-ED2B-6905-BDD1-3C60D11A2A7C}"/>
+                <a16:creationId xmlns:a16="http://schemas.microsoft.com/office/drawing/2014/main" id="{4D911ADB-7C0F-98E1-85DA-1C884339CE08}"/>
               </a:ext>
             </a:extLst>
           </p:cNvPr>
@@ -14182,45 +14198,278 @@
             </a:pPr>
             <a:r>
               <a:rPr lang="de-DE" b="1" dirty="0"/>
-              <a:t>Container Registry Beispiele</a:t>
-            </a:r>
-          </a:p>
-          <a:p>
-            <a:pPr>
-              <a:buFont typeface="Arial" panose="020B0604020202020204" pitchFamily="34" charset="0"/>
-              <a:buChar char="•"/>
-            </a:pPr>
-            <a:r>
-              <a:rPr lang="de-DE" dirty="0"/>
-              <a:t>Simples Docker-in-Docker</a:t>
-            </a:r>
-          </a:p>
-          <a:p>
-            <a:pPr>
-              <a:buFont typeface="Arial" panose="020B0604020202020204" pitchFamily="34" charset="0"/>
-              <a:buChar char="•"/>
-            </a:pPr>
-            <a:r>
-              <a:rPr lang="de-DE" dirty="0"/>
-              <a:t>Docker-in-Docker mit Variablen</a:t>
-            </a:r>
-          </a:p>
-          <a:p>
-            <a:pPr>
-              <a:buFont typeface="Arial" panose="020B0604020202020204" pitchFamily="34" charset="0"/>
-              <a:buChar char="•"/>
-            </a:pPr>
-            <a:r>
-              <a:rPr lang="de-DE" dirty="0"/>
-              <a:t>Pipeline mit vier Stages</a:t>
-            </a:r>
+              <a:t>Aufgabe: Simple Docker-in-Docker </a:t>
+            </a:r>
+            <a:r>
+              <a:rPr lang="de-DE" b="1" dirty="0" err="1"/>
+              <a:t>Build</a:t>
+            </a:r>
+            <a:r>
+              <a:rPr lang="de-DE" b="1" dirty="0"/>
+              <a:t>-Pipeline</a:t>
+            </a:r>
+          </a:p>
+          <a:p>
+            <a:pPr marL="457200" indent="-457200">
+              <a:buFont typeface="+mj-lt"/>
+              <a:buAutoNum type="arabicPeriod"/>
+            </a:pPr>
+            <a:r>
+              <a:rPr lang="de-DE" b="1" dirty="0"/>
+              <a:t>Ziel: </a:t>
+            </a:r>
+            <a:r>
+              <a:rPr lang="de-DE" dirty="0" err="1"/>
+              <a:t>Verständis</a:t>
+            </a:r>
+            <a:r>
+              <a:rPr lang="de-DE" dirty="0"/>
+              <a:t> von </a:t>
+            </a:r>
+            <a:r>
+              <a:rPr lang="de-DE" dirty="0" err="1"/>
+              <a:t>dind</a:t>
+            </a:r>
+            <a:r>
+              <a:rPr lang="de-DE" dirty="0"/>
+              <a:t> schaffen</a:t>
+            </a:r>
+          </a:p>
+          <a:p>
+            <a:pPr marL="457200" indent="-457200">
+              <a:buFont typeface="+mj-lt"/>
+              <a:buAutoNum type="arabicPeriod"/>
+            </a:pPr>
+            <a:r>
+              <a:rPr lang="de-DE" b="1" dirty="0"/>
+              <a:t>Schritte:</a:t>
+            </a:r>
+          </a:p>
+          <a:p>
+            <a:pPr marL="857250" lvl="1" indent="-457200">
+              <a:buFont typeface="Arial" panose="020B0604020202020204" pitchFamily="34" charset="0"/>
+              <a:buChar char="•"/>
+            </a:pPr>
+            <a:r>
+              <a:rPr lang="de-DE" b="1" dirty="0"/>
+              <a:t>.</a:t>
+            </a:r>
+            <a:r>
+              <a:rPr lang="de-DE" dirty="0" err="1"/>
+              <a:t>gitlab-ci.yml</a:t>
+            </a:r>
+            <a:r>
+              <a:rPr lang="de-DE" dirty="0"/>
+              <a:t> dem Projekt hinzufügen oder vorhandene nutzen</a:t>
+            </a:r>
+          </a:p>
+          <a:p>
+            <a:pPr marL="857250" lvl="1" indent="-457200">
+              <a:buFont typeface="Arial" panose="020B0604020202020204" pitchFamily="34" charset="0"/>
+              <a:buChar char="•"/>
+            </a:pPr>
+            <a:r>
+              <a:rPr lang="de-DE" dirty="0"/>
+              <a:t>Als </a:t>
+            </a:r>
+            <a:r>
+              <a:rPr lang="de-DE" dirty="0" err="1"/>
+              <a:t>image</a:t>
+            </a:r>
+            <a:r>
+              <a:rPr lang="de-DE" dirty="0"/>
+              <a:t> folgendes verwenden: </a:t>
+            </a:r>
+            <a:r>
+              <a:rPr lang="de-DE" sz="2000" dirty="0">
+                <a:latin typeface="Consolas" panose="020B0609020204030204" pitchFamily="49" charset="0"/>
+              </a:rPr>
+              <a:t>docker:20.10.16</a:t>
+            </a:r>
+          </a:p>
+          <a:p>
+            <a:pPr marL="857250" lvl="1" indent="-457200">
+              <a:buFont typeface="Arial" panose="020B0604020202020204" pitchFamily="34" charset="0"/>
+              <a:buChar char="•"/>
+            </a:pPr>
+            <a:r>
+              <a:rPr lang="de-DE" dirty="0"/>
+              <a:t>Die </a:t>
+            </a:r>
+            <a:r>
+              <a:rPr lang="de-DE" dirty="0" err="1">
+                <a:latin typeface="Consolas" panose="020B0609020204030204" pitchFamily="49" charset="0"/>
+              </a:rPr>
+              <a:t>stage</a:t>
+            </a:r>
+            <a:r>
+              <a:rPr lang="de-DE" dirty="0"/>
+              <a:t> sollte </a:t>
+            </a:r>
+            <a:r>
+              <a:rPr lang="de-DE" dirty="0" err="1">
+                <a:latin typeface="Consolas" panose="020B0609020204030204" pitchFamily="49" charset="0"/>
+              </a:rPr>
+              <a:t>build</a:t>
+            </a:r>
+            <a:r>
+              <a:rPr lang="de-DE" dirty="0"/>
+              <a:t> sein</a:t>
+            </a:r>
+          </a:p>
+          <a:p>
+            <a:pPr marL="857250" lvl="1" indent="-457200">
+              <a:buFont typeface="Arial" panose="020B0604020202020204" pitchFamily="34" charset="0"/>
+              <a:buChar char="•"/>
+            </a:pPr>
+            <a:r>
+              <a:rPr lang="de-DE" dirty="0"/>
+              <a:t>Als </a:t>
+            </a:r>
+            <a:r>
+              <a:rPr lang="de-DE" dirty="0" err="1">
+                <a:latin typeface="Consolas" panose="020B0609020204030204" pitchFamily="49" charset="0"/>
+              </a:rPr>
+              <a:t>service</a:t>
+            </a:r>
+            <a:r>
+              <a:rPr lang="de-DE" dirty="0"/>
+              <a:t> das Image als </a:t>
+            </a:r>
+            <a:r>
+              <a:rPr lang="de-DE" dirty="0">
+                <a:latin typeface="Consolas" panose="020B0609020204030204" pitchFamily="49" charset="0"/>
+              </a:rPr>
+              <a:t>–</a:t>
+            </a:r>
+            <a:r>
+              <a:rPr lang="de-DE" dirty="0" err="1">
+                <a:latin typeface="Consolas" panose="020B0609020204030204" pitchFamily="49" charset="0"/>
+                <a:cs typeface="Calibri" panose="020F0502020204030204" pitchFamily="34" charset="0"/>
+              </a:rPr>
+              <a:t>dind</a:t>
+            </a:r>
+            <a:r>
+              <a:rPr lang="de-DE" dirty="0"/>
+              <a:t> verwenden</a:t>
+            </a:r>
+          </a:p>
+          <a:p>
+            <a:pPr marL="857250" lvl="1" indent="-457200">
+              <a:buFont typeface="Arial" panose="020B0604020202020204" pitchFamily="34" charset="0"/>
+              <a:buChar char="•"/>
+            </a:pPr>
+            <a:r>
+              <a:rPr lang="de-DE" dirty="0"/>
+              <a:t>Im </a:t>
+            </a:r>
+            <a:r>
+              <a:rPr lang="de-DE" dirty="0" err="1">
+                <a:latin typeface="Consolas" panose="020B0609020204030204" pitchFamily="49" charset="0"/>
+              </a:rPr>
+              <a:t>script</a:t>
+            </a:r>
+            <a:r>
+              <a:rPr lang="de-DE" dirty="0"/>
+              <a:t> Teil sollte folgendes passieren</a:t>
+            </a:r>
+          </a:p>
+          <a:p>
+            <a:pPr marL="1257300" lvl="2" indent="-457200">
+              <a:buFont typeface="+mj-lt"/>
+              <a:buAutoNum type="arabicPeriod"/>
+            </a:pPr>
+            <a:r>
+              <a:rPr lang="de-DE" sz="1800" dirty="0"/>
+              <a:t>Bei der Container Registry einloggen (</a:t>
+            </a:r>
+            <a:r>
+              <a:rPr lang="de-DE" sz="1800" dirty="0" err="1"/>
+              <a:t>docker</a:t>
+            </a:r>
+            <a:r>
+              <a:rPr lang="de-DE" sz="1800" dirty="0"/>
+              <a:t> </a:t>
+            </a:r>
+            <a:r>
+              <a:rPr lang="de-DE" sz="1800" dirty="0" err="1"/>
+              <a:t>login</a:t>
+            </a:r>
+            <a:r>
+              <a:rPr lang="de-DE" sz="1800" dirty="0"/>
+              <a:t>)</a:t>
+            </a:r>
+          </a:p>
+          <a:p>
+            <a:pPr marL="1257300" lvl="2" indent="-457200">
+              <a:buFont typeface="+mj-lt"/>
+              <a:buAutoNum type="arabicPeriod"/>
+            </a:pPr>
+            <a:r>
+              <a:rPr lang="de-DE" sz="1800" dirty="0"/>
+              <a:t>Das Container Image aus dem </a:t>
+            </a:r>
+            <a:r>
+              <a:rPr lang="de-DE" sz="1800" dirty="0" err="1"/>
+              <a:t>aktueleln</a:t>
+            </a:r>
+            <a:r>
+              <a:rPr lang="de-DE" sz="1800" dirty="0"/>
+              <a:t> Projekt bauen (</a:t>
+            </a:r>
+            <a:r>
+              <a:rPr lang="de-DE" sz="1800" dirty="0" err="1"/>
+              <a:t>docker</a:t>
+            </a:r>
+            <a:r>
+              <a:rPr lang="de-DE" sz="1800" dirty="0"/>
+              <a:t> </a:t>
+            </a:r>
+            <a:r>
+              <a:rPr lang="de-DE" sz="1800" dirty="0" err="1"/>
+              <a:t>build</a:t>
+            </a:r>
+            <a:r>
+              <a:rPr lang="de-DE" sz="1800" dirty="0"/>
+              <a:t>)</a:t>
+            </a:r>
+          </a:p>
+          <a:p>
+            <a:pPr marL="1257300" lvl="2" indent="-457200">
+              <a:buFont typeface="+mj-lt"/>
+              <a:buAutoNum type="arabicPeriod"/>
+            </a:pPr>
+            <a:r>
+              <a:rPr lang="de-DE" sz="1800" dirty="0"/>
+              <a:t>Das gebaute Image in die Registry pushen (</a:t>
+            </a:r>
+            <a:r>
+              <a:rPr lang="de-DE" sz="1800" dirty="0" err="1"/>
+              <a:t>docker</a:t>
+            </a:r>
+            <a:r>
+              <a:rPr lang="de-DE" sz="1800" dirty="0"/>
+              <a:t> push)</a:t>
+            </a:r>
+          </a:p>
+          <a:p>
+            <a:pPr marL="0" indent="0">
+              <a:buNone/>
+            </a:pPr>
+            <a:endParaRPr lang="de-DE" b="1" dirty="0"/>
+          </a:p>
+          <a:p>
+            <a:pPr marL="0" indent="0">
+              <a:buNone/>
+            </a:pPr>
+            <a:endParaRPr lang="de-DE" b="1" dirty="0"/>
           </a:p>
         </p:txBody>
       </p:sp>
     </p:spTree>
     <p:extLst>
       <p:ext uri="{BB962C8B-B14F-4D97-AF65-F5344CB8AC3E}">
-        <p14:creationId xmlns:p14="http://schemas.microsoft.com/office/powerpoint/2010/main" val="1965332827"/>
+        <p14:creationId xmlns:p14="http://schemas.microsoft.com/office/powerpoint/2010/main" val="2914279323"/>
       </p:ext>
     </p:extLst>
   </p:cSld>
@@ -14252,7 +14501,7 @@
           <p:cNvPr id="2" name="Titel 1">
             <a:extLst>
               <a:ext uri="{FF2B5EF4-FFF2-40B4-BE49-F238E27FC236}">
-                <a16:creationId xmlns:a16="http://schemas.microsoft.com/office/drawing/2014/main" id="{49A48EBC-55D9-6D64-715F-AF6DEBF117C3}"/>
+                <a16:creationId xmlns:a16="http://schemas.microsoft.com/office/drawing/2014/main" id="{0A6ADA43-34C1-347C-FD8E-BF87A5A77FC5}"/>
               </a:ext>
             </a:extLst>
           </p:cNvPr>
@@ -14289,7 +14538,7 @@
           <p:cNvPr id="3" name="Inhaltsplatzhalter 2">
             <a:extLst>
               <a:ext uri="{FF2B5EF4-FFF2-40B4-BE49-F238E27FC236}">
-                <a16:creationId xmlns:a16="http://schemas.microsoft.com/office/drawing/2014/main" id="{7B404127-ED2B-6905-BDD1-3C60D11A2A7C}"/>
+                <a16:creationId xmlns:a16="http://schemas.microsoft.com/office/drawing/2014/main" id="{4D911ADB-7C0F-98E1-85DA-1C884339CE08}"/>
               </a:ext>
             </a:extLst>
           </p:cNvPr>
@@ -14310,329 +14559,196 @@
             </a:pPr>
             <a:r>
               <a:rPr lang="de-DE" b="1" dirty="0"/>
-              <a:t>Simples Docker-in-Docker</a:t>
-            </a:r>
-          </a:p>
-          <a:p>
-            <a:pPr marL="0" indent="0">
-              <a:buNone/>
-            </a:pPr>
+              <a:t>Aufgabe: Docker-in-Docker mit Variablen erweitern</a:t>
+            </a:r>
+          </a:p>
+          <a:p>
+            <a:pPr marL="457200" indent="-457200">
+              <a:buFont typeface="+mj-lt"/>
+              <a:buAutoNum type="arabicPeriod"/>
+            </a:pPr>
+            <a:r>
+              <a:rPr lang="de-DE" b="1" dirty="0"/>
+              <a:t>Ziel: </a:t>
+            </a:r>
+            <a:r>
+              <a:rPr lang="de-DE" dirty="0" err="1"/>
+              <a:t>Verständis</a:t>
+            </a:r>
+            <a:r>
+              <a:rPr lang="de-DE" dirty="0"/>
+              <a:t> der Variablen schärfen</a:t>
+            </a:r>
+          </a:p>
+          <a:p>
+            <a:pPr marL="457200" indent="-457200">
+              <a:buFont typeface="+mj-lt"/>
+              <a:buAutoNum type="arabicPeriod"/>
+            </a:pPr>
+            <a:r>
+              <a:rPr lang="de-DE" b="1" dirty="0"/>
+              <a:t>Schritte:</a:t>
+            </a:r>
+          </a:p>
+          <a:p>
+            <a:pPr marL="857250" lvl="1" indent="-457200">
+              <a:buFont typeface="Arial" panose="020B0604020202020204" pitchFamily="34" charset="0"/>
+              <a:buChar char="•"/>
+            </a:pPr>
+            <a:r>
+              <a:rPr lang="de-DE" dirty="0"/>
+              <a:t>Fügen Sie die Variable: </a:t>
+            </a:r>
             <a:r>
               <a:rPr lang="de-DE" sz="2000" dirty="0">
                 <a:latin typeface="Consolas" panose="020B0609020204030204" pitchFamily="49" charset="0"/>
               </a:rPr>
-              <a:t>.</a:t>
-            </a:r>
-            <a:r>
-              <a:rPr lang="de-DE" sz="2000" dirty="0" err="1">
-                <a:latin typeface="Consolas" panose="020B0609020204030204" pitchFamily="49" charset="0"/>
-              </a:rPr>
-              <a:t>gitlab-ci.yml</a:t>
-            </a:r>
-            <a:r>
-              <a:rPr lang="de-DE" sz="2000" dirty="0">
-                <a:latin typeface="Consolas" panose="020B0609020204030204" pitchFamily="49" charset="0"/>
-              </a:rPr>
-              <a:t>:</a:t>
-            </a:r>
-          </a:p>
-          <a:p>
-            <a:pPr marL="0" indent="0">
-              <a:buNone/>
-            </a:pPr>
-            <a:r>
-              <a:rPr lang="de-DE" sz="1400" dirty="0" err="1">
-                <a:latin typeface="Consolas" panose="020B0609020204030204" pitchFamily="49" charset="0"/>
-              </a:rPr>
+              <a:t>IMAGE_TAG</a:t>
+            </a:r>
+            <a:r>
+              <a:rPr lang="de-DE" sz="2000" dirty="0"/>
+              <a:t> hinzu</a:t>
+            </a:r>
+          </a:p>
+          <a:p>
+            <a:pPr marL="857250" lvl="1" indent="-457200">
+              <a:buFont typeface="Arial" panose="020B0604020202020204" pitchFamily="34" charset="0"/>
+              <a:buChar char="•"/>
+            </a:pPr>
+            <a:r>
+              <a:rPr lang="de-DE" dirty="0"/>
+              <a:t>Nutzen Sie die neue Variable im </a:t>
+            </a:r>
+            <a:r>
+              <a:rPr lang="de-DE" dirty="0" err="1">
+                <a:latin typeface="Consolas" panose="020B0609020204030204" pitchFamily="49" charset="0"/>
+              </a:rPr>
+              <a:t>script</a:t>
+            </a:r>
+            <a:r>
+              <a:rPr lang="de-DE" dirty="0"/>
+              <a:t> Teil</a:t>
+            </a:r>
+          </a:p>
+          <a:p>
+            <a:pPr marL="857250" lvl="1" indent="-457200">
+              <a:buFont typeface="Arial" panose="020B0604020202020204" pitchFamily="34" charset="0"/>
+              <a:buChar char="•"/>
+            </a:pPr>
+            <a:endParaRPr lang="de-DE" dirty="0"/>
+          </a:p>
+          <a:p>
+            <a:pPr marL="457200" indent="-457200">
+              <a:buFont typeface="+mj-lt"/>
+              <a:buAutoNum type="arabicPeriod"/>
+            </a:pPr>
+            <a:r>
+              <a:rPr lang="de-DE" b="1" dirty="0"/>
+              <a:t>Hinweise:</a:t>
+            </a:r>
+          </a:p>
+          <a:p>
+            <a:pPr marL="857250" lvl="1" indent="-457200">
+              <a:buFont typeface="Arial" panose="020B0604020202020204" pitchFamily="34" charset="0"/>
+              <a:buChar char="•"/>
+            </a:pPr>
+            <a:r>
+              <a:rPr lang="de-DE" dirty="0"/>
+              <a:t>IMAGE_TAG wird später beim </a:t>
+            </a:r>
+            <a:r>
+              <a:rPr lang="de-DE" dirty="0" err="1"/>
               <a:t>build</a:t>
             </a:r>
             <a:r>
-              <a:rPr lang="de-DE" sz="1400" dirty="0">
-                <a:latin typeface="Consolas" panose="020B0609020204030204" pitchFamily="49" charset="0"/>
-              </a:rPr>
-              <a:t>:</a:t>
-            </a:r>
-          </a:p>
-          <a:p>
-            <a:pPr marL="0" indent="0">
-              <a:buNone/>
-            </a:pPr>
-            <a:r>
-              <a:rPr lang="de-DE" sz="1400" dirty="0">
-                <a:latin typeface="Consolas" panose="020B0609020204030204" pitchFamily="49" charset="0"/>
-              </a:rPr>
-              <a:t>  </a:t>
-            </a:r>
-            <a:r>
-              <a:rPr lang="de-DE" sz="1400" dirty="0" err="1">
-                <a:latin typeface="Consolas" panose="020B0609020204030204" pitchFamily="49" charset="0"/>
-              </a:rPr>
-              <a:t>image</a:t>
-            </a:r>
-            <a:r>
-              <a:rPr lang="de-DE" sz="1400" dirty="0">
-                <a:latin typeface="Consolas" panose="020B0609020204030204" pitchFamily="49" charset="0"/>
-              </a:rPr>
-              <a:t>: docker:20.10.16</a:t>
-            </a:r>
-          </a:p>
-          <a:p>
-            <a:pPr marL="0" indent="0">
-              <a:buNone/>
-            </a:pPr>
-            <a:r>
-              <a:rPr lang="de-DE" sz="1400" dirty="0">
-                <a:latin typeface="Consolas" panose="020B0609020204030204" pitchFamily="49" charset="0"/>
-              </a:rPr>
-              <a:t>  </a:t>
-            </a:r>
-            <a:r>
-              <a:rPr lang="de-DE" sz="1400" dirty="0" err="1">
-                <a:latin typeface="Consolas" panose="020B0609020204030204" pitchFamily="49" charset="0"/>
-              </a:rPr>
-              <a:t>stage</a:t>
-            </a:r>
-            <a:r>
-              <a:rPr lang="de-DE" sz="1400" dirty="0">
-                <a:latin typeface="Consolas" panose="020B0609020204030204" pitchFamily="49" charset="0"/>
-              </a:rPr>
-              <a:t>: </a:t>
-            </a:r>
-            <a:r>
-              <a:rPr lang="de-DE" sz="1400" dirty="0" err="1">
-                <a:latin typeface="Consolas" panose="020B0609020204030204" pitchFamily="49" charset="0"/>
-              </a:rPr>
-              <a:t>build</a:t>
-            </a:r>
-            <a:endParaRPr lang="de-DE" sz="1400" dirty="0">
-              <a:latin typeface="Consolas" panose="020B0609020204030204" pitchFamily="49" charset="0"/>
-            </a:endParaRPr>
-          </a:p>
-          <a:p>
-            <a:pPr marL="0" indent="0">
-              <a:buNone/>
-            </a:pPr>
-            <a:r>
-              <a:rPr lang="de-DE" sz="1400" dirty="0">
-                <a:latin typeface="Consolas" panose="020B0609020204030204" pitchFamily="49" charset="0"/>
-              </a:rPr>
-              <a:t>  </a:t>
-            </a:r>
-            <a:r>
-              <a:rPr lang="de-DE" sz="1400" dirty="0" err="1">
-                <a:latin typeface="Consolas" panose="020B0609020204030204" pitchFamily="49" charset="0"/>
-              </a:rPr>
-              <a:t>services</a:t>
-            </a:r>
-            <a:r>
-              <a:rPr lang="de-DE" sz="1400" dirty="0">
-                <a:latin typeface="Consolas" panose="020B0609020204030204" pitchFamily="49" charset="0"/>
-              </a:rPr>
-              <a:t>:</a:t>
-            </a:r>
-          </a:p>
-          <a:p>
-            <a:pPr marL="0" indent="0">
-              <a:buNone/>
-            </a:pPr>
-            <a:r>
-              <a:rPr lang="de-DE" sz="1400" dirty="0">
-                <a:latin typeface="Consolas" panose="020B0609020204030204" pitchFamily="49" charset="0"/>
-              </a:rPr>
-              <a:t>    - docker:20.10.16-dind</a:t>
-            </a:r>
-          </a:p>
-          <a:p>
-            <a:pPr marL="0" indent="0">
-              <a:buNone/>
-            </a:pPr>
-            <a:r>
-              <a:rPr lang="de-DE" sz="1400" dirty="0">
-                <a:latin typeface="Consolas" panose="020B0609020204030204" pitchFamily="49" charset="0"/>
-              </a:rPr>
-              <a:t>  </a:t>
-            </a:r>
-            <a:r>
-              <a:rPr lang="de-DE" sz="1400" dirty="0" err="1">
-                <a:latin typeface="Consolas" panose="020B0609020204030204" pitchFamily="49" charset="0"/>
-              </a:rPr>
-              <a:t>script</a:t>
-            </a:r>
-            <a:r>
-              <a:rPr lang="de-DE" sz="1400" dirty="0">
-                <a:latin typeface="Consolas" panose="020B0609020204030204" pitchFamily="49" charset="0"/>
-              </a:rPr>
-              <a:t>:</a:t>
-            </a:r>
-          </a:p>
-          <a:p>
-            <a:pPr marL="0" indent="0">
-              <a:buNone/>
-            </a:pPr>
-            <a:r>
-              <a:rPr lang="de-DE" sz="1400" dirty="0">
-                <a:latin typeface="Consolas" panose="020B0609020204030204" pitchFamily="49" charset="0"/>
-              </a:rPr>
-              <a:t>    - </a:t>
-            </a:r>
-            <a:r>
-              <a:rPr lang="de-DE" sz="1400" dirty="0" err="1">
-                <a:latin typeface="Consolas" panose="020B0609020204030204" pitchFamily="49" charset="0"/>
-              </a:rPr>
-              <a:t>docker</a:t>
-            </a:r>
-            <a:r>
-              <a:rPr lang="de-DE" sz="1400" dirty="0">
-                <a:latin typeface="Consolas" panose="020B0609020204030204" pitchFamily="49" charset="0"/>
-              </a:rPr>
-              <a:t> </a:t>
-            </a:r>
-            <a:r>
-              <a:rPr lang="de-DE" sz="1400" dirty="0" err="1">
-                <a:latin typeface="Consolas" panose="020B0609020204030204" pitchFamily="49" charset="0"/>
-              </a:rPr>
-              <a:t>login</a:t>
-            </a:r>
-            <a:r>
-              <a:rPr lang="de-DE" sz="1400" dirty="0">
-                <a:latin typeface="Consolas" panose="020B0609020204030204" pitchFamily="49" charset="0"/>
-              </a:rPr>
-              <a:t> -u $CI_REGISTRY_USER -p $CI_REGISTRY_PASSWORD $CI_REGISTRY</a:t>
-            </a:r>
-          </a:p>
-          <a:p>
-            <a:pPr marL="0" indent="0">
-              <a:buNone/>
-            </a:pPr>
-            <a:r>
-              <a:rPr lang="de-DE" sz="1400" dirty="0">
-                <a:latin typeface="Consolas" panose="020B0609020204030204" pitchFamily="49" charset="0"/>
-              </a:rPr>
-              <a:t>    - </a:t>
-            </a:r>
-            <a:r>
-              <a:rPr lang="de-DE" sz="1400" dirty="0" err="1">
-                <a:latin typeface="Consolas" panose="020B0609020204030204" pitchFamily="49" charset="0"/>
-              </a:rPr>
-              <a:t>docker</a:t>
-            </a:r>
-            <a:r>
-              <a:rPr lang="de-DE" sz="1400" dirty="0">
-                <a:latin typeface="Consolas" panose="020B0609020204030204" pitchFamily="49" charset="0"/>
-              </a:rPr>
-              <a:t> </a:t>
-            </a:r>
-            <a:r>
-              <a:rPr lang="de-DE" sz="1400" dirty="0" err="1">
-                <a:latin typeface="Consolas" panose="020B0609020204030204" pitchFamily="49" charset="0"/>
-              </a:rPr>
-              <a:t>build</a:t>
-            </a:r>
-            <a:r>
-              <a:rPr lang="de-DE" sz="1400" dirty="0">
-                <a:latin typeface="Consolas" panose="020B0609020204030204" pitchFamily="49" charset="0"/>
-              </a:rPr>
-              <a:t> -t $CI_REGISTRY/</a:t>
-            </a:r>
-            <a:r>
-              <a:rPr lang="de-DE" sz="1400" dirty="0" err="1">
-                <a:latin typeface="Consolas" panose="020B0609020204030204" pitchFamily="49" charset="0"/>
-              </a:rPr>
-              <a:t>group</a:t>
-            </a:r>
-            <a:r>
-              <a:rPr lang="de-DE" sz="1400" dirty="0">
-                <a:latin typeface="Consolas" panose="020B0609020204030204" pitchFamily="49" charset="0"/>
-              </a:rPr>
-              <a:t>/</a:t>
-            </a:r>
-            <a:r>
-              <a:rPr lang="de-DE" sz="1400" dirty="0" err="1">
-                <a:latin typeface="Consolas" panose="020B0609020204030204" pitchFamily="49" charset="0"/>
-              </a:rPr>
-              <a:t>project</a:t>
-            </a:r>
-            <a:r>
-              <a:rPr lang="de-DE" sz="1400" dirty="0">
-                <a:latin typeface="Consolas" panose="020B0609020204030204" pitchFamily="49" charset="0"/>
-              </a:rPr>
-              <a:t>/</a:t>
-            </a:r>
-            <a:r>
-              <a:rPr lang="de-DE" sz="1400" dirty="0" err="1">
-                <a:latin typeface="Consolas" panose="020B0609020204030204" pitchFamily="49" charset="0"/>
-              </a:rPr>
-              <a:t>image:latest</a:t>
-            </a:r>
-            <a:r>
-              <a:rPr lang="de-DE" sz="1400" dirty="0">
-                <a:latin typeface="Consolas" panose="020B0609020204030204" pitchFamily="49" charset="0"/>
-              </a:rPr>
-              <a:t> .</a:t>
-            </a:r>
-          </a:p>
-          <a:p>
-            <a:pPr marL="0" indent="0">
-              <a:buNone/>
-            </a:pPr>
-            <a:r>
-              <a:rPr lang="de-DE" sz="1400" dirty="0">
-                <a:latin typeface="Consolas" panose="020B0609020204030204" pitchFamily="49" charset="0"/>
-              </a:rPr>
-              <a:t>    - </a:t>
-            </a:r>
-            <a:r>
-              <a:rPr lang="de-DE" sz="1400" dirty="0" err="1">
-                <a:latin typeface="Consolas" panose="020B0609020204030204" pitchFamily="49" charset="0"/>
-              </a:rPr>
-              <a:t>docker</a:t>
-            </a:r>
-            <a:r>
-              <a:rPr lang="de-DE" sz="1400" dirty="0">
-                <a:latin typeface="Consolas" panose="020B0609020204030204" pitchFamily="49" charset="0"/>
-              </a:rPr>
-              <a:t> push $CI_REGISTRY/</a:t>
-            </a:r>
-            <a:r>
-              <a:rPr lang="de-DE" sz="1400" dirty="0" err="1">
-                <a:latin typeface="Consolas" panose="020B0609020204030204" pitchFamily="49" charset="0"/>
-              </a:rPr>
-              <a:t>group</a:t>
-            </a:r>
-            <a:r>
-              <a:rPr lang="de-DE" sz="1400" dirty="0">
-                <a:latin typeface="Consolas" panose="020B0609020204030204" pitchFamily="49" charset="0"/>
-              </a:rPr>
-              <a:t>/</a:t>
-            </a:r>
-            <a:r>
-              <a:rPr lang="de-DE" sz="1400" dirty="0" err="1">
-                <a:latin typeface="Consolas" panose="020B0609020204030204" pitchFamily="49" charset="0"/>
-              </a:rPr>
-              <a:t>project</a:t>
-            </a:r>
-            <a:r>
-              <a:rPr lang="de-DE" sz="1400" dirty="0">
-                <a:latin typeface="Consolas" panose="020B0609020204030204" pitchFamily="49" charset="0"/>
-              </a:rPr>
-              <a:t>/</a:t>
-            </a:r>
-            <a:r>
-              <a:rPr lang="de-DE" sz="1400" dirty="0" err="1">
-                <a:latin typeface="Consolas" panose="020B0609020204030204" pitchFamily="49" charset="0"/>
-              </a:rPr>
-              <a:t>image:latest</a:t>
-            </a:r>
-            <a:endParaRPr lang="de-DE" sz="1400" dirty="0">
-              <a:latin typeface="Consolas" panose="020B0609020204030204" pitchFamily="49" charset="0"/>
-            </a:endParaRPr>
+              <a:rPr lang="de-DE" dirty="0"/>
+              <a:t> und push benötigt</a:t>
+            </a:r>
+          </a:p>
+          <a:p>
+            <a:pPr marL="857250" lvl="1" indent="-457200">
+              <a:buFont typeface="Arial" panose="020B0604020202020204" pitchFamily="34" charset="0"/>
+              <a:buChar char="•"/>
+            </a:pPr>
+            <a:r>
+              <a:rPr lang="de-DE" dirty="0"/>
+              <a:t>Beim Docker-in-Docker Container Image haben Sie </a:t>
+            </a:r>
+            <a:r>
+              <a:rPr lang="de-DE" dirty="0" err="1"/>
+              <a:t>GitLab</a:t>
+            </a:r>
+            <a:r>
+              <a:rPr lang="de-DE" dirty="0"/>
+              <a:t>-</a:t>
+            </a:r>
+            <a:r>
+              <a:rPr lang="de-DE" dirty="0" err="1"/>
+              <a:t>predefined</a:t>
+            </a:r>
+            <a:r>
+              <a:rPr lang="de-DE" dirty="0"/>
+              <a:t>-Variables kennengelernt</a:t>
+            </a:r>
+          </a:p>
+          <a:p>
+            <a:pPr marL="857250" lvl="1" indent="-457200">
+              <a:buFont typeface="Arial" panose="020B0604020202020204" pitchFamily="34" charset="0"/>
+              <a:buChar char="•"/>
+            </a:pPr>
+            <a:r>
+              <a:rPr lang="de-DE" dirty="0"/>
+              <a:t>$CI_COMMIT_REF_SLUG ist eine vordefinierte Variable in </a:t>
+            </a:r>
+            <a:r>
+              <a:rPr lang="de-DE" dirty="0" err="1"/>
+              <a:t>GitLab</a:t>
+            </a:r>
+            <a:r>
+              <a:rPr lang="de-DE" dirty="0"/>
+              <a:t> und ist der Branch- oder Tag-Name </a:t>
+            </a:r>
+            <a:r>
+              <a:rPr lang="de-DE" dirty="0" err="1"/>
+              <a:t>sanitized</a:t>
+            </a:r>
+            <a:r>
+              <a:rPr lang="de-DE" dirty="0"/>
+              <a:t> und </a:t>
+            </a:r>
+            <a:r>
+              <a:rPr lang="de-DE" dirty="0" err="1"/>
+              <a:t>lowercase</a:t>
+            </a:r>
+            <a:endParaRPr lang="de-DE" dirty="0"/>
+          </a:p>
+          <a:p>
+            <a:pPr marL="857250" lvl="1" indent="-457200">
+              <a:buFont typeface="Arial" panose="020B0604020202020204" pitchFamily="34" charset="0"/>
+              <a:buChar char="•"/>
+            </a:pPr>
+            <a:endParaRPr lang="de-DE" dirty="0"/>
+          </a:p>
+          <a:p>
+            <a:pPr marL="857250" lvl="1" indent="-457200">
+              <a:buFont typeface="Arial" panose="020B0604020202020204" pitchFamily="34" charset="0"/>
+              <a:buChar char="•"/>
+            </a:pPr>
+            <a:endParaRPr lang="de-DE" dirty="0"/>
+          </a:p>
+          <a:p>
+            <a:pPr marL="857250" lvl="1" indent="-457200">
+              <a:buFont typeface="Arial" panose="020B0604020202020204" pitchFamily="34" charset="0"/>
+              <a:buChar char="•"/>
+            </a:pPr>
+            <a:endParaRPr lang="de-DE" dirty="0"/>
           </a:p>
         </p:txBody>
       </p:sp>
     </p:spTree>
     <p:extLst>
       <p:ext uri="{BB962C8B-B14F-4D97-AF65-F5344CB8AC3E}">
-        <p14:creationId xmlns:p14="http://schemas.microsoft.com/office/powerpoint/2010/main" val="3629727755"/>
+        <p14:creationId xmlns:p14="http://schemas.microsoft.com/office/powerpoint/2010/main" val="269078200"/>
       </p:ext>
     </p:extLst>
   </p:cSld>
@@ -14664,7 +14780,7 @@
           <p:cNvPr id="2" name="Titel 1">
             <a:extLst>
               <a:ext uri="{FF2B5EF4-FFF2-40B4-BE49-F238E27FC236}">
-                <a16:creationId xmlns:a16="http://schemas.microsoft.com/office/drawing/2014/main" id="{49A48EBC-55D9-6D64-715F-AF6DEBF117C3}"/>
+                <a16:creationId xmlns:a16="http://schemas.microsoft.com/office/drawing/2014/main" id="{0A6ADA43-34C1-347C-FD8E-BF87A5A77FC5}"/>
               </a:ext>
             </a:extLst>
           </p:cNvPr>
@@ -14701,7 +14817,7 @@
           <p:cNvPr id="3" name="Inhaltsplatzhalter 2">
             <a:extLst>
               <a:ext uri="{FF2B5EF4-FFF2-40B4-BE49-F238E27FC236}">
-                <a16:creationId xmlns:a16="http://schemas.microsoft.com/office/drawing/2014/main" id="{7B404127-ED2B-6905-BDD1-3C60D11A2A7C}"/>
+                <a16:creationId xmlns:a16="http://schemas.microsoft.com/office/drawing/2014/main" id="{4D911ADB-7C0F-98E1-85DA-1C884339CE08}"/>
               </a:ext>
             </a:extLst>
           </p:cNvPr>
@@ -14722,340 +14838,157 @@
             </a:pPr>
             <a:r>
               <a:rPr lang="de-DE" b="1" dirty="0"/>
-              <a:t>Docker-in-Docker mit Variablen</a:t>
-            </a:r>
-          </a:p>
-          <a:p>
-            <a:pPr marL="0" indent="0">
-              <a:buNone/>
-            </a:pPr>
-            <a:r>
-              <a:rPr lang="de-DE" sz="2000" dirty="0">
-                <a:latin typeface="Consolas" panose="020B0609020204030204" pitchFamily="49" charset="0"/>
-              </a:rPr>
-              <a:t>.</a:t>
-            </a:r>
-            <a:r>
-              <a:rPr lang="de-DE" sz="2000" dirty="0" err="1">
-                <a:latin typeface="Consolas" panose="020B0609020204030204" pitchFamily="49" charset="0"/>
-              </a:rPr>
-              <a:t>gitlab-ci.yml</a:t>
-            </a:r>
-            <a:r>
-              <a:rPr lang="de-DE" sz="2000" dirty="0">
-                <a:latin typeface="Consolas" panose="020B0609020204030204" pitchFamily="49" charset="0"/>
-              </a:rPr>
-              <a:t>:</a:t>
-            </a:r>
-            <a:endParaRPr lang="de-DE" dirty="0">
-              <a:latin typeface="Consolas" panose="020B0609020204030204" pitchFamily="49" charset="0"/>
-            </a:endParaRPr>
-          </a:p>
-          <a:p>
-            <a:pPr marL="0" indent="0">
-              <a:buNone/>
-            </a:pPr>
-            <a:r>
-              <a:rPr lang="de-DE" sz="1400" dirty="0" err="1">
-                <a:latin typeface="Consolas" panose="020B0609020204030204" pitchFamily="49" charset="0"/>
-              </a:rPr>
-              <a:t>build</a:t>
-            </a:r>
-            <a:r>
-              <a:rPr lang="de-DE" sz="1400" dirty="0">
-                <a:latin typeface="Consolas" panose="020B0609020204030204" pitchFamily="49" charset="0"/>
-              </a:rPr>
-              <a:t>:</a:t>
-            </a:r>
-          </a:p>
-          <a:p>
-            <a:pPr marL="0" indent="0">
-              <a:buNone/>
-            </a:pPr>
-            <a:r>
-              <a:rPr lang="de-DE" sz="1400" dirty="0">
-                <a:latin typeface="Consolas" panose="020B0609020204030204" pitchFamily="49" charset="0"/>
-              </a:rPr>
-              <a:t>  </a:t>
-            </a:r>
-            <a:r>
-              <a:rPr lang="de-DE" sz="1400" dirty="0" err="1">
-                <a:latin typeface="Consolas" panose="020B0609020204030204" pitchFamily="49" charset="0"/>
-              </a:rPr>
-              <a:t>image</a:t>
-            </a:r>
-            <a:r>
-              <a:rPr lang="de-DE" sz="1400" dirty="0">
-                <a:latin typeface="Consolas" panose="020B0609020204030204" pitchFamily="49" charset="0"/>
-              </a:rPr>
-              <a:t>: docker:20.10.16</a:t>
-            </a:r>
-          </a:p>
-          <a:p>
-            <a:pPr marL="0" indent="0">
-              <a:buNone/>
-            </a:pPr>
-            <a:r>
-              <a:rPr lang="de-DE" sz="1400" dirty="0">
-                <a:latin typeface="Consolas" panose="020B0609020204030204" pitchFamily="49" charset="0"/>
-              </a:rPr>
-              <a:t>  </a:t>
-            </a:r>
-            <a:r>
-              <a:rPr lang="de-DE" sz="1400" dirty="0" err="1">
-                <a:latin typeface="Consolas" panose="020B0609020204030204" pitchFamily="49" charset="0"/>
-              </a:rPr>
-              <a:t>stage</a:t>
-            </a:r>
-            <a:r>
-              <a:rPr lang="de-DE" sz="1400" dirty="0">
-                <a:latin typeface="Consolas" panose="020B0609020204030204" pitchFamily="49" charset="0"/>
-              </a:rPr>
-              <a:t>: </a:t>
-            </a:r>
-            <a:r>
-              <a:rPr lang="de-DE" sz="1400" dirty="0" err="1">
-                <a:latin typeface="Consolas" panose="020B0609020204030204" pitchFamily="49" charset="0"/>
-              </a:rPr>
-              <a:t>build</a:t>
-            </a:r>
-            <a:endParaRPr lang="de-DE" sz="1400" dirty="0">
-              <a:latin typeface="Consolas" panose="020B0609020204030204" pitchFamily="49" charset="0"/>
-            </a:endParaRPr>
-          </a:p>
-          <a:p>
-            <a:pPr marL="0" indent="0">
-              <a:buNone/>
-            </a:pPr>
-            <a:r>
-              <a:rPr lang="de-DE" sz="1400" dirty="0">
-                <a:latin typeface="Consolas" panose="020B0609020204030204" pitchFamily="49" charset="0"/>
-              </a:rPr>
-              <a:t>  </a:t>
-            </a:r>
-            <a:r>
-              <a:rPr lang="de-DE" sz="1400" dirty="0" err="1">
-                <a:latin typeface="Consolas" panose="020B0609020204030204" pitchFamily="49" charset="0"/>
-              </a:rPr>
-              <a:t>services</a:t>
-            </a:r>
-            <a:r>
-              <a:rPr lang="de-DE" sz="1400" dirty="0">
-                <a:latin typeface="Consolas" panose="020B0609020204030204" pitchFamily="49" charset="0"/>
-              </a:rPr>
-              <a:t>:</a:t>
-            </a:r>
-          </a:p>
-          <a:p>
-            <a:pPr marL="0" indent="0">
-              <a:buNone/>
-            </a:pPr>
-            <a:r>
-              <a:rPr lang="de-DE" sz="1400" dirty="0">
-                <a:latin typeface="Consolas" panose="020B0609020204030204" pitchFamily="49" charset="0"/>
-              </a:rPr>
-              <a:t>    - docker:20.10.16-dind</a:t>
-            </a:r>
-          </a:p>
-          <a:p>
-            <a:pPr marL="0" indent="0">
-              <a:buNone/>
-            </a:pPr>
-            <a:r>
-              <a:rPr lang="de-DE" sz="1400" dirty="0">
-                <a:latin typeface="Consolas" panose="020B0609020204030204" pitchFamily="49" charset="0"/>
-              </a:rPr>
-              <a:t>  variables:</a:t>
-            </a:r>
-          </a:p>
-          <a:p>
-            <a:pPr marL="0" indent="0">
-              <a:buNone/>
-            </a:pPr>
-            <a:r>
-              <a:rPr lang="de-DE" sz="1400" dirty="0">
-                <a:latin typeface="Consolas" panose="020B0609020204030204" pitchFamily="49" charset="0"/>
-              </a:rPr>
-              <a:t>    IMAGE_TAG: $CI_REGISTRY_IMAGE:$CI_COMMIT_REF_SLUG</a:t>
-            </a:r>
-          </a:p>
-          <a:p>
-            <a:pPr marL="0" indent="0">
-              <a:buNone/>
-            </a:pPr>
-            <a:r>
-              <a:rPr lang="de-DE" sz="1400" dirty="0">
-                <a:latin typeface="Consolas" panose="020B0609020204030204" pitchFamily="49" charset="0"/>
-              </a:rPr>
-              <a:t>  </a:t>
-            </a:r>
-            <a:r>
-              <a:rPr lang="de-DE" sz="1400" dirty="0" err="1">
-                <a:latin typeface="Consolas" panose="020B0609020204030204" pitchFamily="49" charset="0"/>
-              </a:rPr>
-              <a:t>script</a:t>
-            </a:r>
-            <a:r>
-              <a:rPr lang="de-DE" sz="1400" dirty="0">
-                <a:latin typeface="Consolas" panose="020B0609020204030204" pitchFamily="49" charset="0"/>
-              </a:rPr>
-              <a:t>:</a:t>
-            </a:r>
-          </a:p>
-          <a:p>
-            <a:pPr marL="0" indent="0">
-              <a:buNone/>
-            </a:pPr>
-            <a:r>
-              <a:rPr lang="de-DE" sz="1400" dirty="0">
-                <a:latin typeface="Consolas" panose="020B0609020204030204" pitchFamily="49" charset="0"/>
-              </a:rPr>
-              <a:t>    - </a:t>
-            </a:r>
-            <a:r>
-              <a:rPr lang="de-DE" sz="1400" dirty="0" err="1">
-                <a:latin typeface="Consolas" panose="020B0609020204030204" pitchFamily="49" charset="0"/>
-              </a:rPr>
-              <a:t>docker</a:t>
-            </a:r>
-            <a:r>
-              <a:rPr lang="de-DE" sz="1400" dirty="0">
-                <a:latin typeface="Consolas" panose="020B0609020204030204" pitchFamily="49" charset="0"/>
-              </a:rPr>
+              <a:t>Aufgabe: Pipeline mit vier Stages</a:t>
+            </a:r>
+          </a:p>
+          <a:p>
+            <a:pPr marL="457200" indent="-457200">
+              <a:buFont typeface="+mj-lt"/>
+              <a:buAutoNum type="arabicPeriod"/>
+            </a:pPr>
+            <a:r>
+              <a:rPr lang="de-DE" b="1" dirty="0"/>
+              <a:t>Ziel: </a:t>
+            </a:r>
+            <a:r>
+              <a:rPr lang="de-DE" dirty="0"/>
+              <a:t>Tiefgehendes CI/CD Verständnis</a:t>
+            </a:r>
+          </a:p>
+          <a:p>
+            <a:pPr marL="457200" indent="-457200">
+              <a:buFont typeface="+mj-lt"/>
+              <a:buAutoNum type="arabicPeriod"/>
+            </a:pPr>
+            <a:r>
+              <a:rPr lang="de-DE" b="1" dirty="0"/>
+              <a:t>Schritte:</a:t>
+            </a:r>
+          </a:p>
+          <a:p>
+            <a:pPr marL="857250" lvl="1" indent="-457200">
+              <a:buFont typeface="Arial" panose="020B0604020202020204" pitchFamily="34" charset="0"/>
+              <a:buChar char="•"/>
+            </a:pPr>
+            <a:r>
+              <a:rPr lang="de-DE" dirty="0" err="1"/>
+              <a:t>Build</a:t>
+            </a:r>
+            <a:r>
+              <a:rPr lang="de-DE" dirty="0"/>
+              <a:t> wird in die Container Registry </a:t>
+            </a:r>
+            <a:r>
+              <a:rPr lang="de-DE" dirty="0" err="1"/>
+              <a:t>gepushed</a:t>
+            </a:r>
+            <a:endParaRPr lang="de-DE" dirty="0"/>
+          </a:p>
+          <a:p>
+            <a:pPr marL="857250" lvl="1" indent="-457200">
+              <a:buFont typeface="Arial" panose="020B0604020202020204" pitchFamily="34" charset="0"/>
+              <a:buChar char="•"/>
+            </a:pPr>
+            <a:r>
+              <a:rPr lang="de-DE" dirty="0"/>
+              <a:t>Von den nachfolgenden Stages (bei Bedarf) </a:t>
+            </a:r>
+            <a:r>
+              <a:rPr lang="de-DE" dirty="0" err="1"/>
+              <a:t>gepulled</a:t>
+            </a:r>
+            <a:endParaRPr lang="de-DE" dirty="0"/>
+          </a:p>
+          <a:p>
+            <a:pPr marL="857250" lvl="1" indent="-457200">
+              <a:buFont typeface="Arial" panose="020B0604020202020204" pitchFamily="34" charset="0"/>
+              <a:buChar char="•"/>
+            </a:pPr>
+            <a:r>
+              <a:rPr lang="de-DE" dirty="0"/>
+              <a:t>Zwei </a:t>
+            </a:r>
+            <a:r>
+              <a:rPr lang="de-DE" dirty="0" err="1"/>
+              <a:t>paralell</a:t>
+            </a:r>
+            <a:r>
+              <a:rPr lang="de-DE" dirty="0"/>
+              <a:t> laufende Tests</a:t>
+            </a:r>
+          </a:p>
+          <a:p>
+            <a:pPr marL="857250" lvl="1" indent="-457200">
+              <a:buFont typeface="Arial" panose="020B0604020202020204" pitchFamily="34" charset="0"/>
+              <a:buChar char="•"/>
+            </a:pPr>
+            <a:r>
+              <a:rPr lang="de-DE" dirty="0"/>
+              <a:t>Änderungen am </a:t>
+            </a:r>
+            <a:r>
+              <a:rPr lang="de-DE" dirty="0" err="1"/>
+              <a:t>main</a:t>
+            </a:r>
+            <a:r>
+              <a:rPr lang="de-DE" dirty="0"/>
+              <a:t> werden als </a:t>
+            </a:r>
+            <a:r>
+              <a:rPr lang="de-DE" dirty="0" err="1"/>
+              <a:t>latest</a:t>
+            </a:r>
+            <a:r>
+              <a:rPr lang="de-DE" dirty="0"/>
               <a:t> </a:t>
             </a:r>
             <a:r>
-              <a:rPr lang="de-DE" sz="1400" dirty="0" err="1">
-                <a:latin typeface="Consolas" panose="020B0609020204030204" pitchFamily="49" charset="0"/>
-              </a:rPr>
-              <a:t>login</a:t>
-            </a:r>
-            <a:r>
-              <a:rPr lang="de-DE" sz="1400" dirty="0">
-                <a:latin typeface="Consolas" panose="020B0609020204030204" pitchFamily="49" charset="0"/>
-              </a:rPr>
-              <a:t> -u $CI_REGISTRY_USER -p $CI_REGISTRY_PASSWORD $CI_REGISTRY</a:t>
-            </a:r>
-          </a:p>
-          <a:p>
-            <a:pPr marL="0" indent="0">
-              <a:buNone/>
-            </a:pPr>
-            <a:r>
-              <a:rPr lang="de-DE" sz="1400" dirty="0">
-                <a:latin typeface="Consolas" panose="020B0609020204030204" pitchFamily="49" charset="0"/>
-              </a:rPr>
-              <a:t>    - </a:t>
-            </a:r>
-            <a:r>
-              <a:rPr lang="de-DE" sz="1400" dirty="0" err="1">
-                <a:latin typeface="Consolas" panose="020B0609020204030204" pitchFamily="49" charset="0"/>
-              </a:rPr>
-              <a:t>docker</a:t>
-            </a:r>
-            <a:r>
-              <a:rPr lang="de-DE" sz="1400" dirty="0">
-                <a:latin typeface="Consolas" panose="020B0609020204030204" pitchFamily="49" charset="0"/>
-              </a:rPr>
-              <a:t> </a:t>
-            </a:r>
-            <a:r>
-              <a:rPr lang="de-DE" sz="1400" dirty="0" err="1">
-                <a:latin typeface="Consolas" panose="020B0609020204030204" pitchFamily="49" charset="0"/>
-              </a:rPr>
-              <a:t>build</a:t>
-            </a:r>
-            <a:r>
-              <a:rPr lang="de-DE" sz="1400" dirty="0">
-                <a:latin typeface="Consolas" panose="020B0609020204030204" pitchFamily="49" charset="0"/>
-              </a:rPr>
-              <a:t> -t $IMAGE_TAG .</a:t>
-            </a:r>
-          </a:p>
-          <a:p>
-            <a:pPr marL="0" indent="0">
-              <a:buNone/>
-            </a:pPr>
-            <a:r>
-              <a:rPr lang="de-DE" sz="1400" dirty="0">
-                <a:latin typeface="Consolas" panose="020B0609020204030204" pitchFamily="49" charset="0"/>
-              </a:rPr>
-              <a:t>    - </a:t>
-            </a:r>
-            <a:r>
-              <a:rPr lang="de-DE" sz="1400" dirty="0" err="1">
-                <a:latin typeface="Consolas" panose="020B0609020204030204" pitchFamily="49" charset="0"/>
-              </a:rPr>
-              <a:t>docker</a:t>
-            </a:r>
-            <a:r>
-              <a:rPr lang="de-DE" sz="1400" dirty="0">
-                <a:latin typeface="Consolas" panose="020B0609020204030204" pitchFamily="49" charset="0"/>
-              </a:rPr>
-              <a:t> push $IMAGE_TAG</a:t>
-            </a:r>
-          </a:p>
-          <a:p>
-            <a:pPr marL="0" indent="0">
-              <a:buNone/>
-            </a:pPr>
-            <a:endParaRPr lang="de-DE" sz="1400" dirty="0">
-              <a:latin typeface="Consolas" panose="020B0609020204030204" pitchFamily="49" charset="0"/>
-            </a:endParaRPr>
-          </a:p>
-          <a:p>
-            <a:pPr>
-              <a:buFont typeface="Arial" panose="020B0604020202020204" pitchFamily="34" charset="0"/>
-              <a:buChar char="•"/>
-            </a:pPr>
-            <a:r>
-              <a:rPr lang="de-DE" sz="1800" dirty="0"/>
-              <a:t>$CI_REGISTRY_IMAGE</a:t>
-            </a:r>
-          </a:p>
-          <a:p>
-            <a:pPr lvl="1">
-              <a:buFont typeface="Arial" panose="020B0604020202020204" pitchFamily="34" charset="0"/>
-              <a:buChar char="•"/>
-            </a:pPr>
-            <a:r>
-              <a:rPr lang="de-DE" sz="1600" dirty="0"/>
-              <a:t>Ist die Adresse der Registry des aktuellen Projekts</a:t>
-            </a:r>
-          </a:p>
-          <a:p>
-            <a:pPr>
-              <a:buFont typeface="Arial" panose="020B0604020202020204" pitchFamily="34" charset="0"/>
-              <a:buChar char="•"/>
-            </a:pPr>
-            <a:r>
-              <a:rPr lang="de-DE" sz="1800" dirty="0"/>
-              <a:t>$CI_COMMIT_REF_NAME</a:t>
-            </a:r>
-          </a:p>
-          <a:p>
-            <a:pPr lvl="1">
-              <a:buFont typeface="Arial" panose="020B0604020202020204" pitchFamily="34" charset="0"/>
-              <a:buChar char="•"/>
-            </a:pPr>
-            <a:r>
-              <a:rPr lang="de-DE" sz="1400" dirty="0"/>
-              <a:t>Ist der Branch- oder Tag-Name</a:t>
-            </a:r>
-          </a:p>
-          <a:p>
-            <a:pPr lvl="1">
-              <a:buFont typeface="Arial" panose="020B0604020202020204" pitchFamily="34" charset="0"/>
-              <a:buChar char="•"/>
-            </a:pPr>
-            <a:endParaRPr lang="de-DE" sz="1400" dirty="0"/>
+              <a:rPr lang="de-DE" dirty="0" err="1"/>
+              <a:t>getagged</a:t>
+            </a:r>
+            <a:endParaRPr lang="de-DE" dirty="0"/>
+          </a:p>
+          <a:p>
+            <a:pPr marL="857250" lvl="1" indent="-457200">
+              <a:buFont typeface="Arial" panose="020B0604020202020204" pitchFamily="34" charset="0"/>
+              <a:buChar char="•"/>
+            </a:pPr>
+            <a:r>
+              <a:rPr lang="de-DE" dirty="0" err="1"/>
+              <a:t>Deployment</a:t>
+            </a:r>
+            <a:r>
+              <a:rPr lang="de-DE"/>
+              <a:t> über anwendungs-spezifisches Deploy-Skript</a:t>
+            </a:r>
+          </a:p>
+          <a:p>
+            <a:pPr marL="857250" lvl="1" indent="-457200">
+              <a:buFont typeface="Arial" panose="020B0604020202020204" pitchFamily="34" charset="0"/>
+              <a:buChar char="•"/>
+            </a:pPr>
+            <a:endParaRPr lang="de-DE" dirty="0"/>
+          </a:p>
+          <a:p>
+            <a:pPr marL="857250" lvl="1" indent="-457200">
+              <a:buFont typeface="Arial" panose="020B0604020202020204" pitchFamily="34" charset="0"/>
+              <a:buChar char="•"/>
+            </a:pPr>
+            <a:endParaRPr lang="de-DE" dirty="0"/>
+          </a:p>
+          <a:p>
+            <a:pPr marL="857250" lvl="1" indent="-457200">
+              <a:buFont typeface="Arial" panose="020B0604020202020204" pitchFamily="34" charset="0"/>
+              <a:buChar char="•"/>
+            </a:pPr>
+            <a:endParaRPr lang="de-DE" dirty="0"/>
           </a:p>
         </p:txBody>
       </p:sp>
     </p:spTree>
     <p:extLst>
       <p:ext uri="{BB962C8B-B14F-4D97-AF65-F5344CB8AC3E}">
-        <p14:creationId xmlns:p14="http://schemas.microsoft.com/office/powerpoint/2010/main" val="979910068"/>
+        <p14:creationId xmlns:p14="http://schemas.microsoft.com/office/powerpoint/2010/main" val="1582550262"/>
       </p:ext>
     </p:extLst>
   </p:cSld>
@@ -15145,115 +15078,7 @@
             </a:pPr>
             <a:r>
               <a:rPr lang="de-DE" b="1" dirty="0"/>
-              <a:t>Pipeline mit vier Stages (… auf vier Slides </a:t>
-            </a:r>
-            <a:r>
-              <a:rPr lang="de-DE" b="1" dirty="0">
-                <a:sym typeface="Wingdings" panose="05000000000000000000" pitchFamily="2" charset="2"/>
-              </a:rPr>
-              <a:t>)</a:t>
-            </a:r>
-            <a:endParaRPr lang="de-DE" b="1" dirty="0"/>
-          </a:p>
-          <a:p>
-            <a:pPr marL="457200" indent="-457200">
-              <a:buFont typeface="+mj-lt"/>
-              <a:buAutoNum type="arabicPeriod"/>
-            </a:pPr>
-            <a:r>
-              <a:rPr lang="de-DE" dirty="0" err="1"/>
-              <a:t>Build</a:t>
-            </a:r>
-            <a:r>
-              <a:rPr lang="de-DE" dirty="0"/>
-              <a:t> wird in die Container Registry </a:t>
-            </a:r>
-            <a:r>
-              <a:rPr lang="de-DE" dirty="0" err="1"/>
-              <a:t>gepushed</a:t>
-            </a:r>
-            <a:endParaRPr lang="de-DE" dirty="0"/>
-          </a:p>
-          <a:p>
-            <a:pPr marL="457200" indent="-457200">
-              <a:buFont typeface="+mj-lt"/>
-              <a:buAutoNum type="arabicPeriod"/>
-            </a:pPr>
-            <a:r>
-              <a:rPr lang="de-DE" dirty="0"/>
-              <a:t>Von den nachfolgenden Stages (bei Bedarf) </a:t>
-            </a:r>
-            <a:r>
-              <a:rPr lang="de-DE" dirty="0" err="1"/>
-              <a:t>gepulled</a:t>
-            </a:r>
-            <a:endParaRPr lang="de-DE" dirty="0"/>
-          </a:p>
-          <a:p>
-            <a:pPr marL="457200" indent="-457200">
-              <a:buFont typeface="+mj-lt"/>
-              <a:buAutoNum type="arabicPeriod"/>
-            </a:pPr>
-            <a:r>
-              <a:rPr lang="de-DE" dirty="0"/>
-              <a:t>Zwei </a:t>
-            </a:r>
-            <a:r>
-              <a:rPr lang="de-DE" dirty="0" err="1"/>
-              <a:t>paralell</a:t>
-            </a:r>
-            <a:r>
-              <a:rPr lang="de-DE" dirty="0"/>
-              <a:t> laufende Tests</a:t>
-            </a:r>
-          </a:p>
-          <a:p>
-            <a:pPr marL="457200" indent="-457200">
-              <a:buFont typeface="+mj-lt"/>
-              <a:buAutoNum type="arabicPeriod"/>
-            </a:pPr>
-            <a:r>
-              <a:rPr lang="de-DE" dirty="0"/>
-              <a:t>Änderungen am </a:t>
-            </a:r>
-            <a:r>
-              <a:rPr lang="de-DE" dirty="0" err="1">
-                <a:latin typeface="Consolas" panose="020B0609020204030204" pitchFamily="49" charset="0"/>
-              </a:rPr>
-              <a:t>main</a:t>
-            </a:r>
-            <a:r>
-              <a:rPr lang="de-DE" dirty="0"/>
-              <a:t> werden als </a:t>
-            </a:r>
-            <a:r>
-              <a:rPr lang="de-DE" dirty="0" err="1">
-                <a:latin typeface="Consolas" panose="020B0609020204030204" pitchFamily="49" charset="0"/>
-              </a:rPr>
-              <a:t>latest</a:t>
-            </a:r>
-            <a:r>
-              <a:rPr lang="de-DE" dirty="0"/>
-              <a:t> </a:t>
-            </a:r>
-            <a:r>
-              <a:rPr lang="de-DE" dirty="0" err="1"/>
-              <a:t>getagged</a:t>
-            </a:r>
-            <a:endParaRPr lang="de-DE" dirty="0"/>
-          </a:p>
-          <a:p>
-            <a:pPr marL="457200" indent="-457200">
-              <a:buFont typeface="+mj-lt"/>
-              <a:buAutoNum type="arabicPeriod"/>
-            </a:pPr>
-            <a:r>
-              <a:rPr lang="de-DE" dirty="0" err="1"/>
-              <a:t>Deployment</a:t>
-            </a:r>
-            <a:r>
-              <a:rPr lang="de-DE" dirty="0"/>
-              <a:t> über anwendungs-spezifisches Deploy-Skript</a:t>
+              <a:t>Container Registry Beispiele</a:t>
             </a:r>
           </a:p>
           <a:p>
@@ -15261,21 +15086,37 @@
               <a:buFont typeface="Arial" panose="020B0604020202020204" pitchFamily="34" charset="0"/>
               <a:buChar char="•"/>
             </a:pPr>
-            <a:endParaRPr lang="de-DE" dirty="0"/>
+            <a:r>
+              <a:rPr lang="de-DE" dirty="0"/>
+              <a:t>Simples Docker-in-Docker</a:t>
+            </a:r>
           </a:p>
           <a:p>
             <a:pPr>
               <a:buFont typeface="Arial" panose="020B0604020202020204" pitchFamily="34" charset="0"/>
               <a:buChar char="•"/>
             </a:pPr>
-            <a:endParaRPr lang="de-DE" dirty="0"/>
+            <a:r>
+              <a:rPr lang="de-DE" dirty="0"/>
+              <a:t>Docker-in-Docker mit Variablen</a:t>
+            </a:r>
+          </a:p>
+          <a:p>
+            <a:pPr>
+              <a:buFont typeface="Arial" panose="020B0604020202020204" pitchFamily="34" charset="0"/>
+              <a:buChar char="•"/>
+            </a:pPr>
+            <a:r>
+              <a:rPr lang="de-DE" dirty="0"/>
+              <a:t>Pipeline mit vier Stages</a:t>
+            </a:r>
           </a:p>
         </p:txBody>
       </p:sp>
     </p:spTree>
     <p:extLst>
       <p:ext uri="{BB962C8B-B14F-4D97-AF65-F5344CB8AC3E}">
-        <p14:creationId xmlns:p14="http://schemas.microsoft.com/office/powerpoint/2010/main" val="4283580811"/>
+        <p14:creationId xmlns:p14="http://schemas.microsoft.com/office/powerpoint/2010/main" val="1965332827"/>
       </p:ext>
     </p:extLst>
   </p:cSld>
@@ -15364,22 +15205,8 @@
               <a:buNone/>
             </a:pPr>
             <a:r>
-              <a:rPr lang="de-DE" sz="2000" b="1" dirty="0">
-                <a:latin typeface="Consolas" panose="020B0609020204030204" pitchFamily="49" charset="0"/>
-              </a:rPr>
-              <a:t>.</a:t>
-            </a:r>
-            <a:r>
-              <a:rPr lang="de-DE" sz="2000" b="1" dirty="0" err="1">
-                <a:latin typeface="Consolas" panose="020B0609020204030204" pitchFamily="49" charset="0"/>
-              </a:rPr>
-              <a:t>gitlab-ci.yml</a:t>
-            </a:r>
-            <a:r>
-              <a:rPr lang="de-DE" sz="2000" b="1" dirty="0">
-                <a:latin typeface="Consolas" panose="020B0609020204030204" pitchFamily="49" charset="0"/>
-              </a:rPr>
-              <a:t> (1/4)</a:t>
+              <a:rPr lang="de-DE" b="1" dirty="0"/>
+              <a:t>Simples Docker-in-Docker</a:t>
             </a:r>
           </a:p>
           <a:p>
@@ -15387,13 +15214,19 @@
               <a:buNone/>
             </a:pPr>
             <a:r>
-              <a:rPr lang="de-DE" sz="1800" dirty="0" err="1">
-                <a:latin typeface="Consolas" panose="020B0609020204030204" pitchFamily="49" charset="0"/>
-              </a:rPr>
-              <a:t>default</a:t>
-            </a:r>
-            <a:r>
-              <a:rPr lang="de-DE" sz="1800" dirty="0">
+              <a:rPr lang="de-DE" sz="2000" dirty="0">
+                <a:latin typeface="Consolas" panose="020B0609020204030204" pitchFamily="49" charset="0"/>
+              </a:rPr>
+              <a:t>.</a:t>
+            </a:r>
+            <a:r>
+              <a:rPr lang="de-DE" sz="2000" dirty="0" err="1">
+                <a:latin typeface="Consolas" panose="020B0609020204030204" pitchFamily="49" charset="0"/>
+              </a:rPr>
+              <a:t>gitlab-ci.yml</a:t>
+            </a:r>
+            <a:r>
+              <a:rPr lang="de-DE" sz="2000" dirty="0">
                 <a:latin typeface="Consolas" panose="020B0609020204030204" pitchFamily="49" charset="0"/>
               </a:rPr>
               <a:t>:</a:t>
@@ -15404,22 +15237,16 @@
               <a:buNone/>
             </a:pPr>
             <a:r>
-              <a:rPr lang="de-DE" sz="1800" dirty="0">
-                <a:latin typeface="Consolas" panose="020B0609020204030204" pitchFamily="49" charset="0"/>
-              </a:rPr>
-              <a:t>  </a:t>
-            </a:r>
-            <a:r>
-              <a:rPr lang="de-DE" sz="1800" dirty="0" err="1">
-                <a:latin typeface="Consolas" panose="020B0609020204030204" pitchFamily="49" charset="0"/>
-              </a:rPr>
-              <a:t>image</a:t>
-            </a:r>
-            <a:r>
-              <a:rPr lang="de-DE" sz="1800" dirty="0">
-                <a:latin typeface="Consolas" panose="020B0609020204030204" pitchFamily="49" charset="0"/>
-              </a:rPr>
-              <a:t>: docker:20.10.16</a:t>
+              <a:rPr lang="de-DE" sz="1400" dirty="0" err="1">
+                <a:latin typeface="Consolas" panose="020B0609020204030204" pitchFamily="49" charset="0"/>
+              </a:rPr>
+              <a:t>build</a:t>
+            </a:r>
+            <a:r>
+              <a:rPr lang="de-DE" sz="1400" dirty="0">
+                <a:latin typeface="Consolas" panose="020B0609020204030204" pitchFamily="49" charset="0"/>
+              </a:rPr>
+              <a:t>:</a:t>
             </a:r>
           </a:p>
           <a:p>
@@ -15427,22 +15254,22 @@
               <a:buNone/>
             </a:pPr>
             <a:r>
-              <a:rPr lang="de-DE" sz="1800" dirty="0">
+              <a:rPr lang="de-DE" sz="1400" dirty="0">
                 <a:latin typeface="Consolas" panose="020B0609020204030204" pitchFamily="49" charset="0"/>
               </a:rPr>
               <a:t>  </a:t>
             </a:r>
             <a:r>
-              <a:rPr lang="de-DE" sz="1800" dirty="0" err="1">
-                <a:latin typeface="Consolas" panose="020B0609020204030204" pitchFamily="49" charset="0"/>
-              </a:rPr>
-              <a:t>services</a:t>
-            </a:r>
-            <a:r>
-              <a:rPr lang="de-DE" sz="1800" dirty="0">
-                <a:latin typeface="Consolas" panose="020B0609020204030204" pitchFamily="49" charset="0"/>
-              </a:rPr>
-              <a:t>:</a:t>
+              <a:rPr lang="de-DE" sz="1400" dirty="0" err="1">
+                <a:latin typeface="Consolas" panose="020B0609020204030204" pitchFamily="49" charset="0"/>
+              </a:rPr>
+              <a:t>image</a:t>
+            </a:r>
+            <a:r>
+              <a:rPr lang="de-DE" sz="1400" dirty="0">
+                <a:latin typeface="Consolas" panose="020B0609020204030204" pitchFamily="49" charset="0"/>
+              </a:rPr>
+              <a:t>: docker:20.10.16</a:t>
             </a:r>
           </a:p>
           <a:p>
@@ -15450,30 +15277,51 @@
               <a:buNone/>
             </a:pPr>
             <a:r>
-              <a:rPr lang="de-DE" sz="1800" dirty="0">
-                <a:latin typeface="Consolas" panose="020B0609020204030204" pitchFamily="49" charset="0"/>
-              </a:rPr>
-              <a:t>    - docker:20.10.16-dind</a:t>
-            </a:r>
+              <a:rPr lang="de-DE" sz="1400" dirty="0">
+                <a:latin typeface="Consolas" panose="020B0609020204030204" pitchFamily="49" charset="0"/>
+              </a:rPr>
+              <a:t>  </a:t>
+            </a:r>
+            <a:r>
+              <a:rPr lang="de-DE" sz="1400" dirty="0" err="1">
+                <a:latin typeface="Consolas" panose="020B0609020204030204" pitchFamily="49" charset="0"/>
+              </a:rPr>
+              <a:t>stage</a:t>
+            </a:r>
+            <a:r>
+              <a:rPr lang="de-DE" sz="1400" dirty="0">
+                <a:latin typeface="Consolas" panose="020B0609020204030204" pitchFamily="49" charset="0"/>
+              </a:rPr>
+              <a:t>: </a:t>
+            </a:r>
+            <a:r>
+              <a:rPr lang="de-DE" sz="1400" dirty="0" err="1">
+                <a:latin typeface="Consolas" panose="020B0609020204030204" pitchFamily="49" charset="0"/>
+              </a:rPr>
+              <a:t>build</a:t>
+            </a:r>
+            <a:endParaRPr lang="de-DE" sz="1400" dirty="0">
+              <a:latin typeface="Consolas" panose="020B0609020204030204" pitchFamily="49" charset="0"/>
+            </a:endParaRPr>
           </a:p>
           <a:p>
             <a:pPr marL="0" indent="0">
               <a:buNone/>
             </a:pPr>
             <a:r>
-              <a:rPr lang="de-DE" sz="1800" dirty="0">
+              <a:rPr lang="de-DE" sz="1400" dirty="0">
                 <a:latin typeface="Consolas" panose="020B0609020204030204" pitchFamily="49" charset="0"/>
               </a:rPr>
               <a:t>  </a:t>
             </a:r>
             <a:r>
-              <a:rPr lang="de-DE" sz="1800" dirty="0" err="1">
-                <a:latin typeface="Consolas" panose="020B0609020204030204" pitchFamily="49" charset="0"/>
-              </a:rPr>
-              <a:t>before_script</a:t>
-            </a:r>
-            <a:r>
-              <a:rPr lang="de-DE" sz="1800" dirty="0">
+              <a:rPr lang="de-DE" sz="1400" dirty="0" err="1">
+                <a:latin typeface="Consolas" panose="020B0609020204030204" pitchFamily="49" charset="0"/>
+              </a:rPr>
+              <a:t>services</a:t>
+            </a:r>
+            <a:r>
+              <a:rPr lang="de-DE" sz="1400" dirty="0">
                 <a:latin typeface="Consolas" panose="020B0609020204030204" pitchFamily="49" charset="0"/>
               </a:rPr>
               <a:t>:</a:t>
@@ -15484,41 +15332,29 @@
               <a:buNone/>
             </a:pPr>
             <a:r>
-              <a:rPr lang="de-DE" sz="1800" dirty="0">
-                <a:latin typeface="Consolas" panose="020B0609020204030204" pitchFamily="49" charset="0"/>
-              </a:rPr>
-              <a:t>    - </a:t>
-            </a:r>
-            <a:r>
-              <a:rPr lang="de-DE" sz="1800" dirty="0" err="1">
-                <a:latin typeface="Consolas" panose="020B0609020204030204" pitchFamily="49" charset="0"/>
-              </a:rPr>
-              <a:t>docker</a:t>
-            </a:r>
-            <a:r>
-              <a:rPr lang="de-DE" sz="1800" dirty="0">
-                <a:latin typeface="Consolas" panose="020B0609020204030204" pitchFamily="49" charset="0"/>
-              </a:rPr>
-              <a:t> </a:t>
-            </a:r>
-            <a:r>
-              <a:rPr lang="de-DE" sz="1800" dirty="0" err="1">
-                <a:latin typeface="Consolas" panose="020B0609020204030204" pitchFamily="49" charset="0"/>
-              </a:rPr>
-              <a:t>login</a:t>
-            </a:r>
-            <a:r>
-              <a:rPr lang="de-DE" sz="1800" dirty="0">
-                <a:latin typeface="Consolas" panose="020B0609020204030204" pitchFamily="49" charset="0"/>
-              </a:rPr>
-              <a:t> -u $CI_REGISTRY_USER -p $CI_REGISTRY_PASSWORD $CI_REGISTRY</a:t>
+              <a:rPr lang="de-DE" sz="1400" dirty="0">
+                <a:latin typeface="Consolas" panose="020B0609020204030204" pitchFamily="49" charset="0"/>
+              </a:rPr>
+              <a:t>    - docker:20.10.16-dind</a:t>
             </a:r>
           </a:p>
           <a:p>
             <a:pPr marL="0" indent="0">
               <a:buNone/>
             </a:pPr>
-            <a:endParaRPr lang="de-DE" sz="1800" dirty="0">
+            <a:r>
+              <a:rPr lang="de-DE" sz="1400" dirty="0">
+                <a:latin typeface="Consolas" panose="020B0609020204030204" pitchFamily="49" charset="0"/>
+              </a:rPr>
+              <a:t>      alias: </a:t>
+            </a:r>
+            <a:r>
+              <a:rPr lang="de-DE" sz="1400" dirty="0" err="1">
+                <a:latin typeface="Consolas" panose="020B0609020204030204" pitchFamily="49" charset="0"/>
+              </a:rPr>
+              <a:t>docker</a:t>
+            </a:r>
+            <a:endParaRPr lang="de-DE" sz="1400" dirty="0">
               <a:latin typeface="Consolas" panose="020B0609020204030204" pitchFamily="49" charset="0"/>
             </a:endParaRPr>
           </a:p>
@@ -15527,16 +15363,22 @@
               <a:buNone/>
             </a:pPr>
             <a:r>
-              <a:rPr lang="de-DE" sz="1800" dirty="0" err="1">
-                <a:latin typeface="Consolas" panose="020B0609020204030204" pitchFamily="49" charset="0"/>
-              </a:rPr>
-              <a:t>stages</a:t>
-            </a:r>
-            <a:r>
-              <a:rPr lang="de-DE" sz="1800" dirty="0">
-                <a:latin typeface="Consolas" panose="020B0609020204030204" pitchFamily="49" charset="0"/>
-              </a:rPr>
-              <a:t>: # Vier Stages</a:t>
+              <a:rPr lang="de-DE" sz="1400" dirty="0">
+                <a:latin typeface="Consolas" panose="020B0609020204030204" pitchFamily="49" charset="0"/>
+              </a:rPr>
+              <a:t>  </a:t>
+            </a:r>
+            <a:r>
+              <a:rPr lang="de-DE" sz="1400" dirty="0" err="1">
+                <a:latin typeface="Consolas" panose="020B0609020204030204" pitchFamily="49" charset="0"/>
+              </a:rPr>
+              <a:t>script</a:t>
+            </a:r>
+            <a:r>
+              <a:rPr lang="de-DE" sz="1400" dirty="0">
+                <a:latin typeface="Consolas" panose="020B0609020204030204" pitchFamily="49" charset="0"/>
+              </a:rPr>
+              <a:t>:</a:t>
             </a:r>
           </a:p>
           <a:p>
@@ -15544,76 +15386,160 @@
               <a:buNone/>
             </a:pPr>
             <a:r>
-              <a:rPr lang="de-DE" sz="1800" dirty="0">
-                <a:latin typeface="Consolas" panose="020B0609020204030204" pitchFamily="49" charset="0"/>
-              </a:rPr>
-              <a:t>  - </a:t>
-            </a:r>
-            <a:r>
-              <a:rPr lang="de-DE" sz="1800" dirty="0" err="1">
-                <a:latin typeface="Consolas" panose="020B0609020204030204" pitchFamily="49" charset="0"/>
-              </a:rPr>
-              <a:t>build</a:t>
-            </a:r>
-            <a:endParaRPr lang="de-DE" sz="1800" dirty="0">
-              <a:latin typeface="Consolas" panose="020B0609020204030204" pitchFamily="49" charset="0"/>
-            </a:endParaRPr>
+              <a:rPr lang="de-DE" sz="1400" dirty="0">
+                <a:latin typeface="Consolas" panose="020B0609020204030204" pitchFamily="49" charset="0"/>
+              </a:rPr>
+              <a:t>    - </a:t>
+            </a:r>
+            <a:r>
+              <a:rPr lang="de-DE" sz="1400" dirty="0" err="1">
+                <a:latin typeface="Consolas" panose="020B0609020204030204" pitchFamily="49" charset="0"/>
+              </a:rPr>
+              <a:t>docker</a:t>
+            </a:r>
+            <a:r>
+              <a:rPr lang="de-DE" sz="1400" dirty="0">
+                <a:latin typeface="Consolas" panose="020B0609020204030204" pitchFamily="49" charset="0"/>
+              </a:rPr>
+              <a:t> </a:t>
+            </a:r>
+            <a:r>
+              <a:rPr lang="de-DE" sz="1400" dirty="0" err="1">
+                <a:latin typeface="Consolas" panose="020B0609020204030204" pitchFamily="49" charset="0"/>
+              </a:rPr>
+              <a:t>login</a:t>
+            </a:r>
+            <a:r>
+              <a:rPr lang="de-DE" sz="1400" dirty="0">
+                <a:latin typeface="Consolas" panose="020B0609020204030204" pitchFamily="49" charset="0"/>
+              </a:rPr>
+              <a:t> -u $CI_REGISTRY_USER -p $CI_REGISTRY_PASSWORD $CI_REGISTRY</a:t>
+            </a:r>
           </a:p>
           <a:p>
             <a:pPr marL="0" indent="0">
               <a:buNone/>
             </a:pPr>
             <a:r>
-              <a:rPr lang="de-DE" sz="1800" dirty="0">
-                <a:latin typeface="Consolas" panose="020B0609020204030204" pitchFamily="49" charset="0"/>
-              </a:rPr>
-              <a:t>  - </a:t>
-            </a:r>
-            <a:r>
-              <a:rPr lang="de-DE" sz="1800" dirty="0" err="1">
-                <a:latin typeface="Consolas" panose="020B0609020204030204" pitchFamily="49" charset="0"/>
-              </a:rPr>
-              <a:t>test</a:t>
-            </a:r>
-            <a:endParaRPr lang="de-DE" sz="1800" dirty="0">
-              <a:latin typeface="Consolas" panose="020B0609020204030204" pitchFamily="49" charset="0"/>
-            </a:endParaRPr>
+              <a:rPr lang="de-DE" sz="1400" dirty="0">
+                <a:latin typeface="Consolas" panose="020B0609020204030204" pitchFamily="49" charset="0"/>
+              </a:rPr>
+              <a:t>    - </a:t>
+            </a:r>
+            <a:r>
+              <a:rPr lang="de-DE" sz="1400" dirty="0" err="1">
+                <a:latin typeface="Consolas" panose="020B0609020204030204" pitchFamily="49" charset="0"/>
+              </a:rPr>
+              <a:t>docker</a:t>
+            </a:r>
+            <a:r>
+              <a:rPr lang="de-DE" sz="1400" dirty="0">
+                <a:latin typeface="Consolas" panose="020B0609020204030204" pitchFamily="49" charset="0"/>
+              </a:rPr>
+              <a:t> </a:t>
+            </a:r>
+            <a:r>
+              <a:rPr lang="de-DE" sz="1400" dirty="0" err="1">
+                <a:latin typeface="Consolas" panose="020B0609020204030204" pitchFamily="49" charset="0"/>
+              </a:rPr>
+              <a:t>build</a:t>
+            </a:r>
+            <a:r>
+              <a:rPr lang="de-DE" sz="1400" dirty="0">
+                <a:latin typeface="Consolas" panose="020B0609020204030204" pitchFamily="49" charset="0"/>
+              </a:rPr>
+              <a:t> -t $CI_REGISTRY/</a:t>
+            </a:r>
+            <a:r>
+              <a:rPr lang="de-DE" sz="1400" dirty="0" err="1">
+                <a:latin typeface="Consolas" panose="020B0609020204030204" pitchFamily="49" charset="0"/>
+              </a:rPr>
+              <a:t>group</a:t>
+            </a:r>
+            <a:r>
+              <a:rPr lang="de-DE" sz="1400" dirty="0">
+                <a:latin typeface="Consolas" panose="020B0609020204030204" pitchFamily="49" charset="0"/>
+              </a:rPr>
+              <a:t>/</a:t>
+            </a:r>
+            <a:r>
+              <a:rPr lang="de-DE" sz="1400" dirty="0" err="1">
+                <a:latin typeface="Consolas" panose="020B0609020204030204" pitchFamily="49" charset="0"/>
+              </a:rPr>
+              <a:t>project</a:t>
+            </a:r>
+            <a:r>
+              <a:rPr lang="de-DE" sz="1400" dirty="0">
+                <a:latin typeface="Consolas" panose="020B0609020204030204" pitchFamily="49" charset="0"/>
+              </a:rPr>
+              <a:t>/</a:t>
+            </a:r>
+            <a:r>
+              <a:rPr lang="de-DE" sz="1400" dirty="0" err="1">
+                <a:latin typeface="Consolas" panose="020B0609020204030204" pitchFamily="49" charset="0"/>
+              </a:rPr>
+              <a:t>image:latest</a:t>
+            </a:r>
+            <a:r>
+              <a:rPr lang="de-DE" sz="1400" dirty="0">
+                <a:latin typeface="Consolas" panose="020B0609020204030204" pitchFamily="49" charset="0"/>
+              </a:rPr>
+              <a:t> .</a:t>
+            </a:r>
           </a:p>
           <a:p>
             <a:pPr marL="0" indent="0">
               <a:buNone/>
             </a:pPr>
             <a:r>
-              <a:rPr lang="de-DE" sz="1800" dirty="0">
-                <a:latin typeface="Consolas" panose="020B0609020204030204" pitchFamily="49" charset="0"/>
-              </a:rPr>
-              <a:t>  - release</a:t>
-            </a:r>
-          </a:p>
-          <a:p>
-            <a:pPr marL="0" indent="0">
-              <a:buNone/>
-            </a:pPr>
-            <a:r>
-              <a:rPr lang="de-DE" sz="1800" dirty="0">
-                <a:latin typeface="Consolas" panose="020B0609020204030204" pitchFamily="49" charset="0"/>
-              </a:rPr>
-              <a:t>  - deploy</a:t>
-            </a:r>
-          </a:p>
-          <a:p>
-            <a:pPr marL="0" indent="0">
-              <a:buNone/>
-            </a:pPr>
-            <a:endParaRPr lang="de-DE" sz="1600" dirty="0">
-              <a:latin typeface="Consolas" panose="020B0609020204030204" pitchFamily="49" charset="0"/>
-            </a:endParaRPr>
-          </a:p>
-          <a:p>
-            <a:pPr marL="0" indent="0">
-              <a:buNone/>
-            </a:pPr>
-            <a:endParaRPr lang="de-DE" sz="1600" dirty="0">
+              <a:rPr lang="de-DE" sz="1400" dirty="0">
+                <a:latin typeface="Consolas" panose="020B0609020204030204" pitchFamily="49" charset="0"/>
+              </a:rPr>
+              <a:t>    - </a:t>
+            </a:r>
+            <a:r>
+              <a:rPr lang="de-DE" sz="1400" dirty="0" err="1">
+                <a:latin typeface="Consolas" panose="020B0609020204030204" pitchFamily="49" charset="0"/>
+              </a:rPr>
+              <a:t>docker</a:t>
+            </a:r>
+            <a:r>
+              <a:rPr lang="de-DE" sz="1400" dirty="0">
+                <a:latin typeface="Consolas" panose="020B0609020204030204" pitchFamily="49" charset="0"/>
+              </a:rPr>
+              <a:t> push $CI_REGISTRY/</a:t>
+            </a:r>
+            <a:r>
+              <a:rPr lang="de-DE" sz="1400" dirty="0" err="1">
+                <a:latin typeface="Consolas" panose="020B0609020204030204" pitchFamily="49" charset="0"/>
+              </a:rPr>
+              <a:t>group</a:t>
+            </a:r>
+            <a:r>
+              <a:rPr lang="de-DE" sz="1400" dirty="0">
+                <a:latin typeface="Consolas" panose="020B0609020204030204" pitchFamily="49" charset="0"/>
+              </a:rPr>
+              <a:t>/</a:t>
+            </a:r>
+            <a:r>
+              <a:rPr lang="de-DE" sz="1400" dirty="0" err="1">
+                <a:latin typeface="Consolas" panose="020B0609020204030204" pitchFamily="49" charset="0"/>
+              </a:rPr>
+              <a:t>project</a:t>
+            </a:r>
+            <a:r>
+              <a:rPr lang="de-DE" sz="1400" dirty="0">
+                <a:latin typeface="Consolas" panose="020B0609020204030204" pitchFamily="49" charset="0"/>
+              </a:rPr>
+              <a:t>/</a:t>
+            </a:r>
+            <a:r>
+              <a:rPr lang="de-DE" sz="1400" dirty="0" err="1">
+                <a:latin typeface="Consolas" panose="020B0609020204030204" pitchFamily="49" charset="0"/>
+              </a:rPr>
+              <a:t>image:latest</a:t>
+            </a:r>
+            <a:endParaRPr lang="de-DE" sz="1400" dirty="0">
               <a:latin typeface="Consolas" panose="020B0609020204030204" pitchFamily="49" charset="0"/>
             </a:endParaRPr>
           </a:p>
@@ -15622,7 +15548,7 @@
     </p:spTree>
     <p:extLst>
       <p:ext uri="{BB962C8B-B14F-4D97-AF65-F5344CB8AC3E}">
-        <p14:creationId xmlns:p14="http://schemas.microsoft.com/office/powerpoint/2010/main" val="3047470218"/>
+        <p14:creationId xmlns:p14="http://schemas.microsoft.com/office/powerpoint/2010/main" val="3629727755"/>
       </p:ext>
     </p:extLst>
   </p:cSld>
@@ -15711,22 +15637,8 @@
               <a:buNone/>
             </a:pPr>
             <a:r>
-              <a:rPr lang="de-DE" sz="2000" b="1" dirty="0">
-                <a:latin typeface="Consolas" panose="020B0609020204030204" pitchFamily="49" charset="0"/>
-              </a:rPr>
-              <a:t>.</a:t>
-            </a:r>
-            <a:r>
-              <a:rPr lang="de-DE" sz="2000" b="1" dirty="0" err="1">
-                <a:latin typeface="Consolas" panose="020B0609020204030204" pitchFamily="49" charset="0"/>
-              </a:rPr>
-              <a:t>gitlab-ci.yml</a:t>
-            </a:r>
-            <a:r>
-              <a:rPr lang="de-DE" sz="2000" b="1" dirty="0">
-                <a:latin typeface="Consolas" panose="020B0609020204030204" pitchFamily="49" charset="0"/>
-              </a:rPr>
-              <a:t> (2/4)</a:t>
+              <a:rPr lang="de-DE" b="1" dirty="0"/>
+              <a:t>Docker-in-Docker mit Variablen</a:t>
             </a:r>
           </a:p>
           <a:p>
@@ -15734,21 +15646,42 @@
               <a:buNone/>
             </a:pPr>
             <a:r>
-              <a:rPr lang="de-DE" sz="1600" dirty="0">
-                <a:latin typeface="Consolas" panose="020B0609020204030204" pitchFamily="49" charset="0"/>
-              </a:rPr>
-              <a:t>variables:</a:t>
-            </a:r>
+              <a:rPr lang="de-DE" sz="2000" dirty="0">
+                <a:latin typeface="Consolas" panose="020B0609020204030204" pitchFamily="49" charset="0"/>
+              </a:rPr>
+              <a:t>.</a:t>
+            </a:r>
+            <a:r>
+              <a:rPr lang="de-DE" sz="2000" dirty="0" err="1">
+                <a:latin typeface="Consolas" panose="020B0609020204030204" pitchFamily="49" charset="0"/>
+              </a:rPr>
+              <a:t>gitlab-ci.yml</a:t>
+            </a:r>
+            <a:r>
+              <a:rPr lang="de-DE" sz="2000" dirty="0">
+                <a:latin typeface="Consolas" panose="020B0609020204030204" pitchFamily="49" charset="0"/>
+              </a:rPr>
+              <a:t>:</a:t>
+            </a:r>
+            <a:endParaRPr lang="de-DE" dirty="0">
+              <a:latin typeface="Consolas" panose="020B0609020204030204" pitchFamily="49" charset="0"/>
+            </a:endParaRPr>
           </a:p>
           <a:p>
             <a:pPr marL="0" indent="0">
               <a:buNone/>
             </a:pPr>
             <a:r>
-              <a:rPr lang="de-DE" sz="1600" dirty="0">
-                <a:latin typeface="Consolas" panose="020B0609020204030204" pitchFamily="49" charset="0"/>
-              </a:rPr>
-              <a:t>  # Use TLS https://docs.gitlab.com/ee/ci/docker/using_docker_build.html#tls-enabled</a:t>
+              <a:rPr lang="de-DE" sz="1400" dirty="0" err="1">
+                <a:latin typeface="Consolas" panose="020B0609020204030204" pitchFamily="49" charset="0"/>
+              </a:rPr>
+              <a:t>build</a:t>
+            </a:r>
+            <a:r>
+              <a:rPr lang="de-DE" sz="1400" dirty="0">
+                <a:latin typeface="Consolas" panose="020B0609020204030204" pitchFamily="49" charset="0"/>
+              </a:rPr>
+              <a:t>:</a:t>
             </a:r>
           </a:p>
           <a:p>
@@ -15756,10 +15689,22 @@
               <a:buNone/>
             </a:pPr>
             <a:r>
-              <a:rPr lang="de-DE" sz="1600" dirty="0">
-                <a:latin typeface="Consolas" panose="020B0609020204030204" pitchFamily="49" charset="0"/>
-              </a:rPr>
-              <a:t>  DOCKER_HOST: tcp://docker:2376</a:t>
+              <a:rPr lang="de-DE" sz="1400" dirty="0">
+                <a:latin typeface="Consolas" panose="020B0609020204030204" pitchFamily="49" charset="0"/>
+              </a:rPr>
+              <a:t>  </a:t>
+            </a:r>
+            <a:r>
+              <a:rPr lang="de-DE" sz="1400" dirty="0" err="1">
+                <a:latin typeface="Consolas" panose="020B0609020204030204" pitchFamily="49" charset="0"/>
+              </a:rPr>
+              <a:t>image</a:t>
+            </a:r>
+            <a:r>
+              <a:rPr lang="de-DE" sz="1400" dirty="0">
+                <a:latin typeface="Consolas" panose="020B0609020204030204" pitchFamily="49" charset="0"/>
+              </a:rPr>
+              <a:t>: docker:20.10.16</a:t>
             </a:r>
           </a:p>
           <a:p>
@@ -15767,33 +15712,54 @@
               <a:buNone/>
             </a:pPr>
             <a:r>
-              <a:rPr lang="de-DE" sz="1600" dirty="0">
-                <a:latin typeface="Consolas" panose="020B0609020204030204" pitchFamily="49" charset="0"/>
-              </a:rPr>
-              <a:t>  DOCKER_TLS_CERTDIR: "/</a:t>
-            </a:r>
-            <a:r>
-              <a:rPr lang="de-DE" sz="1600" dirty="0" err="1">
-                <a:latin typeface="Consolas" panose="020B0609020204030204" pitchFamily="49" charset="0"/>
-              </a:rPr>
-              <a:t>certs</a:t>
-            </a:r>
-            <a:r>
-              <a:rPr lang="de-DE" sz="1600" dirty="0">
-                <a:latin typeface="Consolas" panose="020B0609020204030204" pitchFamily="49" charset="0"/>
-              </a:rPr>
-              <a:t>"</a:t>
-            </a:r>
+              <a:rPr lang="de-DE" sz="1400" dirty="0">
+                <a:latin typeface="Consolas" panose="020B0609020204030204" pitchFamily="49" charset="0"/>
+              </a:rPr>
+              <a:t>  </a:t>
+            </a:r>
+            <a:r>
+              <a:rPr lang="de-DE" sz="1400" dirty="0" err="1">
+                <a:latin typeface="Consolas" panose="020B0609020204030204" pitchFamily="49" charset="0"/>
+              </a:rPr>
+              <a:t>stage</a:t>
+            </a:r>
+            <a:r>
+              <a:rPr lang="de-DE" sz="1400" dirty="0">
+                <a:latin typeface="Consolas" panose="020B0609020204030204" pitchFamily="49" charset="0"/>
+              </a:rPr>
+              <a:t>: </a:t>
+            </a:r>
+            <a:r>
+              <a:rPr lang="de-DE" sz="1400" dirty="0" err="1">
+                <a:latin typeface="Consolas" panose="020B0609020204030204" pitchFamily="49" charset="0"/>
+              </a:rPr>
+              <a:t>build</a:t>
+            </a:r>
+            <a:endParaRPr lang="de-DE" sz="1400" dirty="0">
+              <a:latin typeface="Consolas" panose="020B0609020204030204" pitchFamily="49" charset="0"/>
+            </a:endParaRPr>
           </a:p>
           <a:p>
             <a:pPr marL="0" indent="0">
               <a:buNone/>
             </a:pPr>
             <a:r>
-              <a:rPr lang="de-DE" sz="1600" dirty="0">
-                <a:latin typeface="Consolas" panose="020B0609020204030204" pitchFamily="49" charset="0"/>
-              </a:rPr>
-              <a:t>  CONTAINER_TEST_IMAGE: $CI_REGISTRY_IMAGE:$CI_COMMIT_REF_SLUG</a:t>
+              <a:rPr lang="de-DE" sz="1400" dirty="0">
+                <a:latin typeface="Consolas" panose="020B0609020204030204" pitchFamily="49" charset="0"/>
+              </a:rPr>
+              <a:t>  </a:t>
+            </a:r>
+            <a:r>
+              <a:rPr lang="de-DE" sz="1400" dirty="0" err="1">
+                <a:latin typeface="Consolas" panose="020B0609020204030204" pitchFamily="49" charset="0"/>
+              </a:rPr>
+              <a:t>services</a:t>
+            </a:r>
+            <a:r>
+              <a:rPr lang="de-DE" sz="1400" dirty="0">
+                <a:latin typeface="Consolas" panose="020B0609020204030204" pitchFamily="49" charset="0"/>
+              </a:rPr>
+              <a:t>:</a:t>
             </a:r>
           </a:p>
           <a:p>
@@ -15801,243 +15767,237 @@
               <a:buNone/>
             </a:pPr>
             <a:r>
-              <a:rPr lang="de-DE" sz="1600" dirty="0">
-                <a:latin typeface="Consolas" panose="020B0609020204030204" pitchFamily="49" charset="0"/>
-              </a:rPr>
-              <a:t>  CONTAINER_RELEASE_IMAGE: $</a:t>
-            </a:r>
-            <a:r>
-              <a:rPr lang="de-DE" sz="1600" dirty="0" err="1">
-                <a:latin typeface="Consolas" panose="020B0609020204030204" pitchFamily="49" charset="0"/>
-              </a:rPr>
-              <a:t>CI_REGISTRY_IMAGE:latest</a:t>
-            </a:r>
-            <a:r>
-              <a:rPr lang="de-DE" sz="1600" dirty="0">
-                <a:latin typeface="Consolas" panose="020B0609020204030204" pitchFamily="49" charset="0"/>
-              </a:rPr>
-              <a:t> </a:t>
-            </a:r>
-            <a:r>
-              <a:rPr lang="de-DE" sz="1600" dirty="0">
-                <a:solidFill>
-                  <a:srgbClr val="008C5A"/>
-                </a:solidFill>
-                <a:latin typeface="Consolas" panose="020B0609020204030204" pitchFamily="49" charset="0"/>
-              </a:rPr>
-              <a:t># Variable für 4.</a:t>
+              <a:rPr lang="de-DE" sz="1400" dirty="0">
+                <a:latin typeface="Consolas" panose="020B0609020204030204" pitchFamily="49" charset="0"/>
+              </a:rPr>
+              <a:t>    - docker:20.10.16-dind</a:t>
             </a:r>
           </a:p>
           <a:p>
             <a:pPr marL="0" indent="0">
               <a:buNone/>
             </a:pPr>
-            <a:endParaRPr lang="de-DE" sz="1600" dirty="0">
+            <a:r>
+              <a:rPr lang="de-DE" sz="1400" dirty="0">
+                <a:latin typeface="Consolas" panose="020B0609020204030204" pitchFamily="49" charset="0"/>
+              </a:rPr>
+              <a:t>  variables:</a:t>
+            </a:r>
+          </a:p>
+          <a:p>
+            <a:pPr marL="0" indent="0">
+              <a:buNone/>
+            </a:pPr>
+            <a:r>
+              <a:rPr lang="de-DE" sz="1400" dirty="0">
+                <a:latin typeface="Consolas" panose="020B0609020204030204" pitchFamily="49" charset="0"/>
+              </a:rPr>
+              <a:t>    IMAGE_TAG: $CI_REGISTRY_IMAGE:$CI_COMMIT_REF_SLUG</a:t>
+            </a:r>
+          </a:p>
+          <a:p>
+            <a:pPr marL="0" indent="0">
+              <a:buNone/>
+            </a:pPr>
+            <a:r>
+              <a:rPr lang="de-DE" sz="1400" dirty="0">
+                <a:latin typeface="Consolas" panose="020B0609020204030204" pitchFamily="49" charset="0"/>
+              </a:rPr>
+              <a:t>  </a:t>
+            </a:r>
+            <a:r>
+              <a:rPr lang="de-DE" sz="1400" dirty="0" err="1">
+                <a:latin typeface="Consolas" panose="020B0609020204030204" pitchFamily="49" charset="0"/>
+              </a:rPr>
+              <a:t>script</a:t>
+            </a:r>
+            <a:r>
+              <a:rPr lang="de-DE" sz="1400" dirty="0">
+                <a:latin typeface="Consolas" panose="020B0609020204030204" pitchFamily="49" charset="0"/>
+              </a:rPr>
+              <a:t>:</a:t>
+            </a:r>
+          </a:p>
+          <a:p>
+            <a:pPr marL="0" indent="0">
+              <a:buNone/>
+            </a:pPr>
+            <a:r>
+              <a:rPr lang="de-DE" sz="1400" dirty="0">
+                <a:latin typeface="Consolas" panose="020B0609020204030204" pitchFamily="49" charset="0"/>
+              </a:rPr>
+              <a:t>    - </a:t>
+            </a:r>
+            <a:r>
+              <a:rPr lang="de-DE" sz="1400" dirty="0" err="1">
+                <a:latin typeface="Consolas" panose="020B0609020204030204" pitchFamily="49" charset="0"/>
+              </a:rPr>
+              <a:t>docker</a:t>
+            </a:r>
+            <a:r>
+              <a:rPr lang="de-DE" sz="1400" dirty="0">
+                <a:latin typeface="Consolas" panose="020B0609020204030204" pitchFamily="49" charset="0"/>
+              </a:rPr>
+              <a:t> </a:t>
+            </a:r>
+            <a:r>
+              <a:rPr lang="de-DE" sz="1400" dirty="0" err="1">
+                <a:latin typeface="Consolas" panose="020B0609020204030204" pitchFamily="49" charset="0"/>
+              </a:rPr>
+              <a:t>login</a:t>
+            </a:r>
+            <a:r>
+              <a:rPr lang="de-DE" sz="1400" dirty="0">
+                <a:latin typeface="Consolas" panose="020B0609020204030204" pitchFamily="49" charset="0"/>
+              </a:rPr>
+              <a:t> -u $CI_REGISTRY_USER -p $CI_REGISTRY_PASSWORD $CI_REGISTRY</a:t>
+            </a:r>
+          </a:p>
+          <a:p>
+            <a:pPr marL="0" indent="0">
+              <a:buNone/>
+            </a:pPr>
+            <a:r>
+              <a:rPr lang="de-DE" sz="1400" dirty="0">
+                <a:latin typeface="Consolas" panose="020B0609020204030204" pitchFamily="49" charset="0"/>
+              </a:rPr>
+              <a:t>    - </a:t>
+            </a:r>
+            <a:r>
+              <a:rPr lang="de-DE" sz="1400" dirty="0" err="1">
+                <a:latin typeface="Consolas" panose="020B0609020204030204" pitchFamily="49" charset="0"/>
+              </a:rPr>
+              <a:t>docker</a:t>
+            </a:r>
+            <a:r>
+              <a:rPr lang="de-DE" sz="1400" dirty="0">
+                <a:latin typeface="Consolas" panose="020B0609020204030204" pitchFamily="49" charset="0"/>
+              </a:rPr>
+              <a:t> </a:t>
+            </a:r>
+            <a:r>
+              <a:rPr lang="de-DE" sz="1400" dirty="0" err="1">
+                <a:latin typeface="Consolas" panose="020B0609020204030204" pitchFamily="49" charset="0"/>
+              </a:rPr>
+              <a:t>build</a:t>
+            </a:r>
+            <a:r>
+              <a:rPr lang="de-DE" sz="1400" dirty="0">
+                <a:latin typeface="Consolas" panose="020B0609020204030204" pitchFamily="49" charset="0"/>
+              </a:rPr>
+              <a:t> -t $IMAGE_TAG .</a:t>
+            </a:r>
+          </a:p>
+          <a:p>
+            <a:pPr marL="0" indent="0">
+              <a:buNone/>
+            </a:pPr>
+            <a:r>
+              <a:rPr lang="de-DE" sz="1400" dirty="0">
+                <a:latin typeface="Consolas" panose="020B0609020204030204" pitchFamily="49" charset="0"/>
+              </a:rPr>
+              <a:t>    - </a:t>
+            </a:r>
+            <a:r>
+              <a:rPr lang="de-DE" sz="1400" dirty="0" err="1">
+                <a:latin typeface="Consolas" panose="020B0609020204030204" pitchFamily="49" charset="0"/>
+              </a:rPr>
+              <a:t>docker</a:t>
+            </a:r>
+            <a:r>
+              <a:rPr lang="de-DE" sz="1400" dirty="0">
+                <a:latin typeface="Consolas" panose="020B0609020204030204" pitchFamily="49" charset="0"/>
+              </a:rPr>
+              <a:t> push $IMAGE_TAG</a:t>
+            </a:r>
+          </a:p>
+          <a:p>
+            <a:pPr marL="0" indent="0">
+              <a:buNone/>
+            </a:pPr>
+            <a:endParaRPr lang="de-DE" sz="1400" dirty="0">
               <a:latin typeface="Consolas" panose="020B0609020204030204" pitchFamily="49" charset="0"/>
             </a:endParaRPr>
           </a:p>
           <a:p>
-            <a:pPr marL="0" indent="0">
-              <a:buNone/>
-            </a:pPr>
-            <a:r>
-              <a:rPr lang="de-DE" sz="1600" dirty="0" err="1">
-                <a:latin typeface="Consolas" panose="020B0609020204030204" pitchFamily="49" charset="0"/>
-              </a:rPr>
-              <a:t>build</a:t>
-            </a:r>
-            <a:r>
-              <a:rPr lang="de-DE" sz="1600" dirty="0">
-                <a:latin typeface="Consolas" panose="020B0609020204030204" pitchFamily="49" charset="0"/>
-              </a:rPr>
-              <a:t>:</a:t>
-            </a:r>
-          </a:p>
-          <a:p>
-            <a:pPr marL="0" indent="0">
-              <a:buNone/>
-            </a:pPr>
-            <a:r>
-              <a:rPr lang="de-DE" sz="1600" dirty="0">
-                <a:latin typeface="Consolas" panose="020B0609020204030204" pitchFamily="49" charset="0"/>
-              </a:rPr>
-              <a:t>  </a:t>
-            </a:r>
-            <a:r>
-              <a:rPr lang="de-DE" sz="1600" dirty="0" err="1">
-                <a:latin typeface="Consolas" panose="020B0609020204030204" pitchFamily="49" charset="0"/>
-              </a:rPr>
-              <a:t>stage</a:t>
-            </a:r>
-            <a:r>
-              <a:rPr lang="de-DE" sz="1600" dirty="0">
-                <a:latin typeface="Consolas" panose="020B0609020204030204" pitchFamily="49" charset="0"/>
-              </a:rPr>
-              <a:t>: </a:t>
-            </a:r>
-            <a:r>
-              <a:rPr lang="de-DE" sz="1600" dirty="0" err="1">
-                <a:latin typeface="Consolas" panose="020B0609020204030204" pitchFamily="49" charset="0"/>
-              </a:rPr>
-              <a:t>build</a:t>
-            </a:r>
-            <a:endParaRPr lang="de-DE" sz="1600" dirty="0">
-              <a:latin typeface="Consolas" panose="020B0609020204030204" pitchFamily="49" charset="0"/>
-            </a:endParaRPr>
-          </a:p>
-          <a:p>
-            <a:pPr marL="0" indent="0">
-              <a:buNone/>
-            </a:pPr>
-            <a:r>
-              <a:rPr lang="de-DE" sz="1600" dirty="0">
-                <a:latin typeface="Consolas" panose="020B0609020204030204" pitchFamily="49" charset="0"/>
-              </a:rPr>
-              <a:t>  </a:t>
-            </a:r>
-            <a:r>
-              <a:rPr lang="de-DE" sz="1600" dirty="0" err="1">
-                <a:latin typeface="Consolas" panose="020B0609020204030204" pitchFamily="49" charset="0"/>
-              </a:rPr>
-              <a:t>script</a:t>
-            </a:r>
-            <a:r>
-              <a:rPr lang="de-DE" sz="1600" dirty="0">
-                <a:latin typeface="Consolas" panose="020B0609020204030204" pitchFamily="49" charset="0"/>
-              </a:rPr>
-              <a:t>:</a:t>
-            </a:r>
-          </a:p>
-          <a:p>
-            <a:pPr marL="0" indent="0">
-              <a:buNone/>
-            </a:pPr>
-            <a:r>
-              <a:rPr lang="de-DE" sz="1600" dirty="0">
-                <a:latin typeface="Consolas" panose="020B0609020204030204" pitchFamily="49" charset="0"/>
-              </a:rPr>
-              <a:t>    - </a:t>
-            </a:r>
-            <a:r>
-              <a:rPr lang="de-DE" sz="1600" dirty="0" err="1">
-                <a:latin typeface="Consolas" panose="020B0609020204030204" pitchFamily="49" charset="0"/>
-              </a:rPr>
-              <a:t>docker</a:t>
-            </a:r>
-            <a:r>
-              <a:rPr lang="de-DE" sz="1600" dirty="0">
-                <a:latin typeface="Consolas" panose="020B0609020204030204" pitchFamily="49" charset="0"/>
-              </a:rPr>
-              <a:t> </a:t>
-            </a:r>
-            <a:r>
-              <a:rPr lang="de-DE" sz="1600" dirty="0" err="1">
-                <a:latin typeface="Consolas" panose="020B0609020204030204" pitchFamily="49" charset="0"/>
-              </a:rPr>
-              <a:t>build</a:t>
-            </a:r>
-            <a:r>
-              <a:rPr lang="de-DE" sz="1600" dirty="0">
-                <a:latin typeface="Consolas" panose="020B0609020204030204" pitchFamily="49" charset="0"/>
-              </a:rPr>
-              <a:t> --pull -t $CONTAINER_TEST_IMAGE .</a:t>
-            </a:r>
-          </a:p>
-          <a:p>
-            <a:pPr marL="0" indent="0">
-              <a:buNone/>
-            </a:pPr>
-            <a:r>
-              <a:rPr lang="de-DE" sz="1600" dirty="0">
-                <a:latin typeface="Consolas" panose="020B0609020204030204" pitchFamily="49" charset="0"/>
-              </a:rPr>
-              <a:t>    - </a:t>
-            </a:r>
-            <a:r>
-              <a:rPr lang="de-DE" sz="1600" dirty="0" err="1">
-                <a:latin typeface="Consolas" panose="020B0609020204030204" pitchFamily="49" charset="0"/>
-              </a:rPr>
-              <a:t>docker</a:t>
-            </a:r>
-            <a:r>
-              <a:rPr lang="de-DE" sz="1600" dirty="0">
-                <a:latin typeface="Consolas" panose="020B0609020204030204" pitchFamily="49" charset="0"/>
-              </a:rPr>
-              <a:t> push $CONTAINER_TEST_IMAGE </a:t>
-            </a:r>
-            <a:r>
-              <a:rPr lang="de-DE" sz="1600" dirty="0">
-                <a:solidFill>
-                  <a:srgbClr val="008C5A"/>
-                </a:solidFill>
-                <a:latin typeface="Consolas" panose="020B0609020204030204" pitchFamily="49" charset="0"/>
-              </a:rPr>
-              <a:t># 1. </a:t>
-            </a:r>
-            <a:r>
-              <a:rPr lang="de-DE" sz="1600" dirty="0" err="1">
-                <a:solidFill>
-                  <a:srgbClr val="008C5A"/>
-                </a:solidFill>
-                <a:latin typeface="Consolas" panose="020B0609020204030204" pitchFamily="49" charset="0"/>
-              </a:rPr>
-              <a:t>Build</a:t>
-            </a:r>
-            <a:r>
-              <a:rPr lang="de-DE" sz="1600" dirty="0">
-                <a:solidFill>
-                  <a:srgbClr val="008C5A"/>
-                </a:solidFill>
-                <a:latin typeface="Consolas" panose="020B0609020204030204" pitchFamily="49" charset="0"/>
-              </a:rPr>
-              <a:t> wird in die Container Registry </a:t>
-            </a:r>
-            <a:r>
-              <a:rPr lang="de-DE" sz="1600" dirty="0" err="1">
-                <a:solidFill>
-                  <a:srgbClr val="008C5A"/>
-                </a:solidFill>
-                <a:latin typeface="Consolas" panose="020B0609020204030204" pitchFamily="49" charset="0"/>
-              </a:rPr>
-              <a:t>gepushed</a:t>
-            </a:r>
-            <a:endParaRPr lang="de-DE" sz="1600" dirty="0">
-              <a:solidFill>
-                <a:srgbClr val="008C5A"/>
-              </a:solidFill>
-              <a:latin typeface="Consolas" panose="020B0609020204030204" pitchFamily="49" charset="0"/>
-            </a:endParaRPr>
-          </a:p>
-          <a:p>
-            <a:pPr marL="0" indent="0">
-              <a:buNone/>
-            </a:pPr>
-            <a:endParaRPr lang="de-DE" sz="1600" dirty="0">
-              <a:latin typeface="Consolas" panose="020B0609020204030204" pitchFamily="49" charset="0"/>
-            </a:endParaRPr>
-          </a:p>
-          <a:p>
-            <a:pPr marL="0" indent="0">
-              <a:buNone/>
-            </a:pPr>
-            <a:endParaRPr lang="de-DE" sz="1600" dirty="0">
-              <a:latin typeface="Consolas" panose="020B0609020204030204" pitchFamily="49" charset="0"/>
-            </a:endParaRPr>
-          </a:p>
-          <a:p>
-            <a:pPr marL="0" indent="0">
-              <a:buNone/>
-            </a:pPr>
-            <a:endParaRPr lang="de-DE" sz="1600" dirty="0">
-              <a:latin typeface="Consolas" panose="020B0609020204030204" pitchFamily="49" charset="0"/>
-            </a:endParaRPr>
+            <a:pPr>
+              <a:buFont typeface="Arial" panose="020B0604020202020204" pitchFamily="34" charset="0"/>
+              <a:buChar char="•"/>
+            </a:pPr>
+            <a:r>
+              <a:rPr lang="de-DE" sz="1800" dirty="0"/>
+              <a:t>$CI_REGISTRY_IMAGE</a:t>
+            </a:r>
+          </a:p>
+          <a:p>
+            <a:pPr lvl="1">
+              <a:buFont typeface="Arial" panose="020B0604020202020204" pitchFamily="34" charset="0"/>
+              <a:buChar char="•"/>
+            </a:pPr>
+            <a:r>
+              <a:rPr lang="de-DE" sz="1600" dirty="0"/>
+              <a:t>Ist die Adresse der Registry des aktuellen Projekts</a:t>
+            </a:r>
+          </a:p>
+          <a:p>
+            <a:pPr>
+              <a:buFont typeface="Arial" panose="020B0604020202020204" pitchFamily="34" charset="0"/>
+              <a:buChar char="•"/>
+            </a:pPr>
+            <a:r>
+              <a:rPr lang="de-DE" sz="1800" dirty="0"/>
+              <a:t>$CI_COMMIT_REF_NAME</a:t>
+            </a:r>
+          </a:p>
+          <a:p>
+            <a:pPr lvl="1">
+              <a:buFont typeface="Arial" panose="020B0604020202020204" pitchFamily="34" charset="0"/>
+              <a:buChar char="•"/>
+            </a:pPr>
+            <a:r>
+              <a:rPr lang="de-DE" sz="1400" dirty="0"/>
+              <a:t>Ist der Branch- oder Tag-Name</a:t>
+            </a:r>
+          </a:p>
+          <a:p>
+            <a:pPr lvl="1">
+              <a:buFont typeface="Arial" panose="020B0604020202020204" pitchFamily="34" charset="0"/>
+              <a:buChar char="•"/>
+            </a:pPr>
+            <a:r>
+              <a:rPr lang="de-DE" sz="1400" dirty="0"/>
+              <a:t>In </a:t>
+            </a:r>
+            <a:r>
+              <a:rPr lang="de-DE" sz="1400" dirty="0" err="1"/>
+              <a:t>sowercase</a:t>
+            </a:r>
+            <a:r>
+              <a:rPr lang="de-DE" sz="1400" dirty="0"/>
+              <a:t> und </a:t>
+            </a:r>
+            <a:r>
+              <a:rPr lang="de-DE" sz="1400" dirty="0" err="1"/>
+              <a:t>sanitized</a:t>
+            </a:r>
+            <a:r>
+              <a:rPr lang="de-DE" sz="1400" dirty="0"/>
+              <a:t> als Variable $CI_COMMIT_REF_SLUG </a:t>
+            </a:r>
+          </a:p>
+          <a:p>
+            <a:pPr lvl="1">
+              <a:buFont typeface="Arial" panose="020B0604020202020204" pitchFamily="34" charset="0"/>
+              <a:buChar char="•"/>
+            </a:pPr>
+            <a:endParaRPr lang="de-DE" sz="1400" dirty="0"/>
           </a:p>
         </p:txBody>
       </p:sp>
     </p:spTree>
     <p:extLst>
       <p:ext uri="{BB962C8B-B14F-4D97-AF65-F5344CB8AC3E}">
-        <p14:creationId xmlns:p14="http://schemas.microsoft.com/office/powerpoint/2010/main" val="812820427"/>
+        <p14:creationId xmlns:p14="http://schemas.microsoft.com/office/powerpoint/2010/main" val="979910068"/>
       </p:ext>
     </p:extLst>
   </p:cSld>
@@ -16126,520 +16086,138 @@
               <a:buNone/>
             </a:pPr>
             <a:r>
-              <a:rPr lang="de-DE" sz="2000" b="1" dirty="0">
-                <a:latin typeface="Consolas" panose="020B0609020204030204" pitchFamily="49" charset="0"/>
-              </a:rPr>
-              <a:t>.</a:t>
-            </a:r>
-            <a:r>
-              <a:rPr lang="de-DE" sz="2000" b="1" dirty="0" err="1">
-                <a:latin typeface="Consolas" panose="020B0609020204030204" pitchFamily="49" charset="0"/>
-              </a:rPr>
-              <a:t>gitlab-ci.yml</a:t>
-            </a:r>
-            <a:r>
-              <a:rPr lang="de-DE" sz="2000" b="1" dirty="0">
-                <a:latin typeface="Consolas" panose="020B0609020204030204" pitchFamily="49" charset="0"/>
-              </a:rPr>
-              <a:t> (3/4)</a:t>
-            </a:r>
-          </a:p>
-          <a:p>
-            <a:pPr marL="0" indent="0">
-              <a:buNone/>
-            </a:pPr>
-            <a:r>
-              <a:rPr lang="de-DE" sz="1600" dirty="0">
-                <a:latin typeface="Consolas" panose="020B0609020204030204" pitchFamily="49" charset="0"/>
-              </a:rPr>
-              <a:t>test1:</a:t>
-            </a:r>
-          </a:p>
-          <a:p>
-            <a:pPr marL="0" indent="0">
-              <a:buNone/>
-            </a:pPr>
-            <a:r>
-              <a:rPr lang="de-DE" sz="1600" dirty="0">
-                <a:latin typeface="Consolas" panose="020B0609020204030204" pitchFamily="49" charset="0"/>
-              </a:rPr>
-              <a:t>  </a:t>
-            </a:r>
-            <a:r>
-              <a:rPr lang="de-DE" sz="1600" dirty="0" err="1">
-                <a:latin typeface="Consolas" panose="020B0609020204030204" pitchFamily="49" charset="0"/>
-              </a:rPr>
-              <a:t>stage</a:t>
-            </a:r>
-            <a:r>
-              <a:rPr lang="de-DE" sz="1600" dirty="0">
-                <a:latin typeface="Consolas" panose="020B0609020204030204" pitchFamily="49" charset="0"/>
-              </a:rPr>
-              <a:t>: </a:t>
-            </a:r>
-            <a:r>
-              <a:rPr lang="de-DE" sz="1600" dirty="0" err="1">
-                <a:latin typeface="Consolas" panose="020B0609020204030204" pitchFamily="49" charset="0"/>
-              </a:rPr>
-              <a:t>test</a:t>
-            </a:r>
-            <a:endParaRPr lang="de-DE" sz="1600" dirty="0">
-              <a:latin typeface="Consolas" panose="020B0609020204030204" pitchFamily="49" charset="0"/>
-            </a:endParaRPr>
-          </a:p>
-          <a:p>
-            <a:pPr marL="0" indent="0">
-              <a:buNone/>
-            </a:pPr>
-            <a:r>
-              <a:rPr lang="de-DE" sz="1600" dirty="0">
-                <a:latin typeface="Consolas" panose="020B0609020204030204" pitchFamily="49" charset="0"/>
-              </a:rPr>
-              <a:t>  </a:t>
-            </a:r>
-            <a:r>
-              <a:rPr lang="de-DE" sz="1600" dirty="0" err="1">
-                <a:latin typeface="Consolas" panose="020B0609020204030204" pitchFamily="49" charset="0"/>
-              </a:rPr>
-              <a:t>script</a:t>
-            </a:r>
-            <a:r>
-              <a:rPr lang="de-DE" sz="1600" dirty="0">
-                <a:latin typeface="Consolas" panose="020B0609020204030204" pitchFamily="49" charset="0"/>
-              </a:rPr>
-              <a:t>:</a:t>
-            </a:r>
-          </a:p>
-          <a:p>
-            <a:pPr marL="0" indent="0">
-              <a:buNone/>
-            </a:pPr>
-            <a:r>
-              <a:rPr lang="de-DE" sz="1600" dirty="0">
-                <a:latin typeface="Consolas" panose="020B0609020204030204" pitchFamily="49" charset="0"/>
-              </a:rPr>
-              <a:t>    - </a:t>
-            </a:r>
-            <a:r>
-              <a:rPr lang="de-DE" sz="1600" dirty="0" err="1">
-                <a:latin typeface="Consolas" panose="020B0609020204030204" pitchFamily="49" charset="0"/>
-              </a:rPr>
-              <a:t>docker</a:t>
-            </a:r>
-            <a:r>
-              <a:rPr lang="de-DE" sz="1600" dirty="0">
-                <a:latin typeface="Consolas" panose="020B0609020204030204" pitchFamily="49" charset="0"/>
-              </a:rPr>
-              <a:t> pull $CONTAINER_TEST_IMAGE </a:t>
-            </a:r>
-            <a:r>
-              <a:rPr lang="de-DE" sz="1600" dirty="0">
-                <a:solidFill>
-                  <a:srgbClr val="008C5A"/>
-                </a:solidFill>
-                <a:latin typeface="Consolas" panose="020B0609020204030204" pitchFamily="49" charset="0"/>
-              </a:rPr>
-              <a:t># 2. Von den nachfolgenden Stages (bei Bedarf) </a:t>
-            </a:r>
-            <a:r>
-              <a:rPr lang="de-DE" sz="1600" dirty="0" err="1">
-                <a:solidFill>
-                  <a:srgbClr val="008C5A"/>
-                </a:solidFill>
-                <a:latin typeface="Consolas" panose="020B0609020204030204" pitchFamily="49" charset="0"/>
-              </a:rPr>
+              <a:rPr lang="de-DE" b="1" dirty="0"/>
+              <a:t>Pipeline mit vier Stages (… auf vier Slides </a:t>
+            </a:r>
+            <a:r>
+              <a:rPr lang="de-DE" b="1" dirty="0">
+                <a:sym typeface="Wingdings" panose="05000000000000000000" pitchFamily="2" charset="2"/>
+              </a:rPr>
+              <a:t>)</a:t>
+            </a:r>
+            <a:endParaRPr lang="de-DE" b="1" dirty="0"/>
+          </a:p>
+          <a:p>
+            <a:pPr marL="457200" indent="-457200">
+              <a:buFont typeface="+mj-lt"/>
+              <a:buAutoNum type="arabicPeriod"/>
+            </a:pPr>
+            <a:r>
+              <a:rPr lang="de-DE" dirty="0" err="1"/>
+              <a:t>Build</a:t>
+            </a:r>
+            <a:r>
+              <a:rPr lang="de-DE" dirty="0"/>
+              <a:t> wird in die Container Registry </a:t>
+            </a:r>
+            <a:r>
+              <a:rPr lang="de-DE" dirty="0" err="1"/>
+              <a:t>gepushed</a:t>
+            </a:r>
+            <a:endParaRPr lang="de-DE" dirty="0"/>
+          </a:p>
+          <a:p>
+            <a:pPr marL="457200" indent="-457200">
+              <a:buFont typeface="+mj-lt"/>
+              <a:buAutoNum type="arabicPeriod"/>
+            </a:pPr>
+            <a:r>
+              <a:rPr lang="de-DE" dirty="0"/>
+              <a:t>Von den nachfolgenden Stages (bei Bedarf) </a:t>
+            </a:r>
+            <a:r>
+              <a:rPr lang="de-DE" dirty="0" err="1"/>
               <a:t>gepulled</a:t>
             </a:r>
-            <a:endParaRPr lang="de-DE" sz="1600" dirty="0">
-              <a:solidFill>
-                <a:srgbClr val="008C5A"/>
-              </a:solidFill>
-              <a:latin typeface="Consolas" panose="020B0609020204030204" pitchFamily="49" charset="0"/>
-            </a:endParaRPr>
-          </a:p>
-          <a:p>
-            <a:pPr marL="0" indent="0">
-              <a:buNone/>
-            </a:pPr>
-            <a:r>
-              <a:rPr lang="de-DE" sz="1600" dirty="0">
-                <a:latin typeface="Consolas" panose="020B0609020204030204" pitchFamily="49" charset="0"/>
-              </a:rPr>
-              <a:t>    - </a:t>
-            </a:r>
-            <a:r>
-              <a:rPr lang="de-DE" sz="1600" dirty="0" err="1">
-                <a:latin typeface="Consolas" panose="020B0609020204030204" pitchFamily="49" charset="0"/>
-              </a:rPr>
-              <a:t>docker</a:t>
-            </a:r>
-            <a:r>
-              <a:rPr lang="de-DE" sz="1600" dirty="0">
-                <a:latin typeface="Consolas" panose="020B0609020204030204" pitchFamily="49" charset="0"/>
-              </a:rPr>
+            <a:endParaRPr lang="de-DE" dirty="0"/>
+          </a:p>
+          <a:p>
+            <a:pPr marL="457200" indent="-457200">
+              <a:buFont typeface="+mj-lt"/>
+              <a:buAutoNum type="arabicPeriod"/>
+            </a:pPr>
+            <a:r>
+              <a:rPr lang="de-DE" dirty="0"/>
+              <a:t>Zwei </a:t>
+            </a:r>
+            <a:r>
+              <a:rPr lang="de-DE" dirty="0" err="1"/>
+              <a:t>paralell</a:t>
+            </a:r>
+            <a:r>
+              <a:rPr lang="de-DE" dirty="0"/>
+              <a:t> laufende Tests</a:t>
+            </a:r>
+          </a:p>
+          <a:p>
+            <a:pPr marL="457200" indent="-457200">
+              <a:buFont typeface="+mj-lt"/>
+              <a:buAutoNum type="arabicPeriod"/>
+            </a:pPr>
+            <a:r>
+              <a:rPr lang="de-DE" dirty="0"/>
+              <a:t>Änderungen am </a:t>
+            </a:r>
+            <a:r>
+              <a:rPr lang="de-DE" dirty="0" err="1">
+                <a:latin typeface="Consolas" panose="020B0609020204030204" pitchFamily="49" charset="0"/>
+              </a:rPr>
+              <a:t>main</a:t>
+            </a:r>
+            <a:r>
+              <a:rPr lang="de-DE" dirty="0"/>
+              <a:t> werden als </a:t>
+            </a:r>
+            <a:r>
+              <a:rPr lang="de-DE" dirty="0" err="1">
+                <a:latin typeface="Consolas" panose="020B0609020204030204" pitchFamily="49" charset="0"/>
+              </a:rPr>
+              <a:t>latest</a:t>
+            </a:r>
+            <a:r>
+              <a:rPr lang="de-DE" dirty="0"/>
               <a:t> </a:t>
             </a:r>
             <a:r>
-              <a:rPr lang="de-DE" sz="1600" dirty="0" err="1">
-                <a:latin typeface="Consolas" panose="020B0609020204030204" pitchFamily="49" charset="0"/>
-              </a:rPr>
-              <a:t>run</a:t>
-            </a:r>
-            <a:r>
-              <a:rPr lang="de-DE" sz="1600" dirty="0">
-                <a:latin typeface="Consolas" panose="020B0609020204030204" pitchFamily="49" charset="0"/>
-              </a:rPr>
-              <a:t> $CONTAINER_TEST_IMAGE /</a:t>
-            </a:r>
-            <a:r>
-              <a:rPr lang="de-DE" sz="1600" dirty="0" err="1">
-                <a:latin typeface="Consolas" panose="020B0609020204030204" pitchFamily="49" charset="0"/>
-              </a:rPr>
-              <a:t>script</a:t>
-            </a:r>
-            <a:r>
-              <a:rPr lang="de-DE" sz="1600" dirty="0">
-                <a:latin typeface="Consolas" panose="020B0609020204030204" pitchFamily="49" charset="0"/>
-              </a:rPr>
-              <a:t>/</a:t>
-            </a:r>
-            <a:r>
-              <a:rPr lang="de-DE" sz="1600" dirty="0" err="1">
-                <a:latin typeface="Consolas" panose="020B0609020204030204" pitchFamily="49" charset="0"/>
-              </a:rPr>
-              <a:t>to</a:t>
-            </a:r>
-            <a:r>
-              <a:rPr lang="de-DE" sz="1600" dirty="0">
-                <a:latin typeface="Consolas" panose="020B0609020204030204" pitchFamily="49" charset="0"/>
-              </a:rPr>
-              <a:t>/</a:t>
-            </a:r>
-            <a:r>
-              <a:rPr lang="de-DE" sz="1600" dirty="0" err="1">
-                <a:latin typeface="Consolas" panose="020B0609020204030204" pitchFamily="49" charset="0"/>
-              </a:rPr>
-              <a:t>run</a:t>
-            </a:r>
-            <a:r>
-              <a:rPr lang="de-DE" sz="1600" dirty="0">
-                <a:latin typeface="Consolas" panose="020B0609020204030204" pitchFamily="49" charset="0"/>
-              </a:rPr>
-              <a:t>/</a:t>
-            </a:r>
-            <a:r>
-              <a:rPr lang="de-DE" sz="1600" dirty="0" err="1">
-                <a:latin typeface="Consolas" panose="020B0609020204030204" pitchFamily="49" charset="0"/>
-              </a:rPr>
-              <a:t>tests</a:t>
-            </a:r>
-            <a:r>
-              <a:rPr lang="de-DE" sz="1600" dirty="0">
-                <a:latin typeface="Consolas" panose="020B0609020204030204" pitchFamily="49" charset="0"/>
-              </a:rPr>
-              <a:t> </a:t>
-            </a:r>
-            <a:r>
-              <a:rPr lang="de-DE" sz="1600" dirty="0">
-                <a:solidFill>
-                  <a:srgbClr val="008C5A"/>
-                </a:solidFill>
-                <a:latin typeface="Consolas" panose="020B0609020204030204" pitchFamily="49" charset="0"/>
-              </a:rPr>
-              <a:t># 3. Zwei </a:t>
-            </a:r>
-            <a:r>
-              <a:rPr lang="de-DE" sz="1600" dirty="0" err="1">
-                <a:solidFill>
-                  <a:srgbClr val="008C5A"/>
-                </a:solidFill>
-                <a:latin typeface="Consolas" panose="020B0609020204030204" pitchFamily="49" charset="0"/>
-              </a:rPr>
-              <a:t>paralell</a:t>
-            </a:r>
-            <a:r>
-              <a:rPr lang="de-DE" sz="1600" dirty="0">
-                <a:solidFill>
-                  <a:srgbClr val="008C5A"/>
-                </a:solidFill>
-                <a:latin typeface="Consolas" panose="020B0609020204030204" pitchFamily="49" charset="0"/>
-              </a:rPr>
-              <a:t> laufende Tests</a:t>
-            </a:r>
-          </a:p>
-          <a:p>
-            <a:pPr marL="0" indent="0">
-              <a:buNone/>
-            </a:pPr>
-            <a:endParaRPr lang="de-DE" sz="1600" dirty="0">
-              <a:latin typeface="Consolas" panose="020B0609020204030204" pitchFamily="49" charset="0"/>
-            </a:endParaRPr>
-          </a:p>
-          <a:p>
-            <a:pPr marL="0" indent="0">
-              <a:buNone/>
-            </a:pPr>
-            <a:r>
-              <a:rPr lang="de-DE" sz="1600" dirty="0">
-                <a:latin typeface="Consolas" panose="020B0609020204030204" pitchFamily="49" charset="0"/>
-              </a:rPr>
-              <a:t>test2:</a:t>
-            </a:r>
-          </a:p>
-          <a:p>
-            <a:pPr marL="0" indent="0">
-              <a:buNone/>
-            </a:pPr>
-            <a:r>
-              <a:rPr lang="de-DE" sz="1600" dirty="0">
-                <a:latin typeface="Consolas" panose="020B0609020204030204" pitchFamily="49" charset="0"/>
-              </a:rPr>
-              <a:t>  </a:t>
-            </a:r>
-            <a:r>
-              <a:rPr lang="de-DE" sz="1600" dirty="0" err="1">
-                <a:latin typeface="Consolas" panose="020B0609020204030204" pitchFamily="49" charset="0"/>
-              </a:rPr>
-              <a:t>stage</a:t>
-            </a:r>
-            <a:r>
-              <a:rPr lang="de-DE" sz="1600" dirty="0">
-                <a:latin typeface="Consolas" panose="020B0609020204030204" pitchFamily="49" charset="0"/>
-              </a:rPr>
-              <a:t>: </a:t>
-            </a:r>
-            <a:r>
-              <a:rPr lang="de-DE" sz="1600" dirty="0" err="1">
-                <a:latin typeface="Consolas" panose="020B0609020204030204" pitchFamily="49" charset="0"/>
-              </a:rPr>
-              <a:t>test</a:t>
-            </a:r>
-            <a:endParaRPr lang="de-DE" sz="1600" dirty="0">
-              <a:latin typeface="Consolas" panose="020B0609020204030204" pitchFamily="49" charset="0"/>
-            </a:endParaRPr>
-          </a:p>
-          <a:p>
-            <a:pPr marL="0" indent="0">
-              <a:buNone/>
-            </a:pPr>
-            <a:r>
-              <a:rPr lang="de-DE" sz="1600" dirty="0">
-                <a:latin typeface="Consolas" panose="020B0609020204030204" pitchFamily="49" charset="0"/>
-              </a:rPr>
-              <a:t>  </a:t>
-            </a:r>
-            <a:r>
-              <a:rPr lang="de-DE" sz="1600" dirty="0" err="1">
-                <a:latin typeface="Consolas" panose="020B0609020204030204" pitchFamily="49" charset="0"/>
-              </a:rPr>
-              <a:t>script</a:t>
-            </a:r>
-            <a:r>
-              <a:rPr lang="de-DE" sz="1600" dirty="0">
-                <a:latin typeface="Consolas" panose="020B0609020204030204" pitchFamily="49" charset="0"/>
-              </a:rPr>
-              <a:t>:</a:t>
-            </a:r>
-          </a:p>
-          <a:p>
-            <a:pPr marL="0" indent="0">
-              <a:buNone/>
-            </a:pPr>
-            <a:r>
-              <a:rPr lang="de-DE" sz="1600" dirty="0">
-                <a:latin typeface="Consolas" panose="020B0609020204030204" pitchFamily="49" charset="0"/>
-              </a:rPr>
-              <a:t>    - </a:t>
-            </a:r>
-            <a:r>
-              <a:rPr lang="de-DE" sz="1600" dirty="0" err="1">
-                <a:latin typeface="Consolas" panose="020B0609020204030204" pitchFamily="49" charset="0"/>
-              </a:rPr>
-              <a:t>docker</a:t>
-            </a:r>
-            <a:r>
-              <a:rPr lang="de-DE" sz="1600" dirty="0">
-                <a:latin typeface="Consolas" panose="020B0609020204030204" pitchFamily="49" charset="0"/>
-              </a:rPr>
-              <a:t> pull $CONTAINER_TEST_IMAGE </a:t>
-            </a:r>
-            <a:r>
-              <a:rPr lang="de-DE" sz="1600" dirty="0">
-                <a:solidFill>
-                  <a:srgbClr val="008C5A"/>
-                </a:solidFill>
-                <a:latin typeface="Consolas" panose="020B0609020204030204" pitchFamily="49" charset="0"/>
-              </a:rPr>
-              <a:t># 2. Von den nachfolgenden Stages (bei Bedarf) </a:t>
-            </a:r>
-            <a:r>
-              <a:rPr lang="de-DE" sz="1600" dirty="0" err="1">
-                <a:solidFill>
-                  <a:srgbClr val="008C5A"/>
-                </a:solidFill>
-                <a:latin typeface="Consolas" panose="020B0609020204030204" pitchFamily="49" charset="0"/>
-              </a:rPr>
-              <a:t>gepulled</a:t>
-            </a:r>
-            <a:endParaRPr lang="de-DE" sz="1600" dirty="0">
-              <a:solidFill>
-                <a:srgbClr val="008C5A"/>
-              </a:solidFill>
-              <a:latin typeface="Consolas" panose="020B0609020204030204" pitchFamily="49" charset="0"/>
-            </a:endParaRPr>
-          </a:p>
-          <a:p>
-            <a:pPr marL="0" indent="0">
-              <a:buNone/>
-            </a:pPr>
-            <a:r>
-              <a:rPr lang="de-DE" sz="1600" dirty="0">
-                <a:latin typeface="Consolas" panose="020B0609020204030204" pitchFamily="49" charset="0"/>
-              </a:rPr>
-              <a:t>    - </a:t>
-            </a:r>
-            <a:r>
-              <a:rPr lang="de-DE" sz="1600" dirty="0" err="1">
-                <a:latin typeface="Consolas" panose="020B0609020204030204" pitchFamily="49" charset="0"/>
-              </a:rPr>
-              <a:t>docker</a:t>
-            </a:r>
-            <a:r>
-              <a:rPr lang="de-DE" sz="1600" dirty="0">
-                <a:latin typeface="Consolas" panose="020B0609020204030204" pitchFamily="49" charset="0"/>
-              </a:rPr>
-              <a:t> </a:t>
-            </a:r>
-            <a:r>
-              <a:rPr lang="de-DE" sz="1600" dirty="0" err="1">
-                <a:latin typeface="Consolas" panose="020B0609020204030204" pitchFamily="49" charset="0"/>
-              </a:rPr>
-              <a:t>run</a:t>
-            </a:r>
-            <a:r>
-              <a:rPr lang="de-DE" sz="1600" dirty="0">
-                <a:latin typeface="Consolas" panose="020B0609020204030204" pitchFamily="49" charset="0"/>
-              </a:rPr>
-              <a:t> $CONTAINER_TEST_IMAGE /</a:t>
-            </a:r>
-            <a:r>
-              <a:rPr lang="de-DE" sz="1600" dirty="0" err="1">
-                <a:latin typeface="Consolas" panose="020B0609020204030204" pitchFamily="49" charset="0"/>
-              </a:rPr>
-              <a:t>script</a:t>
-            </a:r>
-            <a:r>
-              <a:rPr lang="de-DE" sz="1600" dirty="0">
-                <a:latin typeface="Consolas" panose="020B0609020204030204" pitchFamily="49" charset="0"/>
-              </a:rPr>
-              <a:t>/</a:t>
-            </a:r>
-            <a:r>
-              <a:rPr lang="de-DE" sz="1600" dirty="0" err="1">
-                <a:latin typeface="Consolas" panose="020B0609020204030204" pitchFamily="49" charset="0"/>
-              </a:rPr>
-              <a:t>to</a:t>
-            </a:r>
-            <a:r>
-              <a:rPr lang="de-DE" sz="1600" dirty="0">
-                <a:latin typeface="Consolas" panose="020B0609020204030204" pitchFamily="49" charset="0"/>
-              </a:rPr>
-              <a:t>/</a:t>
-            </a:r>
-            <a:r>
-              <a:rPr lang="de-DE" sz="1600" dirty="0" err="1">
-                <a:latin typeface="Consolas" panose="020B0609020204030204" pitchFamily="49" charset="0"/>
-              </a:rPr>
-              <a:t>run</a:t>
-            </a:r>
-            <a:r>
-              <a:rPr lang="de-DE" sz="1600" dirty="0">
-                <a:latin typeface="Consolas" panose="020B0609020204030204" pitchFamily="49" charset="0"/>
-              </a:rPr>
-              <a:t>/</a:t>
-            </a:r>
-            <a:r>
-              <a:rPr lang="de-DE" sz="1600" dirty="0" err="1">
-                <a:latin typeface="Consolas" panose="020B0609020204030204" pitchFamily="49" charset="0"/>
-              </a:rPr>
-              <a:t>another</a:t>
-            </a:r>
-            <a:r>
-              <a:rPr lang="de-DE" sz="1600" dirty="0">
-                <a:latin typeface="Consolas" panose="020B0609020204030204" pitchFamily="49" charset="0"/>
-              </a:rPr>
-              <a:t>/</a:t>
-            </a:r>
-            <a:r>
-              <a:rPr lang="de-DE" sz="1600" dirty="0" err="1">
-                <a:latin typeface="Consolas" panose="020B0609020204030204" pitchFamily="49" charset="0"/>
-              </a:rPr>
-              <a:t>test</a:t>
-            </a:r>
-            <a:r>
-              <a:rPr lang="de-DE" sz="1600" dirty="0">
-                <a:latin typeface="Consolas" panose="020B0609020204030204" pitchFamily="49" charset="0"/>
-              </a:rPr>
-              <a:t> </a:t>
-            </a:r>
-            <a:r>
-              <a:rPr lang="de-DE" sz="1600" dirty="0">
-                <a:solidFill>
-                  <a:srgbClr val="008C5A"/>
-                </a:solidFill>
-                <a:latin typeface="Consolas" panose="020B0609020204030204" pitchFamily="49" charset="0"/>
-              </a:rPr>
-              <a:t># 3. Zwei </a:t>
-            </a:r>
-            <a:r>
-              <a:rPr lang="de-DE" sz="1600" dirty="0" err="1">
-                <a:solidFill>
-                  <a:srgbClr val="008C5A"/>
-                </a:solidFill>
-                <a:latin typeface="Consolas" panose="020B0609020204030204" pitchFamily="49" charset="0"/>
-              </a:rPr>
-              <a:t>paralell</a:t>
-            </a:r>
-            <a:r>
-              <a:rPr lang="de-DE" sz="1600" dirty="0">
-                <a:solidFill>
-                  <a:srgbClr val="008C5A"/>
-                </a:solidFill>
-                <a:latin typeface="Consolas" panose="020B0609020204030204" pitchFamily="49" charset="0"/>
-              </a:rPr>
-              <a:t> laufende Tests</a:t>
-            </a:r>
-          </a:p>
-          <a:p>
-            <a:pPr marL="0" indent="0">
-              <a:buNone/>
-            </a:pPr>
-            <a:endParaRPr lang="de-DE" sz="1600" dirty="0">
-              <a:latin typeface="Consolas" panose="020B0609020204030204" pitchFamily="49" charset="0"/>
-            </a:endParaRPr>
-          </a:p>
-          <a:p>
-            <a:pPr marL="0" indent="0">
-              <a:buNone/>
-            </a:pPr>
-            <a:endParaRPr lang="de-DE" sz="1600" dirty="0">
-              <a:latin typeface="Consolas" panose="020B0609020204030204" pitchFamily="49" charset="0"/>
-            </a:endParaRPr>
-          </a:p>
-          <a:p>
-            <a:pPr marL="0" indent="0">
-              <a:buNone/>
-            </a:pPr>
-            <a:endParaRPr lang="de-DE" sz="1600" dirty="0">
-              <a:latin typeface="Consolas" panose="020B0609020204030204" pitchFamily="49" charset="0"/>
-            </a:endParaRPr>
+              <a:rPr lang="de-DE" dirty="0" err="1"/>
+              <a:t>getagged</a:t>
+            </a:r>
+            <a:endParaRPr lang="de-DE" dirty="0"/>
+          </a:p>
+          <a:p>
+            <a:pPr marL="457200" indent="-457200">
+              <a:buFont typeface="+mj-lt"/>
+              <a:buAutoNum type="arabicPeriod"/>
+            </a:pPr>
+            <a:r>
+              <a:rPr lang="de-DE" dirty="0" err="1"/>
+              <a:t>Deployment</a:t>
+            </a:r>
+            <a:r>
+              <a:rPr lang="de-DE" dirty="0"/>
+              <a:t> über anwendungs-spezifisches Deploy-Skript</a:t>
+            </a:r>
+          </a:p>
+          <a:p>
+            <a:pPr>
+              <a:buFont typeface="Arial" panose="020B0604020202020204" pitchFamily="34" charset="0"/>
+              <a:buChar char="•"/>
+            </a:pPr>
+            <a:endParaRPr lang="de-DE" dirty="0"/>
+          </a:p>
+          <a:p>
+            <a:pPr>
+              <a:buFont typeface="Arial" panose="020B0604020202020204" pitchFamily="34" charset="0"/>
+              <a:buChar char="•"/>
+            </a:pPr>
+            <a:endParaRPr lang="de-DE" dirty="0"/>
           </a:p>
         </p:txBody>
       </p:sp>
     </p:spTree>
     <p:extLst>
       <p:ext uri="{BB962C8B-B14F-4D97-AF65-F5344CB8AC3E}">
-        <p14:creationId xmlns:p14="http://schemas.microsoft.com/office/powerpoint/2010/main" val="3546609096"/>
+        <p14:creationId xmlns:p14="http://schemas.microsoft.com/office/powerpoint/2010/main" val="4283580811"/>
       </p:ext>
     </p:extLst>
   </p:cSld>
@@ -16743,7 +16321,7 @@
               <a:rPr lang="de-DE" sz="2000" b="1" dirty="0">
                 <a:latin typeface="Consolas" panose="020B0609020204030204" pitchFamily="49" charset="0"/>
               </a:rPr>
-              <a:t> (4/4)</a:t>
+              <a:t> (1/4)</a:t>
             </a:r>
           </a:p>
           <a:p>
@@ -16751,10 +16329,16 @@
               <a:buNone/>
             </a:pPr>
             <a:r>
-              <a:rPr lang="de-DE" sz="1400" dirty="0">
-                <a:latin typeface="Consolas" panose="020B0609020204030204" pitchFamily="49" charset="0"/>
-              </a:rPr>
-              <a:t>release-image:</a:t>
+              <a:rPr lang="de-DE" sz="1800" dirty="0" err="1">
+                <a:latin typeface="Consolas" panose="020B0609020204030204" pitchFamily="49" charset="0"/>
+              </a:rPr>
+              <a:t>default</a:t>
+            </a:r>
+            <a:r>
+              <a:rPr lang="de-DE" sz="1800" dirty="0">
+                <a:latin typeface="Consolas" panose="020B0609020204030204" pitchFamily="49" charset="0"/>
+              </a:rPr>
+              <a:t>:</a:t>
             </a:r>
           </a:p>
           <a:p>
@@ -16762,22 +16346,22 @@
               <a:buNone/>
             </a:pPr>
             <a:r>
-              <a:rPr lang="de-DE" sz="1400" dirty="0">
+              <a:rPr lang="de-DE" sz="1800" dirty="0">
                 <a:latin typeface="Consolas" panose="020B0609020204030204" pitchFamily="49" charset="0"/>
               </a:rPr>
               <a:t>  </a:t>
             </a:r>
             <a:r>
-              <a:rPr lang="de-DE" sz="1400" dirty="0" err="1">
-                <a:latin typeface="Consolas" panose="020B0609020204030204" pitchFamily="49" charset="0"/>
-              </a:rPr>
-              <a:t>stage</a:t>
-            </a:r>
-            <a:r>
-              <a:rPr lang="de-DE" sz="1400" dirty="0">
-                <a:latin typeface="Consolas" panose="020B0609020204030204" pitchFamily="49" charset="0"/>
-              </a:rPr>
-              <a:t>: release</a:t>
+              <a:rPr lang="de-DE" sz="1800" dirty="0" err="1">
+                <a:latin typeface="Consolas" panose="020B0609020204030204" pitchFamily="49" charset="0"/>
+              </a:rPr>
+              <a:t>image</a:t>
+            </a:r>
+            <a:r>
+              <a:rPr lang="de-DE" sz="1800" dirty="0">
+                <a:latin typeface="Consolas" panose="020B0609020204030204" pitchFamily="49" charset="0"/>
+              </a:rPr>
+              <a:t>: docker:20.10.16</a:t>
             </a:r>
           </a:p>
           <a:p>
@@ -16785,19 +16369,19 @@
               <a:buNone/>
             </a:pPr>
             <a:r>
-              <a:rPr lang="de-DE" sz="1400" dirty="0">
+              <a:rPr lang="de-DE" sz="1800" dirty="0">
                 <a:latin typeface="Consolas" panose="020B0609020204030204" pitchFamily="49" charset="0"/>
               </a:rPr>
               <a:t>  </a:t>
             </a:r>
             <a:r>
-              <a:rPr lang="de-DE" sz="1400" dirty="0" err="1">
-                <a:latin typeface="Consolas" panose="020B0609020204030204" pitchFamily="49" charset="0"/>
-              </a:rPr>
-              <a:t>script</a:t>
-            </a:r>
-            <a:r>
-              <a:rPr lang="de-DE" sz="1400" dirty="0">
+              <a:rPr lang="de-DE" sz="1800" dirty="0" err="1">
+                <a:latin typeface="Consolas" panose="020B0609020204030204" pitchFamily="49" charset="0"/>
+              </a:rPr>
+              <a:t>services</a:t>
+            </a:r>
+            <a:r>
+              <a:rPr lang="de-DE" sz="1800" dirty="0">
                 <a:latin typeface="Consolas" panose="020B0609020204030204" pitchFamily="49" charset="0"/>
               </a:rPr>
               <a:t>:</a:t>
@@ -16808,45 +16392,75 @@
               <a:buNone/>
             </a:pPr>
             <a:r>
-              <a:rPr lang="de-DE" sz="1400" dirty="0">
+              <a:rPr lang="de-DE" sz="1800" dirty="0">
+                <a:latin typeface="Consolas" panose="020B0609020204030204" pitchFamily="49" charset="0"/>
+              </a:rPr>
+              <a:t>    - docker:20.10.16-dind</a:t>
+            </a:r>
+          </a:p>
+          <a:p>
+            <a:pPr marL="0" indent="0">
+              <a:buNone/>
+            </a:pPr>
+            <a:r>
+              <a:rPr lang="de-DE" sz="1800" dirty="0">
+                <a:latin typeface="Consolas" panose="020B0609020204030204" pitchFamily="49" charset="0"/>
+              </a:rPr>
+              <a:t>  </a:t>
+            </a:r>
+            <a:r>
+              <a:rPr lang="de-DE" sz="1800" dirty="0" err="1">
+                <a:latin typeface="Consolas" panose="020B0609020204030204" pitchFamily="49" charset="0"/>
+              </a:rPr>
+              <a:t>before_script</a:t>
+            </a:r>
+            <a:r>
+              <a:rPr lang="de-DE" sz="1800" dirty="0">
+                <a:latin typeface="Consolas" panose="020B0609020204030204" pitchFamily="49" charset="0"/>
+              </a:rPr>
+              <a:t>:</a:t>
+            </a:r>
+          </a:p>
+          <a:p>
+            <a:pPr marL="0" indent="0">
+              <a:buNone/>
+            </a:pPr>
+            <a:r>
+              <a:rPr lang="de-DE" sz="1800" dirty="0">
                 <a:latin typeface="Consolas" panose="020B0609020204030204" pitchFamily="49" charset="0"/>
               </a:rPr>
               <a:t>    - </a:t>
             </a:r>
             <a:r>
-              <a:rPr lang="de-DE" sz="1400" dirty="0" err="1">
+              <a:rPr lang="de-DE" sz="1800" dirty="0" err="1">
                 <a:latin typeface="Consolas" panose="020B0609020204030204" pitchFamily="49" charset="0"/>
               </a:rPr>
               <a:t>docker</a:t>
             </a:r>
             <a:r>
-              <a:rPr lang="de-DE" sz="1400" dirty="0">
-                <a:latin typeface="Consolas" panose="020B0609020204030204" pitchFamily="49" charset="0"/>
-              </a:rPr>
-              <a:t> pull $CONTAINER_TEST_IMAGE </a:t>
-            </a:r>
-            <a:r>
-              <a:rPr lang="de-DE" sz="1400" dirty="0">
-                <a:solidFill>
-                  <a:srgbClr val="008C5A"/>
-                </a:solidFill>
-                <a:latin typeface="Consolas" panose="020B0609020204030204" pitchFamily="49" charset="0"/>
-              </a:rPr>
-              <a:t># 2. Von den nachfolgenden Stages (bei Bedarf) </a:t>
-            </a:r>
-            <a:r>
-              <a:rPr lang="de-DE" sz="1400" dirty="0" err="1">
-                <a:solidFill>
-                  <a:srgbClr val="008C5A"/>
-                </a:solidFill>
-                <a:latin typeface="Consolas" panose="020B0609020204030204" pitchFamily="49" charset="0"/>
-              </a:rPr>
-              <a:t>gepulled</a:t>
-            </a:r>
-            <a:endParaRPr lang="de-DE" sz="1400" dirty="0">
-              <a:solidFill>
-                <a:srgbClr val="008C5A"/>
-              </a:solidFill>
+              <a:rPr lang="de-DE" sz="1800" dirty="0">
+                <a:latin typeface="Consolas" panose="020B0609020204030204" pitchFamily="49" charset="0"/>
+              </a:rPr>
+              <a:t> </a:t>
+            </a:r>
+            <a:r>
+              <a:rPr lang="de-DE" sz="1800" dirty="0" err="1">
+                <a:latin typeface="Consolas" panose="020B0609020204030204" pitchFamily="49" charset="0"/>
+              </a:rPr>
+              <a:t>login</a:t>
+            </a:r>
+            <a:r>
+              <a:rPr lang="de-DE" sz="1800" dirty="0">
+                <a:latin typeface="Consolas" panose="020B0609020204030204" pitchFamily="49" charset="0"/>
+              </a:rPr>
+              <a:t> -u $CI_REGISTRY_USER -p $CI_REGISTRY_PASSWORD $CI_REGISTRY</a:t>
+            </a:r>
+          </a:p>
+          <a:p>
+            <a:pPr marL="0" indent="0">
+              <a:buNone/>
+            </a:pPr>
+            <a:endParaRPr lang="de-DE" sz="1800" dirty="0">
               <a:latin typeface="Consolas" panose="020B0609020204030204" pitchFamily="49" charset="0"/>
             </a:endParaRPr>
           </a:p>
@@ -16855,81 +16469,35 @@
               <a:buNone/>
             </a:pPr>
             <a:r>
-              <a:rPr lang="de-DE" sz="1400" dirty="0">
-                <a:latin typeface="Consolas" panose="020B0609020204030204" pitchFamily="49" charset="0"/>
-              </a:rPr>
-              <a:t>    - </a:t>
-            </a:r>
-            <a:r>
-              <a:rPr lang="de-DE" sz="1400" dirty="0" err="1">
-                <a:latin typeface="Consolas" panose="020B0609020204030204" pitchFamily="49" charset="0"/>
-              </a:rPr>
-              <a:t>docker</a:t>
-            </a:r>
-            <a:r>
-              <a:rPr lang="de-DE" sz="1400" dirty="0">
-                <a:latin typeface="Consolas" panose="020B0609020204030204" pitchFamily="49" charset="0"/>
-              </a:rPr>
-              <a:t> tag $CONTAINER_TEST_IMAGE $CONTAINER_RELEASE_IMAGE </a:t>
-            </a:r>
-            <a:r>
-              <a:rPr lang="de-DE" sz="1400" dirty="0">
-                <a:solidFill>
-                  <a:srgbClr val="008C5A"/>
-                </a:solidFill>
-                <a:latin typeface="Consolas" panose="020B0609020204030204" pitchFamily="49" charset="0"/>
-              </a:rPr>
-              <a:t># 4. Änderungen am </a:t>
-            </a:r>
-            <a:r>
-              <a:rPr lang="de-DE" sz="1400" dirty="0" err="1">
-                <a:solidFill>
-                  <a:srgbClr val="008C5A"/>
-                </a:solidFill>
-                <a:latin typeface="Consolas" panose="020B0609020204030204" pitchFamily="49" charset="0"/>
-              </a:rPr>
-              <a:t>main</a:t>
-            </a:r>
-            <a:r>
-              <a:rPr lang="de-DE" sz="1400" dirty="0">
-                <a:solidFill>
-                  <a:srgbClr val="008C5A"/>
-                </a:solidFill>
-                <a:latin typeface="Consolas" panose="020B0609020204030204" pitchFamily="49" charset="0"/>
-              </a:rPr>
-              <a:t> werden als </a:t>
-            </a:r>
-            <a:r>
-              <a:rPr lang="de-DE" sz="1400" dirty="0" err="1">
-                <a:solidFill>
-                  <a:srgbClr val="008C5A"/>
-                </a:solidFill>
-                <a:latin typeface="Consolas" panose="020B0609020204030204" pitchFamily="49" charset="0"/>
-              </a:rPr>
-              <a:t>latest</a:t>
-            </a:r>
-            <a:r>
-              <a:rPr lang="de-DE" sz="1400" dirty="0">
-                <a:solidFill>
-                  <a:srgbClr val="008C5A"/>
-                </a:solidFill>
-                <a:latin typeface="Consolas" panose="020B0609020204030204" pitchFamily="49" charset="0"/>
-              </a:rPr>
-              <a:t> </a:t>
-            </a:r>
-            <a:r>
-              <a:rPr lang="de-DE" sz="1400" dirty="0" err="1">
-                <a:solidFill>
-                  <a:srgbClr val="008C5A"/>
-                </a:solidFill>
-                <a:latin typeface="Consolas" panose="020B0609020204030204" pitchFamily="49" charset="0"/>
-              </a:rPr>
-              <a:t>getagged</a:t>
-            </a:r>
-            <a:endParaRPr lang="de-DE" sz="1400" dirty="0">
-              <a:solidFill>
-                <a:srgbClr val="008C5A"/>
-              </a:solidFill>
+              <a:rPr lang="de-DE" sz="1800" dirty="0" err="1">
+                <a:latin typeface="Consolas" panose="020B0609020204030204" pitchFamily="49" charset="0"/>
+              </a:rPr>
+              <a:t>stages</a:t>
+            </a:r>
+            <a:r>
+              <a:rPr lang="de-DE" sz="1800" dirty="0">
+                <a:latin typeface="Consolas" panose="020B0609020204030204" pitchFamily="49" charset="0"/>
+              </a:rPr>
+              <a:t>: # Vier Stages</a:t>
+            </a:r>
+          </a:p>
+          <a:p>
+            <a:pPr marL="0" indent="0">
+              <a:buNone/>
+            </a:pPr>
+            <a:r>
+              <a:rPr lang="de-DE" sz="1800" dirty="0">
+                <a:latin typeface="Consolas" panose="020B0609020204030204" pitchFamily="49" charset="0"/>
+              </a:rPr>
+              <a:t>  - </a:t>
+            </a:r>
+            <a:r>
+              <a:rPr lang="de-DE" sz="1800" dirty="0" err="1">
+                <a:latin typeface="Consolas" panose="020B0609020204030204" pitchFamily="49" charset="0"/>
+              </a:rPr>
+              <a:t>build</a:t>
+            </a:r>
+            <a:endParaRPr lang="de-DE" sz="1800" dirty="0">
               <a:latin typeface="Consolas" panose="020B0609020204030204" pitchFamily="49" charset="0"/>
             </a:endParaRPr>
           </a:p>
@@ -16938,45 +16506,30 @@
               <a:buNone/>
             </a:pPr>
             <a:r>
-              <a:rPr lang="de-DE" sz="1400" dirty="0">
-                <a:latin typeface="Consolas" panose="020B0609020204030204" pitchFamily="49" charset="0"/>
-              </a:rPr>
-              <a:t>    - </a:t>
-            </a:r>
-            <a:r>
-              <a:rPr lang="de-DE" sz="1400" dirty="0" err="1">
-                <a:latin typeface="Consolas" panose="020B0609020204030204" pitchFamily="49" charset="0"/>
-              </a:rPr>
-              <a:t>docker</a:t>
-            </a:r>
-            <a:r>
-              <a:rPr lang="de-DE" sz="1400" dirty="0">
-                <a:latin typeface="Consolas" panose="020B0609020204030204" pitchFamily="49" charset="0"/>
-              </a:rPr>
-              <a:t> push $CONTAINER_RELEASE_IMAGE</a:t>
-            </a:r>
+              <a:rPr lang="de-DE" sz="1800" dirty="0">
+                <a:latin typeface="Consolas" panose="020B0609020204030204" pitchFamily="49" charset="0"/>
+              </a:rPr>
+              <a:t>  - </a:t>
+            </a:r>
+            <a:r>
+              <a:rPr lang="de-DE" sz="1800" dirty="0" err="1">
+                <a:latin typeface="Consolas" panose="020B0609020204030204" pitchFamily="49" charset="0"/>
+              </a:rPr>
+              <a:t>test</a:t>
+            </a:r>
+            <a:endParaRPr lang="de-DE" sz="1800" dirty="0">
+              <a:latin typeface="Consolas" panose="020B0609020204030204" pitchFamily="49" charset="0"/>
+            </a:endParaRPr>
           </a:p>
           <a:p>
             <a:pPr marL="0" indent="0">
               <a:buNone/>
             </a:pPr>
             <a:r>
-              <a:rPr lang="de-DE" sz="1400" dirty="0">
-                <a:latin typeface="Consolas" panose="020B0609020204030204" pitchFamily="49" charset="0"/>
-              </a:rPr>
-              <a:t>  </a:t>
-            </a:r>
-            <a:r>
-              <a:rPr lang="de-DE" sz="1400" dirty="0" err="1">
-                <a:latin typeface="Consolas" panose="020B0609020204030204" pitchFamily="49" charset="0"/>
-              </a:rPr>
-              <a:t>only</a:t>
-            </a:r>
-            <a:r>
-              <a:rPr lang="de-DE" sz="1400" dirty="0">
-                <a:latin typeface="Consolas" panose="020B0609020204030204" pitchFamily="49" charset="0"/>
-              </a:rPr>
-              <a:t>:</a:t>
+              <a:rPr lang="de-DE" sz="1800" dirty="0">
+                <a:latin typeface="Consolas" panose="020B0609020204030204" pitchFamily="49" charset="0"/>
+              </a:rPr>
+              <a:t>  - release</a:t>
             </a:r>
           </a:p>
           <a:p>
@@ -16984,211 +16537,11 @@
               <a:buNone/>
             </a:pPr>
             <a:r>
-              <a:rPr lang="de-DE" sz="1400" dirty="0">
-                <a:latin typeface="Consolas" panose="020B0609020204030204" pitchFamily="49" charset="0"/>
-              </a:rPr>
-              <a:t>    - </a:t>
-            </a:r>
-            <a:r>
-              <a:rPr lang="de-DE" sz="1400" dirty="0" err="1">
-                <a:latin typeface="Consolas" panose="020B0609020204030204" pitchFamily="49" charset="0"/>
-              </a:rPr>
-              <a:t>main</a:t>
-            </a:r>
-            <a:endParaRPr lang="de-DE" sz="1400" dirty="0">
-              <a:latin typeface="Consolas" panose="020B0609020204030204" pitchFamily="49" charset="0"/>
-            </a:endParaRPr>
-          </a:p>
-          <a:p>
-            <a:pPr marL="0" indent="0">
-              <a:buNone/>
-            </a:pPr>
-            <a:endParaRPr lang="de-DE" sz="1400" dirty="0">
-              <a:latin typeface="Consolas" panose="020B0609020204030204" pitchFamily="49" charset="0"/>
-            </a:endParaRPr>
-          </a:p>
-          <a:p>
-            <a:pPr marL="0" indent="0">
-              <a:buNone/>
-            </a:pPr>
-            <a:r>
-              <a:rPr lang="de-DE" sz="1400" dirty="0">
-                <a:solidFill>
-                  <a:srgbClr val="008C5A"/>
-                </a:solidFill>
-                <a:latin typeface="Consolas" panose="020B0609020204030204" pitchFamily="49" charset="0"/>
-              </a:rPr>
-              <a:t># 5. </a:t>
-            </a:r>
-            <a:r>
-              <a:rPr lang="de-DE" sz="1400" dirty="0" err="1">
-                <a:solidFill>
-                  <a:srgbClr val="008C5A"/>
-                </a:solidFill>
-                <a:latin typeface="Consolas" panose="020B0609020204030204" pitchFamily="49" charset="0"/>
-              </a:rPr>
-              <a:t>Deployment</a:t>
-            </a:r>
-            <a:r>
-              <a:rPr lang="de-DE" sz="1400" dirty="0">
-                <a:solidFill>
-                  <a:srgbClr val="008C5A"/>
-                </a:solidFill>
-                <a:latin typeface="Consolas" panose="020B0609020204030204" pitchFamily="49" charset="0"/>
-              </a:rPr>
-              <a:t> über anwendungs-spezifisches Deploy-Skript</a:t>
-            </a:r>
-          </a:p>
-          <a:p>
-            <a:pPr marL="0" indent="0">
-              <a:buNone/>
-            </a:pPr>
-            <a:r>
-              <a:rPr lang="de-DE" sz="1400" dirty="0">
-                <a:latin typeface="Consolas" panose="020B0609020204030204" pitchFamily="49" charset="0"/>
-              </a:rPr>
-              <a:t>deploy:</a:t>
-            </a:r>
-          </a:p>
-          <a:p>
-            <a:pPr marL="0" indent="0">
-              <a:buNone/>
-            </a:pPr>
-            <a:r>
-              <a:rPr lang="de-DE" sz="1400" dirty="0">
-                <a:latin typeface="Consolas" panose="020B0609020204030204" pitchFamily="49" charset="0"/>
-              </a:rPr>
-              <a:t>  </a:t>
-            </a:r>
-            <a:r>
-              <a:rPr lang="de-DE" sz="1400" dirty="0" err="1">
-                <a:latin typeface="Consolas" panose="020B0609020204030204" pitchFamily="49" charset="0"/>
-              </a:rPr>
-              <a:t>stage</a:t>
-            </a:r>
-            <a:r>
-              <a:rPr lang="de-DE" sz="1400" dirty="0">
-                <a:latin typeface="Consolas" panose="020B0609020204030204" pitchFamily="49" charset="0"/>
-              </a:rPr>
-              <a:t>: deploy</a:t>
-            </a:r>
-          </a:p>
-          <a:p>
-            <a:pPr marL="0" indent="0">
-              <a:buNone/>
-            </a:pPr>
-            <a:r>
-              <a:rPr lang="de-DE" sz="1400" dirty="0">
-                <a:latin typeface="Consolas" panose="020B0609020204030204" pitchFamily="49" charset="0"/>
-              </a:rPr>
-              <a:t>  </a:t>
-            </a:r>
-            <a:r>
-              <a:rPr lang="de-DE" sz="1400" dirty="0" err="1">
-                <a:latin typeface="Consolas" panose="020B0609020204030204" pitchFamily="49" charset="0"/>
-              </a:rPr>
-              <a:t>script</a:t>
-            </a:r>
-            <a:r>
-              <a:rPr lang="de-DE" sz="1400" dirty="0">
-                <a:latin typeface="Consolas" panose="020B0609020204030204" pitchFamily="49" charset="0"/>
-              </a:rPr>
-              <a:t>:</a:t>
-            </a:r>
-          </a:p>
-          <a:p>
-            <a:pPr marL="0" indent="0">
-              <a:buNone/>
-            </a:pPr>
-            <a:r>
-              <a:rPr lang="de-DE" sz="1400" dirty="0">
-                <a:latin typeface="Consolas" panose="020B0609020204030204" pitchFamily="49" charset="0"/>
-              </a:rPr>
-              <a:t>    - ./deploy.sh</a:t>
-            </a:r>
-          </a:p>
-          <a:p>
-            <a:pPr marL="0" indent="0">
-              <a:buNone/>
-            </a:pPr>
-            <a:r>
-              <a:rPr lang="de-DE" sz="1400" dirty="0">
-                <a:latin typeface="Consolas" panose="020B0609020204030204" pitchFamily="49" charset="0"/>
-              </a:rPr>
-              <a:t>  </a:t>
-            </a:r>
-            <a:r>
-              <a:rPr lang="de-DE" sz="1400" dirty="0" err="1">
-                <a:latin typeface="Consolas" panose="020B0609020204030204" pitchFamily="49" charset="0"/>
-              </a:rPr>
-              <a:t>only</a:t>
-            </a:r>
-            <a:r>
-              <a:rPr lang="de-DE" sz="1400" dirty="0">
-                <a:latin typeface="Consolas" panose="020B0609020204030204" pitchFamily="49" charset="0"/>
-              </a:rPr>
-              <a:t>:</a:t>
-            </a:r>
-          </a:p>
-          <a:p>
-            <a:pPr marL="0" indent="0">
-              <a:buNone/>
-            </a:pPr>
-            <a:r>
-              <a:rPr lang="de-DE" sz="1400" dirty="0">
-                <a:latin typeface="Consolas" panose="020B0609020204030204" pitchFamily="49" charset="0"/>
-              </a:rPr>
-              <a:t>    - </a:t>
-            </a:r>
-            <a:r>
-              <a:rPr lang="de-DE" sz="1400" dirty="0" err="1">
-                <a:latin typeface="Consolas" panose="020B0609020204030204" pitchFamily="49" charset="0"/>
-              </a:rPr>
-              <a:t>main</a:t>
-            </a:r>
-            <a:endParaRPr lang="de-DE" sz="1400" dirty="0">
-              <a:latin typeface="Consolas" panose="020B0609020204030204" pitchFamily="49" charset="0"/>
-            </a:endParaRPr>
-          </a:p>
-          <a:p>
-            <a:pPr marL="0" indent="0">
-              <a:buNone/>
-            </a:pPr>
-            <a:r>
-              <a:rPr lang="de-DE" sz="1400" dirty="0">
-                <a:latin typeface="Consolas" panose="020B0609020204030204" pitchFamily="49" charset="0"/>
-              </a:rPr>
-              <a:t>  </a:t>
-            </a:r>
-            <a:r>
-              <a:rPr lang="de-DE" sz="1400" dirty="0" err="1">
-                <a:latin typeface="Consolas" panose="020B0609020204030204" pitchFamily="49" charset="0"/>
-              </a:rPr>
-              <a:t>environment</a:t>
-            </a:r>
-            <a:r>
-              <a:rPr lang="de-DE" sz="1400" dirty="0">
-                <a:latin typeface="Consolas" panose="020B0609020204030204" pitchFamily="49" charset="0"/>
-              </a:rPr>
-              <a:t>: </a:t>
-            </a:r>
-            <a:r>
-              <a:rPr lang="de-DE" sz="1400" dirty="0" err="1">
-                <a:latin typeface="Consolas" panose="020B0609020204030204" pitchFamily="49" charset="0"/>
-              </a:rPr>
-              <a:t>production</a:t>
-            </a:r>
-            <a:endParaRPr lang="de-DE" sz="1400" dirty="0">
-              <a:latin typeface="Consolas" panose="020B0609020204030204" pitchFamily="49" charset="0"/>
-            </a:endParaRPr>
-          </a:p>
-          <a:p>
-            <a:pPr marL="0" indent="0">
-              <a:buNone/>
-            </a:pPr>
-            <a:endParaRPr lang="de-DE" sz="1600" dirty="0">
-              <a:latin typeface="Consolas" panose="020B0609020204030204" pitchFamily="49" charset="0"/>
-            </a:endParaRPr>
+              <a:rPr lang="de-DE" sz="1800" dirty="0">
+                <a:latin typeface="Consolas" panose="020B0609020204030204" pitchFamily="49" charset="0"/>
+              </a:rPr>
+              <a:t>  - deploy</a:t>
+            </a:r>
           </a:p>
           <a:p>
             <a:pPr marL="0" indent="0">
@@ -17211,7 +16564,7 @@
     </p:spTree>
     <p:extLst>
       <p:ext uri="{BB962C8B-B14F-4D97-AF65-F5344CB8AC3E}">
-        <p14:creationId xmlns:p14="http://schemas.microsoft.com/office/powerpoint/2010/main" val="2664526633"/>
+        <p14:creationId xmlns:p14="http://schemas.microsoft.com/office/powerpoint/2010/main" val="3047470218"/>
       </p:ext>
     </p:extLst>
   </p:cSld>
@@ -17294,6 +16647,1595 @@
     <p:extLst>
       <p:ext uri="{BB962C8B-B14F-4D97-AF65-F5344CB8AC3E}">
         <p14:creationId xmlns:p14="http://schemas.microsoft.com/office/powerpoint/2010/main" val="614702079"/>
+      </p:ext>
+    </p:extLst>
+  </p:cSld>
+  <p:clrMapOvr>
+    <a:masterClrMapping/>
+  </p:clrMapOvr>
+</p:sld>
+</file>
+
+<file path=ppt/slides/slide40.xml><?xml version="1.0" encoding="utf-8"?>
+<p:sld xmlns:a="http://schemas.openxmlformats.org/drawingml/2006/main" xmlns:r="http://schemas.openxmlformats.org/officeDocument/2006/relationships" xmlns:p="http://schemas.openxmlformats.org/presentationml/2006/main">
+  <p:cSld>
+    <p:spTree>
+      <p:nvGrpSpPr>
+        <p:cNvPr id="1" name=""/>
+        <p:cNvGrpSpPr/>
+        <p:nvPr/>
+      </p:nvGrpSpPr>
+      <p:grpSpPr>
+        <a:xfrm>
+          <a:off x="0" y="0"/>
+          <a:ext cx="0" cy="0"/>
+          <a:chOff x="0" y="0"/>
+          <a:chExt cx="0" cy="0"/>
+        </a:xfrm>
+      </p:grpSpPr>
+      <p:sp>
+        <p:nvSpPr>
+          <p:cNvPr id="2" name="Titel 1">
+            <a:extLst>
+              <a:ext uri="{FF2B5EF4-FFF2-40B4-BE49-F238E27FC236}">
+                <a16:creationId xmlns:a16="http://schemas.microsoft.com/office/drawing/2014/main" id="{49A48EBC-55D9-6D64-715F-AF6DEBF117C3}"/>
+              </a:ext>
+            </a:extLst>
+          </p:cNvPr>
+          <p:cNvSpPr>
+            <a:spLocks noGrp="1"/>
+          </p:cNvSpPr>
+          <p:nvPr>
+            <p:ph type="title"/>
+          </p:nvPr>
+        </p:nvSpPr>
+        <p:spPr/>
+        <p:txBody>
+          <a:bodyPr/>
+          <a:lstStyle/>
+          <a:p>
+            <a:r>
+              <a:rPr lang="de-DE" cap="none" dirty="0"/>
+              <a:t>Release- und </a:t>
+            </a:r>
+            <a:r>
+              <a:rPr lang="de-DE" cap="none" dirty="0" err="1"/>
+              <a:t>Tagged</a:t>
+            </a:r>
+            <a:r>
+              <a:rPr lang="de-DE" cap="none" dirty="0"/>
+              <a:t>-Images</a:t>
+            </a:r>
+            <a:endParaRPr lang="de-DE" dirty="0"/>
+          </a:p>
+        </p:txBody>
+      </p:sp>
+      <p:sp>
+        <p:nvSpPr>
+          <p:cNvPr id="3" name="Inhaltsplatzhalter 2">
+            <a:extLst>
+              <a:ext uri="{FF2B5EF4-FFF2-40B4-BE49-F238E27FC236}">
+                <a16:creationId xmlns:a16="http://schemas.microsoft.com/office/drawing/2014/main" id="{7B404127-ED2B-6905-BDD1-3C60D11A2A7C}"/>
+              </a:ext>
+            </a:extLst>
+          </p:cNvPr>
+          <p:cNvSpPr>
+            <a:spLocks noGrp="1"/>
+          </p:cNvSpPr>
+          <p:nvPr>
+            <p:ph idx="1"/>
+          </p:nvPr>
+        </p:nvSpPr>
+        <p:spPr/>
+        <p:txBody>
+          <a:bodyPr/>
+          <a:lstStyle/>
+          <a:p>
+            <a:pPr marL="0" indent="0">
+              <a:buNone/>
+            </a:pPr>
+            <a:r>
+              <a:rPr lang="de-DE" sz="2000" b="1" dirty="0">
+                <a:latin typeface="Consolas" panose="020B0609020204030204" pitchFamily="49" charset="0"/>
+              </a:rPr>
+              <a:t>.</a:t>
+            </a:r>
+            <a:r>
+              <a:rPr lang="de-DE" sz="2000" b="1" dirty="0" err="1">
+                <a:latin typeface="Consolas" panose="020B0609020204030204" pitchFamily="49" charset="0"/>
+              </a:rPr>
+              <a:t>gitlab-ci.yml</a:t>
+            </a:r>
+            <a:r>
+              <a:rPr lang="de-DE" sz="2000" b="1" dirty="0">
+                <a:latin typeface="Consolas" panose="020B0609020204030204" pitchFamily="49" charset="0"/>
+              </a:rPr>
+              <a:t> (2/4)</a:t>
+            </a:r>
+          </a:p>
+          <a:p>
+            <a:pPr marL="0" indent="0">
+              <a:buNone/>
+            </a:pPr>
+            <a:r>
+              <a:rPr lang="de-DE" sz="1600" dirty="0">
+                <a:latin typeface="Consolas" panose="020B0609020204030204" pitchFamily="49" charset="0"/>
+              </a:rPr>
+              <a:t>variables:</a:t>
+            </a:r>
+          </a:p>
+          <a:p>
+            <a:pPr marL="0" indent="0">
+              <a:buNone/>
+            </a:pPr>
+            <a:r>
+              <a:rPr lang="de-DE" sz="1600" dirty="0">
+                <a:latin typeface="Consolas" panose="020B0609020204030204" pitchFamily="49" charset="0"/>
+              </a:rPr>
+              <a:t>  # Use TLS https://docs.gitlab.com/ee/ci/docker/using_docker_build.html#tls-enabled</a:t>
+            </a:r>
+          </a:p>
+          <a:p>
+            <a:pPr marL="0" indent="0">
+              <a:buNone/>
+            </a:pPr>
+            <a:r>
+              <a:rPr lang="de-DE" sz="1600" dirty="0">
+                <a:latin typeface="Consolas" panose="020B0609020204030204" pitchFamily="49" charset="0"/>
+              </a:rPr>
+              <a:t>  DOCKER_HOST: tcp://docker:2376</a:t>
+            </a:r>
+          </a:p>
+          <a:p>
+            <a:pPr marL="0" indent="0">
+              <a:buNone/>
+            </a:pPr>
+            <a:r>
+              <a:rPr lang="de-DE" sz="1600" dirty="0">
+                <a:latin typeface="Consolas" panose="020B0609020204030204" pitchFamily="49" charset="0"/>
+              </a:rPr>
+              <a:t>  DOCKER_TLS_CERTDIR: "/</a:t>
+            </a:r>
+            <a:r>
+              <a:rPr lang="de-DE" sz="1600" dirty="0" err="1">
+                <a:latin typeface="Consolas" panose="020B0609020204030204" pitchFamily="49" charset="0"/>
+              </a:rPr>
+              <a:t>certs</a:t>
+            </a:r>
+            <a:r>
+              <a:rPr lang="de-DE" sz="1600" dirty="0">
+                <a:latin typeface="Consolas" panose="020B0609020204030204" pitchFamily="49" charset="0"/>
+              </a:rPr>
+              <a:t>"</a:t>
+            </a:r>
+          </a:p>
+          <a:p>
+            <a:pPr marL="0" indent="0">
+              <a:buNone/>
+            </a:pPr>
+            <a:r>
+              <a:rPr lang="de-DE" sz="1600" dirty="0">
+                <a:latin typeface="Consolas" panose="020B0609020204030204" pitchFamily="49" charset="0"/>
+              </a:rPr>
+              <a:t>  CONTAINER_TEST_IMAGE: $CI_REGISTRY_IMAGE:$CI_COMMIT_REF_SLUG</a:t>
+            </a:r>
+          </a:p>
+          <a:p>
+            <a:pPr marL="0" indent="0">
+              <a:buNone/>
+            </a:pPr>
+            <a:r>
+              <a:rPr lang="de-DE" sz="1600" dirty="0">
+                <a:latin typeface="Consolas" panose="020B0609020204030204" pitchFamily="49" charset="0"/>
+              </a:rPr>
+              <a:t>  CONTAINER_RELEASE_IMAGE: $</a:t>
+            </a:r>
+            <a:r>
+              <a:rPr lang="de-DE" sz="1600" dirty="0" err="1">
+                <a:latin typeface="Consolas" panose="020B0609020204030204" pitchFamily="49" charset="0"/>
+              </a:rPr>
+              <a:t>CI_REGISTRY_IMAGE:latest</a:t>
+            </a:r>
+            <a:r>
+              <a:rPr lang="de-DE" sz="1600" dirty="0">
+                <a:latin typeface="Consolas" panose="020B0609020204030204" pitchFamily="49" charset="0"/>
+              </a:rPr>
+              <a:t> </a:t>
+            </a:r>
+            <a:r>
+              <a:rPr lang="de-DE" sz="1600" dirty="0">
+                <a:solidFill>
+                  <a:srgbClr val="008C5A"/>
+                </a:solidFill>
+                <a:latin typeface="Consolas" panose="020B0609020204030204" pitchFamily="49" charset="0"/>
+              </a:rPr>
+              <a:t># Variable für 4.</a:t>
+            </a:r>
+          </a:p>
+          <a:p>
+            <a:pPr marL="0" indent="0">
+              <a:buNone/>
+            </a:pPr>
+            <a:endParaRPr lang="de-DE" sz="1600" dirty="0">
+              <a:latin typeface="Consolas" panose="020B0609020204030204" pitchFamily="49" charset="0"/>
+            </a:endParaRPr>
+          </a:p>
+          <a:p>
+            <a:pPr marL="0" indent="0">
+              <a:buNone/>
+            </a:pPr>
+            <a:r>
+              <a:rPr lang="de-DE" sz="1600" dirty="0" err="1">
+                <a:latin typeface="Consolas" panose="020B0609020204030204" pitchFamily="49" charset="0"/>
+              </a:rPr>
+              <a:t>build</a:t>
+            </a:r>
+            <a:r>
+              <a:rPr lang="de-DE" sz="1600" dirty="0">
+                <a:latin typeface="Consolas" panose="020B0609020204030204" pitchFamily="49" charset="0"/>
+              </a:rPr>
+              <a:t>:</a:t>
+            </a:r>
+          </a:p>
+          <a:p>
+            <a:pPr marL="0" indent="0">
+              <a:buNone/>
+            </a:pPr>
+            <a:r>
+              <a:rPr lang="de-DE" sz="1600" dirty="0">
+                <a:latin typeface="Consolas" panose="020B0609020204030204" pitchFamily="49" charset="0"/>
+              </a:rPr>
+              <a:t>  </a:t>
+            </a:r>
+            <a:r>
+              <a:rPr lang="de-DE" sz="1600" dirty="0" err="1">
+                <a:latin typeface="Consolas" panose="020B0609020204030204" pitchFamily="49" charset="0"/>
+              </a:rPr>
+              <a:t>stage</a:t>
+            </a:r>
+            <a:r>
+              <a:rPr lang="de-DE" sz="1600" dirty="0">
+                <a:latin typeface="Consolas" panose="020B0609020204030204" pitchFamily="49" charset="0"/>
+              </a:rPr>
+              <a:t>: </a:t>
+            </a:r>
+            <a:r>
+              <a:rPr lang="de-DE" sz="1600" dirty="0" err="1">
+                <a:latin typeface="Consolas" panose="020B0609020204030204" pitchFamily="49" charset="0"/>
+              </a:rPr>
+              <a:t>build</a:t>
+            </a:r>
+            <a:endParaRPr lang="de-DE" sz="1600" dirty="0">
+              <a:latin typeface="Consolas" panose="020B0609020204030204" pitchFamily="49" charset="0"/>
+            </a:endParaRPr>
+          </a:p>
+          <a:p>
+            <a:pPr marL="0" indent="0">
+              <a:buNone/>
+            </a:pPr>
+            <a:r>
+              <a:rPr lang="de-DE" sz="1600" dirty="0">
+                <a:latin typeface="Consolas" panose="020B0609020204030204" pitchFamily="49" charset="0"/>
+              </a:rPr>
+              <a:t>  </a:t>
+            </a:r>
+            <a:r>
+              <a:rPr lang="de-DE" sz="1600" dirty="0" err="1">
+                <a:latin typeface="Consolas" panose="020B0609020204030204" pitchFamily="49" charset="0"/>
+              </a:rPr>
+              <a:t>script</a:t>
+            </a:r>
+            <a:r>
+              <a:rPr lang="de-DE" sz="1600" dirty="0">
+                <a:latin typeface="Consolas" panose="020B0609020204030204" pitchFamily="49" charset="0"/>
+              </a:rPr>
+              <a:t>:</a:t>
+            </a:r>
+          </a:p>
+          <a:p>
+            <a:pPr marL="0" indent="0">
+              <a:buNone/>
+            </a:pPr>
+            <a:r>
+              <a:rPr lang="de-DE" sz="1600" dirty="0">
+                <a:latin typeface="Consolas" panose="020B0609020204030204" pitchFamily="49" charset="0"/>
+              </a:rPr>
+              <a:t>    - </a:t>
+            </a:r>
+            <a:r>
+              <a:rPr lang="de-DE" sz="1600" dirty="0" err="1">
+                <a:latin typeface="Consolas" panose="020B0609020204030204" pitchFamily="49" charset="0"/>
+              </a:rPr>
+              <a:t>docker</a:t>
+            </a:r>
+            <a:r>
+              <a:rPr lang="de-DE" sz="1600" dirty="0">
+                <a:latin typeface="Consolas" panose="020B0609020204030204" pitchFamily="49" charset="0"/>
+              </a:rPr>
+              <a:t> </a:t>
+            </a:r>
+            <a:r>
+              <a:rPr lang="de-DE" sz="1600" dirty="0" err="1">
+                <a:latin typeface="Consolas" panose="020B0609020204030204" pitchFamily="49" charset="0"/>
+              </a:rPr>
+              <a:t>build</a:t>
+            </a:r>
+            <a:r>
+              <a:rPr lang="de-DE" sz="1600" dirty="0">
+                <a:latin typeface="Consolas" panose="020B0609020204030204" pitchFamily="49" charset="0"/>
+              </a:rPr>
+              <a:t> --pull -t $CONTAINER_TEST_IMAGE .</a:t>
+            </a:r>
+          </a:p>
+          <a:p>
+            <a:pPr marL="0" indent="0">
+              <a:buNone/>
+            </a:pPr>
+            <a:r>
+              <a:rPr lang="de-DE" sz="1600" dirty="0">
+                <a:latin typeface="Consolas" panose="020B0609020204030204" pitchFamily="49" charset="0"/>
+              </a:rPr>
+              <a:t>    - </a:t>
+            </a:r>
+            <a:r>
+              <a:rPr lang="de-DE" sz="1600" dirty="0" err="1">
+                <a:latin typeface="Consolas" panose="020B0609020204030204" pitchFamily="49" charset="0"/>
+              </a:rPr>
+              <a:t>docker</a:t>
+            </a:r>
+            <a:r>
+              <a:rPr lang="de-DE" sz="1600" dirty="0">
+                <a:latin typeface="Consolas" panose="020B0609020204030204" pitchFamily="49" charset="0"/>
+              </a:rPr>
+              <a:t> push $CONTAINER_TEST_IMAGE </a:t>
+            </a:r>
+            <a:r>
+              <a:rPr lang="de-DE" sz="1600" dirty="0">
+                <a:solidFill>
+                  <a:srgbClr val="008C5A"/>
+                </a:solidFill>
+                <a:latin typeface="Consolas" panose="020B0609020204030204" pitchFamily="49" charset="0"/>
+              </a:rPr>
+              <a:t># 1. </a:t>
+            </a:r>
+            <a:r>
+              <a:rPr lang="de-DE" sz="1600" dirty="0" err="1">
+                <a:solidFill>
+                  <a:srgbClr val="008C5A"/>
+                </a:solidFill>
+                <a:latin typeface="Consolas" panose="020B0609020204030204" pitchFamily="49" charset="0"/>
+              </a:rPr>
+              <a:t>Build</a:t>
+            </a:r>
+            <a:r>
+              <a:rPr lang="de-DE" sz="1600" dirty="0">
+                <a:solidFill>
+                  <a:srgbClr val="008C5A"/>
+                </a:solidFill>
+                <a:latin typeface="Consolas" panose="020B0609020204030204" pitchFamily="49" charset="0"/>
+              </a:rPr>
+              <a:t> wird in die Container Registry </a:t>
+            </a:r>
+            <a:r>
+              <a:rPr lang="de-DE" sz="1600" dirty="0" err="1">
+                <a:solidFill>
+                  <a:srgbClr val="008C5A"/>
+                </a:solidFill>
+                <a:latin typeface="Consolas" panose="020B0609020204030204" pitchFamily="49" charset="0"/>
+              </a:rPr>
+              <a:t>gepushed</a:t>
+            </a:r>
+            <a:endParaRPr lang="de-DE" sz="1600" dirty="0">
+              <a:solidFill>
+                <a:srgbClr val="008C5A"/>
+              </a:solidFill>
+              <a:latin typeface="Consolas" panose="020B0609020204030204" pitchFamily="49" charset="0"/>
+            </a:endParaRPr>
+          </a:p>
+          <a:p>
+            <a:pPr marL="0" indent="0">
+              <a:buNone/>
+            </a:pPr>
+            <a:endParaRPr lang="de-DE" sz="1600" dirty="0">
+              <a:latin typeface="Consolas" panose="020B0609020204030204" pitchFamily="49" charset="0"/>
+            </a:endParaRPr>
+          </a:p>
+          <a:p>
+            <a:pPr marL="0" indent="0">
+              <a:buNone/>
+            </a:pPr>
+            <a:endParaRPr lang="de-DE" sz="1600" dirty="0">
+              <a:latin typeface="Consolas" panose="020B0609020204030204" pitchFamily="49" charset="0"/>
+            </a:endParaRPr>
+          </a:p>
+          <a:p>
+            <a:pPr marL="0" indent="0">
+              <a:buNone/>
+            </a:pPr>
+            <a:endParaRPr lang="de-DE" sz="1600" dirty="0">
+              <a:latin typeface="Consolas" panose="020B0609020204030204" pitchFamily="49" charset="0"/>
+            </a:endParaRPr>
+          </a:p>
+        </p:txBody>
+      </p:sp>
+    </p:spTree>
+    <p:extLst>
+      <p:ext uri="{BB962C8B-B14F-4D97-AF65-F5344CB8AC3E}">
+        <p14:creationId xmlns:p14="http://schemas.microsoft.com/office/powerpoint/2010/main" val="812820427"/>
+      </p:ext>
+    </p:extLst>
+  </p:cSld>
+  <p:clrMapOvr>
+    <a:masterClrMapping/>
+  </p:clrMapOvr>
+</p:sld>
+</file>
+
+<file path=ppt/slides/slide41.xml><?xml version="1.0" encoding="utf-8"?>
+<p:sld xmlns:a="http://schemas.openxmlformats.org/drawingml/2006/main" xmlns:r="http://schemas.openxmlformats.org/officeDocument/2006/relationships" xmlns:p="http://schemas.openxmlformats.org/presentationml/2006/main">
+  <p:cSld>
+    <p:spTree>
+      <p:nvGrpSpPr>
+        <p:cNvPr id="1" name=""/>
+        <p:cNvGrpSpPr/>
+        <p:nvPr/>
+      </p:nvGrpSpPr>
+      <p:grpSpPr>
+        <a:xfrm>
+          <a:off x="0" y="0"/>
+          <a:ext cx="0" cy="0"/>
+          <a:chOff x="0" y="0"/>
+          <a:chExt cx="0" cy="0"/>
+        </a:xfrm>
+      </p:grpSpPr>
+      <p:sp>
+        <p:nvSpPr>
+          <p:cNvPr id="2" name="Titel 1">
+            <a:extLst>
+              <a:ext uri="{FF2B5EF4-FFF2-40B4-BE49-F238E27FC236}">
+                <a16:creationId xmlns:a16="http://schemas.microsoft.com/office/drawing/2014/main" id="{49A48EBC-55D9-6D64-715F-AF6DEBF117C3}"/>
+              </a:ext>
+            </a:extLst>
+          </p:cNvPr>
+          <p:cNvSpPr>
+            <a:spLocks noGrp="1"/>
+          </p:cNvSpPr>
+          <p:nvPr>
+            <p:ph type="title"/>
+          </p:nvPr>
+        </p:nvSpPr>
+        <p:spPr/>
+        <p:txBody>
+          <a:bodyPr/>
+          <a:lstStyle/>
+          <a:p>
+            <a:r>
+              <a:rPr lang="de-DE" cap="none" dirty="0"/>
+              <a:t>Release- und </a:t>
+            </a:r>
+            <a:r>
+              <a:rPr lang="de-DE" cap="none" dirty="0" err="1"/>
+              <a:t>Tagged</a:t>
+            </a:r>
+            <a:r>
+              <a:rPr lang="de-DE" cap="none" dirty="0"/>
+              <a:t>-Images</a:t>
+            </a:r>
+            <a:endParaRPr lang="de-DE" dirty="0"/>
+          </a:p>
+        </p:txBody>
+      </p:sp>
+      <p:sp>
+        <p:nvSpPr>
+          <p:cNvPr id="3" name="Inhaltsplatzhalter 2">
+            <a:extLst>
+              <a:ext uri="{FF2B5EF4-FFF2-40B4-BE49-F238E27FC236}">
+                <a16:creationId xmlns:a16="http://schemas.microsoft.com/office/drawing/2014/main" id="{7B404127-ED2B-6905-BDD1-3C60D11A2A7C}"/>
+              </a:ext>
+            </a:extLst>
+          </p:cNvPr>
+          <p:cNvSpPr>
+            <a:spLocks noGrp="1"/>
+          </p:cNvSpPr>
+          <p:nvPr>
+            <p:ph idx="1"/>
+          </p:nvPr>
+        </p:nvSpPr>
+        <p:spPr/>
+        <p:txBody>
+          <a:bodyPr/>
+          <a:lstStyle/>
+          <a:p>
+            <a:pPr marL="0" indent="0">
+              <a:buNone/>
+            </a:pPr>
+            <a:r>
+              <a:rPr lang="de-DE" sz="2000" b="1" dirty="0">
+                <a:latin typeface="Consolas" panose="020B0609020204030204" pitchFamily="49" charset="0"/>
+              </a:rPr>
+              <a:t>.</a:t>
+            </a:r>
+            <a:r>
+              <a:rPr lang="de-DE" sz="2000" b="1" dirty="0" err="1">
+                <a:latin typeface="Consolas" panose="020B0609020204030204" pitchFamily="49" charset="0"/>
+              </a:rPr>
+              <a:t>gitlab-ci.yml</a:t>
+            </a:r>
+            <a:r>
+              <a:rPr lang="de-DE" sz="2000" b="1" dirty="0">
+                <a:latin typeface="Consolas" panose="020B0609020204030204" pitchFamily="49" charset="0"/>
+              </a:rPr>
+              <a:t> (3/4)</a:t>
+            </a:r>
+          </a:p>
+          <a:p>
+            <a:pPr marL="0" indent="0">
+              <a:buNone/>
+            </a:pPr>
+            <a:r>
+              <a:rPr lang="de-DE" sz="1600" dirty="0">
+                <a:latin typeface="Consolas" panose="020B0609020204030204" pitchFamily="49" charset="0"/>
+              </a:rPr>
+              <a:t>test1:</a:t>
+            </a:r>
+          </a:p>
+          <a:p>
+            <a:pPr marL="0" indent="0">
+              <a:buNone/>
+            </a:pPr>
+            <a:r>
+              <a:rPr lang="de-DE" sz="1600" dirty="0">
+                <a:latin typeface="Consolas" panose="020B0609020204030204" pitchFamily="49" charset="0"/>
+              </a:rPr>
+              <a:t>  </a:t>
+            </a:r>
+            <a:r>
+              <a:rPr lang="de-DE" sz="1600" dirty="0" err="1">
+                <a:latin typeface="Consolas" panose="020B0609020204030204" pitchFamily="49" charset="0"/>
+              </a:rPr>
+              <a:t>stage</a:t>
+            </a:r>
+            <a:r>
+              <a:rPr lang="de-DE" sz="1600" dirty="0">
+                <a:latin typeface="Consolas" panose="020B0609020204030204" pitchFamily="49" charset="0"/>
+              </a:rPr>
+              <a:t>: </a:t>
+            </a:r>
+            <a:r>
+              <a:rPr lang="de-DE" sz="1600" dirty="0" err="1">
+                <a:latin typeface="Consolas" panose="020B0609020204030204" pitchFamily="49" charset="0"/>
+              </a:rPr>
+              <a:t>test</a:t>
+            </a:r>
+            <a:endParaRPr lang="de-DE" sz="1600" dirty="0">
+              <a:latin typeface="Consolas" panose="020B0609020204030204" pitchFamily="49" charset="0"/>
+            </a:endParaRPr>
+          </a:p>
+          <a:p>
+            <a:pPr marL="0" indent="0">
+              <a:buNone/>
+            </a:pPr>
+            <a:r>
+              <a:rPr lang="de-DE" sz="1600" dirty="0">
+                <a:latin typeface="Consolas" panose="020B0609020204030204" pitchFamily="49" charset="0"/>
+              </a:rPr>
+              <a:t>  </a:t>
+            </a:r>
+            <a:r>
+              <a:rPr lang="de-DE" sz="1600" dirty="0" err="1">
+                <a:latin typeface="Consolas" panose="020B0609020204030204" pitchFamily="49" charset="0"/>
+              </a:rPr>
+              <a:t>script</a:t>
+            </a:r>
+            <a:r>
+              <a:rPr lang="de-DE" sz="1600" dirty="0">
+                <a:latin typeface="Consolas" panose="020B0609020204030204" pitchFamily="49" charset="0"/>
+              </a:rPr>
+              <a:t>:</a:t>
+            </a:r>
+          </a:p>
+          <a:p>
+            <a:pPr marL="0" indent="0">
+              <a:buNone/>
+            </a:pPr>
+            <a:r>
+              <a:rPr lang="de-DE" sz="1600" dirty="0">
+                <a:latin typeface="Consolas" panose="020B0609020204030204" pitchFamily="49" charset="0"/>
+              </a:rPr>
+              <a:t>    - </a:t>
+            </a:r>
+            <a:r>
+              <a:rPr lang="de-DE" sz="1600" dirty="0" err="1">
+                <a:latin typeface="Consolas" panose="020B0609020204030204" pitchFamily="49" charset="0"/>
+              </a:rPr>
+              <a:t>docker</a:t>
+            </a:r>
+            <a:r>
+              <a:rPr lang="de-DE" sz="1600" dirty="0">
+                <a:latin typeface="Consolas" panose="020B0609020204030204" pitchFamily="49" charset="0"/>
+              </a:rPr>
+              <a:t> pull $CONTAINER_TEST_IMAGE </a:t>
+            </a:r>
+            <a:r>
+              <a:rPr lang="de-DE" sz="1600" dirty="0">
+                <a:solidFill>
+                  <a:srgbClr val="008C5A"/>
+                </a:solidFill>
+                <a:latin typeface="Consolas" panose="020B0609020204030204" pitchFamily="49" charset="0"/>
+              </a:rPr>
+              <a:t># 2. Von den nachfolgenden Stages (bei Bedarf) </a:t>
+            </a:r>
+            <a:r>
+              <a:rPr lang="de-DE" sz="1600" dirty="0" err="1">
+                <a:solidFill>
+                  <a:srgbClr val="008C5A"/>
+                </a:solidFill>
+                <a:latin typeface="Consolas" panose="020B0609020204030204" pitchFamily="49" charset="0"/>
+              </a:rPr>
+              <a:t>gepulled</a:t>
+            </a:r>
+            <a:endParaRPr lang="de-DE" sz="1600" dirty="0">
+              <a:solidFill>
+                <a:srgbClr val="008C5A"/>
+              </a:solidFill>
+              <a:latin typeface="Consolas" panose="020B0609020204030204" pitchFamily="49" charset="0"/>
+            </a:endParaRPr>
+          </a:p>
+          <a:p>
+            <a:pPr marL="0" indent="0">
+              <a:buNone/>
+            </a:pPr>
+            <a:r>
+              <a:rPr lang="de-DE" sz="1600" dirty="0">
+                <a:latin typeface="Consolas" panose="020B0609020204030204" pitchFamily="49" charset="0"/>
+              </a:rPr>
+              <a:t>    - </a:t>
+            </a:r>
+            <a:r>
+              <a:rPr lang="de-DE" sz="1600" dirty="0" err="1">
+                <a:latin typeface="Consolas" panose="020B0609020204030204" pitchFamily="49" charset="0"/>
+              </a:rPr>
+              <a:t>docker</a:t>
+            </a:r>
+            <a:r>
+              <a:rPr lang="de-DE" sz="1600" dirty="0">
+                <a:latin typeface="Consolas" panose="020B0609020204030204" pitchFamily="49" charset="0"/>
+              </a:rPr>
+              <a:t> </a:t>
+            </a:r>
+            <a:r>
+              <a:rPr lang="de-DE" sz="1600" dirty="0" err="1">
+                <a:latin typeface="Consolas" panose="020B0609020204030204" pitchFamily="49" charset="0"/>
+              </a:rPr>
+              <a:t>run</a:t>
+            </a:r>
+            <a:r>
+              <a:rPr lang="de-DE" sz="1600" dirty="0">
+                <a:latin typeface="Consolas" panose="020B0609020204030204" pitchFamily="49" charset="0"/>
+              </a:rPr>
+              <a:t> $CONTAINER_TEST_IMAGE /</a:t>
+            </a:r>
+            <a:r>
+              <a:rPr lang="de-DE" sz="1600" dirty="0" err="1">
+                <a:latin typeface="Consolas" panose="020B0609020204030204" pitchFamily="49" charset="0"/>
+              </a:rPr>
+              <a:t>script</a:t>
+            </a:r>
+            <a:r>
+              <a:rPr lang="de-DE" sz="1600" dirty="0">
+                <a:latin typeface="Consolas" panose="020B0609020204030204" pitchFamily="49" charset="0"/>
+              </a:rPr>
+              <a:t>/</a:t>
+            </a:r>
+            <a:r>
+              <a:rPr lang="de-DE" sz="1600" dirty="0" err="1">
+                <a:latin typeface="Consolas" panose="020B0609020204030204" pitchFamily="49" charset="0"/>
+              </a:rPr>
+              <a:t>to</a:t>
+            </a:r>
+            <a:r>
+              <a:rPr lang="de-DE" sz="1600" dirty="0">
+                <a:latin typeface="Consolas" panose="020B0609020204030204" pitchFamily="49" charset="0"/>
+              </a:rPr>
+              <a:t>/</a:t>
+            </a:r>
+            <a:r>
+              <a:rPr lang="de-DE" sz="1600" dirty="0" err="1">
+                <a:latin typeface="Consolas" panose="020B0609020204030204" pitchFamily="49" charset="0"/>
+              </a:rPr>
+              <a:t>run</a:t>
+            </a:r>
+            <a:r>
+              <a:rPr lang="de-DE" sz="1600" dirty="0">
+                <a:latin typeface="Consolas" panose="020B0609020204030204" pitchFamily="49" charset="0"/>
+              </a:rPr>
+              <a:t>/</a:t>
+            </a:r>
+            <a:r>
+              <a:rPr lang="de-DE" sz="1600" dirty="0" err="1">
+                <a:latin typeface="Consolas" panose="020B0609020204030204" pitchFamily="49" charset="0"/>
+              </a:rPr>
+              <a:t>tests</a:t>
+            </a:r>
+            <a:r>
+              <a:rPr lang="de-DE" sz="1600" dirty="0">
+                <a:latin typeface="Consolas" panose="020B0609020204030204" pitchFamily="49" charset="0"/>
+              </a:rPr>
+              <a:t> </a:t>
+            </a:r>
+            <a:r>
+              <a:rPr lang="de-DE" sz="1600" dirty="0">
+                <a:solidFill>
+                  <a:srgbClr val="008C5A"/>
+                </a:solidFill>
+                <a:latin typeface="Consolas" panose="020B0609020204030204" pitchFamily="49" charset="0"/>
+              </a:rPr>
+              <a:t># 3. Zwei </a:t>
+            </a:r>
+            <a:r>
+              <a:rPr lang="de-DE" sz="1600" dirty="0" err="1">
+                <a:solidFill>
+                  <a:srgbClr val="008C5A"/>
+                </a:solidFill>
+                <a:latin typeface="Consolas" panose="020B0609020204030204" pitchFamily="49" charset="0"/>
+              </a:rPr>
+              <a:t>paralell</a:t>
+            </a:r>
+            <a:r>
+              <a:rPr lang="de-DE" sz="1600" dirty="0">
+                <a:solidFill>
+                  <a:srgbClr val="008C5A"/>
+                </a:solidFill>
+                <a:latin typeface="Consolas" panose="020B0609020204030204" pitchFamily="49" charset="0"/>
+              </a:rPr>
+              <a:t> laufende Tests</a:t>
+            </a:r>
+          </a:p>
+          <a:p>
+            <a:pPr marL="0" indent="0">
+              <a:buNone/>
+            </a:pPr>
+            <a:endParaRPr lang="de-DE" sz="1600" dirty="0">
+              <a:latin typeface="Consolas" panose="020B0609020204030204" pitchFamily="49" charset="0"/>
+            </a:endParaRPr>
+          </a:p>
+          <a:p>
+            <a:pPr marL="0" indent="0">
+              <a:buNone/>
+            </a:pPr>
+            <a:r>
+              <a:rPr lang="de-DE" sz="1600" dirty="0">
+                <a:latin typeface="Consolas" panose="020B0609020204030204" pitchFamily="49" charset="0"/>
+              </a:rPr>
+              <a:t>test2:</a:t>
+            </a:r>
+          </a:p>
+          <a:p>
+            <a:pPr marL="0" indent="0">
+              <a:buNone/>
+            </a:pPr>
+            <a:r>
+              <a:rPr lang="de-DE" sz="1600" dirty="0">
+                <a:latin typeface="Consolas" panose="020B0609020204030204" pitchFamily="49" charset="0"/>
+              </a:rPr>
+              <a:t>  </a:t>
+            </a:r>
+            <a:r>
+              <a:rPr lang="de-DE" sz="1600" dirty="0" err="1">
+                <a:latin typeface="Consolas" panose="020B0609020204030204" pitchFamily="49" charset="0"/>
+              </a:rPr>
+              <a:t>stage</a:t>
+            </a:r>
+            <a:r>
+              <a:rPr lang="de-DE" sz="1600" dirty="0">
+                <a:latin typeface="Consolas" panose="020B0609020204030204" pitchFamily="49" charset="0"/>
+              </a:rPr>
+              <a:t>: </a:t>
+            </a:r>
+            <a:r>
+              <a:rPr lang="de-DE" sz="1600" dirty="0" err="1">
+                <a:latin typeface="Consolas" panose="020B0609020204030204" pitchFamily="49" charset="0"/>
+              </a:rPr>
+              <a:t>test</a:t>
+            </a:r>
+            <a:endParaRPr lang="de-DE" sz="1600" dirty="0">
+              <a:latin typeface="Consolas" panose="020B0609020204030204" pitchFamily="49" charset="0"/>
+            </a:endParaRPr>
+          </a:p>
+          <a:p>
+            <a:pPr marL="0" indent="0">
+              <a:buNone/>
+            </a:pPr>
+            <a:r>
+              <a:rPr lang="de-DE" sz="1600" dirty="0">
+                <a:latin typeface="Consolas" panose="020B0609020204030204" pitchFamily="49" charset="0"/>
+              </a:rPr>
+              <a:t>  </a:t>
+            </a:r>
+            <a:r>
+              <a:rPr lang="de-DE" sz="1600" dirty="0" err="1">
+                <a:latin typeface="Consolas" panose="020B0609020204030204" pitchFamily="49" charset="0"/>
+              </a:rPr>
+              <a:t>script</a:t>
+            </a:r>
+            <a:r>
+              <a:rPr lang="de-DE" sz="1600" dirty="0">
+                <a:latin typeface="Consolas" panose="020B0609020204030204" pitchFamily="49" charset="0"/>
+              </a:rPr>
+              <a:t>:</a:t>
+            </a:r>
+          </a:p>
+          <a:p>
+            <a:pPr marL="0" indent="0">
+              <a:buNone/>
+            </a:pPr>
+            <a:r>
+              <a:rPr lang="de-DE" sz="1600" dirty="0">
+                <a:latin typeface="Consolas" panose="020B0609020204030204" pitchFamily="49" charset="0"/>
+              </a:rPr>
+              <a:t>    - </a:t>
+            </a:r>
+            <a:r>
+              <a:rPr lang="de-DE" sz="1600" dirty="0" err="1">
+                <a:latin typeface="Consolas" panose="020B0609020204030204" pitchFamily="49" charset="0"/>
+              </a:rPr>
+              <a:t>docker</a:t>
+            </a:r>
+            <a:r>
+              <a:rPr lang="de-DE" sz="1600" dirty="0">
+                <a:latin typeface="Consolas" panose="020B0609020204030204" pitchFamily="49" charset="0"/>
+              </a:rPr>
+              <a:t> pull $CONTAINER_TEST_IMAGE </a:t>
+            </a:r>
+            <a:r>
+              <a:rPr lang="de-DE" sz="1600" dirty="0">
+                <a:solidFill>
+                  <a:srgbClr val="008C5A"/>
+                </a:solidFill>
+                <a:latin typeface="Consolas" panose="020B0609020204030204" pitchFamily="49" charset="0"/>
+              </a:rPr>
+              <a:t># 2. Von den nachfolgenden Stages (bei Bedarf) </a:t>
+            </a:r>
+            <a:r>
+              <a:rPr lang="de-DE" sz="1600" dirty="0" err="1">
+                <a:solidFill>
+                  <a:srgbClr val="008C5A"/>
+                </a:solidFill>
+                <a:latin typeface="Consolas" panose="020B0609020204030204" pitchFamily="49" charset="0"/>
+              </a:rPr>
+              <a:t>gepulled</a:t>
+            </a:r>
+            <a:endParaRPr lang="de-DE" sz="1600" dirty="0">
+              <a:solidFill>
+                <a:srgbClr val="008C5A"/>
+              </a:solidFill>
+              <a:latin typeface="Consolas" panose="020B0609020204030204" pitchFamily="49" charset="0"/>
+            </a:endParaRPr>
+          </a:p>
+          <a:p>
+            <a:pPr marL="0" indent="0">
+              <a:buNone/>
+            </a:pPr>
+            <a:r>
+              <a:rPr lang="de-DE" sz="1600" dirty="0">
+                <a:latin typeface="Consolas" panose="020B0609020204030204" pitchFamily="49" charset="0"/>
+              </a:rPr>
+              <a:t>    - </a:t>
+            </a:r>
+            <a:r>
+              <a:rPr lang="de-DE" sz="1600" dirty="0" err="1">
+                <a:latin typeface="Consolas" panose="020B0609020204030204" pitchFamily="49" charset="0"/>
+              </a:rPr>
+              <a:t>docker</a:t>
+            </a:r>
+            <a:r>
+              <a:rPr lang="de-DE" sz="1600" dirty="0">
+                <a:latin typeface="Consolas" panose="020B0609020204030204" pitchFamily="49" charset="0"/>
+              </a:rPr>
+              <a:t> </a:t>
+            </a:r>
+            <a:r>
+              <a:rPr lang="de-DE" sz="1600" dirty="0" err="1">
+                <a:latin typeface="Consolas" panose="020B0609020204030204" pitchFamily="49" charset="0"/>
+              </a:rPr>
+              <a:t>run</a:t>
+            </a:r>
+            <a:r>
+              <a:rPr lang="de-DE" sz="1600" dirty="0">
+                <a:latin typeface="Consolas" panose="020B0609020204030204" pitchFamily="49" charset="0"/>
+              </a:rPr>
+              <a:t> $CONTAINER_TEST_IMAGE /</a:t>
+            </a:r>
+            <a:r>
+              <a:rPr lang="de-DE" sz="1600" dirty="0" err="1">
+                <a:latin typeface="Consolas" panose="020B0609020204030204" pitchFamily="49" charset="0"/>
+              </a:rPr>
+              <a:t>script</a:t>
+            </a:r>
+            <a:r>
+              <a:rPr lang="de-DE" sz="1600" dirty="0">
+                <a:latin typeface="Consolas" panose="020B0609020204030204" pitchFamily="49" charset="0"/>
+              </a:rPr>
+              <a:t>/</a:t>
+            </a:r>
+            <a:r>
+              <a:rPr lang="de-DE" sz="1600" dirty="0" err="1">
+                <a:latin typeface="Consolas" panose="020B0609020204030204" pitchFamily="49" charset="0"/>
+              </a:rPr>
+              <a:t>to</a:t>
+            </a:r>
+            <a:r>
+              <a:rPr lang="de-DE" sz="1600" dirty="0">
+                <a:latin typeface="Consolas" panose="020B0609020204030204" pitchFamily="49" charset="0"/>
+              </a:rPr>
+              <a:t>/</a:t>
+            </a:r>
+            <a:r>
+              <a:rPr lang="de-DE" sz="1600" dirty="0" err="1">
+                <a:latin typeface="Consolas" panose="020B0609020204030204" pitchFamily="49" charset="0"/>
+              </a:rPr>
+              <a:t>run</a:t>
+            </a:r>
+            <a:r>
+              <a:rPr lang="de-DE" sz="1600" dirty="0">
+                <a:latin typeface="Consolas" panose="020B0609020204030204" pitchFamily="49" charset="0"/>
+              </a:rPr>
+              <a:t>/</a:t>
+            </a:r>
+            <a:r>
+              <a:rPr lang="de-DE" sz="1600" dirty="0" err="1">
+                <a:latin typeface="Consolas" panose="020B0609020204030204" pitchFamily="49" charset="0"/>
+              </a:rPr>
+              <a:t>another</a:t>
+            </a:r>
+            <a:r>
+              <a:rPr lang="de-DE" sz="1600" dirty="0">
+                <a:latin typeface="Consolas" panose="020B0609020204030204" pitchFamily="49" charset="0"/>
+              </a:rPr>
+              <a:t>/</a:t>
+            </a:r>
+            <a:r>
+              <a:rPr lang="de-DE" sz="1600" dirty="0" err="1">
+                <a:latin typeface="Consolas" panose="020B0609020204030204" pitchFamily="49" charset="0"/>
+              </a:rPr>
+              <a:t>test</a:t>
+            </a:r>
+            <a:r>
+              <a:rPr lang="de-DE" sz="1600" dirty="0">
+                <a:latin typeface="Consolas" panose="020B0609020204030204" pitchFamily="49" charset="0"/>
+              </a:rPr>
+              <a:t> </a:t>
+            </a:r>
+            <a:r>
+              <a:rPr lang="de-DE" sz="1600" dirty="0">
+                <a:solidFill>
+                  <a:srgbClr val="008C5A"/>
+                </a:solidFill>
+                <a:latin typeface="Consolas" panose="020B0609020204030204" pitchFamily="49" charset="0"/>
+              </a:rPr>
+              <a:t># 3. Zwei </a:t>
+            </a:r>
+            <a:r>
+              <a:rPr lang="de-DE" sz="1600" dirty="0" err="1">
+                <a:solidFill>
+                  <a:srgbClr val="008C5A"/>
+                </a:solidFill>
+                <a:latin typeface="Consolas" panose="020B0609020204030204" pitchFamily="49" charset="0"/>
+              </a:rPr>
+              <a:t>paralell</a:t>
+            </a:r>
+            <a:r>
+              <a:rPr lang="de-DE" sz="1600" dirty="0">
+                <a:solidFill>
+                  <a:srgbClr val="008C5A"/>
+                </a:solidFill>
+                <a:latin typeface="Consolas" panose="020B0609020204030204" pitchFamily="49" charset="0"/>
+              </a:rPr>
+              <a:t> laufende Tests</a:t>
+            </a:r>
+          </a:p>
+          <a:p>
+            <a:pPr marL="0" indent="0">
+              <a:buNone/>
+            </a:pPr>
+            <a:endParaRPr lang="de-DE" sz="1600" dirty="0">
+              <a:latin typeface="Consolas" panose="020B0609020204030204" pitchFamily="49" charset="0"/>
+            </a:endParaRPr>
+          </a:p>
+          <a:p>
+            <a:pPr marL="0" indent="0">
+              <a:buNone/>
+            </a:pPr>
+            <a:endParaRPr lang="de-DE" sz="1600" dirty="0">
+              <a:latin typeface="Consolas" panose="020B0609020204030204" pitchFamily="49" charset="0"/>
+            </a:endParaRPr>
+          </a:p>
+          <a:p>
+            <a:pPr marL="0" indent="0">
+              <a:buNone/>
+            </a:pPr>
+            <a:endParaRPr lang="de-DE" sz="1600" dirty="0">
+              <a:latin typeface="Consolas" panose="020B0609020204030204" pitchFamily="49" charset="0"/>
+            </a:endParaRPr>
+          </a:p>
+        </p:txBody>
+      </p:sp>
+    </p:spTree>
+    <p:extLst>
+      <p:ext uri="{BB962C8B-B14F-4D97-AF65-F5344CB8AC3E}">
+        <p14:creationId xmlns:p14="http://schemas.microsoft.com/office/powerpoint/2010/main" val="3546609096"/>
+      </p:ext>
+    </p:extLst>
+  </p:cSld>
+  <p:clrMapOvr>
+    <a:masterClrMapping/>
+  </p:clrMapOvr>
+</p:sld>
+</file>
+
+<file path=ppt/slides/slide42.xml><?xml version="1.0" encoding="utf-8"?>
+<p:sld xmlns:a="http://schemas.openxmlformats.org/drawingml/2006/main" xmlns:r="http://schemas.openxmlformats.org/officeDocument/2006/relationships" xmlns:p="http://schemas.openxmlformats.org/presentationml/2006/main">
+  <p:cSld>
+    <p:spTree>
+      <p:nvGrpSpPr>
+        <p:cNvPr id="1" name=""/>
+        <p:cNvGrpSpPr/>
+        <p:nvPr/>
+      </p:nvGrpSpPr>
+      <p:grpSpPr>
+        <a:xfrm>
+          <a:off x="0" y="0"/>
+          <a:ext cx="0" cy="0"/>
+          <a:chOff x="0" y="0"/>
+          <a:chExt cx="0" cy="0"/>
+        </a:xfrm>
+      </p:grpSpPr>
+      <p:sp>
+        <p:nvSpPr>
+          <p:cNvPr id="2" name="Titel 1">
+            <a:extLst>
+              <a:ext uri="{FF2B5EF4-FFF2-40B4-BE49-F238E27FC236}">
+                <a16:creationId xmlns:a16="http://schemas.microsoft.com/office/drawing/2014/main" id="{49A48EBC-55D9-6D64-715F-AF6DEBF117C3}"/>
+              </a:ext>
+            </a:extLst>
+          </p:cNvPr>
+          <p:cNvSpPr>
+            <a:spLocks noGrp="1"/>
+          </p:cNvSpPr>
+          <p:nvPr>
+            <p:ph type="title"/>
+          </p:nvPr>
+        </p:nvSpPr>
+        <p:spPr/>
+        <p:txBody>
+          <a:bodyPr/>
+          <a:lstStyle/>
+          <a:p>
+            <a:r>
+              <a:rPr lang="de-DE" cap="none" dirty="0"/>
+              <a:t>Release- und </a:t>
+            </a:r>
+            <a:r>
+              <a:rPr lang="de-DE" cap="none" dirty="0" err="1"/>
+              <a:t>Tagged</a:t>
+            </a:r>
+            <a:r>
+              <a:rPr lang="de-DE" cap="none" dirty="0"/>
+              <a:t>-Images</a:t>
+            </a:r>
+            <a:endParaRPr lang="de-DE" dirty="0"/>
+          </a:p>
+        </p:txBody>
+      </p:sp>
+      <p:sp>
+        <p:nvSpPr>
+          <p:cNvPr id="3" name="Inhaltsplatzhalter 2">
+            <a:extLst>
+              <a:ext uri="{FF2B5EF4-FFF2-40B4-BE49-F238E27FC236}">
+                <a16:creationId xmlns:a16="http://schemas.microsoft.com/office/drawing/2014/main" id="{7B404127-ED2B-6905-BDD1-3C60D11A2A7C}"/>
+              </a:ext>
+            </a:extLst>
+          </p:cNvPr>
+          <p:cNvSpPr>
+            <a:spLocks noGrp="1"/>
+          </p:cNvSpPr>
+          <p:nvPr>
+            <p:ph idx="1"/>
+          </p:nvPr>
+        </p:nvSpPr>
+        <p:spPr/>
+        <p:txBody>
+          <a:bodyPr/>
+          <a:lstStyle/>
+          <a:p>
+            <a:pPr marL="0" indent="0">
+              <a:buNone/>
+            </a:pPr>
+            <a:r>
+              <a:rPr lang="de-DE" sz="2000" b="1" dirty="0">
+                <a:latin typeface="Consolas" panose="020B0609020204030204" pitchFamily="49" charset="0"/>
+              </a:rPr>
+              <a:t>.</a:t>
+            </a:r>
+            <a:r>
+              <a:rPr lang="de-DE" sz="2000" b="1" dirty="0" err="1">
+                <a:latin typeface="Consolas" panose="020B0609020204030204" pitchFamily="49" charset="0"/>
+              </a:rPr>
+              <a:t>gitlab-ci.yml</a:t>
+            </a:r>
+            <a:r>
+              <a:rPr lang="de-DE" sz="2000" b="1" dirty="0">
+                <a:latin typeface="Consolas" panose="020B0609020204030204" pitchFamily="49" charset="0"/>
+              </a:rPr>
+              <a:t> (4/4)</a:t>
+            </a:r>
+          </a:p>
+          <a:p>
+            <a:pPr marL="0" indent="0">
+              <a:buNone/>
+            </a:pPr>
+            <a:r>
+              <a:rPr lang="de-DE" sz="1400" dirty="0">
+                <a:latin typeface="Consolas" panose="020B0609020204030204" pitchFamily="49" charset="0"/>
+              </a:rPr>
+              <a:t>release-image:</a:t>
+            </a:r>
+          </a:p>
+          <a:p>
+            <a:pPr marL="0" indent="0">
+              <a:buNone/>
+            </a:pPr>
+            <a:r>
+              <a:rPr lang="de-DE" sz="1400" dirty="0">
+                <a:latin typeface="Consolas" panose="020B0609020204030204" pitchFamily="49" charset="0"/>
+              </a:rPr>
+              <a:t>  </a:t>
+            </a:r>
+            <a:r>
+              <a:rPr lang="de-DE" sz="1400" dirty="0" err="1">
+                <a:latin typeface="Consolas" panose="020B0609020204030204" pitchFamily="49" charset="0"/>
+              </a:rPr>
+              <a:t>stage</a:t>
+            </a:r>
+            <a:r>
+              <a:rPr lang="de-DE" sz="1400" dirty="0">
+                <a:latin typeface="Consolas" panose="020B0609020204030204" pitchFamily="49" charset="0"/>
+              </a:rPr>
+              <a:t>: release</a:t>
+            </a:r>
+          </a:p>
+          <a:p>
+            <a:pPr marL="0" indent="0">
+              <a:buNone/>
+            </a:pPr>
+            <a:r>
+              <a:rPr lang="de-DE" sz="1400" dirty="0">
+                <a:latin typeface="Consolas" panose="020B0609020204030204" pitchFamily="49" charset="0"/>
+              </a:rPr>
+              <a:t>  </a:t>
+            </a:r>
+            <a:r>
+              <a:rPr lang="de-DE" sz="1400" dirty="0" err="1">
+                <a:latin typeface="Consolas" panose="020B0609020204030204" pitchFamily="49" charset="0"/>
+              </a:rPr>
+              <a:t>script</a:t>
+            </a:r>
+            <a:r>
+              <a:rPr lang="de-DE" sz="1400" dirty="0">
+                <a:latin typeface="Consolas" panose="020B0609020204030204" pitchFamily="49" charset="0"/>
+              </a:rPr>
+              <a:t>:</a:t>
+            </a:r>
+          </a:p>
+          <a:p>
+            <a:pPr marL="0" indent="0">
+              <a:buNone/>
+            </a:pPr>
+            <a:r>
+              <a:rPr lang="de-DE" sz="1400" dirty="0">
+                <a:latin typeface="Consolas" panose="020B0609020204030204" pitchFamily="49" charset="0"/>
+              </a:rPr>
+              <a:t>    - </a:t>
+            </a:r>
+            <a:r>
+              <a:rPr lang="de-DE" sz="1400" dirty="0" err="1">
+                <a:latin typeface="Consolas" panose="020B0609020204030204" pitchFamily="49" charset="0"/>
+              </a:rPr>
+              <a:t>docker</a:t>
+            </a:r>
+            <a:r>
+              <a:rPr lang="de-DE" sz="1400" dirty="0">
+                <a:latin typeface="Consolas" panose="020B0609020204030204" pitchFamily="49" charset="0"/>
+              </a:rPr>
+              <a:t> pull $CONTAINER_TEST_IMAGE </a:t>
+            </a:r>
+            <a:r>
+              <a:rPr lang="de-DE" sz="1400" dirty="0">
+                <a:solidFill>
+                  <a:srgbClr val="008C5A"/>
+                </a:solidFill>
+                <a:latin typeface="Consolas" panose="020B0609020204030204" pitchFamily="49" charset="0"/>
+              </a:rPr>
+              <a:t># 2. Von den nachfolgenden Stages (bei Bedarf) </a:t>
+            </a:r>
+            <a:r>
+              <a:rPr lang="de-DE" sz="1400" dirty="0" err="1">
+                <a:solidFill>
+                  <a:srgbClr val="008C5A"/>
+                </a:solidFill>
+                <a:latin typeface="Consolas" panose="020B0609020204030204" pitchFamily="49" charset="0"/>
+              </a:rPr>
+              <a:t>gepulled</a:t>
+            </a:r>
+            <a:endParaRPr lang="de-DE" sz="1400" dirty="0">
+              <a:solidFill>
+                <a:srgbClr val="008C5A"/>
+              </a:solidFill>
+              <a:latin typeface="Consolas" panose="020B0609020204030204" pitchFamily="49" charset="0"/>
+            </a:endParaRPr>
+          </a:p>
+          <a:p>
+            <a:pPr marL="0" indent="0">
+              <a:buNone/>
+            </a:pPr>
+            <a:r>
+              <a:rPr lang="de-DE" sz="1400" dirty="0">
+                <a:latin typeface="Consolas" panose="020B0609020204030204" pitchFamily="49" charset="0"/>
+              </a:rPr>
+              <a:t>    - </a:t>
+            </a:r>
+            <a:r>
+              <a:rPr lang="de-DE" sz="1400" dirty="0" err="1">
+                <a:latin typeface="Consolas" panose="020B0609020204030204" pitchFamily="49" charset="0"/>
+              </a:rPr>
+              <a:t>docker</a:t>
+            </a:r>
+            <a:r>
+              <a:rPr lang="de-DE" sz="1400" dirty="0">
+                <a:latin typeface="Consolas" panose="020B0609020204030204" pitchFamily="49" charset="0"/>
+              </a:rPr>
+              <a:t> tag $CONTAINER_TEST_IMAGE $CONTAINER_RELEASE_IMAGE </a:t>
+            </a:r>
+            <a:r>
+              <a:rPr lang="de-DE" sz="1400" dirty="0">
+                <a:solidFill>
+                  <a:srgbClr val="008C5A"/>
+                </a:solidFill>
+                <a:latin typeface="Consolas" panose="020B0609020204030204" pitchFamily="49" charset="0"/>
+              </a:rPr>
+              <a:t># 4. Änderungen am </a:t>
+            </a:r>
+            <a:r>
+              <a:rPr lang="de-DE" sz="1400" dirty="0" err="1">
+                <a:solidFill>
+                  <a:srgbClr val="008C5A"/>
+                </a:solidFill>
+                <a:latin typeface="Consolas" panose="020B0609020204030204" pitchFamily="49" charset="0"/>
+              </a:rPr>
+              <a:t>main</a:t>
+            </a:r>
+            <a:r>
+              <a:rPr lang="de-DE" sz="1400" dirty="0">
+                <a:solidFill>
+                  <a:srgbClr val="008C5A"/>
+                </a:solidFill>
+                <a:latin typeface="Consolas" panose="020B0609020204030204" pitchFamily="49" charset="0"/>
+              </a:rPr>
+              <a:t> werden als </a:t>
+            </a:r>
+            <a:r>
+              <a:rPr lang="de-DE" sz="1400" dirty="0" err="1">
+                <a:solidFill>
+                  <a:srgbClr val="008C5A"/>
+                </a:solidFill>
+                <a:latin typeface="Consolas" panose="020B0609020204030204" pitchFamily="49" charset="0"/>
+              </a:rPr>
+              <a:t>latest</a:t>
+            </a:r>
+            <a:r>
+              <a:rPr lang="de-DE" sz="1400" dirty="0">
+                <a:solidFill>
+                  <a:srgbClr val="008C5A"/>
+                </a:solidFill>
+                <a:latin typeface="Consolas" panose="020B0609020204030204" pitchFamily="49" charset="0"/>
+              </a:rPr>
+              <a:t> </a:t>
+            </a:r>
+            <a:r>
+              <a:rPr lang="de-DE" sz="1400" dirty="0" err="1">
+                <a:solidFill>
+                  <a:srgbClr val="008C5A"/>
+                </a:solidFill>
+                <a:latin typeface="Consolas" panose="020B0609020204030204" pitchFamily="49" charset="0"/>
+              </a:rPr>
+              <a:t>getagged</a:t>
+            </a:r>
+            <a:endParaRPr lang="de-DE" sz="1400" dirty="0">
+              <a:solidFill>
+                <a:srgbClr val="008C5A"/>
+              </a:solidFill>
+              <a:latin typeface="Consolas" panose="020B0609020204030204" pitchFamily="49" charset="0"/>
+            </a:endParaRPr>
+          </a:p>
+          <a:p>
+            <a:pPr marL="0" indent="0">
+              <a:buNone/>
+            </a:pPr>
+            <a:r>
+              <a:rPr lang="de-DE" sz="1400" dirty="0">
+                <a:latin typeface="Consolas" panose="020B0609020204030204" pitchFamily="49" charset="0"/>
+              </a:rPr>
+              <a:t>    - </a:t>
+            </a:r>
+            <a:r>
+              <a:rPr lang="de-DE" sz="1400" dirty="0" err="1">
+                <a:latin typeface="Consolas" panose="020B0609020204030204" pitchFamily="49" charset="0"/>
+              </a:rPr>
+              <a:t>docker</a:t>
+            </a:r>
+            <a:r>
+              <a:rPr lang="de-DE" sz="1400" dirty="0">
+                <a:latin typeface="Consolas" panose="020B0609020204030204" pitchFamily="49" charset="0"/>
+              </a:rPr>
+              <a:t> push $CONTAINER_RELEASE_IMAGE</a:t>
+            </a:r>
+          </a:p>
+          <a:p>
+            <a:pPr marL="0" indent="0">
+              <a:buNone/>
+            </a:pPr>
+            <a:r>
+              <a:rPr lang="de-DE" sz="1400" dirty="0">
+                <a:latin typeface="Consolas" panose="020B0609020204030204" pitchFamily="49" charset="0"/>
+              </a:rPr>
+              <a:t>  </a:t>
+            </a:r>
+            <a:r>
+              <a:rPr lang="de-DE" sz="1400" dirty="0" err="1">
+                <a:latin typeface="Consolas" panose="020B0609020204030204" pitchFamily="49" charset="0"/>
+              </a:rPr>
+              <a:t>only</a:t>
+            </a:r>
+            <a:r>
+              <a:rPr lang="de-DE" sz="1400" dirty="0">
+                <a:latin typeface="Consolas" panose="020B0609020204030204" pitchFamily="49" charset="0"/>
+              </a:rPr>
+              <a:t>:</a:t>
+            </a:r>
+          </a:p>
+          <a:p>
+            <a:pPr marL="0" indent="0">
+              <a:buNone/>
+            </a:pPr>
+            <a:r>
+              <a:rPr lang="de-DE" sz="1400" dirty="0">
+                <a:latin typeface="Consolas" panose="020B0609020204030204" pitchFamily="49" charset="0"/>
+              </a:rPr>
+              <a:t>    - </a:t>
+            </a:r>
+            <a:r>
+              <a:rPr lang="de-DE" sz="1400" dirty="0" err="1">
+                <a:latin typeface="Consolas" panose="020B0609020204030204" pitchFamily="49" charset="0"/>
+              </a:rPr>
+              <a:t>main</a:t>
+            </a:r>
+            <a:endParaRPr lang="de-DE" sz="1400" dirty="0">
+              <a:latin typeface="Consolas" panose="020B0609020204030204" pitchFamily="49" charset="0"/>
+            </a:endParaRPr>
+          </a:p>
+          <a:p>
+            <a:pPr marL="0" indent="0">
+              <a:buNone/>
+            </a:pPr>
+            <a:endParaRPr lang="de-DE" sz="1400" dirty="0">
+              <a:latin typeface="Consolas" panose="020B0609020204030204" pitchFamily="49" charset="0"/>
+            </a:endParaRPr>
+          </a:p>
+          <a:p>
+            <a:pPr marL="0" indent="0">
+              <a:buNone/>
+            </a:pPr>
+            <a:r>
+              <a:rPr lang="de-DE" sz="1400" dirty="0">
+                <a:solidFill>
+                  <a:srgbClr val="008C5A"/>
+                </a:solidFill>
+                <a:latin typeface="Consolas" panose="020B0609020204030204" pitchFamily="49" charset="0"/>
+              </a:rPr>
+              <a:t># 5. </a:t>
+            </a:r>
+            <a:r>
+              <a:rPr lang="de-DE" sz="1400" dirty="0" err="1">
+                <a:solidFill>
+                  <a:srgbClr val="008C5A"/>
+                </a:solidFill>
+                <a:latin typeface="Consolas" panose="020B0609020204030204" pitchFamily="49" charset="0"/>
+              </a:rPr>
+              <a:t>Deployment</a:t>
+            </a:r>
+            <a:r>
+              <a:rPr lang="de-DE" sz="1400" dirty="0">
+                <a:solidFill>
+                  <a:srgbClr val="008C5A"/>
+                </a:solidFill>
+                <a:latin typeface="Consolas" panose="020B0609020204030204" pitchFamily="49" charset="0"/>
+              </a:rPr>
+              <a:t> über anwendungs-spezifisches Deploy-Skript</a:t>
+            </a:r>
+          </a:p>
+          <a:p>
+            <a:pPr marL="0" indent="0">
+              <a:buNone/>
+            </a:pPr>
+            <a:r>
+              <a:rPr lang="de-DE" sz="1400" dirty="0">
+                <a:latin typeface="Consolas" panose="020B0609020204030204" pitchFamily="49" charset="0"/>
+              </a:rPr>
+              <a:t>deploy:</a:t>
+            </a:r>
+          </a:p>
+          <a:p>
+            <a:pPr marL="0" indent="0">
+              <a:buNone/>
+            </a:pPr>
+            <a:r>
+              <a:rPr lang="de-DE" sz="1400" dirty="0">
+                <a:latin typeface="Consolas" panose="020B0609020204030204" pitchFamily="49" charset="0"/>
+              </a:rPr>
+              <a:t>  </a:t>
+            </a:r>
+            <a:r>
+              <a:rPr lang="de-DE" sz="1400" dirty="0" err="1">
+                <a:latin typeface="Consolas" panose="020B0609020204030204" pitchFamily="49" charset="0"/>
+              </a:rPr>
+              <a:t>stage</a:t>
+            </a:r>
+            <a:r>
+              <a:rPr lang="de-DE" sz="1400" dirty="0">
+                <a:latin typeface="Consolas" panose="020B0609020204030204" pitchFamily="49" charset="0"/>
+              </a:rPr>
+              <a:t>: deploy</a:t>
+            </a:r>
+          </a:p>
+          <a:p>
+            <a:pPr marL="0" indent="0">
+              <a:buNone/>
+            </a:pPr>
+            <a:r>
+              <a:rPr lang="de-DE" sz="1400" dirty="0">
+                <a:latin typeface="Consolas" panose="020B0609020204030204" pitchFamily="49" charset="0"/>
+              </a:rPr>
+              <a:t>  </a:t>
+            </a:r>
+            <a:r>
+              <a:rPr lang="de-DE" sz="1400" dirty="0" err="1">
+                <a:latin typeface="Consolas" panose="020B0609020204030204" pitchFamily="49" charset="0"/>
+              </a:rPr>
+              <a:t>script</a:t>
+            </a:r>
+            <a:r>
+              <a:rPr lang="de-DE" sz="1400" dirty="0">
+                <a:latin typeface="Consolas" panose="020B0609020204030204" pitchFamily="49" charset="0"/>
+              </a:rPr>
+              <a:t>:</a:t>
+            </a:r>
+          </a:p>
+          <a:p>
+            <a:pPr marL="0" indent="0">
+              <a:buNone/>
+            </a:pPr>
+            <a:r>
+              <a:rPr lang="de-DE" sz="1400" dirty="0">
+                <a:latin typeface="Consolas" panose="020B0609020204030204" pitchFamily="49" charset="0"/>
+              </a:rPr>
+              <a:t>    - ./deploy.sh</a:t>
+            </a:r>
+          </a:p>
+          <a:p>
+            <a:pPr marL="0" indent="0">
+              <a:buNone/>
+            </a:pPr>
+            <a:r>
+              <a:rPr lang="de-DE" sz="1400" dirty="0">
+                <a:latin typeface="Consolas" panose="020B0609020204030204" pitchFamily="49" charset="0"/>
+              </a:rPr>
+              <a:t>  </a:t>
+            </a:r>
+            <a:r>
+              <a:rPr lang="de-DE" sz="1400" dirty="0" err="1">
+                <a:latin typeface="Consolas" panose="020B0609020204030204" pitchFamily="49" charset="0"/>
+              </a:rPr>
+              <a:t>only</a:t>
+            </a:r>
+            <a:r>
+              <a:rPr lang="de-DE" sz="1400" dirty="0">
+                <a:latin typeface="Consolas" panose="020B0609020204030204" pitchFamily="49" charset="0"/>
+              </a:rPr>
+              <a:t>:</a:t>
+            </a:r>
+          </a:p>
+          <a:p>
+            <a:pPr marL="0" indent="0">
+              <a:buNone/>
+            </a:pPr>
+            <a:r>
+              <a:rPr lang="de-DE" sz="1400" dirty="0">
+                <a:latin typeface="Consolas" panose="020B0609020204030204" pitchFamily="49" charset="0"/>
+              </a:rPr>
+              <a:t>    - </a:t>
+            </a:r>
+            <a:r>
+              <a:rPr lang="de-DE" sz="1400" dirty="0" err="1">
+                <a:latin typeface="Consolas" panose="020B0609020204030204" pitchFamily="49" charset="0"/>
+              </a:rPr>
+              <a:t>main</a:t>
+            </a:r>
+            <a:endParaRPr lang="de-DE" sz="1400" dirty="0">
+              <a:latin typeface="Consolas" panose="020B0609020204030204" pitchFamily="49" charset="0"/>
+            </a:endParaRPr>
+          </a:p>
+          <a:p>
+            <a:pPr marL="0" indent="0">
+              <a:buNone/>
+            </a:pPr>
+            <a:r>
+              <a:rPr lang="de-DE" sz="1400" dirty="0">
+                <a:latin typeface="Consolas" panose="020B0609020204030204" pitchFamily="49" charset="0"/>
+              </a:rPr>
+              <a:t>  </a:t>
+            </a:r>
+            <a:r>
+              <a:rPr lang="de-DE" sz="1400" dirty="0" err="1">
+                <a:latin typeface="Consolas" panose="020B0609020204030204" pitchFamily="49" charset="0"/>
+              </a:rPr>
+              <a:t>environment</a:t>
+            </a:r>
+            <a:r>
+              <a:rPr lang="de-DE" sz="1400" dirty="0">
+                <a:latin typeface="Consolas" panose="020B0609020204030204" pitchFamily="49" charset="0"/>
+              </a:rPr>
+              <a:t>: </a:t>
+            </a:r>
+            <a:r>
+              <a:rPr lang="de-DE" sz="1400" dirty="0" err="1">
+                <a:latin typeface="Consolas" panose="020B0609020204030204" pitchFamily="49" charset="0"/>
+              </a:rPr>
+              <a:t>production</a:t>
+            </a:r>
+            <a:endParaRPr lang="de-DE" sz="1400" dirty="0">
+              <a:latin typeface="Consolas" panose="020B0609020204030204" pitchFamily="49" charset="0"/>
+            </a:endParaRPr>
+          </a:p>
+          <a:p>
+            <a:pPr marL="0" indent="0">
+              <a:buNone/>
+            </a:pPr>
+            <a:endParaRPr lang="de-DE" sz="1600" dirty="0">
+              <a:latin typeface="Consolas" panose="020B0609020204030204" pitchFamily="49" charset="0"/>
+            </a:endParaRPr>
+          </a:p>
+          <a:p>
+            <a:pPr marL="0" indent="0">
+              <a:buNone/>
+            </a:pPr>
+            <a:endParaRPr lang="de-DE" sz="1600" dirty="0">
+              <a:latin typeface="Consolas" panose="020B0609020204030204" pitchFamily="49" charset="0"/>
+            </a:endParaRPr>
+          </a:p>
+          <a:p>
+            <a:pPr marL="0" indent="0">
+              <a:buNone/>
+            </a:pPr>
+            <a:endParaRPr lang="de-DE" sz="1600" dirty="0">
+              <a:latin typeface="Consolas" panose="020B0609020204030204" pitchFamily="49" charset="0"/>
+            </a:endParaRPr>
+          </a:p>
+        </p:txBody>
+      </p:sp>
+    </p:spTree>
+    <p:extLst>
+      <p:ext uri="{BB962C8B-B14F-4D97-AF65-F5344CB8AC3E}">
+        <p14:creationId xmlns:p14="http://schemas.microsoft.com/office/powerpoint/2010/main" val="2664526633"/>
       </p:ext>
     </p:extLst>
   </p:cSld>

--- a/slides/Tag-3_3-Release-und-Tagged-Images.pptx
+++ b/slides/Tag-3_3-Release-und-Tagged-Images.pptx
@@ -3087,7 +3087,7 @@
               <a:pPr algn="ctr">
                 <a:defRPr/>
               </a:pPr>
-              <a:t>05.06.2024</a:t>
+              <a:t>06.06.2024</a:t>
             </a:fld>
             <a:endParaRPr lang="de-DE" sz="1000">
               <a:solidFill>
@@ -14113,7 +14113,7 @@
 </file>
 
 <file path=ppt/slides/slide32.xml><?xml version="1.0" encoding="utf-8"?>
-<p:sld xmlns:a="http://schemas.openxmlformats.org/drawingml/2006/main" xmlns:r="http://schemas.openxmlformats.org/officeDocument/2006/relationships" xmlns:p="http://schemas.openxmlformats.org/presentationml/2006/main">
+<p:sld xmlns:a="http://schemas.openxmlformats.org/drawingml/2006/main" xmlns:r="http://schemas.openxmlformats.org/officeDocument/2006/relationships" xmlns:p="http://schemas.openxmlformats.org/presentationml/2006/main" show="0">
   <p:cSld>
     <p:spTree>
       <p:nvGrpSpPr>
@@ -14474,7 +14474,7 @@
 </file>
 
 <file path=ppt/slides/slide33.xml><?xml version="1.0" encoding="utf-8"?>
-<p:sld xmlns:a="http://schemas.openxmlformats.org/drawingml/2006/main" xmlns:r="http://schemas.openxmlformats.org/officeDocument/2006/relationships" xmlns:p="http://schemas.openxmlformats.org/presentationml/2006/main">
+<p:sld xmlns:a="http://schemas.openxmlformats.org/drawingml/2006/main" xmlns:r="http://schemas.openxmlformats.org/officeDocument/2006/relationships" xmlns:p="http://schemas.openxmlformats.org/presentationml/2006/main" show="0">
   <p:cSld>
     <p:spTree>
       <p:nvGrpSpPr>
@@ -14753,7 +14753,7 @@
 </file>
 
 <file path=ppt/slides/slide34.xml><?xml version="1.0" encoding="utf-8"?>
-<p:sld xmlns:a="http://schemas.openxmlformats.org/drawingml/2006/main" xmlns:r="http://schemas.openxmlformats.org/officeDocument/2006/relationships" xmlns:p="http://schemas.openxmlformats.org/presentationml/2006/main">
+<p:sld xmlns:a="http://schemas.openxmlformats.org/drawingml/2006/main" xmlns:r="http://schemas.openxmlformats.org/officeDocument/2006/relationships" xmlns:p="http://schemas.openxmlformats.org/presentationml/2006/main" show="0">
   <p:cSld>
     <p:spTree>
       <p:nvGrpSpPr>
@@ -14871,7 +14871,7 @@
 </file>
 
 <file path=ppt/slides/slide35.xml><?xml version="1.0" encoding="utf-8"?>
-<p:sld xmlns:a="http://schemas.openxmlformats.org/drawingml/2006/main" xmlns:r="http://schemas.openxmlformats.org/officeDocument/2006/relationships" xmlns:p="http://schemas.openxmlformats.org/presentationml/2006/main">
+<p:sld xmlns:a="http://schemas.openxmlformats.org/drawingml/2006/main" xmlns:r="http://schemas.openxmlformats.org/officeDocument/2006/relationships" xmlns:p="http://schemas.openxmlformats.org/presentationml/2006/main" show="0">
   <p:cSld>
     <p:spTree>
       <p:nvGrpSpPr>
@@ -15303,7 +15303,7 @@
 </file>
 
 <file path=ppt/slides/slide36.xml><?xml version="1.0" encoding="utf-8"?>
-<p:sld xmlns:a="http://schemas.openxmlformats.org/drawingml/2006/main" xmlns:r="http://schemas.openxmlformats.org/officeDocument/2006/relationships" xmlns:p="http://schemas.openxmlformats.org/presentationml/2006/main">
+<p:sld xmlns:a="http://schemas.openxmlformats.org/drawingml/2006/main" xmlns:r="http://schemas.openxmlformats.org/officeDocument/2006/relationships" xmlns:p="http://schemas.openxmlformats.org/presentationml/2006/main" show="0">
   <p:cSld>
     <p:spTree>
       <p:nvGrpSpPr>

--- a/slides/Tag-3_3-Release-und-Tagged-Images.pptx
+++ b/slides/Tag-3_3-Release-und-Tagged-Images.pptx
@@ -3450,7 +3450,7 @@
               <a:pPr algn="ctr">
                 <a:defRPr/>
               </a:pPr>
-              <a:t>19.06.2024</a:t>
+              <a:t>06.07.2024</a:t>
             </a:fld>
             <a:endParaRPr lang="de-DE" sz="1000">
               <a:solidFill>
@@ -5553,8 +5553,12 @@
               <a:buNone/>
             </a:pPr>
             <a:r>
+              <a:rPr lang="de-DE" altLang="de-DE" sz="1600"/>
+              <a:t>10.07.2024</a:t>
+            </a:r>
+            <a:r>
               <a:rPr lang="de-DE" altLang="de-DE" sz="1600" dirty="0"/>
-              <a:t>19.06.2024, Daniel Krämer</a:t>
+              <a:t>, Daniel Krämer</a:t>
             </a:r>
           </a:p>
         </p:txBody>

--- a/slides/Tag-3_3-Release-und-Tagged-Images.pptx
+++ b/slides/Tag-3_3-Release-und-Tagged-Images.pptx
@@ -3450,7 +3450,7 @@
               <a:pPr algn="ctr">
                 <a:defRPr/>
               </a:pPr>
-              <a:t>06.07.2024</a:t>
+              <a:t>10.07.2024</a:t>
             </a:fld>
             <a:endParaRPr lang="de-DE" sz="1000">
               <a:solidFill>
@@ -3865,7 +3865,7 @@
                 </a:solidFill>
                 <a:latin typeface="Arial" charset="0"/>
               </a:rPr>
-              <a:t>Tag-3_4-Release-und-Tagged-Images.pptx</a:t>
+              <a:t>Tag-3_3-Release-und-Tagged-Images.pptx</a:t>
             </a:r>
             <a:endParaRPr lang="de-DE" dirty="0">
               <a:solidFill>
@@ -8596,7 +8596,7 @@
             </a:pPr>
             <a:r>
               <a:rPr lang="de-DE" dirty="0"/>
-              <a:t>Authentifizierung in CI/CD Pipelines</a:t>
+              <a:t>Authentifizierung innerhalb CI/CD Pipelines</a:t>
             </a:r>
           </a:p>
           <a:p>
@@ -9274,7 +9274,7 @@
             </a:pPr>
             <a:r>
               <a:rPr lang="de-DE" b="1" dirty="0"/>
-              <a:t>Authentifizierung in CI/CD Pipelines</a:t>
+              <a:t>Authentifizierung innerhalb CI/CD Pipelines</a:t>
             </a:r>
             <a:endParaRPr lang="de-DE" dirty="0"/>
           </a:p>
@@ -9565,7 +9565,7 @@
             </a:pPr>
             <a:r>
               <a:rPr lang="de-DE" b="1" dirty="0"/>
-              <a:t>Authentifizierung in CI/CD Pipelines</a:t>
+              <a:t>Authentifizierung innerhalb CI/CD Pipelines</a:t>
             </a:r>
           </a:p>
           <a:p>
@@ -16927,14 +16927,6 @@
               <a:rPr lang="de-DE" dirty="0"/>
               <a:t>Aussagekräftige Labels für Images</a:t>
             </a:r>
-            <a:endParaRPr lang="de-DE" b="1" dirty="0"/>
-          </a:p>
-          <a:p>
-            <a:pPr>
-              <a:buFont typeface="Arial" panose="020B0604020202020204" pitchFamily="34" charset="0"/>
-              <a:buChar char="•"/>
-            </a:pPr>
-            <a:endParaRPr lang="de-DE" dirty="0"/>
           </a:p>
           <a:p>
             <a:pPr>

--- a/slides/Tag-3_3-Release-und-Tagged-Images.pptx
+++ b/slides/Tag-3_3-Release-und-Tagged-Images.pptx
@@ -6,50 +6,48 @@
     <p:sldMasterId id="2147483649" r:id="rId2"/>
   </p:sldMasterIdLst>
   <p:notesMasterIdLst>
-    <p:notesMasterId r:id="rId41"/>
+    <p:notesMasterId r:id="rId39"/>
   </p:notesMasterIdLst>
   <p:handoutMasterIdLst>
-    <p:handoutMasterId r:id="rId42"/>
+    <p:handoutMasterId r:id="rId40"/>
   </p:handoutMasterIdLst>
   <p:sldIdLst>
-    <p:sldId id="624" r:id="rId3"/>
-    <p:sldId id="592" r:id="rId4"/>
-    <p:sldId id="641" r:id="rId5"/>
-    <p:sldId id="587" r:id="rId6"/>
-    <p:sldId id="589" r:id="rId7"/>
-    <p:sldId id="590" r:id="rId8"/>
-    <p:sldId id="597" r:id="rId9"/>
-    <p:sldId id="598" r:id="rId10"/>
-    <p:sldId id="594" r:id="rId11"/>
-    <p:sldId id="595" r:id="rId12"/>
-    <p:sldId id="596" r:id="rId13"/>
-    <p:sldId id="599" r:id="rId14"/>
-    <p:sldId id="600" r:id="rId15"/>
-    <p:sldId id="602" r:id="rId16"/>
-    <p:sldId id="603" r:id="rId17"/>
-    <p:sldId id="591" r:id="rId18"/>
-    <p:sldId id="601" r:id="rId19"/>
-    <p:sldId id="604" r:id="rId20"/>
-    <p:sldId id="605" r:id="rId21"/>
-    <p:sldId id="606" r:id="rId22"/>
-    <p:sldId id="588" r:id="rId23"/>
-    <p:sldId id="607" r:id="rId24"/>
-    <p:sldId id="637" r:id="rId25"/>
-    <p:sldId id="608" r:id="rId26"/>
-    <p:sldId id="638" r:id="rId27"/>
-    <p:sldId id="609" r:id="rId28"/>
-    <p:sldId id="619" r:id="rId29"/>
-    <p:sldId id="618" r:id="rId30"/>
-    <p:sldId id="620" r:id="rId31"/>
-    <p:sldId id="621" r:id="rId32"/>
-    <p:sldId id="617" r:id="rId33"/>
-    <p:sldId id="639" r:id="rId34"/>
-    <p:sldId id="622" r:id="rId35"/>
-    <p:sldId id="623" r:id="rId36"/>
-    <p:sldId id="632" r:id="rId37"/>
-    <p:sldId id="625" r:id="rId38"/>
-    <p:sldId id="633" r:id="rId39"/>
-    <p:sldId id="626" r:id="rId40"/>
+    <p:sldId id="641" r:id="rId3"/>
+    <p:sldId id="587" r:id="rId4"/>
+    <p:sldId id="589" r:id="rId5"/>
+    <p:sldId id="590" r:id="rId6"/>
+    <p:sldId id="597" r:id="rId7"/>
+    <p:sldId id="598" r:id="rId8"/>
+    <p:sldId id="594" r:id="rId9"/>
+    <p:sldId id="595" r:id="rId10"/>
+    <p:sldId id="596" r:id="rId11"/>
+    <p:sldId id="599" r:id="rId12"/>
+    <p:sldId id="600" r:id="rId13"/>
+    <p:sldId id="602" r:id="rId14"/>
+    <p:sldId id="603" r:id="rId15"/>
+    <p:sldId id="591" r:id="rId16"/>
+    <p:sldId id="601" r:id="rId17"/>
+    <p:sldId id="604" r:id="rId18"/>
+    <p:sldId id="605" r:id="rId19"/>
+    <p:sldId id="606" r:id="rId20"/>
+    <p:sldId id="588" r:id="rId21"/>
+    <p:sldId id="607" r:id="rId22"/>
+    <p:sldId id="637" r:id="rId23"/>
+    <p:sldId id="608" r:id="rId24"/>
+    <p:sldId id="638" r:id="rId25"/>
+    <p:sldId id="609" r:id="rId26"/>
+    <p:sldId id="619" r:id="rId27"/>
+    <p:sldId id="618" r:id="rId28"/>
+    <p:sldId id="620" r:id="rId29"/>
+    <p:sldId id="621" r:id="rId30"/>
+    <p:sldId id="617" r:id="rId31"/>
+    <p:sldId id="639" r:id="rId32"/>
+    <p:sldId id="622" r:id="rId33"/>
+    <p:sldId id="623" r:id="rId34"/>
+    <p:sldId id="632" r:id="rId35"/>
+    <p:sldId id="625" r:id="rId36"/>
+    <p:sldId id="633" r:id="rId37"/>
+    <p:sldId id="626" r:id="rId38"/>
   </p:sldIdLst>
   <p:sldSz cx="9144000" cy="6858000" type="screen4x3"/>
   <p:notesSz cx="6784975" cy="9921875"/>
@@ -1001,7 +999,10 @@
           <a:bodyPr/>
           <a:lstStyle/>
           <a:p>
-            <a:endParaRPr lang="de-DE" dirty="0"/>
+            <a:r>
+              <a:rPr lang="de-DE" dirty="0"/>
+              <a:t>https://kodekloud.com/blog/docker-image-tag/</a:t>
+            </a:r>
           </a:p>
         </p:txBody>
       </p:sp>
@@ -1023,7 +1024,7 @@
             <a:fld id="{18182567-388C-4D33-8B7B-A651F195F118}" type="slidenum">
               <a:rPr lang="de-DE" altLang="de-DE" smtClean="0"/>
               <a:pPr/>
-              <a:t>1</a:t>
+              <a:t>5</a:t>
             </a:fld>
             <a:endParaRPr lang="de-DE" altLang="de-DE"/>
           </a:p>
@@ -1032,7 +1033,7 @@
     </p:spTree>
     <p:extLst>
       <p:ext uri="{BB962C8B-B14F-4D97-AF65-F5344CB8AC3E}">
-        <p14:creationId xmlns:p14="http://schemas.microsoft.com/office/powerpoint/2010/main" val="983849172"/>
+        <p14:creationId xmlns:p14="http://schemas.microsoft.com/office/powerpoint/2010/main" val="3711379124"/>
       </p:ext>
     </p:extLst>
   </p:cSld>
@@ -1111,7 +1112,7 @@
             <a:fld id="{18182567-388C-4D33-8B7B-A651F195F118}" type="slidenum">
               <a:rPr lang="de-DE" altLang="de-DE" smtClean="0"/>
               <a:pPr/>
-              <a:t>21</a:t>
+              <a:t>20</a:t>
             </a:fld>
             <a:endParaRPr lang="de-DE" altLang="de-DE"/>
           </a:p>
@@ -1120,7 +1121,7 @@
     </p:spTree>
     <p:extLst>
       <p:ext uri="{BB962C8B-B14F-4D97-AF65-F5344CB8AC3E}">
-        <p14:creationId xmlns:p14="http://schemas.microsoft.com/office/powerpoint/2010/main" val="1015434146"/>
+        <p14:creationId xmlns:p14="http://schemas.microsoft.com/office/powerpoint/2010/main" val="3496549736"/>
       </p:ext>
     </p:extLst>
   </p:cSld>
@@ -1199,7 +1200,7 @@
             <a:fld id="{18182567-388C-4D33-8B7B-A651F195F118}" type="slidenum">
               <a:rPr lang="de-DE" altLang="de-DE" smtClean="0"/>
               <a:pPr/>
-              <a:t>22</a:t>
+              <a:t>21</a:t>
             </a:fld>
             <a:endParaRPr lang="de-DE" altLang="de-DE"/>
           </a:p>
@@ -1208,7 +1209,7 @@
     </p:spTree>
     <p:extLst>
       <p:ext uri="{BB962C8B-B14F-4D97-AF65-F5344CB8AC3E}">
-        <p14:creationId xmlns:p14="http://schemas.microsoft.com/office/powerpoint/2010/main" val="3496549736"/>
+        <p14:creationId xmlns:p14="http://schemas.microsoft.com/office/powerpoint/2010/main" val="4044532184"/>
       </p:ext>
     </p:extLst>
   </p:cSld>
@@ -1262,10 +1263,7 @@
           <a:bodyPr/>
           <a:lstStyle/>
           <a:p>
-            <a:r>
-              <a:rPr lang="de-DE" dirty="0"/>
-              <a:t>https://docs.gitlab.com/ee/user/packages/container_registry/authenticate_with_container_registry.html</a:t>
-            </a:r>
+            <a:endParaRPr lang="de-DE" dirty="0"/>
           </a:p>
         </p:txBody>
       </p:sp>
@@ -1287,7 +1285,7 @@
             <a:fld id="{18182567-388C-4D33-8B7B-A651F195F118}" type="slidenum">
               <a:rPr lang="de-DE" altLang="de-DE" smtClean="0"/>
               <a:pPr/>
-              <a:t>23</a:t>
+              <a:t>22</a:t>
             </a:fld>
             <a:endParaRPr lang="de-DE" altLang="de-DE"/>
           </a:p>
@@ -1296,7 +1294,7 @@
     </p:spTree>
     <p:extLst>
       <p:ext uri="{BB962C8B-B14F-4D97-AF65-F5344CB8AC3E}">
-        <p14:creationId xmlns:p14="http://schemas.microsoft.com/office/powerpoint/2010/main" val="4044532184"/>
+        <p14:creationId xmlns:p14="http://schemas.microsoft.com/office/powerpoint/2010/main" val="1133817201"/>
       </p:ext>
     </p:extLst>
   </p:cSld>
@@ -1372,7 +1370,7 @@
             <a:fld id="{18182567-388C-4D33-8B7B-A651F195F118}" type="slidenum">
               <a:rPr lang="de-DE" altLang="de-DE" smtClean="0"/>
               <a:pPr/>
-              <a:t>24</a:t>
+              <a:t>23</a:t>
             </a:fld>
             <a:endParaRPr lang="de-DE" altLang="de-DE"/>
           </a:p>
@@ -1381,7 +1379,7 @@
     </p:spTree>
     <p:extLst>
       <p:ext uri="{BB962C8B-B14F-4D97-AF65-F5344CB8AC3E}">
-        <p14:creationId xmlns:p14="http://schemas.microsoft.com/office/powerpoint/2010/main" val="1133817201"/>
+        <p14:creationId xmlns:p14="http://schemas.microsoft.com/office/powerpoint/2010/main" val="3795170457"/>
       </p:ext>
     </p:extLst>
   </p:cSld>
@@ -1435,6 +1433,43 @@
           <a:bodyPr/>
           <a:lstStyle/>
           <a:p>
+            <a:pPr algn="l"/>
+            <a:r>
+              <a:rPr lang="en-US" b="0" i="0" dirty="0">
+                <a:solidFill>
+                  <a:srgbClr val="404040"/>
+                </a:solidFill>
+                <a:effectLst/>
+                <a:latin typeface="gitlab sans"/>
+              </a:rPr>
+              <a:t>You can use </a:t>
+            </a:r>
+            <a:r>
+              <a:rPr lang="en-US" b="0" i="0" u="none" strike="noStrike" dirty="0">
+                <a:solidFill>
+                  <a:srgbClr val="5943B6"/>
+                </a:solidFill>
+                <a:effectLst/>
+                <a:latin typeface="gitlab sans"/>
+                <a:hlinkClick r:id="rId3"/>
+              </a:rPr>
+              <a:t>GitLab CI/CD</a:t>
+            </a:r>
+            <a:r>
+              <a:rPr lang="en-US" b="0" i="0" dirty="0">
+                <a:solidFill>
+                  <a:srgbClr val="404040"/>
+                </a:solidFill>
+                <a:effectLst/>
+                <a:latin typeface="gitlab sans"/>
+              </a:rPr>
+              <a:t> to build and push container images to the Container Registry. You can use CI/CD to test, build, and deploy your project from the container image you created.</a:t>
+            </a:r>
+          </a:p>
+          <a:p>
+            <a:br>
+              <a:rPr lang="en-US" dirty="0"/>
+            </a:br>
             <a:endParaRPr lang="de-DE" dirty="0"/>
           </a:p>
         </p:txBody>
@@ -1457,7 +1492,7 @@
             <a:fld id="{18182567-388C-4D33-8B7B-A651F195F118}" type="slidenum">
               <a:rPr lang="de-DE" altLang="de-DE" smtClean="0"/>
               <a:pPr/>
-              <a:t>25</a:t>
+              <a:t>24</a:t>
             </a:fld>
             <a:endParaRPr lang="de-DE" altLang="de-DE"/>
           </a:p>
@@ -1466,7 +1501,7 @@
     </p:spTree>
     <p:extLst>
       <p:ext uri="{BB962C8B-B14F-4D97-AF65-F5344CB8AC3E}">
-        <p14:creationId xmlns:p14="http://schemas.microsoft.com/office/powerpoint/2010/main" val="3795170457"/>
+        <p14:creationId xmlns:p14="http://schemas.microsoft.com/office/powerpoint/2010/main" val="3378526490"/>
       </p:ext>
     </p:extLst>
   </p:cSld>
@@ -1520,44 +1555,29 @@
           <a:bodyPr/>
           <a:lstStyle/>
           <a:p>
-            <a:pPr algn="l"/>
-            <a:r>
-              <a:rPr lang="en-US" b="0" i="0" dirty="0">
-                <a:solidFill>
-                  <a:srgbClr val="404040"/>
-                </a:solidFill>
-                <a:effectLst/>
-                <a:latin typeface="gitlab sans"/>
-              </a:rPr>
-              <a:t>You can use </a:t>
-            </a:r>
-            <a:r>
-              <a:rPr lang="en-US" b="0" i="0" u="none" strike="noStrike" dirty="0">
-                <a:solidFill>
-                  <a:srgbClr val="5943B6"/>
-                </a:solidFill>
-                <a:effectLst/>
-                <a:latin typeface="gitlab sans"/>
-                <a:hlinkClick r:id="rId3"/>
-              </a:rPr>
-              <a:t>GitLab CI/CD</a:t>
-            </a:r>
-            <a:r>
-              <a:rPr lang="en-US" b="0" i="0" dirty="0">
-                <a:solidFill>
-                  <a:srgbClr val="404040"/>
-                </a:solidFill>
-                <a:effectLst/>
-                <a:latin typeface="gitlab sans"/>
-              </a:rPr>
-              <a:t> to build and push container images to the Container Registry. You can use CI/CD to test, build, and deploy your project from the container image you created.</a:t>
-            </a:r>
-          </a:p>
-          <a:p>
-            <a:br>
-              <a:rPr lang="en-US" dirty="0"/>
-            </a:br>
+            <a:r>
+              <a:rPr lang="de-DE" dirty="0"/>
+              <a:t>https://docs.gitlab.com/ee/ci/docker/using_docker_build.html#use-docker-in-docker</a:t>
+            </a:r>
+          </a:p>
+          <a:p>
             <a:endParaRPr lang="de-DE" dirty="0"/>
+          </a:p>
+          <a:p>
+            <a:r>
+              <a:rPr lang="de-DE" dirty="0" err="1"/>
+              <a:t>Dind</a:t>
+            </a:r>
+            <a:r>
+              <a:rPr lang="de-DE" dirty="0"/>
+              <a:t> mit TLS:</a:t>
+            </a:r>
+          </a:p>
+          <a:p>
+            <a:r>
+              <a:rPr lang="de-DE" dirty="0"/>
+              <a:t>https://docs.gitlab.com/ee/ci/docker/using_docker_build.html#docker-in-docker-with-tls-enabled-in-the-docker-executor</a:t>
+            </a:r>
           </a:p>
         </p:txBody>
       </p:sp>
@@ -1579,7 +1599,7 @@
             <a:fld id="{18182567-388C-4D33-8B7B-A651F195F118}" type="slidenum">
               <a:rPr lang="de-DE" altLang="de-DE" smtClean="0"/>
               <a:pPr/>
-              <a:t>26</a:t>
+              <a:t>25</a:t>
             </a:fld>
             <a:endParaRPr lang="de-DE" altLang="de-DE"/>
           </a:p>
@@ -1588,7 +1608,7 @@
     </p:spTree>
     <p:extLst>
       <p:ext uri="{BB962C8B-B14F-4D97-AF65-F5344CB8AC3E}">
-        <p14:creationId xmlns:p14="http://schemas.microsoft.com/office/powerpoint/2010/main" val="3378526490"/>
+        <p14:creationId xmlns:p14="http://schemas.microsoft.com/office/powerpoint/2010/main" val="3929006885"/>
       </p:ext>
     </p:extLst>
   </p:cSld>
@@ -1644,26 +1664,7 @@
           <a:p>
             <a:r>
               <a:rPr lang="de-DE" dirty="0"/>
-              <a:t>https://docs.gitlab.com/ee/ci/docker/using_docker_build.html#use-docker-in-docker</a:t>
-            </a:r>
-          </a:p>
-          <a:p>
-            <a:endParaRPr lang="de-DE" dirty="0"/>
-          </a:p>
-          <a:p>
-            <a:r>
-              <a:rPr lang="de-DE" dirty="0" err="1"/>
-              <a:t>Dind</a:t>
-            </a:r>
-            <a:r>
-              <a:rPr lang="de-DE" dirty="0"/>
-              <a:t> mit TLS:</a:t>
-            </a:r>
-          </a:p>
-          <a:p>
-            <a:r>
-              <a:rPr lang="de-DE" dirty="0"/>
-              <a:t>https://docs.gitlab.com/ee/ci/docker/using_docker_build.html#docker-in-docker-with-tls-enabled-in-the-docker-executor</a:t>
+              <a:t>https://docs.gitlab.com/ee/user/packages/container_registry/build_and_push_images.html#configure-your-gitlab-ciyml-file</a:t>
             </a:r>
           </a:p>
         </p:txBody>
@@ -1686,7 +1687,7 @@
             <a:fld id="{18182567-388C-4D33-8B7B-A651F195F118}" type="slidenum">
               <a:rPr lang="de-DE" altLang="de-DE" smtClean="0"/>
               <a:pPr/>
-              <a:t>27</a:t>
+              <a:t>26</a:t>
             </a:fld>
             <a:endParaRPr lang="de-DE" altLang="de-DE"/>
           </a:p>
@@ -1695,7 +1696,7 @@
     </p:spTree>
     <p:extLst>
       <p:ext uri="{BB962C8B-B14F-4D97-AF65-F5344CB8AC3E}">
-        <p14:creationId xmlns:p14="http://schemas.microsoft.com/office/powerpoint/2010/main" val="3929006885"/>
+        <p14:creationId xmlns:p14="http://schemas.microsoft.com/office/powerpoint/2010/main" val="3635466979"/>
       </p:ext>
     </p:extLst>
   </p:cSld>
@@ -1749,9 +1750,24 @@
           <a:bodyPr/>
           <a:lstStyle/>
           <a:p>
+            <a:endParaRPr lang="de-DE" dirty="0"/>
+          </a:p>
+          <a:p>
             <a:r>
               <a:rPr lang="de-DE" dirty="0"/>
-              <a:t>https://docs.gitlab.com/ee/user/packages/container_registry/build_and_push_images.html#configure-your-gitlab-ciyml-file</a:t>
+              <a:t>https://about.gitlab.com/blog/2020/12/15/dependency-proxy-updates/</a:t>
+            </a:r>
+          </a:p>
+          <a:p>
+            <a:endParaRPr lang="de-DE" dirty="0"/>
+          </a:p>
+          <a:p>
+            <a:endParaRPr lang="de-DE" dirty="0"/>
+          </a:p>
+          <a:p>
+            <a:r>
+              <a:rPr lang="de-DE" dirty="0"/>
+              <a:t>https://help.sonatype.com/en/components-and-assets-in-docker.html#:~:text=Docker%20Images%2C%20Tags%2C%20Manifests%2C,not%20associated%20with%20a%20component.</a:t>
             </a:r>
           </a:p>
         </p:txBody>
@@ -1774,7 +1790,7 @@
             <a:fld id="{18182567-388C-4D33-8B7B-A651F195F118}" type="slidenum">
               <a:rPr lang="de-DE" altLang="de-DE" smtClean="0"/>
               <a:pPr/>
-              <a:t>28</a:t>
+              <a:t>29</a:t>
             </a:fld>
             <a:endParaRPr lang="de-DE" altLang="de-DE"/>
           </a:p>
@@ -1783,7 +1799,7 @@
     </p:spTree>
     <p:extLst>
       <p:ext uri="{BB962C8B-B14F-4D97-AF65-F5344CB8AC3E}">
-        <p14:creationId xmlns:p14="http://schemas.microsoft.com/office/powerpoint/2010/main" val="3635466979"/>
+        <p14:creationId xmlns:p14="http://schemas.microsoft.com/office/powerpoint/2010/main" val="3189253092"/>
       </p:ext>
     </p:extLst>
   </p:cSld>
@@ -1877,7 +1893,7 @@
             <a:fld id="{18182567-388C-4D33-8B7B-A651F195F118}" type="slidenum">
               <a:rPr lang="de-DE" altLang="de-DE" smtClean="0"/>
               <a:pPr/>
-              <a:t>31</a:t>
+              <a:t>30</a:t>
             </a:fld>
             <a:endParaRPr lang="de-DE" altLang="de-DE"/>
           </a:p>
@@ -1886,7 +1902,7 @@
     </p:spTree>
     <p:extLst>
       <p:ext uri="{BB962C8B-B14F-4D97-AF65-F5344CB8AC3E}">
-        <p14:creationId xmlns:p14="http://schemas.microsoft.com/office/powerpoint/2010/main" val="3189253092"/>
+        <p14:creationId xmlns:p14="http://schemas.microsoft.com/office/powerpoint/2010/main" val="3426277297"/>
       </p:ext>
     </p:extLst>
   </p:cSld>
@@ -1942,24 +1958,6 @@
           <a:p>
             <a:endParaRPr lang="de-DE" dirty="0"/>
           </a:p>
-          <a:p>
-            <a:r>
-              <a:rPr lang="de-DE" dirty="0"/>
-              <a:t>https://about.gitlab.com/blog/2020/12/15/dependency-proxy-updates/</a:t>
-            </a:r>
-          </a:p>
-          <a:p>
-            <a:endParaRPr lang="de-DE" dirty="0"/>
-          </a:p>
-          <a:p>
-            <a:endParaRPr lang="de-DE" dirty="0"/>
-          </a:p>
-          <a:p>
-            <a:r>
-              <a:rPr lang="de-DE" dirty="0"/>
-              <a:t>https://help.sonatype.com/en/components-and-assets-in-docker.html#:~:text=Docker%20Images%2C%20Tags%2C%20Manifests%2C,not%20associated%20with%20a%20component.</a:t>
-            </a:r>
-          </a:p>
         </p:txBody>
       </p:sp>
       <p:sp>
@@ -1980,7 +1978,7 @@
             <a:fld id="{18182567-388C-4D33-8B7B-A651F195F118}" type="slidenum">
               <a:rPr lang="de-DE" altLang="de-DE" smtClean="0"/>
               <a:pPr/>
-              <a:t>32</a:t>
+              <a:t>34</a:t>
             </a:fld>
             <a:endParaRPr lang="de-DE" altLang="de-DE"/>
           </a:p>
@@ -1989,7 +1987,7 @@
     </p:spTree>
     <p:extLst>
       <p:ext uri="{BB962C8B-B14F-4D97-AF65-F5344CB8AC3E}">
-        <p14:creationId xmlns:p14="http://schemas.microsoft.com/office/powerpoint/2010/main" val="3426277297"/>
+        <p14:creationId xmlns:p14="http://schemas.microsoft.com/office/powerpoint/2010/main" val="2538846736"/>
       </p:ext>
     </p:extLst>
   </p:cSld>
@@ -2068,7 +2066,7 @@
             <a:fld id="{18182567-388C-4D33-8B7B-A651F195F118}" type="slidenum">
               <a:rPr lang="de-DE" altLang="de-DE" smtClean="0"/>
               <a:pPr/>
-              <a:t>7</a:t>
+              <a:t>6</a:t>
             </a:fld>
             <a:endParaRPr lang="de-DE" altLang="de-DE"/>
           </a:p>
@@ -2077,7 +2075,7 @@
     </p:spTree>
     <p:extLst>
       <p:ext uri="{BB962C8B-B14F-4D97-AF65-F5344CB8AC3E}">
-        <p14:creationId xmlns:p14="http://schemas.microsoft.com/office/powerpoint/2010/main" val="3711379124"/>
+        <p14:creationId xmlns:p14="http://schemas.microsoft.com/office/powerpoint/2010/main" val="4220598971"/>
       </p:ext>
     </p:extLst>
   </p:cSld>
@@ -2131,6 +2129,24 @@
           <a:bodyPr/>
           <a:lstStyle/>
           <a:p>
+            <a:r>
+              <a:rPr lang="de-DE" dirty="0"/>
+              <a:t>https://docs.gitlab.com/ee/ci/variables/predefined_variables.html</a:t>
+            </a:r>
+          </a:p>
+          <a:p>
+            <a:endParaRPr lang="de-DE" dirty="0"/>
+          </a:p>
+          <a:p>
+            <a:r>
+              <a:rPr lang="en-US" dirty="0">
+                <a:effectLst/>
+              </a:rPr>
+              <a:t>CI_COMMIT_REF_NAME in lowercase, shortened to 63 bytes, and with everything except 0-9 and a-z replaced with -. No leading / trailing -. Use in URLs, host names and domain names.</a:t>
+            </a:r>
+            <a:br>
+              <a:rPr lang="en-US" dirty="0"/>
+            </a:br>
             <a:endParaRPr lang="de-DE" dirty="0"/>
           </a:p>
         </p:txBody>
@@ -2154,109 +2170,6 @@
               <a:rPr lang="de-DE" altLang="de-DE" smtClean="0"/>
               <a:pPr/>
               <a:t>36</a:t>
-            </a:fld>
-            <a:endParaRPr lang="de-DE" altLang="de-DE"/>
-          </a:p>
-        </p:txBody>
-      </p:sp>
-    </p:spTree>
-    <p:extLst>
-      <p:ext uri="{BB962C8B-B14F-4D97-AF65-F5344CB8AC3E}">
-        <p14:creationId xmlns:p14="http://schemas.microsoft.com/office/powerpoint/2010/main" val="2538846736"/>
-      </p:ext>
-    </p:extLst>
-  </p:cSld>
-  <p:clrMapOvr>
-    <a:masterClrMapping/>
-  </p:clrMapOvr>
-</p:notes>
-</file>
-
-<file path=ppt/notesSlides/notesSlide21.xml><?xml version="1.0" encoding="utf-8"?>
-<p:notes xmlns:a="http://schemas.openxmlformats.org/drawingml/2006/main" xmlns:r="http://schemas.openxmlformats.org/officeDocument/2006/relationships" xmlns:p="http://schemas.openxmlformats.org/presentationml/2006/main">
-  <p:cSld>
-    <p:spTree>
-      <p:nvGrpSpPr>
-        <p:cNvPr id="1" name=""/>
-        <p:cNvGrpSpPr/>
-        <p:nvPr/>
-      </p:nvGrpSpPr>
-      <p:grpSpPr>
-        <a:xfrm>
-          <a:off x="0" y="0"/>
-          <a:ext cx="0" cy="0"/>
-          <a:chOff x="0" y="0"/>
-          <a:chExt cx="0" cy="0"/>
-        </a:xfrm>
-      </p:grpSpPr>
-      <p:sp>
-        <p:nvSpPr>
-          <p:cNvPr id="2" name="Folienbildplatzhalter 1"/>
-          <p:cNvSpPr>
-            <a:spLocks noGrp="1" noRot="1" noChangeAspect="1"/>
-          </p:cNvSpPr>
-          <p:nvPr>
-            <p:ph type="sldImg"/>
-          </p:nvPr>
-        </p:nvSpPr>
-        <p:spPr/>
-      </p:sp>
-      <p:sp>
-        <p:nvSpPr>
-          <p:cNvPr id="3" name="Notizenplatzhalter 2"/>
-          <p:cNvSpPr>
-            <a:spLocks noGrp="1"/>
-          </p:cNvSpPr>
-          <p:nvPr>
-            <p:ph type="body" idx="1"/>
-          </p:nvPr>
-        </p:nvSpPr>
-        <p:spPr/>
-        <p:txBody>
-          <a:bodyPr/>
-          <a:lstStyle/>
-          <a:p>
-            <a:r>
-              <a:rPr lang="de-DE" dirty="0"/>
-              <a:t>https://docs.gitlab.com/ee/ci/variables/predefined_variables.html</a:t>
-            </a:r>
-          </a:p>
-          <a:p>
-            <a:endParaRPr lang="de-DE" dirty="0"/>
-          </a:p>
-          <a:p>
-            <a:r>
-              <a:rPr lang="en-US" dirty="0">
-                <a:effectLst/>
-              </a:rPr>
-              <a:t>CI_COMMIT_REF_NAME in lowercase, shortened to 63 bytes, and with everything except 0-9 and a-z replaced with -. No leading / trailing -. Use in URLs, host names and domain names.</a:t>
-            </a:r>
-            <a:br>
-              <a:rPr lang="en-US" dirty="0"/>
-            </a:br>
-            <a:endParaRPr lang="de-DE" dirty="0"/>
-          </a:p>
-        </p:txBody>
-      </p:sp>
-      <p:sp>
-        <p:nvSpPr>
-          <p:cNvPr id="4" name="Foliennummernplatzhalter 3"/>
-          <p:cNvSpPr>
-            <a:spLocks noGrp="1"/>
-          </p:cNvSpPr>
-          <p:nvPr>
-            <p:ph type="sldNum" sz="quarter" idx="5"/>
-          </p:nvPr>
-        </p:nvSpPr>
-        <p:spPr/>
-        <p:txBody>
-          <a:bodyPr/>
-          <a:lstStyle/>
-          <a:p>
-            <a:fld id="{18182567-388C-4D33-8B7B-A651F195F118}" type="slidenum">
-              <a:rPr lang="de-DE" altLang="de-DE" smtClean="0"/>
-              <a:pPr/>
-              <a:t>38</a:t>
             </a:fld>
             <a:endParaRPr lang="de-DE" altLang="de-DE"/>
           </a:p>
@@ -2321,7 +2234,25 @@
           <a:p>
             <a:r>
               <a:rPr lang="de-DE" dirty="0"/>
-              <a:t>https://kodekloud.com/blog/docker-image-tag/</a:t>
+              <a:t>https://semver.org/lang/de/</a:t>
+            </a:r>
+          </a:p>
+          <a:p>
+            <a:endParaRPr lang="de-DE" dirty="0"/>
+          </a:p>
+          <a:p>
+            <a:r>
+              <a:rPr lang="de-DE" dirty="0"/>
+              <a:t>https://container-registry.com/posts/container-image-versioning/</a:t>
+            </a:r>
+          </a:p>
+          <a:p>
+            <a:endParaRPr lang="de-DE" dirty="0"/>
+          </a:p>
+          <a:p>
+            <a:r>
+              <a:rPr lang="de-DE" dirty="0"/>
+              <a:t>https://medium.com/@nirmalkushwah08/docker-image-tagging-strategy-4aa886fb4fcc</a:t>
             </a:r>
           </a:p>
         </p:txBody>
@@ -2344,7 +2275,7 @@
             <a:fld id="{18182567-388C-4D33-8B7B-A651F195F118}" type="slidenum">
               <a:rPr lang="de-DE" altLang="de-DE" smtClean="0"/>
               <a:pPr/>
-              <a:t>8</a:t>
+              <a:t>10</a:t>
             </a:fld>
             <a:endParaRPr lang="de-DE" altLang="de-DE"/>
           </a:p>
@@ -2353,7 +2284,7 @@
     </p:spTree>
     <p:extLst>
       <p:ext uri="{BB962C8B-B14F-4D97-AF65-F5344CB8AC3E}">
-        <p14:creationId xmlns:p14="http://schemas.microsoft.com/office/powerpoint/2010/main" val="4220598971"/>
+        <p14:creationId xmlns:p14="http://schemas.microsoft.com/office/powerpoint/2010/main" val="3489991838"/>
       </p:ext>
     </p:extLst>
   </p:cSld>
@@ -2412,24 +2343,6 @@
               <a:t>https://semver.org/lang/de/</a:t>
             </a:r>
           </a:p>
-          <a:p>
-            <a:endParaRPr lang="de-DE" dirty="0"/>
-          </a:p>
-          <a:p>
-            <a:r>
-              <a:rPr lang="de-DE" dirty="0"/>
-              <a:t>https://container-registry.com/posts/container-image-versioning/</a:t>
-            </a:r>
-          </a:p>
-          <a:p>
-            <a:endParaRPr lang="de-DE" dirty="0"/>
-          </a:p>
-          <a:p>
-            <a:r>
-              <a:rPr lang="de-DE" dirty="0"/>
-              <a:t>https://medium.com/@nirmalkushwah08/docker-image-tagging-strategy-4aa886fb4fcc</a:t>
-            </a:r>
-          </a:p>
         </p:txBody>
       </p:sp>
       <p:sp>
@@ -2450,7 +2363,7 @@
             <a:fld id="{18182567-388C-4D33-8B7B-A651F195F118}" type="slidenum">
               <a:rPr lang="de-DE" altLang="de-DE" smtClean="0"/>
               <a:pPr/>
-              <a:t>12</a:t>
+              <a:t>11</a:t>
             </a:fld>
             <a:endParaRPr lang="de-DE" altLang="de-DE"/>
           </a:p>
@@ -2459,7 +2372,7 @@
     </p:spTree>
     <p:extLst>
       <p:ext uri="{BB962C8B-B14F-4D97-AF65-F5344CB8AC3E}">
-        <p14:creationId xmlns:p14="http://schemas.microsoft.com/office/powerpoint/2010/main" val="3489991838"/>
+        <p14:creationId xmlns:p14="http://schemas.microsoft.com/office/powerpoint/2010/main" val="3085793975"/>
       </p:ext>
     </p:extLst>
   </p:cSld>
@@ -2538,7 +2451,7 @@
             <a:fld id="{18182567-388C-4D33-8B7B-A651F195F118}" type="slidenum">
               <a:rPr lang="de-DE" altLang="de-DE" smtClean="0"/>
               <a:pPr/>
-              <a:t>13</a:t>
+              <a:t>15</a:t>
             </a:fld>
             <a:endParaRPr lang="de-DE" altLang="de-DE"/>
           </a:p>
@@ -2547,7 +2460,7 @@
     </p:spTree>
     <p:extLst>
       <p:ext uri="{BB962C8B-B14F-4D97-AF65-F5344CB8AC3E}">
-        <p14:creationId xmlns:p14="http://schemas.microsoft.com/office/powerpoint/2010/main" val="3085793975"/>
+        <p14:creationId xmlns:p14="http://schemas.microsoft.com/office/powerpoint/2010/main" val="8064563"/>
       </p:ext>
     </p:extLst>
   </p:cSld>
@@ -2601,10 +2514,73 @@
           <a:bodyPr/>
           <a:lstStyle/>
           <a:p>
-            <a:r>
-              <a:rPr lang="de-DE" dirty="0"/>
-              <a:t>https://semver.org/lang/de/</a:t>
-            </a:r>
+            <a:pPr algn="l"/>
+            <a:r>
+              <a:rPr lang="en-US" b="0" i="0" dirty="0">
+                <a:solidFill>
+                  <a:srgbClr val="3F3F3F"/>
+                </a:solidFill>
+                <a:effectLst/>
+                <a:latin typeface="open sans" panose="020B0606030504020204" pitchFamily="34" charset="0"/>
+              </a:rPr>
+              <a:t>A </a:t>
+            </a:r>
+            <a:r>
+              <a:rPr lang="en-US" b="1" i="0" dirty="0">
+                <a:solidFill>
+                  <a:srgbClr val="3F3F3F"/>
+                </a:solidFill>
+                <a:effectLst/>
+                <a:latin typeface="open sans semibold" panose="020F0502020204030204" pitchFamily="34" charset="0"/>
+              </a:rPr>
+              <a:t>timestamp</a:t>
+            </a:r>
+            <a:r>
+              <a:rPr lang="en-US" b="0" i="0" dirty="0">
+                <a:solidFill>
+                  <a:srgbClr val="3F3F3F"/>
+                </a:solidFill>
+                <a:effectLst/>
+                <a:latin typeface="open sans" panose="020B0606030504020204" pitchFamily="34" charset="0"/>
+              </a:rPr>
+              <a:t> is, indeed, an easy solution. But it has more drawbacks than advantages. It lacks a correlation to the included changeset(s) for the container image release since you cannot match it with the respective build.</a:t>
+            </a:r>
+          </a:p>
+          <a:p>
+            <a:pPr algn="l"/>
+            <a:r>
+              <a:rPr lang="en-US" b="0" i="0" dirty="0">
+                <a:solidFill>
+                  <a:srgbClr val="3F3F3F"/>
+                </a:solidFill>
+                <a:effectLst/>
+                <a:latin typeface="open sans" panose="020B0606030504020204" pitchFamily="34" charset="0"/>
+              </a:rPr>
+              <a:t>Do not forget about the evil </a:t>
+            </a:r>
+            <a:r>
+              <a:rPr lang="en-US" b="0" i="0" dirty="0" err="1">
+                <a:solidFill>
+                  <a:srgbClr val="3F3F3F"/>
+                </a:solidFill>
+                <a:effectLst/>
+                <a:latin typeface="open sans" panose="020B0606030504020204" pitchFamily="34" charset="0"/>
+              </a:rPr>
+              <a:t>timezone</a:t>
+            </a:r>
+            <a:r>
+              <a:rPr lang="en-US" b="0" i="0" dirty="0">
+                <a:solidFill>
+                  <a:srgbClr val="3F3F3F"/>
+                </a:solidFill>
+                <a:effectLst/>
+                <a:latin typeface="open sans" panose="020B0606030504020204" pitchFamily="34" charset="0"/>
+              </a:rPr>
+              <a:t>: which time was it actually in yours? Moreover, what if you created more than one image at exactly the same time? Last but not least, someone can push an image with the same tag just by adding it manually.</a:t>
+            </a:r>
+          </a:p>
+          <a:p>
+            <a:endParaRPr lang="de-DE" dirty="0"/>
           </a:p>
         </p:txBody>
       </p:sp>
@@ -2626,7 +2602,7 @@
             <a:fld id="{18182567-388C-4D33-8B7B-A651F195F118}" type="slidenum">
               <a:rPr lang="de-DE" altLang="de-DE" smtClean="0"/>
               <a:pPr/>
-              <a:t>17</a:t>
+              <a:t>16</a:t>
             </a:fld>
             <a:endParaRPr lang="de-DE" altLang="de-DE"/>
           </a:p>
@@ -2635,7 +2611,7 @@
     </p:spTree>
     <p:extLst>
       <p:ext uri="{BB962C8B-B14F-4D97-AF65-F5344CB8AC3E}">
-        <p14:creationId xmlns:p14="http://schemas.microsoft.com/office/powerpoint/2010/main" val="8064563"/>
+        <p14:creationId xmlns:p14="http://schemas.microsoft.com/office/powerpoint/2010/main" val="3532218253"/>
       </p:ext>
     </p:extLst>
   </p:cSld>
@@ -2689,73 +2665,10 @@
           <a:bodyPr/>
           <a:lstStyle/>
           <a:p>
-            <a:pPr algn="l"/>
-            <a:r>
-              <a:rPr lang="en-US" b="0" i="0" dirty="0">
-                <a:solidFill>
-                  <a:srgbClr val="3F3F3F"/>
-                </a:solidFill>
-                <a:effectLst/>
-                <a:latin typeface="open sans" panose="020B0606030504020204" pitchFamily="34" charset="0"/>
-              </a:rPr>
-              <a:t>A </a:t>
-            </a:r>
-            <a:r>
-              <a:rPr lang="en-US" b="1" i="0" dirty="0">
-                <a:solidFill>
-                  <a:srgbClr val="3F3F3F"/>
-                </a:solidFill>
-                <a:effectLst/>
-                <a:latin typeface="open sans semibold" panose="020F0502020204030204" pitchFamily="34" charset="0"/>
-              </a:rPr>
-              <a:t>timestamp</a:t>
-            </a:r>
-            <a:r>
-              <a:rPr lang="en-US" b="0" i="0" dirty="0">
-                <a:solidFill>
-                  <a:srgbClr val="3F3F3F"/>
-                </a:solidFill>
-                <a:effectLst/>
-                <a:latin typeface="open sans" panose="020B0606030504020204" pitchFamily="34" charset="0"/>
-              </a:rPr>
-              <a:t> is, indeed, an easy solution. But it has more drawbacks than advantages. It lacks a correlation to the included changeset(s) for the container image release since you cannot match it with the respective build.</a:t>
-            </a:r>
-          </a:p>
-          <a:p>
-            <a:pPr algn="l"/>
-            <a:r>
-              <a:rPr lang="en-US" b="0" i="0" dirty="0">
-                <a:solidFill>
-                  <a:srgbClr val="3F3F3F"/>
-                </a:solidFill>
-                <a:effectLst/>
-                <a:latin typeface="open sans" panose="020B0606030504020204" pitchFamily="34" charset="0"/>
-              </a:rPr>
-              <a:t>Do not forget about the evil </a:t>
-            </a:r>
-            <a:r>
-              <a:rPr lang="en-US" b="0" i="0" dirty="0" err="1">
-                <a:solidFill>
-                  <a:srgbClr val="3F3F3F"/>
-                </a:solidFill>
-                <a:effectLst/>
-                <a:latin typeface="open sans" panose="020B0606030504020204" pitchFamily="34" charset="0"/>
-              </a:rPr>
-              <a:t>timezone</a:t>
-            </a:r>
-            <a:r>
-              <a:rPr lang="en-US" b="0" i="0" dirty="0">
-                <a:solidFill>
-                  <a:srgbClr val="3F3F3F"/>
-                </a:solidFill>
-                <a:effectLst/>
-                <a:latin typeface="open sans" panose="020B0606030504020204" pitchFamily="34" charset="0"/>
-              </a:rPr>
-              <a:t>: which time was it actually in yours? Moreover, what if you created more than one image at exactly the same time? Last but not least, someone can push an image with the same tag just by adding it manually.</a:t>
-            </a:r>
-          </a:p>
-          <a:p>
-            <a:endParaRPr lang="de-DE" dirty="0"/>
+            <a:r>
+              <a:rPr lang="de-DE" dirty="0"/>
+              <a:t>https://semver.org/lang/de/</a:t>
+            </a:r>
           </a:p>
         </p:txBody>
       </p:sp>
@@ -2777,7 +2690,7 @@
             <a:fld id="{18182567-388C-4D33-8B7B-A651F195F118}" type="slidenum">
               <a:rPr lang="de-DE" altLang="de-DE" smtClean="0"/>
               <a:pPr/>
-              <a:t>18</a:t>
+              <a:t>17</a:t>
             </a:fld>
             <a:endParaRPr lang="de-DE" altLang="de-DE"/>
           </a:p>
@@ -2786,7 +2699,7 @@
     </p:spTree>
     <p:extLst>
       <p:ext uri="{BB962C8B-B14F-4D97-AF65-F5344CB8AC3E}">
-        <p14:creationId xmlns:p14="http://schemas.microsoft.com/office/powerpoint/2010/main" val="3532218253"/>
+        <p14:creationId xmlns:p14="http://schemas.microsoft.com/office/powerpoint/2010/main" val="624751404"/>
       </p:ext>
     </p:extLst>
   </p:cSld>
@@ -2842,8 +2755,11 @@
           <a:p>
             <a:r>
               <a:rPr lang="de-DE" dirty="0"/>
-              <a:t>https://semver.org/lang/de/</a:t>
-            </a:r>
+              <a:t>https://container-registry.com/posts/container-image-versioning/</a:t>
+            </a:r>
+          </a:p>
+          <a:p>
+            <a:endParaRPr lang="de-DE" dirty="0"/>
           </a:p>
         </p:txBody>
       </p:sp>
@@ -2865,7 +2781,7 @@
             <a:fld id="{18182567-388C-4D33-8B7B-A651F195F118}" type="slidenum">
               <a:rPr lang="de-DE" altLang="de-DE" smtClean="0"/>
               <a:pPr/>
-              <a:t>19</a:t>
+              <a:t>18</a:t>
             </a:fld>
             <a:endParaRPr lang="de-DE" altLang="de-DE"/>
           </a:p>
@@ -2874,7 +2790,7 @@
     </p:spTree>
     <p:extLst>
       <p:ext uri="{BB962C8B-B14F-4D97-AF65-F5344CB8AC3E}">
-        <p14:creationId xmlns:p14="http://schemas.microsoft.com/office/powerpoint/2010/main" val="624751404"/>
+        <p14:creationId xmlns:p14="http://schemas.microsoft.com/office/powerpoint/2010/main" val="758847513"/>
       </p:ext>
     </p:extLst>
   </p:cSld>
@@ -2930,11 +2846,8 @@
           <a:p>
             <a:r>
               <a:rPr lang="de-DE" dirty="0"/>
-              <a:t>https://container-registry.com/posts/container-image-versioning/</a:t>
-            </a:r>
-          </a:p>
-          <a:p>
-            <a:endParaRPr lang="de-DE" dirty="0"/>
+              <a:t>https://docs.gitlab.com/ee/user/packages/container_registry/authenticate_with_container_registry.html</a:t>
+            </a:r>
           </a:p>
         </p:txBody>
       </p:sp>
@@ -2956,7 +2869,7 @@
             <a:fld id="{18182567-388C-4D33-8B7B-A651F195F118}" type="slidenum">
               <a:rPr lang="de-DE" altLang="de-DE" smtClean="0"/>
               <a:pPr/>
-              <a:t>20</a:t>
+              <a:t>19</a:t>
             </a:fld>
             <a:endParaRPr lang="de-DE" altLang="de-DE"/>
           </a:p>
@@ -2965,7 +2878,7 @@
     </p:spTree>
     <p:extLst>
       <p:ext uri="{BB962C8B-B14F-4D97-AF65-F5344CB8AC3E}">
-        <p14:creationId xmlns:p14="http://schemas.microsoft.com/office/powerpoint/2010/main" val="758847513"/>
+        <p14:creationId xmlns:p14="http://schemas.microsoft.com/office/powerpoint/2010/main" val="1015434146"/>
       </p:ext>
     </p:extLst>
   </p:cSld>
@@ -3450,7 +3363,7 @@
               <a:pPr algn="ctr">
                 <a:defRPr/>
               </a:pPr>
-              <a:t>10.07.2024</a:t>
+              <a:t>06.09.24</a:t>
             </a:fld>
             <a:endParaRPr lang="de-DE" sz="1000">
               <a:solidFill>
@@ -3813,7 +3726,7 @@
                 </a:solidFill>
                 <a:latin typeface="Arial" charset="0"/>
               </a:rPr>
-              <a:t>Daniel Krämer</a:t>
+              <a:t>Jan Lühr</a:t>
             </a:r>
           </a:p>
         </p:txBody>
@@ -5427,10 +5340,353 @@
       </p:grpSpPr>
       <p:sp>
         <p:nvSpPr>
-          <p:cNvPr id="4098" name="Rectangle 2">
+          <p:cNvPr id="6146" name="Inhaltsplatzhalter 18">
             <a:extLst>
               <a:ext uri="{FF2B5EF4-FFF2-40B4-BE49-F238E27FC236}">
-                <a16:creationId xmlns:a16="http://schemas.microsoft.com/office/drawing/2014/main" id="{E4B2C6CD-AD60-3C79-94C5-A3C58293BC9E}"/>
+                <a16:creationId xmlns:a16="http://schemas.microsoft.com/office/drawing/2014/main" id="{BE3C4C95-FD5D-27F0-ED0C-AB8113CAC9F1}"/>
+              </a:ext>
+            </a:extLst>
+          </p:cNvPr>
+          <p:cNvSpPr>
+            <a:spLocks noGrp="1"/>
+          </p:cNvSpPr>
+          <p:nvPr>
+            <p:ph idx="1"/>
+          </p:nvPr>
+        </p:nvSpPr>
+        <p:spPr/>
+        <p:txBody>
+          <a:bodyPr/>
+          <a:lstStyle/>
+          <a:p>
+            <a:pPr>
+              <a:buFont typeface="Arial" panose="020B0604020202020204" pitchFamily="34" charset="0"/>
+              <a:buChar char="•"/>
+            </a:pPr>
+            <a:r>
+              <a:rPr lang="de-DE" altLang="de-DE" sz="1800" b="1" dirty="0"/>
+              <a:t>Tag 1 – Einführung in </a:t>
+            </a:r>
+            <a:r>
+              <a:rPr lang="de-DE" altLang="de-DE" sz="1800" b="1" dirty="0" err="1"/>
+              <a:t>Git</a:t>
+            </a:r>
+            <a:r>
+              <a:rPr lang="de-DE" altLang="de-DE" sz="1800" b="1" dirty="0"/>
+              <a:t> und </a:t>
+            </a:r>
+            <a:r>
+              <a:rPr lang="de-DE" altLang="de-DE" sz="1800" b="1" dirty="0" err="1"/>
+              <a:t>GitLab</a:t>
+            </a:r>
+            <a:endParaRPr lang="de-DE" altLang="de-DE" sz="1800" b="1" dirty="0"/>
+          </a:p>
+          <a:p>
+            <a:pPr lvl="1">
+              <a:buFont typeface="Arial" panose="020B0604020202020204" pitchFamily="34" charset="0"/>
+              <a:buChar char="•"/>
+            </a:pPr>
+            <a:r>
+              <a:rPr lang="de-DE" altLang="de-DE" sz="1400" dirty="0"/>
+              <a:t>Einführung &amp; Kursüberblick</a:t>
+            </a:r>
+          </a:p>
+          <a:p>
+            <a:pPr lvl="1">
+              <a:buFont typeface="Arial" panose="020B0604020202020204" pitchFamily="34" charset="0"/>
+              <a:buChar char="•"/>
+            </a:pPr>
+            <a:r>
+              <a:rPr lang="de-DE" altLang="de-DE" sz="1400" dirty="0"/>
+              <a:t>Grundlagen von </a:t>
+            </a:r>
+            <a:r>
+              <a:rPr lang="de-DE" altLang="de-DE" sz="1400" dirty="0" err="1"/>
+              <a:t>Git</a:t>
+            </a:r>
+            <a:endParaRPr lang="de-DE" altLang="de-DE" sz="1400" dirty="0"/>
+          </a:p>
+          <a:p>
+            <a:pPr lvl="1">
+              <a:buFont typeface="Arial" panose="020B0604020202020204" pitchFamily="34" charset="0"/>
+              <a:buChar char="•"/>
+            </a:pPr>
+            <a:r>
+              <a:rPr lang="de-DE" altLang="de-DE" sz="1400" dirty="0" err="1"/>
+              <a:t>Git</a:t>
+            </a:r>
+            <a:r>
+              <a:rPr lang="de-DE" altLang="de-DE" sz="1400" dirty="0"/>
+              <a:t> </a:t>
+            </a:r>
+            <a:r>
+              <a:rPr lang="de-DE" altLang="de-DE" sz="1400" dirty="0" err="1"/>
+              <a:t>Rebase</a:t>
+            </a:r>
+            <a:r>
+              <a:rPr lang="de-DE" altLang="de-DE" sz="1400" dirty="0"/>
+              <a:t> und </a:t>
+            </a:r>
+            <a:r>
+              <a:rPr lang="de-DE" altLang="de-DE" sz="1400" dirty="0" err="1"/>
+              <a:t>Merge</a:t>
+            </a:r>
+            <a:r>
+              <a:rPr lang="de-DE" altLang="de-DE" sz="1400" dirty="0"/>
+              <a:t>-Strategien</a:t>
+            </a:r>
+          </a:p>
+          <a:p>
+            <a:pPr lvl="1">
+              <a:buFont typeface="Arial" panose="020B0604020202020204" pitchFamily="34" charset="0"/>
+              <a:buChar char="•"/>
+            </a:pPr>
+            <a:r>
+              <a:rPr lang="de-DE" altLang="de-DE" sz="1400" dirty="0" err="1"/>
+              <a:t>Git</a:t>
+            </a:r>
+            <a:r>
+              <a:rPr lang="de-DE" altLang="de-DE" sz="1400" dirty="0"/>
+              <a:t> Remote</a:t>
+            </a:r>
+          </a:p>
+          <a:p>
+            <a:pPr lvl="1">
+              <a:buFont typeface="Arial" panose="020B0604020202020204" pitchFamily="34" charset="0"/>
+              <a:buChar char="•"/>
+            </a:pPr>
+            <a:r>
+              <a:rPr lang="de-DE" altLang="de-DE" sz="1400" dirty="0"/>
+              <a:t>Grundlagen von </a:t>
+            </a:r>
+            <a:r>
+              <a:rPr lang="de-DE" altLang="de-DE" sz="1400" dirty="0" err="1"/>
+              <a:t>GitLab</a:t>
+            </a:r>
+            <a:endParaRPr lang="de-DE" altLang="de-DE" sz="1400" dirty="0"/>
+          </a:p>
+          <a:p>
+            <a:pPr>
+              <a:buFont typeface="Arial" panose="020B0604020202020204" pitchFamily="34" charset="0"/>
+              <a:buChar char="•"/>
+            </a:pPr>
+            <a:r>
+              <a:rPr lang="de-DE" altLang="de-DE" sz="1800" b="1" dirty="0"/>
+              <a:t>Tag 2 – </a:t>
+            </a:r>
+            <a:r>
+              <a:rPr lang="de-DE" altLang="de-DE" sz="1800" b="1" dirty="0" err="1"/>
+              <a:t>Git</a:t>
+            </a:r>
+            <a:r>
+              <a:rPr lang="de-DE" altLang="de-DE" sz="1800" b="1" dirty="0"/>
+              <a:t>-Workflows, CI/CD, </a:t>
+            </a:r>
+            <a:r>
+              <a:rPr lang="de-DE" altLang="de-DE" sz="1800" b="1" dirty="0" err="1"/>
+              <a:t>GitLab</a:t>
+            </a:r>
+            <a:r>
+              <a:rPr lang="de-DE" altLang="de-DE" sz="1800" b="1" dirty="0"/>
+              <a:t> CI </a:t>
+            </a:r>
+          </a:p>
+          <a:p>
+            <a:pPr lvl="1">
+              <a:buFont typeface="Arial" panose="020B0604020202020204" pitchFamily="34" charset="0"/>
+              <a:buChar char="•"/>
+            </a:pPr>
+            <a:r>
+              <a:rPr lang="de-DE" altLang="de-DE" sz="1400" dirty="0" err="1"/>
+              <a:t>Git</a:t>
+            </a:r>
+            <a:r>
+              <a:rPr lang="de-DE" altLang="de-DE" sz="1400" dirty="0"/>
+              <a:t>-Workflow im Team</a:t>
+            </a:r>
+          </a:p>
+          <a:p>
+            <a:pPr lvl="1">
+              <a:buFont typeface="Arial" panose="020B0604020202020204" pitchFamily="34" charset="0"/>
+              <a:buChar char="•"/>
+            </a:pPr>
+            <a:r>
+              <a:rPr lang="de-DE" altLang="de-DE" sz="1400" dirty="0" err="1"/>
+              <a:t>Gitflow</a:t>
+            </a:r>
+            <a:r>
+              <a:rPr lang="de-DE" altLang="de-DE" sz="1400" dirty="0"/>
+              <a:t>-Workflow</a:t>
+            </a:r>
+          </a:p>
+          <a:p>
+            <a:pPr lvl="1">
+              <a:buFont typeface="Arial" panose="020B0604020202020204" pitchFamily="34" charset="0"/>
+              <a:buChar char="•"/>
+            </a:pPr>
+            <a:r>
+              <a:rPr lang="de-DE" altLang="de-DE" sz="1400" dirty="0"/>
+              <a:t>Tags, Releases &amp; deren Verwaltung</a:t>
+            </a:r>
+          </a:p>
+          <a:p>
+            <a:pPr lvl="1">
+              <a:buFont typeface="Arial" panose="020B0604020202020204" pitchFamily="34" charset="0"/>
+              <a:buChar char="•"/>
+            </a:pPr>
+            <a:r>
+              <a:rPr lang="de-DE" altLang="de-DE" sz="1400" dirty="0"/>
+              <a:t>Einführung in </a:t>
+            </a:r>
+            <a:r>
+              <a:rPr lang="de-DE" altLang="de-DE" sz="1400" dirty="0" err="1"/>
+              <a:t>GitLab</a:t>
+            </a:r>
+            <a:r>
+              <a:rPr lang="de-DE" altLang="de-DE" sz="1400" dirty="0"/>
+              <a:t> CI/CD &amp; </a:t>
+            </a:r>
+            <a:r>
+              <a:rPr lang="de-DE" altLang="de-DE" sz="1400" dirty="0" err="1"/>
+              <a:t>gitlab-ci.yml</a:t>
+            </a:r>
+            <a:endParaRPr lang="de-DE" altLang="de-DE" sz="1400" dirty="0"/>
+          </a:p>
+          <a:p>
+            <a:pPr lvl="1">
+              <a:buFont typeface="Arial" panose="020B0604020202020204" pitchFamily="34" charset="0"/>
+              <a:buChar char="•"/>
+            </a:pPr>
+            <a:r>
+              <a:rPr lang="de-DE" altLang="de-DE" sz="1400" dirty="0" err="1"/>
+              <a:t>GitLab</a:t>
+            </a:r>
+            <a:r>
+              <a:rPr lang="de-DE" altLang="de-DE" sz="1400" dirty="0"/>
+              <a:t> Runner</a:t>
+            </a:r>
+          </a:p>
+          <a:p>
+            <a:pPr>
+              <a:buFont typeface="Arial" panose="020B0604020202020204" pitchFamily="34" charset="0"/>
+              <a:buChar char="•"/>
+            </a:pPr>
+            <a:r>
+              <a:rPr lang="de-DE" altLang="de-DE" sz="1800" b="1" dirty="0"/>
+              <a:t>Tag 3 – Docker, </a:t>
+            </a:r>
+            <a:r>
+              <a:rPr lang="de-DE" altLang="de-DE" sz="1800" b="1" dirty="0" err="1"/>
+              <a:t>GitOps</a:t>
+            </a:r>
+            <a:r>
+              <a:rPr lang="de-DE" altLang="de-DE" sz="1800" b="1" dirty="0"/>
+              <a:t>, </a:t>
+            </a:r>
+            <a:r>
+              <a:rPr lang="de-DE" altLang="de-DE" sz="1800" b="1" dirty="0" err="1"/>
+              <a:t>Deployment</a:t>
+            </a:r>
+            <a:r>
+              <a:rPr lang="de-DE" altLang="de-DE" sz="1800" b="1" dirty="0"/>
+              <a:t>-Strategien</a:t>
+            </a:r>
+          </a:p>
+          <a:p>
+            <a:pPr lvl="1">
+              <a:buFont typeface="Arial" panose="020B0604020202020204" pitchFamily="34" charset="0"/>
+              <a:buChar char="•"/>
+            </a:pPr>
+            <a:r>
+              <a:rPr lang="de-DE" altLang="de-DE" sz="1400" dirty="0"/>
+              <a:t>Entwicklung mit Docker</a:t>
+            </a:r>
+          </a:p>
+          <a:p>
+            <a:pPr lvl="1">
+              <a:buFont typeface="Arial" panose="020B0604020202020204" pitchFamily="34" charset="0"/>
+              <a:buChar char="•"/>
+            </a:pPr>
+            <a:r>
+              <a:rPr lang="de-DE" altLang="de-DE" sz="1400" dirty="0"/>
+              <a:t>Container/Docker-Registry</a:t>
+            </a:r>
+          </a:p>
+          <a:p>
+            <a:pPr lvl="1">
+              <a:buFont typeface="Arial" panose="020B0604020202020204" pitchFamily="34" charset="0"/>
+              <a:buChar char="•"/>
+            </a:pPr>
+            <a:r>
+              <a:rPr lang="de-DE" altLang="de-DE" sz="1400" u="sng" dirty="0"/>
+              <a:t>Erstellen von Release- und </a:t>
+            </a:r>
+            <a:r>
+              <a:rPr lang="de-DE" altLang="de-DE" sz="1400" u="sng" dirty="0" err="1"/>
+              <a:t>Tagged</a:t>
+            </a:r>
+            <a:r>
+              <a:rPr lang="de-DE" altLang="de-DE" sz="1400" u="sng" dirty="0"/>
+              <a:t>-Images</a:t>
+            </a:r>
+          </a:p>
+          <a:p>
+            <a:pPr lvl="1">
+              <a:buFont typeface="Arial" panose="020B0604020202020204" pitchFamily="34" charset="0"/>
+              <a:buChar char="•"/>
+            </a:pPr>
+            <a:r>
+              <a:rPr lang="de-DE" altLang="de-DE" sz="1400" dirty="0" err="1"/>
+              <a:t>GitOps</a:t>
+            </a:r>
+            <a:r>
+              <a:rPr lang="de-DE" altLang="de-DE" sz="1400" dirty="0"/>
+              <a:t> Grundlagen</a:t>
+            </a:r>
+          </a:p>
+          <a:p>
+            <a:pPr lvl="1">
+              <a:buFont typeface="Arial" panose="020B0604020202020204" pitchFamily="34" charset="0"/>
+              <a:buChar char="•"/>
+            </a:pPr>
+            <a:r>
+              <a:rPr lang="de-DE" altLang="de-DE" sz="1400" dirty="0"/>
+              <a:t>Möglichkeiten des </a:t>
+            </a:r>
+            <a:r>
+              <a:rPr lang="de-DE" altLang="de-DE" sz="1400" dirty="0" err="1"/>
+              <a:t>Deployments</a:t>
+            </a:r>
+            <a:r>
+              <a:rPr lang="de-DE" altLang="de-DE" sz="1400" dirty="0"/>
+              <a:t> &amp; Verwaltung von Konfiguration</a:t>
+            </a:r>
+          </a:p>
+          <a:p>
+            <a:pPr lvl="1">
+              <a:buFont typeface="Arial" panose="020B0604020202020204" pitchFamily="34" charset="0"/>
+              <a:buChar char="•"/>
+            </a:pPr>
+            <a:r>
+              <a:rPr lang="de-DE" altLang="de-DE" sz="1400" dirty="0"/>
+              <a:t>Abschlussübung &amp; Diskussion</a:t>
+            </a:r>
+          </a:p>
+          <a:p>
+            <a:pPr lvl="1">
+              <a:buFont typeface="Arial" panose="020B0604020202020204" pitchFamily="34" charset="0"/>
+              <a:buChar char="•"/>
+            </a:pPr>
+            <a:endParaRPr lang="de-DE" altLang="de-DE" sz="1400" dirty="0"/>
+          </a:p>
+        </p:txBody>
+      </p:sp>
+      <p:sp>
+        <p:nvSpPr>
+          <p:cNvPr id="6147" name="Rectangle 1062">
+            <a:extLst>
+              <a:ext uri="{FF2B5EF4-FFF2-40B4-BE49-F238E27FC236}">
+                <a16:creationId xmlns:a16="http://schemas.microsoft.com/office/drawing/2014/main" id="{C46E9340-3256-8D55-A265-94F2F41E288E}"/>
               </a:ext>
             </a:extLst>
           </p:cNvPr>
@@ -5438,328 +5694,32 @@
             <a:spLocks noGrp="1" noChangeArrowheads="1"/>
           </p:cNvSpPr>
           <p:nvPr>
-            <p:ph type="ctrTitle" idx="4294967295"/>
+            <p:ph type="title"/>
           </p:nvPr>
         </p:nvSpPr>
-        <p:spPr bwMode="auto">
+        <p:spPr>
           <a:xfrm>
-            <a:off x="468313" y="2562225"/>
-            <a:ext cx="5471839" cy="938213"/>
+            <a:off x="285750" y="142875"/>
+            <a:ext cx="5654675" cy="706438"/>
           </a:xfrm>
-          <a:prstGeom prst="rect">
-            <a:avLst/>
-          </a:prstGeom>
-          <a:noFill/>
-          <a:extLst>
-            <a:ext uri="{909E8E84-426E-40DD-AFC4-6F175D3DCCD1}">
-              <a14:hiddenFill xmlns:a14="http://schemas.microsoft.com/office/drawing/2010/main">
-                <a:solidFill>
-                  <a:srgbClr val="FFFFFF"/>
-                </a:solidFill>
-              </a14:hiddenFill>
-            </a:ext>
-            <a:ext uri="{91240B29-F687-4F45-9708-019B960494DF}">
-              <a14:hiddenLine xmlns:a14="http://schemas.microsoft.com/office/drawing/2010/main" w="9525">
-                <a:solidFill>
-                  <a:srgbClr val="000000"/>
-                </a:solidFill>
-                <a:miter lim="800000"/>
-                <a:headEnd/>
-                <a:tailEnd/>
-              </a14:hiddenLine>
-            </a:ext>
-          </a:extLst>
         </p:spPr>
         <p:txBody>
           <a:bodyPr/>
           <a:lstStyle/>
           <a:p>
-            <a:pPr algn="l" eaLnBrk="1" hangingPunct="1"/>
-            <a:r>
-              <a:rPr lang="de-DE" altLang="de-DE" sz="3200" dirty="0"/>
-              <a:t>Tag 3: Docker, </a:t>
-            </a:r>
-            <a:r>
-              <a:rPr lang="de-DE" altLang="de-DE" sz="3200" dirty="0" err="1"/>
-              <a:t>GitOps</a:t>
-            </a:r>
-            <a:r>
-              <a:rPr lang="de-DE" altLang="de-DE" sz="3200" dirty="0"/>
-              <a:t>, </a:t>
-            </a:r>
-            <a:r>
-              <a:rPr lang="de-DE" altLang="de-DE" sz="3200" dirty="0" err="1"/>
-              <a:t>Deployment</a:t>
-            </a:r>
-            <a:r>
-              <a:rPr lang="de-DE" altLang="de-DE" sz="3200"/>
-              <a:t>-Strategien</a:t>
-            </a:r>
-            <a:endParaRPr lang="de-DE" altLang="de-DE" sz="3200" dirty="0"/>
+            <a:r>
+              <a:rPr lang="de-DE" altLang="de-DE" dirty="0"/>
+              <a:t>Agenda</a:t>
+            </a:r>
           </a:p>
         </p:txBody>
       </p:sp>
-      <p:sp>
-        <p:nvSpPr>
-          <p:cNvPr id="4099" name="Rectangle 3">
-            <a:extLst>
-              <a:ext uri="{FF2B5EF4-FFF2-40B4-BE49-F238E27FC236}">
-                <a16:creationId xmlns:a16="http://schemas.microsoft.com/office/drawing/2014/main" id="{89107976-89BA-B819-B0F4-5904DD4F4AAC}"/>
-              </a:ext>
-            </a:extLst>
-          </p:cNvPr>
-          <p:cNvSpPr>
-            <a:spLocks noGrp="1" noChangeArrowheads="1"/>
-          </p:cNvSpPr>
-          <p:nvPr>
-            <p:ph type="subTitle" idx="4294967295"/>
-          </p:nvPr>
-        </p:nvSpPr>
-        <p:spPr bwMode="auto">
-          <a:xfrm>
-            <a:off x="468312" y="4462463"/>
-            <a:ext cx="4190603" cy="622300"/>
-          </a:xfrm>
-          <a:prstGeom prst="rect">
-            <a:avLst/>
-          </a:prstGeom>
-          <a:noFill/>
-          <a:extLst>
-            <a:ext uri="{909E8E84-426E-40DD-AFC4-6F175D3DCCD1}">
-              <a14:hiddenFill xmlns:a14="http://schemas.microsoft.com/office/drawing/2010/main">
-                <a:solidFill>
-                  <a:srgbClr val="FFFFFF"/>
-                </a:solidFill>
-              </a14:hiddenFill>
-            </a:ext>
-            <a:ext uri="{91240B29-F687-4F45-9708-019B960494DF}">
-              <a14:hiddenLine xmlns:a14="http://schemas.microsoft.com/office/drawing/2010/main" w="9525">
-                <a:solidFill>
-                  <a:srgbClr val="000000"/>
-                </a:solidFill>
-                <a:miter lim="800000"/>
-                <a:headEnd/>
-                <a:tailEnd/>
-              </a14:hiddenLine>
-            </a:ext>
-          </a:extLst>
-        </p:spPr>
-        <p:txBody>
-          <a:bodyPr/>
-          <a:lstStyle/>
-          <a:p>
-            <a:pPr eaLnBrk="1" hangingPunct="1">
-              <a:buFontTx/>
-              <a:buNone/>
-            </a:pPr>
-            <a:r>
-              <a:rPr lang="de-DE" altLang="de-DE" sz="1600"/>
-              <a:t>10.07.2024</a:t>
-            </a:r>
-            <a:r>
-              <a:rPr lang="de-DE" altLang="de-DE" sz="1600" dirty="0"/>
-              <a:t>, Daniel Krämer</a:t>
-            </a:r>
-          </a:p>
-        </p:txBody>
-      </p:sp>
-      <p:sp>
-        <p:nvSpPr>
-          <p:cNvPr id="4100" name="Rectangle 4">
-            <a:extLst>
-              <a:ext uri="{FF2B5EF4-FFF2-40B4-BE49-F238E27FC236}">
-                <a16:creationId xmlns:a16="http://schemas.microsoft.com/office/drawing/2014/main" id="{4D866AF1-CD71-C1C5-56DD-B2E98E020155}"/>
-              </a:ext>
-            </a:extLst>
-          </p:cNvPr>
-          <p:cNvSpPr>
-            <a:spLocks noChangeArrowheads="1"/>
-          </p:cNvSpPr>
-          <p:nvPr/>
-        </p:nvSpPr>
-        <p:spPr bwMode="auto">
-          <a:xfrm>
-            <a:off x="468313" y="549275"/>
-            <a:ext cx="4032250" cy="938213"/>
-          </a:xfrm>
-          <a:prstGeom prst="rect">
-            <a:avLst/>
-          </a:prstGeom>
-          <a:noFill/>
-          <a:ln>
-            <a:noFill/>
-          </a:ln>
-          <a:extLst>
-            <a:ext uri="{909E8E84-426E-40DD-AFC4-6F175D3DCCD1}">
-              <a14:hiddenFill xmlns:a14="http://schemas.microsoft.com/office/drawing/2010/main">
-                <a:solidFill>
-                  <a:srgbClr val="FFFFFF"/>
-                </a:solidFill>
-              </a14:hiddenFill>
-            </a:ext>
-            <a:ext uri="{91240B29-F687-4F45-9708-019B960494DF}">
-              <a14:hiddenLine xmlns:a14="http://schemas.microsoft.com/office/drawing/2010/main" w="9525">
-                <a:solidFill>
-                  <a:srgbClr val="000000"/>
-                </a:solidFill>
-                <a:miter lim="800000"/>
-                <a:headEnd/>
-                <a:tailEnd/>
-              </a14:hiddenLine>
-            </a:ext>
-          </a:extLst>
-        </p:spPr>
-        <p:txBody>
-          <a:bodyPr/>
-          <a:lstStyle>
-            <a:lvl1pPr>
-              <a:defRPr sz="2400">
-                <a:solidFill>
-                  <a:schemeClr val="tx1"/>
-                </a:solidFill>
-                <a:latin typeface="Times New Roman" panose="02020603050405020304" pitchFamily="18" charset="0"/>
-              </a:defRPr>
-            </a:lvl1pPr>
-            <a:lvl2pPr marL="742950" indent="-285750">
-              <a:defRPr sz="2400">
-                <a:solidFill>
-                  <a:schemeClr val="tx1"/>
-                </a:solidFill>
-                <a:latin typeface="Times New Roman" panose="02020603050405020304" pitchFamily="18" charset="0"/>
-              </a:defRPr>
-            </a:lvl2pPr>
-            <a:lvl3pPr marL="1143000" indent="-228600">
-              <a:defRPr sz="2400">
-                <a:solidFill>
-                  <a:schemeClr val="tx1"/>
-                </a:solidFill>
-                <a:latin typeface="Times New Roman" panose="02020603050405020304" pitchFamily="18" charset="0"/>
-              </a:defRPr>
-            </a:lvl3pPr>
-            <a:lvl4pPr marL="1600200" indent="-228600">
-              <a:defRPr sz="2400">
-                <a:solidFill>
-                  <a:schemeClr val="tx1"/>
-                </a:solidFill>
-                <a:latin typeface="Times New Roman" panose="02020603050405020304" pitchFamily="18" charset="0"/>
-              </a:defRPr>
-            </a:lvl4pPr>
-            <a:lvl5pPr marL="2057400" indent="-228600">
-              <a:defRPr sz="2400">
-                <a:solidFill>
-                  <a:schemeClr val="tx1"/>
-                </a:solidFill>
-                <a:latin typeface="Times New Roman" panose="02020603050405020304" pitchFamily="18" charset="0"/>
-              </a:defRPr>
-            </a:lvl5pPr>
-            <a:lvl6pPr marL="2514600" indent="-228600" eaLnBrk="0" fontAlgn="base" hangingPunct="0">
-              <a:spcBef>
-                <a:spcPct val="0"/>
-              </a:spcBef>
-              <a:spcAft>
-                <a:spcPct val="0"/>
-              </a:spcAft>
-              <a:defRPr sz="2400">
-                <a:solidFill>
-                  <a:schemeClr val="tx1"/>
-                </a:solidFill>
-                <a:latin typeface="Times New Roman" panose="02020603050405020304" pitchFamily="18" charset="0"/>
-              </a:defRPr>
-            </a:lvl6pPr>
-            <a:lvl7pPr marL="2971800" indent="-228600" eaLnBrk="0" fontAlgn="base" hangingPunct="0">
-              <a:spcBef>
-                <a:spcPct val="0"/>
-              </a:spcBef>
-              <a:spcAft>
-                <a:spcPct val="0"/>
-              </a:spcAft>
-              <a:defRPr sz="2400">
-                <a:solidFill>
-                  <a:schemeClr val="tx1"/>
-                </a:solidFill>
-                <a:latin typeface="Times New Roman" panose="02020603050405020304" pitchFamily="18" charset="0"/>
-              </a:defRPr>
-            </a:lvl7pPr>
-            <a:lvl8pPr marL="3429000" indent="-228600" eaLnBrk="0" fontAlgn="base" hangingPunct="0">
-              <a:spcBef>
-                <a:spcPct val="0"/>
-              </a:spcBef>
-              <a:spcAft>
-                <a:spcPct val="0"/>
-              </a:spcAft>
-              <a:defRPr sz="2400">
-                <a:solidFill>
-                  <a:schemeClr val="tx1"/>
-                </a:solidFill>
-                <a:latin typeface="Times New Roman" panose="02020603050405020304" pitchFamily="18" charset="0"/>
-              </a:defRPr>
-            </a:lvl8pPr>
-            <a:lvl9pPr marL="3886200" indent="-228600" eaLnBrk="0" fontAlgn="base" hangingPunct="0">
-              <a:spcBef>
-                <a:spcPct val="0"/>
-              </a:spcBef>
-              <a:spcAft>
-                <a:spcPct val="0"/>
-              </a:spcAft>
-              <a:defRPr sz="2400">
-                <a:solidFill>
-                  <a:schemeClr val="tx1"/>
-                </a:solidFill>
-                <a:latin typeface="Times New Roman" panose="02020603050405020304" pitchFamily="18" charset="0"/>
-              </a:defRPr>
-            </a:lvl9pPr>
-          </a:lstStyle>
-          <a:p>
-            <a:pPr eaLnBrk="1" hangingPunct="1"/>
-            <a:endParaRPr lang="de-DE" altLang="de-DE" sz="4400" dirty="0">
-              <a:solidFill>
-                <a:schemeClr val="tx2"/>
-              </a:solidFill>
-              <a:latin typeface="Arial" panose="020B0604020202020204" pitchFamily="34" charset="0"/>
-            </a:endParaRPr>
-          </a:p>
-        </p:txBody>
-      </p:sp>
-      <p:pic>
-        <p:nvPicPr>
-          <p:cNvPr id="3" name="Grafik 2">
-            <a:extLst>
-              <a:ext uri="{FF2B5EF4-FFF2-40B4-BE49-F238E27FC236}">
-                <a16:creationId xmlns:a16="http://schemas.microsoft.com/office/drawing/2014/main" id="{F795EC6A-86ED-78D6-3916-EC81E8315965}"/>
-              </a:ext>
-            </a:extLst>
-          </p:cNvPr>
-          <p:cNvPicPr>
-            <a:picLocks noChangeAspect="1"/>
-          </p:cNvPicPr>
-          <p:nvPr/>
-        </p:nvPicPr>
-        <p:blipFill>
-          <a:blip r:embed="rId3">
-            <a:extLst>
-              <a:ext uri="{28A0092B-C50C-407E-A947-70E740481C1C}">
-                <a14:useLocalDpi xmlns:a14="http://schemas.microsoft.com/office/drawing/2010/main" val="0"/>
-              </a:ext>
-              <a:ext uri="{96DAC541-7B7A-43D3-8B79-37D633B846F1}">
-                <asvg:svgBlip xmlns:asvg="http://schemas.microsoft.com/office/drawing/2016/SVG/main" r:embed="rId4"/>
-              </a:ext>
-            </a:extLst>
-          </a:blip>
-          <a:stretch>
-            <a:fillRect/>
-          </a:stretch>
-        </p:blipFill>
-        <p:spPr>
-          <a:xfrm>
-            <a:off x="309959" y="263970"/>
-            <a:ext cx="4348957" cy="1508822"/>
-          </a:xfrm>
-          <a:prstGeom prst="rect">
-            <a:avLst/>
-          </a:prstGeom>
-        </p:spPr>
-      </p:pic>
     </p:spTree>
+    <p:extLst>
+      <p:ext uri="{BB962C8B-B14F-4D97-AF65-F5344CB8AC3E}">
+        <p14:creationId xmlns:p14="http://schemas.microsoft.com/office/powerpoint/2010/main" val="3157553577"/>
+      </p:ext>
+    </p:extLst>
   </p:cSld>
   <p:clrMapOvr>
     <a:masterClrMapping/>
@@ -5847,82 +5807,167 @@
             </a:pPr>
             <a:r>
               <a:rPr lang="de-DE" b="1" dirty="0"/>
-              <a:t>Tagging </a:t>
-            </a:r>
-            <a:r>
-              <a:rPr lang="de-DE" b="1" u="sng" dirty="0"/>
-              <a:t>nach</a:t>
-            </a:r>
-            <a:r>
-              <a:rPr lang="de-DE" b="1" dirty="0"/>
-              <a:t> dem </a:t>
-            </a:r>
-            <a:r>
-              <a:rPr lang="de-DE" b="1" dirty="0" err="1"/>
-              <a:t>Build</a:t>
-            </a:r>
-            <a:endParaRPr lang="de-DE" b="1" dirty="0"/>
-          </a:p>
-          <a:p>
-            <a:pPr>
-              <a:buFont typeface="Arial" panose="020B0604020202020204" pitchFamily="34" charset="0"/>
-              <a:buChar char="•"/>
-            </a:pPr>
-            <a:r>
-              <a:rPr lang="de-DE" dirty="0"/>
-              <a:t>Vorhandene Images mit </a:t>
-            </a:r>
-            <a:r>
-              <a:rPr lang="de-DE" dirty="0" err="1">
-                <a:latin typeface="Consolas" panose="020B0609020204030204" pitchFamily="49" charset="0"/>
-              </a:rPr>
-              <a:t>docker</a:t>
-            </a:r>
-            <a:r>
-              <a:rPr lang="de-DE" dirty="0">
-                <a:latin typeface="Consolas" panose="020B0609020204030204" pitchFamily="49" charset="0"/>
-              </a:rPr>
-              <a:t> tag </a:t>
-            </a:r>
-            <a:r>
-              <a:rPr lang="de-DE" dirty="0"/>
-              <a:t>Befehl taggen</a:t>
-            </a:r>
-          </a:p>
-          <a:p>
-            <a:pPr>
-              <a:buFont typeface="Arial" panose="020B0604020202020204" pitchFamily="34" charset="0"/>
-              <a:buChar char="•"/>
-            </a:pPr>
-            <a:endParaRPr lang="de-DE" dirty="0"/>
+              <a:t>Strategien zum Image Tagging</a:t>
+            </a:r>
           </a:p>
           <a:p>
             <a:pPr marL="0" indent="0">
               <a:buNone/>
             </a:pPr>
-            <a:r>
-              <a:rPr lang="de-DE" dirty="0" err="1">
-                <a:latin typeface="Consolas" panose="020B0609020204030204" pitchFamily="49" charset="0"/>
-              </a:rPr>
-              <a:t>docker</a:t>
-            </a:r>
-            <a:r>
-              <a:rPr lang="de-DE" dirty="0">
-                <a:latin typeface="Consolas" panose="020B0609020204030204" pitchFamily="49" charset="0"/>
-              </a:rPr>
-              <a:t> tag [IMAGE_ID] [</a:t>
-            </a:r>
-            <a:r>
-              <a:rPr lang="de-DE" dirty="0" err="1">
-                <a:latin typeface="Consolas" panose="020B0609020204030204" pitchFamily="49" charset="0"/>
-              </a:rPr>
-              <a:t>repository</a:t>
-            </a:r>
-            <a:r>
-              <a:rPr lang="de-DE" dirty="0">
-                <a:latin typeface="Consolas" panose="020B0609020204030204" pitchFamily="49" charset="0"/>
-              </a:rPr>
-              <a:t>]:[TAG] </a:t>
+            <a:endParaRPr lang="de-DE" b="1" dirty="0"/>
+          </a:p>
+          <a:p>
+            <a:pPr>
+              <a:buFont typeface="Arial" panose="020B0604020202020204" pitchFamily="34" charset="0"/>
+              <a:buChar char="•"/>
+            </a:pPr>
+            <a:r>
+              <a:rPr lang="de-DE" dirty="0"/>
+              <a:t>Image ID (</a:t>
+            </a:r>
+            <a:r>
+              <a:rPr lang="de-DE" dirty="0" err="1"/>
+              <a:t>digest</a:t>
+            </a:r>
+            <a:r>
+              <a:rPr lang="de-DE" dirty="0"/>
+              <a:t>)</a:t>
+            </a:r>
+          </a:p>
+          <a:p>
+            <a:pPr>
+              <a:buFont typeface="Arial" panose="020B0604020202020204" pitchFamily="34" charset="0"/>
+              <a:buChar char="•"/>
+            </a:pPr>
+            <a:endParaRPr lang="de-DE" dirty="0"/>
+          </a:p>
+          <a:p>
+            <a:pPr>
+              <a:buFont typeface="Arial" panose="020B0604020202020204" pitchFamily="34" charset="0"/>
+              <a:buChar char="•"/>
+            </a:pPr>
+            <a:r>
+              <a:rPr lang="de-DE" dirty="0"/>
+              <a:t>Image Tags:</a:t>
+            </a:r>
+          </a:p>
+          <a:p>
+            <a:pPr lvl="1">
+              <a:buFont typeface="Arial" panose="020B0604020202020204" pitchFamily="34" charset="0"/>
+              <a:buChar char="•"/>
+            </a:pPr>
+            <a:r>
+              <a:rPr lang="de-DE" dirty="0"/>
+              <a:t>Rolling Tags</a:t>
+            </a:r>
+          </a:p>
+          <a:p>
+            <a:pPr lvl="1">
+              <a:buFont typeface="Arial" panose="020B0604020202020204" pitchFamily="34" charset="0"/>
+              <a:buChar char="•"/>
+            </a:pPr>
+            <a:r>
+              <a:rPr lang="de-DE" dirty="0" err="1"/>
+              <a:t>Git</a:t>
+            </a:r>
+            <a:r>
+              <a:rPr lang="de-DE" dirty="0"/>
+              <a:t> Tags</a:t>
+            </a:r>
+          </a:p>
+          <a:p>
+            <a:pPr lvl="1">
+              <a:buFont typeface="Arial" panose="020B0604020202020204" pitchFamily="34" charset="0"/>
+              <a:buChar char="•"/>
+            </a:pPr>
+            <a:r>
+              <a:rPr lang="de-DE" dirty="0"/>
+              <a:t>Branch </a:t>
+            </a:r>
+            <a:r>
+              <a:rPr lang="de-DE" dirty="0" err="1"/>
+              <a:t>Names</a:t>
+            </a:r>
+            <a:endParaRPr lang="de-DE" dirty="0"/>
+          </a:p>
+          <a:p>
+            <a:pPr lvl="1">
+              <a:buFont typeface="Arial" panose="020B0604020202020204" pitchFamily="34" charset="0"/>
+              <a:buChar char="•"/>
+            </a:pPr>
+            <a:r>
+              <a:rPr lang="de-DE" dirty="0" err="1"/>
+              <a:t>SemVer</a:t>
+            </a:r>
+            <a:r>
+              <a:rPr lang="de-DE" dirty="0"/>
+              <a:t> Tags (</a:t>
+            </a:r>
+            <a:r>
+              <a:rPr lang="de-DE" dirty="0" err="1"/>
+              <a:t>Semantic</a:t>
+            </a:r>
+            <a:r>
+              <a:rPr lang="de-DE" dirty="0"/>
+              <a:t> </a:t>
+            </a:r>
+            <a:r>
+              <a:rPr lang="de-DE" dirty="0" err="1"/>
+              <a:t>Versioning</a:t>
+            </a:r>
+            <a:r>
+              <a:rPr lang="de-DE" dirty="0"/>
+              <a:t>)</a:t>
+            </a:r>
+          </a:p>
+          <a:p>
+            <a:pPr lvl="1">
+              <a:buFont typeface="Arial" panose="020B0604020202020204" pitchFamily="34" charset="0"/>
+              <a:buChar char="•"/>
+            </a:pPr>
+            <a:r>
+              <a:rPr lang="de-DE" dirty="0" err="1"/>
+              <a:t>Git</a:t>
+            </a:r>
+            <a:r>
+              <a:rPr lang="de-DE" dirty="0"/>
+              <a:t> Commit Hash</a:t>
+            </a:r>
+          </a:p>
+          <a:p>
+            <a:pPr lvl="1">
+              <a:buFont typeface="Arial" panose="020B0604020202020204" pitchFamily="34" charset="0"/>
+              <a:buChar char="•"/>
+            </a:pPr>
+            <a:r>
+              <a:rPr lang="de-DE" dirty="0" err="1"/>
+              <a:t>Timestamp</a:t>
+            </a:r>
+            <a:r>
+              <a:rPr lang="de-DE" dirty="0"/>
+              <a:t> / Date-</a:t>
+            </a:r>
+            <a:r>
+              <a:rPr lang="de-DE" dirty="0" err="1"/>
+              <a:t>based</a:t>
+            </a:r>
+            <a:r>
+              <a:rPr lang="de-DE" dirty="0"/>
+              <a:t> Tags</a:t>
+            </a:r>
+          </a:p>
+          <a:p>
+            <a:pPr lvl="1">
+              <a:buFont typeface="Arial" panose="020B0604020202020204" pitchFamily="34" charset="0"/>
+              <a:buChar char="•"/>
+            </a:pPr>
+            <a:r>
+              <a:rPr lang="de-DE" dirty="0" err="1"/>
+              <a:t>Build</a:t>
+            </a:r>
+            <a:r>
+              <a:rPr lang="de-DE" dirty="0"/>
+              <a:t> ID</a:t>
             </a:r>
           </a:p>
         </p:txBody>
@@ -5930,7 +5975,7 @@
     </p:spTree>
     <p:extLst>
       <p:ext uri="{BB962C8B-B14F-4D97-AF65-F5344CB8AC3E}">
-        <p14:creationId xmlns:p14="http://schemas.microsoft.com/office/powerpoint/2010/main" val="3788244119"/>
+        <p14:creationId xmlns:p14="http://schemas.microsoft.com/office/powerpoint/2010/main" val="1799660318"/>
       </p:ext>
     </p:extLst>
   </p:cSld>
@@ -6020,7 +6065,7 @@
             </a:pPr>
             <a:r>
               <a:rPr lang="de-DE" b="1" dirty="0"/>
-              <a:t>Best Practices</a:t>
+              <a:t>Rolling Tags</a:t>
             </a:r>
           </a:p>
           <a:p>
@@ -6036,7 +6081,70 @@
             </a:pPr>
             <a:r>
               <a:rPr lang="de-DE" dirty="0"/>
-              <a:t>Aussagekräftige Tags</a:t>
+              <a:t>Weit verbreitet </a:t>
+            </a:r>
+            <a:r>
+              <a:rPr lang="de-DE" dirty="0">
+                <a:sym typeface="Wingdings" panose="05000000000000000000" pitchFamily="2" charset="2"/>
+              </a:rPr>
+              <a:t></a:t>
+            </a:r>
+            <a:r>
+              <a:rPr lang="de-DE" dirty="0">
+                <a:latin typeface="Consolas" panose="020B0609020204030204" pitchFamily="49" charset="0"/>
+              </a:rPr>
+              <a:t>:</a:t>
+            </a:r>
+            <a:r>
+              <a:rPr lang="de-DE" dirty="0" err="1">
+                <a:latin typeface="Consolas" panose="020B0609020204030204" pitchFamily="49" charset="0"/>
+              </a:rPr>
+              <a:t>latest</a:t>
+            </a:r>
+            <a:r>
+              <a:rPr lang="de-DE" dirty="0">
+                <a:latin typeface="Consolas" panose="020B0609020204030204" pitchFamily="49" charset="0"/>
+              </a:rPr>
+              <a:t> </a:t>
+            </a:r>
+            <a:r>
+              <a:rPr lang="de-DE" dirty="0"/>
+              <a:t>und </a:t>
+            </a:r>
+            <a:r>
+              <a:rPr lang="de-DE" dirty="0">
+                <a:latin typeface="Consolas" panose="020B0609020204030204" pitchFamily="49" charset="0"/>
+              </a:rPr>
+              <a:t>:</a:t>
+            </a:r>
+            <a:r>
+              <a:rPr lang="de-DE" dirty="0" err="1">
+                <a:latin typeface="Consolas" panose="020B0609020204030204" pitchFamily="49" charset="0"/>
+              </a:rPr>
+              <a:t>stable</a:t>
+            </a:r>
+            <a:endParaRPr lang="de-DE" dirty="0">
+              <a:latin typeface="Consolas" panose="020B0609020204030204" pitchFamily="49" charset="0"/>
+            </a:endParaRPr>
+          </a:p>
+          <a:p>
+            <a:pPr>
+              <a:buFont typeface="Arial" panose="020B0604020202020204" pitchFamily="34" charset="0"/>
+              <a:buChar char="•"/>
+            </a:pPr>
+            <a:r>
+              <a:rPr lang="de-DE" dirty="0"/>
+              <a:t>Relevanteste und neuste Versionen</a:t>
+            </a:r>
+          </a:p>
+          <a:p>
+            <a:pPr>
+              <a:buFont typeface="Arial" panose="020B0604020202020204" pitchFamily="34" charset="0"/>
+              <a:buChar char="•"/>
+            </a:pPr>
+            <a:r>
+              <a:rPr lang="de-DE" dirty="0"/>
+              <a:t>Vorsicht: Volatiler Inhalt!</a:t>
             </a:r>
           </a:p>
           <a:p>
@@ -6046,7 +6154,7 @@
             </a:pPr>
             <a:r>
               <a:rPr lang="de-DE" dirty="0"/>
-              <a:t>Selbstbeschreibend</a:t>
+              <a:t>Für Test-Stage OK, bei Produktion No-Go</a:t>
             </a:r>
           </a:p>
           <a:p>
@@ -6056,14 +6164,8 @@
             </a:pPr>
             <a:r>
               <a:rPr lang="de-DE" dirty="0"/>
-              <a:t>Version oder Zustand</a:t>
-            </a:r>
-          </a:p>
-          <a:p>
-            <a:pPr marL="457200" lvl="1" indent="0">
-              <a:buNone/>
-            </a:pPr>
-            <a:endParaRPr lang="de-DE" dirty="0"/>
+              <a:t>Bei Produktion besser: Unique Tags</a:t>
+            </a:r>
           </a:p>
           <a:p>
             <a:pPr>
@@ -6072,44 +6174,7 @@
             </a:pPr>
             <a:r>
               <a:rPr lang="de-DE" dirty="0"/>
-              <a:t>Konsistenz</a:t>
-            </a:r>
-          </a:p>
-          <a:p>
-            <a:pPr lvl="1">
-              <a:buFont typeface="Arial" panose="020B0604020202020204" pitchFamily="34" charset="0"/>
-              <a:buChar char="•"/>
-            </a:pPr>
-            <a:r>
-              <a:rPr lang="de-DE" dirty="0"/>
-              <a:t>Einheitliches Tagging-Schema (Strategie)</a:t>
-            </a:r>
-          </a:p>
-          <a:p>
-            <a:pPr lvl="1">
-              <a:buFont typeface="Arial" panose="020B0604020202020204" pitchFamily="34" charset="0"/>
-              <a:buChar char="•"/>
-            </a:pPr>
-            <a:endParaRPr lang="de-DE" dirty="0"/>
-          </a:p>
-          <a:p>
-            <a:pPr>
-              <a:buFont typeface="Arial" panose="020B0604020202020204" pitchFamily="34" charset="0"/>
-              <a:buChar char="•"/>
-            </a:pPr>
-            <a:r>
-              <a:rPr lang="de-DE" dirty="0"/>
-              <a:t>Regelmäßige Updates</a:t>
-            </a:r>
-          </a:p>
-          <a:p>
-            <a:pPr lvl="1">
-              <a:buFont typeface="Arial" panose="020B0604020202020204" pitchFamily="34" charset="0"/>
-              <a:buChar char="•"/>
-            </a:pPr>
-            <a:r>
-              <a:rPr lang="de-DE" dirty="0"/>
-              <a:t>Rolling Tags immer aktualisieren</a:t>
+              <a:t>Rollback schwierig</a:t>
             </a:r>
           </a:p>
         </p:txBody>
@@ -6117,7 +6182,7 @@
     </p:spTree>
     <p:extLst>
       <p:ext uri="{BB962C8B-B14F-4D97-AF65-F5344CB8AC3E}">
-        <p14:creationId xmlns:p14="http://schemas.microsoft.com/office/powerpoint/2010/main" val="1854948885"/>
+        <p14:creationId xmlns:p14="http://schemas.microsoft.com/office/powerpoint/2010/main" val="3526740333"/>
       </p:ext>
     </p:extLst>
   </p:cSld>
@@ -6128,6 +6193,353 @@
 </file>
 
 <file path=ppt/slides/slide12.xml><?xml version="1.0" encoding="utf-8"?>
+<p:sld xmlns:a="http://schemas.openxmlformats.org/drawingml/2006/main" xmlns:r="http://schemas.openxmlformats.org/officeDocument/2006/relationships" xmlns:p="http://schemas.openxmlformats.org/presentationml/2006/main">
+  <p:cSld>
+    <p:spTree>
+      <p:nvGrpSpPr>
+        <p:cNvPr id="1" name=""/>
+        <p:cNvGrpSpPr/>
+        <p:nvPr/>
+      </p:nvGrpSpPr>
+      <p:grpSpPr>
+        <a:xfrm>
+          <a:off x="0" y="0"/>
+          <a:ext cx="0" cy="0"/>
+          <a:chOff x="0" y="0"/>
+          <a:chExt cx="0" cy="0"/>
+        </a:xfrm>
+      </p:grpSpPr>
+      <p:sp>
+        <p:nvSpPr>
+          <p:cNvPr id="2" name="Titel 1">
+            <a:extLst>
+              <a:ext uri="{FF2B5EF4-FFF2-40B4-BE49-F238E27FC236}">
+                <a16:creationId xmlns:a16="http://schemas.microsoft.com/office/drawing/2014/main" id="{830D42F4-3DE1-E484-4E37-7A350B7E9347}"/>
+              </a:ext>
+            </a:extLst>
+          </p:cNvPr>
+          <p:cNvSpPr>
+            <a:spLocks noGrp="1"/>
+          </p:cNvSpPr>
+          <p:nvPr>
+            <p:ph type="title"/>
+          </p:nvPr>
+        </p:nvSpPr>
+        <p:spPr/>
+        <p:txBody>
+          <a:bodyPr/>
+          <a:lstStyle/>
+          <a:p>
+            <a:r>
+              <a:rPr lang="de-DE" cap="none" dirty="0"/>
+              <a:t>Release- und </a:t>
+            </a:r>
+            <a:r>
+              <a:rPr lang="de-DE" cap="none" dirty="0" err="1"/>
+              <a:t>Tagged</a:t>
+            </a:r>
+            <a:r>
+              <a:rPr lang="de-DE" cap="none" dirty="0"/>
+              <a:t>-Images</a:t>
+            </a:r>
+            <a:endParaRPr lang="de-DE" dirty="0"/>
+          </a:p>
+        </p:txBody>
+      </p:sp>
+      <p:sp>
+        <p:nvSpPr>
+          <p:cNvPr id="3" name="Inhaltsplatzhalter 2">
+            <a:extLst>
+              <a:ext uri="{FF2B5EF4-FFF2-40B4-BE49-F238E27FC236}">
+                <a16:creationId xmlns:a16="http://schemas.microsoft.com/office/drawing/2014/main" id="{3AD45E9F-BF6F-3159-A6E8-E786B8D66377}"/>
+              </a:ext>
+            </a:extLst>
+          </p:cNvPr>
+          <p:cNvSpPr>
+            <a:spLocks noGrp="1"/>
+          </p:cNvSpPr>
+          <p:nvPr>
+            <p:ph idx="1"/>
+          </p:nvPr>
+        </p:nvSpPr>
+        <p:spPr/>
+        <p:txBody>
+          <a:bodyPr/>
+          <a:lstStyle/>
+          <a:p>
+            <a:pPr marL="0" indent="0">
+              <a:buNone/>
+            </a:pPr>
+            <a:r>
+              <a:rPr lang="de-DE" b="1" dirty="0" err="1"/>
+              <a:t>Git</a:t>
+            </a:r>
+            <a:r>
+              <a:rPr lang="de-DE" b="1" dirty="0"/>
+              <a:t> Tags</a:t>
+            </a:r>
+          </a:p>
+          <a:p>
+            <a:pPr marL="0" indent="0">
+              <a:buNone/>
+            </a:pPr>
+            <a:endParaRPr lang="de-DE" b="1" dirty="0"/>
+          </a:p>
+          <a:p>
+            <a:pPr>
+              <a:buFont typeface="Arial" panose="020B0604020202020204" pitchFamily="34" charset="0"/>
+              <a:buChar char="•"/>
+            </a:pPr>
+            <a:r>
+              <a:rPr lang="de-DE" dirty="0"/>
+              <a:t>Nützlich bei Verwendung von </a:t>
+            </a:r>
+            <a:r>
+              <a:rPr lang="de-DE" dirty="0" err="1"/>
+              <a:t>Git</a:t>
+            </a:r>
+            <a:r>
+              <a:rPr lang="de-DE" dirty="0"/>
+              <a:t> Tags für Releases</a:t>
+            </a:r>
+          </a:p>
+          <a:p>
+            <a:pPr>
+              <a:buFont typeface="Arial" panose="020B0604020202020204" pitchFamily="34" charset="0"/>
+              <a:buChar char="•"/>
+            </a:pPr>
+            <a:r>
+              <a:rPr lang="de-DE" dirty="0"/>
+              <a:t>Konsistenz zwischen Versionsverwaltung und </a:t>
+            </a:r>
+            <a:r>
+              <a:rPr lang="de-DE" dirty="0" err="1"/>
+              <a:t>Deployable</a:t>
+            </a:r>
+            <a:endParaRPr lang="de-DE" dirty="0"/>
+          </a:p>
+          <a:p>
+            <a:pPr>
+              <a:buFont typeface="Arial" panose="020B0604020202020204" pitchFamily="34" charset="0"/>
+              <a:buChar char="•"/>
+            </a:pPr>
+            <a:r>
+              <a:rPr lang="de-DE" dirty="0" err="1"/>
+              <a:t>Git</a:t>
+            </a:r>
+            <a:r>
+              <a:rPr lang="de-DE" dirty="0"/>
+              <a:t> Tag „v2.5.1“</a:t>
+            </a:r>
+          </a:p>
+          <a:p>
+            <a:pPr lvl="1">
+              <a:buFont typeface="Arial" panose="020B0604020202020204" pitchFamily="34" charset="0"/>
+              <a:buChar char="•"/>
+            </a:pPr>
+            <a:r>
+              <a:rPr lang="de-DE" dirty="0">
+                <a:sym typeface="Wingdings" panose="05000000000000000000" pitchFamily="2" charset="2"/>
+              </a:rPr>
+              <a:t> Gleichen Tag als Docker Image Tag</a:t>
+            </a:r>
+            <a:endParaRPr lang="de-DE" dirty="0"/>
+          </a:p>
+        </p:txBody>
+      </p:sp>
+    </p:spTree>
+    <p:extLst>
+      <p:ext uri="{BB962C8B-B14F-4D97-AF65-F5344CB8AC3E}">
+        <p14:creationId xmlns:p14="http://schemas.microsoft.com/office/powerpoint/2010/main" val="1652775311"/>
+      </p:ext>
+    </p:extLst>
+  </p:cSld>
+  <p:clrMapOvr>
+    <a:masterClrMapping/>
+  </p:clrMapOvr>
+</p:sld>
+</file>
+
+<file path=ppt/slides/slide13.xml><?xml version="1.0" encoding="utf-8"?>
+<p:sld xmlns:a="http://schemas.openxmlformats.org/drawingml/2006/main" xmlns:r="http://schemas.openxmlformats.org/officeDocument/2006/relationships" xmlns:p="http://schemas.openxmlformats.org/presentationml/2006/main">
+  <p:cSld>
+    <p:spTree>
+      <p:nvGrpSpPr>
+        <p:cNvPr id="1" name=""/>
+        <p:cNvGrpSpPr/>
+        <p:nvPr/>
+      </p:nvGrpSpPr>
+      <p:grpSpPr>
+        <a:xfrm>
+          <a:off x="0" y="0"/>
+          <a:ext cx="0" cy="0"/>
+          <a:chOff x="0" y="0"/>
+          <a:chExt cx="0" cy="0"/>
+        </a:xfrm>
+      </p:grpSpPr>
+      <p:sp>
+        <p:nvSpPr>
+          <p:cNvPr id="2" name="Titel 1">
+            <a:extLst>
+              <a:ext uri="{FF2B5EF4-FFF2-40B4-BE49-F238E27FC236}">
+                <a16:creationId xmlns:a16="http://schemas.microsoft.com/office/drawing/2014/main" id="{2C9E82B3-AD82-0F0E-4966-26D367100225}"/>
+              </a:ext>
+            </a:extLst>
+          </p:cNvPr>
+          <p:cNvSpPr>
+            <a:spLocks noGrp="1"/>
+          </p:cNvSpPr>
+          <p:nvPr>
+            <p:ph type="title"/>
+          </p:nvPr>
+        </p:nvSpPr>
+        <p:spPr/>
+        <p:txBody>
+          <a:bodyPr/>
+          <a:lstStyle/>
+          <a:p>
+            <a:r>
+              <a:rPr lang="de-DE" cap="none" dirty="0"/>
+              <a:t>Release- und </a:t>
+            </a:r>
+            <a:r>
+              <a:rPr lang="de-DE" cap="none" dirty="0" err="1"/>
+              <a:t>Tagged</a:t>
+            </a:r>
+            <a:r>
+              <a:rPr lang="de-DE" cap="none" dirty="0"/>
+              <a:t>-Images</a:t>
+            </a:r>
+            <a:endParaRPr lang="de-DE" dirty="0"/>
+          </a:p>
+        </p:txBody>
+      </p:sp>
+      <p:sp>
+        <p:nvSpPr>
+          <p:cNvPr id="3" name="Inhaltsplatzhalter 2">
+            <a:extLst>
+              <a:ext uri="{FF2B5EF4-FFF2-40B4-BE49-F238E27FC236}">
+                <a16:creationId xmlns:a16="http://schemas.microsoft.com/office/drawing/2014/main" id="{659CA9F6-54B4-1531-E83B-0D1A49C9D6FB}"/>
+              </a:ext>
+            </a:extLst>
+          </p:cNvPr>
+          <p:cNvSpPr>
+            <a:spLocks noGrp="1"/>
+          </p:cNvSpPr>
+          <p:nvPr>
+            <p:ph idx="1"/>
+          </p:nvPr>
+        </p:nvSpPr>
+        <p:spPr/>
+        <p:txBody>
+          <a:bodyPr/>
+          <a:lstStyle/>
+          <a:p>
+            <a:pPr marL="0" indent="0">
+              <a:buNone/>
+            </a:pPr>
+            <a:r>
+              <a:rPr lang="de-DE" b="1" dirty="0"/>
+              <a:t>Branch </a:t>
+            </a:r>
+            <a:r>
+              <a:rPr lang="de-DE" b="1" dirty="0" err="1"/>
+              <a:t>Names</a:t>
+            </a:r>
+            <a:endParaRPr lang="de-DE" b="1" dirty="0"/>
+          </a:p>
+          <a:p>
+            <a:pPr marL="0" indent="0">
+              <a:buNone/>
+            </a:pPr>
+            <a:endParaRPr lang="de-DE" b="1" dirty="0"/>
+          </a:p>
+          <a:p>
+            <a:pPr>
+              <a:buFont typeface="Arial" panose="020B0604020202020204" pitchFamily="34" charset="0"/>
+              <a:buChar char="•"/>
+            </a:pPr>
+            <a:r>
+              <a:rPr lang="de-DE" dirty="0" err="1"/>
+              <a:t>Branching</a:t>
+            </a:r>
+            <a:r>
+              <a:rPr lang="de-DE" dirty="0"/>
+              <a:t> Strategie</a:t>
+            </a:r>
+          </a:p>
+          <a:p>
+            <a:pPr lvl="1">
+              <a:buFont typeface="Arial" panose="020B0604020202020204" pitchFamily="34" charset="0"/>
+              <a:buChar char="•"/>
+            </a:pPr>
+            <a:r>
+              <a:rPr lang="de-DE" dirty="0"/>
+              <a:t>Branch-Namen verwenden, um Tags zu managen</a:t>
+            </a:r>
+          </a:p>
+          <a:p>
+            <a:pPr>
+              <a:buFont typeface="Arial" panose="020B0604020202020204" pitchFamily="34" charset="0"/>
+              <a:buChar char="•"/>
+            </a:pPr>
+            <a:r>
+              <a:rPr lang="de-DE" dirty="0"/>
+              <a:t>Beispiel</a:t>
+            </a:r>
+          </a:p>
+          <a:p>
+            <a:pPr lvl="1">
+              <a:buFont typeface="Arial" panose="020B0604020202020204" pitchFamily="34" charset="0"/>
+              <a:buChar char="•"/>
+            </a:pPr>
+            <a:r>
+              <a:rPr lang="de-DE" dirty="0"/>
+              <a:t>Branch: </a:t>
+            </a:r>
+            <a:r>
+              <a:rPr lang="de-DE" dirty="0">
+                <a:latin typeface="Consolas" panose="020B0609020204030204" pitchFamily="49" charset="0"/>
+              </a:rPr>
+              <a:t>release/2.5.1 für ein spezifisches Release</a:t>
+            </a:r>
+          </a:p>
+          <a:p>
+            <a:pPr lvl="1">
+              <a:buFont typeface="Arial" panose="020B0604020202020204" pitchFamily="34" charset="0"/>
+              <a:buChar char="•"/>
+            </a:pPr>
+            <a:r>
+              <a:rPr lang="de-DE" dirty="0"/>
+              <a:t>Docker Image mit release-</a:t>
+            </a:r>
+            <a:r>
+              <a:rPr lang="de-DE" dirty="0">
+                <a:latin typeface="Consolas" panose="020B0609020204030204" pitchFamily="49" charset="0"/>
+              </a:rPr>
+              <a:t>2.5.1</a:t>
+            </a:r>
+            <a:r>
+              <a:rPr lang="de-DE" dirty="0"/>
+              <a:t> taggen</a:t>
+            </a:r>
+          </a:p>
+        </p:txBody>
+      </p:sp>
+    </p:spTree>
+    <p:extLst>
+      <p:ext uri="{BB962C8B-B14F-4D97-AF65-F5344CB8AC3E}">
+        <p14:creationId xmlns:p14="http://schemas.microsoft.com/office/powerpoint/2010/main" val="2883953203"/>
+      </p:ext>
+    </p:extLst>
+  </p:cSld>
+  <p:clrMapOvr>
+    <a:masterClrMapping/>
+  </p:clrMapOvr>
+</p:sld>
+</file>
+
+<file path=ppt/slides/slide14.xml><?xml version="1.0" encoding="utf-8"?>
 <p:sld xmlns:a="http://schemas.openxmlformats.org/drawingml/2006/main" xmlns:r="http://schemas.openxmlformats.org/officeDocument/2006/relationships" xmlns:p="http://schemas.openxmlformats.org/presentationml/2006/main">
   <p:cSld>
     <p:spTree>
@@ -6206,8 +6618,28 @@
               <a:buNone/>
             </a:pPr>
             <a:r>
+              <a:rPr lang="de-DE" b="1" dirty="0" err="1"/>
+              <a:t>SemVer</a:t>
+            </a:r>
+            <a:r>
               <a:rPr lang="de-DE" b="1" dirty="0"/>
-              <a:t>Strategien zum Image Tagging</a:t>
+              <a:t> Tags (</a:t>
+            </a:r>
+            <a:r>
+              <a:rPr lang="de-DE" b="1" dirty="0" err="1"/>
+              <a:t>Semantic</a:t>
+            </a:r>
+            <a:r>
+              <a:rPr lang="de-DE" b="1" dirty="0"/>
+              <a:t> </a:t>
+            </a:r>
+            <a:r>
+              <a:rPr lang="de-DE" b="1" dirty="0" err="1"/>
+              <a:t>Versioning</a:t>
+            </a:r>
+            <a:r>
+              <a:rPr lang="de-DE" b="1" dirty="0"/>
+              <a:t>)</a:t>
             </a:r>
           </a:p>
           <a:p>
@@ -6223,15 +6655,63 @@
             </a:pPr>
             <a:r>
               <a:rPr lang="de-DE" dirty="0"/>
-              <a:t>Image ID (</a:t>
-            </a:r>
-            <a:r>
-              <a:rPr lang="de-DE" dirty="0" err="1"/>
-              <a:t>digest</a:t>
-            </a:r>
+              <a:t>Anstatt zufällige Namen spezifische Versionsnummer</a:t>
+            </a:r>
+          </a:p>
+          <a:p>
+            <a:pPr>
+              <a:buFont typeface="Arial" panose="020B0604020202020204" pitchFamily="34" charset="0"/>
+              <a:buChar char="•"/>
+            </a:pPr>
             <a:r>
               <a:rPr lang="de-DE" dirty="0"/>
-              <a:t>)</a:t>
+              <a:t>Notation </a:t>
+            </a:r>
+            <a:r>
+              <a:rPr lang="de-DE" dirty="0">
+                <a:latin typeface="Consolas" panose="020B0609020204030204" pitchFamily="49" charset="0"/>
+              </a:rPr>
+              <a:t>MAJOR.MINOR.PATCH</a:t>
+            </a:r>
+          </a:p>
+          <a:p>
+            <a:pPr lvl="1">
+              <a:buFont typeface="Arial" panose="020B0604020202020204" pitchFamily="34" charset="0"/>
+              <a:buChar char="•"/>
+            </a:pPr>
+            <a:r>
+              <a:rPr lang="de-DE" dirty="0"/>
+              <a:t>Beispiel: 2.5.1</a:t>
+            </a:r>
+          </a:p>
+          <a:p>
+            <a:pPr lvl="1">
+              <a:buFont typeface="Arial" panose="020B0604020202020204" pitchFamily="34" charset="0"/>
+              <a:buChar char="•"/>
+            </a:pPr>
+            <a:r>
+              <a:rPr lang="de-DE" dirty="0"/>
+              <a:t>MAJOR = Inkompatible Änderungen</a:t>
+            </a:r>
+          </a:p>
+          <a:p>
+            <a:pPr lvl="1">
+              <a:buFont typeface="Arial" panose="020B0604020202020204" pitchFamily="34" charset="0"/>
+              <a:buChar char="•"/>
+            </a:pPr>
+            <a:r>
+              <a:rPr lang="de-DE" dirty="0"/>
+              <a:t>MINOR = Kompatible Änderungen</a:t>
+            </a:r>
+          </a:p>
+          <a:p>
+            <a:pPr lvl="1">
+              <a:buFont typeface="Arial" panose="020B0604020202020204" pitchFamily="34" charset="0"/>
+              <a:buChar char="•"/>
+            </a:pPr>
+            <a:r>
+              <a:rPr lang="de-DE" dirty="0"/>
+              <a:t>PATCH = Fixes</a:t>
             </a:r>
           </a:p>
           <a:p>
@@ -6239,143 +6719,62 @@
               <a:buFont typeface="Arial" panose="020B0604020202020204" pitchFamily="34" charset="0"/>
               <a:buChar char="•"/>
             </a:pPr>
-            <a:endParaRPr lang="de-DE" dirty="0"/>
-          </a:p>
-          <a:p>
-            <a:pPr>
-              <a:buFont typeface="Arial" panose="020B0604020202020204" pitchFamily="34" charset="0"/>
-              <a:buChar char="•"/>
-            </a:pPr>
             <a:r>
               <a:rPr lang="de-DE" dirty="0"/>
-              <a:t>Image Tags:</a:t>
-            </a:r>
-          </a:p>
-          <a:p>
-            <a:pPr lvl="1">
-              <a:buFont typeface="Arial" panose="020B0604020202020204" pitchFamily="34" charset="0"/>
-              <a:buChar char="•"/>
-            </a:pPr>
-            <a:r>
-              <a:rPr lang="de-DE" dirty="0"/>
-              <a:t>Rolling Tags</a:t>
-            </a:r>
-          </a:p>
-          <a:p>
-            <a:pPr lvl="1">
-              <a:buFont typeface="Arial" panose="020B0604020202020204" pitchFamily="34" charset="0"/>
-              <a:buChar char="•"/>
-            </a:pPr>
-            <a:r>
-              <a:rPr lang="de-DE" dirty="0" err="1"/>
-              <a:t>Git</a:t>
-            </a:r>
-            <a:r>
-              <a:rPr lang="de-DE" dirty="0"/>
-              <a:t> Tags</a:t>
-            </a:r>
-          </a:p>
-          <a:p>
-            <a:pPr lvl="1">
-              <a:buFont typeface="Arial" panose="020B0604020202020204" pitchFamily="34" charset="0"/>
-              <a:buChar char="•"/>
-            </a:pPr>
-            <a:r>
-              <a:rPr lang="de-DE" dirty="0"/>
-              <a:t>Branch </a:t>
-            </a:r>
-            <a:r>
-              <a:rPr lang="de-DE" dirty="0" err="1"/>
-              <a:t>Names</a:t>
-            </a:r>
-            <a:endParaRPr lang="de-DE" dirty="0"/>
-          </a:p>
-          <a:p>
-            <a:pPr lvl="1">
-              <a:buFont typeface="Arial" panose="020B0604020202020204" pitchFamily="34" charset="0"/>
-              <a:buChar char="•"/>
-            </a:pPr>
-            <a:r>
-              <a:rPr lang="de-DE" dirty="0" err="1"/>
-              <a:t>SemVer</a:t>
-            </a:r>
-            <a:r>
-              <a:rPr lang="de-DE" dirty="0"/>
-              <a:t> Tags (</a:t>
-            </a:r>
-            <a:r>
-              <a:rPr lang="de-DE" dirty="0" err="1"/>
-              <a:t>Semantic</a:t>
-            </a:r>
-            <a:r>
-              <a:rPr lang="de-DE" dirty="0"/>
-              <a:t> </a:t>
-            </a:r>
-            <a:r>
-              <a:rPr lang="de-DE" dirty="0" err="1"/>
-              <a:t>Versioning</a:t>
-            </a:r>
-            <a:r>
-              <a:rPr lang="de-DE" dirty="0"/>
-              <a:t>)</a:t>
-            </a:r>
-          </a:p>
-          <a:p>
-            <a:pPr lvl="1">
-              <a:buFont typeface="Arial" panose="020B0604020202020204" pitchFamily="34" charset="0"/>
-              <a:buChar char="•"/>
-            </a:pPr>
-            <a:r>
-              <a:rPr lang="de-DE" dirty="0" err="1"/>
-              <a:t>Git</a:t>
-            </a:r>
-            <a:r>
-              <a:rPr lang="de-DE" dirty="0"/>
-              <a:t> Commit Hash</a:t>
-            </a:r>
-          </a:p>
-          <a:p>
-            <a:pPr lvl="1">
-              <a:buFont typeface="Arial" panose="020B0604020202020204" pitchFamily="34" charset="0"/>
-              <a:buChar char="•"/>
-            </a:pPr>
-            <a:r>
-              <a:rPr lang="de-DE" dirty="0" err="1"/>
-              <a:t>Timestamp</a:t>
-            </a:r>
-            <a:r>
-              <a:rPr lang="de-DE" dirty="0"/>
-              <a:t> / Date-</a:t>
-            </a:r>
-            <a:r>
-              <a:rPr lang="de-DE" dirty="0" err="1"/>
-              <a:t>based</a:t>
-            </a:r>
-            <a:r>
-              <a:rPr lang="de-DE" dirty="0"/>
-              <a:t> Tags</a:t>
-            </a:r>
-          </a:p>
-          <a:p>
-            <a:pPr lvl="1">
-              <a:buFont typeface="Arial" panose="020B0604020202020204" pitchFamily="34" charset="0"/>
-              <a:buChar char="•"/>
-            </a:pPr>
+              <a:t>Neuer </a:t>
+            </a:r>
             <a:r>
               <a:rPr lang="de-DE" dirty="0" err="1"/>
               <a:t>Build</a:t>
             </a:r>
             <a:r>
               <a:rPr lang="de-DE" dirty="0"/>
-              <a:t> ID</a:t>
-            </a:r>
+              <a:t> mit kleinsten Änderungen = </a:t>
+            </a:r>
+            <a:r>
+              <a:rPr lang="de-DE" dirty="0" err="1"/>
+              <a:t>Patchnummer</a:t>
+            </a:r>
+            <a:r>
+              <a:rPr lang="de-DE" dirty="0"/>
+              <a:t> hochzählen</a:t>
+            </a:r>
+          </a:p>
+          <a:p>
+            <a:pPr lvl="1">
+              <a:buFont typeface="Arial" panose="020B0604020202020204" pitchFamily="34" charset="0"/>
+              <a:buChar char="•"/>
+            </a:pPr>
+            <a:r>
+              <a:rPr lang="de-DE" dirty="0">
+                <a:sym typeface="Wingdings" panose="05000000000000000000" pitchFamily="2" charset="2"/>
+              </a:rPr>
+              <a:t> aus 2.5.1 wird 2.5.2</a:t>
+            </a:r>
+            <a:endParaRPr lang="de-DE" dirty="0"/>
+          </a:p>
+          <a:p>
+            <a:pPr>
+              <a:buFont typeface="Arial" panose="020B0604020202020204" pitchFamily="34" charset="0"/>
+              <a:buChar char="•"/>
+            </a:pPr>
+            <a:r>
+              <a:rPr lang="de-DE" dirty="0"/>
+              <a:t>Tags weiterhin mutable</a:t>
+            </a:r>
+          </a:p>
+          <a:p>
+            <a:pPr marL="0" indent="0">
+              <a:buNone/>
+            </a:pPr>
+            <a:endParaRPr lang="de-DE" b="1" dirty="0"/>
           </a:p>
         </p:txBody>
       </p:sp>
     </p:spTree>
     <p:extLst>
       <p:ext uri="{BB962C8B-B14F-4D97-AF65-F5344CB8AC3E}">
-        <p14:creationId xmlns:p14="http://schemas.microsoft.com/office/powerpoint/2010/main" val="1799660318"/>
+        <p14:creationId xmlns:p14="http://schemas.microsoft.com/office/powerpoint/2010/main" val="1996689965"/>
       </p:ext>
     </p:extLst>
   </p:cSld>
@@ -6385,7 +6784,7 @@
 </p:sld>
 </file>
 
-<file path=ppt/slides/slide13.xml><?xml version="1.0" encoding="utf-8"?>
+<file path=ppt/slides/slide15.xml><?xml version="1.0" encoding="utf-8"?>
 <p:sld xmlns:a="http://schemas.openxmlformats.org/drawingml/2006/main" xmlns:r="http://schemas.openxmlformats.org/officeDocument/2006/relationships" xmlns:p="http://schemas.openxmlformats.org/presentationml/2006/main">
   <p:cSld>
     <p:spTree>
@@ -6464,8 +6863,12 @@
               <a:buNone/>
             </a:pPr>
             <a:r>
+              <a:rPr lang="de-DE" b="1" dirty="0" err="1"/>
+              <a:t>Git</a:t>
+            </a:r>
+            <a:r>
               <a:rPr lang="de-DE" b="1" dirty="0"/>
-              <a:t>Rolling Tags</a:t>
+              <a:t> Commit Hash</a:t>
             </a:r>
           </a:p>
           <a:p>
@@ -6481,51 +6884,32 @@
             </a:pPr>
             <a:r>
               <a:rPr lang="de-DE" dirty="0"/>
-              <a:t>Weit verbreitet </a:t>
-            </a:r>
-            <a:r>
-              <a:rPr lang="de-DE" dirty="0">
-                <a:sym typeface="Wingdings" panose="05000000000000000000" pitchFamily="2" charset="2"/>
-              </a:rPr>
-              <a:t></a:t>
-            </a:r>
-            <a:r>
-              <a:rPr lang="de-DE" dirty="0">
-                <a:latin typeface="Consolas" panose="020B0609020204030204" pitchFamily="49" charset="0"/>
-              </a:rPr>
-              <a:t>:</a:t>
-            </a:r>
-            <a:r>
-              <a:rPr lang="de-DE" dirty="0" err="1">
-                <a:latin typeface="Consolas" panose="020B0609020204030204" pitchFamily="49" charset="0"/>
-              </a:rPr>
-              <a:t>latest</a:t>
-            </a:r>
-            <a:r>
-              <a:rPr lang="de-DE" dirty="0">
-                <a:latin typeface="Consolas" panose="020B0609020204030204" pitchFamily="49" charset="0"/>
-              </a:rPr>
-              <a:t> </a:t>
+              <a:t>Neuer Commit = neues Image</a:t>
+            </a:r>
+          </a:p>
+          <a:p>
+            <a:pPr>
+              <a:buFont typeface="Arial" panose="020B0604020202020204" pitchFamily="34" charset="0"/>
+              <a:buChar char="•"/>
+            </a:pPr>
+            <a:r>
+              <a:rPr lang="de-DE" dirty="0" err="1"/>
+              <a:t>Git</a:t>
             </a:r>
             <a:r>
               <a:rPr lang="de-DE" dirty="0"/>
-              <a:t>und </a:t>
-            </a:r>
-            <a:r>
-              <a:rPr lang="de-DE" dirty="0">
-                <a:latin typeface="Consolas" panose="020B0609020204030204" pitchFamily="49" charset="0"/>
-              </a:rPr>
-              <a:t>:</a:t>
-            </a:r>
-            <a:r>
-              <a:rPr lang="de-DE" dirty="0" err="1">
-                <a:latin typeface="Consolas" panose="020B0609020204030204" pitchFamily="49" charset="0"/>
-              </a:rPr>
-              <a:t>stable</a:t>
-            </a:r>
-            <a:endParaRPr lang="de-DE" dirty="0">
-              <a:latin typeface="Consolas" panose="020B0609020204030204" pitchFamily="49" charset="0"/>
-            </a:endParaRPr>
+              <a:t> Hash zum Tagging</a:t>
+            </a:r>
+          </a:p>
+          <a:p>
+            <a:pPr lvl="1">
+              <a:buFont typeface="Arial" panose="020B0604020202020204" pitchFamily="34" charset="0"/>
+              <a:buChar char="•"/>
+            </a:pPr>
+            <a:r>
+              <a:rPr lang="de-DE" dirty="0"/>
+              <a:t>Kürzer als Docker Image Digests</a:t>
+            </a:r>
           </a:p>
           <a:p>
             <a:pPr>
@@ -6533,8 +6917,12 @@
               <a:buChar char="•"/>
             </a:pPr>
             <a:r>
+              <a:rPr lang="de-DE" dirty="0" err="1"/>
+              <a:t>Traceability</a:t>
+            </a:r>
+            <a:r>
               <a:rPr lang="de-DE" dirty="0"/>
-              <a:t>Relevanteste und neuste Versionen</a:t>
+              <a:t> (Rückverfolgbarkeit) sehr hoch!</a:t>
             </a:r>
           </a:p>
           <a:p>
@@ -6544,27 +6932,17 @@
             </a:pPr>
             <a:r>
               <a:rPr lang="de-DE" dirty="0"/>
-              <a:t>Vorsicht: Volatiler Inhalt!</a:t>
-            </a:r>
-          </a:p>
-          <a:p>
-            <a:pPr lvl="1">
+              <a:t>Nicht selbsterklärend</a:t>
+            </a:r>
+          </a:p>
+          <a:p>
+            <a:pPr>
               <a:buFont typeface="Arial" panose="020B0604020202020204" pitchFamily="34" charset="0"/>
               <a:buChar char="•"/>
             </a:pPr>
             <a:r>
               <a:rPr lang="de-DE" dirty="0"/>
-              <a:t>Für Test-Stage OK, bei Produktion No-Go</a:t>
-            </a:r>
-          </a:p>
-          <a:p>
-            <a:pPr lvl="1">
-              <a:buFont typeface="Arial" panose="020B0604020202020204" pitchFamily="34" charset="0"/>
-              <a:buChar char="•"/>
-            </a:pPr>
-            <a:r>
-              <a:rPr lang="de-DE" dirty="0"/>
-              <a:t>Bei Produktion besser: Unique Tags</a:t>
+              <a:t>Beispiel: sha1abcde</a:t>
             </a:r>
           </a:p>
           <a:p>
@@ -6572,364 +6950,14 @@
               <a:buFont typeface="Arial" panose="020B0604020202020204" pitchFamily="34" charset="0"/>
               <a:buChar char="•"/>
             </a:pPr>
-            <a:r>
-              <a:rPr lang="de-DE" dirty="0"/>
-              <a:t>Rollback schwierig</a:t>
-            </a:r>
+            <a:endParaRPr lang="de-DE" dirty="0"/>
           </a:p>
         </p:txBody>
       </p:sp>
     </p:spTree>
     <p:extLst>
       <p:ext uri="{BB962C8B-B14F-4D97-AF65-F5344CB8AC3E}">
-        <p14:creationId xmlns:p14="http://schemas.microsoft.com/office/powerpoint/2010/main" val="3526740333"/>
-      </p:ext>
-    </p:extLst>
-  </p:cSld>
-  <p:clrMapOvr>
-    <a:masterClrMapping/>
-  </p:clrMapOvr>
-</p:sld>
-</file>
-
-<file path=ppt/slides/slide14.xml><?xml version="1.0" encoding="utf-8"?>
-<p:sld xmlns:a="http://schemas.openxmlformats.org/drawingml/2006/main" xmlns:r="http://schemas.openxmlformats.org/officeDocument/2006/relationships" xmlns:p="http://schemas.openxmlformats.org/presentationml/2006/main">
-  <p:cSld>
-    <p:spTree>
-      <p:nvGrpSpPr>
-        <p:cNvPr id="1" name=""/>
-        <p:cNvGrpSpPr/>
-        <p:nvPr/>
-      </p:nvGrpSpPr>
-      <p:grpSpPr>
-        <a:xfrm>
-          <a:off x="0" y="0"/>
-          <a:ext cx="0" cy="0"/>
-          <a:chOff x="0" y="0"/>
-          <a:chExt cx="0" cy="0"/>
-        </a:xfrm>
-      </p:grpSpPr>
-      <p:sp>
-        <p:nvSpPr>
-          <p:cNvPr id="2" name="Titel 1">
-            <a:extLst>
-              <a:ext uri="{FF2B5EF4-FFF2-40B4-BE49-F238E27FC236}">
-                <a16:creationId xmlns:a16="http://schemas.microsoft.com/office/drawing/2014/main" id="{830D42F4-3DE1-E484-4E37-7A350B7E9347}"/>
-              </a:ext>
-            </a:extLst>
-          </p:cNvPr>
-          <p:cNvSpPr>
-            <a:spLocks noGrp="1"/>
-          </p:cNvSpPr>
-          <p:nvPr>
-            <p:ph type="title"/>
-          </p:nvPr>
-        </p:nvSpPr>
-        <p:spPr/>
-        <p:txBody>
-          <a:bodyPr/>
-          <a:lstStyle/>
-          <a:p>
-            <a:r>
-              <a:rPr lang="de-DE" cap="none" dirty="0"/>
-              <a:t>Release- und </a:t>
-            </a:r>
-            <a:r>
-              <a:rPr lang="de-DE" cap="none" dirty="0" err="1"/>
-              <a:t>Tagged</a:t>
-            </a:r>
-            <a:r>
-              <a:rPr lang="de-DE" cap="none" dirty="0"/>
-              <a:t>-Images</a:t>
-            </a:r>
-            <a:endParaRPr lang="de-DE" dirty="0"/>
-          </a:p>
-        </p:txBody>
-      </p:sp>
-      <p:sp>
-        <p:nvSpPr>
-          <p:cNvPr id="3" name="Inhaltsplatzhalter 2">
-            <a:extLst>
-              <a:ext uri="{FF2B5EF4-FFF2-40B4-BE49-F238E27FC236}">
-                <a16:creationId xmlns:a16="http://schemas.microsoft.com/office/drawing/2014/main" id="{3AD45E9F-BF6F-3159-A6E8-E786B8D66377}"/>
-              </a:ext>
-            </a:extLst>
-          </p:cNvPr>
-          <p:cNvSpPr>
-            <a:spLocks noGrp="1"/>
-          </p:cNvSpPr>
-          <p:nvPr>
-            <p:ph idx="1"/>
-          </p:nvPr>
-        </p:nvSpPr>
-        <p:spPr/>
-        <p:txBody>
-          <a:bodyPr/>
-          <a:lstStyle/>
-          <a:p>
-            <a:pPr marL="0" indent="0">
-              <a:buNone/>
-            </a:pPr>
-            <a:r>
-              <a:rPr lang="de-DE" b="1" dirty="0" err="1"/>
-              <a:t>Git</a:t>
-            </a:r>
-            <a:r>
-              <a:rPr lang="de-DE" b="1" dirty="0"/>
-              <a:t> Tags</a:t>
-            </a:r>
-          </a:p>
-          <a:p>
-            <a:pPr marL="0" indent="0">
-              <a:buNone/>
-            </a:pPr>
-            <a:endParaRPr lang="de-DE" b="1" dirty="0"/>
-          </a:p>
-          <a:p>
-            <a:pPr>
-              <a:buFont typeface="Arial" panose="020B0604020202020204" pitchFamily="34" charset="0"/>
-              <a:buChar char="•"/>
-            </a:pPr>
-            <a:r>
-              <a:rPr lang="de-DE" dirty="0"/>
-              <a:t>Nützlich bei Verwendung von </a:t>
-            </a:r>
-            <a:r>
-              <a:rPr lang="de-DE" dirty="0" err="1"/>
-              <a:t>Git</a:t>
-            </a:r>
-            <a:r>
-              <a:rPr lang="de-DE" dirty="0"/>
-              <a:t> Tags für Releases</a:t>
-            </a:r>
-          </a:p>
-          <a:p>
-            <a:pPr>
-              <a:buFont typeface="Arial" panose="020B0604020202020204" pitchFamily="34" charset="0"/>
-              <a:buChar char="•"/>
-            </a:pPr>
-            <a:r>
-              <a:rPr lang="de-DE" dirty="0"/>
-              <a:t>Konsistenz zwischen Versionsverwaltung und </a:t>
-            </a:r>
-            <a:r>
-              <a:rPr lang="de-DE" dirty="0" err="1"/>
-              <a:t>Deployable</a:t>
-            </a:r>
-            <a:endParaRPr lang="de-DE" dirty="0"/>
-          </a:p>
-          <a:p>
-            <a:pPr>
-              <a:buFont typeface="Arial" panose="020B0604020202020204" pitchFamily="34" charset="0"/>
-              <a:buChar char="•"/>
-            </a:pPr>
-            <a:r>
-              <a:rPr lang="de-DE" dirty="0" err="1"/>
-              <a:t>Git</a:t>
-            </a:r>
-            <a:r>
-              <a:rPr lang="de-DE" dirty="0"/>
-              <a:t> Tag „v2.5.1“</a:t>
-            </a:r>
-          </a:p>
-          <a:p>
-            <a:pPr lvl="1">
-              <a:buFont typeface="Arial" panose="020B0604020202020204" pitchFamily="34" charset="0"/>
-              <a:buChar char="•"/>
-            </a:pPr>
-            <a:r>
-              <a:rPr lang="de-DE" dirty="0">
-                <a:sym typeface="Wingdings" panose="05000000000000000000" pitchFamily="2" charset="2"/>
-              </a:rPr>
-              <a:t> Gleichen Tag als Docker Image Tag</a:t>
-            </a:r>
-            <a:endParaRPr lang="de-DE" dirty="0"/>
-          </a:p>
-        </p:txBody>
-      </p:sp>
-    </p:spTree>
-    <p:extLst>
-      <p:ext uri="{BB962C8B-B14F-4D97-AF65-F5344CB8AC3E}">
-        <p14:creationId xmlns:p14="http://schemas.microsoft.com/office/powerpoint/2010/main" val="1652775311"/>
-      </p:ext>
-    </p:extLst>
-  </p:cSld>
-  <p:clrMapOvr>
-    <a:masterClrMapping/>
-  </p:clrMapOvr>
-</p:sld>
-</file>
-
-<file path=ppt/slides/slide15.xml><?xml version="1.0" encoding="utf-8"?>
-<p:sld xmlns:a="http://schemas.openxmlformats.org/drawingml/2006/main" xmlns:r="http://schemas.openxmlformats.org/officeDocument/2006/relationships" xmlns:p="http://schemas.openxmlformats.org/presentationml/2006/main">
-  <p:cSld>
-    <p:spTree>
-      <p:nvGrpSpPr>
-        <p:cNvPr id="1" name=""/>
-        <p:cNvGrpSpPr/>
-        <p:nvPr/>
-      </p:nvGrpSpPr>
-      <p:grpSpPr>
-        <a:xfrm>
-          <a:off x="0" y="0"/>
-          <a:ext cx="0" cy="0"/>
-          <a:chOff x="0" y="0"/>
-          <a:chExt cx="0" cy="0"/>
-        </a:xfrm>
-      </p:grpSpPr>
-      <p:sp>
-        <p:nvSpPr>
-          <p:cNvPr id="2" name="Titel 1">
-            <a:extLst>
-              <a:ext uri="{FF2B5EF4-FFF2-40B4-BE49-F238E27FC236}">
-                <a16:creationId xmlns:a16="http://schemas.microsoft.com/office/drawing/2014/main" id="{2C9E82B3-AD82-0F0E-4966-26D367100225}"/>
-              </a:ext>
-            </a:extLst>
-          </p:cNvPr>
-          <p:cNvSpPr>
-            <a:spLocks noGrp="1"/>
-          </p:cNvSpPr>
-          <p:nvPr>
-            <p:ph type="title"/>
-          </p:nvPr>
-        </p:nvSpPr>
-        <p:spPr/>
-        <p:txBody>
-          <a:bodyPr/>
-          <a:lstStyle/>
-          <a:p>
-            <a:r>
-              <a:rPr lang="de-DE" cap="none" dirty="0"/>
-              <a:t>Release- und </a:t>
-            </a:r>
-            <a:r>
-              <a:rPr lang="de-DE" cap="none" dirty="0" err="1"/>
-              <a:t>Tagged</a:t>
-            </a:r>
-            <a:r>
-              <a:rPr lang="de-DE" cap="none" dirty="0"/>
-              <a:t>-Images</a:t>
-            </a:r>
-            <a:endParaRPr lang="de-DE" dirty="0"/>
-          </a:p>
-        </p:txBody>
-      </p:sp>
-      <p:sp>
-        <p:nvSpPr>
-          <p:cNvPr id="3" name="Inhaltsplatzhalter 2">
-            <a:extLst>
-              <a:ext uri="{FF2B5EF4-FFF2-40B4-BE49-F238E27FC236}">
-                <a16:creationId xmlns:a16="http://schemas.microsoft.com/office/drawing/2014/main" id="{659CA9F6-54B4-1531-E83B-0D1A49C9D6FB}"/>
-              </a:ext>
-            </a:extLst>
-          </p:cNvPr>
-          <p:cNvSpPr>
-            <a:spLocks noGrp="1"/>
-          </p:cNvSpPr>
-          <p:nvPr>
-            <p:ph idx="1"/>
-          </p:nvPr>
-        </p:nvSpPr>
-        <p:spPr/>
-        <p:txBody>
-          <a:bodyPr/>
-          <a:lstStyle/>
-          <a:p>
-            <a:pPr marL="0" indent="0">
-              <a:buNone/>
-            </a:pPr>
-            <a:r>
-              <a:rPr lang="de-DE" b="1" dirty="0"/>
-              <a:t>Branch </a:t>
-            </a:r>
-            <a:r>
-              <a:rPr lang="de-DE" b="1" dirty="0" err="1"/>
-              <a:t>Names</a:t>
-            </a:r>
-            <a:endParaRPr lang="de-DE" b="1" dirty="0"/>
-          </a:p>
-          <a:p>
-            <a:pPr marL="0" indent="0">
-              <a:buNone/>
-            </a:pPr>
-            <a:endParaRPr lang="de-DE" b="1" dirty="0"/>
-          </a:p>
-          <a:p>
-            <a:pPr>
-              <a:buFont typeface="Arial" panose="020B0604020202020204" pitchFamily="34" charset="0"/>
-              <a:buChar char="•"/>
-            </a:pPr>
-            <a:r>
-              <a:rPr lang="de-DE" dirty="0" err="1"/>
-              <a:t>Branching</a:t>
-            </a:r>
-            <a:r>
-              <a:rPr lang="de-DE" dirty="0"/>
-              <a:t> Strategie</a:t>
-            </a:r>
-          </a:p>
-          <a:p>
-            <a:pPr lvl="1">
-              <a:buFont typeface="Arial" panose="020B0604020202020204" pitchFamily="34" charset="0"/>
-              <a:buChar char="•"/>
-            </a:pPr>
-            <a:r>
-              <a:rPr lang="de-DE" dirty="0"/>
-              <a:t>Branch-Namen verwenden, um Tags zu managen</a:t>
-            </a:r>
-          </a:p>
-          <a:p>
-            <a:pPr>
-              <a:buFont typeface="Arial" panose="020B0604020202020204" pitchFamily="34" charset="0"/>
-              <a:buChar char="•"/>
-            </a:pPr>
-            <a:r>
-              <a:rPr lang="de-DE" dirty="0"/>
-              <a:t>Beispiel</a:t>
-            </a:r>
-          </a:p>
-          <a:p>
-            <a:pPr lvl="1">
-              <a:buFont typeface="Arial" panose="020B0604020202020204" pitchFamily="34" charset="0"/>
-              <a:buChar char="•"/>
-            </a:pPr>
-            <a:r>
-              <a:rPr lang="de-DE" dirty="0"/>
-              <a:t>Branch: </a:t>
-            </a:r>
-            <a:r>
-              <a:rPr lang="de-DE" dirty="0">
-                <a:latin typeface="Consolas" panose="020B0609020204030204" pitchFamily="49" charset="0"/>
-              </a:rPr>
-              <a:t>release/2.5.1 für ein spezifisches Release</a:t>
-            </a:r>
-          </a:p>
-          <a:p>
-            <a:pPr lvl="1">
-              <a:buFont typeface="Arial" panose="020B0604020202020204" pitchFamily="34" charset="0"/>
-              <a:buChar char="•"/>
-            </a:pPr>
-            <a:r>
-              <a:rPr lang="de-DE" dirty="0"/>
-              <a:t>Docker Image mit release-</a:t>
-            </a:r>
-            <a:r>
-              <a:rPr lang="de-DE" dirty="0">
-                <a:latin typeface="Consolas" panose="020B0609020204030204" pitchFamily="49" charset="0"/>
-              </a:rPr>
-              <a:t>2.5.1</a:t>
-            </a:r>
-            <a:r>
-              <a:rPr lang="de-DE" dirty="0"/>
-              <a:t> taggen</a:t>
-            </a:r>
-          </a:p>
-        </p:txBody>
-      </p:sp>
-    </p:spTree>
-    <p:extLst>
-      <p:ext uri="{BB962C8B-B14F-4D97-AF65-F5344CB8AC3E}">
-        <p14:creationId xmlns:p14="http://schemas.microsoft.com/office/powerpoint/2010/main" val="2883953203"/>
+        <p14:creationId xmlns:p14="http://schemas.microsoft.com/office/powerpoint/2010/main" val="2072298106"/>
       </p:ext>
     </p:extLst>
   </p:cSld>
@@ -7019,27 +7047,19 @@
             </a:pPr>
             <a:r>
               <a:rPr lang="de-DE" b="1" dirty="0" err="1"/>
-              <a:t>SemVer</a:t>
+              <a:t>Timestamp</a:t>
             </a:r>
             <a:r>
               <a:rPr lang="de-DE" b="1" dirty="0"/>
-              <a:t> Tags (</a:t>
+              <a:t> / Date-</a:t>
             </a:r>
             <a:r>
               <a:rPr lang="de-DE" b="1" dirty="0" err="1"/>
-              <a:t>Semantic</a:t>
+              <a:t>based</a:t>
             </a:r>
             <a:r>
               <a:rPr lang="de-DE" b="1" dirty="0"/>
-              <a:t> </a:t>
-            </a:r>
-            <a:r>
-              <a:rPr lang="de-DE" b="1" dirty="0" err="1"/>
-              <a:t>Versioning</a:t>
-            </a:r>
-            <a:r>
-              <a:rPr lang="de-DE" b="1" dirty="0"/>
-              <a:t>)</a:t>
+              <a:t> Tags</a:t>
             </a:r>
           </a:p>
           <a:p>
@@ -7055,89 +7075,7 @@
             </a:pPr>
             <a:r>
               <a:rPr lang="de-DE" dirty="0"/>
-              <a:t>Anstatt zufällige Namen spezifische Versionsnummer</a:t>
-            </a:r>
-          </a:p>
-          <a:p>
-            <a:pPr>
-              <a:buFont typeface="Arial" panose="020B0604020202020204" pitchFamily="34" charset="0"/>
-              <a:buChar char="•"/>
-            </a:pPr>
-            <a:r>
-              <a:rPr lang="de-DE" dirty="0"/>
-              <a:t>Notation </a:t>
-            </a:r>
-            <a:r>
-              <a:rPr lang="de-DE" dirty="0">
-                <a:latin typeface="Consolas" panose="020B0609020204030204" pitchFamily="49" charset="0"/>
-              </a:rPr>
-              <a:t>MAJOR.MINOR.PATCH</a:t>
-            </a:r>
-          </a:p>
-          <a:p>
-            <a:pPr lvl="1">
-              <a:buFont typeface="Arial" panose="020B0604020202020204" pitchFamily="34" charset="0"/>
-              <a:buChar char="•"/>
-            </a:pPr>
-            <a:r>
-              <a:rPr lang="de-DE" dirty="0"/>
-              <a:t>Beispiel: 2.5.1</a:t>
-            </a:r>
-          </a:p>
-          <a:p>
-            <a:pPr lvl="1">
-              <a:buFont typeface="Arial" panose="020B0604020202020204" pitchFamily="34" charset="0"/>
-              <a:buChar char="•"/>
-            </a:pPr>
-            <a:r>
-              <a:rPr lang="de-DE" dirty="0"/>
-              <a:t>MAJOR = Inkompatible Änderungen</a:t>
-            </a:r>
-          </a:p>
-          <a:p>
-            <a:pPr lvl="1">
-              <a:buFont typeface="Arial" panose="020B0604020202020204" pitchFamily="34" charset="0"/>
-              <a:buChar char="•"/>
-            </a:pPr>
-            <a:r>
-              <a:rPr lang="de-DE" dirty="0"/>
-              <a:t>MINOR = Kompatible Änderungen</a:t>
-            </a:r>
-          </a:p>
-          <a:p>
-            <a:pPr lvl="1">
-              <a:buFont typeface="Arial" panose="020B0604020202020204" pitchFamily="34" charset="0"/>
-              <a:buChar char="•"/>
-            </a:pPr>
-            <a:r>
-              <a:rPr lang="de-DE" dirty="0"/>
-              <a:t>PATCH = Fixes</a:t>
-            </a:r>
-          </a:p>
-          <a:p>
-            <a:pPr>
-              <a:buFont typeface="Arial" panose="020B0604020202020204" pitchFamily="34" charset="0"/>
-              <a:buChar char="•"/>
-            </a:pPr>
-            <a:r>
-              <a:rPr lang="de-DE" dirty="0"/>
-              <a:t>Neuer </a:t>
-            </a:r>
-            <a:r>
-              <a:rPr lang="de-DE" dirty="0" err="1"/>
-              <a:t>Build</a:t>
-            </a:r>
-            <a:r>
-              <a:rPr lang="de-DE" dirty="0"/>
-              <a:t> mit kleinsten Änderungen = </a:t>
-            </a:r>
-            <a:r>
-              <a:rPr lang="de-DE" dirty="0" err="1"/>
-              <a:t>Patchnummer</a:t>
-            </a:r>
-            <a:r>
-              <a:rPr lang="de-DE" dirty="0"/>
-              <a:t> hochzählen</a:t>
+              <a:t>Unique Identifier</a:t>
             </a:r>
           </a:p>
           <a:p>
@@ -7149,32 +7087,113 @@
               <a:rPr lang="de-DE" dirty="0">
                 <a:sym typeface="Wingdings" panose="05000000000000000000" pitchFamily="2" charset="2"/>
               </a:rPr>
-              <a:t> aus 2.5.1 wird 2.5.2</a:t>
-            </a:r>
+              <a:t> „Semi-</a:t>
+            </a:r>
+            <a:r>
+              <a:rPr lang="de-DE" dirty="0" err="1">
+                <a:sym typeface="Wingdings" panose="05000000000000000000" pitchFamily="2" charset="2"/>
+              </a:rPr>
+              <a:t>immutable</a:t>
+            </a:r>
+            <a:r>
+              <a:rPr lang="de-DE" dirty="0">
+                <a:sym typeface="Wingdings" panose="05000000000000000000" pitchFamily="2" charset="2"/>
+              </a:rPr>
+              <a:t>“ Referenz</a:t>
+            </a:r>
+          </a:p>
+          <a:p>
+            <a:pPr>
+              <a:buFont typeface="Arial" panose="020B0604020202020204" pitchFamily="34" charset="0"/>
+              <a:buChar char="•"/>
+            </a:pPr>
+            <a:r>
+              <a:rPr lang="de-DE" dirty="0">
+                <a:sym typeface="Wingdings" panose="05000000000000000000" pitchFamily="2" charset="2"/>
+              </a:rPr>
+              <a:t>Automatisch generiert  einzigartig</a:t>
+            </a:r>
+          </a:p>
+          <a:p>
+            <a:pPr>
+              <a:buFont typeface="Arial" panose="020B0604020202020204" pitchFamily="34" charset="0"/>
+              <a:buChar char="•"/>
+            </a:pPr>
+            <a:r>
+              <a:rPr lang="de-DE" dirty="0">
+                <a:sym typeface="Wingdings" panose="05000000000000000000" pitchFamily="2" charset="2"/>
+              </a:rPr>
+              <a:t>Einfache Lösung mit vielen Nachteilen</a:t>
+            </a:r>
+          </a:p>
+          <a:p>
+            <a:pPr lvl="1">
+              <a:buFont typeface="Arial" panose="020B0604020202020204" pitchFamily="34" charset="0"/>
+              <a:buChar char="•"/>
+            </a:pPr>
+            <a:r>
+              <a:rPr lang="de-DE" dirty="0">
+                <a:sym typeface="Wingdings" panose="05000000000000000000" pitchFamily="2" charset="2"/>
+              </a:rPr>
+              <a:t>Release am 20.05.2024, Tagging  </a:t>
+            </a:r>
+            <a:r>
+              <a:rPr lang="de-DE" dirty="0">
+                <a:latin typeface="Consolas" panose="020B0609020204030204" pitchFamily="49" charset="0"/>
+                <a:sym typeface="Wingdings" panose="05000000000000000000" pitchFamily="2" charset="2"/>
+              </a:rPr>
+              <a:t>20240520</a:t>
+            </a:r>
+          </a:p>
+          <a:p>
+            <a:pPr lvl="1">
+              <a:buFont typeface="Arial" panose="020B0604020202020204" pitchFamily="34" charset="0"/>
+              <a:buChar char="•"/>
+            </a:pPr>
+            <a:r>
+              <a:rPr lang="de-DE" dirty="0">
+                <a:sym typeface="Wingdings" panose="05000000000000000000" pitchFamily="2" charset="2"/>
+              </a:rPr>
+              <a:t>Zeitzonen sind böse!</a:t>
+            </a:r>
+          </a:p>
+          <a:p>
+            <a:pPr lvl="1">
+              <a:buFont typeface="Arial" panose="020B0604020202020204" pitchFamily="34" charset="0"/>
+              <a:buChar char="•"/>
+            </a:pPr>
+            <a:r>
+              <a:rPr lang="de-DE" dirty="0">
+                <a:sym typeface="Wingdings" panose="05000000000000000000" pitchFamily="2" charset="2"/>
+              </a:rPr>
+              <a:t>Korrelation zum </a:t>
+            </a:r>
+            <a:r>
+              <a:rPr lang="de-DE" dirty="0" err="1">
+                <a:sym typeface="Wingdings" panose="05000000000000000000" pitchFamily="2" charset="2"/>
+              </a:rPr>
+              <a:t>Changeset</a:t>
+            </a:r>
+            <a:r>
+              <a:rPr lang="de-DE" dirty="0">
+                <a:sym typeface="Wingdings" panose="05000000000000000000" pitchFamily="2" charset="2"/>
+              </a:rPr>
+              <a:t> fehlt</a:t>
+            </a:r>
+          </a:p>
+          <a:p>
+            <a:pPr>
+              <a:buFont typeface="Arial" panose="020B0604020202020204" pitchFamily="34" charset="0"/>
+              <a:buChar char="•"/>
+            </a:pPr>
             <a:endParaRPr lang="de-DE" dirty="0"/>
-          </a:p>
-          <a:p>
-            <a:pPr>
-              <a:buFont typeface="Arial" panose="020B0604020202020204" pitchFamily="34" charset="0"/>
-              <a:buChar char="•"/>
-            </a:pPr>
-            <a:r>
-              <a:rPr lang="de-DE" dirty="0"/>
-              <a:t>Tags weiterhin mutable</a:t>
-            </a:r>
-          </a:p>
-          <a:p>
-            <a:pPr marL="0" indent="0">
-              <a:buNone/>
-            </a:pPr>
-            <a:endParaRPr lang="de-DE" b="1" dirty="0"/>
           </a:p>
         </p:txBody>
       </p:sp>
     </p:spTree>
     <p:extLst>
       <p:ext uri="{BB962C8B-B14F-4D97-AF65-F5344CB8AC3E}">
-        <p14:creationId xmlns:p14="http://schemas.microsoft.com/office/powerpoint/2010/main" val="1996689965"/>
+        <p14:creationId xmlns:p14="http://schemas.microsoft.com/office/powerpoint/2010/main" val="3288241879"/>
       </p:ext>
     </p:extLst>
   </p:cSld>
@@ -7264,425 +7283,6 @@
             </a:pPr>
             <a:r>
               <a:rPr lang="de-DE" b="1" dirty="0" err="1"/>
-              <a:t>Git</a:t>
-            </a:r>
-            <a:r>
-              <a:rPr lang="de-DE" b="1" dirty="0"/>
-              <a:t> Commit Hash</a:t>
-            </a:r>
-          </a:p>
-          <a:p>
-            <a:pPr marL="0" indent="0">
-              <a:buNone/>
-            </a:pPr>
-            <a:endParaRPr lang="de-DE" b="1" dirty="0"/>
-          </a:p>
-          <a:p>
-            <a:pPr>
-              <a:buFont typeface="Arial" panose="020B0604020202020204" pitchFamily="34" charset="0"/>
-              <a:buChar char="•"/>
-            </a:pPr>
-            <a:r>
-              <a:rPr lang="de-DE" dirty="0"/>
-              <a:t>Neuer Commit = neues Image</a:t>
-            </a:r>
-          </a:p>
-          <a:p>
-            <a:pPr>
-              <a:buFont typeface="Arial" panose="020B0604020202020204" pitchFamily="34" charset="0"/>
-              <a:buChar char="•"/>
-            </a:pPr>
-            <a:r>
-              <a:rPr lang="de-DE" dirty="0" err="1"/>
-              <a:t>Git</a:t>
-            </a:r>
-            <a:r>
-              <a:rPr lang="de-DE" dirty="0"/>
-              <a:t> Hash zum Tagging</a:t>
-            </a:r>
-          </a:p>
-          <a:p>
-            <a:pPr lvl="1">
-              <a:buFont typeface="Arial" panose="020B0604020202020204" pitchFamily="34" charset="0"/>
-              <a:buChar char="•"/>
-            </a:pPr>
-            <a:r>
-              <a:rPr lang="de-DE" dirty="0"/>
-              <a:t>Kürzer als Docker Image Digests</a:t>
-            </a:r>
-          </a:p>
-          <a:p>
-            <a:pPr>
-              <a:buFont typeface="Arial" panose="020B0604020202020204" pitchFamily="34" charset="0"/>
-              <a:buChar char="•"/>
-            </a:pPr>
-            <a:r>
-              <a:rPr lang="de-DE" dirty="0" err="1"/>
-              <a:t>Traceability</a:t>
-            </a:r>
-            <a:r>
-              <a:rPr lang="de-DE" dirty="0"/>
-              <a:t> (Rückverfolgbarkeit) sehr hoch!</a:t>
-            </a:r>
-          </a:p>
-          <a:p>
-            <a:pPr>
-              <a:buFont typeface="Arial" panose="020B0604020202020204" pitchFamily="34" charset="0"/>
-              <a:buChar char="•"/>
-            </a:pPr>
-            <a:r>
-              <a:rPr lang="de-DE" dirty="0"/>
-              <a:t>Nicht selbsterklärend</a:t>
-            </a:r>
-          </a:p>
-          <a:p>
-            <a:pPr>
-              <a:buFont typeface="Arial" panose="020B0604020202020204" pitchFamily="34" charset="0"/>
-              <a:buChar char="•"/>
-            </a:pPr>
-            <a:r>
-              <a:rPr lang="de-DE" dirty="0"/>
-              <a:t>Beispiel: sha1abcde</a:t>
-            </a:r>
-          </a:p>
-          <a:p>
-            <a:pPr>
-              <a:buFont typeface="Arial" panose="020B0604020202020204" pitchFamily="34" charset="0"/>
-              <a:buChar char="•"/>
-            </a:pPr>
-            <a:endParaRPr lang="de-DE" dirty="0"/>
-          </a:p>
-        </p:txBody>
-      </p:sp>
-    </p:spTree>
-    <p:extLst>
-      <p:ext uri="{BB962C8B-B14F-4D97-AF65-F5344CB8AC3E}">
-        <p14:creationId xmlns:p14="http://schemas.microsoft.com/office/powerpoint/2010/main" val="2072298106"/>
-      </p:ext>
-    </p:extLst>
-  </p:cSld>
-  <p:clrMapOvr>
-    <a:masterClrMapping/>
-  </p:clrMapOvr>
-</p:sld>
-</file>
-
-<file path=ppt/slides/slide18.xml><?xml version="1.0" encoding="utf-8"?>
-<p:sld xmlns:a="http://schemas.openxmlformats.org/drawingml/2006/main" xmlns:r="http://schemas.openxmlformats.org/officeDocument/2006/relationships" xmlns:p="http://schemas.openxmlformats.org/presentationml/2006/main">
-  <p:cSld>
-    <p:spTree>
-      <p:nvGrpSpPr>
-        <p:cNvPr id="1" name=""/>
-        <p:cNvGrpSpPr/>
-        <p:nvPr/>
-      </p:nvGrpSpPr>
-      <p:grpSpPr>
-        <a:xfrm>
-          <a:off x="0" y="0"/>
-          <a:ext cx="0" cy="0"/>
-          <a:chOff x="0" y="0"/>
-          <a:chExt cx="0" cy="0"/>
-        </a:xfrm>
-      </p:grpSpPr>
-      <p:sp>
-        <p:nvSpPr>
-          <p:cNvPr id="2" name="Titel 1">
-            <a:extLst>
-              <a:ext uri="{FF2B5EF4-FFF2-40B4-BE49-F238E27FC236}">
-                <a16:creationId xmlns:a16="http://schemas.microsoft.com/office/drawing/2014/main" id="{5874EA8E-7A71-3505-B01E-D0E8A26AAC59}"/>
-              </a:ext>
-            </a:extLst>
-          </p:cNvPr>
-          <p:cNvSpPr>
-            <a:spLocks noGrp="1"/>
-          </p:cNvSpPr>
-          <p:nvPr>
-            <p:ph type="title"/>
-          </p:nvPr>
-        </p:nvSpPr>
-        <p:spPr/>
-        <p:txBody>
-          <a:bodyPr/>
-          <a:lstStyle/>
-          <a:p>
-            <a:r>
-              <a:rPr lang="de-DE" cap="none" dirty="0"/>
-              <a:t>Release- und </a:t>
-            </a:r>
-            <a:r>
-              <a:rPr lang="de-DE" cap="none" dirty="0" err="1"/>
-              <a:t>Tagged</a:t>
-            </a:r>
-            <a:r>
-              <a:rPr lang="de-DE" cap="none" dirty="0"/>
-              <a:t>-Images</a:t>
-            </a:r>
-            <a:endParaRPr lang="de-DE" dirty="0"/>
-          </a:p>
-        </p:txBody>
-      </p:sp>
-      <p:sp>
-        <p:nvSpPr>
-          <p:cNvPr id="3" name="Inhaltsplatzhalter 2">
-            <a:extLst>
-              <a:ext uri="{FF2B5EF4-FFF2-40B4-BE49-F238E27FC236}">
-                <a16:creationId xmlns:a16="http://schemas.microsoft.com/office/drawing/2014/main" id="{D4DA2B4E-C5FB-6595-34A6-E18A9AA0157D}"/>
-              </a:ext>
-            </a:extLst>
-          </p:cNvPr>
-          <p:cNvSpPr>
-            <a:spLocks noGrp="1"/>
-          </p:cNvSpPr>
-          <p:nvPr>
-            <p:ph idx="1"/>
-          </p:nvPr>
-        </p:nvSpPr>
-        <p:spPr/>
-        <p:txBody>
-          <a:bodyPr/>
-          <a:lstStyle/>
-          <a:p>
-            <a:pPr marL="0" indent="0">
-              <a:buNone/>
-            </a:pPr>
-            <a:r>
-              <a:rPr lang="de-DE" b="1" dirty="0" err="1"/>
-              <a:t>Timestamp</a:t>
-            </a:r>
-            <a:r>
-              <a:rPr lang="de-DE" b="1" dirty="0"/>
-              <a:t> / Date-</a:t>
-            </a:r>
-            <a:r>
-              <a:rPr lang="de-DE" b="1" dirty="0" err="1"/>
-              <a:t>based</a:t>
-            </a:r>
-            <a:r>
-              <a:rPr lang="de-DE" b="1" dirty="0"/>
-              <a:t> Tags</a:t>
-            </a:r>
-          </a:p>
-          <a:p>
-            <a:pPr marL="0" indent="0">
-              <a:buNone/>
-            </a:pPr>
-            <a:endParaRPr lang="de-DE" b="1" dirty="0"/>
-          </a:p>
-          <a:p>
-            <a:pPr>
-              <a:buFont typeface="Arial" panose="020B0604020202020204" pitchFamily="34" charset="0"/>
-              <a:buChar char="•"/>
-            </a:pPr>
-            <a:r>
-              <a:rPr lang="de-DE" dirty="0"/>
-              <a:t>Unique Identifier</a:t>
-            </a:r>
-          </a:p>
-          <a:p>
-            <a:pPr lvl="1">
-              <a:buFont typeface="Arial" panose="020B0604020202020204" pitchFamily="34" charset="0"/>
-              <a:buChar char="•"/>
-            </a:pPr>
-            <a:r>
-              <a:rPr lang="de-DE" dirty="0">
-                <a:sym typeface="Wingdings" panose="05000000000000000000" pitchFamily="2" charset="2"/>
-              </a:rPr>
-              <a:t> „Semi-</a:t>
-            </a:r>
-            <a:r>
-              <a:rPr lang="de-DE" dirty="0" err="1">
-                <a:sym typeface="Wingdings" panose="05000000000000000000" pitchFamily="2" charset="2"/>
-              </a:rPr>
-              <a:t>immutable</a:t>
-            </a:r>
-            <a:r>
-              <a:rPr lang="de-DE" dirty="0">
-                <a:sym typeface="Wingdings" panose="05000000000000000000" pitchFamily="2" charset="2"/>
-              </a:rPr>
-              <a:t>“ Referenz</a:t>
-            </a:r>
-          </a:p>
-          <a:p>
-            <a:pPr>
-              <a:buFont typeface="Arial" panose="020B0604020202020204" pitchFamily="34" charset="0"/>
-              <a:buChar char="•"/>
-            </a:pPr>
-            <a:r>
-              <a:rPr lang="de-DE" dirty="0">
-                <a:sym typeface="Wingdings" panose="05000000000000000000" pitchFamily="2" charset="2"/>
-              </a:rPr>
-              <a:t>Automatisch generiert  einzigartig</a:t>
-            </a:r>
-          </a:p>
-          <a:p>
-            <a:pPr>
-              <a:buFont typeface="Arial" panose="020B0604020202020204" pitchFamily="34" charset="0"/>
-              <a:buChar char="•"/>
-            </a:pPr>
-            <a:r>
-              <a:rPr lang="de-DE" dirty="0">
-                <a:sym typeface="Wingdings" panose="05000000000000000000" pitchFamily="2" charset="2"/>
-              </a:rPr>
-              <a:t>Einfache Lösung mit vielen Nachteilen</a:t>
-            </a:r>
-          </a:p>
-          <a:p>
-            <a:pPr lvl="1">
-              <a:buFont typeface="Arial" panose="020B0604020202020204" pitchFamily="34" charset="0"/>
-              <a:buChar char="•"/>
-            </a:pPr>
-            <a:r>
-              <a:rPr lang="de-DE" dirty="0">
-                <a:sym typeface="Wingdings" panose="05000000000000000000" pitchFamily="2" charset="2"/>
-              </a:rPr>
-              <a:t>Release am 20.05.2024, Tagging  </a:t>
-            </a:r>
-            <a:r>
-              <a:rPr lang="de-DE" dirty="0">
-                <a:latin typeface="Consolas" panose="020B0609020204030204" pitchFamily="49" charset="0"/>
-                <a:sym typeface="Wingdings" panose="05000000000000000000" pitchFamily="2" charset="2"/>
-              </a:rPr>
-              <a:t>20240520</a:t>
-            </a:r>
-          </a:p>
-          <a:p>
-            <a:pPr lvl="1">
-              <a:buFont typeface="Arial" panose="020B0604020202020204" pitchFamily="34" charset="0"/>
-              <a:buChar char="•"/>
-            </a:pPr>
-            <a:r>
-              <a:rPr lang="de-DE" dirty="0">
-                <a:sym typeface="Wingdings" panose="05000000000000000000" pitchFamily="2" charset="2"/>
-              </a:rPr>
-              <a:t>Zeitzonen sind böse!</a:t>
-            </a:r>
-          </a:p>
-          <a:p>
-            <a:pPr lvl="1">
-              <a:buFont typeface="Arial" panose="020B0604020202020204" pitchFamily="34" charset="0"/>
-              <a:buChar char="•"/>
-            </a:pPr>
-            <a:r>
-              <a:rPr lang="de-DE" dirty="0">
-                <a:sym typeface="Wingdings" panose="05000000000000000000" pitchFamily="2" charset="2"/>
-              </a:rPr>
-              <a:t>Korrelation zum </a:t>
-            </a:r>
-            <a:r>
-              <a:rPr lang="de-DE" dirty="0" err="1">
-                <a:sym typeface="Wingdings" panose="05000000000000000000" pitchFamily="2" charset="2"/>
-              </a:rPr>
-              <a:t>Changeset</a:t>
-            </a:r>
-            <a:r>
-              <a:rPr lang="de-DE" dirty="0">
-                <a:sym typeface="Wingdings" panose="05000000000000000000" pitchFamily="2" charset="2"/>
-              </a:rPr>
-              <a:t> fehlt</a:t>
-            </a:r>
-          </a:p>
-          <a:p>
-            <a:pPr>
-              <a:buFont typeface="Arial" panose="020B0604020202020204" pitchFamily="34" charset="0"/>
-              <a:buChar char="•"/>
-            </a:pPr>
-            <a:endParaRPr lang="de-DE" dirty="0"/>
-          </a:p>
-        </p:txBody>
-      </p:sp>
-    </p:spTree>
-    <p:extLst>
-      <p:ext uri="{BB962C8B-B14F-4D97-AF65-F5344CB8AC3E}">
-        <p14:creationId xmlns:p14="http://schemas.microsoft.com/office/powerpoint/2010/main" val="3288241879"/>
-      </p:ext>
-    </p:extLst>
-  </p:cSld>
-  <p:clrMapOvr>
-    <a:masterClrMapping/>
-  </p:clrMapOvr>
-</p:sld>
-</file>
-
-<file path=ppt/slides/slide19.xml><?xml version="1.0" encoding="utf-8"?>
-<p:sld xmlns:a="http://schemas.openxmlformats.org/drawingml/2006/main" xmlns:r="http://schemas.openxmlformats.org/officeDocument/2006/relationships" xmlns:p="http://schemas.openxmlformats.org/presentationml/2006/main">
-  <p:cSld>
-    <p:spTree>
-      <p:nvGrpSpPr>
-        <p:cNvPr id="1" name=""/>
-        <p:cNvGrpSpPr/>
-        <p:nvPr/>
-      </p:nvGrpSpPr>
-      <p:grpSpPr>
-        <a:xfrm>
-          <a:off x="0" y="0"/>
-          <a:ext cx="0" cy="0"/>
-          <a:chOff x="0" y="0"/>
-          <a:chExt cx="0" cy="0"/>
-        </a:xfrm>
-      </p:grpSpPr>
-      <p:sp>
-        <p:nvSpPr>
-          <p:cNvPr id="2" name="Titel 1">
-            <a:extLst>
-              <a:ext uri="{FF2B5EF4-FFF2-40B4-BE49-F238E27FC236}">
-                <a16:creationId xmlns:a16="http://schemas.microsoft.com/office/drawing/2014/main" id="{5874EA8E-7A71-3505-B01E-D0E8A26AAC59}"/>
-              </a:ext>
-            </a:extLst>
-          </p:cNvPr>
-          <p:cNvSpPr>
-            <a:spLocks noGrp="1"/>
-          </p:cNvSpPr>
-          <p:nvPr>
-            <p:ph type="title"/>
-          </p:nvPr>
-        </p:nvSpPr>
-        <p:spPr/>
-        <p:txBody>
-          <a:bodyPr/>
-          <a:lstStyle/>
-          <a:p>
-            <a:r>
-              <a:rPr lang="de-DE" cap="none" dirty="0"/>
-              <a:t>Release- und </a:t>
-            </a:r>
-            <a:r>
-              <a:rPr lang="de-DE" cap="none" dirty="0" err="1"/>
-              <a:t>Tagged</a:t>
-            </a:r>
-            <a:r>
-              <a:rPr lang="de-DE" cap="none" dirty="0"/>
-              <a:t>-Images</a:t>
-            </a:r>
-            <a:endParaRPr lang="de-DE" dirty="0"/>
-          </a:p>
-        </p:txBody>
-      </p:sp>
-      <p:sp>
-        <p:nvSpPr>
-          <p:cNvPr id="3" name="Inhaltsplatzhalter 2">
-            <a:extLst>
-              <a:ext uri="{FF2B5EF4-FFF2-40B4-BE49-F238E27FC236}">
-                <a16:creationId xmlns:a16="http://schemas.microsoft.com/office/drawing/2014/main" id="{D4DA2B4E-C5FB-6595-34A6-E18A9AA0157D}"/>
-              </a:ext>
-            </a:extLst>
-          </p:cNvPr>
-          <p:cNvSpPr>
-            <a:spLocks noGrp="1"/>
-          </p:cNvSpPr>
-          <p:nvPr>
-            <p:ph idx="1"/>
-          </p:nvPr>
-        </p:nvSpPr>
-        <p:spPr/>
-        <p:txBody>
-          <a:bodyPr/>
-          <a:lstStyle/>
-          <a:p>
-            <a:pPr marL="0" indent="0">
-              <a:buNone/>
-            </a:pPr>
-            <a:r>
-              <a:rPr lang="de-DE" b="1" dirty="0" err="1"/>
               <a:t>Build</a:t>
             </a:r>
             <a:r>
@@ -7838,413 +7438,7 @@
 </p:sld>
 </file>
 
-<file path=ppt/slides/slide2.xml><?xml version="1.0" encoding="utf-8"?>
-<p:sld xmlns:a="http://schemas.openxmlformats.org/drawingml/2006/main" xmlns:r="http://schemas.openxmlformats.org/officeDocument/2006/relationships" xmlns:p="http://schemas.openxmlformats.org/presentationml/2006/main">
-  <p:cSld>
-    <p:spTree>
-      <p:nvGrpSpPr>
-        <p:cNvPr id="1" name=""/>
-        <p:cNvGrpSpPr/>
-        <p:nvPr/>
-      </p:nvGrpSpPr>
-      <p:grpSpPr>
-        <a:xfrm>
-          <a:off x="0" y="0"/>
-          <a:ext cx="0" cy="0"/>
-          <a:chOff x="0" y="0"/>
-          <a:chExt cx="0" cy="0"/>
-        </a:xfrm>
-      </p:grpSpPr>
-      <p:sp>
-        <p:nvSpPr>
-          <p:cNvPr id="6146" name="Inhaltsplatzhalter 18">
-            <a:extLst>
-              <a:ext uri="{FF2B5EF4-FFF2-40B4-BE49-F238E27FC236}">
-                <a16:creationId xmlns:a16="http://schemas.microsoft.com/office/drawing/2014/main" id="{BE3C4C95-FD5D-27F0-ED0C-AB8113CAC9F1}"/>
-              </a:ext>
-            </a:extLst>
-          </p:cNvPr>
-          <p:cNvSpPr>
-            <a:spLocks noGrp="1"/>
-          </p:cNvSpPr>
-          <p:nvPr>
-            <p:ph idx="1"/>
-          </p:nvPr>
-        </p:nvSpPr>
-        <p:spPr/>
-        <p:txBody>
-          <a:bodyPr/>
-          <a:lstStyle/>
-          <a:p>
-            <a:pPr>
-              <a:buFont typeface="Arial" panose="020B0604020202020204" pitchFamily="34" charset="0"/>
-              <a:buChar char="•"/>
-            </a:pPr>
-            <a:r>
-              <a:rPr lang="de-DE" altLang="de-DE" sz="1800" b="1" dirty="0"/>
-              <a:t>Tag 1 – Einführung in </a:t>
-            </a:r>
-            <a:r>
-              <a:rPr lang="de-DE" altLang="de-DE" sz="1800" b="1" dirty="0" err="1"/>
-              <a:t>Git</a:t>
-            </a:r>
-            <a:r>
-              <a:rPr lang="de-DE" altLang="de-DE" sz="1800" b="1" dirty="0"/>
-              <a:t> und </a:t>
-            </a:r>
-            <a:r>
-              <a:rPr lang="de-DE" altLang="de-DE" sz="1800" b="1" dirty="0" err="1"/>
-              <a:t>GitLab</a:t>
-            </a:r>
-            <a:endParaRPr lang="de-DE" altLang="de-DE" sz="1800" b="1" dirty="0"/>
-          </a:p>
-          <a:p>
-            <a:pPr lvl="1">
-              <a:buFont typeface="Arial" panose="020B0604020202020204" pitchFamily="34" charset="0"/>
-              <a:buChar char="•"/>
-            </a:pPr>
-            <a:r>
-              <a:rPr lang="de-DE" altLang="de-DE" sz="1400" dirty="0"/>
-              <a:t>Einführung &amp; Kursüberblick</a:t>
-            </a:r>
-          </a:p>
-          <a:p>
-            <a:pPr lvl="1">
-              <a:buFont typeface="Arial" panose="020B0604020202020204" pitchFamily="34" charset="0"/>
-              <a:buChar char="•"/>
-            </a:pPr>
-            <a:r>
-              <a:rPr lang="de-DE" altLang="de-DE" sz="1400" dirty="0"/>
-              <a:t>Grundlagen von </a:t>
-            </a:r>
-            <a:r>
-              <a:rPr lang="de-DE" altLang="de-DE" sz="1400" dirty="0" err="1"/>
-              <a:t>Git</a:t>
-            </a:r>
-            <a:endParaRPr lang="de-DE" altLang="de-DE" sz="1400" dirty="0"/>
-          </a:p>
-          <a:p>
-            <a:pPr lvl="1">
-              <a:buFont typeface="Arial" panose="020B0604020202020204" pitchFamily="34" charset="0"/>
-              <a:buChar char="•"/>
-            </a:pPr>
-            <a:r>
-              <a:rPr lang="de-DE" altLang="de-DE" sz="1400" dirty="0" err="1"/>
-              <a:t>Git</a:t>
-            </a:r>
-            <a:r>
-              <a:rPr lang="de-DE" altLang="de-DE" sz="1400" dirty="0"/>
-              <a:t> </a:t>
-            </a:r>
-            <a:r>
-              <a:rPr lang="de-DE" altLang="de-DE" sz="1400" dirty="0" err="1"/>
-              <a:t>Rebase</a:t>
-            </a:r>
-            <a:r>
-              <a:rPr lang="de-DE" altLang="de-DE" sz="1400" dirty="0"/>
-              <a:t> und </a:t>
-            </a:r>
-            <a:r>
-              <a:rPr lang="de-DE" altLang="de-DE" sz="1400" dirty="0" err="1"/>
-              <a:t>Merge</a:t>
-            </a:r>
-            <a:r>
-              <a:rPr lang="de-DE" altLang="de-DE" sz="1400" dirty="0"/>
-              <a:t>-Strategien</a:t>
-            </a:r>
-          </a:p>
-          <a:p>
-            <a:pPr lvl="1">
-              <a:buFont typeface="Arial" panose="020B0604020202020204" pitchFamily="34" charset="0"/>
-              <a:buChar char="•"/>
-            </a:pPr>
-            <a:r>
-              <a:rPr lang="de-DE" altLang="de-DE" sz="1400" dirty="0" err="1"/>
-              <a:t>Git</a:t>
-            </a:r>
-            <a:r>
-              <a:rPr lang="de-DE" altLang="de-DE" sz="1400" dirty="0"/>
-              <a:t> Remote</a:t>
-            </a:r>
-          </a:p>
-          <a:p>
-            <a:pPr lvl="1">
-              <a:buFont typeface="Arial" panose="020B0604020202020204" pitchFamily="34" charset="0"/>
-              <a:buChar char="•"/>
-            </a:pPr>
-            <a:r>
-              <a:rPr lang="de-DE" altLang="de-DE" sz="1400" dirty="0"/>
-              <a:t>Grundlagen von </a:t>
-            </a:r>
-            <a:r>
-              <a:rPr lang="de-DE" altLang="de-DE" sz="1400" dirty="0" err="1"/>
-              <a:t>GitLab</a:t>
-            </a:r>
-            <a:endParaRPr lang="de-DE" altLang="de-DE" sz="1400" dirty="0"/>
-          </a:p>
-          <a:p>
-            <a:pPr>
-              <a:buFont typeface="Arial" panose="020B0604020202020204" pitchFamily="34" charset="0"/>
-              <a:buChar char="•"/>
-            </a:pPr>
-            <a:r>
-              <a:rPr lang="de-DE" altLang="de-DE" sz="1800" b="1" dirty="0"/>
-              <a:t>Tag 2 – </a:t>
-            </a:r>
-            <a:r>
-              <a:rPr lang="de-DE" altLang="de-DE" sz="1800" b="1" dirty="0" err="1"/>
-              <a:t>Git</a:t>
-            </a:r>
-            <a:r>
-              <a:rPr lang="de-DE" altLang="de-DE" sz="1800" b="1" dirty="0"/>
-              <a:t>-Workflows, CI/CD, </a:t>
-            </a:r>
-            <a:r>
-              <a:rPr lang="de-DE" altLang="de-DE" sz="1800" b="1" dirty="0" err="1"/>
-              <a:t>GitLab</a:t>
-            </a:r>
-            <a:r>
-              <a:rPr lang="de-DE" altLang="de-DE" sz="1800" b="1" dirty="0"/>
-              <a:t> CI </a:t>
-            </a:r>
-          </a:p>
-          <a:p>
-            <a:pPr lvl="1">
-              <a:buFont typeface="Arial" panose="020B0604020202020204" pitchFamily="34" charset="0"/>
-              <a:buChar char="•"/>
-            </a:pPr>
-            <a:r>
-              <a:rPr lang="de-DE" altLang="de-DE" sz="1400" dirty="0" err="1"/>
-              <a:t>Git</a:t>
-            </a:r>
-            <a:r>
-              <a:rPr lang="de-DE" altLang="de-DE" sz="1400" dirty="0"/>
-              <a:t>-Workflow im Team</a:t>
-            </a:r>
-          </a:p>
-          <a:p>
-            <a:pPr lvl="1">
-              <a:buFont typeface="Arial" panose="020B0604020202020204" pitchFamily="34" charset="0"/>
-              <a:buChar char="•"/>
-            </a:pPr>
-            <a:r>
-              <a:rPr lang="de-DE" altLang="de-DE" sz="1400" dirty="0" err="1"/>
-              <a:t>Gitflow</a:t>
-            </a:r>
-            <a:r>
-              <a:rPr lang="de-DE" altLang="de-DE" sz="1400" dirty="0"/>
-              <a:t>-Workflow</a:t>
-            </a:r>
-          </a:p>
-          <a:p>
-            <a:pPr lvl="1">
-              <a:buFont typeface="Arial" panose="020B0604020202020204" pitchFamily="34" charset="0"/>
-              <a:buChar char="•"/>
-            </a:pPr>
-            <a:r>
-              <a:rPr lang="de-DE" altLang="de-DE" sz="1400" dirty="0"/>
-              <a:t>Tags, Releases &amp; deren Verwaltung</a:t>
-            </a:r>
-          </a:p>
-          <a:p>
-            <a:pPr lvl="1">
-              <a:buFont typeface="Arial" panose="020B0604020202020204" pitchFamily="34" charset="0"/>
-              <a:buChar char="•"/>
-            </a:pPr>
-            <a:r>
-              <a:rPr lang="de-DE" altLang="de-DE" sz="1400" dirty="0"/>
-              <a:t>Einführung in </a:t>
-            </a:r>
-            <a:r>
-              <a:rPr lang="de-DE" altLang="de-DE" sz="1400" dirty="0" err="1"/>
-              <a:t>GitLab</a:t>
-            </a:r>
-            <a:r>
-              <a:rPr lang="de-DE" altLang="de-DE" sz="1400" dirty="0"/>
-              <a:t> CI/CD &amp; </a:t>
-            </a:r>
-            <a:r>
-              <a:rPr lang="de-DE" altLang="de-DE" sz="1400" dirty="0" err="1"/>
-              <a:t>gitlab-ci.yml</a:t>
-            </a:r>
-            <a:endParaRPr lang="de-DE" altLang="de-DE" sz="1400" dirty="0"/>
-          </a:p>
-          <a:p>
-            <a:pPr lvl="1">
-              <a:buFont typeface="Arial" panose="020B0604020202020204" pitchFamily="34" charset="0"/>
-              <a:buChar char="•"/>
-            </a:pPr>
-            <a:r>
-              <a:rPr lang="de-DE" altLang="de-DE" sz="1400" dirty="0" err="1"/>
-              <a:t>GitLab</a:t>
-            </a:r>
-            <a:r>
-              <a:rPr lang="de-DE" altLang="de-DE" sz="1400" dirty="0"/>
-              <a:t> Runner</a:t>
-            </a:r>
-          </a:p>
-          <a:p>
-            <a:pPr>
-              <a:buFont typeface="Arial" panose="020B0604020202020204" pitchFamily="34" charset="0"/>
-              <a:buChar char="•"/>
-            </a:pPr>
-            <a:r>
-              <a:rPr lang="de-DE" altLang="de-DE" sz="1800" b="1" dirty="0"/>
-              <a:t>Tag 3 – Docker, </a:t>
-            </a:r>
-            <a:r>
-              <a:rPr lang="de-DE" altLang="de-DE" sz="1800" b="1" dirty="0" err="1"/>
-              <a:t>GitOps</a:t>
-            </a:r>
-            <a:r>
-              <a:rPr lang="de-DE" altLang="de-DE" sz="1800" b="1" dirty="0"/>
-              <a:t>, </a:t>
-            </a:r>
-            <a:r>
-              <a:rPr lang="de-DE" altLang="de-DE" sz="1800" b="1" dirty="0" err="1"/>
-              <a:t>Deployment</a:t>
-            </a:r>
-            <a:r>
-              <a:rPr lang="de-DE" altLang="de-DE" sz="1800" b="1" dirty="0"/>
-              <a:t>-Strategien</a:t>
-            </a:r>
-          </a:p>
-          <a:p>
-            <a:pPr lvl="1">
-              <a:buFont typeface="Arial" panose="020B0604020202020204" pitchFamily="34" charset="0"/>
-              <a:buChar char="•"/>
-            </a:pPr>
-            <a:r>
-              <a:rPr lang="de-DE" altLang="de-DE" sz="1400" dirty="0"/>
-              <a:t>Entwicklung mit Docker</a:t>
-            </a:r>
-          </a:p>
-          <a:p>
-            <a:pPr lvl="1">
-              <a:buFont typeface="Arial" panose="020B0604020202020204" pitchFamily="34" charset="0"/>
-              <a:buChar char="•"/>
-            </a:pPr>
-            <a:r>
-              <a:rPr lang="de-DE" altLang="de-DE" sz="1400" dirty="0"/>
-              <a:t>Container/Docker-Registry</a:t>
-            </a:r>
-          </a:p>
-          <a:p>
-            <a:pPr lvl="1">
-              <a:buFont typeface="Arial" panose="020B0604020202020204" pitchFamily="34" charset="0"/>
-              <a:buChar char="•"/>
-            </a:pPr>
-            <a:r>
-              <a:rPr lang="de-DE" altLang="de-DE" sz="1400" dirty="0"/>
-              <a:t>Erstellen von Release- und </a:t>
-            </a:r>
-            <a:r>
-              <a:rPr lang="de-DE" altLang="de-DE" sz="1400" dirty="0" err="1"/>
-              <a:t>Tagged</a:t>
-            </a:r>
-            <a:r>
-              <a:rPr lang="de-DE" altLang="de-DE" sz="1400" dirty="0"/>
-              <a:t>-Images</a:t>
-            </a:r>
-          </a:p>
-          <a:p>
-            <a:pPr lvl="1">
-              <a:buFont typeface="Arial" panose="020B0604020202020204" pitchFamily="34" charset="0"/>
-              <a:buChar char="•"/>
-            </a:pPr>
-            <a:r>
-              <a:rPr lang="de-DE" altLang="de-DE" sz="1400" dirty="0" err="1"/>
-              <a:t>GitOps</a:t>
-            </a:r>
-            <a:r>
-              <a:rPr lang="de-DE" altLang="de-DE" sz="1400" dirty="0"/>
-              <a:t> Grundlagen</a:t>
-            </a:r>
-          </a:p>
-          <a:p>
-            <a:pPr lvl="1">
-              <a:buFont typeface="Arial" panose="020B0604020202020204" pitchFamily="34" charset="0"/>
-              <a:buChar char="•"/>
-            </a:pPr>
-            <a:r>
-              <a:rPr lang="de-DE" altLang="de-DE" sz="1400" dirty="0"/>
-              <a:t>Möglichkeiten des </a:t>
-            </a:r>
-            <a:r>
-              <a:rPr lang="de-DE" altLang="de-DE" sz="1400" dirty="0" err="1"/>
-              <a:t>Deployments</a:t>
-            </a:r>
-            <a:r>
-              <a:rPr lang="de-DE" altLang="de-DE" sz="1400" dirty="0"/>
-              <a:t> &amp; Verwaltung von Konfiguration</a:t>
-            </a:r>
-          </a:p>
-          <a:p>
-            <a:pPr lvl="1">
-              <a:buFont typeface="Arial" panose="020B0604020202020204" pitchFamily="34" charset="0"/>
-              <a:buChar char="•"/>
-            </a:pPr>
-            <a:r>
-              <a:rPr lang="de-DE" altLang="de-DE" sz="1400" dirty="0"/>
-              <a:t>Abschlussübung &amp; Diskussion</a:t>
-            </a:r>
-          </a:p>
-          <a:p>
-            <a:pPr lvl="1">
-              <a:buFont typeface="Arial" panose="020B0604020202020204" pitchFamily="34" charset="0"/>
-              <a:buChar char="•"/>
-            </a:pPr>
-            <a:endParaRPr lang="de-DE" altLang="de-DE" sz="1400" dirty="0"/>
-          </a:p>
-        </p:txBody>
-      </p:sp>
-      <p:sp>
-        <p:nvSpPr>
-          <p:cNvPr id="6147" name="Rectangle 1062">
-            <a:extLst>
-              <a:ext uri="{FF2B5EF4-FFF2-40B4-BE49-F238E27FC236}">
-                <a16:creationId xmlns:a16="http://schemas.microsoft.com/office/drawing/2014/main" id="{C46E9340-3256-8D55-A265-94F2F41E288E}"/>
-              </a:ext>
-            </a:extLst>
-          </p:cNvPr>
-          <p:cNvSpPr>
-            <a:spLocks noGrp="1" noChangeArrowheads="1"/>
-          </p:cNvSpPr>
-          <p:nvPr>
-            <p:ph type="title"/>
-          </p:nvPr>
-        </p:nvSpPr>
-        <p:spPr>
-          <a:xfrm>
-            <a:off x="285750" y="142875"/>
-            <a:ext cx="5654675" cy="706438"/>
-          </a:xfrm>
-        </p:spPr>
-        <p:txBody>
-          <a:bodyPr/>
-          <a:lstStyle/>
-          <a:p>
-            <a:r>
-              <a:rPr lang="de-DE" altLang="de-DE" dirty="0"/>
-              <a:t>Agenda</a:t>
-            </a:r>
-          </a:p>
-        </p:txBody>
-      </p:sp>
-    </p:spTree>
-    <p:extLst>
-      <p:ext uri="{BB962C8B-B14F-4D97-AF65-F5344CB8AC3E}">
-        <p14:creationId xmlns:p14="http://schemas.microsoft.com/office/powerpoint/2010/main" val="3781715788"/>
-      </p:ext>
-    </p:extLst>
-  </p:cSld>
-  <p:clrMapOvr>
-    <a:masterClrMapping/>
-  </p:clrMapOvr>
-</p:sld>
-</file>
-
-<file path=ppt/slides/slide20.xml><?xml version="1.0" encoding="utf-8"?>
+<file path=ppt/slides/slide18.xml><?xml version="1.0" encoding="utf-8"?>
 <p:sld xmlns:a="http://schemas.openxmlformats.org/drawingml/2006/main" xmlns:r="http://schemas.openxmlformats.org/officeDocument/2006/relationships" xmlns:p="http://schemas.openxmlformats.org/presentationml/2006/main">
   <p:cSld>
     <p:spTree>
@@ -8476,6 +7670,525 @@
     <p:extLst>
       <p:ext uri="{BB962C8B-B14F-4D97-AF65-F5344CB8AC3E}">
         <p14:creationId xmlns:p14="http://schemas.microsoft.com/office/powerpoint/2010/main" val="2343330246"/>
+      </p:ext>
+    </p:extLst>
+  </p:cSld>
+  <p:clrMapOvr>
+    <a:masterClrMapping/>
+  </p:clrMapOvr>
+</p:sld>
+</file>
+
+<file path=ppt/slides/slide19.xml><?xml version="1.0" encoding="utf-8"?>
+<p:sld xmlns:a="http://schemas.openxmlformats.org/drawingml/2006/main" xmlns:r="http://schemas.openxmlformats.org/officeDocument/2006/relationships" xmlns:p="http://schemas.openxmlformats.org/presentationml/2006/main">
+  <p:cSld>
+    <p:spTree>
+      <p:nvGrpSpPr>
+        <p:cNvPr id="1" name=""/>
+        <p:cNvGrpSpPr/>
+        <p:nvPr/>
+      </p:nvGrpSpPr>
+      <p:grpSpPr>
+        <a:xfrm>
+          <a:off x="0" y="0"/>
+          <a:ext cx="0" cy="0"/>
+          <a:chOff x="0" y="0"/>
+          <a:chExt cx="0" cy="0"/>
+        </a:xfrm>
+      </p:grpSpPr>
+      <p:sp>
+        <p:nvSpPr>
+          <p:cNvPr id="2" name="Titel 1">
+            <a:extLst>
+              <a:ext uri="{FF2B5EF4-FFF2-40B4-BE49-F238E27FC236}">
+                <a16:creationId xmlns:a16="http://schemas.microsoft.com/office/drawing/2014/main" id="{184AFD09-5210-6F86-C2FD-BBC016D382A6}"/>
+              </a:ext>
+            </a:extLst>
+          </p:cNvPr>
+          <p:cNvSpPr>
+            <a:spLocks noGrp="1"/>
+          </p:cNvSpPr>
+          <p:nvPr>
+            <p:ph type="title"/>
+          </p:nvPr>
+        </p:nvSpPr>
+        <p:spPr/>
+        <p:txBody>
+          <a:bodyPr/>
+          <a:lstStyle/>
+          <a:p>
+            <a:r>
+              <a:rPr lang="de-DE" cap="none" dirty="0"/>
+              <a:t>Release- und </a:t>
+            </a:r>
+            <a:r>
+              <a:rPr lang="de-DE" cap="none" dirty="0" err="1"/>
+              <a:t>Tagged</a:t>
+            </a:r>
+            <a:r>
+              <a:rPr lang="de-DE" cap="none" dirty="0"/>
+              <a:t>-Images</a:t>
+            </a:r>
+            <a:endParaRPr lang="de-DE" dirty="0"/>
+          </a:p>
+        </p:txBody>
+      </p:sp>
+      <p:sp>
+        <p:nvSpPr>
+          <p:cNvPr id="6" name="Inhaltsplatzhalter 5">
+            <a:extLst>
+              <a:ext uri="{FF2B5EF4-FFF2-40B4-BE49-F238E27FC236}">
+                <a16:creationId xmlns:a16="http://schemas.microsoft.com/office/drawing/2014/main" id="{D2412707-84D3-F572-4709-FD9A95F28E5B}"/>
+              </a:ext>
+            </a:extLst>
+          </p:cNvPr>
+          <p:cNvSpPr>
+            <a:spLocks noGrp="1"/>
+          </p:cNvSpPr>
+          <p:nvPr>
+            <p:ph idx="1"/>
+          </p:nvPr>
+        </p:nvSpPr>
+        <p:spPr/>
+        <p:txBody>
+          <a:bodyPr/>
+          <a:lstStyle/>
+          <a:p>
+            <a:pPr marL="0" indent="0">
+              <a:buNone/>
+            </a:pPr>
+            <a:r>
+              <a:rPr lang="de-DE" b="1" dirty="0"/>
+              <a:t>Verwendung mit </a:t>
+            </a:r>
+            <a:r>
+              <a:rPr lang="de-DE" b="1" dirty="0" err="1"/>
+              <a:t>GitLab</a:t>
+            </a:r>
+            <a:endParaRPr lang="de-DE" b="1" dirty="0"/>
+          </a:p>
+          <a:p>
+            <a:pPr marL="0" indent="0">
+              <a:buNone/>
+            </a:pPr>
+            <a:endParaRPr lang="de-DE" b="1" dirty="0"/>
+          </a:p>
+          <a:p>
+            <a:pPr>
+              <a:buFont typeface="Arial" panose="020B0604020202020204" pitchFamily="34" charset="0"/>
+              <a:buChar char="•"/>
+            </a:pPr>
+            <a:r>
+              <a:rPr lang="de-DE" dirty="0"/>
+              <a:t>Authentifizierung an der Container Registry</a:t>
+            </a:r>
+          </a:p>
+          <a:p>
+            <a:pPr>
+              <a:buFont typeface="Arial" panose="020B0604020202020204" pitchFamily="34" charset="0"/>
+              <a:buChar char="•"/>
+            </a:pPr>
+            <a:r>
+              <a:rPr lang="de-DE" dirty="0"/>
+              <a:t>Authentifizierung innerhalb CI/CD Pipelines</a:t>
+            </a:r>
+          </a:p>
+          <a:p>
+            <a:pPr>
+              <a:buFont typeface="Arial" panose="020B0604020202020204" pitchFamily="34" charset="0"/>
+              <a:buChar char="•"/>
+            </a:pPr>
+            <a:r>
+              <a:rPr lang="de-DE" dirty="0"/>
+              <a:t>Images bauen und pushen</a:t>
+            </a:r>
+          </a:p>
+          <a:p>
+            <a:pPr>
+              <a:buFont typeface="Arial" panose="020B0604020202020204" pitchFamily="34" charset="0"/>
+              <a:buChar char="•"/>
+            </a:pPr>
+            <a:r>
+              <a:rPr lang="de-DE" dirty="0"/>
+              <a:t>Container Registry: Beispiele mit </a:t>
+            </a:r>
+            <a:r>
+              <a:rPr lang="de-DE" dirty="0" err="1"/>
+              <a:t>GitLab</a:t>
+            </a:r>
+            <a:r>
+              <a:rPr lang="de-DE" dirty="0"/>
+              <a:t> CI/CD</a:t>
+            </a:r>
+          </a:p>
+          <a:p>
+            <a:pPr lvl="2">
+              <a:buFont typeface="Arial" panose="020B0604020202020204" pitchFamily="34" charset="0"/>
+              <a:buChar char="•"/>
+            </a:pPr>
+            <a:endParaRPr lang="de-DE" dirty="0"/>
+          </a:p>
+          <a:p>
+            <a:pPr lvl="2">
+              <a:buFont typeface="Arial" panose="020B0604020202020204" pitchFamily="34" charset="0"/>
+              <a:buChar char="•"/>
+            </a:pPr>
+            <a:endParaRPr lang="de-DE" dirty="0"/>
+          </a:p>
+          <a:p>
+            <a:pPr lvl="1">
+              <a:buFont typeface="Arial" panose="020B0604020202020204" pitchFamily="34" charset="0"/>
+              <a:buChar char="•"/>
+            </a:pPr>
+            <a:endParaRPr lang="de-DE" dirty="0"/>
+          </a:p>
+        </p:txBody>
+      </p:sp>
+    </p:spTree>
+    <p:extLst>
+      <p:ext uri="{BB962C8B-B14F-4D97-AF65-F5344CB8AC3E}">
+        <p14:creationId xmlns:p14="http://schemas.microsoft.com/office/powerpoint/2010/main" val="1944366019"/>
+      </p:ext>
+    </p:extLst>
+  </p:cSld>
+  <p:clrMapOvr>
+    <a:masterClrMapping/>
+  </p:clrMapOvr>
+</p:sld>
+</file>
+
+<file path=ppt/slides/slide2.xml><?xml version="1.0" encoding="utf-8"?>
+<p:sld xmlns:a="http://schemas.openxmlformats.org/drawingml/2006/main" xmlns:r="http://schemas.openxmlformats.org/officeDocument/2006/relationships" xmlns:p="http://schemas.openxmlformats.org/presentationml/2006/main">
+  <p:cSld>
+    <p:spTree>
+      <p:nvGrpSpPr>
+        <p:cNvPr id="1" name=""/>
+        <p:cNvGrpSpPr/>
+        <p:nvPr/>
+      </p:nvGrpSpPr>
+      <p:grpSpPr>
+        <a:xfrm>
+          <a:off x="0" y="0"/>
+          <a:ext cx="0" cy="0"/>
+          <a:chOff x="0" y="0"/>
+          <a:chExt cx="0" cy="0"/>
+        </a:xfrm>
+      </p:grpSpPr>
+      <p:sp>
+        <p:nvSpPr>
+          <p:cNvPr id="2" name="Titel 1"/>
+          <p:cNvSpPr>
+            <a:spLocks noGrp="1"/>
+          </p:cNvSpPr>
+          <p:nvPr>
+            <p:ph type="title"/>
+          </p:nvPr>
+        </p:nvSpPr>
+        <p:spPr/>
+        <p:txBody>
+          <a:bodyPr/>
+          <a:lstStyle/>
+          <a:p>
+            <a:r>
+              <a:rPr lang="de-DE" cap="none" dirty="0"/>
+              <a:t>Release- und </a:t>
+            </a:r>
+            <a:r>
+              <a:rPr lang="de-DE" cap="none" dirty="0" err="1"/>
+              <a:t>Tagged</a:t>
+            </a:r>
+            <a:r>
+              <a:rPr lang="de-DE" cap="none" dirty="0"/>
+              <a:t>-Images</a:t>
+            </a:r>
+          </a:p>
+        </p:txBody>
+      </p:sp>
+      <p:sp>
+        <p:nvSpPr>
+          <p:cNvPr id="3" name="Untertitel 2"/>
+          <p:cNvSpPr>
+            <a:spLocks noGrp="1"/>
+          </p:cNvSpPr>
+          <p:nvPr>
+            <p:ph type="body" idx="1"/>
+          </p:nvPr>
+        </p:nvSpPr>
+        <p:spPr/>
+        <p:txBody>
+          <a:bodyPr/>
+          <a:lstStyle/>
+          <a:p>
+            <a:r>
+              <a:rPr lang="de-DE" dirty="0"/>
+              <a:t>Erstellen von</a:t>
+            </a:r>
+          </a:p>
+        </p:txBody>
+      </p:sp>
+    </p:spTree>
+    <p:extLst>
+      <p:ext uri="{BB962C8B-B14F-4D97-AF65-F5344CB8AC3E}">
+        <p14:creationId xmlns:p14="http://schemas.microsoft.com/office/powerpoint/2010/main" val="614702079"/>
+      </p:ext>
+    </p:extLst>
+  </p:cSld>
+  <p:clrMapOvr>
+    <a:masterClrMapping/>
+  </p:clrMapOvr>
+</p:sld>
+</file>
+
+<file path=ppt/slides/slide20.xml><?xml version="1.0" encoding="utf-8"?>
+<p:sld xmlns:a="http://schemas.openxmlformats.org/drawingml/2006/main" xmlns:r="http://schemas.openxmlformats.org/officeDocument/2006/relationships" xmlns:p="http://schemas.openxmlformats.org/presentationml/2006/main">
+  <p:cSld>
+    <p:spTree>
+      <p:nvGrpSpPr>
+        <p:cNvPr id="1" name=""/>
+        <p:cNvGrpSpPr/>
+        <p:nvPr/>
+      </p:nvGrpSpPr>
+      <p:grpSpPr>
+        <a:xfrm>
+          <a:off x="0" y="0"/>
+          <a:ext cx="0" cy="0"/>
+          <a:chOff x="0" y="0"/>
+          <a:chExt cx="0" cy="0"/>
+        </a:xfrm>
+      </p:grpSpPr>
+      <p:sp>
+        <p:nvSpPr>
+          <p:cNvPr id="2" name="Titel 1">
+            <a:extLst>
+              <a:ext uri="{FF2B5EF4-FFF2-40B4-BE49-F238E27FC236}">
+                <a16:creationId xmlns:a16="http://schemas.microsoft.com/office/drawing/2014/main" id="{184AFD09-5210-6F86-C2FD-BBC016D382A6}"/>
+              </a:ext>
+            </a:extLst>
+          </p:cNvPr>
+          <p:cNvSpPr>
+            <a:spLocks noGrp="1"/>
+          </p:cNvSpPr>
+          <p:nvPr>
+            <p:ph type="title"/>
+          </p:nvPr>
+        </p:nvSpPr>
+        <p:spPr/>
+        <p:txBody>
+          <a:bodyPr/>
+          <a:lstStyle/>
+          <a:p>
+            <a:r>
+              <a:rPr lang="de-DE" cap="none" dirty="0"/>
+              <a:t>Release- und </a:t>
+            </a:r>
+            <a:r>
+              <a:rPr lang="de-DE" cap="none" dirty="0" err="1"/>
+              <a:t>Tagged</a:t>
+            </a:r>
+            <a:r>
+              <a:rPr lang="de-DE" cap="none" dirty="0"/>
+              <a:t>-Images</a:t>
+            </a:r>
+            <a:endParaRPr lang="de-DE" dirty="0"/>
+          </a:p>
+        </p:txBody>
+      </p:sp>
+      <p:sp>
+        <p:nvSpPr>
+          <p:cNvPr id="6" name="Inhaltsplatzhalter 5">
+            <a:extLst>
+              <a:ext uri="{FF2B5EF4-FFF2-40B4-BE49-F238E27FC236}">
+                <a16:creationId xmlns:a16="http://schemas.microsoft.com/office/drawing/2014/main" id="{D2412707-84D3-F572-4709-FD9A95F28E5B}"/>
+              </a:ext>
+            </a:extLst>
+          </p:cNvPr>
+          <p:cNvSpPr>
+            <a:spLocks noGrp="1"/>
+          </p:cNvSpPr>
+          <p:nvPr>
+            <p:ph idx="1"/>
+          </p:nvPr>
+        </p:nvSpPr>
+        <p:spPr/>
+        <p:txBody>
+          <a:bodyPr/>
+          <a:lstStyle/>
+          <a:p>
+            <a:pPr marL="0" indent="0">
+              <a:buNone/>
+            </a:pPr>
+            <a:r>
+              <a:rPr lang="de-DE" b="1" dirty="0"/>
+              <a:t>Authentifizierung an der Container Registry</a:t>
+            </a:r>
+          </a:p>
+          <a:p>
+            <a:pPr marL="0" indent="0">
+              <a:buNone/>
+            </a:pPr>
+            <a:endParaRPr lang="de-DE" b="1" dirty="0"/>
+          </a:p>
+          <a:p>
+            <a:pPr>
+              <a:buFont typeface="Arial" panose="020B0604020202020204" pitchFamily="34" charset="0"/>
+              <a:buChar char="•"/>
+            </a:pPr>
+            <a:r>
+              <a:rPr lang="de-DE" dirty="0"/>
+              <a:t>Unterstützte Mechanismen</a:t>
+            </a:r>
+          </a:p>
+          <a:p>
+            <a:pPr lvl="1">
+              <a:buFont typeface="Arial" panose="020B0604020202020204" pitchFamily="34" charset="0"/>
+              <a:buChar char="•"/>
+            </a:pPr>
+            <a:r>
+              <a:rPr lang="de-DE" dirty="0"/>
+              <a:t>Personal Access Token</a:t>
+            </a:r>
+          </a:p>
+          <a:p>
+            <a:pPr lvl="1">
+              <a:buFont typeface="Arial" panose="020B0604020202020204" pitchFamily="34" charset="0"/>
+              <a:buChar char="•"/>
+            </a:pPr>
+            <a:r>
+              <a:rPr lang="de-DE" dirty="0"/>
+              <a:t>Deploy Token</a:t>
+            </a:r>
+          </a:p>
+          <a:p>
+            <a:pPr lvl="1">
+              <a:buFont typeface="Arial" panose="020B0604020202020204" pitchFamily="34" charset="0"/>
+              <a:buChar char="•"/>
+            </a:pPr>
+            <a:r>
+              <a:rPr lang="de-DE" dirty="0"/>
+              <a:t>Project Access Token</a:t>
+            </a:r>
+          </a:p>
+          <a:p>
+            <a:pPr lvl="1">
+              <a:buFont typeface="Arial" panose="020B0604020202020204" pitchFamily="34" charset="0"/>
+              <a:buChar char="•"/>
+            </a:pPr>
+            <a:r>
+              <a:rPr lang="de-DE" dirty="0"/>
+              <a:t>Group Access Token</a:t>
+            </a:r>
+          </a:p>
+          <a:p>
+            <a:pPr lvl="1">
+              <a:buFont typeface="Arial" panose="020B0604020202020204" pitchFamily="34" charset="0"/>
+              <a:buChar char="•"/>
+            </a:pPr>
+            <a:endParaRPr lang="de-DE" dirty="0"/>
+          </a:p>
+          <a:p>
+            <a:pPr>
+              <a:buFont typeface="Arial" panose="020B0604020202020204" pitchFamily="34" charset="0"/>
+              <a:buChar char="•"/>
+            </a:pPr>
+            <a:r>
+              <a:rPr lang="de-DE" dirty="0"/>
+              <a:t>Erforderliche Berechtigungen (Scopes)</a:t>
+            </a:r>
+          </a:p>
+          <a:p>
+            <a:pPr lvl="1">
+              <a:buFont typeface="Arial" panose="020B0604020202020204" pitchFamily="34" charset="0"/>
+              <a:buChar char="•"/>
+            </a:pPr>
+            <a:r>
+              <a:rPr lang="de-DE" i="1" dirty="0" err="1"/>
+              <a:t>read_registry</a:t>
+            </a:r>
+            <a:r>
+              <a:rPr lang="de-DE" i="1" dirty="0"/>
+              <a:t> </a:t>
+            </a:r>
+            <a:r>
+              <a:rPr lang="de-DE" dirty="0"/>
+              <a:t>für </a:t>
+            </a:r>
+            <a:r>
+              <a:rPr lang="de-DE" dirty="0" err="1"/>
+              <a:t>read</a:t>
+            </a:r>
+            <a:r>
+              <a:rPr lang="de-DE" dirty="0"/>
+              <a:t> (pull) </a:t>
+            </a:r>
+          </a:p>
+          <a:p>
+            <a:pPr lvl="1">
+              <a:buFont typeface="Arial" panose="020B0604020202020204" pitchFamily="34" charset="0"/>
+              <a:buChar char="•"/>
+            </a:pPr>
+            <a:r>
+              <a:rPr lang="de-DE" i="1" dirty="0" err="1"/>
+              <a:t>write_registry</a:t>
+            </a:r>
+            <a:r>
+              <a:rPr lang="de-DE" i="1" dirty="0"/>
+              <a:t> </a:t>
+            </a:r>
+            <a:r>
+              <a:rPr lang="de-DE" u="sng" dirty="0"/>
+              <a:t>und</a:t>
+            </a:r>
+            <a:r>
+              <a:rPr lang="de-DE" dirty="0"/>
+              <a:t> </a:t>
+            </a:r>
+            <a:r>
+              <a:rPr lang="de-DE" dirty="0" err="1"/>
+              <a:t>read_registry</a:t>
+            </a:r>
+            <a:r>
+              <a:rPr lang="de-DE" dirty="0"/>
+              <a:t> für </a:t>
+            </a:r>
+            <a:r>
+              <a:rPr lang="de-DE" dirty="0" err="1"/>
+              <a:t>write</a:t>
+            </a:r>
+            <a:r>
+              <a:rPr lang="de-DE" dirty="0"/>
+              <a:t> (push)</a:t>
+            </a:r>
+            <a:endParaRPr lang="de-DE" sz="1600" dirty="0">
+              <a:latin typeface="Consolas" panose="020B0609020204030204" pitchFamily="49" charset="0"/>
+            </a:endParaRPr>
+          </a:p>
+          <a:p>
+            <a:pPr lvl="2">
+              <a:buFont typeface="Arial" panose="020B0604020202020204" pitchFamily="34" charset="0"/>
+              <a:buChar char="•"/>
+            </a:pPr>
+            <a:endParaRPr lang="de-DE" dirty="0"/>
+          </a:p>
+          <a:p>
+            <a:pPr lvl="2">
+              <a:buFont typeface="Arial" panose="020B0604020202020204" pitchFamily="34" charset="0"/>
+              <a:buChar char="•"/>
+            </a:pPr>
+            <a:endParaRPr lang="de-DE" dirty="0"/>
+          </a:p>
+          <a:p>
+            <a:pPr lvl="1">
+              <a:buFont typeface="Arial" panose="020B0604020202020204" pitchFamily="34" charset="0"/>
+              <a:buChar char="•"/>
+            </a:pPr>
+            <a:endParaRPr lang="de-DE" dirty="0"/>
+          </a:p>
+        </p:txBody>
+      </p:sp>
+    </p:spTree>
+    <p:extLst>
+      <p:ext uri="{BB962C8B-B14F-4D97-AF65-F5344CB8AC3E}">
+        <p14:creationId xmlns:p14="http://schemas.microsoft.com/office/powerpoint/2010/main" val="1809655481"/>
       </p:ext>
     </p:extLst>
   </p:cSld>
@@ -8565,67 +8278,161 @@
             </a:pPr>
             <a:r>
               <a:rPr lang="de-DE" b="1" dirty="0"/>
-              <a:t>Verwendung mit </a:t>
-            </a:r>
-            <a:r>
-              <a:rPr lang="de-DE" b="1" dirty="0" err="1"/>
-              <a:t>GitLab</a:t>
-            </a:r>
-            <a:endParaRPr lang="de-DE" b="1" dirty="0"/>
-          </a:p>
-          <a:p>
-            <a:pPr marL="0" indent="0">
+              <a:t>Authentifizierung an der Container Registry</a:t>
+            </a:r>
+          </a:p>
+          <a:p>
+            <a:pPr lvl="1">
+              <a:buFont typeface="Arial" panose="020B0604020202020204" pitchFamily="34" charset="0"/>
+              <a:buChar char="•"/>
+            </a:pPr>
+            <a:endParaRPr lang="de-DE" sz="1800" dirty="0">
+              <a:latin typeface="Consolas" panose="020B0609020204030204" pitchFamily="49" charset="0"/>
+            </a:endParaRPr>
+          </a:p>
+          <a:p>
+            <a:pPr marL="457200" lvl="1" indent="0">
               <a:buNone/>
             </a:pPr>
-            <a:endParaRPr lang="de-DE" b="1" dirty="0"/>
-          </a:p>
-          <a:p>
-            <a:pPr>
-              <a:buFont typeface="Arial" panose="020B0604020202020204" pitchFamily="34" charset="0"/>
-              <a:buChar char="•"/>
-            </a:pPr>
-            <a:r>
-              <a:rPr lang="de-DE" dirty="0"/>
-              <a:t>Authentifizierung an der Container Registry</a:t>
-            </a:r>
-          </a:p>
-          <a:p>
-            <a:pPr>
-              <a:buFont typeface="Arial" panose="020B0604020202020204" pitchFamily="34" charset="0"/>
-              <a:buChar char="•"/>
-            </a:pPr>
-            <a:r>
-              <a:rPr lang="de-DE" dirty="0"/>
-              <a:t>Authentifizierung innerhalb CI/CD Pipelines</a:t>
-            </a:r>
-          </a:p>
-          <a:p>
-            <a:pPr>
-              <a:buFont typeface="Arial" panose="020B0604020202020204" pitchFamily="34" charset="0"/>
-              <a:buChar char="•"/>
-            </a:pPr>
-            <a:r>
-              <a:rPr lang="de-DE" dirty="0"/>
-              <a:t>Images bauen und pushen</a:t>
-            </a:r>
-          </a:p>
-          <a:p>
-            <a:pPr>
-              <a:buFont typeface="Arial" panose="020B0604020202020204" pitchFamily="34" charset="0"/>
-              <a:buChar char="•"/>
-            </a:pPr>
-            <a:r>
-              <a:rPr lang="de-DE" dirty="0"/>
-              <a:t>Container Registry: Beispiele mit </a:t>
-            </a:r>
-            <a:r>
-              <a:rPr lang="de-DE" dirty="0" err="1"/>
-              <a:t>GitLab</a:t>
-            </a:r>
-            <a:r>
-              <a:rPr lang="de-DE" dirty="0"/>
-              <a:t> CI/CD</a:t>
-            </a:r>
+            <a:r>
+              <a:rPr lang="de-DE" sz="1800" dirty="0" err="1">
+                <a:latin typeface="Consolas" panose="020B0609020204030204" pitchFamily="49" charset="0"/>
+              </a:rPr>
+              <a:t>docker</a:t>
+            </a:r>
+            <a:r>
+              <a:rPr lang="de-DE" sz="1800" dirty="0">
+                <a:latin typeface="Consolas" panose="020B0609020204030204" pitchFamily="49" charset="0"/>
+              </a:rPr>
+              <a:t> </a:t>
+            </a:r>
+            <a:r>
+              <a:rPr lang="de-DE" sz="1800" dirty="0" err="1">
+                <a:latin typeface="Consolas" panose="020B0609020204030204" pitchFamily="49" charset="0"/>
+              </a:rPr>
+              <a:t>login</a:t>
+            </a:r>
+            <a:r>
+              <a:rPr lang="de-DE" sz="1800" dirty="0">
+                <a:latin typeface="Consolas" panose="020B0609020204030204" pitchFamily="49" charset="0"/>
+              </a:rPr>
+              <a:t> registry.example.com</a:t>
+            </a:r>
+          </a:p>
+          <a:p>
+            <a:pPr marL="457200" lvl="1" indent="0">
+              <a:buNone/>
+            </a:pPr>
+            <a:endParaRPr lang="de-DE" sz="1800" dirty="0">
+              <a:latin typeface="+mj-lt"/>
+            </a:endParaRPr>
+          </a:p>
+          <a:p>
+            <a:pPr marL="457200" lvl="1" indent="0">
+              <a:buNone/>
+            </a:pPr>
+            <a:r>
+              <a:rPr lang="de-DE" sz="1800" dirty="0">
+                <a:latin typeface="+mj-lt"/>
+              </a:rPr>
+              <a:t>oder</a:t>
+            </a:r>
+          </a:p>
+          <a:p>
+            <a:pPr marL="457200" lvl="1" indent="0">
+              <a:buNone/>
+            </a:pPr>
+            <a:endParaRPr lang="de-DE" sz="1800" dirty="0">
+              <a:latin typeface="Consolas" panose="020B0609020204030204" pitchFamily="49" charset="0"/>
+            </a:endParaRPr>
+          </a:p>
+          <a:p>
+            <a:pPr marL="457200" lvl="1" indent="0">
+              <a:buNone/>
+            </a:pPr>
+            <a:r>
+              <a:rPr lang="de-DE" sz="1800" dirty="0">
+                <a:latin typeface="Consolas" panose="020B0609020204030204" pitchFamily="49" charset="0"/>
+              </a:rPr>
+              <a:t>TOKEN=&lt;</a:t>
+            </a:r>
+            <a:r>
+              <a:rPr lang="de-DE" sz="1800" dirty="0" err="1">
+                <a:latin typeface="Consolas" panose="020B0609020204030204" pitchFamily="49" charset="0"/>
+              </a:rPr>
+              <a:t>token</a:t>
+            </a:r>
+            <a:r>
+              <a:rPr lang="de-DE" sz="1800" dirty="0">
+                <a:latin typeface="Consolas" panose="020B0609020204030204" pitchFamily="49" charset="0"/>
+              </a:rPr>
+              <a:t>&gt;</a:t>
+            </a:r>
+          </a:p>
+          <a:p>
+            <a:pPr marL="457200" lvl="1" indent="0">
+              <a:buNone/>
+            </a:pPr>
+            <a:r>
+              <a:rPr lang="de-DE" sz="1800" dirty="0">
+                <a:latin typeface="Consolas" panose="020B0609020204030204" pitchFamily="49" charset="0"/>
+              </a:rPr>
+              <a:t>echo "$TOKEN" | </a:t>
+            </a:r>
+            <a:r>
+              <a:rPr lang="de-DE" sz="1800" dirty="0" err="1">
+                <a:latin typeface="Consolas" panose="020B0609020204030204" pitchFamily="49" charset="0"/>
+              </a:rPr>
+              <a:t>docker</a:t>
+            </a:r>
+            <a:r>
+              <a:rPr lang="de-DE" sz="1800" dirty="0">
+                <a:latin typeface="Consolas" panose="020B0609020204030204" pitchFamily="49" charset="0"/>
+              </a:rPr>
+              <a:t> </a:t>
+            </a:r>
+            <a:r>
+              <a:rPr lang="de-DE" sz="1800" dirty="0" err="1">
+                <a:latin typeface="Consolas" panose="020B0609020204030204" pitchFamily="49" charset="0"/>
+              </a:rPr>
+              <a:t>login</a:t>
+            </a:r>
+            <a:r>
+              <a:rPr lang="de-DE" sz="1800" dirty="0">
+                <a:latin typeface="Consolas" panose="020B0609020204030204" pitchFamily="49" charset="0"/>
+              </a:rPr>
+              <a:t> registry.example.com -u &lt;</a:t>
+            </a:r>
+            <a:r>
+              <a:rPr lang="de-DE" sz="1800" dirty="0" err="1">
+                <a:latin typeface="Consolas" panose="020B0609020204030204" pitchFamily="49" charset="0"/>
+              </a:rPr>
+              <a:t>username</a:t>
+            </a:r>
+            <a:r>
+              <a:rPr lang="de-DE" sz="1800" dirty="0">
+                <a:latin typeface="Consolas" panose="020B0609020204030204" pitchFamily="49" charset="0"/>
+              </a:rPr>
+              <a:t>&gt; --password-</a:t>
+            </a:r>
+            <a:r>
+              <a:rPr lang="de-DE" sz="1800" dirty="0" err="1">
+                <a:latin typeface="Consolas" panose="020B0609020204030204" pitchFamily="49" charset="0"/>
+              </a:rPr>
+              <a:t>stdin</a:t>
+            </a:r>
+            <a:endParaRPr lang="de-DE" sz="1800" dirty="0">
+              <a:latin typeface="Consolas" panose="020B0609020204030204" pitchFamily="49" charset="0"/>
+            </a:endParaRPr>
+          </a:p>
+          <a:p>
+            <a:pPr lvl="1">
+              <a:buFont typeface="Arial" panose="020B0604020202020204" pitchFamily="34" charset="0"/>
+              <a:buChar char="•"/>
+            </a:pPr>
+            <a:endParaRPr lang="de-DE" sz="1600" dirty="0">
+              <a:latin typeface="Consolas" panose="020B0609020204030204" pitchFamily="49" charset="0"/>
+            </a:endParaRPr>
           </a:p>
           <a:p>
             <a:pPr lvl="2">
@@ -8653,7 +8460,7 @@
     </p:spTree>
     <p:extLst>
       <p:ext uri="{BB962C8B-B14F-4D97-AF65-F5344CB8AC3E}">
-        <p14:creationId xmlns:p14="http://schemas.microsoft.com/office/powerpoint/2010/main" val="1944366019"/>
+        <p14:creationId xmlns:p14="http://schemas.microsoft.com/office/powerpoint/2010/main" val="1214759998"/>
       </p:ext>
     </p:extLst>
   </p:cSld>
@@ -8743,23 +8550,25 @@
             </a:pPr>
             <a:r>
               <a:rPr lang="de-DE" b="1" dirty="0"/>
-              <a:t>Authentifizierung an der Container Registry</a:t>
-            </a:r>
-          </a:p>
-          <a:p>
-            <a:pPr marL="0" indent="0">
-              <a:buNone/>
-            </a:pPr>
-            <a:endParaRPr lang="de-DE" b="1" dirty="0"/>
+              <a:t>Authentifizierung innerhalb CI/CD Pipelines</a:t>
+            </a:r>
+            <a:endParaRPr lang="de-DE" dirty="0"/>
           </a:p>
           <a:p>
             <a:pPr>
               <a:buFont typeface="Arial" panose="020B0604020202020204" pitchFamily="34" charset="0"/>
               <a:buChar char="•"/>
             </a:pPr>
-            <a:r>
-              <a:rPr lang="de-DE" dirty="0"/>
-              <a:t>Unterstützte Mechanismen</a:t>
+            <a:endParaRPr lang="de-DE" sz="1800" dirty="0"/>
+          </a:p>
+          <a:p>
+            <a:pPr>
+              <a:buFont typeface="Arial" panose="020B0604020202020204" pitchFamily="34" charset="0"/>
+              <a:buChar char="•"/>
+            </a:pPr>
+            <a:r>
+              <a:rPr lang="de-DE" sz="2000" dirty="0"/>
+              <a:t>Variable CI_REGISTRY_USER</a:t>
             </a:r>
           </a:p>
           <a:p>
@@ -8768,9 +8577,30 @@
               <a:buChar char="•"/>
             </a:pPr>
             <a:r>
-              <a:rPr lang="de-DE" dirty="0"/>
-              <a:t>Personal Access Token</a:t>
-            </a:r>
+              <a:rPr lang="de-DE" sz="1800" dirty="0"/>
+              <a:t>Benutzer/Job mit </a:t>
+            </a:r>
+            <a:r>
+              <a:rPr lang="de-DE" sz="1800" dirty="0" err="1"/>
+              <a:t>read</a:t>
+            </a:r>
+            <a:r>
+              <a:rPr lang="de-DE" sz="1800" dirty="0"/>
+              <a:t> + </a:t>
+            </a:r>
+            <a:r>
+              <a:rPr lang="de-DE" sz="1800" dirty="0" err="1"/>
+              <a:t>write</a:t>
+            </a:r>
+            <a:r>
+              <a:rPr lang="de-DE" sz="1800" dirty="0"/>
+              <a:t> </a:t>
+            </a:r>
+            <a:r>
+              <a:rPr lang="de-DE" sz="1800" dirty="0" err="1"/>
+              <a:t>Scope</a:t>
+            </a:r>
+            <a:endParaRPr lang="de-DE" sz="1800" dirty="0"/>
           </a:p>
           <a:p>
             <a:pPr lvl="1">
@@ -8778,8 +8608,8 @@
               <a:buChar char="•"/>
             </a:pPr>
             <a:r>
-              <a:rPr lang="de-DE" dirty="0"/>
-              <a:t>Deploy Token</a:t>
+              <a:rPr lang="de-DE" sz="1800" dirty="0"/>
+              <a:t>Passwort automatisch: CI_REGISTRY_PASSWORD</a:t>
             </a:r>
           </a:p>
           <a:p>
@@ -8788,117 +8618,126 @@
               <a:buChar char="•"/>
             </a:pPr>
             <a:r>
-              <a:rPr lang="de-DE" dirty="0"/>
-              <a:t>Project Access Token</a:t>
-            </a:r>
-          </a:p>
-          <a:p>
-            <a:pPr lvl="1">
-              <a:buFont typeface="Arial" panose="020B0604020202020204" pitchFamily="34" charset="0"/>
-              <a:buChar char="•"/>
-            </a:pPr>
-            <a:r>
-              <a:rPr lang="de-DE" dirty="0"/>
-              <a:t>Group Access Token</a:t>
-            </a:r>
-          </a:p>
-          <a:p>
-            <a:pPr lvl="1">
-              <a:buFont typeface="Arial" panose="020B0604020202020204" pitchFamily="34" charset="0"/>
-              <a:buChar char="•"/>
-            </a:pPr>
-            <a:endParaRPr lang="de-DE" dirty="0"/>
-          </a:p>
-          <a:p>
-            <a:pPr>
-              <a:buFont typeface="Arial" panose="020B0604020202020204" pitchFamily="34" charset="0"/>
-              <a:buChar char="•"/>
-            </a:pPr>
-            <a:r>
-              <a:rPr lang="de-DE" dirty="0"/>
-              <a:t>Erforderliche Berechtigungen (Scopes)</a:t>
-            </a:r>
-          </a:p>
-          <a:p>
-            <a:pPr lvl="1">
-              <a:buFont typeface="Arial" panose="020B0604020202020204" pitchFamily="34" charset="0"/>
-              <a:buChar char="•"/>
-            </a:pPr>
-            <a:r>
-              <a:rPr lang="de-DE" i="1" dirty="0" err="1"/>
-              <a:t>read_registry</a:t>
-            </a:r>
-            <a:r>
-              <a:rPr lang="de-DE" i="1" dirty="0"/>
+              <a:rPr lang="de-DE" sz="1800" dirty="0">
+                <a:latin typeface="Consolas" panose="020B0609020204030204" pitchFamily="49" charset="0"/>
+              </a:rPr>
+              <a:t>echo "$CI_REGISTRY_PASSWORD" | </a:t>
+            </a:r>
+            <a:r>
+              <a:rPr lang="de-DE" sz="1800" dirty="0" err="1">
+                <a:latin typeface="Consolas" panose="020B0609020204030204" pitchFamily="49" charset="0"/>
+              </a:rPr>
+              <a:t>docker</a:t>
+            </a:r>
+            <a:r>
+              <a:rPr lang="de-DE" sz="1800" dirty="0">
+                <a:latin typeface="Consolas" panose="020B0609020204030204" pitchFamily="49" charset="0"/>
+              </a:rPr>
               <a:t> </a:t>
             </a:r>
             <a:r>
-              <a:rPr lang="de-DE" dirty="0"/>
-              <a:t>für </a:t>
-            </a:r>
-            <a:r>
-              <a:rPr lang="de-DE" dirty="0" err="1"/>
-              <a:t>read</a:t>
-            </a:r>
-            <a:r>
-              <a:rPr lang="de-DE" dirty="0"/>
-              <a:t> (pull) </a:t>
-            </a:r>
-          </a:p>
-          <a:p>
-            <a:pPr lvl="1">
-              <a:buFont typeface="Arial" panose="020B0604020202020204" pitchFamily="34" charset="0"/>
-              <a:buChar char="•"/>
-            </a:pPr>
-            <a:r>
-              <a:rPr lang="de-DE" i="1" dirty="0" err="1"/>
-              <a:t>write_registry</a:t>
-            </a:r>
-            <a:r>
-              <a:rPr lang="de-DE" i="1" dirty="0"/>
-              <a:t> </a:t>
-            </a:r>
-            <a:r>
-              <a:rPr lang="de-DE" u="sng" dirty="0"/>
-              <a:t>und</a:t>
-            </a:r>
-            <a:r>
-              <a:rPr lang="de-DE" dirty="0"/>
-              <a:t> </a:t>
-            </a:r>
-            <a:r>
-              <a:rPr lang="de-DE" dirty="0" err="1"/>
-              <a:t>read_registry</a:t>
-            </a:r>
-            <a:r>
-              <a:rPr lang="de-DE" dirty="0"/>
-              <a:t> für </a:t>
-            </a:r>
-            <a:r>
-              <a:rPr lang="de-DE" dirty="0" err="1"/>
-              <a:t>write</a:t>
-            </a:r>
-            <a:r>
-              <a:rPr lang="de-DE" dirty="0"/>
-              <a:t> (push)</a:t>
-            </a:r>
-            <a:endParaRPr lang="de-DE" sz="1600" dirty="0">
+              <a:rPr lang="de-DE" sz="1800" dirty="0" err="1">
+                <a:latin typeface="Consolas" panose="020B0609020204030204" pitchFamily="49" charset="0"/>
+              </a:rPr>
+              <a:t>login</a:t>
+            </a:r>
+            <a:r>
+              <a:rPr lang="de-DE" sz="1800" dirty="0">
+                <a:latin typeface="Consolas" panose="020B0609020204030204" pitchFamily="49" charset="0"/>
+              </a:rPr>
+              <a:t> $CI_REGISTRY -u $CI_REGISTRY_USER --password-</a:t>
+            </a:r>
+            <a:r>
+              <a:rPr lang="de-DE" sz="1800" dirty="0" err="1">
+                <a:latin typeface="Consolas" panose="020B0609020204030204" pitchFamily="49" charset="0"/>
+              </a:rPr>
+              <a:t>stdin</a:t>
+            </a:r>
+            <a:endParaRPr lang="de-DE" sz="1800" dirty="0">
               <a:latin typeface="Consolas" panose="020B0609020204030204" pitchFamily="49" charset="0"/>
             </a:endParaRPr>
           </a:p>
           <a:p>
+            <a:pPr>
+              <a:buFont typeface="Arial" panose="020B0604020202020204" pitchFamily="34" charset="0"/>
+              <a:buChar char="•"/>
+            </a:pPr>
+            <a:endParaRPr lang="de-DE" sz="2000" dirty="0"/>
+          </a:p>
+          <a:p>
+            <a:pPr>
+              <a:buFont typeface="Arial" panose="020B0604020202020204" pitchFamily="34" charset="0"/>
+              <a:buChar char="•"/>
+            </a:pPr>
+            <a:r>
+              <a:rPr lang="de-DE" sz="2000" dirty="0"/>
+              <a:t>CI Job Token</a:t>
+            </a:r>
+          </a:p>
+          <a:p>
+            <a:pPr lvl="1">
+              <a:buFont typeface="Arial" panose="020B0604020202020204" pitchFamily="34" charset="0"/>
+              <a:buChar char="•"/>
+            </a:pPr>
+            <a:r>
+              <a:rPr lang="de-DE" sz="1800" dirty="0">
+                <a:latin typeface="Consolas" panose="020B0609020204030204" pitchFamily="49" charset="0"/>
+              </a:rPr>
+              <a:t>echo "$CI_JOB_TOKEN" | </a:t>
+            </a:r>
+            <a:r>
+              <a:rPr lang="de-DE" sz="1800" dirty="0" err="1">
+                <a:latin typeface="Consolas" panose="020B0609020204030204" pitchFamily="49" charset="0"/>
+              </a:rPr>
+              <a:t>docker</a:t>
+            </a:r>
+            <a:r>
+              <a:rPr lang="de-DE" sz="1800" dirty="0">
+                <a:latin typeface="Consolas" panose="020B0609020204030204" pitchFamily="49" charset="0"/>
+              </a:rPr>
+              <a:t> </a:t>
+            </a:r>
+            <a:r>
+              <a:rPr lang="de-DE" sz="1800" dirty="0" err="1">
+                <a:latin typeface="Consolas" panose="020B0609020204030204" pitchFamily="49" charset="0"/>
+              </a:rPr>
+              <a:t>login</a:t>
+            </a:r>
+            <a:r>
+              <a:rPr lang="de-DE" sz="1800" dirty="0">
+                <a:latin typeface="Consolas" panose="020B0609020204030204" pitchFamily="49" charset="0"/>
+              </a:rPr>
+              <a:t> $CI_REGISTRY -u $CI_REGISTRY_USER --password-</a:t>
+            </a:r>
+            <a:r>
+              <a:rPr lang="de-DE" sz="1800" dirty="0" err="1">
+                <a:latin typeface="Consolas" panose="020B0609020204030204" pitchFamily="49" charset="0"/>
+              </a:rPr>
+              <a:t>stdin</a:t>
+            </a:r>
+            <a:endParaRPr lang="de-DE" sz="1800" dirty="0">
+              <a:latin typeface="Consolas" panose="020B0609020204030204" pitchFamily="49" charset="0"/>
+            </a:endParaRPr>
+          </a:p>
+          <a:p>
+            <a:pPr marL="914400" lvl="2" indent="0">
+              <a:buNone/>
+            </a:pPr>
+            <a:endParaRPr lang="en-US" sz="2000" dirty="0"/>
+          </a:p>
+          <a:p>
             <a:pPr lvl="2">
               <a:buFont typeface="Arial" panose="020B0604020202020204" pitchFamily="34" charset="0"/>
               <a:buChar char="•"/>
             </a:pPr>
-            <a:endParaRPr lang="de-DE" dirty="0"/>
-          </a:p>
-          <a:p>
-            <a:pPr lvl="2">
-              <a:buFont typeface="Arial" panose="020B0604020202020204" pitchFamily="34" charset="0"/>
-              <a:buChar char="•"/>
-            </a:pPr>
-            <a:endParaRPr lang="de-DE" dirty="0"/>
+            <a:endParaRPr lang="de-DE" sz="2000" dirty="0"/>
+          </a:p>
+          <a:p>
+            <a:pPr lvl="1">
+              <a:buFont typeface="Arial" panose="020B0604020202020204" pitchFamily="34" charset="0"/>
+              <a:buChar char="•"/>
+            </a:pPr>
+            <a:endParaRPr lang="de-DE" sz="1600" dirty="0"/>
           </a:p>
           <a:p>
             <a:pPr lvl="1">
@@ -8912,7 +8751,7 @@
     </p:spTree>
     <p:extLst>
       <p:ext uri="{BB962C8B-B14F-4D97-AF65-F5344CB8AC3E}">
-        <p14:creationId xmlns:p14="http://schemas.microsoft.com/office/powerpoint/2010/main" val="1809655481"/>
+        <p14:creationId xmlns:p14="http://schemas.microsoft.com/office/powerpoint/2010/main" val="1650913132"/>
       </p:ext>
     </p:extLst>
   </p:cSld>
@@ -8923,7 +8762,7 @@
 </file>
 
 <file path=ppt/slides/slide23.xml><?xml version="1.0" encoding="utf-8"?>
-<p:sld xmlns:a="http://schemas.openxmlformats.org/drawingml/2006/main" xmlns:r="http://schemas.openxmlformats.org/officeDocument/2006/relationships" xmlns:p="http://schemas.openxmlformats.org/presentationml/2006/main">
+<p:sld xmlns:a="http://schemas.openxmlformats.org/drawingml/2006/main" xmlns:r="http://schemas.openxmlformats.org/officeDocument/2006/relationships" xmlns:p="http://schemas.openxmlformats.org/presentationml/2006/main" show="0">
   <p:cSld>
     <p:spTree>
       <p:nvGrpSpPr>
@@ -9002,7 +8841,118 @@
             </a:pPr>
             <a:r>
               <a:rPr lang="de-DE" b="1" dirty="0"/>
-              <a:t>Authentifizierung an der Container Registry</a:t>
+              <a:t>Authentifizierung innerhalb CI/CD Pipelines</a:t>
+            </a:r>
+          </a:p>
+          <a:p>
+            <a:pPr marL="0" indent="0">
+              <a:buNone/>
+            </a:pPr>
+            <a:endParaRPr lang="de-DE" dirty="0"/>
+          </a:p>
+          <a:p>
+            <a:pPr>
+              <a:buFont typeface="Arial" panose="020B0604020202020204" pitchFamily="34" charset="0"/>
+              <a:buChar char="•"/>
+            </a:pPr>
+            <a:r>
+              <a:rPr lang="de-DE" sz="2000" dirty="0" err="1"/>
+              <a:t>read</a:t>
+            </a:r>
+            <a:r>
+              <a:rPr lang="de-DE" sz="2000" dirty="0"/>
+              <a:t> (pull) </a:t>
+            </a:r>
+            <a:r>
+              <a:rPr lang="de-DE" sz="2000" dirty="0" err="1"/>
+              <a:t>access</a:t>
+            </a:r>
+            <a:r>
+              <a:rPr lang="de-DE" sz="2000" dirty="0"/>
+              <a:t> </a:t>
+            </a:r>
+            <a:r>
+              <a:rPr lang="de-DE" sz="2000" dirty="0">
+                <a:sym typeface="Wingdings" panose="05000000000000000000" pitchFamily="2" charset="2"/>
+              </a:rPr>
+              <a:t> </a:t>
+            </a:r>
+            <a:r>
+              <a:rPr lang="de-DE" sz="2000" dirty="0" err="1">
+                <a:sym typeface="Wingdings" panose="05000000000000000000" pitchFamily="2" charset="2"/>
+              </a:rPr>
+              <a:t>read_registry</a:t>
+            </a:r>
+            <a:endParaRPr lang="de-DE" sz="2000" dirty="0">
+              <a:sym typeface="Wingdings" panose="05000000000000000000" pitchFamily="2" charset="2"/>
+            </a:endParaRPr>
+          </a:p>
+          <a:p>
+            <a:pPr>
+              <a:buFont typeface="Arial" panose="020B0604020202020204" pitchFamily="34" charset="0"/>
+              <a:buChar char="•"/>
+            </a:pPr>
+            <a:r>
+              <a:rPr lang="de-DE" sz="2000" dirty="0" err="1">
+                <a:sym typeface="Wingdings" panose="05000000000000000000" pitchFamily="2" charset="2"/>
+              </a:rPr>
+              <a:t>write</a:t>
+            </a:r>
+            <a:r>
+              <a:rPr lang="de-DE" sz="2000" dirty="0">
+                <a:sym typeface="Wingdings" panose="05000000000000000000" pitchFamily="2" charset="2"/>
+              </a:rPr>
+              <a:t> (push) </a:t>
+            </a:r>
+            <a:r>
+              <a:rPr lang="de-DE" sz="2000" dirty="0" err="1">
+                <a:sym typeface="Wingdings" panose="05000000000000000000" pitchFamily="2" charset="2"/>
+              </a:rPr>
+              <a:t>access</a:t>
+            </a:r>
+            <a:r>
+              <a:rPr lang="de-DE" sz="2000" dirty="0">
+                <a:sym typeface="Wingdings" panose="05000000000000000000" pitchFamily="2" charset="2"/>
+              </a:rPr>
+              <a:t>  </a:t>
+            </a:r>
+            <a:r>
+              <a:rPr lang="de-DE" sz="2000" dirty="0" err="1">
+                <a:sym typeface="Wingdings" panose="05000000000000000000" pitchFamily="2" charset="2"/>
+              </a:rPr>
+              <a:t>read_registry</a:t>
+            </a:r>
+            <a:r>
+              <a:rPr lang="de-DE" sz="2000" dirty="0">
+                <a:sym typeface="Wingdings" panose="05000000000000000000" pitchFamily="2" charset="2"/>
+              </a:rPr>
+              <a:t> &amp; </a:t>
+            </a:r>
+            <a:r>
+              <a:rPr lang="de-DE" sz="2000" dirty="0" err="1">
+                <a:sym typeface="Wingdings" panose="05000000000000000000" pitchFamily="2" charset="2"/>
+              </a:rPr>
+              <a:t>write_registry</a:t>
+            </a:r>
+            <a:endParaRPr lang="de-DE" sz="2000" dirty="0">
+              <a:sym typeface="Wingdings" panose="05000000000000000000" pitchFamily="2" charset="2"/>
+            </a:endParaRPr>
+          </a:p>
+          <a:p>
+            <a:pPr>
+              <a:buFont typeface="Arial" panose="020B0604020202020204" pitchFamily="34" charset="0"/>
+              <a:buChar char="•"/>
+            </a:pPr>
+            <a:endParaRPr lang="de-DE" sz="1800" dirty="0"/>
+          </a:p>
+          <a:p>
+            <a:pPr>
+              <a:buFont typeface="Arial" panose="020B0604020202020204" pitchFamily="34" charset="0"/>
+              <a:buChar char="•"/>
+            </a:pPr>
+            <a:r>
+              <a:rPr lang="de-DE" sz="2000" dirty="0"/>
+              <a:t>Deploy Token</a:t>
             </a:r>
           </a:p>
           <a:p>
@@ -9010,167 +8960,109 @@
               <a:buFont typeface="Arial" panose="020B0604020202020204" pitchFamily="34" charset="0"/>
               <a:buChar char="•"/>
             </a:pPr>
+            <a:r>
+              <a:rPr lang="de-DE" sz="1800" dirty="0">
+                <a:latin typeface="Consolas" panose="020B0609020204030204" pitchFamily="49" charset="0"/>
+              </a:rPr>
+              <a:t>echo "$CI_DEPLOY_PASSWORD" | </a:t>
+            </a:r>
+            <a:r>
+              <a:rPr lang="de-DE" sz="1800" dirty="0" err="1">
+                <a:latin typeface="Consolas" panose="020B0609020204030204" pitchFamily="49" charset="0"/>
+              </a:rPr>
+              <a:t>docker</a:t>
+            </a:r>
+            <a:r>
+              <a:rPr lang="de-DE" sz="1800" dirty="0">
+                <a:latin typeface="Consolas" panose="020B0609020204030204" pitchFamily="49" charset="0"/>
+              </a:rPr>
+              <a:t> </a:t>
+            </a:r>
+            <a:r>
+              <a:rPr lang="de-DE" sz="1800" dirty="0" err="1">
+                <a:latin typeface="Consolas" panose="020B0609020204030204" pitchFamily="49" charset="0"/>
+              </a:rPr>
+              <a:t>login</a:t>
+            </a:r>
+            <a:r>
+              <a:rPr lang="de-DE" sz="1800" dirty="0">
+                <a:latin typeface="Consolas" panose="020B0609020204030204" pitchFamily="49" charset="0"/>
+              </a:rPr>
+              <a:t> $CI_REGISTRY -u $CI_DEPLOY_USER --password-</a:t>
+            </a:r>
+            <a:r>
+              <a:rPr lang="de-DE" sz="1800" dirty="0" err="1">
+                <a:latin typeface="Consolas" panose="020B0609020204030204" pitchFamily="49" charset="0"/>
+              </a:rPr>
+              <a:t>stdin</a:t>
+            </a:r>
             <a:endParaRPr lang="de-DE" sz="1800" dirty="0">
               <a:latin typeface="Consolas" panose="020B0609020204030204" pitchFamily="49" charset="0"/>
             </a:endParaRPr>
           </a:p>
           <a:p>
-            <a:pPr marL="457200" lvl="1" indent="0">
-              <a:buNone/>
-            </a:pPr>
-            <a:r>
-              <a:rPr lang="de-DE" sz="1800" dirty="0" err="1">
-                <a:latin typeface="Consolas" panose="020B0609020204030204" pitchFamily="49" charset="0"/>
-              </a:rPr>
-              <a:t>docker</a:t>
-            </a:r>
-            <a:r>
-              <a:rPr lang="de-DE" sz="1800" dirty="0">
-                <a:latin typeface="Consolas" panose="020B0609020204030204" pitchFamily="49" charset="0"/>
-              </a:rPr>
-              <a:t> </a:t>
-            </a:r>
-            <a:r>
-              <a:rPr lang="de-DE" sz="1800" dirty="0" err="1">
-                <a:latin typeface="Consolas" panose="020B0609020204030204" pitchFamily="49" charset="0"/>
-              </a:rPr>
-              <a:t>login</a:t>
-            </a:r>
-            <a:r>
-              <a:rPr lang="de-DE" sz="1800" dirty="0">
-                <a:latin typeface="Consolas" panose="020B0609020204030204" pitchFamily="49" charset="0"/>
-              </a:rPr>
-              <a:t> registry.example.com</a:t>
-            </a:r>
-          </a:p>
-          <a:p>
-            <a:pPr marL="457200" lvl="1" indent="0">
-              <a:buNone/>
-            </a:pPr>
-            <a:endParaRPr lang="de-DE" sz="1800" dirty="0">
-              <a:latin typeface="+mj-lt"/>
-            </a:endParaRPr>
-          </a:p>
-          <a:p>
-            <a:pPr marL="457200" lvl="1" indent="0">
-              <a:buNone/>
-            </a:pPr>
-            <a:r>
-              <a:rPr lang="de-DE" sz="1800" dirty="0">
-                <a:latin typeface="+mj-lt"/>
-              </a:rPr>
-              <a:t>oder</a:t>
-            </a:r>
-          </a:p>
-          <a:p>
-            <a:pPr marL="457200" lvl="1" indent="0">
-              <a:buNone/>
+            <a:pPr lvl="1">
+              <a:buFont typeface="Arial" panose="020B0604020202020204" pitchFamily="34" charset="0"/>
+              <a:buChar char="•"/>
             </a:pPr>
             <a:endParaRPr lang="de-DE" sz="1800" dirty="0">
               <a:latin typeface="Consolas" panose="020B0609020204030204" pitchFamily="49" charset="0"/>
             </a:endParaRPr>
           </a:p>
           <a:p>
-            <a:pPr marL="457200" lvl="1" indent="0">
-              <a:buNone/>
-            </a:pPr>
-            <a:r>
-              <a:rPr lang="de-DE" sz="1800" dirty="0">
-                <a:latin typeface="Consolas" panose="020B0609020204030204" pitchFamily="49" charset="0"/>
-              </a:rPr>
-              <a:t>TOKEN=&lt;</a:t>
-            </a:r>
-            <a:r>
-              <a:rPr lang="de-DE" sz="1800" dirty="0" err="1">
-                <a:latin typeface="Consolas" panose="020B0609020204030204" pitchFamily="49" charset="0"/>
-              </a:rPr>
-              <a:t>token</a:t>
-            </a:r>
-            <a:r>
-              <a:rPr lang="de-DE" sz="1800" dirty="0">
-                <a:latin typeface="Consolas" panose="020B0609020204030204" pitchFamily="49" charset="0"/>
-              </a:rPr>
-              <a:t>&gt;</a:t>
-            </a:r>
-          </a:p>
-          <a:p>
-            <a:pPr marL="457200" lvl="1" indent="0">
-              <a:buNone/>
-            </a:pPr>
-            <a:r>
-              <a:rPr lang="de-DE" sz="1800" dirty="0">
-                <a:latin typeface="Consolas" panose="020B0609020204030204" pitchFamily="49" charset="0"/>
-              </a:rPr>
-              <a:t>echo "$TOKEN" | </a:t>
-            </a:r>
-            <a:r>
-              <a:rPr lang="de-DE" sz="1800" dirty="0" err="1">
-                <a:latin typeface="Consolas" panose="020B0609020204030204" pitchFamily="49" charset="0"/>
-              </a:rPr>
-              <a:t>docker</a:t>
-            </a:r>
-            <a:r>
-              <a:rPr lang="de-DE" sz="1800" dirty="0">
-                <a:latin typeface="Consolas" panose="020B0609020204030204" pitchFamily="49" charset="0"/>
-              </a:rPr>
-              <a:t> </a:t>
-            </a:r>
-            <a:r>
-              <a:rPr lang="de-DE" sz="1800" dirty="0" err="1">
-                <a:latin typeface="Consolas" panose="020B0609020204030204" pitchFamily="49" charset="0"/>
-              </a:rPr>
-              <a:t>login</a:t>
-            </a:r>
-            <a:r>
-              <a:rPr lang="de-DE" sz="1800" dirty="0">
-                <a:latin typeface="Consolas" panose="020B0609020204030204" pitchFamily="49" charset="0"/>
-              </a:rPr>
-              <a:t> registry.example.com -u &lt;</a:t>
-            </a:r>
-            <a:r>
-              <a:rPr lang="de-DE" sz="1800" dirty="0" err="1">
-                <a:latin typeface="Consolas" panose="020B0609020204030204" pitchFamily="49" charset="0"/>
-              </a:rPr>
-              <a:t>username</a:t>
-            </a:r>
-            <a:r>
-              <a:rPr lang="de-DE" sz="1800" dirty="0">
-                <a:latin typeface="Consolas" panose="020B0609020204030204" pitchFamily="49" charset="0"/>
-              </a:rPr>
-              <a:t>&gt; --password-</a:t>
-            </a:r>
-            <a:r>
-              <a:rPr lang="de-DE" sz="1800" dirty="0" err="1">
-                <a:latin typeface="Consolas" panose="020B0609020204030204" pitchFamily="49" charset="0"/>
-              </a:rPr>
-              <a:t>stdin</a:t>
-            </a:r>
-            <a:endParaRPr lang="de-DE" sz="1800" dirty="0">
-              <a:latin typeface="Consolas" panose="020B0609020204030204" pitchFamily="49" charset="0"/>
-            </a:endParaRPr>
+            <a:pPr>
+              <a:buFont typeface="Arial" panose="020B0604020202020204" pitchFamily="34" charset="0"/>
+              <a:buChar char="•"/>
+            </a:pPr>
+            <a:r>
+              <a:rPr lang="de-DE" sz="2000" dirty="0"/>
+              <a:t>Personal Access Token</a:t>
+            </a:r>
           </a:p>
           <a:p>
             <a:pPr lvl="1">
               <a:buFont typeface="Arial" panose="020B0604020202020204" pitchFamily="34" charset="0"/>
               <a:buChar char="•"/>
             </a:pPr>
-            <a:endParaRPr lang="de-DE" sz="1600" dirty="0">
-              <a:latin typeface="Consolas" panose="020B0609020204030204" pitchFamily="49" charset="0"/>
-            </a:endParaRPr>
+            <a:r>
+              <a:rPr lang="en-US" sz="1800" dirty="0">
+                <a:latin typeface="Consolas" panose="020B0609020204030204" pitchFamily="49" charset="0"/>
+              </a:rPr>
+              <a:t>echo "&lt;</a:t>
+            </a:r>
+            <a:r>
+              <a:rPr lang="en-US" sz="1800" dirty="0" err="1">
+                <a:latin typeface="Consolas" panose="020B0609020204030204" pitchFamily="49" charset="0"/>
+              </a:rPr>
+              <a:t>access_token</a:t>
+            </a:r>
+            <a:r>
+              <a:rPr lang="en-US" sz="1800" dirty="0">
+                <a:latin typeface="Consolas" panose="020B0609020204030204" pitchFamily="49" charset="0"/>
+              </a:rPr>
+              <a:t>&gt;" | docker login $CI_REGISTRY -u &lt;username&gt; --password-stdin</a:t>
+            </a:r>
           </a:p>
           <a:p>
             <a:pPr lvl="2">
               <a:buFont typeface="Arial" panose="020B0604020202020204" pitchFamily="34" charset="0"/>
               <a:buChar char="•"/>
             </a:pPr>
-            <a:endParaRPr lang="de-DE" dirty="0"/>
+            <a:endParaRPr lang="en-US" sz="2000" dirty="0"/>
           </a:p>
           <a:p>
             <a:pPr lvl="2">
               <a:buFont typeface="Arial" panose="020B0604020202020204" pitchFamily="34" charset="0"/>
               <a:buChar char="•"/>
             </a:pPr>
-            <a:endParaRPr lang="de-DE" dirty="0"/>
+            <a:endParaRPr lang="de-DE" sz="2000" dirty="0"/>
+          </a:p>
+          <a:p>
+            <a:pPr lvl="1">
+              <a:buFont typeface="Arial" panose="020B0604020202020204" pitchFamily="34" charset="0"/>
+              <a:buChar char="•"/>
+            </a:pPr>
+            <a:endParaRPr lang="de-DE" sz="1600" dirty="0"/>
           </a:p>
           <a:p>
             <a:pPr lvl="1">
@@ -9184,7 +9076,7 @@
     </p:spTree>
     <p:extLst>
       <p:ext uri="{BB962C8B-B14F-4D97-AF65-F5344CB8AC3E}">
-        <p14:creationId xmlns:p14="http://schemas.microsoft.com/office/powerpoint/2010/main" val="1214759998"/>
+        <p14:creationId xmlns:p14="http://schemas.microsoft.com/office/powerpoint/2010/main" val="326092437"/>
       </p:ext>
     </p:extLst>
   </p:cSld>
@@ -9274,622 +9166,6 @@
             </a:pPr>
             <a:r>
               <a:rPr lang="de-DE" b="1" dirty="0"/>
-              <a:t>Authentifizierung innerhalb CI/CD Pipelines</a:t>
-            </a:r>
-            <a:endParaRPr lang="de-DE" dirty="0"/>
-          </a:p>
-          <a:p>
-            <a:pPr>
-              <a:buFont typeface="Arial" panose="020B0604020202020204" pitchFamily="34" charset="0"/>
-              <a:buChar char="•"/>
-            </a:pPr>
-            <a:endParaRPr lang="de-DE" sz="1800" dirty="0"/>
-          </a:p>
-          <a:p>
-            <a:pPr>
-              <a:buFont typeface="Arial" panose="020B0604020202020204" pitchFamily="34" charset="0"/>
-              <a:buChar char="•"/>
-            </a:pPr>
-            <a:r>
-              <a:rPr lang="de-DE" sz="2000" dirty="0"/>
-              <a:t>Variable CI_REGISTRY_USER</a:t>
-            </a:r>
-          </a:p>
-          <a:p>
-            <a:pPr lvl="1">
-              <a:buFont typeface="Arial" panose="020B0604020202020204" pitchFamily="34" charset="0"/>
-              <a:buChar char="•"/>
-            </a:pPr>
-            <a:r>
-              <a:rPr lang="de-DE" sz="1800" dirty="0"/>
-              <a:t>Benutzer/Job mit </a:t>
-            </a:r>
-            <a:r>
-              <a:rPr lang="de-DE" sz="1800" dirty="0" err="1"/>
-              <a:t>read</a:t>
-            </a:r>
-            <a:r>
-              <a:rPr lang="de-DE" sz="1800" dirty="0"/>
-              <a:t> + </a:t>
-            </a:r>
-            <a:r>
-              <a:rPr lang="de-DE" sz="1800" dirty="0" err="1"/>
-              <a:t>write</a:t>
-            </a:r>
-            <a:r>
-              <a:rPr lang="de-DE" sz="1800" dirty="0"/>
-              <a:t> </a:t>
-            </a:r>
-            <a:r>
-              <a:rPr lang="de-DE" sz="1800" dirty="0" err="1"/>
-              <a:t>Scope</a:t>
-            </a:r>
-            <a:endParaRPr lang="de-DE" sz="1800" dirty="0"/>
-          </a:p>
-          <a:p>
-            <a:pPr lvl="1">
-              <a:buFont typeface="Arial" panose="020B0604020202020204" pitchFamily="34" charset="0"/>
-              <a:buChar char="•"/>
-            </a:pPr>
-            <a:r>
-              <a:rPr lang="de-DE" sz="1800" dirty="0"/>
-              <a:t>Passwort automatisch: CI_REGISTRY_PASSWORD</a:t>
-            </a:r>
-          </a:p>
-          <a:p>
-            <a:pPr lvl="1">
-              <a:buFont typeface="Arial" panose="020B0604020202020204" pitchFamily="34" charset="0"/>
-              <a:buChar char="•"/>
-            </a:pPr>
-            <a:r>
-              <a:rPr lang="de-DE" sz="1800" dirty="0">
-                <a:latin typeface="Consolas" panose="020B0609020204030204" pitchFamily="49" charset="0"/>
-              </a:rPr>
-              <a:t>echo "$CI_REGISTRY_PASSWORD" | </a:t>
-            </a:r>
-            <a:r>
-              <a:rPr lang="de-DE" sz="1800" dirty="0" err="1">
-                <a:latin typeface="Consolas" panose="020B0609020204030204" pitchFamily="49" charset="0"/>
-              </a:rPr>
-              <a:t>docker</a:t>
-            </a:r>
-            <a:r>
-              <a:rPr lang="de-DE" sz="1800" dirty="0">
-                <a:latin typeface="Consolas" panose="020B0609020204030204" pitchFamily="49" charset="0"/>
-              </a:rPr>
-              <a:t> </a:t>
-            </a:r>
-            <a:r>
-              <a:rPr lang="de-DE" sz="1800" dirty="0" err="1">
-                <a:latin typeface="Consolas" panose="020B0609020204030204" pitchFamily="49" charset="0"/>
-              </a:rPr>
-              <a:t>login</a:t>
-            </a:r>
-            <a:r>
-              <a:rPr lang="de-DE" sz="1800" dirty="0">
-                <a:latin typeface="Consolas" panose="020B0609020204030204" pitchFamily="49" charset="0"/>
-              </a:rPr>
-              <a:t> $CI_REGISTRY -u $CI_REGISTRY_USER --password-</a:t>
-            </a:r>
-            <a:r>
-              <a:rPr lang="de-DE" sz="1800" dirty="0" err="1">
-                <a:latin typeface="Consolas" panose="020B0609020204030204" pitchFamily="49" charset="0"/>
-              </a:rPr>
-              <a:t>stdin</a:t>
-            </a:r>
-            <a:endParaRPr lang="de-DE" sz="1800" dirty="0">
-              <a:latin typeface="Consolas" panose="020B0609020204030204" pitchFamily="49" charset="0"/>
-            </a:endParaRPr>
-          </a:p>
-          <a:p>
-            <a:pPr>
-              <a:buFont typeface="Arial" panose="020B0604020202020204" pitchFamily="34" charset="0"/>
-              <a:buChar char="•"/>
-            </a:pPr>
-            <a:endParaRPr lang="de-DE" sz="2000" dirty="0"/>
-          </a:p>
-          <a:p>
-            <a:pPr>
-              <a:buFont typeface="Arial" panose="020B0604020202020204" pitchFamily="34" charset="0"/>
-              <a:buChar char="•"/>
-            </a:pPr>
-            <a:r>
-              <a:rPr lang="de-DE" sz="2000" dirty="0"/>
-              <a:t>CI Job Token</a:t>
-            </a:r>
-          </a:p>
-          <a:p>
-            <a:pPr lvl="1">
-              <a:buFont typeface="Arial" panose="020B0604020202020204" pitchFamily="34" charset="0"/>
-              <a:buChar char="•"/>
-            </a:pPr>
-            <a:r>
-              <a:rPr lang="de-DE" sz="1800" dirty="0">
-                <a:latin typeface="Consolas" panose="020B0609020204030204" pitchFamily="49" charset="0"/>
-              </a:rPr>
-              <a:t>echo "$CI_JOB_TOKEN" | </a:t>
-            </a:r>
-            <a:r>
-              <a:rPr lang="de-DE" sz="1800" dirty="0" err="1">
-                <a:latin typeface="Consolas" panose="020B0609020204030204" pitchFamily="49" charset="0"/>
-              </a:rPr>
-              <a:t>docker</a:t>
-            </a:r>
-            <a:r>
-              <a:rPr lang="de-DE" sz="1800" dirty="0">
-                <a:latin typeface="Consolas" panose="020B0609020204030204" pitchFamily="49" charset="0"/>
-              </a:rPr>
-              <a:t> </a:t>
-            </a:r>
-            <a:r>
-              <a:rPr lang="de-DE" sz="1800" dirty="0" err="1">
-                <a:latin typeface="Consolas" panose="020B0609020204030204" pitchFamily="49" charset="0"/>
-              </a:rPr>
-              <a:t>login</a:t>
-            </a:r>
-            <a:r>
-              <a:rPr lang="de-DE" sz="1800" dirty="0">
-                <a:latin typeface="Consolas" panose="020B0609020204030204" pitchFamily="49" charset="0"/>
-              </a:rPr>
-              <a:t> $CI_REGISTRY -u $CI_REGISTRY_USER --password-</a:t>
-            </a:r>
-            <a:r>
-              <a:rPr lang="de-DE" sz="1800" dirty="0" err="1">
-                <a:latin typeface="Consolas" panose="020B0609020204030204" pitchFamily="49" charset="0"/>
-              </a:rPr>
-              <a:t>stdin</a:t>
-            </a:r>
-            <a:endParaRPr lang="de-DE" sz="1800" dirty="0">
-              <a:latin typeface="Consolas" panose="020B0609020204030204" pitchFamily="49" charset="0"/>
-            </a:endParaRPr>
-          </a:p>
-          <a:p>
-            <a:pPr marL="914400" lvl="2" indent="0">
-              <a:buNone/>
-            </a:pPr>
-            <a:endParaRPr lang="en-US" sz="2000" dirty="0"/>
-          </a:p>
-          <a:p>
-            <a:pPr lvl="2">
-              <a:buFont typeface="Arial" panose="020B0604020202020204" pitchFamily="34" charset="0"/>
-              <a:buChar char="•"/>
-            </a:pPr>
-            <a:endParaRPr lang="de-DE" sz="2000" dirty="0"/>
-          </a:p>
-          <a:p>
-            <a:pPr lvl="1">
-              <a:buFont typeface="Arial" panose="020B0604020202020204" pitchFamily="34" charset="0"/>
-              <a:buChar char="•"/>
-            </a:pPr>
-            <a:endParaRPr lang="de-DE" sz="1600" dirty="0"/>
-          </a:p>
-          <a:p>
-            <a:pPr lvl="1">
-              <a:buFont typeface="Arial" panose="020B0604020202020204" pitchFamily="34" charset="0"/>
-              <a:buChar char="•"/>
-            </a:pPr>
-            <a:endParaRPr lang="de-DE" dirty="0"/>
-          </a:p>
-        </p:txBody>
-      </p:sp>
-    </p:spTree>
-    <p:extLst>
-      <p:ext uri="{BB962C8B-B14F-4D97-AF65-F5344CB8AC3E}">
-        <p14:creationId xmlns:p14="http://schemas.microsoft.com/office/powerpoint/2010/main" val="1650913132"/>
-      </p:ext>
-    </p:extLst>
-  </p:cSld>
-  <p:clrMapOvr>
-    <a:masterClrMapping/>
-  </p:clrMapOvr>
-</p:sld>
-</file>
-
-<file path=ppt/slides/slide25.xml><?xml version="1.0" encoding="utf-8"?>
-<p:sld xmlns:a="http://schemas.openxmlformats.org/drawingml/2006/main" xmlns:r="http://schemas.openxmlformats.org/officeDocument/2006/relationships" xmlns:p="http://schemas.openxmlformats.org/presentationml/2006/main" show="0">
-  <p:cSld>
-    <p:spTree>
-      <p:nvGrpSpPr>
-        <p:cNvPr id="1" name=""/>
-        <p:cNvGrpSpPr/>
-        <p:nvPr/>
-      </p:nvGrpSpPr>
-      <p:grpSpPr>
-        <a:xfrm>
-          <a:off x="0" y="0"/>
-          <a:ext cx="0" cy="0"/>
-          <a:chOff x="0" y="0"/>
-          <a:chExt cx="0" cy="0"/>
-        </a:xfrm>
-      </p:grpSpPr>
-      <p:sp>
-        <p:nvSpPr>
-          <p:cNvPr id="2" name="Titel 1">
-            <a:extLst>
-              <a:ext uri="{FF2B5EF4-FFF2-40B4-BE49-F238E27FC236}">
-                <a16:creationId xmlns:a16="http://schemas.microsoft.com/office/drawing/2014/main" id="{184AFD09-5210-6F86-C2FD-BBC016D382A6}"/>
-              </a:ext>
-            </a:extLst>
-          </p:cNvPr>
-          <p:cNvSpPr>
-            <a:spLocks noGrp="1"/>
-          </p:cNvSpPr>
-          <p:nvPr>
-            <p:ph type="title"/>
-          </p:nvPr>
-        </p:nvSpPr>
-        <p:spPr/>
-        <p:txBody>
-          <a:bodyPr/>
-          <a:lstStyle/>
-          <a:p>
-            <a:r>
-              <a:rPr lang="de-DE" cap="none" dirty="0"/>
-              <a:t>Release- und </a:t>
-            </a:r>
-            <a:r>
-              <a:rPr lang="de-DE" cap="none" dirty="0" err="1"/>
-              <a:t>Tagged</a:t>
-            </a:r>
-            <a:r>
-              <a:rPr lang="de-DE" cap="none" dirty="0"/>
-              <a:t>-Images</a:t>
-            </a:r>
-            <a:endParaRPr lang="de-DE" dirty="0"/>
-          </a:p>
-        </p:txBody>
-      </p:sp>
-      <p:sp>
-        <p:nvSpPr>
-          <p:cNvPr id="6" name="Inhaltsplatzhalter 5">
-            <a:extLst>
-              <a:ext uri="{FF2B5EF4-FFF2-40B4-BE49-F238E27FC236}">
-                <a16:creationId xmlns:a16="http://schemas.microsoft.com/office/drawing/2014/main" id="{D2412707-84D3-F572-4709-FD9A95F28E5B}"/>
-              </a:ext>
-            </a:extLst>
-          </p:cNvPr>
-          <p:cNvSpPr>
-            <a:spLocks noGrp="1"/>
-          </p:cNvSpPr>
-          <p:nvPr>
-            <p:ph idx="1"/>
-          </p:nvPr>
-        </p:nvSpPr>
-        <p:spPr/>
-        <p:txBody>
-          <a:bodyPr/>
-          <a:lstStyle/>
-          <a:p>
-            <a:pPr marL="0" indent="0">
-              <a:buNone/>
-            </a:pPr>
-            <a:r>
-              <a:rPr lang="de-DE" b="1" dirty="0"/>
-              <a:t>Authentifizierung innerhalb CI/CD Pipelines</a:t>
-            </a:r>
-          </a:p>
-          <a:p>
-            <a:pPr marL="0" indent="0">
-              <a:buNone/>
-            </a:pPr>
-            <a:endParaRPr lang="de-DE" dirty="0"/>
-          </a:p>
-          <a:p>
-            <a:pPr>
-              <a:buFont typeface="Arial" panose="020B0604020202020204" pitchFamily="34" charset="0"/>
-              <a:buChar char="•"/>
-            </a:pPr>
-            <a:r>
-              <a:rPr lang="de-DE" sz="2000" dirty="0" err="1"/>
-              <a:t>read</a:t>
-            </a:r>
-            <a:r>
-              <a:rPr lang="de-DE" sz="2000" dirty="0"/>
-              <a:t> (pull) </a:t>
-            </a:r>
-            <a:r>
-              <a:rPr lang="de-DE" sz="2000" dirty="0" err="1"/>
-              <a:t>access</a:t>
-            </a:r>
-            <a:r>
-              <a:rPr lang="de-DE" sz="2000" dirty="0"/>
-              <a:t> </a:t>
-            </a:r>
-            <a:r>
-              <a:rPr lang="de-DE" sz="2000" dirty="0">
-                <a:sym typeface="Wingdings" panose="05000000000000000000" pitchFamily="2" charset="2"/>
-              </a:rPr>
-              <a:t> </a:t>
-            </a:r>
-            <a:r>
-              <a:rPr lang="de-DE" sz="2000" dirty="0" err="1">
-                <a:sym typeface="Wingdings" panose="05000000000000000000" pitchFamily="2" charset="2"/>
-              </a:rPr>
-              <a:t>read_registry</a:t>
-            </a:r>
-            <a:endParaRPr lang="de-DE" sz="2000" dirty="0">
-              <a:sym typeface="Wingdings" panose="05000000000000000000" pitchFamily="2" charset="2"/>
-            </a:endParaRPr>
-          </a:p>
-          <a:p>
-            <a:pPr>
-              <a:buFont typeface="Arial" panose="020B0604020202020204" pitchFamily="34" charset="0"/>
-              <a:buChar char="•"/>
-            </a:pPr>
-            <a:r>
-              <a:rPr lang="de-DE" sz="2000" dirty="0" err="1">
-                <a:sym typeface="Wingdings" panose="05000000000000000000" pitchFamily="2" charset="2"/>
-              </a:rPr>
-              <a:t>write</a:t>
-            </a:r>
-            <a:r>
-              <a:rPr lang="de-DE" sz="2000" dirty="0">
-                <a:sym typeface="Wingdings" panose="05000000000000000000" pitchFamily="2" charset="2"/>
-              </a:rPr>
-              <a:t> (push) </a:t>
-            </a:r>
-            <a:r>
-              <a:rPr lang="de-DE" sz="2000" dirty="0" err="1">
-                <a:sym typeface="Wingdings" panose="05000000000000000000" pitchFamily="2" charset="2"/>
-              </a:rPr>
-              <a:t>access</a:t>
-            </a:r>
-            <a:r>
-              <a:rPr lang="de-DE" sz="2000" dirty="0">
-                <a:sym typeface="Wingdings" panose="05000000000000000000" pitchFamily="2" charset="2"/>
-              </a:rPr>
-              <a:t>  </a:t>
-            </a:r>
-            <a:r>
-              <a:rPr lang="de-DE" sz="2000" dirty="0" err="1">
-                <a:sym typeface="Wingdings" panose="05000000000000000000" pitchFamily="2" charset="2"/>
-              </a:rPr>
-              <a:t>read_registry</a:t>
-            </a:r>
-            <a:r>
-              <a:rPr lang="de-DE" sz="2000" dirty="0">
-                <a:sym typeface="Wingdings" panose="05000000000000000000" pitchFamily="2" charset="2"/>
-              </a:rPr>
-              <a:t> &amp; </a:t>
-            </a:r>
-            <a:r>
-              <a:rPr lang="de-DE" sz="2000" dirty="0" err="1">
-                <a:sym typeface="Wingdings" panose="05000000000000000000" pitchFamily="2" charset="2"/>
-              </a:rPr>
-              <a:t>write_registry</a:t>
-            </a:r>
-            <a:endParaRPr lang="de-DE" sz="2000" dirty="0">
-              <a:sym typeface="Wingdings" panose="05000000000000000000" pitchFamily="2" charset="2"/>
-            </a:endParaRPr>
-          </a:p>
-          <a:p>
-            <a:pPr>
-              <a:buFont typeface="Arial" panose="020B0604020202020204" pitchFamily="34" charset="0"/>
-              <a:buChar char="•"/>
-            </a:pPr>
-            <a:endParaRPr lang="de-DE" sz="1800" dirty="0"/>
-          </a:p>
-          <a:p>
-            <a:pPr>
-              <a:buFont typeface="Arial" panose="020B0604020202020204" pitchFamily="34" charset="0"/>
-              <a:buChar char="•"/>
-            </a:pPr>
-            <a:r>
-              <a:rPr lang="de-DE" sz="2000" dirty="0"/>
-              <a:t>Deploy Token</a:t>
-            </a:r>
-          </a:p>
-          <a:p>
-            <a:pPr lvl="1">
-              <a:buFont typeface="Arial" panose="020B0604020202020204" pitchFamily="34" charset="0"/>
-              <a:buChar char="•"/>
-            </a:pPr>
-            <a:r>
-              <a:rPr lang="de-DE" sz="1800" dirty="0">
-                <a:latin typeface="Consolas" panose="020B0609020204030204" pitchFamily="49" charset="0"/>
-              </a:rPr>
-              <a:t>echo "$CI_DEPLOY_PASSWORD" | </a:t>
-            </a:r>
-            <a:r>
-              <a:rPr lang="de-DE" sz="1800" dirty="0" err="1">
-                <a:latin typeface="Consolas" panose="020B0609020204030204" pitchFamily="49" charset="0"/>
-              </a:rPr>
-              <a:t>docker</a:t>
-            </a:r>
-            <a:r>
-              <a:rPr lang="de-DE" sz="1800" dirty="0">
-                <a:latin typeface="Consolas" panose="020B0609020204030204" pitchFamily="49" charset="0"/>
-              </a:rPr>
-              <a:t> </a:t>
-            </a:r>
-            <a:r>
-              <a:rPr lang="de-DE" sz="1800" dirty="0" err="1">
-                <a:latin typeface="Consolas" panose="020B0609020204030204" pitchFamily="49" charset="0"/>
-              </a:rPr>
-              <a:t>login</a:t>
-            </a:r>
-            <a:r>
-              <a:rPr lang="de-DE" sz="1800" dirty="0">
-                <a:latin typeface="Consolas" panose="020B0609020204030204" pitchFamily="49" charset="0"/>
-              </a:rPr>
-              <a:t> $CI_REGISTRY -u $CI_DEPLOY_USER --password-</a:t>
-            </a:r>
-            <a:r>
-              <a:rPr lang="de-DE" sz="1800" dirty="0" err="1">
-                <a:latin typeface="Consolas" panose="020B0609020204030204" pitchFamily="49" charset="0"/>
-              </a:rPr>
-              <a:t>stdin</a:t>
-            </a:r>
-            <a:endParaRPr lang="de-DE" sz="1800" dirty="0">
-              <a:latin typeface="Consolas" panose="020B0609020204030204" pitchFamily="49" charset="0"/>
-            </a:endParaRPr>
-          </a:p>
-          <a:p>
-            <a:pPr lvl="1">
-              <a:buFont typeface="Arial" panose="020B0604020202020204" pitchFamily="34" charset="0"/>
-              <a:buChar char="•"/>
-            </a:pPr>
-            <a:endParaRPr lang="de-DE" sz="1800" dirty="0">
-              <a:latin typeface="Consolas" panose="020B0609020204030204" pitchFamily="49" charset="0"/>
-            </a:endParaRPr>
-          </a:p>
-          <a:p>
-            <a:pPr>
-              <a:buFont typeface="Arial" panose="020B0604020202020204" pitchFamily="34" charset="0"/>
-              <a:buChar char="•"/>
-            </a:pPr>
-            <a:r>
-              <a:rPr lang="de-DE" sz="2000" dirty="0"/>
-              <a:t>Personal Access Token</a:t>
-            </a:r>
-          </a:p>
-          <a:p>
-            <a:pPr lvl="1">
-              <a:buFont typeface="Arial" panose="020B0604020202020204" pitchFamily="34" charset="0"/>
-              <a:buChar char="•"/>
-            </a:pPr>
-            <a:r>
-              <a:rPr lang="en-US" sz="1800" dirty="0">
-                <a:latin typeface="Consolas" panose="020B0609020204030204" pitchFamily="49" charset="0"/>
-              </a:rPr>
-              <a:t>echo "&lt;</a:t>
-            </a:r>
-            <a:r>
-              <a:rPr lang="en-US" sz="1800" dirty="0" err="1">
-                <a:latin typeface="Consolas" panose="020B0609020204030204" pitchFamily="49" charset="0"/>
-              </a:rPr>
-              <a:t>access_token</a:t>
-            </a:r>
-            <a:r>
-              <a:rPr lang="en-US" sz="1800" dirty="0">
-                <a:latin typeface="Consolas" panose="020B0609020204030204" pitchFamily="49" charset="0"/>
-              </a:rPr>
-              <a:t>&gt;" | docker login $CI_REGISTRY -u &lt;username&gt; --password-stdin</a:t>
-            </a:r>
-          </a:p>
-          <a:p>
-            <a:pPr lvl="2">
-              <a:buFont typeface="Arial" panose="020B0604020202020204" pitchFamily="34" charset="0"/>
-              <a:buChar char="•"/>
-            </a:pPr>
-            <a:endParaRPr lang="en-US" sz="2000" dirty="0"/>
-          </a:p>
-          <a:p>
-            <a:pPr lvl="2">
-              <a:buFont typeface="Arial" panose="020B0604020202020204" pitchFamily="34" charset="0"/>
-              <a:buChar char="•"/>
-            </a:pPr>
-            <a:endParaRPr lang="de-DE" sz="2000" dirty="0"/>
-          </a:p>
-          <a:p>
-            <a:pPr lvl="1">
-              <a:buFont typeface="Arial" panose="020B0604020202020204" pitchFamily="34" charset="0"/>
-              <a:buChar char="•"/>
-            </a:pPr>
-            <a:endParaRPr lang="de-DE" sz="1600" dirty="0"/>
-          </a:p>
-          <a:p>
-            <a:pPr lvl="1">
-              <a:buFont typeface="Arial" panose="020B0604020202020204" pitchFamily="34" charset="0"/>
-              <a:buChar char="•"/>
-            </a:pPr>
-            <a:endParaRPr lang="de-DE" dirty="0"/>
-          </a:p>
-        </p:txBody>
-      </p:sp>
-    </p:spTree>
-    <p:extLst>
-      <p:ext uri="{BB962C8B-B14F-4D97-AF65-F5344CB8AC3E}">
-        <p14:creationId xmlns:p14="http://schemas.microsoft.com/office/powerpoint/2010/main" val="326092437"/>
-      </p:ext>
-    </p:extLst>
-  </p:cSld>
-  <p:clrMapOvr>
-    <a:masterClrMapping/>
-  </p:clrMapOvr>
-</p:sld>
-</file>
-
-<file path=ppt/slides/slide26.xml><?xml version="1.0" encoding="utf-8"?>
-<p:sld xmlns:a="http://schemas.openxmlformats.org/drawingml/2006/main" xmlns:r="http://schemas.openxmlformats.org/officeDocument/2006/relationships" xmlns:p="http://schemas.openxmlformats.org/presentationml/2006/main">
-  <p:cSld>
-    <p:spTree>
-      <p:nvGrpSpPr>
-        <p:cNvPr id="1" name=""/>
-        <p:cNvGrpSpPr/>
-        <p:nvPr/>
-      </p:nvGrpSpPr>
-      <p:grpSpPr>
-        <a:xfrm>
-          <a:off x="0" y="0"/>
-          <a:ext cx="0" cy="0"/>
-          <a:chOff x="0" y="0"/>
-          <a:chExt cx="0" cy="0"/>
-        </a:xfrm>
-      </p:grpSpPr>
-      <p:sp>
-        <p:nvSpPr>
-          <p:cNvPr id="2" name="Titel 1">
-            <a:extLst>
-              <a:ext uri="{FF2B5EF4-FFF2-40B4-BE49-F238E27FC236}">
-                <a16:creationId xmlns:a16="http://schemas.microsoft.com/office/drawing/2014/main" id="{184AFD09-5210-6F86-C2FD-BBC016D382A6}"/>
-              </a:ext>
-            </a:extLst>
-          </p:cNvPr>
-          <p:cNvSpPr>
-            <a:spLocks noGrp="1"/>
-          </p:cNvSpPr>
-          <p:nvPr>
-            <p:ph type="title"/>
-          </p:nvPr>
-        </p:nvSpPr>
-        <p:spPr/>
-        <p:txBody>
-          <a:bodyPr/>
-          <a:lstStyle/>
-          <a:p>
-            <a:r>
-              <a:rPr lang="de-DE" cap="none" dirty="0"/>
-              <a:t>Release- und </a:t>
-            </a:r>
-            <a:r>
-              <a:rPr lang="de-DE" cap="none" dirty="0" err="1"/>
-              <a:t>Tagged</a:t>
-            </a:r>
-            <a:r>
-              <a:rPr lang="de-DE" cap="none" dirty="0"/>
-              <a:t>-Images</a:t>
-            </a:r>
-            <a:endParaRPr lang="de-DE" dirty="0"/>
-          </a:p>
-        </p:txBody>
-      </p:sp>
-      <p:sp>
-        <p:nvSpPr>
-          <p:cNvPr id="6" name="Inhaltsplatzhalter 5">
-            <a:extLst>
-              <a:ext uri="{FF2B5EF4-FFF2-40B4-BE49-F238E27FC236}">
-                <a16:creationId xmlns:a16="http://schemas.microsoft.com/office/drawing/2014/main" id="{D2412707-84D3-F572-4709-FD9A95F28E5B}"/>
-              </a:ext>
-            </a:extLst>
-          </p:cNvPr>
-          <p:cNvSpPr>
-            <a:spLocks noGrp="1"/>
-          </p:cNvSpPr>
-          <p:nvPr>
-            <p:ph idx="1"/>
-          </p:nvPr>
-        </p:nvSpPr>
-        <p:spPr/>
-        <p:txBody>
-          <a:bodyPr/>
-          <a:lstStyle/>
-          <a:p>
-            <a:pPr marL="0" indent="0">
-              <a:buNone/>
-            </a:pPr>
-            <a:r>
-              <a:rPr lang="de-DE" b="1" dirty="0"/>
               <a:t>Images bauen und pushen</a:t>
             </a:r>
           </a:p>
@@ -10088,7 +9364,7 @@
 </p:sld>
 </file>
 
-<file path=ppt/slides/slide27.xml><?xml version="1.0" encoding="utf-8"?>
+<file path=ppt/slides/slide25.xml><?xml version="1.0" encoding="utf-8"?>
 <p:sld xmlns:a="http://schemas.openxmlformats.org/drawingml/2006/main" xmlns:r="http://schemas.openxmlformats.org/officeDocument/2006/relationships" xmlns:p="http://schemas.openxmlformats.org/presentationml/2006/main">
   <p:cSld>
     <p:spTree>
@@ -10407,7 +9683,7 @@
 </p:sld>
 </file>
 
-<file path=ppt/slides/slide28.xml><?xml version="1.0" encoding="utf-8"?>
+<file path=ppt/slides/slide26.xml><?xml version="1.0" encoding="utf-8"?>
 <p:sld xmlns:a="http://schemas.openxmlformats.org/drawingml/2006/main" xmlns:r="http://schemas.openxmlformats.org/officeDocument/2006/relationships" xmlns:p="http://schemas.openxmlformats.org/presentationml/2006/main">
   <p:cSld>
     <p:spTree>
@@ -10772,7 +10048,7 @@
 </p:sld>
 </file>
 
-<file path=ppt/slides/slide29.xml><?xml version="1.0" encoding="utf-8"?>
+<file path=ppt/slides/slide27.xml><?xml version="1.0" encoding="utf-8"?>
 <p:sld xmlns:a="http://schemas.openxmlformats.org/drawingml/2006/main" xmlns:r="http://schemas.openxmlformats.org/officeDocument/2006/relationships" xmlns:p="http://schemas.openxmlformats.org/presentationml/2006/main">
   <p:cSld>
     <p:spTree>
@@ -11567,413 +10843,7 @@
 </p:sld>
 </file>
 
-<file path=ppt/slides/slide3.xml><?xml version="1.0" encoding="utf-8"?>
-<p:sld xmlns:a="http://schemas.openxmlformats.org/drawingml/2006/main" xmlns:r="http://schemas.openxmlformats.org/officeDocument/2006/relationships" xmlns:p="http://schemas.openxmlformats.org/presentationml/2006/main">
-  <p:cSld>
-    <p:spTree>
-      <p:nvGrpSpPr>
-        <p:cNvPr id="1" name=""/>
-        <p:cNvGrpSpPr/>
-        <p:nvPr/>
-      </p:nvGrpSpPr>
-      <p:grpSpPr>
-        <a:xfrm>
-          <a:off x="0" y="0"/>
-          <a:ext cx="0" cy="0"/>
-          <a:chOff x="0" y="0"/>
-          <a:chExt cx="0" cy="0"/>
-        </a:xfrm>
-      </p:grpSpPr>
-      <p:sp>
-        <p:nvSpPr>
-          <p:cNvPr id="6146" name="Inhaltsplatzhalter 18">
-            <a:extLst>
-              <a:ext uri="{FF2B5EF4-FFF2-40B4-BE49-F238E27FC236}">
-                <a16:creationId xmlns:a16="http://schemas.microsoft.com/office/drawing/2014/main" id="{BE3C4C95-FD5D-27F0-ED0C-AB8113CAC9F1}"/>
-              </a:ext>
-            </a:extLst>
-          </p:cNvPr>
-          <p:cNvSpPr>
-            <a:spLocks noGrp="1"/>
-          </p:cNvSpPr>
-          <p:nvPr>
-            <p:ph idx="1"/>
-          </p:nvPr>
-        </p:nvSpPr>
-        <p:spPr/>
-        <p:txBody>
-          <a:bodyPr/>
-          <a:lstStyle/>
-          <a:p>
-            <a:pPr>
-              <a:buFont typeface="Arial" panose="020B0604020202020204" pitchFamily="34" charset="0"/>
-              <a:buChar char="•"/>
-            </a:pPr>
-            <a:r>
-              <a:rPr lang="de-DE" altLang="de-DE" sz="1800" b="1" dirty="0"/>
-              <a:t>Tag 1 – Einführung in </a:t>
-            </a:r>
-            <a:r>
-              <a:rPr lang="de-DE" altLang="de-DE" sz="1800" b="1" dirty="0" err="1"/>
-              <a:t>Git</a:t>
-            </a:r>
-            <a:r>
-              <a:rPr lang="de-DE" altLang="de-DE" sz="1800" b="1" dirty="0"/>
-              <a:t> und </a:t>
-            </a:r>
-            <a:r>
-              <a:rPr lang="de-DE" altLang="de-DE" sz="1800" b="1" dirty="0" err="1"/>
-              <a:t>GitLab</a:t>
-            </a:r>
-            <a:endParaRPr lang="de-DE" altLang="de-DE" sz="1800" b="1" dirty="0"/>
-          </a:p>
-          <a:p>
-            <a:pPr lvl="1">
-              <a:buFont typeface="Arial" panose="020B0604020202020204" pitchFamily="34" charset="0"/>
-              <a:buChar char="•"/>
-            </a:pPr>
-            <a:r>
-              <a:rPr lang="de-DE" altLang="de-DE" sz="1400" dirty="0"/>
-              <a:t>Einführung &amp; Kursüberblick</a:t>
-            </a:r>
-          </a:p>
-          <a:p>
-            <a:pPr lvl="1">
-              <a:buFont typeface="Arial" panose="020B0604020202020204" pitchFamily="34" charset="0"/>
-              <a:buChar char="•"/>
-            </a:pPr>
-            <a:r>
-              <a:rPr lang="de-DE" altLang="de-DE" sz="1400" dirty="0"/>
-              <a:t>Grundlagen von </a:t>
-            </a:r>
-            <a:r>
-              <a:rPr lang="de-DE" altLang="de-DE" sz="1400" dirty="0" err="1"/>
-              <a:t>Git</a:t>
-            </a:r>
-            <a:endParaRPr lang="de-DE" altLang="de-DE" sz="1400" dirty="0"/>
-          </a:p>
-          <a:p>
-            <a:pPr lvl="1">
-              <a:buFont typeface="Arial" panose="020B0604020202020204" pitchFamily="34" charset="0"/>
-              <a:buChar char="•"/>
-            </a:pPr>
-            <a:r>
-              <a:rPr lang="de-DE" altLang="de-DE" sz="1400" dirty="0" err="1"/>
-              <a:t>Git</a:t>
-            </a:r>
-            <a:r>
-              <a:rPr lang="de-DE" altLang="de-DE" sz="1400" dirty="0"/>
-              <a:t> </a:t>
-            </a:r>
-            <a:r>
-              <a:rPr lang="de-DE" altLang="de-DE" sz="1400" dirty="0" err="1"/>
-              <a:t>Rebase</a:t>
-            </a:r>
-            <a:r>
-              <a:rPr lang="de-DE" altLang="de-DE" sz="1400" dirty="0"/>
-              <a:t> und </a:t>
-            </a:r>
-            <a:r>
-              <a:rPr lang="de-DE" altLang="de-DE" sz="1400" dirty="0" err="1"/>
-              <a:t>Merge</a:t>
-            </a:r>
-            <a:r>
-              <a:rPr lang="de-DE" altLang="de-DE" sz="1400" dirty="0"/>
-              <a:t>-Strategien</a:t>
-            </a:r>
-          </a:p>
-          <a:p>
-            <a:pPr lvl="1">
-              <a:buFont typeface="Arial" panose="020B0604020202020204" pitchFamily="34" charset="0"/>
-              <a:buChar char="•"/>
-            </a:pPr>
-            <a:r>
-              <a:rPr lang="de-DE" altLang="de-DE" sz="1400" dirty="0" err="1"/>
-              <a:t>Git</a:t>
-            </a:r>
-            <a:r>
-              <a:rPr lang="de-DE" altLang="de-DE" sz="1400" dirty="0"/>
-              <a:t> Remote</a:t>
-            </a:r>
-          </a:p>
-          <a:p>
-            <a:pPr lvl="1">
-              <a:buFont typeface="Arial" panose="020B0604020202020204" pitchFamily="34" charset="0"/>
-              <a:buChar char="•"/>
-            </a:pPr>
-            <a:r>
-              <a:rPr lang="de-DE" altLang="de-DE" sz="1400" dirty="0"/>
-              <a:t>Grundlagen von </a:t>
-            </a:r>
-            <a:r>
-              <a:rPr lang="de-DE" altLang="de-DE" sz="1400" dirty="0" err="1"/>
-              <a:t>GitLab</a:t>
-            </a:r>
-            <a:endParaRPr lang="de-DE" altLang="de-DE" sz="1400" dirty="0"/>
-          </a:p>
-          <a:p>
-            <a:pPr>
-              <a:buFont typeface="Arial" panose="020B0604020202020204" pitchFamily="34" charset="0"/>
-              <a:buChar char="•"/>
-            </a:pPr>
-            <a:r>
-              <a:rPr lang="de-DE" altLang="de-DE" sz="1800" b="1" dirty="0"/>
-              <a:t>Tag 2 – </a:t>
-            </a:r>
-            <a:r>
-              <a:rPr lang="de-DE" altLang="de-DE" sz="1800" b="1" dirty="0" err="1"/>
-              <a:t>Git</a:t>
-            </a:r>
-            <a:r>
-              <a:rPr lang="de-DE" altLang="de-DE" sz="1800" b="1" dirty="0"/>
-              <a:t>-Workflows, CI/CD, </a:t>
-            </a:r>
-            <a:r>
-              <a:rPr lang="de-DE" altLang="de-DE" sz="1800" b="1" dirty="0" err="1"/>
-              <a:t>GitLab</a:t>
-            </a:r>
-            <a:r>
-              <a:rPr lang="de-DE" altLang="de-DE" sz="1800" b="1" dirty="0"/>
-              <a:t> CI </a:t>
-            </a:r>
-          </a:p>
-          <a:p>
-            <a:pPr lvl="1">
-              <a:buFont typeface="Arial" panose="020B0604020202020204" pitchFamily="34" charset="0"/>
-              <a:buChar char="•"/>
-            </a:pPr>
-            <a:r>
-              <a:rPr lang="de-DE" altLang="de-DE" sz="1400" dirty="0" err="1"/>
-              <a:t>Git</a:t>
-            </a:r>
-            <a:r>
-              <a:rPr lang="de-DE" altLang="de-DE" sz="1400" dirty="0"/>
-              <a:t>-Workflow im Team</a:t>
-            </a:r>
-          </a:p>
-          <a:p>
-            <a:pPr lvl="1">
-              <a:buFont typeface="Arial" panose="020B0604020202020204" pitchFamily="34" charset="0"/>
-              <a:buChar char="•"/>
-            </a:pPr>
-            <a:r>
-              <a:rPr lang="de-DE" altLang="de-DE" sz="1400" dirty="0" err="1"/>
-              <a:t>Gitflow</a:t>
-            </a:r>
-            <a:r>
-              <a:rPr lang="de-DE" altLang="de-DE" sz="1400" dirty="0"/>
-              <a:t>-Workflow</a:t>
-            </a:r>
-          </a:p>
-          <a:p>
-            <a:pPr lvl="1">
-              <a:buFont typeface="Arial" panose="020B0604020202020204" pitchFamily="34" charset="0"/>
-              <a:buChar char="•"/>
-            </a:pPr>
-            <a:r>
-              <a:rPr lang="de-DE" altLang="de-DE" sz="1400" dirty="0"/>
-              <a:t>Tags, Releases &amp; deren Verwaltung</a:t>
-            </a:r>
-          </a:p>
-          <a:p>
-            <a:pPr lvl="1">
-              <a:buFont typeface="Arial" panose="020B0604020202020204" pitchFamily="34" charset="0"/>
-              <a:buChar char="•"/>
-            </a:pPr>
-            <a:r>
-              <a:rPr lang="de-DE" altLang="de-DE" sz="1400" dirty="0"/>
-              <a:t>Einführung in </a:t>
-            </a:r>
-            <a:r>
-              <a:rPr lang="de-DE" altLang="de-DE" sz="1400" dirty="0" err="1"/>
-              <a:t>GitLab</a:t>
-            </a:r>
-            <a:r>
-              <a:rPr lang="de-DE" altLang="de-DE" sz="1400" dirty="0"/>
-              <a:t> CI/CD &amp; </a:t>
-            </a:r>
-            <a:r>
-              <a:rPr lang="de-DE" altLang="de-DE" sz="1400" dirty="0" err="1"/>
-              <a:t>gitlab-ci.yml</a:t>
-            </a:r>
-            <a:endParaRPr lang="de-DE" altLang="de-DE" sz="1400" dirty="0"/>
-          </a:p>
-          <a:p>
-            <a:pPr lvl="1">
-              <a:buFont typeface="Arial" panose="020B0604020202020204" pitchFamily="34" charset="0"/>
-              <a:buChar char="•"/>
-            </a:pPr>
-            <a:r>
-              <a:rPr lang="de-DE" altLang="de-DE" sz="1400" dirty="0" err="1"/>
-              <a:t>GitLab</a:t>
-            </a:r>
-            <a:r>
-              <a:rPr lang="de-DE" altLang="de-DE" sz="1400" dirty="0"/>
-              <a:t> Runner</a:t>
-            </a:r>
-          </a:p>
-          <a:p>
-            <a:pPr>
-              <a:buFont typeface="Arial" panose="020B0604020202020204" pitchFamily="34" charset="0"/>
-              <a:buChar char="•"/>
-            </a:pPr>
-            <a:r>
-              <a:rPr lang="de-DE" altLang="de-DE" sz="1800" b="1" dirty="0"/>
-              <a:t>Tag 3 – Docker, </a:t>
-            </a:r>
-            <a:r>
-              <a:rPr lang="de-DE" altLang="de-DE" sz="1800" b="1" dirty="0" err="1"/>
-              <a:t>GitOps</a:t>
-            </a:r>
-            <a:r>
-              <a:rPr lang="de-DE" altLang="de-DE" sz="1800" b="1" dirty="0"/>
-              <a:t>, </a:t>
-            </a:r>
-            <a:r>
-              <a:rPr lang="de-DE" altLang="de-DE" sz="1800" b="1" dirty="0" err="1"/>
-              <a:t>Deployment</a:t>
-            </a:r>
-            <a:r>
-              <a:rPr lang="de-DE" altLang="de-DE" sz="1800" b="1" dirty="0"/>
-              <a:t>-Strategien</a:t>
-            </a:r>
-          </a:p>
-          <a:p>
-            <a:pPr lvl="1">
-              <a:buFont typeface="Arial" panose="020B0604020202020204" pitchFamily="34" charset="0"/>
-              <a:buChar char="•"/>
-            </a:pPr>
-            <a:r>
-              <a:rPr lang="de-DE" altLang="de-DE" sz="1400" dirty="0"/>
-              <a:t>Entwicklung mit Docker</a:t>
-            </a:r>
-          </a:p>
-          <a:p>
-            <a:pPr lvl="1">
-              <a:buFont typeface="Arial" panose="020B0604020202020204" pitchFamily="34" charset="0"/>
-              <a:buChar char="•"/>
-            </a:pPr>
-            <a:r>
-              <a:rPr lang="de-DE" altLang="de-DE" sz="1400" dirty="0"/>
-              <a:t>Container/Docker-Registry</a:t>
-            </a:r>
-          </a:p>
-          <a:p>
-            <a:pPr lvl="1">
-              <a:buFont typeface="Arial" panose="020B0604020202020204" pitchFamily="34" charset="0"/>
-              <a:buChar char="•"/>
-            </a:pPr>
-            <a:r>
-              <a:rPr lang="de-DE" altLang="de-DE" sz="1400" u="sng" dirty="0"/>
-              <a:t>Erstellen von Release- und </a:t>
-            </a:r>
-            <a:r>
-              <a:rPr lang="de-DE" altLang="de-DE" sz="1400" u="sng" dirty="0" err="1"/>
-              <a:t>Tagged</a:t>
-            </a:r>
-            <a:r>
-              <a:rPr lang="de-DE" altLang="de-DE" sz="1400" u="sng" dirty="0"/>
-              <a:t>-Images</a:t>
-            </a:r>
-          </a:p>
-          <a:p>
-            <a:pPr lvl="1">
-              <a:buFont typeface="Arial" panose="020B0604020202020204" pitchFamily="34" charset="0"/>
-              <a:buChar char="•"/>
-            </a:pPr>
-            <a:r>
-              <a:rPr lang="de-DE" altLang="de-DE" sz="1400" dirty="0" err="1"/>
-              <a:t>GitOps</a:t>
-            </a:r>
-            <a:r>
-              <a:rPr lang="de-DE" altLang="de-DE" sz="1400" dirty="0"/>
-              <a:t> Grundlagen</a:t>
-            </a:r>
-          </a:p>
-          <a:p>
-            <a:pPr lvl="1">
-              <a:buFont typeface="Arial" panose="020B0604020202020204" pitchFamily="34" charset="0"/>
-              <a:buChar char="•"/>
-            </a:pPr>
-            <a:r>
-              <a:rPr lang="de-DE" altLang="de-DE" sz="1400" dirty="0"/>
-              <a:t>Möglichkeiten des </a:t>
-            </a:r>
-            <a:r>
-              <a:rPr lang="de-DE" altLang="de-DE" sz="1400" dirty="0" err="1"/>
-              <a:t>Deployments</a:t>
-            </a:r>
-            <a:r>
-              <a:rPr lang="de-DE" altLang="de-DE" sz="1400" dirty="0"/>
-              <a:t> &amp; Verwaltung von Konfiguration</a:t>
-            </a:r>
-          </a:p>
-          <a:p>
-            <a:pPr lvl="1">
-              <a:buFont typeface="Arial" panose="020B0604020202020204" pitchFamily="34" charset="0"/>
-              <a:buChar char="•"/>
-            </a:pPr>
-            <a:r>
-              <a:rPr lang="de-DE" altLang="de-DE" sz="1400" dirty="0"/>
-              <a:t>Abschlussübung &amp; Diskussion</a:t>
-            </a:r>
-          </a:p>
-          <a:p>
-            <a:pPr lvl="1">
-              <a:buFont typeface="Arial" panose="020B0604020202020204" pitchFamily="34" charset="0"/>
-              <a:buChar char="•"/>
-            </a:pPr>
-            <a:endParaRPr lang="de-DE" altLang="de-DE" sz="1400" dirty="0"/>
-          </a:p>
-        </p:txBody>
-      </p:sp>
-      <p:sp>
-        <p:nvSpPr>
-          <p:cNvPr id="6147" name="Rectangle 1062">
-            <a:extLst>
-              <a:ext uri="{FF2B5EF4-FFF2-40B4-BE49-F238E27FC236}">
-                <a16:creationId xmlns:a16="http://schemas.microsoft.com/office/drawing/2014/main" id="{C46E9340-3256-8D55-A265-94F2F41E288E}"/>
-              </a:ext>
-            </a:extLst>
-          </p:cNvPr>
-          <p:cNvSpPr>
-            <a:spLocks noGrp="1" noChangeArrowheads="1"/>
-          </p:cNvSpPr>
-          <p:nvPr>
-            <p:ph type="title"/>
-          </p:nvPr>
-        </p:nvSpPr>
-        <p:spPr>
-          <a:xfrm>
-            <a:off x="285750" y="142875"/>
-            <a:ext cx="5654675" cy="706438"/>
-          </a:xfrm>
-        </p:spPr>
-        <p:txBody>
-          <a:bodyPr/>
-          <a:lstStyle/>
-          <a:p>
-            <a:r>
-              <a:rPr lang="de-DE" altLang="de-DE" dirty="0"/>
-              <a:t>Agenda</a:t>
-            </a:r>
-          </a:p>
-        </p:txBody>
-      </p:sp>
-    </p:spTree>
-    <p:extLst>
-      <p:ext uri="{BB962C8B-B14F-4D97-AF65-F5344CB8AC3E}">
-        <p14:creationId xmlns:p14="http://schemas.microsoft.com/office/powerpoint/2010/main" val="3157553577"/>
-      </p:ext>
-    </p:extLst>
-  </p:cSld>
-  <p:clrMapOvr>
-    <a:masterClrMapping/>
-  </p:clrMapOvr>
-</p:sld>
-</file>
-
-<file path=ppt/slides/slide30.xml><?xml version="1.0" encoding="utf-8"?>
+<file path=ppt/slides/slide28.xml><?xml version="1.0" encoding="utf-8"?>
 <p:sld xmlns:a="http://schemas.openxmlformats.org/drawingml/2006/main" xmlns:r="http://schemas.openxmlformats.org/officeDocument/2006/relationships" xmlns:p="http://schemas.openxmlformats.org/presentationml/2006/main">
   <p:cSld>
     <p:spTree>
@@ -12771,7 +11641,7 @@
 </p:sld>
 </file>
 
-<file path=ppt/slides/slide31.xml><?xml version="1.0" encoding="utf-8"?>
+<file path=ppt/slides/slide29.xml><?xml version="1.0" encoding="utf-8"?>
 <p:sld xmlns:a="http://schemas.openxmlformats.org/drawingml/2006/main" xmlns:r="http://schemas.openxmlformats.org/officeDocument/2006/relationships" xmlns:p="http://schemas.openxmlformats.org/presentationml/2006/main">
   <p:cSld>
     <p:spTree>
@@ -12969,7 +11839,140 @@
 </p:sld>
 </file>
 
-<file path=ppt/slides/slide32.xml><?xml version="1.0" encoding="utf-8"?>
+<file path=ppt/slides/slide3.xml><?xml version="1.0" encoding="utf-8"?>
+<p:sld xmlns:a="http://schemas.openxmlformats.org/drawingml/2006/main" xmlns:r="http://schemas.openxmlformats.org/officeDocument/2006/relationships" xmlns:p="http://schemas.openxmlformats.org/presentationml/2006/main">
+  <p:cSld>
+    <p:spTree>
+      <p:nvGrpSpPr>
+        <p:cNvPr id="1" name=""/>
+        <p:cNvGrpSpPr/>
+        <p:nvPr/>
+      </p:nvGrpSpPr>
+      <p:grpSpPr>
+        <a:xfrm>
+          <a:off x="0" y="0"/>
+          <a:ext cx="0" cy="0"/>
+          <a:chOff x="0" y="0"/>
+          <a:chExt cx="0" cy="0"/>
+        </a:xfrm>
+      </p:grpSpPr>
+      <p:sp>
+        <p:nvSpPr>
+          <p:cNvPr id="2" name="Titel 1">
+            <a:extLst>
+              <a:ext uri="{FF2B5EF4-FFF2-40B4-BE49-F238E27FC236}">
+                <a16:creationId xmlns:a16="http://schemas.microsoft.com/office/drawing/2014/main" id="{5874EA8E-7A71-3505-B01E-D0E8A26AAC59}"/>
+              </a:ext>
+            </a:extLst>
+          </p:cNvPr>
+          <p:cNvSpPr>
+            <a:spLocks noGrp="1"/>
+          </p:cNvSpPr>
+          <p:nvPr>
+            <p:ph type="title"/>
+          </p:nvPr>
+        </p:nvSpPr>
+        <p:spPr/>
+        <p:txBody>
+          <a:bodyPr/>
+          <a:lstStyle/>
+          <a:p>
+            <a:r>
+              <a:rPr lang="de-DE" cap="none" dirty="0"/>
+              <a:t>Release- und </a:t>
+            </a:r>
+            <a:r>
+              <a:rPr lang="de-DE" cap="none" dirty="0" err="1"/>
+              <a:t>Tagged</a:t>
+            </a:r>
+            <a:r>
+              <a:rPr lang="de-DE" cap="none" dirty="0"/>
+              <a:t>-Images</a:t>
+            </a:r>
+            <a:endParaRPr lang="de-DE" dirty="0"/>
+          </a:p>
+        </p:txBody>
+      </p:sp>
+      <p:sp>
+        <p:nvSpPr>
+          <p:cNvPr id="3" name="Inhaltsplatzhalter 2">
+            <a:extLst>
+              <a:ext uri="{FF2B5EF4-FFF2-40B4-BE49-F238E27FC236}">
+                <a16:creationId xmlns:a16="http://schemas.microsoft.com/office/drawing/2014/main" id="{D4DA2B4E-C5FB-6595-34A6-E18A9AA0157D}"/>
+              </a:ext>
+            </a:extLst>
+          </p:cNvPr>
+          <p:cNvSpPr>
+            <a:spLocks noGrp="1"/>
+          </p:cNvSpPr>
+          <p:nvPr>
+            <p:ph idx="1"/>
+          </p:nvPr>
+        </p:nvSpPr>
+        <p:spPr/>
+        <p:txBody>
+          <a:bodyPr/>
+          <a:lstStyle/>
+          <a:p>
+            <a:pPr marL="0" indent="0">
+              <a:buNone/>
+            </a:pPr>
+            <a:r>
+              <a:rPr lang="de-DE" b="1" dirty="0"/>
+              <a:t>Inhalt</a:t>
+            </a:r>
+          </a:p>
+          <a:p>
+            <a:pPr>
+              <a:buFont typeface="Arial" panose="020B0604020202020204" pitchFamily="34" charset="0"/>
+              <a:buChar char="•"/>
+            </a:pPr>
+            <a:r>
+              <a:rPr lang="de-DE" dirty="0"/>
+              <a:t>Tagging von Docker Images</a:t>
+            </a:r>
+          </a:p>
+          <a:p>
+            <a:pPr>
+              <a:buFont typeface="Arial" panose="020B0604020202020204" pitchFamily="34" charset="0"/>
+              <a:buChar char="•"/>
+            </a:pPr>
+            <a:r>
+              <a:rPr lang="de-DE" dirty="0"/>
+              <a:t>Strategien zum Image Tagging</a:t>
+            </a:r>
+          </a:p>
+          <a:p>
+            <a:pPr>
+              <a:buFont typeface="Arial" panose="020B0604020202020204" pitchFamily="34" charset="0"/>
+              <a:buChar char="•"/>
+            </a:pPr>
+            <a:r>
+              <a:rPr lang="de-DE" dirty="0"/>
+              <a:t>Verwendung mit </a:t>
+            </a:r>
+            <a:r>
+              <a:rPr lang="de-DE" dirty="0" err="1"/>
+              <a:t>GitLab</a:t>
+            </a:r>
+            <a:endParaRPr lang="de-DE" dirty="0"/>
+          </a:p>
+        </p:txBody>
+      </p:sp>
+    </p:spTree>
+    <p:extLst>
+      <p:ext uri="{BB962C8B-B14F-4D97-AF65-F5344CB8AC3E}">
+        <p14:creationId xmlns:p14="http://schemas.microsoft.com/office/powerpoint/2010/main" val="2341426077"/>
+      </p:ext>
+    </p:extLst>
+  </p:cSld>
+  <p:clrMapOvr>
+    <a:masterClrMapping/>
+  </p:clrMapOvr>
+</p:sld>
+</file>
+
+<file path=ppt/slides/slide30.xml><?xml version="1.0" encoding="utf-8"?>
 <p:sld xmlns:a="http://schemas.openxmlformats.org/drawingml/2006/main" xmlns:r="http://schemas.openxmlformats.org/officeDocument/2006/relationships" xmlns:p="http://schemas.openxmlformats.org/presentationml/2006/main">
   <p:cSld>
     <p:spTree>
@@ -13275,7 +12278,7 @@
 </p:sld>
 </file>
 
-<file path=ppt/slides/slide33.xml><?xml version="1.0" encoding="utf-8"?>
+<file path=ppt/slides/slide31.xml><?xml version="1.0" encoding="utf-8"?>
 <p:sld xmlns:a="http://schemas.openxmlformats.org/drawingml/2006/main" xmlns:r="http://schemas.openxmlformats.org/officeDocument/2006/relationships" xmlns:p="http://schemas.openxmlformats.org/presentationml/2006/main" show="0">
   <p:cSld>
     <p:spTree>
@@ -14096,7 +13099,7 @@
 </p:sld>
 </file>
 
-<file path=ppt/slides/slide34.xml><?xml version="1.0" encoding="utf-8"?>
+<file path=ppt/slides/slide32.xml><?xml version="1.0" encoding="utf-8"?>
 <p:sld xmlns:a="http://schemas.openxmlformats.org/drawingml/2006/main" xmlns:r="http://schemas.openxmlformats.org/officeDocument/2006/relationships" xmlns:p="http://schemas.openxmlformats.org/presentationml/2006/main" show="0">
   <p:cSld>
     <p:spTree>
@@ -14920,6 +13923,803 @@
     <p:extLst>
       <p:ext uri="{BB962C8B-B14F-4D97-AF65-F5344CB8AC3E}">
         <p14:creationId xmlns:p14="http://schemas.microsoft.com/office/powerpoint/2010/main" val="3445805958"/>
+      </p:ext>
+    </p:extLst>
+  </p:cSld>
+  <p:clrMapOvr>
+    <a:masterClrMapping/>
+  </p:clrMapOvr>
+</p:sld>
+</file>
+
+<file path=ppt/slides/slide33.xml><?xml version="1.0" encoding="utf-8"?>
+<p:sld xmlns:a="http://schemas.openxmlformats.org/drawingml/2006/main" xmlns:r="http://schemas.openxmlformats.org/officeDocument/2006/relationships" xmlns:p="http://schemas.openxmlformats.org/presentationml/2006/main">
+  <p:cSld>
+    <p:spTree>
+      <p:nvGrpSpPr>
+        <p:cNvPr id="1" name=""/>
+        <p:cNvGrpSpPr/>
+        <p:nvPr/>
+      </p:nvGrpSpPr>
+      <p:grpSpPr>
+        <a:xfrm>
+          <a:off x="0" y="0"/>
+          <a:ext cx="0" cy="0"/>
+          <a:chOff x="0" y="0"/>
+          <a:chExt cx="0" cy="0"/>
+        </a:xfrm>
+      </p:grpSpPr>
+      <p:sp>
+        <p:nvSpPr>
+          <p:cNvPr id="2" name="Titel 1">
+            <a:extLst>
+              <a:ext uri="{FF2B5EF4-FFF2-40B4-BE49-F238E27FC236}">
+                <a16:creationId xmlns:a16="http://schemas.microsoft.com/office/drawing/2014/main" id="{0A6ADA43-34C1-347C-FD8E-BF87A5A77FC5}"/>
+              </a:ext>
+            </a:extLst>
+          </p:cNvPr>
+          <p:cNvSpPr>
+            <a:spLocks noGrp="1"/>
+          </p:cNvSpPr>
+          <p:nvPr>
+            <p:ph type="title"/>
+          </p:nvPr>
+        </p:nvSpPr>
+        <p:spPr/>
+        <p:txBody>
+          <a:bodyPr/>
+          <a:lstStyle/>
+          <a:p>
+            <a:r>
+              <a:rPr lang="de-DE" cap="none" dirty="0"/>
+              <a:t>Release- und </a:t>
+            </a:r>
+            <a:r>
+              <a:rPr lang="de-DE" cap="none" dirty="0" err="1"/>
+              <a:t>Tagged</a:t>
+            </a:r>
+            <a:r>
+              <a:rPr lang="de-DE" cap="none" dirty="0"/>
+              <a:t>-Images</a:t>
+            </a:r>
+            <a:endParaRPr lang="de-DE" dirty="0"/>
+          </a:p>
+        </p:txBody>
+      </p:sp>
+      <p:sp>
+        <p:nvSpPr>
+          <p:cNvPr id="3" name="Inhaltsplatzhalter 2">
+            <a:extLst>
+              <a:ext uri="{FF2B5EF4-FFF2-40B4-BE49-F238E27FC236}">
+                <a16:creationId xmlns:a16="http://schemas.microsoft.com/office/drawing/2014/main" id="{4D911ADB-7C0F-98E1-85DA-1C884339CE08}"/>
+              </a:ext>
+            </a:extLst>
+          </p:cNvPr>
+          <p:cNvSpPr>
+            <a:spLocks noGrp="1"/>
+          </p:cNvSpPr>
+          <p:nvPr>
+            <p:ph idx="1"/>
+          </p:nvPr>
+        </p:nvSpPr>
+        <p:spPr/>
+        <p:txBody>
+          <a:bodyPr/>
+          <a:lstStyle/>
+          <a:p>
+            <a:pPr marL="0" indent="0">
+              <a:buNone/>
+            </a:pPr>
+            <a:r>
+              <a:rPr lang="de-DE" b="1" dirty="0"/>
+              <a:t>Aufgabe 1: Einfache Docker-in-Docker </a:t>
+            </a:r>
+            <a:r>
+              <a:rPr lang="de-DE" b="1" dirty="0" err="1"/>
+              <a:t>Build</a:t>
+            </a:r>
+            <a:r>
+              <a:rPr lang="de-DE" b="1" dirty="0"/>
+              <a:t>-Pipeline</a:t>
+            </a:r>
+          </a:p>
+          <a:p>
+            <a:pPr marL="457200" indent="-457200">
+              <a:buFont typeface="+mj-lt"/>
+              <a:buAutoNum type="arabicPeriod"/>
+            </a:pPr>
+            <a:r>
+              <a:rPr lang="de-DE" b="1" dirty="0"/>
+              <a:t>Ziel: </a:t>
+            </a:r>
+            <a:r>
+              <a:rPr lang="de-DE" dirty="0" err="1"/>
+              <a:t>Verständis</a:t>
+            </a:r>
+            <a:r>
+              <a:rPr lang="de-DE" dirty="0"/>
+              <a:t> von </a:t>
+            </a:r>
+            <a:r>
+              <a:rPr lang="de-DE" dirty="0" err="1"/>
+              <a:t>dind</a:t>
+            </a:r>
+            <a:r>
+              <a:rPr lang="de-DE" dirty="0"/>
+              <a:t> schaffen</a:t>
+            </a:r>
+          </a:p>
+          <a:p>
+            <a:pPr marL="457200" indent="-457200">
+              <a:buFont typeface="+mj-lt"/>
+              <a:buAutoNum type="arabicPeriod"/>
+            </a:pPr>
+            <a:r>
+              <a:rPr lang="de-DE" b="1" dirty="0"/>
+              <a:t>Schritte:</a:t>
+            </a:r>
+          </a:p>
+          <a:p>
+            <a:pPr marL="857250" lvl="1" indent="-457200">
+              <a:buFont typeface="Arial" panose="020B0604020202020204" pitchFamily="34" charset="0"/>
+              <a:buChar char="•"/>
+            </a:pPr>
+            <a:r>
+              <a:rPr lang="de-DE" b="1" dirty="0"/>
+              <a:t>.</a:t>
+            </a:r>
+            <a:r>
+              <a:rPr lang="de-DE" dirty="0" err="1"/>
+              <a:t>gitlab-ci.yml</a:t>
+            </a:r>
+            <a:r>
+              <a:rPr lang="de-DE" dirty="0"/>
+              <a:t> dem Projekt hinzufügen oder vorhandene nutzen</a:t>
+            </a:r>
+          </a:p>
+          <a:p>
+            <a:pPr marL="857250" lvl="1" indent="-457200">
+              <a:buFont typeface="Arial" panose="020B0604020202020204" pitchFamily="34" charset="0"/>
+              <a:buChar char="•"/>
+            </a:pPr>
+            <a:r>
+              <a:rPr lang="de-DE" dirty="0"/>
+              <a:t>Als </a:t>
+            </a:r>
+            <a:r>
+              <a:rPr lang="de-DE" dirty="0" err="1"/>
+              <a:t>image</a:t>
+            </a:r>
+            <a:r>
+              <a:rPr lang="de-DE" dirty="0"/>
+              <a:t> folgendes verwenden: </a:t>
+            </a:r>
+            <a:r>
+              <a:rPr lang="de-DE" sz="2000" dirty="0">
+                <a:latin typeface="Consolas" panose="020B0609020204030204" pitchFamily="49" charset="0"/>
+              </a:rPr>
+              <a:t>docker:20.10.16</a:t>
+            </a:r>
+          </a:p>
+          <a:p>
+            <a:pPr marL="857250" lvl="1" indent="-457200">
+              <a:buFont typeface="Arial" panose="020B0604020202020204" pitchFamily="34" charset="0"/>
+              <a:buChar char="•"/>
+            </a:pPr>
+            <a:r>
+              <a:rPr lang="de-DE" dirty="0"/>
+              <a:t>Die </a:t>
+            </a:r>
+            <a:r>
+              <a:rPr lang="de-DE" dirty="0" err="1">
+                <a:latin typeface="Consolas" panose="020B0609020204030204" pitchFamily="49" charset="0"/>
+              </a:rPr>
+              <a:t>stage</a:t>
+            </a:r>
+            <a:r>
+              <a:rPr lang="de-DE" dirty="0"/>
+              <a:t> sollte </a:t>
+            </a:r>
+            <a:r>
+              <a:rPr lang="de-DE" dirty="0" err="1">
+                <a:latin typeface="Consolas" panose="020B0609020204030204" pitchFamily="49" charset="0"/>
+              </a:rPr>
+              <a:t>build</a:t>
+            </a:r>
+            <a:r>
+              <a:rPr lang="de-DE" dirty="0"/>
+              <a:t> sein</a:t>
+            </a:r>
+          </a:p>
+          <a:p>
+            <a:pPr marL="857250" lvl="1" indent="-457200">
+              <a:buFont typeface="Arial" panose="020B0604020202020204" pitchFamily="34" charset="0"/>
+              <a:buChar char="•"/>
+            </a:pPr>
+            <a:r>
+              <a:rPr lang="de-DE" dirty="0"/>
+              <a:t>Als </a:t>
+            </a:r>
+            <a:r>
+              <a:rPr lang="de-DE" dirty="0" err="1">
+                <a:latin typeface="Consolas" panose="020B0609020204030204" pitchFamily="49" charset="0"/>
+              </a:rPr>
+              <a:t>service</a:t>
+            </a:r>
+            <a:r>
+              <a:rPr lang="de-DE" dirty="0"/>
+              <a:t> das Image als </a:t>
+            </a:r>
+            <a:r>
+              <a:rPr lang="de-DE" dirty="0">
+                <a:latin typeface="Consolas" panose="020B0609020204030204" pitchFamily="49" charset="0"/>
+              </a:rPr>
+              <a:t>–</a:t>
+            </a:r>
+            <a:r>
+              <a:rPr lang="de-DE" dirty="0" err="1">
+                <a:latin typeface="Consolas" panose="020B0609020204030204" pitchFamily="49" charset="0"/>
+                <a:cs typeface="Calibri" panose="020F0502020204030204" pitchFamily="34" charset="0"/>
+              </a:rPr>
+              <a:t>dind</a:t>
+            </a:r>
+            <a:r>
+              <a:rPr lang="de-DE" dirty="0"/>
+              <a:t> einbinden</a:t>
+            </a:r>
+          </a:p>
+          <a:p>
+            <a:pPr marL="857250" lvl="1" indent="-457200">
+              <a:buFont typeface="Arial" panose="020B0604020202020204" pitchFamily="34" charset="0"/>
+              <a:buChar char="•"/>
+            </a:pPr>
+            <a:r>
+              <a:rPr lang="de-DE" dirty="0"/>
+              <a:t>Im </a:t>
+            </a:r>
+            <a:r>
+              <a:rPr lang="de-DE" dirty="0" err="1">
+                <a:latin typeface="Consolas" panose="020B0609020204030204" pitchFamily="49" charset="0"/>
+              </a:rPr>
+              <a:t>script</a:t>
+            </a:r>
+            <a:r>
+              <a:rPr lang="de-DE" dirty="0"/>
+              <a:t> Teil sollte folgendes passieren</a:t>
+            </a:r>
+          </a:p>
+          <a:p>
+            <a:pPr marL="1257300" lvl="2" indent="-457200">
+              <a:buFont typeface="+mj-lt"/>
+              <a:buAutoNum type="arabicPeriod"/>
+            </a:pPr>
+            <a:r>
+              <a:rPr lang="de-DE" sz="1800" dirty="0"/>
+              <a:t>Bei der Container Registry einloggen (</a:t>
+            </a:r>
+            <a:r>
+              <a:rPr lang="de-DE" sz="1800" dirty="0" err="1"/>
+              <a:t>docker</a:t>
+            </a:r>
+            <a:r>
+              <a:rPr lang="de-DE" sz="1800" dirty="0"/>
+              <a:t> </a:t>
+            </a:r>
+            <a:r>
+              <a:rPr lang="de-DE" sz="1800" dirty="0" err="1"/>
+              <a:t>login</a:t>
+            </a:r>
+            <a:r>
+              <a:rPr lang="de-DE" sz="1800" dirty="0"/>
+              <a:t>)</a:t>
+            </a:r>
+          </a:p>
+          <a:p>
+            <a:pPr marL="1257300" lvl="2" indent="-457200">
+              <a:buFont typeface="+mj-lt"/>
+              <a:buAutoNum type="arabicPeriod"/>
+            </a:pPr>
+            <a:r>
+              <a:rPr lang="de-DE" sz="1800" dirty="0"/>
+              <a:t>Das Container Image aus dem aktuellen Projekt bauen (</a:t>
+            </a:r>
+            <a:r>
+              <a:rPr lang="de-DE" sz="1800" dirty="0" err="1"/>
+              <a:t>docker</a:t>
+            </a:r>
+            <a:r>
+              <a:rPr lang="de-DE" sz="1800" dirty="0"/>
+              <a:t> </a:t>
+            </a:r>
+            <a:r>
+              <a:rPr lang="de-DE" sz="1800" dirty="0" err="1"/>
+              <a:t>build</a:t>
+            </a:r>
+            <a:r>
+              <a:rPr lang="de-DE" sz="1800" dirty="0"/>
+              <a:t>)</a:t>
+            </a:r>
+          </a:p>
+          <a:p>
+            <a:pPr marL="1257300" lvl="2" indent="-457200">
+              <a:buFont typeface="+mj-lt"/>
+              <a:buAutoNum type="arabicPeriod"/>
+            </a:pPr>
+            <a:r>
+              <a:rPr lang="de-DE" sz="1800" dirty="0"/>
+              <a:t>Das gebaute Image in die Registry pushen (</a:t>
+            </a:r>
+            <a:r>
+              <a:rPr lang="de-DE" sz="1800" dirty="0" err="1"/>
+              <a:t>docker</a:t>
+            </a:r>
+            <a:r>
+              <a:rPr lang="de-DE" sz="1800" dirty="0"/>
+              <a:t> push)</a:t>
+            </a:r>
+          </a:p>
+          <a:p>
+            <a:pPr marL="0" indent="0">
+              <a:buNone/>
+            </a:pPr>
+            <a:endParaRPr lang="de-DE" b="1" dirty="0"/>
+          </a:p>
+          <a:p>
+            <a:pPr marL="0" indent="0">
+              <a:buNone/>
+            </a:pPr>
+            <a:endParaRPr lang="de-DE" b="1" dirty="0"/>
+          </a:p>
+        </p:txBody>
+      </p:sp>
+    </p:spTree>
+    <p:extLst>
+      <p:ext uri="{BB962C8B-B14F-4D97-AF65-F5344CB8AC3E}">
+        <p14:creationId xmlns:p14="http://schemas.microsoft.com/office/powerpoint/2010/main" val="2914279323"/>
+      </p:ext>
+    </p:extLst>
+  </p:cSld>
+  <p:clrMapOvr>
+    <a:masterClrMapping/>
+  </p:clrMapOvr>
+</p:sld>
+</file>
+
+<file path=ppt/slides/slide34.xml><?xml version="1.0" encoding="utf-8"?>
+<p:sld xmlns:a="http://schemas.openxmlformats.org/drawingml/2006/main" xmlns:r="http://schemas.openxmlformats.org/officeDocument/2006/relationships" xmlns:p="http://schemas.openxmlformats.org/presentationml/2006/main">
+  <p:cSld>
+    <p:spTree>
+      <p:nvGrpSpPr>
+        <p:cNvPr id="1" name=""/>
+        <p:cNvGrpSpPr/>
+        <p:nvPr/>
+      </p:nvGrpSpPr>
+      <p:grpSpPr>
+        <a:xfrm>
+          <a:off x="0" y="0"/>
+          <a:ext cx="0" cy="0"/>
+          <a:chOff x="0" y="0"/>
+          <a:chExt cx="0" cy="0"/>
+        </a:xfrm>
+      </p:grpSpPr>
+      <p:sp>
+        <p:nvSpPr>
+          <p:cNvPr id="2" name="Titel 1">
+            <a:extLst>
+              <a:ext uri="{FF2B5EF4-FFF2-40B4-BE49-F238E27FC236}">
+                <a16:creationId xmlns:a16="http://schemas.microsoft.com/office/drawing/2014/main" id="{49A48EBC-55D9-6D64-715F-AF6DEBF117C3}"/>
+              </a:ext>
+            </a:extLst>
+          </p:cNvPr>
+          <p:cNvSpPr>
+            <a:spLocks noGrp="1"/>
+          </p:cNvSpPr>
+          <p:nvPr>
+            <p:ph type="title"/>
+          </p:nvPr>
+        </p:nvSpPr>
+        <p:spPr/>
+        <p:txBody>
+          <a:bodyPr/>
+          <a:lstStyle/>
+          <a:p>
+            <a:r>
+              <a:rPr lang="de-DE" cap="none" dirty="0"/>
+              <a:t>Release- und </a:t>
+            </a:r>
+            <a:r>
+              <a:rPr lang="de-DE" cap="none" dirty="0" err="1"/>
+              <a:t>Tagged</a:t>
+            </a:r>
+            <a:r>
+              <a:rPr lang="de-DE" cap="none" dirty="0"/>
+              <a:t>-Images</a:t>
+            </a:r>
+            <a:endParaRPr lang="de-DE" dirty="0"/>
+          </a:p>
+        </p:txBody>
+      </p:sp>
+      <p:sp>
+        <p:nvSpPr>
+          <p:cNvPr id="3" name="Inhaltsplatzhalter 2">
+            <a:extLst>
+              <a:ext uri="{FF2B5EF4-FFF2-40B4-BE49-F238E27FC236}">
+                <a16:creationId xmlns:a16="http://schemas.microsoft.com/office/drawing/2014/main" id="{7B404127-ED2B-6905-BDD1-3C60D11A2A7C}"/>
+              </a:ext>
+            </a:extLst>
+          </p:cNvPr>
+          <p:cNvSpPr>
+            <a:spLocks noGrp="1"/>
+          </p:cNvSpPr>
+          <p:nvPr>
+            <p:ph idx="1"/>
+          </p:nvPr>
+        </p:nvSpPr>
+        <p:spPr/>
+        <p:txBody>
+          <a:bodyPr/>
+          <a:lstStyle/>
+          <a:p>
+            <a:pPr marL="0" indent="0">
+              <a:buNone/>
+            </a:pPr>
+            <a:r>
+              <a:rPr lang="de-DE" b="1" dirty="0"/>
+              <a:t>Lösung 1: Simples Docker-in-Docker</a:t>
+            </a:r>
+          </a:p>
+          <a:p>
+            <a:pPr marL="0" indent="0">
+              <a:buNone/>
+            </a:pPr>
+            <a:r>
+              <a:rPr lang="de-DE" sz="2000" dirty="0">
+                <a:latin typeface="Consolas" panose="020B0609020204030204" pitchFamily="49" charset="0"/>
+              </a:rPr>
+              <a:t>.</a:t>
+            </a:r>
+            <a:r>
+              <a:rPr lang="de-DE" sz="2000" dirty="0" err="1">
+                <a:latin typeface="Consolas" panose="020B0609020204030204" pitchFamily="49" charset="0"/>
+              </a:rPr>
+              <a:t>gitlab-ci.yml</a:t>
+            </a:r>
+            <a:r>
+              <a:rPr lang="de-DE" sz="2000" dirty="0">
+                <a:latin typeface="Consolas" panose="020B0609020204030204" pitchFamily="49" charset="0"/>
+              </a:rPr>
+              <a:t>:</a:t>
+            </a:r>
+          </a:p>
+          <a:p>
+            <a:pPr marL="0" indent="0">
+              <a:buNone/>
+            </a:pPr>
+            <a:r>
+              <a:rPr lang="de-DE" sz="1400" dirty="0" err="1">
+                <a:latin typeface="Consolas" panose="020B0609020204030204" pitchFamily="49" charset="0"/>
+              </a:rPr>
+              <a:t>build</a:t>
+            </a:r>
+            <a:r>
+              <a:rPr lang="de-DE" sz="1400" dirty="0">
+                <a:latin typeface="Consolas" panose="020B0609020204030204" pitchFamily="49" charset="0"/>
+              </a:rPr>
+              <a:t>:</a:t>
+            </a:r>
+          </a:p>
+          <a:p>
+            <a:pPr marL="0" indent="0">
+              <a:buNone/>
+            </a:pPr>
+            <a:r>
+              <a:rPr lang="de-DE" sz="1400" dirty="0">
+                <a:latin typeface="Consolas" panose="020B0609020204030204" pitchFamily="49" charset="0"/>
+              </a:rPr>
+              <a:t>  </a:t>
+            </a:r>
+            <a:r>
+              <a:rPr lang="de-DE" sz="1400" dirty="0" err="1">
+                <a:latin typeface="Consolas" panose="020B0609020204030204" pitchFamily="49" charset="0"/>
+              </a:rPr>
+              <a:t>image</a:t>
+            </a:r>
+            <a:r>
+              <a:rPr lang="de-DE" sz="1400" dirty="0">
+                <a:latin typeface="Consolas" panose="020B0609020204030204" pitchFamily="49" charset="0"/>
+              </a:rPr>
+              <a:t>: docker:20.10.16</a:t>
+            </a:r>
+          </a:p>
+          <a:p>
+            <a:pPr marL="0" indent="0">
+              <a:buNone/>
+            </a:pPr>
+            <a:r>
+              <a:rPr lang="de-DE" sz="1400" dirty="0">
+                <a:latin typeface="Consolas" panose="020B0609020204030204" pitchFamily="49" charset="0"/>
+              </a:rPr>
+              <a:t>  </a:t>
+            </a:r>
+            <a:r>
+              <a:rPr lang="de-DE" sz="1400" dirty="0" err="1">
+                <a:latin typeface="Consolas" panose="020B0609020204030204" pitchFamily="49" charset="0"/>
+              </a:rPr>
+              <a:t>stage</a:t>
+            </a:r>
+            <a:r>
+              <a:rPr lang="de-DE" sz="1400" dirty="0">
+                <a:latin typeface="Consolas" panose="020B0609020204030204" pitchFamily="49" charset="0"/>
+              </a:rPr>
+              <a:t>: </a:t>
+            </a:r>
+            <a:r>
+              <a:rPr lang="de-DE" sz="1400" dirty="0" err="1">
+                <a:latin typeface="Consolas" panose="020B0609020204030204" pitchFamily="49" charset="0"/>
+              </a:rPr>
+              <a:t>build</a:t>
+            </a:r>
+            <a:endParaRPr lang="de-DE" sz="1400" dirty="0">
+              <a:latin typeface="Consolas" panose="020B0609020204030204" pitchFamily="49" charset="0"/>
+            </a:endParaRPr>
+          </a:p>
+          <a:p>
+            <a:pPr marL="0" indent="0">
+              <a:buNone/>
+            </a:pPr>
+            <a:r>
+              <a:rPr lang="de-DE" sz="1400" dirty="0">
+                <a:latin typeface="Consolas" panose="020B0609020204030204" pitchFamily="49" charset="0"/>
+              </a:rPr>
+              <a:t>  </a:t>
+            </a:r>
+            <a:r>
+              <a:rPr lang="de-DE" sz="1400" dirty="0" err="1">
+                <a:latin typeface="Consolas" panose="020B0609020204030204" pitchFamily="49" charset="0"/>
+              </a:rPr>
+              <a:t>services</a:t>
+            </a:r>
+            <a:r>
+              <a:rPr lang="de-DE" sz="1400" dirty="0">
+                <a:latin typeface="Consolas" panose="020B0609020204030204" pitchFamily="49" charset="0"/>
+              </a:rPr>
+              <a:t>:</a:t>
+            </a:r>
+          </a:p>
+          <a:p>
+            <a:pPr marL="0" indent="0">
+              <a:buNone/>
+            </a:pPr>
+            <a:r>
+              <a:rPr lang="de-DE" sz="1400" dirty="0">
+                <a:latin typeface="Consolas" panose="020B0609020204030204" pitchFamily="49" charset="0"/>
+              </a:rPr>
+              <a:t>    - </a:t>
+            </a:r>
+            <a:r>
+              <a:rPr lang="de-DE" sz="1400" dirty="0" err="1">
+                <a:latin typeface="Consolas" panose="020B0609020204030204" pitchFamily="49" charset="0"/>
+              </a:rPr>
+              <a:t>name</a:t>
+            </a:r>
+            <a:r>
+              <a:rPr lang="de-DE" sz="1400" dirty="0">
+                <a:latin typeface="Consolas" panose="020B0609020204030204" pitchFamily="49" charset="0"/>
+              </a:rPr>
+              <a:t>: docker:20.10.16-dind</a:t>
+            </a:r>
+          </a:p>
+          <a:p>
+            <a:pPr marL="0" indent="0">
+              <a:buNone/>
+            </a:pPr>
+            <a:r>
+              <a:rPr lang="de-DE" sz="1400" dirty="0">
+                <a:latin typeface="Consolas" panose="020B0609020204030204" pitchFamily="49" charset="0"/>
+              </a:rPr>
+              <a:t>      alias: </a:t>
+            </a:r>
+            <a:r>
+              <a:rPr lang="de-DE" sz="1400" dirty="0" err="1">
+                <a:latin typeface="Consolas" panose="020B0609020204030204" pitchFamily="49" charset="0"/>
+              </a:rPr>
+              <a:t>docker</a:t>
+            </a:r>
+            <a:endParaRPr lang="de-DE" sz="1400" dirty="0">
+              <a:latin typeface="Consolas" panose="020B0609020204030204" pitchFamily="49" charset="0"/>
+            </a:endParaRPr>
+          </a:p>
+          <a:p>
+            <a:pPr marL="0" indent="0">
+              <a:buNone/>
+            </a:pPr>
+            <a:r>
+              <a:rPr lang="de-DE" sz="1400" dirty="0">
+                <a:latin typeface="Consolas" panose="020B0609020204030204" pitchFamily="49" charset="0"/>
+              </a:rPr>
+              <a:t>  </a:t>
+            </a:r>
+            <a:r>
+              <a:rPr lang="de-DE" sz="1400" dirty="0" err="1">
+                <a:latin typeface="Consolas" panose="020B0609020204030204" pitchFamily="49" charset="0"/>
+              </a:rPr>
+              <a:t>script</a:t>
+            </a:r>
+            <a:r>
+              <a:rPr lang="de-DE" sz="1400" dirty="0">
+                <a:latin typeface="Consolas" panose="020B0609020204030204" pitchFamily="49" charset="0"/>
+              </a:rPr>
+              <a:t>:</a:t>
+            </a:r>
+          </a:p>
+          <a:p>
+            <a:pPr marL="0" indent="0">
+              <a:buNone/>
+            </a:pPr>
+            <a:r>
+              <a:rPr lang="de-DE" sz="1400" dirty="0">
+                <a:latin typeface="Consolas" panose="020B0609020204030204" pitchFamily="49" charset="0"/>
+              </a:rPr>
+              <a:t>    - </a:t>
+            </a:r>
+            <a:r>
+              <a:rPr lang="de-DE" sz="1400" dirty="0" err="1">
+                <a:latin typeface="Consolas" panose="020B0609020204030204" pitchFamily="49" charset="0"/>
+              </a:rPr>
+              <a:t>docker</a:t>
+            </a:r>
+            <a:r>
+              <a:rPr lang="de-DE" sz="1400" dirty="0">
+                <a:latin typeface="Consolas" panose="020B0609020204030204" pitchFamily="49" charset="0"/>
+              </a:rPr>
+              <a:t> </a:t>
+            </a:r>
+            <a:r>
+              <a:rPr lang="de-DE" sz="1400" dirty="0" err="1">
+                <a:latin typeface="Consolas" panose="020B0609020204030204" pitchFamily="49" charset="0"/>
+              </a:rPr>
+              <a:t>login</a:t>
+            </a:r>
+            <a:r>
+              <a:rPr lang="de-DE" sz="1400" dirty="0">
+                <a:latin typeface="Consolas" panose="020B0609020204030204" pitchFamily="49" charset="0"/>
+              </a:rPr>
+              <a:t> -u $CI_REGISTRY_USER -p $CI_REGISTRY_PASSWORD $CI_REGISTRY</a:t>
+            </a:r>
+          </a:p>
+          <a:p>
+            <a:pPr marL="0" indent="0">
+              <a:buNone/>
+            </a:pPr>
+            <a:r>
+              <a:rPr lang="de-DE" sz="1400" dirty="0">
+                <a:latin typeface="Consolas" panose="020B0609020204030204" pitchFamily="49" charset="0"/>
+              </a:rPr>
+              <a:t>    - </a:t>
+            </a:r>
+            <a:r>
+              <a:rPr lang="de-DE" sz="1400" dirty="0" err="1">
+                <a:latin typeface="Consolas" panose="020B0609020204030204" pitchFamily="49" charset="0"/>
+              </a:rPr>
+              <a:t>docker</a:t>
+            </a:r>
+            <a:r>
+              <a:rPr lang="de-DE" sz="1400" dirty="0">
+                <a:latin typeface="Consolas" panose="020B0609020204030204" pitchFamily="49" charset="0"/>
+              </a:rPr>
+              <a:t> </a:t>
+            </a:r>
+            <a:r>
+              <a:rPr lang="de-DE" sz="1400" dirty="0" err="1">
+                <a:latin typeface="Consolas" panose="020B0609020204030204" pitchFamily="49" charset="0"/>
+              </a:rPr>
+              <a:t>build</a:t>
+            </a:r>
+            <a:r>
+              <a:rPr lang="de-DE" sz="1400" dirty="0">
+                <a:latin typeface="Consolas" panose="020B0609020204030204" pitchFamily="49" charset="0"/>
+              </a:rPr>
+              <a:t> -t $CI_REGISTRY/</a:t>
+            </a:r>
+            <a:r>
+              <a:rPr lang="de-DE" sz="1400" dirty="0" err="1">
+                <a:latin typeface="Consolas" panose="020B0609020204030204" pitchFamily="49" charset="0"/>
+              </a:rPr>
+              <a:t>group</a:t>
+            </a:r>
+            <a:r>
+              <a:rPr lang="de-DE" sz="1400" dirty="0">
+                <a:latin typeface="Consolas" panose="020B0609020204030204" pitchFamily="49" charset="0"/>
+              </a:rPr>
+              <a:t>/</a:t>
+            </a:r>
+            <a:r>
+              <a:rPr lang="de-DE" sz="1400" dirty="0" err="1">
+                <a:latin typeface="Consolas" panose="020B0609020204030204" pitchFamily="49" charset="0"/>
+              </a:rPr>
+              <a:t>project</a:t>
+            </a:r>
+            <a:r>
+              <a:rPr lang="de-DE" sz="1400" dirty="0">
+                <a:latin typeface="Consolas" panose="020B0609020204030204" pitchFamily="49" charset="0"/>
+              </a:rPr>
+              <a:t>/</a:t>
+            </a:r>
+            <a:r>
+              <a:rPr lang="de-DE" sz="1400" dirty="0" err="1">
+                <a:latin typeface="Consolas" panose="020B0609020204030204" pitchFamily="49" charset="0"/>
+              </a:rPr>
+              <a:t>image:latest</a:t>
+            </a:r>
+            <a:r>
+              <a:rPr lang="de-DE" sz="1400" dirty="0">
+                <a:latin typeface="Consolas" panose="020B0609020204030204" pitchFamily="49" charset="0"/>
+              </a:rPr>
+              <a:t> .</a:t>
+            </a:r>
+          </a:p>
+          <a:p>
+            <a:pPr marL="0" indent="0">
+              <a:buNone/>
+            </a:pPr>
+            <a:r>
+              <a:rPr lang="de-DE" sz="1400" dirty="0">
+                <a:latin typeface="Consolas" panose="020B0609020204030204" pitchFamily="49" charset="0"/>
+              </a:rPr>
+              <a:t>    - </a:t>
+            </a:r>
+            <a:r>
+              <a:rPr lang="de-DE" sz="1400" dirty="0" err="1">
+                <a:latin typeface="Consolas" panose="020B0609020204030204" pitchFamily="49" charset="0"/>
+              </a:rPr>
+              <a:t>docker</a:t>
+            </a:r>
+            <a:r>
+              <a:rPr lang="de-DE" sz="1400" dirty="0">
+                <a:latin typeface="Consolas" panose="020B0609020204030204" pitchFamily="49" charset="0"/>
+              </a:rPr>
+              <a:t> push $CI_REGISTRY/</a:t>
+            </a:r>
+            <a:r>
+              <a:rPr lang="de-DE" sz="1400" dirty="0" err="1">
+                <a:latin typeface="Consolas" panose="020B0609020204030204" pitchFamily="49" charset="0"/>
+              </a:rPr>
+              <a:t>group</a:t>
+            </a:r>
+            <a:r>
+              <a:rPr lang="de-DE" sz="1400" dirty="0">
+                <a:latin typeface="Consolas" panose="020B0609020204030204" pitchFamily="49" charset="0"/>
+              </a:rPr>
+              <a:t>/</a:t>
+            </a:r>
+            <a:r>
+              <a:rPr lang="de-DE" sz="1400" dirty="0" err="1">
+                <a:latin typeface="Consolas" panose="020B0609020204030204" pitchFamily="49" charset="0"/>
+              </a:rPr>
+              <a:t>project</a:t>
+            </a:r>
+            <a:r>
+              <a:rPr lang="de-DE" sz="1400" dirty="0">
+                <a:latin typeface="Consolas" panose="020B0609020204030204" pitchFamily="49" charset="0"/>
+              </a:rPr>
+              <a:t>/</a:t>
+            </a:r>
+            <a:r>
+              <a:rPr lang="de-DE" sz="1400" dirty="0" err="1">
+                <a:latin typeface="Consolas" panose="020B0609020204030204" pitchFamily="49" charset="0"/>
+              </a:rPr>
+              <a:t>image:latest</a:t>
+            </a:r>
+            <a:endParaRPr lang="de-DE" sz="1400" dirty="0">
+              <a:latin typeface="Consolas" panose="020B0609020204030204" pitchFamily="49" charset="0"/>
+            </a:endParaRPr>
+          </a:p>
+        </p:txBody>
+      </p:sp>
+    </p:spTree>
+    <p:extLst>
+      <p:ext uri="{BB962C8B-B14F-4D97-AF65-F5344CB8AC3E}">
+        <p14:creationId xmlns:p14="http://schemas.microsoft.com/office/powerpoint/2010/main" val="3629727755"/>
       </p:ext>
     </p:extLst>
   </p:cSld>
@@ -15009,15 +14809,7 @@
             </a:pPr>
             <a:r>
               <a:rPr lang="de-DE" b="1" dirty="0"/>
-              <a:t>Aufgabe 1: Einfache Docker-in-Docker </a:t>
-            </a:r>
-            <a:r>
-              <a:rPr lang="de-DE" b="1" dirty="0" err="1"/>
-              <a:t>Build</a:t>
-            </a:r>
-            <a:r>
-              <a:rPr lang="de-DE" b="1" dirty="0"/>
-              <a:t>-Pipeline</a:t>
+              <a:t>Aufgabe 2: Docker-in-Docker mit Variablen erweitern</a:t>
             </a:r>
           </a:p>
           <a:p>
@@ -15030,20 +14822,8 @@
               <a:t>Ziel: </a:t>
             </a:r>
             <a:r>
-              <a:rPr lang="de-DE" dirty="0" err="1"/>
-              <a:t>Verständis</a:t>
-            </a:r>
-            <a:r>
               <a:rPr lang="de-DE" dirty="0"/>
-              <a:t> von </a:t>
-            </a:r>
-            <a:r>
-              <a:rPr lang="de-DE" dirty="0" err="1"/>
-              <a:t>dind</a:t>
-            </a:r>
-            <a:r>
-              <a:rPr lang="de-DE" dirty="0"/>
-              <a:t> schaffen</a:t>
+              <a:t>Verständnis der Variablen schärfen</a:t>
             </a:r>
           </a:p>
           <a:p>
@@ -15062,16 +14842,18 @@
               <a:buChar char="•"/>
             </a:pPr>
             <a:r>
-              <a:rPr lang="de-DE" b="1" dirty="0"/>
-              <a:t>.</a:t>
-            </a:r>
-            <a:r>
-              <a:rPr lang="de-DE" dirty="0" err="1"/>
-              <a:t>gitlab-ci.yml</a:t>
-            </a:r>
-            <a:r>
               <a:rPr lang="de-DE" dirty="0"/>
-              <a:t> dem Projekt hinzufügen oder vorhandene nutzen</a:t>
+              <a:t>Fügen Sie die Variable </a:t>
+            </a:r>
+            <a:r>
+              <a:rPr lang="de-DE" sz="2000" dirty="0">
+                <a:latin typeface="Consolas" panose="020B0609020204030204" pitchFamily="49" charset="0"/>
+              </a:rPr>
+              <a:t>IMAGE_TAG</a:t>
+            </a:r>
+            <a:r>
+              <a:rPr lang="de-DE" sz="2000" dirty="0"/>
+              <a:t> hinzu</a:t>
             </a:r>
           </a:p>
           <a:p>
@@ -15081,21 +14863,17 @@
             </a:pPr>
             <a:r>
               <a:rPr lang="de-DE" dirty="0"/>
-              <a:t>Als </a:t>
-            </a:r>
-            <a:r>
-              <a:rPr lang="de-DE" dirty="0" err="1"/>
-              <a:t>image</a:t>
+              <a:t>Nutzen Sie die neue Variable im </a:t>
+            </a:r>
+            <a:r>
+              <a:rPr lang="de-DE" dirty="0" err="1">
+                <a:latin typeface="Consolas" panose="020B0609020204030204" pitchFamily="49" charset="0"/>
+              </a:rPr>
+              <a:t>script</a:t>
             </a:r>
             <a:r>
               <a:rPr lang="de-DE" dirty="0"/>
-              <a:t> folgendes verwenden: </a:t>
-            </a:r>
-            <a:r>
-              <a:rPr lang="de-DE" sz="2000" dirty="0">
-                <a:latin typeface="Consolas" panose="020B0609020204030204" pitchFamily="49" charset="0"/>
-              </a:rPr>
-              <a:t>docker:20.10.16</a:t>
+              <a:t> Teil</a:t>
             </a:r>
           </a:p>
           <a:p>
@@ -15103,176 +14881,120 @@
               <a:buFont typeface="Arial" panose="020B0604020202020204" pitchFamily="34" charset="0"/>
               <a:buChar char="•"/>
             </a:pPr>
-            <a:r>
-              <a:rPr lang="de-DE" dirty="0"/>
-              <a:t>Die </a:t>
-            </a:r>
-            <a:r>
-              <a:rPr lang="de-DE" dirty="0" err="1">
-                <a:latin typeface="Consolas" panose="020B0609020204030204" pitchFamily="49" charset="0"/>
-              </a:rPr>
-              <a:t>stage</a:t>
-            </a:r>
-            <a:r>
-              <a:rPr lang="de-DE" dirty="0"/>
-              <a:t> sollte </a:t>
-            </a:r>
-            <a:r>
-              <a:rPr lang="de-DE" dirty="0" err="1">
-                <a:latin typeface="Consolas" panose="020B0609020204030204" pitchFamily="49" charset="0"/>
-              </a:rPr>
-              <a:t>build</a:t>
-            </a:r>
-            <a:r>
-              <a:rPr lang="de-DE" dirty="0"/>
-              <a:t> sein</a:t>
-            </a:r>
-          </a:p>
-          <a:p>
-            <a:pPr marL="857250" lvl="1" indent="-457200">
-              <a:buFont typeface="Arial" panose="020B0604020202020204" pitchFamily="34" charset="0"/>
-              <a:buChar char="•"/>
-            </a:pPr>
-            <a:r>
-              <a:rPr lang="de-DE" dirty="0"/>
-              <a:t>Als </a:t>
-            </a:r>
-            <a:r>
-              <a:rPr lang="de-DE" dirty="0" err="1">
-                <a:latin typeface="Consolas" panose="020B0609020204030204" pitchFamily="49" charset="0"/>
-              </a:rPr>
-              <a:t>service</a:t>
-            </a:r>
-            <a:r>
-              <a:rPr lang="de-DE" dirty="0"/>
-              <a:t> das Image als </a:t>
-            </a:r>
-            <a:r>
-              <a:rPr lang="de-DE" dirty="0">
-                <a:latin typeface="Consolas" panose="020B0609020204030204" pitchFamily="49" charset="0"/>
-              </a:rPr>
-              <a:t>–</a:t>
-            </a:r>
-            <a:r>
-              <a:rPr lang="de-DE" dirty="0" err="1">
-                <a:latin typeface="Consolas" panose="020B0609020204030204" pitchFamily="49" charset="0"/>
-                <a:cs typeface="Calibri" panose="020F0502020204030204" pitchFamily="34" charset="0"/>
-              </a:rPr>
-              <a:t>dind</a:t>
-            </a:r>
-            <a:r>
-              <a:rPr lang="de-DE" dirty="0"/>
-              <a:t> einbinden</a:t>
-            </a:r>
-          </a:p>
-          <a:p>
-            <a:pPr marL="857250" lvl="1" indent="-457200">
-              <a:buFont typeface="Arial" panose="020B0604020202020204" pitchFamily="34" charset="0"/>
-              <a:buChar char="•"/>
-            </a:pPr>
-            <a:r>
-              <a:rPr lang="de-DE" dirty="0"/>
-              <a:t>Im </a:t>
-            </a:r>
-            <a:r>
-              <a:rPr lang="de-DE" dirty="0" err="1">
-                <a:latin typeface="Consolas" panose="020B0609020204030204" pitchFamily="49" charset="0"/>
-              </a:rPr>
-              <a:t>script</a:t>
-            </a:r>
-            <a:r>
-              <a:rPr lang="de-DE" dirty="0"/>
-              <a:t> Teil sollte folgendes passieren</a:t>
-            </a:r>
-          </a:p>
-          <a:p>
-            <a:pPr marL="1257300" lvl="2" indent="-457200">
+            <a:endParaRPr lang="de-DE" dirty="0"/>
+          </a:p>
+          <a:p>
+            <a:pPr marL="457200" indent="-457200">
               <a:buFont typeface="+mj-lt"/>
               <a:buAutoNum type="arabicPeriod"/>
             </a:pPr>
             <a:r>
-              <a:rPr lang="de-DE" sz="1800" dirty="0"/>
-              <a:t>Bei der Container Registry einloggen (</a:t>
-            </a:r>
-            <a:r>
-              <a:rPr lang="de-DE" sz="1800" dirty="0" err="1"/>
-              <a:t>docker</a:t>
-            </a:r>
-            <a:r>
-              <a:rPr lang="de-DE" sz="1800" dirty="0"/>
-              <a:t> </a:t>
-            </a:r>
-            <a:r>
-              <a:rPr lang="de-DE" sz="1800" dirty="0" err="1"/>
-              <a:t>login</a:t>
-            </a:r>
-            <a:r>
-              <a:rPr lang="de-DE" sz="1800" dirty="0"/>
-              <a:t>)</a:t>
-            </a:r>
-          </a:p>
-          <a:p>
-            <a:pPr marL="1257300" lvl="2" indent="-457200">
-              <a:buFont typeface="+mj-lt"/>
-              <a:buAutoNum type="arabicPeriod"/>
-            </a:pPr>
-            <a:r>
-              <a:rPr lang="de-DE" sz="1800" dirty="0"/>
-              <a:t>Das Container Image aus dem aktuellen Projekt bauen (</a:t>
-            </a:r>
-            <a:r>
-              <a:rPr lang="de-DE" sz="1800" dirty="0" err="1"/>
-              <a:t>docker</a:t>
-            </a:r>
-            <a:r>
-              <a:rPr lang="de-DE" sz="1800" dirty="0"/>
-              <a:t> </a:t>
-            </a:r>
-            <a:r>
-              <a:rPr lang="de-DE" sz="1800" dirty="0" err="1"/>
+              <a:rPr lang="de-DE" b="1" dirty="0"/>
+              <a:t>Hinweise:</a:t>
+            </a:r>
+          </a:p>
+          <a:p>
+            <a:pPr marL="857250" lvl="1" indent="-457200">
+              <a:buFont typeface="Arial" panose="020B0604020202020204" pitchFamily="34" charset="0"/>
+              <a:buChar char="•"/>
+            </a:pPr>
+            <a:r>
+              <a:rPr lang="de-DE" dirty="0"/>
+              <a:t>IMAGE_TAG wird später beim </a:t>
+            </a:r>
+            <a:r>
+              <a:rPr lang="de-DE" dirty="0" err="1"/>
               <a:t>build</a:t>
             </a:r>
             <a:r>
-              <a:rPr lang="de-DE" sz="1800" dirty="0"/>
-              <a:t>)</a:t>
-            </a:r>
-          </a:p>
-          <a:p>
-            <a:pPr marL="1257300" lvl="2" indent="-457200">
-              <a:buFont typeface="+mj-lt"/>
-              <a:buAutoNum type="arabicPeriod"/>
-            </a:pPr>
-            <a:r>
-              <a:rPr lang="de-DE" sz="1800" dirty="0"/>
-              <a:t>Das gebaute Image in die Registry pushen (</a:t>
-            </a:r>
-            <a:r>
-              <a:rPr lang="de-DE" sz="1800" dirty="0" err="1"/>
-              <a:t>docker</a:t>
-            </a:r>
-            <a:r>
-              <a:rPr lang="de-DE" sz="1800" dirty="0"/>
-              <a:t> push)</a:t>
-            </a:r>
-          </a:p>
-          <a:p>
-            <a:pPr marL="0" indent="0">
-              <a:buNone/>
-            </a:pPr>
-            <a:endParaRPr lang="de-DE" b="1" dirty="0"/>
-          </a:p>
-          <a:p>
-            <a:pPr marL="0" indent="0">
-              <a:buNone/>
-            </a:pPr>
-            <a:endParaRPr lang="de-DE" b="1" dirty="0"/>
+              <a:rPr lang="de-DE" dirty="0"/>
+              <a:t> und push benötigt</a:t>
+            </a:r>
+          </a:p>
+          <a:p>
+            <a:pPr marL="857250" lvl="1" indent="-457200">
+              <a:buFont typeface="Arial" panose="020B0604020202020204" pitchFamily="34" charset="0"/>
+              <a:buChar char="•"/>
+            </a:pPr>
+            <a:r>
+              <a:rPr lang="de-DE" dirty="0"/>
+              <a:t>Beim Docker-in-Docker Container Image haben Sie </a:t>
+            </a:r>
+            <a:r>
+              <a:rPr lang="de-DE" dirty="0" err="1"/>
+              <a:t>GitLab</a:t>
+            </a:r>
+            <a:r>
+              <a:rPr lang="de-DE" dirty="0"/>
+              <a:t>-</a:t>
+            </a:r>
+            <a:r>
+              <a:rPr lang="de-DE" dirty="0" err="1"/>
+              <a:t>predefined</a:t>
+            </a:r>
+            <a:r>
+              <a:rPr lang="de-DE" dirty="0"/>
+              <a:t>-Variables kennengelernt</a:t>
+            </a:r>
+          </a:p>
+          <a:p>
+            <a:pPr marL="857250" lvl="1" indent="-457200">
+              <a:buFont typeface="Arial" panose="020B0604020202020204" pitchFamily="34" charset="0"/>
+              <a:buChar char="•"/>
+            </a:pPr>
+            <a:r>
+              <a:rPr lang="de-DE" dirty="0"/>
+              <a:t>$CI_COMMIT_REF_SLUG ist eine vordefinierte Variable in </a:t>
+            </a:r>
+            <a:r>
+              <a:rPr lang="de-DE" dirty="0" err="1"/>
+              <a:t>GitLab</a:t>
+            </a:r>
+            <a:r>
+              <a:rPr lang="de-DE" dirty="0"/>
+              <a:t> und ist der Branch- oder Tag-Name </a:t>
+            </a:r>
+            <a:r>
+              <a:rPr lang="de-DE" dirty="0" err="1"/>
+              <a:t>sanitized</a:t>
+            </a:r>
+            <a:r>
+              <a:rPr lang="de-DE" dirty="0"/>
+              <a:t> und </a:t>
+            </a:r>
+            <a:r>
+              <a:rPr lang="de-DE" dirty="0" err="1"/>
+              <a:t>lowercase</a:t>
+            </a:r>
+            <a:endParaRPr lang="de-DE" dirty="0"/>
+          </a:p>
+          <a:p>
+            <a:pPr marL="857250" lvl="1" indent="-457200">
+              <a:buFont typeface="Arial" panose="020B0604020202020204" pitchFamily="34" charset="0"/>
+              <a:buChar char="•"/>
+            </a:pPr>
+            <a:endParaRPr lang="de-DE" dirty="0"/>
+          </a:p>
+          <a:p>
+            <a:pPr marL="857250" lvl="1" indent="-457200">
+              <a:buFont typeface="Arial" panose="020B0604020202020204" pitchFamily="34" charset="0"/>
+              <a:buChar char="•"/>
+            </a:pPr>
+            <a:endParaRPr lang="de-DE" dirty="0"/>
+          </a:p>
+          <a:p>
+            <a:pPr marL="857250" lvl="1" indent="-457200">
+              <a:buFont typeface="Arial" panose="020B0604020202020204" pitchFamily="34" charset="0"/>
+              <a:buChar char="•"/>
+            </a:pPr>
+            <a:endParaRPr lang="de-DE" dirty="0"/>
           </a:p>
         </p:txBody>
       </p:sp>
     </p:spTree>
     <p:extLst>
       <p:ext uri="{BB962C8B-B14F-4D97-AF65-F5344CB8AC3E}">
-        <p14:creationId xmlns:p14="http://schemas.microsoft.com/office/powerpoint/2010/main" val="2914279323"/>
+        <p14:creationId xmlns:p14="http://schemas.microsoft.com/office/powerpoint/2010/main" val="269078200"/>
       </p:ext>
     </p:extLst>
   </p:cSld>
@@ -15362,725 +15084,6 @@
             </a:pPr>
             <a:r>
               <a:rPr lang="de-DE" b="1" dirty="0"/>
-              <a:t>Lösung 1: Simples Docker-in-Docker</a:t>
-            </a:r>
-          </a:p>
-          <a:p>
-            <a:pPr marL="0" indent="0">
-              <a:buNone/>
-            </a:pPr>
-            <a:r>
-              <a:rPr lang="de-DE" sz="2000" dirty="0">
-                <a:latin typeface="Consolas" panose="020B0609020204030204" pitchFamily="49" charset="0"/>
-              </a:rPr>
-              <a:t>.</a:t>
-            </a:r>
-            <a:r>
-              <a:rPr lang="de-DE" sz="2000" dirty="0" err="1">
-                <a:latin typeface="Consolas" panose="020B0609020204030204" pitchFamily="49" charset="0"/>
-              </a:rPr>
-              <a:t>gitlab-ci.yml</a:t>
-            </a:r>
-            <a:r>
-              <a:rPr lang="de-DE" sz="2000" dirty="0">
-                <a:latin typeface="Consolas" panose="020B0609020204030204" pitchFamily="49" charset="0"/>
-              </a:rPr>
-              <a:t>:</a:t>
-            </a:r>
-          </a:p>
-          <a:p>
-            <a:pPr marL="0" indent="0">
-              <a:buNone/>
-            </a:pPr>
-            <a:r>
-              <a:rPr lang="de-DE" sz="1400" dirty="0" err="1">
-                <a:latin typeface="Consolas" panose="020B0609020204030204" pitchFamily="49" charset="0"/>
-              </a:rPr>
-              <a:t>build</a:t>
-            </a:r>
-            <a:r>
-              <a:rPr lang="de-DE" sz="1400" dirty="0">
-                <a:latin typeface="Consolas" panose="020B0609020204030204" pitchFamily="49" charset="0"/>
-              </a:rPr>
-              <a:t>:</a:t>
-            </a:r>
-          </a:p>
-          <a:p>
-            <a:pPr marL="0" indent="0">
-              <a:buNone/>
-            </a:pPr>
-            <a:r>
-              <a:rPr lang="de-DE" sz="1400" dirty="0">
-                <a:latin typeface="Consolas" panose="020B0609020204030204" pitchFamily="49" charset="0"/>
-              </a:rPr>
-              <a:t>  </a:t>
-            </a:r>
-            <a:r>
-              <a:rPr lang="de-DE" sz="1400" dirty="0" err="1">
-                <a:latin typeface="Consolas" panose="020B0609020204030204" pitchFamily="49" charset="0"/>
-              </a:rPr>
-              <a:t>image</a:t>
-            </a:r>
-            <a:r>
-              <a:rPr lang="de-DE" sz="1400" dirty="0">
-                <a:latin typeface="Consolas" panose="020B0609020204030204" pitchFamily="49" charset="0"/>
-              </a:rPr>
-              <a:t>: docker:20.10.16</a:t>
-            </a:r>
-          </a:p>
-          <a:p>
-            <a:pPr marL="0" indent="0">
-              <a:buNone/>
-            </a:pPr>
-            <a:r>
-              <a:rPr lang="de-DE" sz="1400" dirty="0">
-                <a:latin typeface="Consolas" panose="020B0609020204030204" pitchFamily="49" charset="0"/>
-              </a:rPr>
-              <a:t>  </a:t>
-            </a:r>
-            <a:r>
-              <a:rPr lang="de-DE" sz="1400" dirty="0" err="1">
-                <a:latin typeface="Consolas" panose="020B0609020204030204" pitchFamily="49" charset="0"/>
-              </a:rPr>
-              <a:t>stage</a:t>
-            </a:r>
-            <a:r>
-              <a:rPr lang="de-DE" sz="1400" dirty="0">
-                <a:latin typeface="Consolas" panose="020B0609020204030204" pitchFamily="49" charset="0"/>
-              </a:rPr>
-              <a:t>: </a:t>
-            </a:r>
-            <a:r>
-              <a:rPr lang="de-DE" sz="1400" dirty="0" err="1">
-                <a:latin typeface="Consolas" panose="020B0609020204030204" pitchFamily="49" charset="0"/>
-              </a:rPr>
-              <a:t>build</a:t>
-            </a:r>
-            <a:endParaRPr lang="de-DE" sz="1400" dirty="0">
-              <a:latin typeface="Consolas" panose="020B0609020204030204" pitchFamily="49" charset="0"/>
-            </a:endParaRPr>
-          </a:p>
-          <a:p>
-            <a:pPr marL="0" indent="0">
-              <a:buNone/>
-            </a:pPr>
-            <a:r>
-              <a:rPr lang="de-DE" sz="1400" dirty="0">
-                <a:latin typeface="Consolas" panose="020B0609020204030204" pitchFamily="49" charset="0"/>
-              </a:rPr>
-              <a:t>  </a:t>
-            </a:r>
-            <a:r>
-              <a:rPr lang="de-DE" sz="1400" dirty="0" err="1">
-                <a:latin typeface="Consolas" panose="020B0609020204030204" pitchFamily="49" charset="0"/>
-              </a:rPr>
-              <a:t>services</a:t>
-            </a:r>
-            <a:r>
-              <a:rPr lang="de-DE" sz="1400" dirty="0">
-                <a:latin typeface="Consolas" panose="020B0609020204030204" pitchFamily="49" charset="0"/>
-              </a:rPr>
-              <a:t>:</a:t>
-            </a:r>
-          </a:p>
-          <a:p>
-            <a:pPr marL="0" indent="0">
-              <a:buNone/>
-            </a:pPr>
-            <a:r>
-              <a:rPr lang="de-DE" sz="1400" dirty="0">
-                <a:latin typeface="Consolas" panose="020B0609020204030204" pitchFamily="49" charset="0"/>
-              </a:rPr>
-              <a:t>    - </a:t>
-            </a:r>
-            <a:r>
-              <a:rPr lang="de-DE" sz="1400" dirty="0" err="1">
-                <a:latin typeface="Consolas" panose="020B0609020204030204" pitchFamily="49" charset="0"/>
-              </a:rPr>
-              <a:t>name</a:t>
-            </a:r>
-            <a:r>
-              <a:rPr lang="de-DE" sz="1400" dirty="0">
-                <a:latin typeface="Consolas" panose="020B0609020204030204" pitchFamily="49" charset="0"/>
-              </a:rPr>
-              <a:t>: docker:20.10.16-dind</a:t>
-            </a:r>
-          </a:p>
-          <a:p>
-            <a:pPr marL="0" indent="0">
-              <a:buNone/>
-            </a:pPr>
-            <a:r>
-              <a:rPr lang="de-DE" sz="1400" dirty="0">
-                <a:latin typeface="Consolas" panose="020B0609020204030204" pitchFamily="49" charset="0"/>
-              </a:rPr>
-              <a:t>      alias: </a:t>
-            </a:r>
-            <a:r>
-              <a:rPr lang="de-DE" sz="1400" dirty="0" err="1">
-                <a:latin typeface="Consolas" panose="020B0609020204030204" pitchFamily="49" charset="0"/>
-              </a:rPr>
-              <a:t>docker</a:t>
-            </a:r>
-            <a:endParaRPr lang="de-DE" sz="1400" dirty="0">
-              <a:latin typeface="Consolas" panose="020B0609020204030204" pitchFamily="49" charset="0"/>
-            </a:endParaRPr>
-          </a:p>
-          <a:p>
-            <a:pPr marL="0" indent="0">
-              <a:buNone/>
-            </a:pPr>
-            <a:r>
-              <a:rPr lang="de-DE" sz="1400" dirty="0">
-                <a:latin typeface="Consolas" panose="020B0609020204030204" pitchFamily="49" charset="0"/>
-              </a:rPr>
-              <a:t>  </a:t>
-            </a:r>
-            <a:r>
-              <a:rPr lang="de-DE" sz="1400" dirty="0" err="1">
-                <a:latin typeface="Consolas" panose="020B0609020204030204" pitchFamily="49" charset="0"/>
-              </a:rPr>
-              <a:t>script</a:t>
-            </a:r>
-            <a:r>
-              <a:rPr lang="de-DE" sz="1400" dirty="0">
-                <a:latin typeface="Consolas" panose="020B0609020204030204" pitchFamily="49" charset="0"/>
-              </a:rPr>
-              <a:t>:</a:t>
-            </a:r>
-          </a:p>
-          <a:p>
-            <a:pPr marL="0" indent="0">
-              <a:buNone/>
-            </a:pPr>
-            <a:r>
-              <a:rPr lang="de-DE" sz="1400" dirty="0">
-                <a:latin typeface="Consolas" panose="020B0609020204030204" pitchFamily="49" charset="0"/>
-              </a:rPr>
-              <a:t>    - </a:t>
-            </a:r>
-            <a:r>
-              <a:rPr lang="de-DE" sz="1400" dirty="0" err="1">
-                <a:latin typeface="Consolas" panose="020B0609020204030204" pitchFamily="49" charset="0"/>
-              </a:rPr>
-              <a:t>docker</a:t>
-            </a:r>
-            <a:r>
-              <a:rPr lang="de-DE" sz="1400" dirty="0">
-                <a:latin typeface="Consolas" panose="020B0609020204030204" pitchFamily="49" charset="0"/>
-              </a:rPr>
-              <a:t> </a:t>
-            </a:r>
-            <a:r>
-              <a:rPr lang="de-DE" sz="1400" dirty="0" err="1">
-                <a:latin typeface="Consolas" panose="020B0609020204030204" pitchFamily="49" charset="0"/>
-              </a:rPr>
-              <a:t>login</a:t>
-            </a:r>
-            <a:r>
-              <a:rPr lang="de-DE" sz="1400" dirty="0">
-                <a:latin typeface="Consolas" panose="020B0609020204030204" pitchFamily="49" charset="0"/>
-              </a:rPr>
-              <a:t> -u $CI_REGISTRY_USER -p $CI_REGISTRY_PASSWORD $CI_REGISTRY</a:t>
-            </a:r>
-          </a:p>
-          <a:p>
-            <a:pPr marL="0" indent="0">
-              <a:buNone/>
-            </a:pPr>
-            <a:r>
-              <a:rPr lang="de-DE" sz="1400" dirty="0">
-                <a:latin typeface="Consolas" panose="020B0609020204030204" pitchFamily="49" charset="0"/>
-              </a:rPr>
-              <a:t>    - </a:t>
-            </a:r>
-            <a:r>
-              <a:rPr lang="de-DE" sz="1400" dirty="0" err="1">
-                <a:latin typeface="Consolas" panose="020B0609020204030204" pitchFamily="49" charset="0"/>
-              </a:rPr>
-              <a:t>docker</a:t>
-            </a:r>
-            <a:r>
-              <a:rPr lang="de-DE" sz="1400" dirty="0">
-                <a:latin typeface="Consolas" panose="020B0609020204030204" pitchFamily="49" charset="0"/>
-              </a:rPr>
-              <a:t> </a:t>
-            </a:r>
-            <a:r>
-              <a:rPr lang="de-DE" sz="1400" dirty="0" err="1">
-                <a:latin typeface="Consolas" panose="020B0609020204030204" pitchFamily="49" charset="0"/>
-              </a:rPr>
-              <a:t>build</a:t>
-            </a:r>
-            <a:r>
-              <a:rPr lang="de-DE" sz="1400" dirty="0">
-                <a:latin typeface="Consolas" panose="020B0609020204030204" pitchFamily="49" charset="0"/>
-              </a:rPr>
-              <a:t> -t $CI_REGISTRY/</a:t>
-            </a:r>
-            <a:r>
-              <a:rPr lang="de-DE" sz="1400" dirty="0" err="1">
-                <a:latin typeface="Consolas" panose="020B0609020204030204" pitchFamily="49" charset="0"/>
-              </a:rPr>
-              <a:t>group</a:t>
-            </a:r>
-            <a:r>
-              <a:rPr lang="de-DE" sz="1400" dirty="0">
-                <a:latin typeface="Consolas" panose="020B0609020204030204" pitchFamily="49" charset="0"/>
-              </a:rPr>
-              <a:t>/</a:t>
-            </a:r>
-            <a:r>
-              <a:rPr lang="de-DE" sz="1400" dirty="0" err="1">
-                <a:latin typeface="Consolas" panose="020B0609020204030204" pitchFamily="49" charset="0"/>
-              </a:rPr>
-              <a:t>project</a:t>
-            </a:r>
-            <a:r>
-              <a:rPr lang="de-DE" sz="1400" dirty="0">
-                <a:latin typeface="Consolas" panose="020B0609020204030204" pitchFamily="49" charset="0"/>
-              </a:rPr>
-              <a:t>/</a:t>
-            </a:r>
-            <a:r>
-              <a:rPr lang="de-DE" sz="1400" dirty="0" err="1">
-                <a:latin typeface="Consolas" panose="020B0609020204030204" pitchFamily="49" charset="0"/>
-              </a:rPr>
-              <a:t>image:latest</a:t>
-            </a:r>
-            <a:r>
-              <a:rPr lang="de-DE" sz="1400" dirty="0">
-                <a:latin typeface="Consolas" panose="020B0609020204030204" pitchFamily="49" charset="0"/>
-              </a:rPr>
-              <a:t> .</a:t>
-            </a:r>
-          </a:p>
-          <a:p>
-            <a:pPr marL="0" indent="0">
-              <a:buNone/>
-            </a:pPr>
-            <a:r>
-              <a:rPr lang="de-DE" sz="1400" dirty="0">
-                <a:latin typeface="Consolas" panose="020B0609020204030204" pitchFamily="49" charset="0"/>
-              </a:rPr>
-              <a:t>    - </a:t>
-            </a:r>
-            <a:r>
-              <a:rPr lang="de-DE" sz="1400" dirty="0" err="1">
-                <a:latin typeface="Consolas" panose="020B0609020204030204" pitchFamily="49" charset="0"/>
-              </a:rPr>
-              <a:t>docker</a:t>
-            </a:r>
-            <a:r>
-              <a:rPr lang="de-DE" sz="1400" dirty="0">
-                <a:latin typeface="Consolas" panose="020B0609020204030204" pitchFamily="49" charset="0"/>
-              </a:rPr>
-              <a:t> push $CI_REGISTRY/</a:t>
-            </a:r>
-            <a:r>
-              <a:rPr lang="de-DE" sz="1400" dirty="0" err="1">
-                <a:latin typeface="Consolas" panose="020B0609020204030204" pitchFamily="49" charset="0"/>
-              </a:rPr>
-              <a:t>group</a:t>
-            </a:r>
-            <a:r>
-              <a:rPr lang="de-DE" sz="1400" dirty="0">
-                <a:latin typeface="Consolas" panose="020B0609020204030204" pitchFamily="49" charset="0"/>
-              </a:rPr>
-              <a:t>/</a:t>
-            </a:r>
-            <a:r>
-              <a:rPr lang="de-DE" sz="1400" dirty="0" err="1">
-                <a:latin typeface="Consolas" panose="020B0609020204030204" pitchFamily="49" charset="0"/>
-              </a:rPr>
-              <a:t>project</a:t>
-            </a:r>
-            <a:r>
-              <a:rPr lang="de-DE" sz="1400" dirty="0">
-                <a:latin typeface="Consolas" panose="020B0609020204030204" pitchFamily="49" charset="0"/>
-              </a:rPr>
-              <a:t>/</a:t>
-            </a:r>
-            <a:r>
-              <a:rPr lang="de-DE" sz="1400" dirty="0" err="1">
-                <a:latin typeface="Consolas" panose="020B0609020204030204" pitchFamily="49" charset="0"/>
-              </a:rPr>
-              <a:t>image:latest</a:t>
-            </a:r>
-            <a:endParaRPr lang="de-DE" sz="1400" dirty="0">
-              <a:latin typeface="Consolas" panose="020B0609020204030204" pitchFamily="49" charset="0"/>
-            </a:endParaRPr>
-          </a:p>
-        </p:txBody>
-      </p:sp>
-    </p:spTree>
-    <p:extLst>
-      <p:ext uri="{BB962C8B-B14F-4D97-AF65-F5344CB8AC3E}">
-        <p14:creationId xmlns:p14="http://schemas.microsoft.com/office/powerpoint/2010/main" val="3629727755"/>
-      </p:ext>
-    </p:extLst>
-  </p:cSld>
-  <p:clrMapOvr>
-    <a:masterClrMapping/>
-  </p:clrMapOvr>
-</p:sld>
-</file>
-
-<file path=ppt/slides/slide37.xml><?xml version="1.0" encoding="utf-8"?>
-<p:sld xmlns:a="http://schemas.openxmlformats.org/drawingml/2006/main" xmlns:r="http://schemas.openxmlformats.org/officeDocument/2006/relationships" xmlns:p="http://schemas.openxmlformats.org/presentationml/2006/main">
-  <p:cSld>
-    <p:spTree>
-      <p:nvGrpSpPr>
-        <p:cNvPr id="1" name=""/>
-        <p:cNvGrpSpPr/>
-        <p:nvPr/>
-      </p:nvGrpSpPr>
-      <p:grpSpPr>
-        <a:xfrm>
-          <a:off x="0" y="0"/>
-          <a:ext cx="0" cy="0"/>
-          <a:chOff x="0" y="0"/>
-          <a:chExt cx="0" cy="0"/>
-        </a:xfrm>
-      </p:grpSpPr>
-      <p:sp>
-        <p:nvSpPr>
-          <p:cNvPr id="2" name="Titel 1">
-            <a:extLst>
-              <a:ext uri="{FF2B5EF4-FFF2-40B4-BE49-F238E27FC236}">
-                <a16:creationId xmlns:a16="http://schemas.microsoft.com/office/drawing/2014/main" id="{0A6ADA43-34C1-347C-FD8E-BF87A5A77FC5}"/>
-              </a:ext>
-            </a:extLst>
-          </p:cNvPr>
-          <p:cNvSpPr>
-            <a:spLocks noGrp="1"/>
-          </p:cNvSpPr>
-          <p:nvPr>
-            <p:ph type="title"/>
-          </p:nvPr>
-        </p:nvSpPr>
-        <p:spPr/>
-        <p:txBody>
-          <a:bodyPr/>
-          <a:lstStyle/>
-          <a:p>
-            <a:r>
-              <a:rPr lang="de-DE" cap="none" dirty="0"/>
-              <a:t>Release- und </a:t>
-            </a:r>
-            <a:r>
-              <a:rPr lang="de-DE" cap="none" dirty="0" err="1"/>
-              <a:t>Tagged</a:t>
-            </a:r>
-            <a:r>
-              <a:rPr lang="de-DE" cap="none" dirty="0"/>
-              <a:t>-Images</a:t>
-            </a:r>
-            <a:endParaRPr lang="de-DE" dirty="0"/>
-          </a:p>
-        </p:txBody>
-      </p:sp>
-      <p:sp>
-        <p:nvSpPr>
-          <p:cNvPr id="3" name="Inhaltsplatzhalter 2">
-            <a:extLst>
-              <a:ext uri="{FF2B5EF4-FFF2-40B4-BE49-F238E27FC236}">
-                <a16:creationId xmlns:a16="http://schemas.microsoft.com/office/drawing/2014/main" id="{4D911ADB-7C0F-98E1-85DA-1C884339CE08}"/>
-              </a:ext>
-            </a:extLst>
-          </p:cNvPr>
-          <p:cNvSpPr>
-            <a:spLocks noGrp="1"/>
-          </p:cNvSpPr>
-          <p:nvPr>
-            <p:ph idx="1"/>
-          </p:nvPr>
-        </p:nvSpPr>
-        <p:spPr/>
-        <p:txBody>
-          <a:bodyPr/>
-          <a:lstStyle/>
-          <a:p>
-            <a:pPr marL="0" indent="0">
-              <a:buNone/>
-            </a:pPr>
-            <a:r>
-              <a:rPr lang="de-DE" b="1" dirty="0"/>
-              <a:t>Aufgabe 2: Docker-in-Docker mit Variablen erweitern</a:t>
-            </a:r>
-          </a:p>
-          <a:p>
-            <a:pPr marL="457200" indent="-457200">
-              <a:buFont typeface="+mj-lt"/>
-              <a:buAutoNum type="arabicPeriod"/>
-            </a:pPr>
-            <a:r>
-              <a:rPr lang="de-DE" b="1" dirty="0"/>
-              <a:t>Ziel: </a:t>
-            </a:r>
-            <a:r>
-              <a:rPr lang="de-DE" dirty="0"/>
-              <a:t>Verständnis der Variablen schärfen</a:t>
-            </a:r>
-          </a:p>
-          <a:p>
-            <a:pPr marL="457200" indent="-457200">
-              <a:buFont typeface="+mj-lt"/>
-              <a:buAutoNum type="arabicPeriod"/>
-            </a:pPr>
-            <a:r>
-              <a:rPr lang="de-DE" b="1" dirty="0"/>
-              <a:t>Schritte:</a:t>
-            </a:r>
-          </a:p>
-          <a:p>
-            <a:pPr marL="857250" lvl="1" indent="-457200">
-              <a:buFont typeface="Arial" panose="020B0604020202020204" pitchFamily="34" charset="0"/>
-              <a:buChar char="•"/>
-            </a:pPr>
-            <a:r>
-              <a:rPr lang="de-DE" dirty="0"/>
-              <a:t>Fügen Sie die Variable </a:t>
-            </a:r>
-            <a:r>
-              <a:rPr lang="de-DE" sz="2000" dirty="0">
-                <a:latin typeface="Consolas" panose="020B0609020204030204" pitchFamily="49" charset="0"/>
-              </a:rPr>
-              <a:t>IMAGE_TAG</a:t>
-            </a:r>
-            <a:r>
-              <a:rPr lang="de-DE" sz="2000" dirty="0"/>
-              <a:t> hinzu</a:t>
-            </a:r>
-          </a:p>
-          <a:p>
-            <a:pPr marL="857250" lvl="1" indent="-457200">
-              <a:buFont typeface="Arial" panose="020B0604020202020204" pitchFamily="34" charset="0"/>
-              <a:buChar char="•"/>
-            </a:pPr>
-            <a:r>
-              <a:rPr lang="de-DE" dirty="0"/>
-              <a:t>Nutzen Sie die neue Variable im </a:t>
-            </a:r>
-            <a:r>
-              <a:rPr lang="de-DE" dirty="0" err="1">
-                <a:latin typeface="Consolas" panose="020B0609020204030204" pitchFamily="49" charset="0"/>
-              </a:rPr>
-              <a:t>script</a:t>
-            </a:r>
-            <a:r>
-              <a:rPr lang="de-DE" dirty="0"/>
-              <a:t> Teil</a:t>
-            </a:r>
-          </a:p>
-          <a:p>
-            <a:pPr marL="857250" lvl="1" indent="-457200">
-              <a:buFont typeface="Arial" panose="020B0604020202020204" pitchFamily="34" charset="0"/>
-              <a:buChar char="•"/>
-            </a:pPr>
-            <a:endParaRPr lang="de-DE" dirty="0"/>
-          </a:p>
-          <a:p>
-            <a:pPr marL="457200" indent="-457200">
-              <a:buFont typeface="+mj-lt"/>
-              <a:buAutoNum type="arabicPeriod"/>
-            </a:pPr>
-            <a:r>
-              <a:rPr lang="de-DE" b="1" dirty="0"/>
-              <a:t>Hinweise:</a:t>
-            </a:r>
-          </a:p>
-          <a:p>
-            <a:pPr marL="857250" lvl="1" indent="-457200">
-              <a:buFont typeface="Arial" panose="020B0604020202020204" pitchFamily="34" charset="0"/>
-              <a:buChar char="•"/>
-            </a:pPr>
-            <a:r>
-              <a:rPr lang="de-DE" dirty="0"/>
-              <a:t>IMAGE_TAG wird später beim </a:t>
-            </a:r>
-            <a:r>
-              <a:rPr lang="de-DE" dirty="0" err="1"/>
-              <a:t>build</a:t>
-            </a:r>
-            <a:r>
-              <a:rPr lang="de-DE" dirty="0"/>
-              <a:t> und push benötigt</a:t>
-            </a:r>
-          </a:p>
-          <a:p>
-            <a:pPr marL="857250" lvl="1" indent="-457200">
-              <a:buFont typeface="Arial" panose="020B0604020202020204" pitchFamily="34" charset="0"/>
-              <a:buChar char="•"/>
-            </a:pPr>
-            <a:r>
-              <a:rPr lang="de-DE" dirty="0"/>
-              <a:t>Beim Docker-in-Docker Container Image haben Sie </a:t>
-            </a:r>
-            <a:r>
-              <a:rPr lang="de-DE" dirty="0" err="1"/>
-              <a:t>GitLab</a:t>
-            </a:r>
-            <a:r>
-              <a:rPr lang="de-DE" dirty="0"/>
-              <a:t>-</a:t>
-            </a:r>
-            <a:r>
-              <a:rPr lang="de-DE" dirty="0" err="1"/>
-              <a:t>predefined</a:t>
-            </a:r>
-            <a:r>
-              <a:rPr lang="de-DE" dirty="0"/>
-              <a:t>-Variables kennengelernt</a:t>
-            </a:r>
-          </a:p>
-          <a:p>
-            <a:pPr marL="857250" lvl="1" indent="-457200">
-              <a:buFont typeface="Arial" panose="020B0604020202020204" pitchFamily="34" charset="0"/>
-              <a:buChar char="•"/>
-            </a:pPr>
-            <a:r>
-              <a:rPr lang="de-DE" dirty="0"/>
-              <a:t>$CI_COMMIT_REF_SLUG ist eine vordefinierte Variable in </a:t>
-            </a:r>
-            <a:r>
-              <a:rPr lang="de-DE" dirty="0" err="1"/>
-              <a:t>GitLab</a:t>
-            </a:r>
-            <a:r>
-              <a:rPr lang="de-DE" dirty="0"/>
-              <a:t> und ist der Branch- oder Tag-Name </a:t>
-            </a:r>
-            <a:r>
-              <a:rPr lang="de-DE" dirty="0" err="1"/>
-              <a:t>sanitized</a:t>
-            </a:r>
-            <a:r>
-              <a:rPr lang="de-DE" dirty="0"/>
-              <a:t> und </a:t>
-            </a:r>
-            <a:r>
-              <a:rPr lang="de-DE" dirty="0" err="1"/>
-              <a:t>lowercase</a:t>
-            </a:r>
-            <a:endParaRPr lang="de-DE" dirty="0"/>
-          </a:p>
-          <a:p>
-            <a:pPr marL="857250" lvl="1" indent="-457200">
-              <a:buFont typeface="Arial" panose="020B0604020202020204" pitchFamily="34" charset="0"/>
-              <a:buChar char="•"/>
-            </a:pPr>
-            <a:endParaRPr lang="de-DE" dirty="0"/>
-          </a:p>
-          <a:p>
-            <a:pPr marL="857250" lvl="1" indent="-457200">
-              <a:buFont typeface="Arial" panose="020B0604020202020204" pitchFamily="34" charset="0"/>
-              <a:buChar char="•"/>
-            </a:pPr>
-            <a:endParaRPr lang="de-DE" dirty="0"/>
-          </a:p>
-          <a:p>
-            <a:pPr marL="857250" lvl="1" indent="-457200">
-              <a:buFont typeface="Arial" panose="020B0604020202020204" pitchFamily="34" charset="0"/>
-              <a:buChar char="•"/>
-            </a:pPr>
-            <a:endParaRPr lang="de-DE" dirty="0"/>
-          </a:p>
-        </p:txBody>
-      </p:sp>
-    </p:spTree>
-    <p:extLst>
-      <p:ext uri="{BB962C8B-B14F-4D97-AF65-F5344CB8AC3E}">
-        <p14:creationId xmlns:p14="http://schemas.microsoft.com/office/powerpoint/2010/main" val="269078200"/>
-      </p:ext>
-    </p:extLst>
-  </p:cSld>
-  <p:clrMapOvr>
-    <a:masterClrMapping/>
-  </p:clrMapOvr>
-</p:sld>
-</file>
-
-<file path=ppt/slides/slide38.xml><?xml version="1.0" encoding="utf-8"?>
-<p:sld xmlns:a="http://schemas.openxmlformats.org/drawingml/2006/main" xmlns:r="http://schemas.openxmlformats.org/officeDocument/2006/relationships" xmlns:p="http://schemas.openxmlformats.org/presentationml/2006/main">
-  <p:cSld>
-    <p:spTree>
-      <p:nvGrpSpPr>
-        <p:cNvPr id="1" name=""/>
-        <p:cNvGrpSpPr/>
-        <p:nvPr/>
-      </p:nvGrpSpPr>
-      <p:grpSpPr>
-        <a:xfrm>
-          <a:off x="0" y="0"/>
-          <a:ext cx="0" cy="0"/>
-          <a:chOff x="0" y="0"/>
-          <a:chExt cx="0" cy="0"/>
-        </a:xfrm>
-      </p:grpSpPr>
-      <p:sp>
-        <p:nvSpPr>
-          <p:cNvPr id="2" name="Titel 1">
-            <a:extLst>
-              <a:ext uri="{FF2B5EF4-FFF2-40B4-BE49-F238E27FC236}">
-                <a16:creationId xmlns:a16="http://schemas.microsoft.com/office/drawing/2014/main" id="{49A48EBC-55D9-6D64-715F-AF6DEBF117C3}"/>
-              </a:ext>
-            </a:extLst>
-          </p:cNvPr>
-          <p:cNvSpPr>
-            <a:spLocks noGrp="1"/>
-          </p:cNvSpPr>
-          <p:nvPr>
-            <p:ph type="title"/>
-          </p:nvPr>
-        </p:nvSpPr>
-        <p:spPr/>
-        <p:txBody>
-          <a:bodyPr/>
-          <a:lstStyle/>
-          <a:p>
-            <a:r>
-              <a:rPr lang="de-DE" cap="none" dirty="0"/>
-              <a:t>Release- und </a:t>
-            </a:r>
-            <a:r>
-              <a:rPr lang="de-DE" cap="none" dirty="0" err="1"/>
-              <a:t>Tagged</a:t>
-            </a:r>
-            <a:r>
-              <a:rPr lang="de-DE" cap="none" dirty="0"/>
-              <a:t>-Images</a:t>
-            </a:r>
-            <a:endParaRPr lang="de-DE" dirty="0"/>
-          </a:p>
-        </p:txBody>
-      </p:sp>
-      <p:sp>
-        <p:nvSpPr>
-          <p:cNvPr id="3" name="Inhaltsplatzhalter 2">
-            <a:extLst>
-              <a:ext uri="{FF2B5EF4-FFF2-40B4-BE49-F238E27FC236}">
-                <a16:creationId xmlns:a16="http://schemas.microsoft.com/office/drawing/2014/main" id="{7B404127-ED2B-6905-BDD1-3C60D11A2A7C}"/>
-              </a:ext>
-            </a:extLst>
-          </p:cNvPr>
-          <p:cNvSpPr>
-            <a:spLocks noGrp="1"/>
-          </p:cNvSpPr>
-          <p:nvPr>
-            <p:ph idx="1"/>
-          </p:nvPr>
-        </p:nvSpPr>
-        <p:spPr/>
-        <p:txBody>
-          <a:bodyPr/>
-          <a:lstStyle/>
-          <a:p>
-            <a:pPr marL="0" indent="0">
-              <a:buNone/>
-            </a:pPr>
-            <a:r>
-              <a:rPr lang="de-DE" b="1" dirty="0"/>
               <a:t>Lösung 2: Docker-in-Docker mit Variablen</a:t>
             </a:r>
           </a:p>
@@ -16475,7 +15478,13 @@
       </p:grpSpPr>
       <p:sp>
         <p:nvSpPr>
-          <p:cNvPr id="2" name="Titel 1"/>
+          <p:cNvPr id="2" name="Titel 1">
+            <a:extLst>
+              <a:ext uri="{FF2B5EF4-FFF2-40B4-BE49-F238E27FC236}">
+                <a16:creationId xmlns:a16="http://schemas.microsoft.com/office/drawing/2014/main" id="{5874EA8E-7A71-3505-B01E-D0E8A26AAC59}"/>
+              </a:ext>
+            </a:extLst>
+          </p:cNvPr>
           <p:cNvSpPr>
             <a:spLocks noGrp="1"/>
           </p:cNvSpPr>
@@ -16500,17 +15509,24 @@
               <a:rPr lang="de-DE" cap="none" dirty="0"/>
               <a:t>-Images</a:t>
             </a:r>
+            <a:endParaRPr lang="de-DE" dirty="0"/>
           </a:p>
         </p:txBody>
       </p:sp>
       <p:sp>
         <p:nvSpPr>
-          <p:cNvPr id="3" name="Untertitel 2"/>
+          <p:cNvPr id="3" name="Inhaltsplatzhalter 2">
+            <a:extLst>
+              <a:ext uri="{FF2B5EF4-FFF2-40B4-BE49-F238E27FC236}">
+                <a16:creationId xmlns:a16="http://schemas.microsoft.com/office/drawing/2014/main" id="{D4DA2B4E-C5FB-6595-34A6-E18A9AA0157D}"/>
+              </a:ext>
+            </a:extLst>
+          </p:cNvPr>
           <p:cNvSpPr>
             <a:spLocks noGrp="1"/>
           </p:cNvSpPr>
           <p:nvPr>
-            <p:ph type="body" idx="1"/>
+            <p:ph idx="1"/>
           </p:nvPr>
         </p:nvSpPr>
         <p:spPr/>
@@ -16518,9 +15534,72 @@
           <a:bodyPr/>
           <a:lstStyle/>
           <a:p>
+            <a:pPr marL="0" indent="0">
+              <a:buNone/>
+            </a:pPr>
+            <a:r>
+              <a:rPr lang="de-DE" b="1" dirty="0"/>
+              <a:t>Tagging von Docker Images</a:t>
+            </a:r>
+          </a:p>
+          <a:p>
+            <a:pPr>
+              <a:buFont typeface="Arial" panose="020B0604020202020204" pitchFamily="34" charset="0"/>
+              <a:buChar char="•"/>
+            </a:pPr>
             <a:r>
               <a:rPr lang="de-DE" dirty="0"/>
-              <a:t>Erstellen von</a:t>
+              <a:t>Was ist Tagging?</a:t>
+            </a:r>
+          </a:p>
+          <a:p>
+            <a:pPr>
+              <a:buFont typeface="Arial" panose="020B0604020202020204" pitchFamily="34" charset="0"/>
+              <a:buChar char="•"/>
+            </a:pPr>
+            <a:r>
+              <a:rPr lang="de-DE" dirty="0"/>
+              <a:t>Warum Tagging?</a:t>
+            </a:r>
+          </a:p>
+          <a:p>
+            <a:pPr>
+              <a:buFont typeface="Arial" panose="020B0604020202020204" pitchFamily="34" charset="0"/>
+              <a:buChar char="•"/>
+            </a:pPr>
+            <a:r>
+              <a:rPr lang="de-DE" dirty="0"/>
+              <a:t>Tagging während des </a:t>
+            </a:r>
+            <a:r>
+              <a:rPr lang="de-DE" dirty="0" err="1"/>
+              <a:t>Builds</a:t>
+            </a:r>
+            <a:endParaRPr lang="de-DE" dirty="0"/>
+          </a:p>
+          <a:p>
+            <a:pPr>
+              <a:buFont typeface="Arial" panose="020B0604020202020204" pitchFamily="34" charset="0"/>
+              <a:buChar char="•"/>
+            </a:pPr>
+            <a:r>
+              <a:rPr lang="de-DE" dirty="0"/>
+              <a:t>Tagging nach dem </a:t>
+            </a:r>
+            <a:r>
+              <a:rPr lang="de-DE" dirty="0" err="1"/>
+              <a:t>Build</a:t>
+            </a:r>
+            <a:endParaRPr lang="de-DE" dirty="0"/>
+          </a:p>
+          <a:p>
+            <a:pPr>
+              <a:buFont typeface="Arial" panose="020B0604020202020204" pitchFamily="34" charset="0"/>
+              <a:buChar char="•"/>
+            </a:pPr>
+            <a:r>
+              <a:rPr lang="de-DE" dirty="0"/>
+              <a:t>Best Practices</a:t>
             </a:r>
           </a:p>
         </p:txBody>
@@ -16528,7 +15607,7 @@
     </p:spTree>
     <p:extLst>
       <p:ext uri="{BB962C8B-B14F-4D97-AF65-F5344CB8AC3E}">
-        <p14:creationId xmlns:p14="http://schemas.microsoft.com/office/powerpoint/2010/main" val="614702079"/>
+        <p14:creationId xmlns:p14="http://schemas.microsoft.com/office/powerpoint/2010/main" val="842267129"/>
       </p:ext>
     </p:extLst>
   </p:cSld>
@@ -16618,8 +15697,14 @@
             </a:pPr>
             <a:r>
               <a:rPr lang="de-DE" b="1" dirty="0"/>
-              <a:t>Inhalt</a:t>
-            </a:r>
+              <a:t>Was ist Tagging?</a:t>
+            </a:r>
+          </a:p>
+          <a:p>
+            <a:pPr marL="0" indent="0">
+              <a:buNone/>
+            </a:pPr>
+            <a:endParaRPr lang="de-DE" b="1" dirty="0"/>
           </a:p>
           <a:p>
             <a:pPr>
@@ -16628,7 +15713,7 @@
             </a:pPr>
             <a:r>
               <a:rPr lang="de-DE" dirty="0"/>
-              <a:t>Tagging von Docker Images</a:t>
+              <a:t>Aussagekräftige Labels für Images</a:t>
             </a:r>
           </a:p>
           <a:p>
@@ -16638,7 +15723,35 @@
             </a:pPr>
             <a:r>
               <a:rPr lang="de-DE" dirty="0"/>
-              <a:t>Strategien zum Image Tagging</a:t>
+              <a:t>Docker Image: </a:t>
+            </a:r>
+            <a:r>
+              <a:rPr lang="de-DE" dirty="0" err="1"/>
+              <a:t>unique</a:t>
+            </a:r>
+            <a:r>
+              <a:rPr lang="de-DE" dirty="0"/>
+              <a:t> ID</a:t>
+            </a:r>
+          </a:p>
+          <a:p>
+            <a:pPr lvl="1">
+              <a:buFont typeface="Arial" panose="020B0604020202020204" pitchFamily="34" charset="0"/>
+              <a:buChar char="•"/>
+            </a:pPr>
+            <a:r>
+              <a:rPr lang="de-DE" dirty="0"/>
+              <a:t>Beispiel: myimage:1f6ad45c7b3</a:t>
+            </a:r>
+          </a:p>
+          <a:p>
+            <a:pPr lvl="1">
+              <a:buFont typeface="Arial" panose="020B0604020202020204" pitchFamily="34" charset="0"/>
+              <a:buChar char="•"/>
+            </a:pPr>
+            <a:r>
+              <a:rPr lang="de-DE" dirty="0"/>
+              <a:t>Arbeiten mit IDs umständlich</a:t>
             </a:r>
           </a:p>
           <a:p>
@@ -16648,11 +15761,23 @@
             </a:pPr>
             <a:r>
               <a:rPr lang="de-DE" dirty="0"/>
-              <a:t>Verwendung mit </a:t>
-            </a:r>
-            <a:r>
-              <a:rPr lang="de-DE" dirty="0" err="1"/>
-              <a:t>GitLab</a:t>
+              <a:t>Alternative: Image Tagging!</a:t>
+            </a:r>
+          </a:p>
+          <a:p>
+            <a:pPr lvl="1">
+              <a:buFont typeface="Arial" panose="020B0604020202020204" pitchFamily="34" charset="0"/>
+              <a:buChar char="•"/>
+            </a:pPr>
+            <a:r>
+              <a:rPr lang="de-DE" dirty="0"/>
+              <a:t>Beispiel: myimage</a:t>
+            </a:r>
+            <a:r>
+              <a:rPr lang="de-DE" dirty="0">
+                <a:latin typeface="Consolas" panose="020B0609020204030204" pitchFamily="49" charset="0"/>
+              </a:rPr>
+              <a:t>:2.4.2</a:t>
             </a:r>
             <a:endParaRPr lang="de-DE" dirty="0"/>
           </a:p>
@@ -16661,7 +15786,7 @@
     </p:spTree>
     <p:extLst>
       <p:ext uri="{BB962C8B-B14F-4D97-AF65-F5344CB8AC3E}">
-        <p14:creationId xmlns:p14="http://schemas.microsoft.com/office/powerpoint/2010/main" val="2341426077"/>
+        <p14:creationId xmlns:p14="http://schemas.microsoft.com/office/powerpoint/2010/main" val="3049989104"/>
       </p:ext>
     </p:extLst>
   </p:cSld>
@@ -16751,8 +15876,14 @@
             </a:pPr>
             <a:r>
               <a:rPr lang="de-DE" b="1" dirty="0"/>
-              <a:t>Tagging von Docker Images</a:t>
-            </a:r>
+              <a:t>Warum Tagging?</a:t>
+            </a:r>
+          </a:p>
+          <a:p>
+            <a:pPr marL="0" indent="0">
+              <a:buNone/>
+            </a:pPr>
+            <a:endParaRPr lang="de-DE" b="1" dirty="0"/>
           </a:p>
           <a:p>
             <a:pPr>
@@ -16761,7 +15892,17 @@
             </a:pPr>
             <a:r>
               <a:rPr lang="de-DE" dirty="0"/>
-              <a:t>Was ist Tagging?</a:t>
+              <a:t>Lesbarkeit</a:t>
+            </a:r>
+          </a:p>
+          <a:p>
+            <a:pPr lvl="1">
+              <a:buFont typeface="Arial" panose="020B0604020202020204" pitchFamily="34" charset="0"/>
+              <a:buChar char="•"/>
+            </a:pPr>
+            <a:r>
+              <a:rPr lang="de-DE" dirty="0"/>
+              <a:t>ID vs. Tag (lesbar und benutzerfreundlicher)</a:t>
             </a:r>
           </a:p>
           <a:p>
@@ -16771,7 +15912,17 @@
             </a:pPr>
             <a:r>
               <a:rPr lang="de-DE" dirty="0"/>
-              <a:t>Warum Tagging?</a:t>
+              <a:t>Versionskontrolle</a:t>
+            </a:r>
+          </a:p>
+          <a:p>
+            <a:pPr lvl="1">
+              <a:buFont typeface="Arial" panose="020B0604020202020204" pitchFamily="34" charset="0"/>
+              <a:buChar char="•"/>
+            </a:pPr>
+            <a:r>
+              <a:rPr lang="de-DE" dirty="0"/>
+              <a:t>Wartung verschiedener Versionen</a:t>
             </a:r>
           </a:p>
           <a:p>
@@ -16781,7 +15932,17 @@
             </a:pPr>
             <a:r>
               <a:rPr lang="de-DE" dirty="0"/>
-              <a:t>Tagging während des </a:t>
+              <a:t>Rückverfolgbarkeit und Verantwortlichkeit</a:t>
+            </a:r>
+          </a:p>
+          <a:p>
+            <a:pPr lvl="1">
+              <a:buFont typeface="Arial" panose="020B0604020202020204" pitchFamily="34" charset="0"/>
+              <a:buChar char="•"/>
+            </a:pPr>
+            <a:r>
+              <a:rPr lang="de-DE" dirty="0"/>
+              <a:t>Herkunft und Verlauf eines </a:t>
             </a:r>
             <a:r>
               <a:rPr lang="de-DE" dirty="0" err="1"/>
@@ -16790,28 +15951,41 @@
             <a:endParaRPr lang="de-DE" dirty="0"/>
           </a:p>
           <a:p>
+            <a:pPr lvl="1">
+              <a:buFont typeface="Arial" panose="020B0604020202020204" pitchFamily="34" charset="0"/>
+              <a:buChar char="•"/>
+            </a:pPr>
+            <a:r>
+              <a:rPr lang="de-DE" dirty="0"/>
+              <a:t>Historie</a:t>
+            </a:r>
+          </a:p>
+          <a:p>
             <a:pPr>
               <a:buFont typeface="Arial" panose="020B0604020202020204" pitchFamily="34" charset="0"/>
               <a:buChar char="•"/>
             </a:pPr>
             <a:r>
               <a:rPr lang="de-DE" dirty="0"/>
-              <a:t>Tagging nach dem </a:t>
+              <a:t>Vereinfachtes </a:t>
             </a:r>
             <a:r>
               <a:rPr lang="de-DE" dirty="0" err="1"/>
-              <a:t>Build</a:t>
-            </a:r>
-            <a:endParaRPr lang="de-DE" dirty="0"/>
-          </a:p>
-          <a:p>
-            <a:pPr>
-              <a:buFont typeface="Arial" panose="020B0604020202020204" pitchFamily="34" charset="0"/>
-              <a:buChar char="•"/>
-            </a:pPr>
+              <a:t>Deployment</a:t>
+            </a:r>
             <a:r>
               <a:rPr lang="de-DE" dirty="0"/>
-              <a:t>Best Practices</a:t>
+              <a:t> &amp; Automatisierung</a:t>
+            </a:r>
+          </a:p>
+          <a:p>
+            <a:pPr lvl="1">
+              <a:buFont typeface="Arial" panose="020B0604020202020204" pitchFamily="34" charset="0"/>
+              <a:buChar char="•"/>
+            </a:pPr>
+            <a:r>
+              <a:rPr lang="de-DE" dirty="0"/>
+              <a:t>Durch konsistente Tagging-Strategie</a:t>
             </a:r>
           </a:p>
         </p:txBody>
@@ -16819,7 +15993,7 @@
     </p:spTree>
     <p:extLst>
       <p:ext uri="{BB962C8B-B14F-4D97-AF65-F5344CB8AC3E}">
-        <p14:creationId xmlns:p14="http://schemas.microsoft.com/office/powerpoint/2010/main" val="842267129"/>
+        <p14:creationId xmlns:p14="http://schemas.microsoft.com/office/powerpoint/2010/main" val="2151935054"/>
       </p:ext>
     </p:extLst>
   </p:cSld>
@@ -16909,96 +16083,102 @@
             </a:pPr>
             <a:r>
               <a:rPr lang="de-DE" b="1" dirty="0"/>
-              <a:t>Was ist Tagging?</a:t>
-            </a:r>
+              <a:t>Tagging </a:t>
+            </a:r>
+            <a:r>
+              <a:rPr lang="de-DE" b="1" u="sng" dirty="0"/>
+              <a:t>während</a:t>
+            </a:r>
+            <a:r>
+              <a:rPr lang="de-DE" b="1" dirty="0"/>
+              <a:t> des </a:t>
+            </a:r>
+            <a:r>
+              <a:rPr lang="de-DE" b="1" dirty="0" err="1"/>
+              <a:t>Builds</a:t>
+            </a:r>
+            <a:endParaRPr lang="de-DE" b="1" dirty="0"/>
+          </a:p>
+          <a:p>
+            <a:pPr>
+              <a:buFont typeface="Arial" panose="020B0604020202020204" pitchFamily="34" charset="0"/>
+              <a:buChar char="•"/>
+            </a:pPr>
+            <a:r>
+              <a:rPr lang="de-DE" dirty="0"/>
+              <a:t>Mit dem –t </a:t>
+            </a:r>
+            <a:r>
+              <a:rPr lang="de-DE" dirty="0" err="1"/>
+              <a:t>Flag</a:t>
+            </a:r>
+            <a:r>
+              <a:rPr lang="de-DE" dirty="0"/>
+              <a:t> während des </a:t>
+            </a:r>
+            <a:r>
+              <a:rPr lang="de-DE" dirty="0" err="1"/>
+              <a:t>Build</a:t>
+            </a:r>
+            <a:r>
+              <a:rPr lang="de-DE" dirty="0"/>
+              <a:t>-Prozesses</a:t>
+            </a:r>
+          </a:p>
+          <a:p>
+            <a:pPr>
+              <a:buFont typeface="Arial" panose="020B0604020202020204" pitchFamily="34" charset="0"/>
+              <a:buChar char="•"/>
+            </a:pPr>
+            <a:endParaRPr lang="de-DE" dirty="0"/>
           </a:p>
           <a:p>
             <a:pPr marL="0" indent="0">
               <a:buNone/>
             </a:pPr>
-            <a:endParaRPr lang="de-DE" b="1" dirty="0"/>
-          </a:p>
-          <a:p>
-            <a:pPr>
-              <a:buFont typeface="Arial" panose="020B0604020202020204" pitchFamily="34" charset="0"/>
-              <a:buChar char="•"/>
-            </a:pPr>
-            <a:r>
-              <a:rPr lang="de-DE" dirty="0"/>
-              <a:t>Aussagekräftige Labels für Images</a:t>
-            </a:r>
-          </a:p>
-          <a:p>
-            <a:pPr>
-              <a:buFont typeface="Arial" panose="020B0604020202020204" pitchFamily="34" charset="0"/>
-              <a:buChar char="•"/>
-            </a:pPr>
-            <a:r>
-              <a:rPr lang="de-DE" dirty="0"/>
-              <a:t>Docker Image: </a:t>
-            </a:r>
-            <a:r>
-              <a:rPr lang="de-DE" dirty="0" err="1"/>
-              <a:t>unique</a:t>
-            </a:r>
-            <a:r>
-              <a:rPr lang="de-DE" dirty="0"/>
-              <a:t> ID</a:t>
-            </a:r>
-          </a:p>
-          <a:p>
-            <a:pPr lvl="1">
-              <a:buFont typeface="Arial" panose="020B0604020202020204" pitchFamily="34" charset="0"/>
-              <a:buChar char="•"/>
-            </a:pPr>
-            <a:r>
-              <a:rPr lang="de-DE" dirty="0"/>
-              <a:t>Beispiel: myimage:1f6ad45c7b3</a:t>
-            </a:r>
-          </a:p>
-          <a:p>
-            <a:pPr lvl="1">
-              <a:buFont typeface="Arial" panose="020B0604020202020204" pitchFamily="34" charset="0"/>
-              <a:buChar char="•"/>
-            </a:pPr>
-            <a:r>
-              <a:rPr lang="de-DE" dirty="0"/>
-              <a:t>Arbeiten mit IDs umständlich</a:t>
-            </a:r>
-          </a:p>
-          <a:p>
-            <a:pPr>
-              <a:buFont typeface="Arial" panose="020B0604020202020204" pitchFamily="34" charset="0"/>
-              <a:buChar char="•"/>
-            </a:pPr>
-            <a:r>
-              <a:rPr lang="de-DE" dirty="0"/>
-              <a:t>Alternative: Image Tagging!</a:t>
-            </a:r>
-          </a:p>
-          <a:p>
-            <a:pPr lvl="1">
-              <a:buFont typeface="Arial" panose="020B0604020202020204" pitchFamily="34" charset="0"/>
-              <a:buChar char="•"/>
-            </a:pPr>
-            <a:r>
-              <a:rPr lang="de-DE" dirty="0"/>
-              <a:t>Beispiel: myimage</a:t>
+            <a:r>
+              <a:rPr lang="de-DE" dirty="0" err="1">
+                <a:latin typeface="Consolas" panose="020B0609020204030204" pitchFamily="49" charset="0"/>
+              </a:rPr>
+              <a:t>docker</a:t>
             </a:r>
             <a:r>
               <a:rPr lang="de-DE" dirty="0">
                 <a:latin typeface="Consolas" panose="020B0609020204030204" pitchFamily="49" charset="0"/>
               </a:rPr>
-              <a:t>:2.4.2</a:t>
-            </a:r>
-            <a:endParaRPr lang="de-DE" dirty="0"/>
+              <a:t> </a:t>
+            </a:r>
+            <a:r>
+              <a:rPr lang="de-DE" dirty="0" err="1">
+                <a:latin typeface="Consolas" panose="020B0609020204030204" pitchFamily="49" charset="0"/>
+              </a:rPr>
+              <a:t>build</a:t>
+            </a:r>
+            <a:r>
+              <a:rPr lang="de-DE" dirty="0">
+                <a:latin typeface="Consolas" panose="020B0609020204030204" pitchFamily="49" charset="0"/>
+              </a:rPr>
+              <a:t> –t [</a:t>
+            </a:r>
+            <a:r>
+              <a:rPr lang="de-DE" dirty="0" err="1">
+                <a:latin typeface="Consolas" panose="020B0609020204030204" pitchFamily="49" charset="0"/>
+              </a:rPr>
+              <a:t>repository</a:t>
+            </a:r>
+            <a:r>
+              <a:rPr lang="de-DE" dirty="0">
+                <a:latin typeface="Consolas" panose="020B0609020204030204" pitchFamily="49" charset="0"/>
+              </a:rPr>
+              <a:t>]:[TAG] .</a:t>
+            </a:r>
           </a:p>
         </p:txBody>
       </p:sp>
     </p:spTree>
     <p:extLst>
       <p:ext uri="{BB962C8B-B14F-4D97-AF65-F5344CB8AC3E}">
-        <p14:creationId xmlns:p14="http://schemas.microsoft.com/office/powerpoint/2010/main" val="3049989104"/>
+        <p14:creationId xmlns:p14="http://schemas.microsoft.com/office/powerpoint/2010/main" val="1486928609"/>
       </p:ext>
     </p:extLst>
   </p:cSld>
@@ -17088,116 +16268,82 @@
             </a:pPr>
             <a:r>
               <a:rPr lang="de-DE" b="1" dirty="0"/>
-              <a:t>Warum Tagging?</a:t>
-            </a:r>
+              <a:t>Tagging </a:t>
+            </a:r>
+            <a:r>
+              <a:rPr lang="de-DE" b="1" u="sng" dirty="0"/>
+              <a:t>nach</a:t>
+            </a:r>
+            <a:r>
+              <a:rPr lang="de-DE" b="1" dirty="0"/>
+              <a:t> dem </a:t>
+            </a:r>
+            <a:r>
+              <a:rPr lang="de-DE" b="1" dirty="0" err="1"/>
+              <a:t>Build</a:t>
+            </a:r>
+            <a:endParaRPr lang="de-DE" b="1" dirty="0"/>
+          </a:p>
+          <a:p>
+            <a:pPr>
+              <a:buFont typeface="Arial" panose="020B0604020202020204" pitchFamily="34" charset="0"/>
+              <a:buChar char="•"/>
+            </a:pPr>
+            <a:r>
+              <a:rPr lang="de-DE" dirty="0"/>
+              <a:t>Vorhandene Images mit </a:t>
+            </a:r>
+            <a:r>
+              <a:rPr lang="de-DE" dirty="0" err="1">
+                <a:latin typeface="Consolas" panose="020B0609020204030204" pitchFamily="49" charset="0"/>
+              </a:rPr>
+              <a:t>docker</a:t>
+            </a:r>
+            <a:r>
+              <a:rPr lang="de-DE" dirty="0">
+                <a:latin typeface="Consolas" panose="020B0609020204030204" pitchFamily="49" charset="0"/>
+              </a:rPr>
+              <a:t> tag </a:t>
+            </a:r>
+            <a:r>
+              <a:rPr lang="de-DE" dirty="0"/>
+              <a:t>Befehl taggen</a:t>
+            </a:r>
+          </a:p>
+          <a:p>
+            <a:pPr>
+              <a:buFont typeface="Arial" panose="020B0604020202020204" pitchFamily="34" charset="0"/>
+              <a:buChar char="•"/>
+            </a:pPr>
+            <a:endParaRPr lang="de-DE" dirty="0"/>
           </a:p>
           <a:p>
             <a:pPr marL="0" indent="0">
               <a:buNone/>
             </a:pPr>
-            <a:endParaRPr lang="de-DE" b="1" dirty="0"/>
-          </a:p>
-          <a:p>
-            <a:pPr>
-              <a:buFont typeface="Arial" panose="020B0604020202020204" pitchFamily="34" charset="0"/>
-              <a:buChar char="•"/>
-            </a:pPr>
-            <a:r>
-              <a:rPr lang="de-DE" dirty="0"/>
-              <a:t>Lesbarkeit</a:t>
-            </a:r>
-          </a:p>
-          <a:p>
-            <a:pPr lvl="1">
-              <a:buFont typeface="Arial" panose="020B0604020202020204" pitchFamily="34" charset="0"/>
-              <a:buChar char="•"/>
-            </a:pPr>
-            <a:r>
-              <a:rPr lang="de-DE" dirty="0"/>
-              <a:t>ID vs. Tag (lesbar und benutzerfreundlicher)</a:t>
-            </a:r>
-          </a:p>
-          <a:p>
-            <a:pPr>
-              <a:buFont typeface="Arial" panose="020B0604020202020204" pitchFamily="34" charset="0"/>
-              <a:buChar char="•"/>
-            </a:pPr>
-            <a:r>
-              <a:rPr lang="de-DE" dirty="0"/>
-              <a:t>Versionskontrolle</a:t>
-            </a:r>
-          </a:p>
-          <a:p>
-            <a:pPr lvl="1">
-              <a:buFont typeface="Arial" panose="020B0604020202020204" pitchFamily="34" charset="0"/>
-              <a:buChar char="•"/>
-            </a:pPr>
-            <a:r>
-              <a:rPr lang="de-DE" dirty="0"/>
-              <a:t>Wartung verschiedener Versionen</a:t>
-            </a:r>
-          </a:p>
-          <a:p>
-            <a:pPr>
-              <a:buFont typeface="Arial" panose="020B0604020202020204" pitchFamily="34" charset="0"/>
-              <a:buChar char="•"/>
-            </a:pPr>
-            <a:r>
-              <a:rPr lang="de-DE" dirty="0"/>
-              <a:t>Rückverfolgbarkeit und Verantwortlichkeit</a:t>
-            </a:r>
-          </a:p>
-          <a:p>
-            <a:pPr lvl="1">
-              <a:buFont typeface="Arial" panose="020B0604020202020204" pitchFamily="34" charset="0"/>
-              <a:buChar char="•"/>
-            </a:pPr>
-            <a:r>
-              <a:rPr lang="de-DE" dirty="0"/>
-              <a:t>Herkunft und Verlauf eines </a:t>
-            </a:r>
-            <a:r>
-              <a:rPr lang="de-DE" dirty="0" err="1"/>
-              <a:t>Builds</a:t>
-            </a:r>
-            <a:endParaRPr lang="de-DE" dirty="0"/>
-          </a:p>
-          <a:p>
-            <a:pPr lvl="1">
-              <a:buFont typeface="Arial" panose="020B0604020202020204" pitchFamily="34" charset="0"/>
-              <a:buChar char="•"/>
-            </a:pPr>
-            <a:r>
-              <a:rPr lang="de-DE" dirty="0"/>
-              <a:t>Historie</a:t>
-            </a:r>
-          </a:p>
-          <a:p>
-            <a:pPr>
-              <a:buFont typeface="Arial" panose="020B0604020202020204" pitchFamily="34" charset="0"/>
-              <a:buChar char="•"/>
-            </a:pPr>
-            <a:r>
-              <a:rPr lang="de-DE" dirty="0"/>
-              <a:t>Vereinfachtes </a:t>
-            </a:r>
-            <a:r>
-              <a:rPr lang="de-DE" dirty="0" err="1"/>
-              <a:t>Deployment</a:t>
-            </a:r>
-            <a:r>
-              <a:rPr lang="de-DE" dirty="0"/>
-              <a:t> &amp; Automatisierung</a:t>
-            </a:r>
-          </a:p>
-          <a:p>
-            <a:pPr lvl="1">
-              <a:buFont typeface="Arial" panose="020B0604020202020204" pitchFamily="34" charset="0"/>
-              <a:buChar char="•"/>
-            </a:pPr>
-            <a:r>
-              <a:rPr lang="de-DE" dirty="0"/>
-              <a:t>Durch konsistente Tagging-Strategie</a:t>
+            <a:r>
+              <a:rPr lang="de-DE" dirty="0" err="1">
+                <a:latin typeface="Consolas" panose="020B0609020204030204" pitchFamily="49" charset="0"/>
+              </a:rPr>
+              <a:t>docker</a:t>
+            </a:r>
+            <a:r>
+              <a:rPr lang="de-DE" dirty="0">
+                <a:latin typeface="Consolas" panose="020B0609020204030204" pitchFamily="49" charset="0"/>
+              </a:rPr>
+              <a:t> tag [IMAGE_ID] [</a:t>
+            </a:r>
+            <a:r>
+              <a:rPr lang="de-DE" dirty="0" err="1">
+                <a:latin typeface="Consolas" panose="020B0609020204030204" pitchFamily="49" charset="0"/>
+              </a:rPr>
+              <a:t>repository</a:t>
+            </a:r>
+            <a:r>
+              <a:rPr lang="de-DE" dirty="0">
+                <a:latin typeface="Consolas" panose="020B0609020204030204" pitchFamily="49" charset="0"/>
+              </a:rPr>
+              <a:t>]:[TAG] </a:t>
             </a:r>
           </a:p>
         </p:txBody>
@@ -17205,7 +16351,7 @@
     </p:spTree>
     <p:extLst>
       <p:ext uri="{BB962C8B-B14F-4D97-AF65-F5344CB8AC3E}">
-        <p14:creationId xmlns:p14="http://schemas.microsoft.com/office/powerpoint/2010/main" val="2151935054"/>
+        <p14:creationId xmlns:p14="http://schemas.microsoft.com/office/powerpoint/2010/main" val="3788244119"/>
       </p:ext>
     </p:extLst>
   </p:cSld>
@@ -17295,94 +16441,96 @@
             </a:pPr>
             <a:r>
               <a:rPr lang="de-DE" b="1" dirty="0"/>
-              <a:t>Tagging </a:t>
-            </a:r>
-            <a:r>
-              <a:rPr lang="de-DE" b="1" u="sng" dirty="0"/>
-              <a:t>während</a:t>
-            </a:r>
-            <a:r>
-              <a:rPr lang="de-DE" b="1" dirty="0"/>
-              <a:t> des </a:t>
-            </a:r>
-            <a:r>
-              <a:rPr lang="de-DE" b="1" dirty="0" err="1"/>
-              <a:t>Builds</a:t>
-            </a:r>
-            <a:endParaRPr lang="de-DE" b="1" dirty="0"/>
-          </a:p>
-          <a:p>
-            <a:pPr>
-              <a:buFont typeface="Arial" panose="020B0604020202020204" pitchFamily="34" charset="0"/>
-              <a:buChar char="•"/>
-            </a:pPr>
-            <a:r>
-              <a:rPr lang="de-DE" dirty="0"/>
-              <a:t>Mit dem –t </a:t>
-            </a:r>
-            <a:r>
-              <a:rPr lang="de-DE" dirty="0" err="1"/>
-              <a:t>Flag</a:t>
-            </a:r>
-            <a:r>
-              <a:rPr lang="de-DE" dirty="0"/>
-              <a:t> während des </a:t>
-            </a:r>
-            <a:r>
-              <a:rPr lang="de-DE" dirty="0" err="1"/>
-              <a:t>Build</a:t>
-            </a:r>
-            <a:r>
-              <a:rPr lang="de-DE" dirty="0"/>
-              <a:t>-Prozesses</a:t>
-            </a:r>
-          </a:p>
-          <a:p>
-            <a:pPr>
-              <a:buFont typeface="Arial" panose="020B0604020202020204" pitchFamily="34" charset="0"/>
-              <a:buChar char="•"/>
-            </a:pPr>
-            <a:endParaRPr lang="de-DE" dirty="0"/>
+              <a:t>Best Practices</a:t>
+            </a:r>
           </a:p>
           <a:p>
             <a:pPr marL="0" indent="0">
               <a:buNone/>
             </a:pPr>
-            <a:r>
-              <a:rPr lang="de-DE" dirty="0" err="1">
-                <a:latin typeface="Consolas" panose="020B0609020204030204" pitchFamily="49" charset="0"/>
-              </a:rPr>
-              <a:t>docker</a:t>
-            </a:r>
-            <a:r>
-              <a:rPr lang="de-DE" dirty="0">
-                <a:latin typeface="Consolas" panose="020B0609020204030204" pitchFamily="49" charset="0"/>
-              </a:rPr>
-              <a:t> </a:t>
-            </a:r>
-            <a:r>
-              <a:rPr lang="de-DE" dirty="0" err="1">
-                <a:latin typeface="Consolas" panose="020B0609020204030204" pitchFamily="49" charset="0"/>
-              </a:rPr>
-              <a:t>build</a:t>
-            </a:r>
-            <a:r>
-              <a:rPr lang="de-DE" dirty="0">
-                <a:latin typeface="Consolas" panose="020B0609020204030204" pitchFamily="49" charset="0"/>
-              </a:rPr>
-              <a:t> –t [</a:t>
-            </a:r>
-            <a:r>
-              <a:rPr lang="de-DE" dirty="0" err="1">
-                <a:latin typeface="Consolas" panose="020B0609020204030204" pitchFamily="49" charset="0"/>
-              </a:rPr>
-              <a:t>repository</a:t>
-            </a:r>
-            <a:r>
-              <a:rPr lang="de-DE" dirty="0">
-                <a:latin typeface="Consolas" panose="020B0609020204030204" pitchFamily="49" charset="0"/>
-              </a:rPr>
-              <a:t>]:[TAG] .</a:t>
+            <a:endParaRPr lang="de-DE" b="1" dirty="0"/>
+          </a:p>
+          <a:p>
+            <a:pPr>
+              <a:buFont typeface="Arial" panose="020B0604020202020204" pitchFamily="34" charset="0"/>
+              <a:buChar char="•"/>
+            </a:pPr>
+            <a:r>
+              <a:rPr lang="de-DE" dirty="0"/>
+              <a:t>Aussagekräftige Tags</a:t>
+            </a:r>
+          </a:p>
+          <a:p>
+            <a:pPr lvl="1">
+              <a:buFont typeface="Arial" panose="020B0604020202020204" pitchFamily="34" charset="0"/>
+              <a:buChar char="•"/>
+            </a:pPr>
+            <a:r>
+              <a:rPr lang="de-DE" dirty="0"/>
+              <a:t>Selbstbeschreibend</a:t>
+            </a:r>
+          </a:p>
+          <a:p>
+            <a:pPr lvl="1">
+              <a:buFont typeface="Arial" panose="020B0604020202020204" pitchFamily="34" charset="0"/>
+              <a:buChar char="•"/>
+            </a:pPr>
+            <a:r>
+              <a:rPr lang="de-DE" dirty="0"/>
+              <a:t>Version oder Zustand</a:t>
+            </a:r>
+          </a:p>
+          <a:p>
+            <a:pPr marL="457200" lvl="1" indent="0">
+              <a:buNone/>
+            </a:pPr>
+            <a:endParaRPr lang="de-DE" dirty="0"/>
+          </a:p>
+          <a:p>
+            <a:pPr>
+              <a:buFont typeface="Arial" panose="020B0604020202020204" pitchFamily="34" charset="0"/>
+              <a:buChar char="•"/>
+            </a:pPr>
+            <a:r>
+              <a:rPr lang="de-DE" dirty="0"/>
+              <a:t>Konsistenz</a:t>
+            </a:r>
+          </a:p>
+          <a:p>
+            <a:pPr lvl="1">
+              <a:buFont typeface="Arial" panose="020B0604020202020204" pitchFamily="34" charset="0"/>
+              <a:buChar char="•"/>
+            </a:pPr>
+            <a:r>
+              <a:rPr lang="de-DE" dirty="0"/>
+              <a:t>Einheitliches Tagging-Schema (Strategie)</a:t>
+            </a:r>
+          </a:p>
+          <a:p>
+            <a:pPr lvl="1">
+              <a:buFont typeface="Arial" panose="020B0604020202020204" pitchFamily="34" charset="0"/>
+              <a:buChar char="•"/>
+            </a:pPr>
+            <a:endParaRPr lang="de-DE" dirty="0"/>
+          </a:p>
+          <a:p>
+            <a:pPr>
+              <a:buFont typeface="Arial" panose="020B0604020202020204" pitchFamily="34" charset="0"/>
+              <a:buChar char="•"/>
+            </a:pPr>
+            <a:r>
+              <a:rPr lang="de-DE" dirty="0"/>
+              <a:t>Regelmäßige Updates</a:t>
+            </a:r>
+          </a:p>
+          <a:p>
+            <a:pPr lvl="1">
+              <a:buFont typeface="Arial" panose="020B0604020202020204" pitchFamily="34" charset="0"/>
+              <a:buChar char="•"/>
+            </a:pPr>
+            <a:r>
+              <a:rPr lang="de-DE" dirty="0"/>
+              <a:t>Rolling Tags immer aktualisieren</a:t>
             </a:r>
           </a:p>
         </p:txBody>
@@ -17390,7 +16538,7 @@
     </p:spTree>
     <p:extLst>
       <p:ext uri="{BB962C8B-B14F-4D97-AF65-F5344CB8AC3E}">
-        <p14:creationId xmlns:p14="http://schemas.microsoft.com/office/powerpoint/2010/main" val="1486928609"/>
+        <p14:creationId xmlns:p14="http://schemas.microsoft.com/office/powerpoint/2010/main" val="1854948885"/>
       </p:ext>
     </p:extLst>
   </p:cSld>

--- a/slides/Tag-3_3-Release-und-Tagged-Images.pptx
+++ b/slides/Tag-3_3-Release-und-Tagged-Images.pptx
@@ -3363,7 +3363,7 @@
               <a:pPr algn="ctr">
                 <a:defRPr/>
               </a:pPr>
-              <a:t>06.09.24</a:t>
+              <a:t>19.09.2024</a:t>
             </a:fld>
             <a:endParaRPr lang="de-DE" sz="1000">
               <a:solidFill>
@@ -9842,7 +9842,7 @@
               <a:rPr lang="de-DE" dirty="0">
                 <a:latin typeface="Consolas" panose="020B0609020204030204" pitchFamily="49" charset="0"/>
               </a:rPr>
-              <a:t> –pull</a:t>
+              <a:t> --pull</a:t>
             </a:r>
           </a:p>
           <a:p>
@@ -9974,17 +9974,8 @@
               <a:rPr lang="de-DE" dirty="0">
                 <a:latin typeface="Consolas" panose="020B0609020204030204" pitchFamily="49" charset="0"/>
               </a:rPr>
-              <a:t> </a:t>
-            </a:r>
-            <a:r>
-              <a:rPr lang="de-DE" dirty="0" err="1">
-                <a:latin typeface="Consolas" panose="020B0609020204030204" pitchFamily="49" charset="0"/>
-              </a:rPr>
-              <a:t>fetch</a:t>
-            </a:r>
-            <a:endParaRPr lang="de-DE" dirty="0">
-              <a:latin typeface="Consolas" panose="020B0609020204030204" pitchFamily="49" charset="0"/>
-            </a:endParaRPr>
+              <a:t> pull</a:t>
+            </a:r>
           </a:p>
           <a:p>
             <a:pPr lvl="1">
